--- a/poster.pptx
+++ b/poster.pptx
@@ -5,10 +5,11 @@
     <p:sldMasterId id="2147483660" r:id="rId1"/>
   </p:sldMasterIdLst>
   <p:notesMasterIdLst>
-    <p:notesMasterId r:id="rId3"/>
+    <p:notesMasterId r:id="rId4"/>
   </p:notesMasterIdLst>
   <p:sldIdLst>
     <p:sldId id="256" r:id="rId2"/>
+    <p:sldId id="257" r:id="rId3"/>
   </p:sldIdLst>
   <p:sldSz cx="29519563" cy="34559875"/>
   <p:notesSz cx="6858000" cy="9144000"/>
@@ -107,7 +108,287 @@
       </a:defRPr>
     </a:lvl9pPr>
   </p:defaultTextStyle>
+  <p:extLst>
+    <p:ext uri="{EFAFB233-063F-42B5-8137-9DF3F51BA10A}">
+      <p15:sldGuideLst xmlns:p15="http://schemas.microsoft.com/office/powerpoint/2012/main"/>
+    </p:ext>
+  </p:extLst>
 </p:presentation>
+</file>
+
+<file path=ppt/revisionInfo.xml><?xml version="1.0" encoding="utf-8"?>
+<p1510:revInfo xmlns:a="http://schemas.openxmlformats.org/drawingml/2006/main" xmlns:r="http://schemas.openxmlformats.org/officeDocument/2006/relationships" xmlns:p1510="http://schemas.microsoft.com/office/powerpoint/2015/10/main">
+  <p1510:revLst>
+    <p1510:client id="{B1541A9E-69A3-4C64-B18D-7A7F88D200FD}" v="176" dt="2023-06-05T17:46:55.674"/>
+  </p1510:revLst>
+</p1510:revInfo>
+</file>
+
+<file path=ppt/changesInfos/changesInfo1.xml><?xml version="1.0" encoding="utf-8"?>
+<pc:chgInfo xmlns:a="http://schemas.openxmlformats.org/drawingml/2006/main" xmlns:r="http://schemas.openxmlformats.org/officeDocument/2006/relationships" xmlns:ac="http://schemas.microsoft.com/office/drawing/2013/main/command" xmlns:pc="http://schemas.microsoft.com/office/powerpoint/2013/main/command">
+  <pc:docChgLst>
+    <pc:chgData name="Shahar Shalom" userId="c1657878-da89-43af-9535-4a8d3e59b096" providerId="ADAL" clId="{B1541A9E-69A3-4C64-B18D-7A7F88D200FD}"/>
+    <pc:docChg chg="undo custSel addSld delSld modSld">
+      <pc:chgData name="Shahar Shalom" userId="c1657878-da89-43af-9535-4a8d3e59b096" providerId="ADAL" clId="{B1541A9E-69A3-4C64-B18D-7A7F88D200FD}" dt="2023-06-05T17:46:59.514" v="730" actId="478"/>
+      <pc:docMkLst>
+        <pc:docMk/>
+      </pc:docMkLst>
+      <pc:sldChg chg="addSp delSp modSp mod">
+        <pc:chgData name="Shahar Shalom" userId="c1657878-da89-43af-9535-4a8d3e59b096" providerId="ADAL" clId="{B1541A9E-69A3-4C64-B18D-7A7F88D200FD}" dt="2023-06-05T17:45:02.964" v="701" actId="14734"/>
+        <pc:sldMkLst>
+          <pc:docMk/>
+          <pc:sldMk cId="1000118881" sldId="256"/>
+        </pc:sldMkLst>
+        <pc:spChg chg="add del mod">
+          <ac:chgData name="Shahar Shalom" userId="c1657878-da89-43af-9535-4a8d3e59b096" providerId="ADAL" clId="{B1541A9E-69A3-4C64-B18D-7A7F88D200FD}" dt="2023-06-05T15:26:47.065" v="307"/>
+          <ac:spMkLst>
+            <pc:docMk/>
+            <pc:sldMk cId="1000118881" sldId="256"/>
+            <ac:spMk id="2" creationId="{B33A2B77-042A-2136-999B-4A44EEF860A2}"/>
+          </ac:spMkLst>
+        </pc:spChg>
+        <pc:spChg chg="add del mod">
+          <ac:chgData name="Shahar Shalom" userId="c1657878-da89-43af-9535-4a8d3e59b096" providerId="ADAL" clId="{B1541A9E-69A3-4C64-B18D-7A7F88D200FD}" dt="2023-06-05T17:03:50.848" v="477" actId="478"/>
+          <ac:spMkLst>
+            <pc:docMk/>
+            <pc:sldMk cId="1000118881" sldId="256"/>
+            <ac:spMk id="3" creationId="{A001B1F7-9613-B9B0-B988-694246FFA641}"/>
+          </ac:spMkLst>
+        </pc:spChg>
+        <pc:spChg chg="add mod">
+          <ac:chgData name="Shahar Shalom" userId="c1657878-da89-43af-9535-4a8d3e59b096" providerId="ADAL" clId="{B1541A9E-69A3-4C64-B18D-7A7F88D200FD}" dt="2023-06-05T17:10:55.508" v="565" actId="20577"/>
+          <ac:spMkLst>
+            <pc:docMk/>
+            <pc:sldMk cId="1000118881" sldId="256"/>
+            <ac:spMk id="4" creationId="{902ED1D7-E996-EF69-829B-593F4BE2D5F1}"/>
+          </ac:spMkLst>
+        </pc:spChg>
+        <pc:spChg chg="mod">
+          <ac:chgData name="Shahar Shalom" userId="c1657878-da89-43af-9535-4a8d3e59b096" providerId="ADAL" clId="{B1541A9E-69A3-4C64-B18D-7A7F88D200FD}" dt="2023-06-05T14:52:11.784" v="27" actId="14100"/>
+          <ac:spMkLst>
+            <pc:docMk/>
+            <pc:sldMk cId="1000118881" sldId="256"/>
+            <ac:spMk id="16" creationId="{D98B7141-C41B-A5BE-701F-B9FA0C4CCF41}"/>
+          </ac:spMkLst>
+        </pc:spChg>
+        <pc:graphicFrameChg chg="add mod modGraphic">
+          <ac:chgData name="Shahar Shalom" userId="c1657878-da89-43af-9535-4a8d3e59b096" providerId="ADAL" clId="{B1541A9E-69A3-4C64-B18D-7A7F88D200FD}" dt="2023-06-05T17:39:39.237" v="684" actId="1076"/>
+          <ac:graphicFrameMkLst>
+            <pc:docMk/>
+            <pc:sldMk cId="1000118881" sldId="256"/>
+            <ac:graphicFrameMk id="25" creationId="{1C7C5583-4E92-42BA-CDC5-332F860C9B86}"/>
+          </ac:graphicFrameMkLst>
+        </pc:graphicFrameChg>
+        <pc:graphicFrameChg chg="mod modGraphic">
+          <ac:chgData name="Shahar Shalom" userId="c1657878-da89-43af-9535-4a8d3e59b096" providerId="ADAL" clId="{B1541A9E-69A3-4C64-B18D-7A7F88D200FD}" dt="2023-06-05T14:56:36.318" v="44" actId="20577"/>
+          <ac:graphicFrameMkLst>
+            <pc:docMk/>
+            <pc:sldMk cId="1000118881" sldId="256"/>
+            <ac:graphicFrameMk id="29" creationId="{632DFCB4-1B29-05AE-D500-EF466CED6387}"/>
+          </ac:graphicFrameMkLst>
+        </pc:graphicFrameChg>
+        <pc:graphicFrameChg chg="mod modGraphic">
+          <ac:chgData name="Shahar Shalom" userId="c1657878-da89-43af-9535-4a8d3e59b096" providerId="ADAL" clId="{B1541A9E-69A3-4C64-B18D-7A7F88D200FD}" dt="2023-06-05T15:26:59.257" v="312" actId="14100"/>
+          <ac:graphicFrameMkLst>
+            <pc:docMk/>
+            <pc:sldMk cId="1000118881" sldId="256"/>
+            <ac:graphicFrameMk id="36" creationId="{B7C1B329-22CD-BFC1-156D-6264B8ED551F}"/>
+          </ac:graphicFrameMkLst>
+        </pc:graphicFrameChg>
+        <pc:graphicFrameChg chg="mod">
+          <ac:chgData name="Shahar Shalom" userId="c1657878-da89-43af-9535-4a8d3e59b096" providerId="ADAL" clId="{B1541A9E-69A3-4C64-B18D-7A7F88D200FD}" dt="2023-06-05T15:25:18.183" v="280"/>
+          <ac:graphicFrameMkLst>
+            <pc:docMk/>
+            <pc:sldMk cId="1000118881" sldId="256"/>
+            <ac:graphicFrameMk id="37" creationId="{5F827F28-C2F2-38B5-29FB-77D425C2B5E8}"/>
+          </ac:graphicFrameMkLst>
+        </pc:graphicFrameChg>
+        <pc:graphicFrameChg chg="mod modGraphic">
+          <ac:chgData name="Shahar Shalom" userId="c1657878-da89-43af-9535-4a8d3e59b096" providerId="ADAL" clId="{B1541A9E-69A3-4C64-B18D-7A7F88D200FD}" dt="2023-06-05T17:05:17.030" v="493"/>
+          <ac:graphicFrameMkLst>
+            <pc:docMk/>
+            <pc:sldMk cId="1000118881" sldId="256"/>
+            <ac:graphicFrameMk id="38" creationId="{D427151E-66F0-FCB6-3D6D-D9E7DF69BFDA}"/>
+          </ac:graphicFrameMkLst>
+        </pc:graphicFrameChg>
+        <pc:graphicFrameChg chg="mod modGraphic">
+          <ac:chgData name="Shahar Shalom" userId="c1657878-da89-43af-9535-4a8d3e59b096" providerId="ADAL" clId="{B1541A9E-69A3-4C64-B18D-7A7F88D200FD}" dt="2023-06-05T17:45:02.964" v="701" actId="14734"/>
+          <ac:graphicFrameMkLst>
+            <pc:docMk/>
+            <pc:sldMk cId="1000118881" sldId="256"/>
+            <ac:graphicFrameMk id="41" creationId="{87C34A28-1550-8A00-8213-E8C2029623E4}"/>
+          </ac:graphicFrameMkLst>
+        </pc:graphicFrameChg>
+        <pc:picChg chg="add del mod">
+          <ac:chgData name="Shahar Shalom" userId="c1657878-da89-43af-9535-4a8d3e59b096" providerId="ADAL" clId="{B1541A9E-69A3-4C64-B18D-7A7F88D200FD}" dt="2023-06-05T17:06:20.102" v="497" actId="478"/>
+          <ac:picMkLst>
+            <pc:docMk/>
+            <pc:sldMk cId="1000118881" sldId="256"/>
+            <ac:picMk id="6" creationId="{AC78472E-BEB9-8F1F-9AD6-BBE9B3453551}"/>
+          </ac:picMkLst>
+        </pc:picChg>
+        <pc:picChg chg="add del mod">
+          <ac:chgData name="Shahar Shalom" userId="c1657878-da89-43af-9535-4a8d3e59b096" providerId="ADAL" clId="{B1541A9E-69A3-4C64-B18D-7A7F88D200FD}" dt="2023-06-05T17:07:03.310" v="501" actId="478"/>
+          <ac:picMkLst>
+            <pc:docMk/>
+            <pc:sldMk cId="1000118881" sldId="256"/>
+            <ac:picMk id="8" creationId="{4464F021-2135-5759-578A-0E47B3EA3163}"/>
+          </ac:picMkLst>
+        </pc:picChg>
+        <pc:picChg chg="add del mod">
+          <ac:chgData name="Shahar Shalom" userId="c1657878-da89-43af-9535-4a8d3e59b096" providerId="ADAL" clId="{B1541A9E-69A3-4C64-B18D-7A7F88D200FD}" dt="2023-06-05T17:08:25.589" v="509" actId="478"/>
+          <ac:picMkLst>
+            <pc:docMk/>
+            <pc:sldMk cId="1000118881" sldId="256"/>
+            <ac:picMk id="10" creationId="{F09E36AB-BD31-C8D6-A946-2EE58AE932C0}"/>
+          </ac:picMkLst>
+        </pc:picChg>
+        <pc:picChg chg="add mod">
+          <ac:chgData name="Shahar Shalom" userId="c1657878-da89-43af-9535-4a8d3e59b096" providerId="ADAL" clId="{B1541A9E-69A3-4C64-B18D-7A7F88D200FD}" dt="2023-06-05T17:34:48.356" v="669" actId="14100"/>
+          <ac:picMkLst>
+            <pc:docMk/>
+            <pc:sldMk cId="1000118881" sldId="256"/>
+            <ac:picMk id="12" creationId="{64B92B50-C75F-DFD6-5C24-3116D80DA9FB}"/>
+          </ac:picMkLst>
+        </pc:picChg>
+        <pc:picChg chg="add mod">
+          <ac:chgData name="Shahar Shalom" userId="c1657878-da89-43af-9535-4a8d3e59b096" providerId="ADAL" clId="{B1541A9E-69A3-4C64-B18D-7A7F88D200FD}" dt="2023-06-05T17:33:07.011" v="667" actId="1076"/>
+          <ac:picMkLst>
+            <pc:docMk/>
+            <pc:sldMk cId="1000118881" sldId="256"/>
+            <ac:picMk id="14" creationId="{76C44484-5FED-B635-14D0-FFCBD25AFD57}"/>
+          </ac:picMkLst>
+        </pc:picChg>
+        <pc:picChg chg="add mod">
+          <ac:chgData name="Shahar Shalom" userId="c1657878-da89-43af-9535-4a8d3e59b096" providerId="ADAL" clId="{B1541A9E-69A3-4C64-B18D-7A7F88D200FD}" dt="2023-06-05T17:34:48.356" v="669" actId="14100"/>
+          <ac:picMkLst>
+            <pc:docMk/>
+            <pc:sldMk cId="1000118881" sldId="256"/>
+            <ac:picMk id="19" creationId="{1D90C954-C4BF-FD27-0BD1-0C1E40F43CC9}"/>
+          </ac:picMkLst>
+        </pc:picChg>
+        <pc:picChg chg="add mod">
+          <ac:chgData name="Shahar Shalom" userId="c1657878-da89-43af-9535-4a8d3e59b096" providerId="ADAL" clId="{B1541A9E-69A3-4C64-B18D-7A7F88D200FD}" dt="2023-06-05T17:33:03.502" v="666" actId="1076"/>
+          <ac:picMkLst>
+            <pc:docMk/>
+            <pc:sldMk cId="1000118881" sldId="256"/>
+            <ac:picMk id="21" creationId="{59BA1690-E80A-9442-54D3-7167D9B60940}"/>
+          </ac:picMkLst>
+        </pc:picChg>
+        <pc:picChg chg="add del">
+          <ac:chgData name="Shahar Shalom" userId="c1657878-da89-43af-9535-4a8d3e59b096" providerId="ADAL" clId="{B1541A9E-69A3-4C64-B18D-7A7F88D200FD}" dt="2023-06-05T17:40:25.444" v="687" actId="478"/>
+          <ac:picMkLst>
+            <pc:docMk/>
+            <pc:sldMk cId="1000118881" sldId="256"/>
+            <ac:picMk id="23" creationId="{C876177E-FB66-B35A-4A0E-0090808E5628}"/>
+          </ac:picMkLst>
+        </pc:picChg>
+        <pc:picChg chg="add del mod">
+          <ac:chgData name="Shahar Shalom" userId="c1657878-da89-43af-9535-4a8d3e59b096" providerId="ADAL" clId="{B1541A9E-69A3-4C64-B18D-7A7F88D200FD}" dt="2023-06-05T17:39:22.722" v="678" actId="478"/>
+          <ac:picMkLst>
+            <pc:docMk/>
+            <pc:sldMk cId="1000118881" sldId="256"/>
+            <ac:picMk id="24" creationId="{E96B7032-E312-5917-2CCC-27E415AB6ED1}"/>
+          </ac:picMkLst>
+        </pc:picChg>
+        <pc:picChg chg="del mod">
+          <ac:chgData name="Shahar Shalom" userId="c1657878-da89-43af-9535-4a8d3e59b096" providerId="ADAL" clId="{B1541A9E-69A3-4C64-B18D-7A7F88D200FD}" dt="2023-06-05T15:20:15.086" v="275" actId="478"/>
+          <ac:picMkLst>
+            <pc:docMk/>
+            <pc:sldMk cId="1000118881" sldId="256"/>
+            <ac:picMk id="40" creationId="{04A076FA-E14E-633A-47E1-F2510D651FCB}"/>
+          </ac:picMkLst>
+        </pc:picChg>
+        <pc:picChg chg="del mod">
+          <ac:chgData name="Shahar Shalom" userId="c1657878-da89-43af-9535-4a8d3e59b096" providerId="ADAL" clId="{B1541A9E-69A3-4C64-B18D-7A7F88D200FD}" dt="2023-06-05T16:56:55.127" v="349" actId="478"/>
+          <ac:picMkLst>
+            <pc:docMk/>
+            <pc:sldMk cId="1000118881" sldId="256"/>
+            <ac:picMk id="47" creationId="{5C7CA0DF-F647-5FE3-6A45-BDD20C6F8E16}"/>
+          </ac:picMkLst>
+        </pc:picChg>
+        <pc:picChg chg="del">
+          <ac:chgData name="Shahar Shalom" userId="c1657878-da89-43af-9535-4a8d3e59b096" providerId="ADAL" clId="{B1541A9E-69A3-4C64-B18D-7A7F88D200FD}" dt="2023-06-05T17:32:25.495" v="650" actId="478"/>
+          <ac:picMkLst>
+            <pc:docMk/>
+            <pc:sldMk cId="1000118881" sldId="256"/>
+            <ac:picMk id="51" creationId="{08A11DC0-3B74-C9F3-C507-25A53267054D}"/>
+          </ac:picMkLst>
+        </pc:picChg>
+        <pc:picChg chg="del">
+          <ac:chgData name="Shahar Shalom" userId="c1657878-da89-43af-9535-4a8d3e59b096" providerId="ADAL" clId="{B1541A9E-69A3-4C64-B18D-7A7F88D200FD}" dt="2023-06-05T17:32:25.981" v="651" actId="478"/>
+          <ac:picMkLst>
+            <pc:docMk/>
+            <pc:sldMk cId="1000118881" sldId="256"/>
+            <ac:picMk id="53" creationId="{0091DE6F-946A-F80B-A01F-F5ECC94F5985}"/>
+          </ac:picMkLst>
+        </pc:picChg>
+      </pc:sldChg>
+      <pc:sldChg chg="addSp delSp modSp new del mod">
+        <pc:chgData name="Shahar Shalom" userId="c1657878-da89-43af-9535-4a8d3e59b096" providerId="ADAL" clId="{B1541A9E-69A3-4C64-B18D-7A7F88D200FD}" dt="2023-06-05T17:40:09.299" v="685" actId="2696"/>
+        <pc:sldMkLst>
+          <pc:docMk/>
+          <pc:sldMk cId="1335895925" sldId="257"/>
+        </pc:sldMkLst>
+        <pc:spChg chg="del">
+          <ac:chgData name="Shahar Shalom" userId="c1657878-da89-43af-9535-4a8d3e59b096" providerId="ADAL" clId="{B1541A9E-69A3-4C64-B18D-7A7F88D200FD}" dt="2023-06-05T15:25:29.970" v="282" actId="478"/>
+          <ac:spMkLst>
+            <pc:docMk/>
+            <pc:sldMk cId="1335895925" sldId="257"/>
+            <ac:spMk id="2" creationId="{917C8C31-ABA1-44E7-A907-6BA71A143037}"/>
+          </ac:spMkLst>
+        </pc:spChg>
+        <pc:spChg chg="del">
+          <ac:chgData name="Shahar Shalom" userId="c1657878-da89-43af-9535-4a8d3e59b096" providerId="ADAL" clId="{B1541A9E-69A3-4C64-B18D-7A7F88D200FD}" dt="2023-06-05T15:25:29.970" v="282" actId="478"/>
+          <ac:spMkLst>
+            <pc:docMk/>
+            <pc:sldMk cId="1335895925" sldId="257"/>
+            <ac:spMk id="3" creationId="{2A33F44A-9ADA-059A-2788-E40270A867B6}"/>
+          </ac:spMkLst>
+        </pc:spChg>
+        <pc:spChg chg="add del mod">
+          <ac:chgData name="Shahar Shalom" userId="c1657878-da89-43af-9535-4a8d3e59b096" providerId="ADAL" clId="{B1541A9E-69A3-4C64-B18D-7A7F88D200FD}" dt="2023-06-05T17:10:21.828" v="561" actId="478"/>
+          <ac:spMkLst>
+            <pc:docMk/>
+            <pc:sldMk cId="1335895925" sldId="257"/>
+            <ac:spMk id="5" creationId="{55E7DAA3-EE6F-0CCB-FF0A-5C372B62F158}"/>
+          </ac:spMkLst>
+        </pc:spChg>
+        <pc:graphicFrameChg chg="add del mod modGraphic">
+          <ac:chgData name="Shahar Shalom" userId="c1657878-da89-43af-9535-4a8d3e59b096" providerId="ADAL" clId="{B1541A9E-69A3-4C64-B18D-7A7F88D200FD}" dt="2023-06-05T17:39:15.551" v="675" actId="21"/>
+          <ac:graphicFrameMkLst>
+            <pc:docMk/>
+            <pc:sldMk cId="1335895925" sldId="257"/>
+            <ac:graphicFrameMk id="6" creationId="{63C4570E-7631-A82C-DBDC-183056BC707A}"/>
+          </ac:graphicFrameMkLst>
+        </pc:graphicFrameChg>
+      </pc:sldChg>
+      <pc:sldChg chg="addSp delSp modSp add mod setBg">
+        <pc:chgData name="Shahar Shalom" userId="c1657878-da89-43af-9535-4a8d3e59b096" providerId="ADAL" clId="{B1541A9E-69A3-4C64-B18D-7A7F88D200FD}" dt="2023-06-05T17:46:59.514" v="730" actId="478"/>
+        <pc:sldMkLst>
+          <pc:docMk/>
+          <pc:sldMk cId="3381761132" sldId="257"/>
+        </pc:sldMkLst>
+        <pc:picChg chg="add del mod">
+          <ac:chgData name="Shahar Shalom" userId="c1657878-da89-43af-9535-4a8d3e59b096" providerId="ADAL" clId="{B1541A9E-69A3-4C64-B18D-7A7F88D200FD}" dt="2023-06-05T17:46:59.514" v="730" actId="478"/>
+          <ac:picMkLst>
+            <pc:docMk/>
+            <pc:sldMk cId="3381761132" sldId="257"/>
+            <ac:picMk id="2" creationId="{D33EBBF8-6274-F417-5FDD-E6131869083F}"/>
+          </ac:picMkLst>
+        </pc:picChg>
+        <pc:picChg chg="del">
+          <ac:chgData name="Shahar Shalom" userId="c1657878-da89-43af-9535-4a8d3e59b096" providerId="ADAL" clId="{B1541A9E-69A3-4C64-B18D-7A7F88D200FD}" dt="2023-06-05T17:40:45.524" v="689" actId="478"/>
+          <ac:picMkLst>
+            <pc:docMk/>
+            <pc:sldMk cId="3381761132" sldId="257"/>
+            <ac:picMk id="23" creationId="{C876177E-FB66-B35A-4A0E-0090808E5628}"/>
+          </ac:picMkLst>
+        </pc:picChg>
+      </pc:sldChg>
+    </pc:docChg>
+  </pc:docChgLst>
+</pc:chgInfo>
 </file>
 
 <file path=ppt/notesMasters/notesMaster1.xml><?xml version="1.0" encoding="utf-8"?>
@@ -192,7 +473,7 @@
           <a:p>
             <a:fld id="{CFC00A23-1BFE-4A7E-A521-7B2182A093B7}" type="datetimeFigureOut">
               <a:rPr lang="he-IL" smtClean="0"/>
-              <a:t>ט"ו/סיון/תשפ"ג</a:t>
+              <a:t>ט"ז/סיון/תשפ"ג</a:t>
             </a:fld>
             <a:endParaRPr lang="he-IL"/>
           </a:p>
@@ -591,7 +872,7 @@
           <a:p>
             <a:fld id="{449B0C55-391A-4BA7-BF59-0A370099757C}" type="datetimeFigureOut">
               <a:rPr lang="he-IL" smtClean="0"/>
-              <a:t>ט"ו/סיון/תשפ"ג</a:t>
+              <a:t>ט"ז/סיון/תשפ"ג</a:t>
             </a:fld>
             <a:endParaRPr lang="he-IL"/>
           </a:p>
@@ -761,7 +1042,7 @@
           <a:p>
             <a:fld id="{449B0C55-391A-4BA7-BF59-0A370099757C}" type="datetimeFigureOut">
               <a:rPr lang="he-IL" smtClean="0"/>
-              <a:t>ט"ו/סיון/תשפ"ג</a:t>
+              <a:t>ט"ז/סיון/תשפ"ג</a:t>
             </a:fld>
             <a:endParaRPr lang="he-IL"/>
           </a:p>
@@ -941,7 +1222,7 @@
           <a:p>
             <a:fld id="{449B0C55-391A-4BA7-BF59-0A370099757C}" type="datetimeFigureOut">
               <a:rPr lang="he-IL" smtClean="0"/>
-              <a:t>ט"ו/סיון/תשפ"ג</a:t>
+              <a:t>ט"ז/סיון/תשפ"ג</a:t>
             </a:fld>
             <a:endParaRPr lang="he-IL"/>
           </a:p>
@@ -1111,7 +1392,7 @@
           <a:p>
             <a:fld id="{449B0C55-391A-4BA7-BF59-0A370099757C}" type="datetimeFigureOut">
               <a:rPr lang="he-IL" smtClean="0"/>
-              <a:t>ט"ו/סיון/תשפ"ג</a:t>
+              <a:t>ט"ז/סיון/תשפ"ג</a:t>
             </a:fld>
             <a:endParaRPr lang="he-IL"/>
           </a:p>
@@ -1355,7 +1636,7 @@
           <a:p>
             <a:fld id="{449B0C55-391A-4BA7-BF59-0A370099757C}" type="datetimeFigureOut">
               <a:rPr lang="he-IL" smtClean="0"/>
-              <a:t>ט"ו/סיון/תשפ"ג</a:t>
+              <a:t>ט"ז/סיון/תשפ"ג</a:t>
             </a:fld>
             <a:endParaRPr lang="he-IL"/>
           </a:p>
@@ -1587,7 +1868,7 @@
           <a:p>
             <a:fld id="{449B0C55-391A-4BA7-BF59-0A370099757C}" type="datetimeFigureOut">
               <a:rPr lang="he-IL" smtClean="0"/>
-              <a:t>ט"ו/סיון/תשפ"ג</a:t>
+              <a:t>ט"ז/סיון/תשפ"ג</a:t>
             </a:fld>
             <a:endParaRPr lang="he-IL"/>
           </a:p>
@@ -1954,7 +2235,7 @@
           <a:p>
             <a:fld id="{449B0C55-391A-4BA7-BF59-0A370099757C}" type="datetimeFigureOut">
               <a:rPr lang="he-IL" smtClean="0"/>
-              <a:t>ט"ו/סיון/תשפ"ג</a:t>
+              <a:t>ט"ז/סיון/תשפ"ג</a:t>
             </a:fld>
             <a:endParaRPr lang="he-IL"/>
           </a:p>
@@ -2072,7 +2353,7 @@
           <a:p>
             <a:fld id="{449B0C55-391A-4BA7-BF59-0A370099757C}" type="datetimeFigureOut">
               <a:rPr lang="he-IL" smtClean="0"/>
-              <a:t>ט"ו/סיון/תשפ"ג</a:t>
+              <a:t>ט"ז/סיון/תשפ"ג</a:t>
             </a:fld>
             <a:endParaRPr lang="he-IL"/>
           </a:p>
@@ -2167,7 +2448,7 @@
           <a:p>
             <a:fld id="{449B0C55-391A-4BA7-BF59-0A370099757C}" type="datetimeFigureOut">
               <a:rPr lang="he-IL" smtClean="0"/>
-              <a:t>ט"ו/סיון/תשפ"ג</a:t>
+              <a:t>ט"ז/סיון/תשפ"ג</a:t>
             </a:fld>
             <a:endParaRPr lang="he-IL"/>
           </a:p>
@@ -2444,7 +2725,7 @@
           <a:p>
             <a:fld id="{449B0C55-391A-4BA7-BF59-0A370099757C}" type="datetimeFigureOut">
               <a:rPr lang="he-IL" smtClean="0"/>
-              <a:t>ט"ו/סיון/תשפ"ג</a:t>
+              <a:t>ט"ז/סיון/תשפ"ג</a:t>
             </a:fld>
             <a:endParaRPr lang="he-IL"/>
           </a:p>
@@ -2701,7 +2982,7 @@
           <a:p>
             <a:fld id="{449B0C55-391A-4BA7-BF59-0A370099757C}" type="datetimeFigureOut">
               <a:rPr lang="he-IL" smtClean="0"/>
-              <a:t>ט"ו/סיון/תשפ"ג</a:t>
+              <a:t>ט"ז/סיון/תשפ"ג</a:t>
             </a:fld>
             <a:endParaRPr lang="he-IL"/>
           </a:p>
@@ -2914,7 +3195,7 @@
           <a:p>
             <a:fld id="{449B0C55-391A-4BA7-BF59-0A370099757C}" type="datetimeFigureOut">
               <a:rPr lang="he-IL" smtClean="0"/>
-              <a:t>ט"ו/סיון/תשפ"ג</a:t>
+              <a:t>ט"ז/סיון/תשפ"ג</a:t>
             </a:fld>
             <a:endParaRPr lang="he-IL"/>
           </a:p>
@@ -3428,8 +3709,8 @@
         </p:nvSpPr>
         <p:spPr>
           <a:xfrm>
-            <a:off x="3362632" y="235974"/>
-            <a:ext cx="25809678" cy="4339650"/>
+            <a:off x="2362200" y="235974"/>
+            <a:ext cx="26810111" cy="4339650"/>
           </a:xfrm>
           <a:prstGeom prst="rect">
             <a:avLst/>
@@ -3443,6 +3724,43 @@
           <a:lstStyle/>
           <a:p>
             <a:pPr algn="ctr"/>
+            <a:r>
+              <a:rPr lang="en-US" sz="7200" b="1" dirty="0">
+                <a:solidFill>
+                  <a:schemeClr val="accent1">
+                    <a:lumMod val="50000"/>
+                  </a:schemeClr>
+                </a:solidFill>
+                <a:effectLst>
+                  <a:outerShdw blurRad="38100" dist="38100" dir="2700000" algn="tl">
+                    <a:srgbClr val="000000">
+                      <a:alpha val="43137"/>
+                    </a:srgbClr>
+                  </a:outerShdw>
+                </a:effectLst>
+                <a:latin typeface="+mj-lt"/>
+                <a:cs typeface="Arial" panose="020B0604020202020204" pitchFamily="34" charset="0"/>
+              </a:rPr>
+              <a:t>The Golden opportunity</a:t>
+            </a:r>
+            <a:br>
+              <a:rPr lang="en-US" sz="7200" b="1" dirty="0">
+                <a:solidFill>
+                  <a:schemeClr val="accent1">
+                    <a:lumMod val="50000"/>
+                  </a:schemeClr>
+                </a:solidFill>
+                <a:effectLst>
+                  <a:outerShdw blurRad="38100" dist="38100" dir="2700000" algn="tl">
+                    <a:srgbClr val="000000">
+                      <a:alpha val="43137"/>
+                    </a:srgbClr>
+                  </a:outerShdw>
+                </a:effectLst>
+                <a:latin typeface="+mj-lt"/>
+                <a:cs typeface="Arial" panose="020B0604020202020204" pitchFamily="34" charset="0"/>
+              </a:rPr>
+            </a:br>
             <a:r>
               <a:rPr lang="en-US" sz="7200" dirty="0">
                 <a:solidFill>
@@ -3460,7 +3778,33 @@
                 <a:latin typeface="+mj-lt"/>
                 <a:cs typeface="Arial" panose="020B0604020202020204" pitchFamily="34" charset="0"/>
               </a:rPr>
-              <a:t>The Golden opportunity- An experiment to examine a connection between hygiene theory and utopian diseases in newborns</a:t>
+              <a:t>Examining the effect of hygiene theory on utopian diseases in newborns</a:t>
+            </a:r>
+          </a:p>
+          <a:p>
+            <a:pPr algn="ctr"/>
+            <a:br>
+              <a:rPr lang="en-US" sz="4400" dirty="0">
+                <a:solidFill>
+                  <a:schemeClr val="accent1">
+                    <a:lumMod val="75000"/>
+                  </a:schemeClr>
+                </a:solidFill>
+                <a:latin typeface="+mj-lt"/>
+                <a:cs typeface="Arial" panose="020B0604020202020204" pitchFamily="34" charset="0"/>
+              </a:rPr>
+            </a:br>
+            <a:r>
+              <a:rPr lang="en-US" sz="4400" dirty="0">
+                <a:solidFill>
+                  <a:schemeClr val="accent1">
+                    <a:lumMod val="75000"/>
+                  </a:schemeClr>
+                </a:solidFill>
+                <a:latin typeface="+mj-lt"/>
+                <a:cs typeface="Arial" panose="020B0604020202020204" pitchFamily="34" charset="0"/>
+              </a:rPr>
+              <a:t>Shahar Shalom, Eden Anavim, Merav Pervil | Faculty Instructor: Prof. Micha Mandel</a:t>
             </a:r>
           </a:p>
           <a:p>
@@ -3475,109 +3819,7 @@
                 <a:latin typeface="+mj-lt"/>
                 <a:cs typeface="Arial" panose="020B0604020202020204" pitchFamily="34" charset="0"/>
               </a:rPr>
-              <a:t>Shahar Shalom, Eden </a:t>
-            </a:r>
-            <a:r>
-              <a:rPr lang="en-US" sz="4400" dirty="0" err="1">
-                <a:solidFill>
-                  <a:schemeClr val="accent1">
-                    <a:lumMod val="75000"/>
-                  </a:schemeClr>
-                </a:solidFill>
-                <a:latin typeface="+mj-lt"/>
-                <a:cs typeface="Arial" panose="020B0604020202020204" pitchFamily="34" charset="0"/>
-              </a:rPr>
-              <a:t>Anavim</a:t>
-            </a:r>
-            <a:r>
-              <a:rPr lang="en-US" sz="4400" dirty="0">
-                <a:solidFill>
-                  <a:schemeClr val="accent1">
-                    <a:lumMod val="75000"/>
-                  </a:schemeClr>
-                </a:solidFill>
-                <a:latin typeface="+mj-lt"/>
-                <a:cs typeface="Arial" panose="020B0604020202020204" pitchFamily="34" charset="0"/>
-              </a:rPr>
-              <a:t>, Merav Pervil</a:t>
-            </a:r>
-          </a:p>
-          <a:p>
-            <a:pPr algn="ctr"/>
-            <a:r>
-              <a:rPr lang="en-US" sz="4400" dirty="0">
-                <a:solidFill>
-                  <a:schemeClr val="accent1">
-                    <a:lumMod val="75000"/>
-                  </a:schemeClr>
-                </a:solidFill>
-                <a:latin typeface="+mj-lt"/>
-                <a:cs typeface="Arial" panose="020B0604020202020204" pitchFamily="34" charset="0"/>
-              </a:rPr>
-              <a:t>Faculty Instructor: Prof. Micha Mandel</a:t>
-            </a:r>
-          </a:p>
-          <a:p>
-            <a:pPr algn="ctr"/>
-            <a:r>
-              <a:rPr lang="en-US" sz="4400" dirty="0">
-                <a:solidFill>
-                  <a:schemeClr val="accent1">
-                    <a:lumMod val="75000"/>
-                  </a:schemeClr>
-                </a:solidFill>
-                <a:latin typeface="+mj-lt"/>
-                <a:cs typeface="Arial" panose="020B0604020202020204" pitchFamily="34" charset="0"/>
-              </a:rPr>
-              <a:t>Counselee: Prof. </a:t>
-            </a:r>
-            <a:r>
-              <a:rPr lang="en-US" sz="4400" dirty="0" err="1">
-                <a:solidFill>
-                  <a:schemeClr val="accent1">
-                    <a:lumMod val="75000"/>
-                  </a:schemeClr>
-                </a:solidFill>
-                <a:latin typeface="+mj-lt"/>
-                <a:cs typeface="Arial" panose="020B0604020202020204" pitchFamily="34" charset="0"/>
-              </a:rPr>
-              <a:t>Idit</a:t>
-            </a:r>
-            <a:r>
-              <a:rPr lang="en-US" sz="4400" dirty="0">
-                <a:solidFill>
-                  <a:schemeClr val="accent1">
-                    <a:lumMod val="75000"/>
-                  </a:schemeClr>
-                </a:solidFill>
-                <a:latin typeface="+mj-lt"/>
-                <a:cs typeface="Arial" panose="020B0604020202020204" pitchFamily="34" charset="0"/>
-              </a:rPr>
-              <a:t> </a:t>
-            </a:r>
-            <a:r>
-              <a:rPr lang="en-US" sz="4400" dirty="0" err="1">
-                <a:solidFill>
-                  <a:schemeClr val="accent1">
-                    <a:lumMod val="75000"/>
-                  </a:schemeClr>
-                </a:solidFill>
-                <a:latin typeface="+mj-lt"/>
-                <a:cs typeface="Arial" panose="020B0604020202020204" pitchFamily="34" charset="0"/>
-              </a:rPr>
-              <a:t>Lachover</a:t>
-            </a:r>
-            <a:r>
-              <a:rPr lang="en-US" sz="4400" dirty="0">
-                <a:solidFill>
-                  <a:schemeClr val="accent1">
-                    <a:lumMod val="75000"/>
-                  </a:schemeClr>
-                </a:solidFill>
-                <a:latin typeface="+mj-lt"/>
-                <a:cs typeface="Arial" panose="020B0604020202020204" pitchFamily="34" charset="0"/>
-              </a:rPr>
-              <a:t>-Roth, Allergy &amp; Clinical Immunology Unit, Meir Medical Center, Israel</a:t>
+              <a:t>Counselee: Prof. Idit Lachover-Roth, Allergy &amp; Clinical Immunology Unit, Meir Medical Center, Israel</a:t>
             </a:r>
             <a:endParaRPr lang="he-IL" sz="4400" dirty="0">
               <a:solidFill>
@@ -3654,7 +3896,7 @@
           <p:nvPr>
             <p:extLst>
               <p:ext uri="{D42A27DB-BD31-4B8C-83A1-F6EECF244321}">
-                <p14:modId xmlns:p14="http://schemas.microsoft.com/office/powerpoint/2010/main" val="4273556922"/>
+                <p14:modId xmlns:p14="http://schemas.microsoft.com/office/powerpoint/2010/main" val="1534244276"/>
               </p:ext>
             </p:extLst>
           </p:nvPr>
@@ -3758,7 +4000,18 @@
                         <a:rPr lang="en-US" sz="3200" dirty="0">
                           <a:latin typeface="+mj-lt"/>
                         </a:rPr>
-                        <a:t>COVID-19 pandemic had consequences such as Social distancing, Masks and Lockdowns. Several studies were carried out in the world that resulted in the following findings:</a:t>
+                        <a:t>COVID-19 had increased hygiene awareness. </a:t>
+                      </a:r>
+                      <a:br>
+                        <a:rPr lang="en-US" sz="3200" dirty="0">
+                          <a:latin typeface="+mj-lt"/>
+                        </a:rPr>
+                      </a:br>
+                      <a:r>
+                        <a:rPr lang="en-US" sz="3200" dirty="0">
+                          <a:latin typeface="+mj-lt"/>
+                        </a:rPr>
+                        <a:t>Following the pandemic, several studies led to the following findings:</a:t>
                       </a:r>
                     </a:p>
                     <a:p>
@@ -3880,14 +4133,14 @@
           <p:nvPr>
             <p:extLst>
               <p:ext uri="{D42A27DB-BD31-4B8C-83A1-F6EECF244321}">
-                <p14:modId xmlns:p14="http://schemas.microsoft.com/office/powerpoint/2010/main" val="3811142857"/>
+                <p14:modId xmlns:p14="http://schemas.microsoft.com/office/powerpoint/2010/main" val="2190141626"/>
               </p:ext>
             </p:extLst>
           </p:nvPr>
         </p:nvGraphicFramePr>
         <p:xfrm>
           <a:off x="-2" y="9187259"/>
-          <a:ext cx="14759780" cy="2789555"/>
+          <a:ext cx="14759780" cy="2234917"/>
         </p:xfrm>
         <a:graphic>
           <a:graphicData uri="http://schemas.openxmlformats.org/drawingml/2006/table">
@@ -3904,7 +4157,7 @@
                   </a:extLst>
                 </a:gridCol>
               </a:tblGrid>
-              <a:tr h="187471">
+              <a:tr h="483077">
                 <a:tc>
                   <a:txBody>
                     <a:bodyPr/>
@@ -3967,7 +4220,7 @@
                   </a:ext>
                 </a:extLst>
               </a:tr>
-              <a:tr h="1984992">
+              <a:tr h="1655797">
                 <a:tc>
                   <a:txBody>
                     <a:bodyPr/>
@@ -3989,7 +4242,7 @@
                           <a:ea typeface="+mn-ea"/>
                           <a:cs typeface="+mn-cs"/>
                         </a:rPr>
-                        <a:t>These special circumstances created a Golden opportunity- To assess the influence of high hygienic environment incidence of atopic comorbidities on infants in their first and second year of life.</a:t>
+                        <a:t>It was therefore a golden opportunity to assess the influence of a highly hygienic environment on atopic comorbidities in infants.</a:t>
                       </a:r>
                     </a:p>
                   </a:txBody>
@@ -4555,14 +4808,426 @@
           <p:nvPr>
             <p:extLst>
               <p:ext uri="{D42A27DB-BD31-4B8C-83A1-F6EECF244321}">
-                <p14:modId xmlns:p14="http://schemas.microsoft.com/office/powerpoint/2010/main" val="2338135279"/>
+                <p14:modId xmlns:p14="http://schemas.microsoft.com/office/powerpoint/2010/main" val="3326242090"/>
               </p:ext>
             </p:extLst>
           </p:nvPr>
         </p:nvGraphicFramePr>
         <p:xfrm>
-          <a:off x="0" y="11958952"/>
-          <a:ext cx="14759780" cy="9144361"/>
+          <a:off x="0" y="11422176"/>
+          <a:ext cx="14759780" cy="10320760"/>
+        </p:xfrm>
+        <a:graphic>
+          <a:graphicData uri="http://schemas.openxmlformats.org/drawingml/2006/table">
+            <a:tbl>
+              <a:tblPr rtl="1" firstRow="1" bandRow="1">
+                <a:tableStyleId>{F5AB1C69-6EDB-4FF4-983F-18BD219EF322}</a:tableStyleId>
+              </a:tblPr>
+              <a:tblGrid>
+                <a:gridCol w="14759780">
+                  <a:extLst>
+                    <a:ext uri="{9D8B030D-6E8A-4147-A177-3AD203B41FA5}">
+                      <a16:colId xmlns:a16="http://schemas.microsoft.com/office/drawing/2014/main" val="3747045786"/>
+                    </a:ext>
+                  </a:extLst>
+                </a:gridCol>
+              </a:tblGrid>
+              <a:tr h="795125">
+                <a:tc>
+                  <a:txBody>
+                    <a:bodyPr/>
+                    <a:lstStyle/>
+                    <a:p>
+                      <a:pPr marL="0" indent="0" algn="ctr" rtl="0">
+                        <a:lnSpc>
+                          <a:spcPct val="150000"/>
+                        </a:lnSpc>
+                        <a:buFont typeface="Arial" panose="020B0604020202020204" pitchFamily="34" charset="0"/>
+                        <a:buNone/>
+                      </a:pPr>
+                      <a:r>
+                        <a:rPr lang="en-US" sz="3200" dirty="0">
+                          <a:latin typeface="+mj-lt"/>
+                        </a:rPr>
+                        <a:t>Data and its collection</a:t>
+                      </a:r>
+                      <a:endParaRPr lang="en-US" sz="3200" kern="1200" dirty="0">
+                        <a:solidFill>
+                          <a:schemeClr val="dk1"/>
+                        </a:solidFill>
+                        <a:latin typeface="+mj-lt"/>
+                        <a:ea typeface="+mn-ea"/>
+                        <a:cs typeface="+mn-cs"/>
+                      </a:endParaRPr>
+                    </a:p>
+                  </a:txBody>
+                  <a:tcPr anchor="ctr">
+                    <a:lnL w="38100" cap="flat" cmpd="sng" algn="ctr">
+                      <a:solidFill>
+                        <a:schemeClr val="bg1"/>
+                      </a:solidFill>
+                      <a:prstDash val="solid"/>
+                      <a:round/>
+                      <a:headEnd type="none" w="med" len="med"/>
+                      <a:tailEnd type="none" w="med" len="med"/>
+                    </a:lnL>
+                    <a:lnR w="38100" cap="flat" cmpd="sng" algn="ctr">
+                      <a:solidFill>
+                        <a:schemeClr val="bg1"/>
+                      </a:solidFill>
+                      <a:prstDash val="solid"/>
+                      <a:round/>
+                      <a:headEnd type="none" w="med" len="med"/>
+                      <a:tailEnd type="none" w="med" len="med"/>
+                    </a:lnR>
+                    <a:lnT w="38100" cap="flat" cmpd="sng" algn="ctr">
+                      <a:solidFill>
+                        <a:schemeClr val="bg1"/>
+                      </a:solidFill>
+                      <a:prstDash val="solid"/>
+                      <a:round/>
+                      <a:headEnd type="none" w="med" len="med"/>
+                      <a:tailEnd type="none" w="med" len="med"/>
+                    </a:lnT>
+                    <a:lnB w="38100" cap="flat" cmpd="sng" algn="ctr">
+                      <a:solidFill>
+                        <a:schemeClr val="bg1"/>
+                      </a:solidFill>
+                      <a:prstDash val="solid"/>
+                      <a:round/>
+                      <a:headEnd type="none" w="med" len="med"/>
+                      <a:tailEnd type="none" w="med" len="med"/>
+                    </a:lnB>
+                  </a:tcPr>
+                </a:tc>
+                <a:extLst>
+                  <a:ext uri="{0D108BD9-81ED-4DB2-BD59-A6C34878D82A}">
+                    <a16:rowId xmlns:a16="http://schemas.microsoft.com/office/drawing/2014/main" val="1815053329"/>
+                  </a:ext>
+                </a:extLst>
+              </a:tr>
+              <a:tr h="8847325">
+                <a:tc>
+                  <a:txBody>
+                    <a:bodyPr/>
+                    <a:lstStyle/>
+                    <a:p>
+                      <a:pPr marL="457200" indent="-457200" algn="l" rtl="0">
+                        <a:lnSpc>
+                          <a:spcPct val="150000"/>
+                        </a:lnSpc>
+                        <a:buFont typeface="Arial" panose="020B0604020202020204" pitchFamily="34" charset="0"/>
+                        <a:buChar char="•"/>
+                      </a:pPr>
+                      <a:r>
+                        <a:rPr lang="en-US" sz="3200" kern="1200" dirty="0">
+                          <a:solidFill>
+                            <a:schemeClr val="dk1"/>
+                          </a:solidFill>
+                          <a:latin typeface="+mj-lt"/>
+                          <a:ea typeface="+mn-ea"/>
+                          <a:cs typeface="+mn-cs"/>
+                        </a:rPr>
+                        <a:t>Data was collected starting from November 2018. </a:t>
+                      </a:r>
+                    </a:p>
+                    <a:p>
+                      <a:pPr marL="457200" indent="-457200" algn="l" rtl="0">
+                        <a:lnSpc>
+                          <a:spcPct val="150000"/>
+                        </a:lnSpc>
+                        <a:buFont typeface="Arial" panose="020B0604020202020204" pitchFamily="34" charset="0"/>
+                        <a:buChar char="•"/>
+                      </a:pPr>
+                      <a:r>
+                        <a:rPr lang="en-US" sz="3200" strike="noStrike" kern="1200" dirty="0">
+                          <a:solidFill>
+                            <a:schemeClr val="dk1"/>
+                          </a:solidFill>
+                          <a:latin typeface="+mj-lt"/>
+                          <a:ea typeface="+mn-ea"/>
+                          <a:cs typeface="+mn-cs"/>
+                        </a:rPr>
+                        <a:t>Experiment participants: Hebrew speaking parents from all sectors, close to due date with normal birth weight and no defects. </a:t>
+                      </a:r>
+                    </a:p>
+                    <a:p>
+                      <a:pPr marL="457200" indent="-457200" algn="l" rtl="0">
+                        <a:lnSpc>
+                          <a:spcPct val="150000"/>
+                        </a:lnSpc>
+                        <a:buFont typeface="Arial" panose="020B0604020202020204" pitchFamily="34" charset="0"/>
+                        <a:buChar char="•"/>
+                      </a:pPr>
+                      <a:r>
+                        <a:rPr lang="en-US" sz="3200" strike="noStrike" kern="1200" dirty="0">
+                          <a:solidFill>
+                            <a:schemeClr val="dk1"/>
+                          </a:solidFill>
+                          <a:latin typeface="+mj-lt"/>
+                          <a:ea typeface="+mn-ea"/>
+                          <a:cs typeface="+mn-cs"/>
+                        </a:rPr>
+                        <a:t>At predetermined intervals, parents were sent questionnaires to collect data.</a:t>
+                      </a:r>
+                    </a:p>
+                    <a:p>
+                      <a:pPr marL="457200" indent="-457200" algn="l" rtl="0">
+                        <a:lnSpc>
+                          <a:spcPct val="150000"/>
+                        </a:lnSpc>
+                        <a:buFont typeface="Arial" panose="020B0604020202020204" pitchFamily="34" charset="0"/>
+                        <a:buChar char="•"/>
+                      </a:pPr>
+                      <a:r>
+                        <a:rPr lang="en-US" sz="3200" strike="noStrike" kern="1200" dirty="0">
+                          <a:solidFill>
+                            <a:schemeClr val="dk1"/>
+                          </a:solidFill>
+                          <a:latin typeface="+mj-lt"/>
+                          <a:ea typeface="+mn-ea"/>
+                          <a:cs typeface="+mn-cs"/>
+                        </a:rPr>
+                        <a:t>Characteristics of the babies, their families, and their environment were collected.</a:t>
+                      </a:r>
+                      <a:br>
+                        <a:rPr lang="en-US" sz="3200" strike="noStrike" kern="1200" dirty="0">
+                          <a:solidFill>
+                            <a:schemeClr val="dk1"/>
+                          </a:solidFill>
+                          <a:latin typeface="+mj-lt"/>
+                          <a:ea typeface="+mn-ea"/>
+                          <a:cs typeface="+mn-cs"/>
+                        </a:rPr>
+                      </a:br>
+                      <a:r>
+                        <a:rPr lang="en-US" sz="3200" strike="noStrike" kern="1200" dirty="0">
+                          <a:solidFill>
+                            <a:schemeClr val="dk1"/>
+                          </a:solidFill>
+                          <a:latin typeface="+mj-lt"/>
+                          <a:ea typeface="+mn-ea"/>
+                          <a:cs typeface="+mn-cs"/>
+                        </a:rPr>
+                        <a:t>Development of utopian diseases among babies was examined during experiment. </a:t>
+                      </a:r>
+                    </a:p>
+                    <a:p>
+                      <a:pPr marL="457200" marR="0" lvl="0" indent="-457200" algn="l" defTabSz="2951958" rtl="0" eaLnBrk="1" fontAlgn="auto" latinLnBrk="0" hangingPunct="1">
+                        <a:lnSpc>
+                          <a:spcPct val="150000"/>
+                        </a:lnSpc>
+                        <a:spcBef>
+                          <a:spcPts val="0"/>
+                        </a:spcBef>
+                        <a:spcAft>
+                          <a:spcPts val="0"/>
+                        </a:spcAft>
+                        <a:buClrTx/>
+                        <a:buSzTx/>
+                        <a:buFont typeface="Arial" panose="020B0604020202020204" pitchFamily="34" charset="0"/>
+                        <a:buChar char="•"/>
+                        <a:tabLst/>
+                        <a:defRPr/>
+                      </a:pPr>
+                      <a:r>
+                        <a:rPr lang="en-US" sz="3200" b="0" kern="1200" dirty="0">
+                          <a:solidFill>
+                            <a:schemeClr val="dk1"/>
+                          </a:solidFill>
+                          <a:latin typeface="+mj-lt"/>
+                          <a:ea typeface="+mn-ea"/>
+                          <a:cs typeface="+mn-cs"/>
+                        </a:rPr>
+                        <a:t>The babies were divided into 4 groups according to the date of birth and main landmarks during the pandemic.</a:t>
+                      </a:r>
+                      <a:endParaRPr lang="he-IL" sz="3200" b="0" kern="1200" dirty="0">
+                        <a:solidFill>
+                          <a:schemeClr val="dk1"/>
+                        </a:solidFill>
+                        <a:latin typeface="+mj-lt"/>
+                        <a:ea typeface="+mn-ea"/>
+                        <a:cs typeface="+mn-cs"/>
+                      </a:endParaRPr>
+                    </a:p>
+                    <a:p>
+                      <a:pPr marL="0" indent="0" algn="l" rtl="0">
+                        <a:lnSpc>
+                          <a:spcPct val="150000"/>
+                        </a:lnSpc>
+                        <a:buFont typeface="Arial" panose="020B0604020202020204" pitchFamily="34" charset="0"/>
+                        <a:buNone/>
+                      </a:pPr>
+                      <a:endParaRPr lang="en-US" sz="3200" kern="1200" dirty="0">
+                        <a:solidFill>
+                          <a:schemeClr val="dk1"/>
+                        </a:solidFill>
+                        <a:latin typeface="+mj-lt"/>
+                        <a:ea typeface="+mn-ea"/>
+                        <a:cs typeface="+mn-cs"/>
+                      </a:endParaRPr>
+                    </a:p>
+                    <a:p>
+                      <a:pPr marL="457200" indent="-457200" algn="l" rtl="0">
+                        <a:lnSpc>
+                          <a:spcPct val="150000"/>
+                        </a:lnSpc>
+                        <a:buFont typeface="Arial" panose="020B0604020202020204" pitchFamily="34" charset="0"/>
+                        <a:buChar char="•"/>
+                      </a:pPr>
+                      <a:endParaRPr lang="en-US" sz="3200" kern="1200" dirty="0">
+                        <a:solidFill>
+                          <a:schemeClr val="dk1"/>
+                        </a:solidFill>
+                        <a:latin typeface="+mj-lt"/>
+                        <a:ea typeface="+mn-ea"/>
+                        <a:cs typeface="+mn-cs"/>
+                      </a:endParaRPr>
+                    </a:p>
+                    <a:p>
+                      <a:pPr marL="457200" indent="-457200" algn="l" rtl="0">
+                        <a:lnSpc>
+                          <a:spcPct val="150000"/>
+                        </a:lnSpc>
+                        <a:buFont typeface="Arial" panose="020B0604020202020204" pitchFamily="34" charset="0"/>
+                        <a:buChar char="•"/>
+                      </a:pPr>
+                      <a:endParaRPr lang="en-US" sz="3200" kern="1200" dirty="0">
+                        <a:solidFill>
+                          <a:schemeClr val="dk1"/>
+                        </a:solidFill>
+                        <a:latin typeface="+mj-lt"/>
+                        <a:ea typeface="+mn-ea"/>
+                        <a:cs typeface="+mn-cs"/>
+                      </a:endParaRPr>
+                    </a:p>
+                    <a:p>
+                      <a:pPr marL="457200" indent="-457200" algn="l" rtl="0">
+                        <a:lnSpc>
+                          <a:spcPct val="150000"/>
+                        </a:lnSpc>
+                        <a:buFont typeface="Arial" panose="020B0604020202020204" pitchFamily="34" charset="0"/>
+                        <a:buChar char="•"/>
+                      </a:pPr>
+                      <a:r>
+                        <a:rPr lang="he-IL" sz="3200" kern="1200" dirty="0">
+                          <a:solidFill>
+                            <a:schemeClr val="dk1"/>
+                          </a:solidFill>
+                          <a:latin typeface="+mj-lt"/>
+                          <a:ea typeface="+mn-ea"/>
+                          <a:cs typeface="+mn-cs"/>
+                        </a:rPr>
+                        <a:t>???</a:t>
+                      </a:r>
+                      <a:endParaRPr lang="en-US" sz="3200" kern="1200" dirty="0">
+                        <a:solidFill>
+                          <a:schemeClr val="dk1"/>
+                        </a:solidFill>
+                        <a:latin typeface="+mj-lt"/>
+                        <a:ea typeface="+mn-ea"/>
+                        <a:cs typeface="+mn-cs"/>
+                      </a:endParaRPr>
+                    </a:p>
+                    <a:p>
+                      <a:pPr marL="457200" indent="-457200" algn="l" rtl="0">
+                        <a:lnSpc>
+                          <a:spcPct val="150000"/>
+                        </a:lnSpc>
+                        <a:buFont typeface="Arial" panose="020B0604020202020204" pitchFamily="34" charset="0"/>
+                        <a:buChar char="•"/>
+                      </a:pPr>
+                      <a:endParaRPr lang="en-US" sz="3200" kern="1200" dirty="0">
+                        <a:solidFill>
+                          <a:schemeClr val="dk1"/>
+                        </a:solidFill>
+                        <a:latin typeface="+mj-lt"/>
+                        <a:ea typeface="+mn-ea"/>
+                        <a:cs typeface="+mn-cs"/>
+                      </a:endParaRPr>
+                    </a:p>
+                  </a:txBody>
+                  <a:tcPr>
+                    <a:lnL w="38100" cap="flat" cmpd="sng" algn="ctr">
+                      <a:solidFill>
+                        <a:schemeClr val="bg1"/>
+                      </a:solidFill>
+                      <a:prstDash val="solid"/>
+                      <a:round/>
+                      <a:headEnd type="none" w="med" len="med"/>
+                      <a:tailEnd type="none" w="med" len="med"/>
+                    </a:lnL>
+                    <a:lnR w="38100" cap="flat" cmpd="sng" algn="ctr">
+                      <a:solidFill>
+                        <a:schemeClr val="bg1"/>
+                      </a:solidFill>
+                      <a:prstDash val="solid"/>
+                      <a:round/>
+                      <a:headEnd type="none" w="med" len="med"/>
+                      <a:tailEnd type="none" w="med" len="med"/>
+                    </a:lnR>
+                    <a:lnT w="38100" cap="flat" cmpd="sng" algn="ctr">
+                      <a:solidFill>
+                        <a:schemeClr val="bg1"/>
+                      </a:solidFill>
+                      <a:prstDash val="solid"/>
+                      <a:round/>
+                      <a:headEnd type="none" w="med" len="med"/>
+                      <a:tailEnd type="none" w="med" len="med"/>
+                    </a:lnT>
+                    <a:lnB w="38100" cap="flat" cmpd="sng" algn="ctr">
+                      <a:solidFill>
+                        <a:schemeClr val="bg1"/>
+                      </a:solidFill>
+                      <a:prstDash val="solid"/>
+                      <a:round/>
+                      <a:headEnd type="none" w="med" len="med"/>
+                      <a:tailEnd type="none" w="med" len="med"/>
+                    </a:lnB>
+                    <a:lnTlToBr w="12700" cmpd="sng">
+                      <a:noFill/>
+                      <a:prstDash val="solid"/>
+                    </a:lnTlToBr>
+                    <a:lnBlToTr w="12700" cmpd="sng">
+                      <a:noFill/>
+                      <a:prstDash val="solid"/>
+                    </a:lnBlToTr>
+                    <a:noFill/>
+                  </a:tcPr>
+                </a:tc>
+                <a:extLst>
+                  <a:ext uri="{0D108BD9-81ED-4DB2-BD59-A6C34878D82A}">
+                    <a16:rowId xmlns:a16="http://schemas.microsoft.com/office/drawing/2014/main" val="1509631762"/>
+                  </a:ext>
+                </a:extLst>
+              </a:tr>
+            </a:tbl>
+          </a:graphicData>
+        </a:graphic>
+      </p:graphicFrame>
+      <p:graphicFrame>
+        <p:nvGraphicFramePr>
+          <p:cNvPr id="41" name="Table 29">
+            <a:extLst>
+              <a:ext uri="{FF2B5EF4-FFF2-40B4-BE49-F238E27FC236}">
+                <a16:creationId xmlns:a16="http://schemas.microsoft.com/office/drawing/2014/main" id="{87C34A28-1550-8A00-8213-E8C2029623E4}"/>
+              </a:ext>
+            </a:extLst>
+          </p:cNvPr>
+          <p:cNvGraphicFramePr>
+            <a:graphicFrameLocks noGrp="1"/>
+          </p:cNvGraphicFramePr>
+          <p:nvPr>
+            <p:extLst>
+              <p:ext uri="{D42A27DB-BD31-4B8C-83A1-F6EECF244321}">
+                <p14:modId xmlns:p14="http://schemas.microsoft.com/office/powerpoint/2010/main" val="1854480621"/>
+              </p:ext>
+            </p:extLst>
+          </p:nvPr>
+        </p:nvGraphicFramePr>
+        <p:xfrm>
+          <a:off x="-2" y="21648818"/>
+          <a:ext cx="14759780" cy="13423890"/>
         </p:xfrm>
         <a:graphic>
           <a:graphicData uri="http://schemas.openxmlformats.org/drawingml/2006/table">
@@ -4593,354 +5258,6 @@
                         <a:buNone/>
                       </a:pPr>
                       <a:r>
-                        <a:rPr lang="en-US" sz="3200" dirty="0">
-                          <a:latin typeface="+mj-lt"/>
-                        </a:rPr>
-                        <a:t>Data and its collection</a:t>
-                      </a:r>
-                      <a:endParaRPr lang="en-US" sz="3200" kern="1200" dirty="0">
-                        <a:solidFill>
-                          <a:schemeClr val="dk1"/>
-                        </a:solidFill>
-                        <a:latin typeface="+mj-lt"/>
-                        <a:ea typeface="+mn-ea"/>
-                        <a:cs typeface="+mn-cs"/>
-                      </a:endParaRPr>
-                    </a:p>
-                  </a:txBody>
-                  <a:tcPr anchor="ctr">
-                    <a:lnL w="38100" cap="flat" cmpd="sng" algn="ctr">
-                      <a:solidFill>
-                        <a:schemeClr val="bg1"/>
-                      </a:solidFill>
-                      <a:prstDash val="solid"/>
-                      <a:round/>
-                      <a:headEnd type="none" w="med" len="med"/>
-                      <a:tailEnd type="none" w="med" len="med"/>
-                    </a:lnL>
-                    <a:lnR w="38100" cap="flat" cmpd="sng" algn="ctr">
-                      <a:solidFill>
-                        <a:schemeClr val="bg1"/>
-                      </a:solidFill>
-                      <a:prstDash val="solid"/>
-                      <a:round/>
-                      <a:headEnd type="none" w="med" len="med"/>
-                      <a:tailEnd type="none" w="med" len="med"/>
-                    </a:lnR>
-                    <a:lnT w="38100" cap="flat" cmpd="sng" algn="ctr">
-                      <a:solidFill>
-                        <a:schemeClr val="bg1"/>
-                      </a:solidFill>
-                      <a:prstDash val="solid"/>
-                      <a:round/>
-                      <a:headEnd type="none" w="med" len="med"/>
-                      <a:tailEnd type="none" w="med" len="med"/>
-                    </a:lnT>
-                    <a:lnB w="38100" cap="flat" cmpd="sng" algn="ctr">
-                      <a:solidFill>
-                        <a:schemeClr val="bg1"/>
-                      </a:solidFill>
-                      <a:prstDash val="solid"/>
-                      <a:round/>
-                      <a:headEnd type="none" w="med" len="med"/>
-                      <a:tailEnd type="none" w="med" len="med"/>
-                    </a:lnB>
-                  </a:tcPr>
-                </a:tc>
-                <a:extLst>
-                  <a:ext uri="{0D108BD9-81ED-4DB2-BD59-A6C34878D82A}">
-                    <a16:rowId xmlns:a16="http://schemas.microsoft.com/office/drawing/2014/main" val="1815053329"/>
-                  </a:ext>
-                </a:extLst>
-              </a:tr>
-              <a:tr h="8396966">
-                <a:tc>
-                  <a:txBody>
-                    <a:bodyPr/>
-                    <a:lstStyle/>
-                    <a:p>
-                      <a:pPr marL="457200" indent="-457200" algn="l" rtl="0">
-                        <a:lnSpc>
-                          <a:spcPct val="150000"/>
-                        </a:lnSpc>
-                        <a:buFont typeface="Arial" panose="020B0604020202020204" pitchFamily="34" charset="0"/>
-                        <a:buChar char="•"/>
-                      </a:pPr>
-                      <a:r>
-                        <a:rPr lang="en-US" sz="3200" kern="1200" dirty="0">
-                          <a:solidFill>
-                            <a:schemeClr val="dk1"/>
-                          </a:solidFill>
-                          <a:latin typeface="+mj-lt"/>
-                          <a:ea typeface="+mn-ea"/>
-                          <a:cs typeface="+mn-cs"/>
-                        </a:rPr>
-                        <a:t>Data was collected starting from November 2018. For the purpose of the study, Hebrew speaking parents from all sectors, 36 weeks pregnant and on, were recruited. Conditions were a baby with normal birth weight and without birth defects. Questionnaires were sent once a month during first year and once during the second year of baby's life.</a:t>
-                      </a:r>
-                      <a:endParaRPr lang="he-IL" sz="3200" kern="1200" dirty="0">
-                        <a:solidFill>
-                          <a:schemeClr val="dk1"/>
-                        </a:solidFill>
-                        <a:latin typeface="+mj-lt"/>
-                        <a:ea typeface="+mn-ea"/>
-                        <a:cs typeface="+mn-cs"/>
-                      </a:endParaRPr>
-                    </a:p>
-                    <a:p>
-                      <a:pPr marL="457200" indent="-457200" algn="l" rtl="0">
-                        <a:lnSpc>
-                          <a:spcPct val="150000"/>
-                        </a:lnSpc>
-                        <a:buFont typeface="Arial" panose="020B0604020202020204" pitchFamily="34" charset="0"/>
-                        <a:buChar char="•"/>
-                      </a:pPr>
-                      <a:r>
-                        <a:rPr lang="en-US" sz="3200" kern="1200" dirty="0">
-                          <a:solidFill>
-                            <a:schemeClr val="dk1"/>
-                          </a:solidFill>
-                          <a:latin typeface="+mj-lt"/>
-                          <a:ea typeface="+mn-ea"/>
-                          <a:cs typeface="+mn-cs"/>
-                        </a:rPr>
-                        <a:t>The babies were divided into 4</a:t>
-                      </a:r>
-                    </a:p>
-                    <a:p>
-                      <a:pPr marL="0" indent="0" algn="l" rtl="0">
-                        <a:lnSpc>
-                          <a:spcPct val="150000"/>
-                        </a:lnSpc>
-                        <a:buFont typeface="Arial" panose="020B0604020202020204" pitchFamily="34" charset="0"/>
-                        <a:buNone/>
-                      </a:pPr>
-                      <a:r>
-                        <a:rPr lang="en-US" sz="3200" kern="1200" dirty="0">
-                          <a:solidFill>
-                            <a:schemeClr val="dk1"/>
-                          </a:solidFill>
-                          <a:latin typeface="+mj-lt"/>
-                          <a:ea typeface="+mn-ea"/>
-                          <a:cs typeface="+mn-cs"/>
-                        </a:rPr>
-                        <a:t>groups according to the date of birth</a:t>
-                      </a:r>
-                    </a:p>
-                    <a:p>
-                      <a:pPr marL="0" indent="0" algn="l" rtl="0">
-                        <a:lnSpc>
-                          <a:spcPct val="150000"/>
-                        </a:lnSpc>
-                        <a:buFont typeface="Arial" panose="020B0604020202020204" pitchFamily="34" charset="0"/>
-                        <a:buNone/>
-                      </a:pPr>
-                      <a:r>
-                        <a:rPr lang="en-US" sz="3200" kern="1200" dirty="0">
-                          <a:solidFill>
-                            <a:schemeClr val="dk1"/>
-                          </a:solidFill>
-                          <a:latin typeface="+mj-lt"/>
-                          <a:ea typeface="+mn-ea"/>
-                          <a:cs typeface="+mn-cs"/>
-                        </a:rPr>
-                        <a:t>and main landmarks during the pandemic</a:t>
-                      </a:r>
-                      <a:endParaRPr lang="he-IL" sz="3200" kern="1200" dirty="0">
-                        <a:solidFill>
-                          <a:schemeClr val="dk1"/>
-                        </a:solidFill>
-                        <a:latin typeface="+mj-lt"/>
-                        <a:ea typeface="+mn-ea"/>
-                        <a:cs typeface="+mn-cs"/>
-                      </a:endParaRPr>
-                    </a:p>
-                    <a:p>
-                      <a:pPr marL="457200" indent="-457200" algn="l" rtl="0">
-                        <a:lnSpc>
-                          <a:spcPct val="150000"/>
-                        </a:lnSpc>
-                        <a:buFont typeface="Arial" panose="020B0604020202020204" pitchFamily="34" charset="0"/>
-                        <a:buChar char="•"/>
-                      </a:pPr>
-                      <a:r>
-                        <a:rPr lang="he-IL" sz="3200" kern="1200" dirty="0">
-                          <a:solidFill>
-                            <a:schemeClr val="dk1"/>
-                          </a:solidFill>
-                          <a:latin typeface="+mj-lt"/>
-                          <a:ea typeface="+mn-ea"/>
-                          <a:cs typeface="+mn-cs"/>
-                        </a:rPr>
-                        <a:t>???</a:t>
-                      </a:r>
-                      <a:endParaRPr lang="en-US" sz="3200" kern="1200" dirty="0">
-                        <a:solidFill>
-                          <a:schemeClr val="dk1"/>
-                        </a:solidFill>
-                        <a:latin typeface="+mj-lt"/>
-                        <a:ea typeface="+mn-ea"/>
-                        <a:cs typeface="+mn-cs"/>
-                      </a:endParaRPr>
-                    </a:p>
-                    <a:p>
-                      <a:pPr marL="457200" indent="-457200" algn="l" rtl="0">
-                        <a:lnSpc>
-                          <a:spcPct val="150000"/>
-                        </a:lnSpc>
-                        <a:buFont typeface="Arial" panose="020B0604020202020204" pitchFamily="34" charset="0"/>
-                        <a:buChar char="•"/>
-                      </a:pPr>
-                      <a:endParaRPr lang="en-US" sz="3200" kern="1200" dirty="0">
-                        <a:solidFill>
-                          <a:schemeClr val="dk1"/>
-                        </a:solidFill>
-                        <a:latin typeface="+mj-lt"/>
-                        <a:ea typeface="+mn-ea"/>
-                        <a:cs typeface="+mn-cs"/>
-                      </a:endParaRPr>
-                    </a:p>
-                  </a:txBody>
-                  <a:tcPr>
-                    <a:lnL w="38100" cap="flat" cmpd="sng" algn="ctr">
-                      <a:solidFill>
-                        <a:schemeClr val="bg1"/>
-                      </a:solidFill>
-                      <a:prstDash val="solid"/>
-                      <a:round/>
-                      <a:headEnd type="none" w="med" len="med"/>
-                      <a:tailEnd type="none" w="med" len="med"/>
-                    </a:lnL>
-                    <a:lnR w="38100" cap="flat" cmpd="sng" algn="ctr">
-                      <a:solidFill>
-                        <a:schemeClr val="bg1"/>
-                      </a:solidFill>
-                      <a:prstDash val="solid"/>
-                      <a:round/>
-                      <a:headEnd type="none" w="med" len="med"/>
-                      <a:tailEnd type="none" w="med" len="med"/>
-                    </a:lnR>
-                    <a:lnT w="38100" cap="flat" cmpd="sng" algn="ctr">
-                      <a:solidFill>
-                        <a:schemeClr val="bg1"/>
-                      </a:solidFill>
-                      <a:prstDash val="solid"/>
-                      <a:round/>
-                      <a:headEnd type="none" w="med" len="med"/>
-                      <a:tailEnd type="none" w="med" len="med"/>
-                    </a:lnT>
-                    <a:lnB w="38100" cap="flat" cmpd="sng" algn="ctr">
-                      <a:solidFill>
-                        <a:schemeClr val="bg1"/>
-                      </a:solidFill>
-                      <a:prstDash val="solid"/>
-                      <a:round/>
-                      <a:headEnd type="none" w="med" len="med"/>
-                      <a:tailEnd type="none" w="med" len="med"/>
-                    </a:lnB>
-                    <a:lnTlToBr w="12700" cmpd="sng">
-                      <a:noFill/>
-                      <a:prstDash val="solid"/>
-                    </a:lnTlToBr>
-                    <a:lnBlToTr w="12700" cmpd="sng">
-                      <a:noFill/>
-                      <a:prstDash val="solid"/>
-                    </a:lnBlToTr>
-                    <a:noFill/>
-                  </a:tcPr>
-                </a:tc>
-                <a:extLst>
-                  <a:ext uri="{0D108BD9-81ED-4DB2-BD59-A6C34878D82A}">
-                    <a16:rowId xmlns:a16="http://schemas.microsoft.com/office/drawing/2014/main" val="1509631762"/>
-                  </a:ext>
-                </a:extLst>
-              </a:tr>
-            </a:tbl>
-          </a:graphicData>
-        </a:graphic>
-      </p:graphicFrame>
-      <p:pic>
-        <p:nvPicPr>
-          <p:cNvPr id="40" name="Picture 39">
-            <a:extLst>
-              <a:ext uri="{FF2B5EF4-FFF2-40B4-BE49-F238E27FC236}">
-                <a16:creationId xmlns:a16="http://schemas.microsoft.com/office/drawing/2014/main" id="{04A076FA-E14E-633A-47E1-F2510D651FCB}"/>
-              </a:ext>
-            </a:extLst>
-          </p:cNvPr>
-          <p:cNvPicPr>
-            <a:picLocks noChangeAspect="1"/>
-          </p:cNvPicPr>
-          <p:nvPr/>
-        </p:nvPicPr>
-        <p:blipFill>
-          <a:blip r:embed="rId5"/>
-          <a:stretch>
-            <a:fillRect/>
-          </a:stretch>
-        </p:blipFill>
-        <p:spPr>
-          <a:xfrm>
-            <a:off x="6926436" y="16525484"/>
-            <a:ext cx="8085234" cy="1979654"/>
-          </a:xfrm>
-          <a:prstGeom prst="rect">
-            <a:avLst/>
-          </a:prstGeom>
-        </p:spPr>
-      </p:pic>
-      <p:graphicFrame>
-        <p:nvGraphicFramePr>
-          <p:cNvPr id="41" name="Table 29">
-            <a:extLst>
-              <a:ext uri="{FF2B5EF4-FFF2-40B4-BE49-F238E27FC236}">
-                <a16:creationId xmlns:a16="http://schemas.microsoft.com/office/drawing/2014/main" id="{87C34A28-1550-8A00-8213-E8C2029623E4}"/>
-              </a:ext>
-            </a:extLst>
-          </p:cNvPr>
-          <p:cNvGraphicFramePr>
-            <a:graphicFrameLocks noGrp="1"/>
-          </p:cNvGraphicFramePr>
-          <p:nvPr>
-            <p:extLst>
-              <p:ext uri="{D42A27DB-BD31-4B8C-83A1-F6EECF244321}">
-                <p14:modId xmlns:p14="http://schemas.microsoft.com/office/powerpoint/2010/main" val="1353115261"/>
-              </p:ext>
-            </p:extLst>
-          </p:nvPr>
-        </p:nvGraphicFramePr>
-        <p:xfrm>
-          <a:off x="-2" y="21100305"/>
-          <a:ext cx="14759780" cy="13423890"/>
-        </p:xfrm>
-        <a:graphic>
-          <a:graphicData uri="http://schemas.openxmlformats.org/drawingml/2006/table">
-            <a:tbl>
-              <a:tblPr rtl="1" firstRow="1" bandRow="1">
-                <a:tableStyleId>{F5AB1C69-6EDB-4FF4-983F-18BD219EF322}</a:tableStyleId>
-              </a:tblPr>
-              <a:tblGrid>
-                <a:gridCol w="14759780">
-                  <a:extLst>
-                    <a:ext uri="{9D8B030D-6E8A-4147-A177-3AD203B41FA5}">
-                      <a16:colId xmlns:a16="http://schemas.microsoft.com/office/drawing/2014/main" val="3747045786"/>
-                    </a:ext>
-                  </a:extLst>
-                </a:gridCol>
-              </a:tblGrid>
-              <a:tr h="388095">
-                <a:tc>
-                  <a:txBody>
-                    <a:bodyPr/>
-                    <a:lstStyle/>
-                    <a:p>
-                      <a:pPr marL="0" indent="0" algn="ctr" rtl="0">
-                        <a:lnSpc>
-                          <a:spcPct val="150000"/>
-                        </a:lnSpc>
-                        <a:buFont typeface="Arial" panose="020B0604020202020204" pitchFamily="34" charset="0"/>
-                        <a:buNone/>
-                      </a:pPr>
-                      <a:r>
                         <a:rPr lang="en-US" sz="2800" dirty="0">
                           <a:latin typeface="+mj-lt"/>
                         </a:rPr>
@@ -5023,7 +5340,7 @@
                           <a:ea typeface="+mn-ea"/>
                           <a:cs typeface="+mn-cs"/>
                         </a:rPr>
-                        <a:t>Logistic Regression Model:</a:t>
+                        <a:t>Logistic Regression Model </a:t>
                       </a:r>
                       <a:r>
                         <a:rPr lang="en-US" sz="2800" kern="1200" dirty="0">
@@ -5034,7 +5351,7 @@
                           <a:ea typeface="+mn-ea"/>
                           <a:cs typeface="+mn-cs"/>
                         </a:rPr>
-                        <a:t> Using the birth date as a categorial variable, we built a logistic regression and examined how different variables explain the probability of a baby getting sick with a utopic disease in the first/second year of life: </a:t>
+                        <a:t>was used to test the effect of explanatory characteristics on the probability of having an atopic disease using birth date group as the categorical variable.</a:t>
                       </a:r>
                     </a:p>
                     <a:p>
@@ -5106,23 +5423,6 @@
                       </a:endParaRPr>
                     </a:p>
                     <a:p>
-                      <a:pPr marL="0" indent="0" algn="l" rtl="0">
-                        <a:lnSpc>
-                          <a:spcPct val="150000"/>
-                        </a:lnSpc>
-                        <a:buFont typeface="Arial" panose="020B0604020202020204" pitchFamily="34" charset="0"/>
-                        <a:buNone/>
-                      </a:pPr>
-                      <a:endParaRPr lang="en-US" sz="2800" kern="1200" dirty="0">
-                        <a:solidFill>
-                          <a:schemeClr val="dk1"/>
-                        </a:solidFill>
-                        <a:latin typeface="+mj-lt"/>
-                        <a:ea typeface="+mn-ea"/>
-                        <a:cs typeface="+mn-cs"/>
-                      </a:endParaRPr>
-                    </a:p>
-                    <a:p>
                       <a:pPr marL="457200" indent="-457200" algn="l" rtl="0">
                         <a:lnSpc>
                           <a:spcPct val="150000"/>
@@ -5135,6 +5435,9 @@
                           <a:solidFill>
                             <a:schemeClr val="dk1"/>
                           </a:solidFill>
+                          <a:highlight>
+                            <a:srgbClr val="FFFF00"/>
+                          </a:highlight>
                           <a:latin typeface="+mj-lt"/>
                           <a:ea typeface="+mn-ea"/>
                           <a:cs typeface="+mn-cs"/>
@@ -5161,7 +5464,7 @@
                           <a:ea typeface="+mn-ea"/>
                           <a:cs typeface="+mn-cs"/>
                         </a:rPr>
-                        <a:t>provides us with an alternative to dividing into groups, instead of the date of birth acting as a categorical variable we made it continuous (every day is a category). We used a non-linear combination of variables, which create a smooth function. By connecting these smooth functions, we examined how the probability of a baby getting a utopic disease changes:</a:t>
+                        <a:t>provides us with an alternative to dividing the birth date into groups, instead of the date of birth acting as a categorical variable we made it continuous (every day is a category). We used a non-linear combination of variables, which create a smooth function. By connecting these smooth functions, we examined how the probability of a baby getting a atopic disease changes:</a:t>
                       </a:r>
                     </a:p>
                   </a:txBody>
@@ -5406,12 +5709,582 @@
           </a:graphicData>
         </a:graphic>
       </p:graphicFrame>
+      <mc:AlternateContent xmlns:mc="http://schemas.openxmlformats.org/markup-compatibility/2006">
+        <mc:Choice xmlns:a14="http://schemas.microsoft.com/office/drawing/2010/main" Requires="a14">
+          <p:sp>
+            <p:nvSpPr>
+              <p:cNvPr id="4" name="TextBox 3">
+                <a:extLst>
+                  <a:ext uri="{FF2B5EF4-FFF2-40B4-BE49-F238E27FC236}">
+                    <a16:creationId xmlns:a16="http://schemas.microsoft.com/office/drawing/2014/main" id="{902ED1D7-E996-EF69-829B-593F4BE2D5F1}"/>
+                  </a:ext>
+                </a:extLst>
+              </p:cNvPr>
+              <p:cNvSpPr txBox="1"/>
+              <p:nvPr/>
+            </p:nvSpPr>
+            <p:spPr>
+              <a:xfrm>
+                <a:off x="2853834" y="17992750"/>
+                <a:ext cx="12409726" cy="1781000"/>
+              </a:xfrm>
+              <a:prstGeom prst="rect">
+                <a:avLst/>
+              </a:prstGeom>
+              <a:noFill/>
+            </p:spPr>
+            <p:txBody>
+              <a:bodyPr wrap="square">
+                <a:spAutoFit/>
+              </a:bodyPr>
+              <a:lstStyle/>
+              <a:p>
+                <a:pPr/>
+                <a14:m>
+                  <m:oMathPara xmlns:m="http://schemas.openxmlformats.org/officeDocument/2006/math">
+                    <m:oMathParaPr>
+                      <m:jc m:val="centerGroup"/>
+                    </m:oMathParaPr>
+                    <m:oMath xmlns:m="http://schemas.openxmlformats.org/officeDocument/2006/math">
+                      <m:r>
+                        <m:rPr>
+                          <m:sty m:val="p"/>
+                        </m:rPr>
+                        <a:rPr lang="en-US" sz="2800" i="0" smtClean="0">
+                          <a:latin typeface="Cambria Math" panose="02040503050406030204" pitchFamily="18" charset="0"/>
+                        </a:rPr>
+                        <m:t>covid</m:t>
+                      </m:r>
+                      <m:r>
+                        <a:rPr lang="en-US" sz="2800" b="0" i="0" smtClean="0">
+                          <a:latin typeface="Cambria Math" panose="02040503050406030204" pitchFamily="18" charset="0"/>
+                        </a:rPr>
+                        <m:t> </m:t>
+                      </m:r>
+                      <m:r>
+                        <m:rPr>
+                          <m:sty m:val="p"/>
+                        </m:rPr>
+                        <a:rPr lang="en-US" sz="2800" i="0">
+                          <a:latin typeface="Cambria Math" panose="02040503050406030204" pitchFamily="18" charset="0"/>
+                        </a:rPr>
+                        <m:t>group</m:t>
+                      </m:r>
+                      <m:r>
+                        <a:rPr lang="en-US" sz="2800" i="0">
+                          <a:latin typeface="Cambria Math" panose="02040503050406030204" pitchFamily="18" charset="0"/>
+                        </a:rPr>
+                        <m:t>= </m:t>
+                      </m:r>
+                      <m:d>
+                        <m:dPr>
+                          <m:begChr m:val="{"/>
+                          <m:endChr m:val=""/>
+                          <m:ctrlPr>
+                            <a:rPr lang="en-US" sz="2800">
+                              <a:solidFill>
+                                <a:srgbClr val="836967"/>
+                              </a:solidFill>
+                              <a:latin typeface="Cambria Math" panose="02040503050406030204" pitchFamily="18" charset="0"/>
+                            </a:rPr>
+                          </m:ctrlPr>
+                        </m:dPr>
+                        <m:e>
+                          <m:eqArr>
+                            <m:eqArrPr>
+                              <m:ctrlPr>
+                                <a:rPr lang="en-US" sz="2800">
+                                  <a:solidFill>
+                                    <a:srgbClr val="836967"/>
+                                  </a:solidFill>
+                                  <a:latin typeface="Cambria Math" panose="02040503050406030204" pitchFamily="18" charset="0"/>
+                                </a:rPr>
+                              </m:ctrlPr>
+                            </m:eqArrPr>
+                            <m:e>
+                              <m:r>
+                                <a:rPr lang="en-US" sz="2800" i="0">
+                                  <a:latin typeface="Cambria Math" panose="02040503050406030204" pitchFamily="18" charset="0"/>
+                                </a:rPr>
+                                <m:t>&amp;</m:t>
+                              </m:r>
+                              <m:r>
+                                <a:rPr lang="en-US" sz="2800" i="0">
+                                  <a:latin typeface="Cambria Math" panose="02040503050406030204" pitchFamily="18" charset="0"/>
+                                </a:rPr>
+                                <m:t>1</m:t>
+                              </m:r>
+                              <m:r>
+                                <a:rPr lang="en-US" sz="2800" i="0">
+                                  <a:latin typeface="Cambria Math" panose="02040503050406030204" pitchFamily="18" charset="0"/>
+                                </a:rPr>
+                                <m:t>                                           </m:t>
+                              </m:r>
+                              <m:r>
+                                <a:rPr lang="en-US" sz="2800" i="0">
+                                  <a:latin typeface="Cambria Math" panose="02040503050406030204" pitchFamily="18" charset="0"/>
+                                </a:rPr>
+                                <m:t> </m:t>
+                              </m:r>
+                              <m:r>
+                                <m:rPr>
+                                  <m:sty m:val="p"/>
+                                </m:rPr>
+                                <a:rPr lang="en-US" sz="2800" b="0" i="0" smtClean="0">
+                                  <a:latin typeface="Cambria Math" panose="02040503050406030204" pitchFamily="18" charset="0"/>
+                                </a:rPr>
+                                <m:t>Birth</m:t>
+                              </m:r>
+                              <m:r>
+                                <a:rPr lang="en-US" sz="2800" b="0" i="0" smtClean="0">
+                                  <a:latin typeface="Cambria Math" panose="02040503050406030204" pitchFamily="18" charset="0"/>
+                                </a:rPr>
+                                <m:t> </m:t>
+                              </m:r>
+                              <m:r>
+                                <m:rPr>
+                                  <m:sty m:val="p"/>
+                                </m:rPr>
+                                <a:rPr lang="en-US" sz="2800" b="0" i="0" smtClean="0">
+                                  <a:latin typeface="Cambria Math" panose="02040503050406030204" pitchFamily="18" charset="0"/>
+                                </a:rPr>
+                                <m:t>date</m:t>
+                              </m:r>
+                              <m:r>
+                                <a:rPr lang="en-US" sz="2800" i="0">
+                                  <a:latin typeface="Cambria Math" panose="02040503050406030204" pitchFamily="18" charset="0"/>
+                                </a:rPr>
+                                <m:t> &lt;</m:t>
+                              </m:r>
+                              <m:r>
+                                <m:rPr>
+                                  <m:sty m:val="p"/>
+                                </m:rPr>
+                                <a:rPr lang="en-US" sz="2800" i="0">
+                                  <a:latin typeface="Cambria Math" panose="02040503050406030204" pitchFamily="18" charset="0"/>
+                                </a:rPr>
+                                <m:t>March</m:t>
+                              </m:r>
+                              <m:r>
+                                <a:rPr lang="en-US" sz="2800" i="0">
+                                  <a:latin typeface="Cambria Math" panose="02040503050406030204" pitchFamily="18" charset="0"/>
+                                </a:rPr>
+                                <m:t> </m:t>
+                              </m:r>
+                              <m:r>
+                                <a:rPr lang="en-US" sz="2800" i="0">
+                                  <a:latin typeface="Cambria Math" panose="02040503050406030204" pitchFamily="18" charset="0"/>
+                                </a:rPr>
+                                <m:t>1</m:t>
+                              </m:r>
+                              <m:r>
+                                <a:rPr lang="en-US" sz="2800" i="0">
+                                  <a:latin typeface="Cambria Math" panose="02040503050406030204" pitchFamily="18" charset="0"/>
+                                </a:rPr>
+                                <m:t>, </m:t>
+                              </m:r>
+                              <m:r>
+                                <a:rPr lang="en-US" sz="2800" i="0">
+                                  <a:latin typeface="Cambria Math" panose="02040503050406030204" pitchFamily="18" charset="0"/>
+                                </a:rPr>
+                                <m:t>2019</m:t>
+                              </m:r>
+                              <m:r>
+                                <a:rPr lang="en-US" sz="2800" i="0">
+                                  <a:latin typeface="Cambria Math" panose="02040503050406030204" pitchFamily="18" charset="0"/>
+                                </a:rPr>
+                                <m:t> </m:t>
+                              </m:r>
+                            </m:e>
+                            <m:e>
+                              <m:r>
+                                <a:rPr lang="en-US" sz="2800" i="0">
+                                  <a:latin typeface="Cambria Math" panose="02040503050406030204" pitchFamily="18" charset="0"/>
+                                </a:rPr>
+                                <m:t>&amp;</m:t>
+                              </m:r>
+                              <m:r>
+                                <a:rPr lang="en-US" sz="2800" i="0">
+                                  <a:latin typeface="Cambria Math" panose="02040503050406030204" pitchFamily="18" charset="0"/>
+                                </a:rPr>
+                                <m:t>2</m:t>
+                              </m:r>
+                              <m:r>
+                                <a:rPr lang="en-US" sz="2800" i="0">
+                                  <a:latin typeface="Cambria Math" panose="02040503050406030204" pitchFamily="18" charset="0"/>
+                                </a:rPr>
+                                <m:t>       </m:t>
+                              </m:r>
+                              <m:r>
+                                <m:rPr>
+                                  <m:sty m:val="p"/>
+                                </m:rPr>
+                                <a:rPr lang="en-US" sz="2800" i="0">
+                                  <a:latin typeface="Cambria Math" panose="02040503050406030204" pitchFamily="18" charset="0"/>
+                                </a:rPr>
+                                <m:t>March</m:t>
+                              </m:r>
+                              <m:r>
+                                <a:rPr lang="en-US" sz="2800" i="0">
+                                  <a:latin typeface="Cambria Math" panose="02040503050406030204" pitchFamily="18" charset="0"/>
+                                </a:rPr>
+                                <m:t> </m:t>
+                              </m:r>
+                              <m:r>
+                                <a:rPr lang="en-US" sz="2800" i="0">
+                                  <a:latin typeface="Cambria Math" panose="02040503050406030204" pitchFamily="18" charset="0"/>
+                                </a:rPr>
+                                <m:t>1</m:t>
+                              </m:r>
+                              <m:r>
+                                <a:rPr lang="en-US" sz="2800" i="0">
+                                  <a:latin typeface="Cambria Math" panose="02040503050406030204" pitchFamily="18" charset="0"/>
+                                </a:rPr>
+                                <m:t>, </m:t>
+                              </m:r>
+                              <m:r>
+                                <a:rPr lang="en-US" sz="2800" i="0">
+                                  <a:latin typeface="Cambria Math" panose="02040503050406030204" pitchFamily="18" charset="0"/>
+                                </a:rPr>
+                                <m:t>2019</m:t>
+                              </m:r>
+                              <m:r>
+                                <a:rPr lang="en-US" sz="2800" i="0">
+                                  <a:latin typeface="Cambria Math" panose="02040503050406030204" pitchFamily="18" charset="0"/>
+                                </a:rPr>
+                                <m:t>≤</m:t>
+                              </m:r>
+                              <m:r>
+                                <m:rPr>
+                                  <m:sty m:val="p"/>
+                                </m:rPr>
+                                <a:rPr lang="en-US" sz="2800" i="0">
+                                  <a:latin typeface="Cambria Math" panose="02040503050406030204" pitchFamily="18" charset="0"/>
+                                </a:rPr>
+                                <m:t>Birth</m:t>
+                              </m:r>
+                              <m:r>
+                                <a:rPr lang="en-US" sz="2800" i="0">
+                                  <a:latin typeface="Cambria Math" panose="02040503050406030204" pitchFamily="18" charset="0"/>
+                                </a:rPr>
+                                <m:t> </m:t>
+                              </m:r>
+                              <m:r>
+                                <m:rPr>
+                                  <m:sty m:val="p"/>
+                                </m:rPr>
+                                <a:rPr lang="en-US" sz="2800" i="0">
+                                  <a:latin typeface="Cambria Math" panose="02040503050406030204" pitchFamily="18" charset="0"/>
+                                </a:rPr>
+                                <m:t>date</m:t>
+                              </m:r>
+                              <m:r>
+                                <a:rPr lang="en-US" sz="2800" i="0">
+                                  <a:latin typeface="Cambria Math" panose="02040503050406030204" pitchFamily="18" charset="0"/>
+                                </a:rPr>
+                                <m:t>&lt; </m:t>
+                              </m:r>
+                              <m:r>
+                                <m:rPr>
+                                  <m:sty m:val="p"/>
+                                </m:rPr>
+                                <a:rPr lang="en-US" sz="2800" i="0">
+                                  <a:latin typeface="Cambria Math" panose="02040503050406030204" pitchFamily="18" charset="0"/>
+                                </a:rPr>
+                                <m:t>March</m:t>
+                              </m:r>
+                              <m:r>
+                                <a:rPr lang="en-US" sz="2800" i="0">
+                                  <a:latin typeface="Cambria Math" panose="02040503050406030204" pitchFamily="18" charset="0"/>
+                                </a:rPr>
+                                <m:t> </m:t>
+                              </m:r>
+                              <m:r>
+                                <a:rPr lang="en-US" sz="2800" i="0">
+                                  <a:latin typeface="Cambria Math" panose="02040503050406030204" pitchFamily="18" charset="0"/>
+                                </a:rPr>
+                                <m:t>11</m:t>
+                              </m:r>
+                              <m:r>
+                                <a:rPr lang="en-US" sz="2800" i="0">
+                                  <a:latin typeface="Cambria Math" panose="02040503050406030204" pitchFamily="18" charset="0"/>
+                                </a:rPr>
+                                <m:t>, </m:t>
+                              </m:r>
+                              <m:r>
+                                <a:rPr lang="en-US" sz="2800" i="0">
+                                  <a:latin typeface="Cambria Math" panose="02040503050406030204" pitchFamily="18" charset="0"/>
+                                </a:rPr>
+                                <m:t>2019</m:t>
+                              </m:r>
+                            </m:e>
+                            <m:e>
+                              <m:r>
+                                <a:rPr lang="en-US" sz="2800" i="0">
+                                  <a:latin typeface="Cambria Math" panose="02040503050406030204" pitchFamily="18" charset="0"/>
+                                </a:rPr>
+                                <m:t>&amp;</m:t>
+                              </m:r>
+                              <m:r>
+                                <a:rPr lang="en-US" sz="2800" i="0">
+                                  <a:latin typeface="Cambria Math" panose="02040503050406030204" pitchFamily="18" charset="0"/>
+                                </a:rPr>
+                                <m:t>3</m:t>
+                              </m:r>
+                              <m:r>
+                                <a:rPr lang="en-US" sz="2800" i="0">
+                                  <a:latin typeface="Cambria Math" panose="02040503050406030204" pitchFamily="18" charset="0"/>
+                                </a:rPr>
+                                <m:t>             </m:t>
+                              </m:r>
+                              <m:r>
+                                <m:rPr>
+                                  <m:sty m:val="p"/>
+                                </m:rPr>
+                                <a:rPr lang="en-US" sz="2800" i="0">
+                                  <a:latin typeface="Cambria Math" panose="02040503050406030204" pitchFamily="18" charset="0"/>
+                                </a:rPr>
+                                <m:t>March</m:t>
+                              </m:r>
+                              <m:r>
+                                <a:rPr lang="en-US" sz="2800" i="0">
+                                  <a:latin typeface="Cambria Math" panose="02040503050406030204" pitchFamily="18" charset="0"/>
+                                </a:rPr>
+                                <m:t> </m:t>
+                              </m:r>
+                              <m:r>
+                                <a:rPr lang="en-US" sz="2800" i="0">
+                                  <a:latin typeface="Cambria Math" panose="02040503050406030204" pitchFamily="18" charset="0"/>
+                                </a:rPr>
+                                <m:t>11</m:t>
+                              </m:r>
+                              <m:r>
+                                <a:rPr lang="en-US" sz="2800" i="0">
+                                  <a:latin typeface="Cambria Math" panose="02040503050406030204" pitchFamily="18" charset="0"/>
+                                </a:rPr>
+                                <m:t>, </m:t>
+                              </m:r>
+                              <m:r>
+                                <a:rPr lang="en-US" sz="2800" i="0">
+                                  <a:latin typeface="Cambria Math" panose="02040503050406030204" pitchFamily="18" charset="0"/>
+                                </a:rPr>
+                                <m:t>2019</m:t>
+                              </m:r>
+                              <m:r>
+                                <a:rPr lang="en-US" sz="2800" i="0">
+                                  <a:latin typeface="Cambria Math" panose="02040503050406030204" pitchFamily="18" charset="0"/>
+                                </a:rPr>
+                                <m:t>≤</m:t>
+                              </m:r>
+                              <m:r>
+                                <m:rPr>
+                                  <m:sty m:val="p"/>
+                                </m:rPr>
+                                <a:rPr lang="en-US" sz="2800" i="0">
+                                  <a:latin typeface="Cambria Math" panose="02040503050406030204" pitchFamily="18" charset="0"/>
+                                </a:rPr>
+                                <m:t>Birth</m:t>
+                              </m:r>
+                              <m:r>
+                                <a:rPr lang="en-US" sz="2800" i="0">
+                                  <a:latin typeface="Cambria Math" panose="02040503050406030204" pitchFamily="18" charset="0"/>
+                                </a:rPr>
+                                <m:t> </m:t>
+                              </m:r>
+                              <m:r>
+                                <m:rPr>
+                                  <m:sty m:val="p"/>
+                                </m:rPr>
+                                <a:rPr lang="en-US" sz="2800" i="0">
+                                  <a:latin typeface="Cambria Math" panose="02040503050406030204" pitchFamily="18" charset="0"/>
+                                </a:rPr>
+                                <m:t>date</m:t>
+                              </m:r>
+                              <m:r>
+                                <a:rPr lang="en-US" sz="2800" i="0">
+                                  <a:latin typeface="Cambria Math" panose="02040503050406030204" pitchFamily="18" charset="0"/>
+                                </a:rPr>
+                                <m:t>&lt;</m:t>
+                              </m:r>
+                              <m:r>
+                                <m:rPr>
+                                  <m:sty m:val="p"/>
+                                </m:rPr>
+                                <a:rPr lang="en-US" sz="2800" i="0">
+                                  <a:latin typeface="Cambria Math" panose="02040503050406030204" pitchFamily="18" charset="0"/>
+                                </a:rPr>
+                                <m:t>Feb</m:t>
+                              </m:r>
+                              <m:r>
+                                <a:rPr lang="en-US" sz="2800" i="0">
+                                  <a:latin typeface="Cambria Math" panose="02040503050406030204" pitchFamily="18" charset="0"/>
+                                </a:rPr>
+                                <m:t> </m:t>
+                              </m:r>
+                              <m:r>
+                                <a:rPr lang="en-US" sz="2800" i="0">
+                                  <a:latin typeface="Cambria Math" panose="02040503050406030204" pitchFamily="18" charset="0"/>
+                                </a:rPr>
+                                <m:t>7</m:t>
+                              </m:r>
+                              <m:r>
+                                <a:rPr lang="en-US" sz="2800" i="0">
+                                  <a:latin typeface="Cambria Math" panose="02040503050406030204" pitchFamily="18" charset="0"/>
+                                </a:rPr>
+                                <m:t>, </m:t>
+                              </m:r>
+                              <m:r>
+                                <a:rPr lang="en-US" sz="2800" i="0">
+                                  <a:latin typeface="Cambria Math" panose="02040503050406030204" pitchFamily="18" charset="0"/>
+                                </a:rPr>
+                                <m:t>2021</m:t>
+                              </m:r>
+                            </m:e>
+                            <m:e>
+                              <m:r>
+                                <a:rPr lang="en-US" sz="2800" i="0">
+                                  <a:latin typeface="Cambria Math" panose="02040503050406030204" pitchFamily="18" charset="0"/>
+                                </a:rPr>
+                                <m:t>&amp;</m:t>
+                              </m:r>
+                              <m:r>
+                                <a:rPr lang="en-US" sz="2800" i="0">
+                                  <a:latin typeface="Cambria Math" panose="02040503050406030204" pitchFamily="18" charset="0"/>
+                                </a:rPr>
+                                <m:t>4</m:t>
+                              </m:r>
+                              <m:r>
+                                <a:rPr lang="en-US" sz="2800" b="0" i="0" smtClean="0">
+                                  <a:latin typeface="Cambria Math" panose="02040503050406030204" pitchFamily="18" charset="0"/>
+                                </a:rPr>
+                                <m:t>                                                  </m:t>
+                              </m:r>
+                              <m:r>
+                                <m:rPr>
+                                  <m:sty m:val="p"/>
+                                </m:rPr>
+                                <a:rPr lang="en-US" sz="2800" i="0">
+                                  <a:latin typeface="Cambria Math" panose="02040503050406030204" pitchFamily="18" charset="0"/>
+                                </a:rPr>
+                                <m:t>Birth</m:t>
+                              </m:r>
+                              <m:r>
+                                <a:rPr lang="en-US" sz="2800" i="0">
+                                  <a:latin typeface="Cambria Math" panose="02040503050406030204" pitchFamily="18" charset="0"/>
+                                </a:rPr>
+                                <m:t> </m:t>
+                              </m:r>
+                              <m:r>
+                                <m:rPr>
+                                  <m:sty m:val="p"/>
+                                </m:rPr>
+                                <a:rPr lang="en-US" sz="2800" i="0">
+                                  <a:latin typeface="Cambria Math" panose="02040503050406030204" pitchFamily="18" charset="0"/>
+                                </a:rPr>
+                                <m:t>date</m:t>
+                              </m:r>
+                              <m:r>
+                                <a:rPr lang="en-US" sz="2800" i="0">
+                                  <a:latin typeface="Cambria Math" panose="02040503050406030204" pitchFamily="18" charset="0"/>
+                                </a:rPr>
+                                <m:t>≥ </m:t>
+                              </m:r>
+                              <m:r>
+                                <m:rPr>
+                                  <m:sty m:val="p"/>
+                                </m:rPr>
+                                <a:rPr lang="en-US" sz="2800" i="0">
+                                  <a:latin typeface="Cambria Math" panose="02040503050406030204" pitchFamily="18" charset="0"/>
+                                </a:rPr>
+                                <m:t>Feb</m:t>
+                              </m:r>
+                              <m:r>
+                                <a:rPr lang="en-US" sz="2800" i="0">
+                                  <a:latin typeface="Cambria Math" panose="02040503050406030204" pitchFamily="18" charset="0"/>
+                                </a:rPr>
+                                <m:t> </m:t>
+                              </m:r>
+                              <m:r>
+                                <a:rPr lang="en-US" sz="2800" i="0">
+                                  <a:latin typeface="Cambria Math" panose="02040503050406030204" pitchFamily="18" charset="0"/>
+                                </a:rPr>
+                                <m:t>7</m:t>
+                              </m:r>
+                              <m:r>
+                                <a:rPr lang="en-US" sz="2800" i="0">
+                                  <a:latin typeface="Cambria Math" panose="02040503050406030204" pitchFamily="18" charset="0"/>
+                                </a:rPr>
+                                <m:t>, </m:t>
+                              </m:r>
+                              <m:r>
+                                <a:rPr lang="en-US" sz="2800" i="0">
+                                  <a:latin typeface="Cambria Math" panose="02040503050406030204" pitchFamily="18" charset="0"/>
+                                </a:rPr>
+                                <m:t>2021</m:t>
+                              </m:r>
+                            </m:e>
+                          </m:eqArr>
+                        </m:e>
+                      </m:d>
+                    </m:oMath>
+                  </m:oMathPara>
+                </a14:m>
+                <a:endParaRPr lang="en-US" sz="2800" dirty="0"/>
+              </a:p>
+            </p:txBody>
+          </p:sp>
+        </mc:Choice>
+        <mc:Fallback>
+          <p:sp>
+            <p:nvSpPr>
+              <p:cNvPr id="4" name="TextBox 3">
+                <a:extLst>
+                  <a:ext uri="{FF2B5EF4-FFF2-40B4-BE49-F238E27FC236}">
+                    <a16:creationId xmlns:a16="http://schemas.microsoft.com/office/drawing/2014/main" id="{902ED1D7-E996-EF69-829B-593F4BE2D5F1}"/>
+                  </a:ext>
+                </a:extLst>
+              </p:cNvPr>
+              <p:cNvSpPr txBox="1">
+                <a:spLocks noRot="1" noChangeAspect="1" noMove="1" noResize="1" noEditPoints="1" noAdjustHandles="1" noChangeArrowheads="1" noChangeShapeType="1" noTextEdit="1"/>
+              </p:cNvSpPr>
+              <p:nvPr/>
+            </p:nvSpPr>
+            <p:spPr>
+              <a:xfrm>
+                <a:off x="2853834" y="17992750"/>
+                <a:ext cx="12409726" cy="1781000"/>
+              </a:xfrm>
+              <a:prstGeom prst="rect">
+                <a:avLst/>
+              </a:prstGeom>
+              <a:blipFill>
+                <a:blip r:embed="rId5"/>
+                <a:stretch>
+                  <a:fillRect/>
+                </a:stretch>
+              </a:blipFill>
+            </p:spPr>
+            <p:txBody>
+              <a:bodyPr/>
+              <a:lstStyle/>
+              <a:p>
+                <a:r>
+                  <a:rPr lang="en-US">
+                    <a:noFill/>
+                  </a:rPr>
+                  <a:t> </a:t>
+                </a:r>
+              </a:p>
+            </p:txBody>
+          </p:sp>
+        </mc:Fallback>
+      </mc:AlternateContent>
       <p:pic>
         <p:nvPicPr>
-          <p:cNvPr id="47" name="Picture 46">
+          <p:cNvPr id="12" name="Picture 11" descr="A picture containing text, diagram, plot, line&#10;&#10;Description automatically generated">
             <a:extLst>
               <a:ext uri="{FF2B5EF4-FFF2-40B4-BE49-F238E27FC236}">
-                <a16:creationId xmlns:a16="http://schemas.microsoft.com/office/drawing/2014/main" id="{5C7CA0DF-F647-5FE3-6A45-BDD20C6F8E16}"/>
+                <a16:creationId xmlns:a16="http://schemas.microsoft.com/office/drawing/2014/main" id="{64B92B50-C75F-DFD6-5C24-3116D80DA9FB}"/>
               </a:ext>
             </a:extLst>
           </p:cNvPr>
@@ -5421,15 +6294,21 @@
           <p:nvPr/>
         </p:nvPicPr>
         <p:blipFill>
-          <a:blip r:embed="rId6"/>
+          <a:blip r:embed="rId6">
+            <a:extLst>
+              <a:ext uri="{28A0092B-C50C-407E-A947-70E740481C1C}">
+                <a14:useLocalDpi xmlns:a14="http://schemas.microsoft.com/office/drawing/2010/main" val="0"/>
+              </a:ext>
+            </a:extLst>
+          </a:blip>
           <a:stretch>
             <a:fillRect/>
           </a:stretch>
         </p:blipFill>
         <p:spPr>
           <a:xfrm>
-            <a:off x="7937065" y="18786827"/>
-            <a:ext cx="7158569" cy="2666149"/>
+            <a:off x="15456310" y="6007816"/>
+            <a:ext cx="9144000" cy="5486400"/>
           </a:xfrm>
           <a:prstGeom prst="rect">
             <a:avLst/>
@@ -5438,10 +6317,10 @@
       </p:pic>
       <p:pic>
         <p:nvPicPr>
-          <p:cNvPr id="51" name="Picture 50">
+          <p:cNvPr id="14" name="Picture 13" descr="A picture containing text, line, plot, diagram&#10;&#10;Description automatically generated">
             <a:extLst>
               <a:ext uri="{FF2B5EF4-FFF2-40B4-BE49-F238E27FC236}">
-                <a16:creationId xmlns:a16="http://schemas.microsoft.com/office/drawing/2014/main" id="{08A11DC0-3B74-C9F3-C507-25A53267054D}"/>
+                <a16:creationId xmlns:a16="http://schemas.microsoft.com/office/drawing/2014/main" id="{76C44484-5FED-B635-14D0-FFCBD25AFD57}"/>
               </a:ext>
             </a:extLst>
           </p:cNvPr>
@@ -5451,15 +6330,21 @@
           <p:nvPr/>
         </p:nvPicPr>
         <p:blipFill>
-          <a:blip r:embed="rId7"/>
+          <a:blip r:embed="rId7">
+            <a:extLst>
+              <a:ext uri="{28A0092B-C50C-407E-A947-70E740481C1C}">
+                <a14:useLocalDpi xmlns:a14="http://schemas.microsoft.com/office/drawing/2010/main" val="0"/>
+              </a:ext>
+            </a:extLst>
+          </a:blip>
           <a:stretch>
             <a:fillRect/>
           </a:stretch>
         </p:blipFill>
         <p:spPr>
           <a:xfrm>
-            <a:off x="15263560" y="5773979"/>
-            <a:ext cx="10476262" cy="13266710"/>
+            <a:off x="20028310" y="18595162"/>
+            <a:ext cx="9144000" cy="5486400"/>
           </a:xfrm>
           <a:prstGeom prst="rect">
             <a:avLst/>
@@ -5468,10 +6353,10 @@
       </p:pic>
       <p:pic>
         <p:nvPicPr>
-          <p:cNvPr id="53" name="Picture 52">
+          <p:cNvPr id="19" name="Picture 18" descr="A picture containing text, diagram, plot, line&#10;&#10;Description automatically generated">
             <a:extLst>
               <a:ext uri="{FF2B5EF4-FFF2-40B4-BE49-F238E27FC236}">
-                <a16:creationId xmlns:a16="http://schemas.microsoft.com/office/drawing/2014/main" id="{0091DE6F-946A-F80B-A01F-F5ECC94F5985}"/>
+                <a16:creationId xmlns:a16="http://schemas.microsoft.com/office/drawing/2014/main" id="{1D90C954-C4BF-FD27-0BD1-0C1E40F43CC9}"/>
               </a:ext>
             </a:extLst>
           </p:cNvPr>
@@ -5481,25 +6366,3945 @@
           <p:nvPr/>
         </p:nvPicPr>
         <p:blipFill>
-          <a:blip r:embed="rId8"/>
+          <a:blip r:embed="rId8">
+            <a:extLst>
+              <a:ext uri="{28A0092B-C50C-407E-A947-70E740481C1C}">
+                <a14:useLocalDpi xmlns:a14="http://schemas.microsoft.com/office/drawing/2010/main" val="0"/>
+              </a:ext>
+            </a:extLst>
+          </a:blip>
           <a:stretch>
             <a:fillRect/>
           </a:stretch>
         </p:blipFill>
         <p:spPr>
           <a:xfrm>
-            <a:off x="22907006" y="5794858"/>
-            <a:ext cx="8792194" cy="12862606"/>
+            <a:off x="15456310" y="11871118"/>
+            <a:ext cx="9144000" cy="5486400"/>
           </a:xfrm>
           <a:prstGeom prst="rect">
             <a:avLst/>
           </a:prstGeom>
         </p:spPr>
       </p:pic>
+      <p:pic>
+        <p:nvPicPr>
+          <p:cNvPr id="21" name="Picture 20" descr="A picture containing text, diagram, line, plot&#10;&#10;Description automatically generated">
+            <a:extLst>
+              <a:ext uri="{FF2B5EF4-FFF2-40B4-BE49-F238E27FC236}">
+                <a16:creationId xmlns:a16="http://schemas.microsoft.com/office/drawing/2014/main" id="{59BA1690-E80A-9442-54D3-7167D9B60940}"/>
+              </a:ext>
+            </a:extLst>
+          </p:cNvPr>
+          <p:cNvPicPr>
+            <a:picLocks noChangeAspect="1"/>
+          </p:cNvPicPr>
+          <p:nvPr/>
+        </p:nvPicPr>
+        <p:blipFill>
+          <a:blip r:embed="rId9">
+            <a:extLst>
+              <a:ext uri="{28A0092B-C50C-407E-A947-70E740481C1C}">
+                <a14:useLocalDpi xmlns:a14="http://schemas.microsoft.com/office/drawing/2010/main" val="0"/>
+              </a:ext>
+            </a:extLst>
+          </a:blip>
+          <a:stretch>
+            <a:fillRect/>
+          </a:stretch>
+        </p:blipFill>
+        <p:spPr>
+          <a:xfrm>
+            <a:off x="20028310" y="24202027"/>
+            <a:ext cx="9144000" cy="5486400"/>
+          </a:xfrm>
+          <a:prstGeom prst="rect">
+            <a:avLst/>
+          </a:prstGeom>
+        </p:spPr>
+      </p:pic>
+      <p:graphicFrame>
+        <p:nvGraphicFramePr>
+          <p:cNvPr id="25" name="Table 24">
+            <a:extLst>
+              <a:ext uri="{FF2B5EF4-FFF2-40B4-BE49-F238E27FC236}">
+                <a16:creationId xmlns:a16="http://schemas.microsoft.com/office/drawing/2014/main" id="{1C7C5583-4E92-42BA-CDC5-332F860C9B86}"/>
+              </a:ext>
+            </a:extLst>
+          </p:cNvPr>
+          <p:cNvGraphicFramePr>
+            <a:graphicFrameLocks noGrp="1"/>
+          </p:cNvGraphicFramePr>
+          <p:nvPr>
+            <p:extLst>
+              <p:ext uri="{D42A27DB-BD31-4B8C-83A1-F6EECF244321}">
+                <p14:modId xmlns:p14="http://schemas.microsoft.com/office/powerpoint/2010/main" val="1790998923"/>
+              </p:ext>
+            </p:extLst>
+          </p:nvPr>
+        </p:nvGraphicFramePr>
+        <p:xfrm>
+          <a:off x="-7682015" y="17440942"/>
+          <a:ext cx="6832600" cy="2597849"/>
+        </p:xfrm>
+        <a:graphic>
+          <a:graphicData uri="http://schemas.openxmlformats.org/drawingml/2006/table">
+            <a:tbl>
+              <a:tblPr firstRow="1" firstCol="1" bandRow="1">
+                <a:tableStyleId>{2D5ABB26-0587-4C30-8999-92F81FD0307C}</a:tableStyleId>
+              </a:tblPr>
+              <a:tblGrid>
+                <a:gridCol w="1118870">
+                  <a:extLst>
+                    <a:ext uri="{9D8B030D-6E8A-4147-A177-3AD203B41FA5}">
+                      <a16:colId xmlns:a16="http://schemas.microsoft.com/office/drawing/2014/main" val="694928811"/>
+                    </a:ext>
+                  </a:extLst>
+                </a:gridCol>
+                <a:gridCol w="2856865">
+                  <a:extLst>
+                    <a:ext uri="{9D8B030D-6E8A-4147-A177-3AD203B41FA5}">
+                      <a16:colId xmlns:a16="http://schemas.microsoft.com/office/drawing/2014/main" val="3035277709"/>
+                    </a:ext>
+                  </a:extLst>
+                </a:gridCol>
+                <a:gridCol w="2856865">
+                  <a:extLst>
+                    <a:ext uri="{9D8B030D-6E8A-4147-A177-3AD203B41FA5}">
+                      <a16:colId xmlns:a16="http://schemas.microsoft.com/office/drawing/2014/main" val="2707887154"/>
+                    </a:ext>
+                  </a:extLst>
+                </a:gridCol>
+              </a:tblGrid>
+              <a:tr h="904685">
+                <a:tc>
+                  <a:txBody>
+                    <a:bodyPr/>
+                    <a:lstStyle/>
+                    <a:p>
+                      <a:pPr marL="0" marR="0" algn="ctr" rtl="0">
+                        <a:lnSpc>
+                          <a:spcPct val="107000"/>
+                        </a:lnSpc>
+                        <a:spcBef>
+                          <a:spcPts val="0"/>
+                        </a:spcBef>
+                        <a:spcAft>
+                          <a:spcPts val="0"/>
+                        </a:spcAft>
+                      </a:pPr>
+                      <a:r>
+                        <a:rPr lang="en-US" sz="2800" kern="100" dirty="0">
+                          <a:effectLst/>
+                          <a:latin typeface="Cambria Math" panose="02040503050406030204" pitchFamily="18" charset="0"/>
+                          <a:ea typeface="Cambria Math" panose="02040503050406030204" pitchFamily="18" charset="0"/>
+                        </a:rPr>
+                        <a:t>Group</a:t>
+                      </a:r>
+                      <a:endParaRPr lang="en-US" sz="2800" kern="100" dirty="0">
+                        <a:effectLst/>
+                        <a:latin typeface="Cambria Math" panose="02040503050406030204" pitchFamily="18" charset="0"/>
+                        <a:ea typeface="Cambria Math" panose="02040503050406030204" pitchFamily="18" charset="0"/>
+                        <a:cs typeface="Arial" panose="020B0604020202020204" pitchFamily="34" charset="0"/>
+                      </a:endParaRPr>
+                    </a:p>
+                  </a:txBody>
+                  <a:tcPr marL="68580" marR="68580" marT="0" marB="0" anchor="ctr"/>
+                </a:tc>
+                <a:tc>
+                  <a:txBody>
+                    <a:bodyPr/>
+                    <a:lstStyle/>
+                    <a:p>
+                      <a:pPr marL="0" marR="0" algn="ctr" rtl="0">
+                        <a:lnSpc>
+                          <a:spcPct val="107000"/>
+                        </a:lnSpc>
+                        <a:spcBef>
+                          <a:spcPts val="0"/>
+                        </a:spcBef>
+                        <a:spcAft>
+                          <a:spcPts val="0"/>
+                        </a:spcAft>
+                      </a:pPr>
+                      <a:r>
+                        <a:rPr lang="en-US" sz="2800" kern="100" dirty="0">
+                          <a:effectLst/>
+                          <a:latin typeface="Cambria Math" panose="02040503050406030204" pitchFamily="18" charset="0"/>
+                          <a:ea typeface="Cambria Math" panose="02040503050406030204" pitchFamily="18" charset="0"/>
+                        </a:rPr>
+                        <a:t>First-year </a:t>
+                      </a:r>
+                      <a:br>
+                        <a:rPr lang="en-US" sz="2800" kern="100" dirty="0">
+                          <a:effectLst/>
+                          <a:latin typeface="Cambria Math" panose="02040503050406030204" pitchFamily="18" charset="0"/>
+                          <a:ea typeface="Cambria Math" panose="02040503050406030204" pitchFamily="18" charset="0"/>
+                        </a:rPr>
+                      </a:br>
+                      <a:r>
+                        <a:rPr lang="en-US" sz="2800" kern="100" dirty="0">
+                          <a:effectLst/>
+                          <a:latin typeface="Cambria Math" panose="02040503050406030204" pitchFamily="18" charset="0"/>
+                          <a:ea typeface="Cambria Math" panose="02040503050406030204" pitchFamily="18" charset="0"/>
+                        </a:rPr>
+                        <a:t>sickness rate (%)</a:t>
+                      </a:r>
+                      <a:endParaRPr lang="en-US" sz="2800" kern="100" dirty="0">
+                        <a:effectLst/>
+                        <a:latin typeface="Cambria Math" panose="02040503050406030204" pitchFamily="18" charset="0"/>
+                        <a:ea typeface="Cambria Math" panose="02040503050406030204" pitchFamily="18" charset="0"/>
+                        <a:cs typeface="Arial" panose="020B0604020202020204" pitchFamily="34" charset="0"/>
+                      </a:endParaRPr>
+                    </a:p>
+                  </a:txBody>
+                  <a:tcPr marL="68580" marR="68580" marT="0" marB="0" anchor="ctr"/>
+                </a:tc>
+                <a:tc>
+                  <a:txBody>
+                    <a:bodyPr/>
+                    <a:lstStyle/>
+                    <a:p>
+                      <a:pPr marL="0" marR="0" algn="ctr" rtl="0">
+                        <a:lnSpc>
+                          <a:spcPct val="107000"/>
+                        </a:lnSpc>
+                        <a:spcBef>
+                          <a:spcPts val="0"/>
+                        </a:spcBef>
+                        <a:spcAft>
+                          <a:spcPts val="0"/>
+                        </a:spcAft>
+                      </a:pPr>
+                      <a:r>
+                        <a:rPr lang="en-US" sz="2800" kern="100" dirty="0">
+                          <a:effectLst/>
+                          <a:latin typeface="Cambria Math" panose="02040503050406030204" pitchFamily="18" charset="0"/>
+                          <a:ea typeface="Cambria Math" panose="02040503050406030204" pitchFamily="18" charset="0"/>
+                        </a:rPr>
+                        <a:t>Second-year </a:t>
+                      </a:r>
+                      <a:br>
+                        <a:rPr lang="en-US" sz="2800" kern="100" dirty="0">
+                          <a:effectLst/>
+                          <a:latin typeface="Cambria Math" panose="02040503050406030204" pitchFamily="18" charset="0"/>
+                          <a:ea typeface="Cambria Math" panose="02040503050406030204" pitchFamily="18" charset="0"/>
+                        </a:rPr>
+                      </a:br>
+                      <a:r>
+                        <a:rPr lang="en-US" sz="2800" kern="100" dirty="0">
+                          <a:effectLst/>
+                          <a:latin typeface="Cambria Math" panose="02040503050406030204" pitchFamily="18" charset="0"/>
+                          <a:ea typeface="Cambria Math" panose="02040503050406030204" pitchFamily="18" charset="0"/>
+                        </a:rPr>
+                        <a:t>sickness rate (%)</a:t>
+                      </a:r>
+                      <a:endParaRPr lang="en-US" sz="2800" kern="100" dirty="0">
+                        <a:effectLst/>
+                        <a:latin typeface="Cambria Math" panose="02040503050406030204" pitchFamily="18" charset="0"/>
+                        <a:ea typeface="Cambria Math" panose="02040503050406030204" pitchFamily="18" charset="0"/>
+                        <a:cs typeface="Arial" panose="020B0604020202020204" pitchFamily="34" charset="0"/>
+                      </a:endParaRPr>
+                    </a:p>
+                  </a:txBody>
+                  <a:tcPr marL="68580" marR="68580" marT="0" marB="0" anchor="ctr"/>
+                </a:tc>
+                <a:extLst>
+                  <a:ext uri="{0D108BD9-81ED-4DB2-BD59-A6C34878D82A}">
+                    <a16:rowId xmlns:a16="http://schemas.microsoft.com/office/drawing/2014/main" val="2009120744"/>
+                  </a:ext>
+                </a:extLst>
+              </a:tr>
+              <a:tr h="416839">
+                <a:tc>
+                  <a:txBody>
+                    <a:bodyPr/>
+                    <a:lstStyle/>
+                    <a:p>
+                      <a:pPr marL="0" marR="0" algn="ctr" rtl="0">
+                        <a:lnSpc>
+                          <a:spcPct val="107000"/>
+                        </a:lnSpc>
+                        <a:spcBef>
+                          <a:spcPts val="0"/>
+                        </a:spcBef>
+                        <a:spcAft>
+                          <a:spcPts val="0"/>
+                        </a:spcAft>
+                      </a:pPr>
+                      <a:r>
+                        <a:rPr lang="en-US" sz="2800" kern="100">
+                          <a:effectLst/>
+                          <a:latin typeface="Cambria Math" panose="02040503050406030204" pitchFamily="18" charset="0"/>
+                          <a:ea typeface="Cambria Math" panose="02040503050406030204" pitchFamily="18" charset="0"/>
+                        </a:rPr>
+                        <a:t>1</a:t>
+                      </a:r>
+                      <a:endParaRPr lang="en-US" sz="2800" kern="100">
+                        <a:effectLst/>
+                        <a:latin typeface="Cambria Math" panose="02040503050406030204" pitchFamily="18" charset="0"/>
+                        <a:ea typeface="Cambria Math" panose="02040503050406030204" pitchFamily="18" charset="0"/>
+                        <a:cs typeface="Arial" panose="020B0604020202020204" pitchFamily="34" charset="0"/>
+                      </a:endParaRPr>
+                    </a:p>
+                  </a:txBody>
+                  <a:tcPr marL="68580" marR="68580" marT="0" marB="0" anchor="ctr"/>
+                </a:tc>
+                <a:tc>
+                  <a:txBody>
+                    <a:bodyPr/>
+                    <a:lstStyle/>
+                    <a:p>
+                      <a:pPr marL="0" marR="0" algn="ctr" rtl="0">
+                        <a:lnSpc>
+                          <a:spcPct val="107000"/>
+                        </a:lnSpc>
+                        <a:spcBef>
+                          <a:spcPts val="0"/>
+                        </a:spcBef>
+                        <a:spcAft>
+                          <a:spcPts val="0"/>
+                        </a:spcAft>
+                      </a:pPr>
+                      <a:r>
+                        <a:rPr lang="en-US" sz="2800" kern="100" dirty="0">
+                          <a:effectLst/>
+                          <a:latin typeface="Cambria Math" panose="02040503050406030204" pitchFamily="18" charset="0"/>
+                          <a:ea typeface="Cambria Math" panose="02040503050406030204" pitchFamily="18" charset="0"/>
+                        </a:rPr>
+                        <a:t>77</a:t>
+                      </a:r>
+                      <a:endParaRPr lang="en-US" sz="2800" kern="100" dirty="0">
+                        <a:effectLst/>
+                        <a:latin typeface="Cambria Math" panose="02040503050406030204" pitchFamily="18" charset="0"/>
+                        <a:ea typeface="Cambria Math" panose="02040503050406030204" pitchFamily="18" charset="0"/>
+                        <a:cs typeface="Arial" panose="020B0604020202020204" pitchFamily="34" charset="0"/>
+                      </a:endParaRPr>
+                    </a:p>
+                  </a:txBody>
+                  <a:tcPr marL="68580" marR="68580" marT="0" marB="0" anchor="ctr"/>
+                </a:tc>
+                <a:tc>
+                  <a:txBody>
+                    <a:bodyPr/>
+                    <a:lstStyle/>
+                    <a:p>
+                      <a:pPr marL="0" marR="0" algn="ctr" rtl="0">
+                        <a:lnSpc>
+                          <a:spcPct val="107000"/>
+                        </a:lnSpc>
+                        <a:spcBef>
+                          <a:spcPts val="0"/>
+                        </a:spcBef>
+                        <a:spcAft>
+                          <a:spcPts val="0"/>
+                        </a:spcAft>
+                      </a:pPr>
+                      <a:r>
+                        <a:rPr lang="en-US" sz="2800" kern="100" dirty="0">
+                          <a:effectLst/>
+                          <a:latin typeface="Cambria Math" panose="02040503050406030204" pitchFamily="18" charset="0"/>
+                          <a:ea typeface="Cambria Math" panose="02040503050406030204" pitchFamily="18" charset="0"/>
+                        </a:rPr>
+                        <a:t>52</a:t>
+                      </a:r>
+                      <a:endParaRPr lang="en-US" sz="2800" kern="100" dirty="0">
+                        <a:effectLst/>
+                        <a:latin typeface="Cambria Math" panose="02040503050406030204" pitchFamily="18" charset="0"/>
+                        <a:ea typeface="Cambria Math" panose="02040503050406030204" pitchFamily="18" charset="0"/>
+                        <a:cs typeface="Arial" panose="020B0604020202020204" pitchFamily="34" charset="0"/>
+                      </a:endParaRPr>
+                    </a:p>
+                  </a:txBody>
+                  <a:tcPr marL="68580" marR="68580" marT="0" marB="0" anchor="ctr"/>
+                </a:tc>
+                <a:extLst>
+                  <a:ext uri="{0D108BD9-81ED-4DB2-BD59-A6C34878D82A}">
+                    <a16:rowId xmlns:a16="http://schemas.microsoft.com/office/drawing/2014/main" val="304544607"/>
+                  </a:ext>
+                </a:extLst>
+              </a:tr>
+              <a:tr h="416839">
+                <a:tc>
+                  <a:txBody>
+                    <a:bodyPr/>
+                    <a:lstStyle/>
+                    <a:p>
+                      <a:pPr marL="0" marR="0" algn="ctr" rtl="0">
+                        <a:lnSpc>
+                          <a:spcPct val="107000"/>
+                        </a:lnSpc>
+                        <a:spcBef>
+                          <a:spcPts val="0"/>
+                        </a:spcBef>
+                        <a:spcAft>
+                          <a:spcPts val="0"/>
+                        </a:spcAft>
+                      </a:pPr>
+                      <a:r>
+                        <a:rPr lang="en-US" sz="2800" kern="100">
+                          <a:effectLst/>
+                          <a:latin typeface="Cambria Math" panose="02040503050406030204" pitchFamily="18" charset="0"/>
+                          <a:ea typeface="Cambria Math" panose="02040503050406030204" pitchFamily="18" charset="0"/>
+                        </a:rPr>
+                        <a:t>2</a:t>
+                      </a:r>
+                      <a:endParaRPr lang="en-US" sz="2800" kern="100">
+                        <a:effectLst/>
+                        <a:latin typeface="Cambria Math" panose="02040503050406030204" pitchFamily="18" charset="0"/>
+                        <a:ea typeface="Cambria Math" panose="02040503050406030204" pitchFamily="18" charset="0"/>
+                        <a:cs typeface="Arial" panose="020B0604020202020204" pitchFamily="34" charset="0"/>
+                      </a:endParaRPr>
+                    </a:p>
+                  </a:txBody>
+                  <a:tcPr marL="68580" marR="68580" marT="0" marB="0" anchor="ctr"/>
+                </a:tc>
+                <a:tc>
+                  <a:txBody>
+                    <a:bodyPr/>
+                    <a:lstStyle/>
+                    <a:p>
+                      <a:pPr marL="0" marR="0" algn="ctr" rtl="0">
+                        <a:lnSpc>
+                          <a:spcPct val="107000"/>
+                        </a:lnSpc>
+                        <a:spcBef>
+                          <a:spcPts val="0"/>
+                        </a:spcBef>
+                        <a:spcAft>
+                          <a:spcPts val="0"/>
+                        </a:spcAft>
+                      </a:pPr>
+                      <a:r>
+                        <a:rPr lang="en-US" sz="2800" kern="100" dirty="0">
+                          <a:effectLst/>
+                          <a:latin typeface="Cambria Math" panose="02040503050406030204" pitchFamily="18" charset="0"/>
+                          <a:ea typeface="Cambria Math" panose="02040503050406030204" pitchFamily="18" charset="0"/>
+                        </a:rPr>
+                        <a:t>56</a:t>
+                      </a:r>
+                      <a:endParaRPr lang="en-US" sz="2800" kern="100" dirty="0">
+                        <a:effectLst/>
+                        <a:latin typeface="Cambria Math" panose="02040503050406030204" pitchFamily="18" charset="0"/>
+                        <a:ea typeface="Cambria Math" panose="02040503050406030204" pitchFamily="18" charset="0"/>
+                        <a:cs typeface="Arial" panose="020B0604020202020204" pitchFamily="34" charset="0"/>
+                      </a:endParaRPr>
+                    </a:p>
+                  </a:txBody>
+                  <a:tcPr marL="68580" marR="68580" marT="0" marB="0" anchor="ctr"/>
+                </a:tc>
+                <a:tc>
+                  <a:txBody>
+                    <a:bodyPr/>
+                    <a:lstStyle/>
+                    <a:p>
+                      <a:pPr marL="0" marR="0" algn="ctr" rtl="0">
+                        <a:lnSpc>
+                          <a:spcPct val="107000"/>
+                        </a:lnSpc>
+                        <a:spcBef>
+                          <a:spcPts val="0"/>
+                        </a:spcBef>
+                        <a:spcAft>
+                          <a:spcPts val="0"/>
+                        </a:spcAft>
+                      </a:pPr>
+                      <a:r>
+                        <a:rPr lang="en-US" sz="2800" kern="100" dirty="0">
+                          <a:effectLst/>
+                          <a:latin typeface="Cambria Math" panose="02040503050406030204" pitchFamily="18" charset="0"/>
+                          <a:ea typeface="Cambria Math" panose="02040503050406030204" pitchFamily="18" charset="0"/>
+                        </a:rPr>
+                        <a:t>59</a:t>
+                      </a:r>
+                      <a:endParaRPr lang="en-US" sz="2800" kern="100" dirty="0">
+                        <a:effectLst/>
+                        <a:latin typeface="Cambria Math" panose="02040503050406030204" pitchFamily="18" charset="0"/>
+                        <a:ea typeface="Cambria Math" panose="02040503050406030204" pitchFamily="18" charset="0"/>
+                        <a:cs typeface="Arial" panose="020B0604020202020204" pitchFamily="34" charset="0"/>
+                      </a:endParaRPr>
+                    </a:p>
+                  </a:txBody>
+                  <a:tcPr marL="68580" marR="68580" marT="0" marB="0" anchor="ctr"/>
+                </a:tc>
+                <a:extLst>
+                  <a:ext uri="{0D108BD9-81ED-4DB2-BD59-A6C34878D82A}">
+                    <a16:rowId xmlns:a16="http://schemas.microsoft.com/office/drawing/2014/main" val="545208140"/>
+                  </a:ext>
+                </a:extLst>
+              </a:tr>
+              <a:tr h="416839">
+                <a:tc>
+                  <a:txBody>
+                    <a:bodyPr/>
+                    <a:lstStyle/>
+                    <a:p>
+                      <a:pPr marL="0" marR="0" algn="ctr" rtl="0">
+                        <a:lnSpc>
+                          <a:spcPct val="107000"/>
+                        </a:lnSpc>
+                        <a:spcBef>
+                          <a:spcPts val="0"/>
+                        </a:spcBef>
+                        <a:spcAft>
+                          <a:spcPts val="0"/>
+                        </a:spcAft>
+                      </a:pPr>
+                      <a:r>
+                        <a:rPr lang="en-US" sz="2800" kern="100">
+                          <a:effectLst/>
+                          <a:latin typeface="Cambria Math" panose="02040503050406030204" pitchFamily="18" charset="0"/>
+                          <a:ea typeface="Cambria Math" panose="02040503050406030204" pitchFamily="18" charset="0"/>
+                        </a:rPr>
+                        <a:t>3</a:t>
+                      </a:r>
+                      <a:endParaRPr lang="en-US" sz="2800" kern="100">
+                        <a:effectLst/>
+                        <a:latin typeface="Cambria Math" panose="02040503050406030204" pitchFamily="18" charset="0"/>
+                        <a:ea typeface="Cambria Math" panose="02040503050406030204" pitchFamily="18" charset="0"/>
+                        <a:cs typeface="Arial" panose="020B0604020202020204" pitchFamily="34" charset="0"/>
+                      </a:endParaRPr>
+                    </a:p>
+                  </a:txBody>
+                  <a:tcPr marL="68580" marR="68580" marT="0" marB="0" anchor="ctr"/>
+                </a:tc>
+                <a:tc>
+                  <a:txBody>
+                    <a:bodyPr/>
+                    <a:lstStyle/>
+                    <a:p>
+                      <a:pPr marL="0" marR="0" algn="ctr" rtl="0">
+                        <a:lnSpc>
+                          <a:spcPct val="107000"/>
+                        </a:lnSpc>
+                        <a:spcBef>
+                          <a:spcPts val="0"/>
+                        </a:spcBef>
+                        <a:spcAft>
+                          <a:spcPts val="0"/>
+                        </a:spcAft>
+                      </a:pPr>
+                      <a:r>
+                        <a:rPr lang="en-US" sz="2800" kern="100" dirty="0">
+                          <a:effectLst/>
+                          <a:latin typeface="Cambria Math" panose="02040503050406030204" pitchFamily="18" charset="0"/>
+                          <a:ea typeface="Cambria Math" panose="02040503050406030204" pitchFamily="18" charset="0"/>
+                        </a:rPr>
+                        <a:t>71</a:t>
+                      </a:r>
+                      <a:endParaRPr lang="en-US" sz="2800" kern="100" dirty="0">
+                        <a:effectLst/>
+                        <a:latin typeface="Cambria Math" panose="02040503050406030204" pitchFamily="18" charset="0"/>
+                        <a:ea typeface="Cambria Math" panose="02040503050406030204" pitchFamily="18" charset="0"/>
+                        <a:cs typeface="Arial" panose="020B0604020202020204" pitchFamily="34" charset="0"/>
+                      </a:endParaRPr>
+                    </a:p>
+                  </a:txBody>
+                  <a:tcPr marL="68580" marR="68580" marT="0" marB="0" anchor="ctr"/>
+                </a:tc>
+                <a:tc>
+                  <a:txBody>
+                    <a:bodyPr/>
+                    <a:lstStyle/>
+                    <a:p>
+                      <a:pPr marL="0" marR="0" algn="ctr" rtl="0">
+                        <a:lnSpc>
+                          <a:spcPct val="107000"/>
+                        </a:lnSpc>
+                        <a:spcBef>
+                          <a:spcPts val="0"/>
+                        </a:spcBef>
+                        <a:spcAft>
+                          <a:spcPts val="0"/>
+                        </a:spcAft>
+                      </a:pPr>
+                      <a:r>
+                        <a:rPr lang="en-US" sz="2800" kern="100" dirty="0">
+                          <a:effectLst/>
+                          <a:latin typeface="Cambria Math" panose="02040503050406030204" pitchFamily="18" charset="0"/>
+                          <a:ea typeface="Cambria Math" panose="02040503050406030204" pitchFamily="18" charset="0"/>
+                        </a:rPr>
+                        <a:t>68</a:t>
+                      </a:r>
+                      <a:endParaRPr lang="en-US" sz="2800" kern="100" dirty="0">
+                        <a:effectLst/>
+                        <a:latin typeface="Cambria Math" panose="02040503050406030204" pitchFamily="18" charset="0"/>
+                        <a:ea typeface="Cambria Math" panose="02040503050406030204" pitchFamily="18" charset="0"/>
+                        <a:cs typeface="Arial" panose="020B0604020202020204" pitchFamily="34" charset="0"/>
+                      </a:endParaRPr>
+                    </a:p>
+                  </a:txBody>
+                  <a:tcPr marL="68580" marR="68580" marT="0" marB="0" anchor="ctr"/>
+                </a:tc>
+                <a:extLst>
+                  <a:ext uri="{0D108BD9-81ED-4DB2-BD59-A6C34878D82A}">
+                    <a16:rowId xmlns:a16="http://schemas.microsoft.com/office/drawing/2014/main" val="3799792934"/>
+                  </a:ext>
+                </a:extLst>
+              </a:tr>
+              <a:tr h="416839">
+                <a:tc>
+                  <a:txBody>
+                    <a:bodyPr/>
+                    <a:lstStyle/>
+                    <a:p>
+                      <a:pPr marL="0" marR="0" algn="ctr" rtl="0">
+                        <a:lnSpc>
+                          <a:spcPct val="107000"/>
+                        </a:lnSpc>
+                        <a:spcBef>
+                          <a:spcPts val="0"/>
+                        </a:spcBef>
+                        <a:spcAft>
+                          <a:spcPts val="0"/>
+                        </a:spcAft>
+                      </a:pPr>
+                      <a:r>
+                        <a:rPr lang="en-US" sz="2800" kern="100" dirty="0">
+                          <a:effectLst/>
+                          <a:latin typeface="Cambria Math" panose="02040503050406030204" pitchFamily="18" charset="0"/>
+                          <a:ea typeface="Cambria Math" panose="02040503050406030204" pitchFamily="18" charset="0"/>
+                        </a:rPr>
+                        <a:t>4</a:t>
+                      </a:r>
+                      <a:endParaRPr lang="en-US" sz="2800" kern="100" dirty="0">
+                        <a:effectLst/>
+                        <a:latin typeface="Cambria Math" panose="02040503050406030204" pitchFamily="18" charset="0"/>
+                        <a:ea typeface="Cambria Math" panose="02040503050406030204" pitchFamily="18" charset="0"/>
+                        <a:cs typeface="Arial" panose="020B0604020202020204" pitchFamily="34" charset="0"/>
+                      </a:endParaRPr>
+                    </a:p>
+                  </a:txBody>
+                  <a:tcPr marL="68580" marR="68580" marT="0" marB="0" anchor="ctr"/>
+                </a:tc>
+                <a:tc>
+                  <a:txBody>
+                    <a:bodyPr/>
+                    <a:lstStyle/>
+                    <a:p>
+                      <a:pPr marL="0" marR="0" algn="ctr" rtl="0">
+                        <a:lnSpc>
+                          <a:spcPct val="107000"/>
+                        </a:lnSpc>
+                        <a:spcBef>
+                          <a:spcPts val="0"/>
+                        </a:spcBef>
+                        <a:spcAft>
+                          <a:spcPts val="0"/>
+                        </a:spcAft>
+                      </a:pPr>
+                      <a:r>
+                        <a:rPr lang="en-US" sz="2800" kern="100" dirty="0">
+                          <a:effectLst/>
+                          <a:latin typeface="Cambria Math" panose="02040503050406030204" pitchFamily="18" charset="0"/>
+                          <a:ea typeface="Cambria Math" panose="02040503050406030204" pitchFamily="18" charset="0"/>
+                        </a:rPr>
+                        <a:t>78</a:t>
+                      </a:r>
+                      <a:endParaRPr lang="en-US" sz="2800" kern="100" dirty="0">
+                        <a:effectLst/>
+                        <a:latin typeface="Cambria Math" panose="02040503050406030204" pitchFamily="18" charset="0"/>
+                        <a:ea typeface="Cambria Math" panose="02040503050406030204" pitchFamily="18" charset="0"/>
+                        <a:cs typeface="Arial" panose="020B0604020202020204" pitchFamily="34" charset="0"/>
+                      </a:endParaRPr>
+                    </a:p>
+                  </a:txBody>
+                  <a:tcPr marL="68580" marR="68580" marT="0" marB="0" anchor="ctr"/>
+                </a:tc>
+                <a:tc>
+                  <a:txBody>
+                    <a:bodyPr/>
+                    <a:lstStyle/>
+                    <a:p>
+                      <a:pPr marL="0" marR="0" algn="ctr" rtl="0">
+                        <a:lnSpc>
+                          <a:spcPct val="107000"/>
+                        </a:lnSpc>
+                        <a:spcBef>
+                          <a:spcPts val="0"/>
+                        </a:spcBef>
+                        <a:spcAft>
+                          <a:spcPts val="0"/>
+                        </a:spcAft>
+                      </a:pPr>
+                      <a:r>
+                        <a:rPr lang="en-US" sz="2800" kern="100" dirty="0">
+                          <a:effectLst/>
+                          <a:latin typeface="Cambria Math" panose="02040503050406030204" pitchFamily="18" charset="0"/>
+                          <a:ea typeface="Cambria Math" panose="02040503050406030204" pitchFamily="18" charset="0"/>
+                        </a:rPr>
+                        <a:t>68</a:t>
+                      </a:r>
+                      <a:endParaRPr lang="en-US" sz="2800" kern="100" dirty="0">
+                        <a:effectLst/>
+                        <a:latin typeface="Cambria Math" panose="02040503050406030204" pitchFamily="18" charset="0"/>
+                        <a:ea typeface="Cambria Math" panose="02040503050406030204" pitchFamily="18" charset="0"/>
+                        <a:cs typeface="Arial" panose="020B0604020202020204" pitchFamily="34" charset="0"/>
+                      </a:endParaRPr>
+                    </a:p>
+                  </a:txBody>
+                  <a:tcPr marL="68580" marR="68580" marT="0" marB="0" anchor="ctr"/>
+                </a:tc>
+                <a:extLst>
+                  <a:ext uri="{0D108BD9-81ED-4DB2-BD59-A6C34878D82A}">
+                    <a16:rowId xmlns:a16="http://schemas.microsoft.com/office/drawing/2014/main" val="1790511498"/>
+                  </a:ext>
+                </a:extLst>
+              </a:tr>
+            </a:tbl>
+          </a:graphicData>
+        </a:graphic>
+      </p:graphicFrame>
     </p:spTree>
     <p:extLst>
       <p:ext uri="{BB962C8B-B14F-4D97-AF65-F5344CB8AC3E}">
         <p14:creationId xmlns:p14="http://schemas.microsoft.com/office/powerpoint/2010/main" val="1000118881"/>
+      </p:ext>
+    </p:extLst>
+  </p:cSld>
+  <p:clrMapOvr>
+    <a:masterClrMapping/>
+  </p:clrMapOvr>
+</p:sld>
+</file>
+
+<file path=ppt/slides/slide2.xml><?xml version="1.0" encoding="utf-8"?>
+<p:sld xmlns:a="http://schemas.openxmlformats.org/drawingml/2006/main" xmlns:r="http://schemas.openxmlformats.org/officeDocument/2006/relationships" xmlns:p="http://schemas.openxmlformats.org/presentationml/2006/main">
+  <p:cSld>
+    <p:bg>
+      <p:bgPr>
+        <a:solidFill>
+          <a:srgbClr val="E1E9EF"/>
+        </a:solidFill>
+        <a:effectLst/>
+      </p:bgPr>
+    </p:bg>
+    <p:spTree>
+      <p:nvGrpSpPr>
+        <p:cNvPr id="1" name=""/>
+        <p:cNvGrpSpPr/>
+        <p:nvPr/>
+      </p:nvGrpSpPr>
+      <p:grpSpPr>
+        <a:xfrm>
+          <a:off x="0" y="0"/>
+          <a:ext cx="0" cy="0"/>
+          <a:chOff x="0" y="0"/>
+          <a:chExt cx="0" cy="0"/>
+        </a:xfrm>
+      </p:grpSpPr>
+      <p:pic>
+        <p:nvPicPr>
+          <p:cNvPr id="15" name="Picture 14" descr="A picture containing text, lighthouse, screenshot, design&#10;&#10;Description automatically generated">
+            <a:extLst>
+              <a:ext uri="{FF2B5EF4-FFF2-40B4-BE49-F238E27FC236}">
+                <a16:creationId xmlns:a16="http://schemas.microsoft.com/office/drawing/2014/main" id="{F548D39D-7CE9-BDAA-44D3-ABF53A3C1CC4}"/>
+              </a:ext>
+            </a:extLst>
+          </p:cNvPr>
+          <p:cNvPicPr>
+            <a:picLocks noChangeAspect="1"/>
+          </p:cNvPicPr>
+          <p:nvPr/>
+        </p:nvPicPr>
+        <p:blipFill>
+          <a:blip r:embed="rId2">
+            <a:duotone>
+              <a:schemeClr val="accent1">
+                <a:shade val="45000"/>
+                <a:satMod val="135000"/>
+              </a:schemeClr>
+              <a:prstClr val="white"/>
+            </a:duotone>
+            <a:extLst>
+              <a:ext uri="{BEBA8EAE-BF5A-486C-A8C5-ECC9F3942E4B}">
+                <a14:imgProps xmlns:a14="http://schemas.microsoft.com/office/drawing/2010/main">
+                  <a14:imgLayer r:embed="rId3">
+                    <a14:imgEffect>
+                      <a14:brightnessContrast bright="-40000" contrast="40000"/>
+                    </a14:imgEffect>
+                  </a14:imgLayer>
+                </a14:imgProps>
+              </a:ext>
+              <a:ext uri="{28A0092B-C50C-407E-A947-70E740481C1C}">
+                <a14:useLocalDpi xmlns:a14="http://schemas.microsoft.com/office/drawing/2010/main" val="0"/>
+              </a:ext>
+            </a:extLst>
+          </a:blip>
+          <a:stretch>
+            <a:fillRect/>
+          </a:stretch>
+        </p:blipFill>
+        <p:spPr>
+          <a:xfrm>
+            <a:off x="284728" y="228483"/>
+            <a:ext cx="2704641" cy="4339650"/>
+          </a:xfrm>
+          <a:prstGeom prst="rect">
+            <a:avLst/>
+          </a:prstGeom>
+        </p:spPr>
+      </p:pic>
+      <p:sp>
+        <p:nvSpPr>
+          <p:cNvPr id="16" name="TextBox 15">
+            <a:extLst>
+              <a:ext uri="{FF2B5EF4-FFF2-40B4-BE49-F238E27FC236}">
+                <a16:creationId xmlns:a16="http://schemas.microsoft.com/office/drawing/2014/main" id="{D98B7141-C41B-A5BE-701F-B9FA0C4CCF41}"/>
+              </a:ext>
+            </a:extLst>
+          </p:cNvPr>
+          <p:cNvSpPr txBox="1"/>
+          <p:nvPr/>
+        </p:nvSpPr>
+        <p:spPr>
+          <a:xfrm>
+            <a:off x="2362200" y="235974"/>
+            <a:ext cx="26810111" cy="4339650"/>
+          </a:xfrm>
+          <a:prstGeom prst="rect">
+            <a:avLst/>
+          </a:prstGeom>
+          <a:noFill/>
+        </p:spPr>
+        <p:txBody>
+          <a:bodyPr wrap="square" rtlCol="1">
+            <a:spAutoFit/>
+          </a:bodyPr>
+          <a:lstStyle/>
+          <a:p>
+            <a:pPr algn="ctr"/>
+            <a:r>
+              <a:rPr lang="en-US" sz="7200" b="1" dirty="0">
+                <a:solidFill>
+                  <a:schemeClr val="accent1">
+                    <a:lumMod val="50000"/>
+                  </a:schemeClr>
+                </a:solidFill>
+                <a:effectLst>
+                  <a:outerShdw blurRad="38100" dist="38100" dir="2700000" algn="tl">
+                    <a:srgbClr val="000000">
+                      <a:alpha val="43137"/>
+                    </a:srgbClr>
+                  </a:outerShdw>
+                </a:effectLst>
+                <a:latin typeface="+mj-lt"/>
+                <a:cs typeface="Arial" panose="020B0604020202020204" pitchFamily="34" charset="0"/>
+              </a:rPr>
+              <a:t>The Golden opportunity</a:t>
+            </a:r>
+            <a:br>
+              <a:rPr lang="en-US" sz="7200" b="1" dirty="0">
+                <a:solidFill>
+                  <a:schemeClr val="accent1">
+                    <a:lumMod val="50000"/>
+                  </a:schemeClr>
+                </a:solidFill>
+                <a:effectLst>
+                  <a:outerShdw blurRad="38100" dist="38100" dir="2700000" algn="tl">
+                    <a:srgbClr val="000000">
+                      <a:alpha val="43137"/>
+                    </a:srgbClr>
+                  </a:outerShdw>
+                </a:effectLst>
+                <a:latin typeface="+mj-lt"/>
+                <a:cs typeface="Arial" panose="020B0604020202020204" pitchFamily="34" charset="0"/>
+              </a:rPr>
+            </a:br>
+            <a:r>
+              <a:rPr lang="en-US" sz="7200" dirty="0">
+                <a:solidFill>
+                  <a:schemeClr val="accent1">
+                    <a:lumMod val="50000"/>
+                  </a:schemeClr>
+                </a:solidFill>
+                <a:effectLst>
+                  <a:outerShdw blurRad="38100" dist="38100" dir="2700000" algn="tl">
+                    <a:srgbClr val="000000">
+                      <a:alpha val="43137"/>
+                    </a:srgbClr>
+                  </a:outerShdw>
+                </a:effectLst>
+                <a:latin typeface="+mj-lt"/>
+                <a:cs typeface="Arial" panose="020B0604020202020204" pitchFamily="34" charset="0"/>
+              </a:rPr>
+              <a:t>Examining the effect of hygiene theory on utopian diseases in newborns</a:t>
+            </a:r>
+          </a:p>
+          <a:p>
+            <a:pPr algn="ctr"/>
+            <a:br>
+              <a:rPr lang="en-US" sz="4400" dirty="0">
+                <a:solidFill>
+                  <a:schemeClr val="accent1">
+                    <a:lumMod val="75000"/>
+                  </a:schemeClr>
+                </a:solidFill>
+                <a:latin typeface="+mj-lt"/>
+                <a:cs typeface="Arial" panose="020B0604020202020204" pitchFamily="34" charset="0"/>
+              </a:rPr>
+            </a:br>
+            <a:r>
+              <a:rPr lang="en-US" sz="4400" dirty="0">
+                <a:solidFill>
+                  <a:schemeClr val="accent1">
+                    <a:lumMod val="75000"/>
+                  </a:schemeClr>
+                </a:solidFill>
+                <a:latin typeface="+mj-lt"/>
+                <a:cs typeface="Arial" panose="020B0604020202020204" pitchFamily="34" charset="0"/>
+              </a:rPr>
+              <a:t>Shahar Shalom, Eden Anavim, Merav Pervil | Faculty Instructor: Prof. Micha Mandel</a:t>
+            </a:r>
+          </a:p>
+          <a:p>
+            <a:pPr algn="ctr"/>
+            <a:r>
+              <a:rPr lang="en-US" sz="4400" dirty="0">
+                <a:solidFill>
+                  <a:schemeClr val="accent1">
+                    <a:lumMod val="75000"/>
+                  </a:schemeClr>
+                </a:solidFill>
+                <a:latin typeface="+mj-lt"/>
+                <a:cs typeface="Arial" panose="020B0604020202020204" pitchFamily="34" charset="0"/>
+              </a:rPr>
+              <a:t>Counselee: Prof. Idit Lachover-Roth, Allergy &amp; Clinical Immunology Unit, Meir Medical Center, Israel</a:t>
+            </a:r>
+            <a:endParaRPr lang="he-IL" sz="4400" dirty="0">
+              <a:solidFill>
+                <a:schemeClr val="accent1">
+                  <a:lumMod val="75000"/>
+                </a:schemeClr>
+              </a:solidFill>
+              <a:latin typeface="+mj-lt"/>
+              <a:cs typeface="Arial" panose="020B0604020202020204" pitchFamily="34" charset="0"/>
+            </a:endParaRPr>
+          </a:p>
+        </p:txBody>
+      </p:sp>
+      <p:cxnSp>
+        <p:nvCxnSpPr>
+          <p:cNvPr id="18" name="Straight Connector 17">
+            <a:extLst>
+              <a:ext uri="{FF2B5EF4-FFF2-40B4-BE49-F238E27FC236}">
+                <a16:creationId xmlns:a16="http://schemas.microsoft.com/office/drawing/2014/main" id="{90E341BC-0408-73A7-ABEE-9364FC3EFFC0}"/>
+              </a:ext>
+            </a:extLst>
+          </p:cNvPr>
+          <p:cNvCxnSpPr/>
+          <p:nvPr/>
+        </p:nvCxnSpPr>
+        <p:spPr>
+          <a:xfrm flipV="1">
+            <a:off x="497914" y="4630517"/>
+            <a:ext cx="28674396" cy="7491"/>
+          </a:xfrm>
+          <a:prstGeom prst="line">
+            <a:avLst/>
+          </a:prstGeom>
+          <a:ln w="12700">
+            <a:solidFill>
+              <a:schemeClr val="bg1"/>
+            </a:solidFill>
+          </a:ln>
+          <a:effectLst>
+            <a:outerShdw blurRad="50800" dist="38100" dir="2700000" algn="tl" rotWithShape="0">
+              <a:prstClr val="black">
+                <a:alpha val="40000"/>
+              </a:prstClr>
+            </a:outerShdw>
+          </a:effectLst>
+        </p:spPr>
+        <p:style>
+          <a:lnRef idx="1">
+            <a:schemeClr val="dk1"/>
+          </a:lnRef>
+          <a:fillRef idx="0">
+            <a:schemeClr val="dk1"/>
+          </a:fillRef>
+          <a:effectRef idx="0">
+            <a:schemeClr val="dk1"/>
+          </a:effectRef>
+          <a:fontRef idx="minor">
+            <a:schemeClr val="tx1"/>
+          </a:fontRef>
+        </p:style>
+      </p:cxnSp>
+      <p:graphicFrame>
+        <p:nvGraphicFramePr>
+          <p:cNvPr id="29" name="Table 29">
+            <a:extLst>
+              <a:ext uri="{FF2B5EF4-FFF2-40B4-BE49-F238E27FC236}">
+                <a16:creationId xmlns:a16="http://schemas.microsoft.com/office/drawing/2014/main" id="{632DFCB4-1B29-05AE-D500-EF466CED6387}"/>
+              </a:ext>
+            </a:extLst>
+          </p:cNvPr>
+          <p:cNvGraphicFramePr>
+            <a:graphicFrameLocks noGrp="1"/>
+          </p:cNvGraphicFramePr>
+          <p:nvPr/>
+        </p:nvGraphicFramePr>
+        <p:xfrm>
+          <a:off x="-1" y="4952526"/>
+          <a:ext cx="14759781" cy="4252595"/>
+        </p:xfrm>
+        <a:graphic>
+          <a:graphicData uri="http://schemas.openxmlformats.org/drawingml/2006/table">
+            <a:tbl>
+              <a:tblPr rtl="1" firstRow="1" bandRow="1">
+                <a:tableStyleId>{F5AB1C69-6EDB-4FF4-983F-18BD219EF322}</a:tableStyleId>
+              </a:tblPr>
+              <a:tblGrid>
+                <a:gridCol w="14759781">
+                  <a:extLst>
+                    <a:ext uri="{9D8B030D-6E8A-4147-A177-3AD203B41FA5}">
+                      <a16:colId xmlns:a16="http://schemas.microsoft.com/office/drawing/2014/main" val="3747045786"/>
+                    </a:ext>
+                  </a:extLst>
+                </a:gridCol>
+              </a:tblGrid>
+              <a:tr h="0">
+                <a:tc>
+                  <a:txBody>
+                    <a:bodyPr/>
+                    <a:lstStyle/>
+                    <a:p>
+                      <a:pPr algn="ctr" rtl="0"/>
+                      <a:r>
+                        <a:rPr lang="en-US" sz="3200" dirty="0">
+                          <a:latin typeface="+mj-lt"/>
+                        </a:rPr>
+                        <a:t>Background</a:t>
+                      </a:r>
+                      <a:endParaRPr lang="he-IL" sz="3200" dirty="0">
+                        <a:latin typeface="+mj-lt"/>
+                      </a:endParaRPr>
+                    </a:p>
+                  </a:txBody>
+                  <a:tcPr anchor="ctr">
+                    <a:lnL w="38100" cap="flat" cmpd="sng" algn="ctr">
+                      <a:solidFill>
+                        <a:schemeClr val="bg1"/>
+                      </a:solidFill>
+                      <a:prstDash val="solid"/>
+                      <a:round/>
+                      <a:headEnd type="none" w="med" len="med"/>
+                      <a:tailEnd type="none" w="med" len="med"/>
+                    </a:lnL>
+                    <a:lnR w="38100" cap="flat" cmpd="sng" algn="ctr">
+                      <a:solidFill>
+                        <a:schemeClr val="bg1"/>
+                      </a:solidFill>
+                      <a:prstDash val="solid"/>
+                      <a:round/>
+                      <a:headEnd type="none" w="med" len="med"/>
+                      <a:tailEnd type="none" w="med" len="med"/>
+                    </a:lnR>
+                    <a:lnT w="38100" cap="flat" cmpd="sng" algn="ctr">
+                      <a:solidFill>
+                        <a:schemeClr val="bg1"/>
+                      </a:solidFill>
+                      <a:prstDash val="solid"/>
+                      <a:round/>
+                      <a:headEnd type="none" w="med" len="med"/>
+                      <a:tailEnd type="none" w="med" len="med"/>
+                    </a:lnT>
+                    <a:lnB w="38100" cap="flat" cmpd="sng" algn="ctr">
+                      <a:solidFill>
+                        <a:schemeClr val="bg1"/>
+                      </a:solidFill>
+                      <a:prstDash val="solid"/>
+                      <a:round/>
+                      <a:headEnd type="none" w="med" len="med"/>
+                      <a:tailEnd type="none" w="med" len="med"/>
+                    </a:lnB>
+                  </a:tcPr>
+                </a:tc>
+                <a:extLst>
+                  <a:ext uri="{0D108BD9-81ED-4DB2-BD59-A6C34878D82A}">
+                    <a16:rowId xmlns:a16="http://schemas.microsoft.com/office/drawing/2014/main" val="1815053329"/>
+                  </a:ext>
+                </a:extLst>
+              </a:tr>
+              <a:tr h="1984992">
+                <a:tc>
+                  <a:txBody>
+                    <a:bodyPr/>
+                    <a:lstStyle/>
+                    <a:p>
+                      <a:pPr marL="0" indent="0" algn="l" rtl="0">
+                        <a:lnSpc>
+                          <a:spcPct val="150000"/>
+                        </a:lnSpc>
+                        <a:buFont typeface="Arial" panose="020B0604020202020204" pitchFamily="34" charset="0"/>
+                        <a:buNone/>
+                      </a:pPr>
+                      <a:r>
+                        <a:rPr lang="en-US" sz="3200" dirty="0">
+                          <a:latin typeface="+mj-lt"/>
+                        </a:rPr>
+                        <a:t>COVID-19 had increased hygiene awareness. </a:t>
+                      </a:r>
+                      <a:br>
+                        <a:rPr lang="en-US" sz="3200" dirty="0">
+                          <a:latin typeface="+mj-lt"/>
+                        </a:rPr>
+                      </a:br>
+                      <a:r>
+                        <a:rPr lang="en-US" sz="3200" dirty="0">
+                          <a:latin typeface="+mj-lt"/>
+                        </a:rPr>
+                        <a:t>Following the pandemic, several studies led to the following findings:</a:t>
+                      </a:r>
+                    </a:p>
+                    <a:p>
+                      <a:pPr marL="457200" indent="-457200" algn="l" rtl="0">
+                        <a:lnSpc>
+                          <a:spcPct val="150000"/>
+                        </a:lnSpc>
+                        <a:buFont typeface="Arial" panose="020B0604020202020204" pitchFamily="34" charset="0"/>
+                        <a:buChar char="•"/>
+                      </a:pPr>
+                      <a:r>
+                        <a:rPr lang="en-US" sz="3200" dirty="0">
+                          <a:latin typeface="+mj-lt"/>
+                        </a:rPr>
+                        <a:t>Social distancing reduced the prevalence of pediatric non-COVID-19 infections.</a:t>
+                      </a:r>
+                    </a:p>
+                    <a:p>
+                      <a:pPr marL="457200" indent="-457200" algn="l" rtl="0">
+                        <a:lnSpc>
+                          <a:spcPct val="150000"/>
+                        </a:lnSpc>
+                        <a:buFont typeface="Arial" panose="020B0604020202020204" pitchFamily="34" charset="0"/>
+                        <a:buChar char="•"/>
+                      </a:pPr>
+                      <a:r>
+                        <a:rPr lang="en-US" sz="3200" dirty="0">
+                          <a:latin typeface="+mj-lt"/>
+                        </a:rPr>
+                        <a:t>Infants born in the first peek had significantly less respiratory morbidity in first year.</a:t>
+                      </a:r>
+                    </a:p>
+                    <a:p>
+                      <a:pPr marL="457200" indent="-457200" algn="l" rtl="0">
+                        <a:lnSpc>
+                          <a:spcPct val="150000"/>
+                        </a:lnSpc>
+                        <a:buFont typeface="Arial" panose="020B0604020202020204" pitchFamily="34" charset="0"/>
+                        <a:buChar char="•"/>
+                      </a:pPr>
+                      <a:r>
+                        <a:rPr lang="en-US" sz="3200" dirty="0">
+                          <a:latin typeface="+mj-lt"/>
+                        </a:rPr>
+                        <a:t>Increased pediatric viral infections following the first and second lockdowns.</a:t>
+                      </a:r>
+                    </a:p>
+                  </a:txBody>
+                  <a:tcPr>
+                    <a:lnL w="38100" cap="flat" cmpd="sng" algn="ctr">
+                      <a:solidFill>
+                        <a:schemeClr val="bg1"/>
+                      </a:solidFill>
+                      <a:prstDash val="solid"/>
+                      <a:round/>
+                      <a:headEnd type="none" w="med" len="med"/>
+                      <a:tailEnd type="none" w="med" len="med"/>
+                    </a:lnL>
+                    <a:lnR w="38100" cap="flat" cmpd="sng" algn="ctr">
+                      <a:solidFill>
+                        <a:schemeClr val="bg1"/>
+                      </a:solidFill>
+                      <a:prstDash val="solid"/>
+                      <a:round/>
+                      <a:headEnd type="none" w="med" len="med"/>
+                      <a:tailEnd type="none" w="med" len="med"/>
+                    </a:lnR>
+                    <a:lnT w="38100" cap="flat" cmpd="sng" algn="ctr">
+                      <a:solidFill>
+                        <a:schemeClr val="bg1"/>
+                      </a:solidFill>
+                      <a:prstDash val="solid"/>
+                      <a:round/>
+                      <a:headEnd type="none" w="med" len="med"/>
+                      <a:tailEnd type="none" w="med" len="med"/>
+                    </a:lnT>
+                    <a:lnB w="38100" cap="flat" cmpd="sng" algn="ctr">
+                      <a:solidFill>
+                        <a:schemeClr val="bg1"/>
+                      </a:solidFill>
+                      <a:prstDash val="solid"/>
+                      <a:round/>
+                      <a:headEnd type="none" w="med" len="med"/>
+                      <a:tailEnd type="none" w="med" len="med"/>
+                    </a:lnB>
+                    <a:lnTlToBr w="12700" cmpd="sng">
+                      <a:noFill/>
+                      <a:prstDash val="solid"/>
+                    </a:lnTlToBr>
+                    <a:lnBlToTr w="12700" cmpd="sng">
+                      <a:noFill/>
+                      <a:prstDash val="solid"/>
+                    </a:lnBlToTr>
+                    <a:noFill/>
+                  </a:tcPr>
+                </a:tc>
+                <a:extLst>
+                  <a:ext uri="{0D108BD9-81ED-4DB2-BD59-A6C34878D82A}">
+                    <a16:rowId xmlns:a16="http://schemas.microsoft.com/office/drawing/2014/main" val="1509631762"/>
+                  </a:ext>
+                </a:extLst>
+              </a:tr>
+            </a:tbl>
+          </a:graphicData>
+        </a:graphic>
+      </p:graphicFrame>
+      <p:graphicFrame>
+        <p:nvGraphicFramePr>
+          <p:cNvPr id="36" name="Table 29">
+            <a:extLst>
+              <a:ext uri="{FF2B5EF4-FFF2-40B4-BE49-F238E27FC236}">
+                <a16:creationId xmlns:a16="http://schemas.microsoft.com/office/drawing/2014/main" id="{B7C1B329-22CD-BFC1-156D-6264B8ED551F}"/>
+              </a:ext>
+            </a:extLst>
+          </p:cNvPr>
+          <p:cNvGraphicFramePr>
+            <a:graphicFrameLocks noGrp="1"/>
+          </p:cNvGraphicFramePr>
+          <p:nvPr/>
+        </p:nvGraphicFramePr>
+        <p:xfrm>
+          <a:off x="-2" y="9187259"/>
+          <a:ext cx="14759780" cy="2234917"/>
+        </p:xfrm>
+        <a:graphic>
+          <a:graphicData uri="http://schemas.openxmlformats.org/drawingml/2006/table">
+            <a:tbl>
+              <a:tblPr rtl="1" firstRow="1" bandRow="1">
+                <a:tableStyleId>{F5AB1C69-6EDB-4FF4-983F-18BD219EF322}</a:tableStyleId>
+              </a:tblPr>
+              <a:tblGrid>
+                <a:gridCol w="14759780">
+                  <a:extLst>
+                    <a:ext uri="{9D8B030D-6E8A-4147-A177-3AD203B41FA5}">
+                      <a16:colId xmlns:a16="http://schemas.microsoft.com/office/drawing/2014/main" val="3747045786"/>
+                    </a:ext>
+                  </a:extLst>
+                </a:gridCol>
+              </a:tblGrid>
+              <a:tr h="483077">
+                <a:tc>
+                  <a:txBody>
+                    <a:bodyPr/>
+                    <a:lstStyle/>
+                    <a:p>
+                      <a:pPr algn="ctr" rtl="0"/>
+                      <a:r>
+                        <a:rPr lang="en-US" sz="3200" dirty="0">
+                          <a:latin typeface="+mj-lt"/>
+                        </a:rPr>
+                        <a:t>Research Objective</a:t>
+                      </a:r>
+                      <a:endParaRPr lang="he-IL" sz="3200" dirty="0">
+                        <a:latin typeface="+mj-lt"/>
+                      </a:endParaRPr>
+                    </a:p>
+                  </a:txBody>
+                  <a:tcPr anchor="ctr">
+                    <a:lnL w="38100" cap="flat" cmpd="sng" algn="ctr">
+                      <a:solidFill>
+                        <a:schemeClr val="bg1"/>
+                      </a:solidFill>
+                      <a:prstDash val="solid"/>
+                      <a:round/>
+                      <a:headEnd type="none" w="med" len="med"/>
+                      <a:tailEnd type="none" w="med" len="med"/>
+                    </a:lnL>
+                    <a:lnR w="38100" cap="flat" cmpd="sng" algn="ctr">
+                      <a:solidFill>
+                        <a:schemeClr val="bg1"/>
+                      </a:solidFill>
+                      <a:prstDash val="solid"/>
+                      <a:round/>
+                      <a:headEnd type="none" w="med" len="med"/>
+                      <a:tailEnd type="none" w="med" len="med"/>
+                    </a:lnR>
+                    <a:lnT w="38100" cap="flat" cmpd="sng" algn="ctr">
+                      <a:solidFill>
+                        <a:schemeClr val="bg1"/>
+                      </a:solidFill>
+                      <a:prstDash val="solid"/>
+                      <a:round/>
+                      <a:headEnd type="none" w="med" len="med"/>
+                      <a:tailEnd type="none" w="med" len="med"/>
+                    </a:lnT>
+                    <a:lnB w="38100" cap="flat" cmpd="sng" algn="ctr">
+                      <a:solidFill>
+                        <a:schemeClr val="bg1"/>
+                      </a:solidFill>
+                      <a:prstDash val="solid"/>
+                      <a:round/>
+                      <a:headEnd type="none" w="med" len="med"/>
+                      <a:tailEnd type="none" w="med" len="med"/>
+                    </a:lnB>
+                  </a:tcPr>
+                </a:tc>
+                <a:extLst>
+                  <a:ext uri="{0D108BD9-81ED-4DB2-BD59-A6C34878D82A}">
+                    <a16:rowId xmlns:a16="http://schemas.microsoft.com/office/drawing/2014/main" val="1815053329"/>
+                  </a:ext>
+                </a:extLst>
+              </a:tr>
+              <a:tr h="1655797">
+                <a:tc>
+                  <a:txBody>
+                    <a:bodyPr/>
+                    <a:lstStyle/>
+                    <a:p>
+                      <a:pPr marL="0" indent="0" algn="l" rtl="0">
+                        <a:lnSpc>
+                          <a:spcPct val="150000"/>
+                        </a:lnSpc>
+                        <a:buFont typeface="Arial" panose="020B0604020202020204" pitchFamily="34" charset="0"/>
+                        <a:buNone/>
+                      </a:pPr>
+                      <a:r>
+                        <a:rPr lang="en-US" sz="3200" kern="1200" dirty="0">
+                          <a:solidFill>
+                            <a:schemeClr val="dk1"/>
+                          </a:solidFill>
+                          <a:latin typeface="+mj-lt"/>
+                          <a:ea typeface="+mn-ea"/>
+                          <a:cs typeface="+mn-cs"/>
+                        </a:rPr>
+                        <a:t>It was therefore a golden opportunity to assess the influence of a highly hygienic environment on atopic comorbidities in infants.</a:t>
+                      </a:r>
+                    </a:p>
+                  </a:txBody>
+                  <a:tcPr>
+                    <a:lnL w="38100" cap="flat" cmpd="sng" algn="ctr">
+                      <a:solidFill>
+                        <a:schemeClr val="bg1"/>
+                      </a:solidFill>
+                      <a:prstDash val="solid"/>
+                      <a:round/>
+                      <a:headEnd type="none" w="med" len="med"/>
+                      <a:tailEnd type="none" w="med" len="med"/>
+                    </a:lnL>
+                    <a:lnR w="38100" cap="flat" cmpd="sng" algn="ctr">
+                      <a:solidFill>
+                        <a:schemeClr val="bg1"/>
+                      </a:solidFill>
+                      <a:prstDash val="solid"/>
+                      <a:round/>
+                      <a:headEnd type="none" w="med" len="med"/>
+                      <a:tailEnd type="none" w="med" len="med"/>
+                    </a:lnR>
+                    <a:lnT w="38100" cap="flat" cmpd="sng" algn="ctr">
+                      <a:solidFill>
+                        <a:schemeClr val="bg1"/>
+                      </a:solidFill>
+                      <a:prstDash val="solid"/>
+                      <a:round/>
+                      <a:headEnd type="none" w="med" len="med"/>
+                      <a:tailEnd type="none" w="med" len="med"/>
+                    </a:lnT>
+                    <a:lnB w="38100" cap="flat" cmpd="sng" algn="ctr">
+                      <a:solidFill>
+                        <a:schemeClr val="bg1"/>
+                      </a:solidFill>
+                      <a:prstDash val="solid"/>
+                      <a:round/>
+                      <a:headEnd type="none" w="med" len="med"/>
+                      <a:tailEnd type="none" w="med" len="med"/>
+                    </a:lnB>
+                    <a:lnTlToBr w="12700" cmpd="sng">
+                      <a:noFill/>
+                      <a:prstDash val="solid"/>
+                    </a:lnTlToBr>
+                    <a:lnBlToTr w="12700" cmpd="sng">
+                      <a:noFill/>
+                      <a:prstDash val="solid"/>
+                    </a:lnBlToTr>
+                    <a:noFill/>
+                  </a:tcPr>
+                </a:tc>
+                <a:extLst>
+                  <a:ext uri="{0D108BD9-81ED-4DB2-BD59-A6C34878D82A}">
+                    <a16:rowId xmlns:a16="http://schemas.microsoft.com/office/drawing/2014/main" val="1509631762"/>
+                  </a:ext>
+                </a:extLst>
+              </a:tr>
+            </a:tbl>
+          </a:graphicData>
+        </a:graphic>
+      </p:graphicFrame>
+      <p:graphicFrame>
+        <p:nvGraphicFramePr>
+          <p:cNvPr id="37" name="Table 29">
+            <a:extLst>
+              <a:ext uri="{FF2B5EF4-FFF2-40B4-BE49-F238E27FC236}">
+                <a16:creationId xmlns:a16="http://schemas.microsoft.com/office/drawing/2014/main" id="{5F827F28-C2F2-38B5-29FB-77D425C2B5E8}"/>
+              </a:ext>
+            </a:extLst>
+          </p:cNvPr>
+          <p:cNvGraphicFramePr>
+            <a:graphicFrameLocks noGrp="1"/>
+          </p:cNvGraphicFramePr>
+          <p:nvPr/>
+        </p:nvGraphicFramePr>
+        <p:xfrm>
+          <a:off x="15011670" y="4952526"/>
+          <a:ext cx="14423929" cy="24976832"/>
+        </p:xfrm>
+        <a:graphic>
+          <a:graphicData uri="http://schemas.openxmlformats.org/drawingml/2006/table">
+            <a:tbl>
+              <a:tblPr rtl="1" firstRow="1" bandRow="1">
+                <a:tableStyleId>{F5AB1C69-6EDB-4FF4-983F-18BD219EF322}</a:tableStyleId>
+              </a:tblPr>
+              <a:tblGrid>
+                <a:gridCol w="14423929">
+                  <a:extLst>
+                    <a:ext uri="{9D8B030D-6E8A-4147-A177-3AD203B41FA5}">
+                      <a16:colId xmlns:a16="http://schemas.microsoft.com/office/drawing/2014/main" val="3747045786"/>
+                    </a:ext>
+                  </a:extLst>
+                </a:gridCol>
+              </a:tblGrid>
+              <a:tr h="616459">
+                <a:tc>
+                  <a:txBody>
+                    <a:bodyPr/>
+                    <a:lstStyle/>
+                    <a:p>
+                      <a:pPr algn="ctr" rtl="0"/>
+                      <a:r>
+                        <a:rPr lang="en-US" sz="3200" dirty="0">
+                          <a:latin typeface="+mj-lt"/>
+                        </a:rPr>
+                        <a:t>Results</a:t>
+                      </a:r>
+                      <a:endParaRPr lang="he-IL" sz="3200" dirty="0">
+                        <a:latin typeface="+mj-lt"/>
+                      </a:endParaRPr>
+                    </a:p>
+                  </a:txBody>
+                  <a:tcPr anchor="ctr">
+                    <a:lnL w="38100" cap="flat" cmpd="sng" algn="ctr">
+                      <a:solidFill>
+                        <a:schemeClr val="bg1"/>
+                      </a:solidFill>
+                      <a:prstDash val="solid"/>
+                      <a:round/>
+                      <a:headEnd type="none" w="med" len="med"/>
+                      <a:tailEnd type="none" w="med" len="med"/>
+                    </a:lnL>
+                    <a:lnR w="38100" cap="flat" cmpd="sng" algn="ctr">
+                      <a:solidFill>
+                        <a:schemeClr val="bg1"/>
+                      </a:solidFill>
+                      <a:prstDash val="solid"/>
+                      <a:round/>
+                      <a:headEnd type="none" w="med" len="med"/>
+                      <a:tailEnd type="none" w="med" len="med"/>
+                    </a:lnR>
+                    <a:lnT w="38100" cap="flat" cmpd="sng" algn="ctr">
+                      <a:solidFill>
+                        <a:schemeClr val="bg1"/>
+                      </a:solidFill>
+                      <a:prstDash val="solid"/>
+                      <a:round/>
+                      <a:headEnd type="none" w="med" len="med"/>
+                      <a:tailEnd type="none" w="med" len="med"/>
+                    </a:lnT>
+                    <a:lnB w="38100" cap="flat" cmpd="sng" algn="ctr">
+                      <a:solidFill>
+                        <a:schemeClr val="bg1"/>
+                      </a:solidFill>
+                      <a:prstDash val="solid"/>
+                      <a:round/>
+                      <a:headEnd type="none" w="med" len="med"/>
+                      <a:tailEnd type="none" w="med" len="med"/>
+                    </a:lnB>
+                  </a:tcPr>
+                </a:tc>
+                <a:extLst>
+                  <a:ext uri="{0D108BD9-81ED-4DB2-BD59-A6C34878D82A}">
+                    <a16:rowId xmlns:a16="http://schemas.microsoft.com/office/drawing/2014/main" val="1815053329"/>
+                  </a:ext>
+                </a:extLst>
+              </a:tr>
+              <a:tr h="24360373">
+                <a:tc>
+                  <a:txBody>
+                    <a:bodyPr/>
+                    <a:lstStyle/>
+                    <a:p>
+                      <a:pPr marL="457200" indent="-457200" algn="l" rtl="0">
+                        <a:lnSpc>
+                          <a:spcPct val="150000"/>
+                        </a:lnSpc>
+                        <a:buFont typeface="Arial" panose="020B0604020202020204" pitchFamily="34" charset="0"/>
+                        <a:buChar char="•"/>
+                      </a:pPr>
+                      <a:endParaRPr lang="en-US" sz="3200" kern="1200" dirty="0">
+                        <a:solidFill>
+                          <a:schemeClr val="dk1"/>
+                        </a:solidFill>
+                        <a:latin typeface="+mn-lt"/>
+                        <a:ea typeface="+mn-ea"/>
+                        <a:cs typeface="+mn-cs"/>
+                      </a:endParaRPr>
+                    </a:p>
+                    <a:p>
+                      <a:pPr marL="457200" indent="-457200" algn="l" rtl="0">
+                        <a:lnSpc>
+                          <a:spcPct val="150000"/>
+                        </a:lnSpc>
+                        <a:buFont typeface="Arial" panose="020B0604020202020204" pitchFamily="34" charset="0"/>
+                        <a:buChar char="•"/>
+                      </a:pPr>
+                      <a:endParaRPr lang="en-US" sz="3200" kern="1200" dirty="0">
+                        <a:solidFill>
+                          <a:schemeClr val="dk1"/>
+                        </a:solidFill>
+                        <a:latin typeface="+mn-lt"/>
+                        <a:ea typeface="+mn-ea"/>
+                        <a:cs typeface="+mn-cs"/>
+                      </a:endParaRPr>
+                    </a:p>
+                    <a:p>
+                      <a:pPr marL="457200" indent="-457200" algn="l" rtl="0">
+                        <a:lnSpc>
+                          <a:spcPct val="150000"/>
+                        </a:lnSpc>
+                        <a:buFont typeface="Arial" panose="020B0604020202020204" pitchFamily="34" charset="0"/>
+                        <a:buChar char="•"/>
+                      </a:pPr>
+                      <a:endParaRPr lang="en-US" sz="3200" kern="1200" dirty="0">
+                        <a:solidFill>
+                          <a:schemeClr val="dk1"/>
+                        </a:solidFill>
+                        <a:latin typeface="+mn-lt"/>
+                        <a:ea typeface="+mn-ea"/>
+                        <a:cs typeface="+mn-cs"/>
+                      </a:endParaRPr>
+                    </a:p>
+                    <a:p>
+                      <a:pPr marL="457200" indent="-457200" algn="l" rtl="0">
+                        <a:lnSpc>
+                          <a:spcPct val="150000"/>
+                        </a:lnSpc>
+                        <a:buFont typeface="Arial" panose="020B0604020202020204" pitchFamily="34" charset="0"/>
+                        <a:buChar char="•"/>
+                      </a:pPr>
+                      <a:endParaRPr lang="en-US" sz="3200" kern="1200" dirty="0">
+                        <a:solidFill>
+                          <a:schemeClr val="dk1"/>
+                        </a:solidFill>
+                        <a:latin typeface="+mn-lt"/>
+                        <a:ea typeface="+mn-ea"/>
+                        <a:cs typeface="+mn-cs"/>
+                      </a:endParaRPr>
+                    </a:p>
+                    <a:p>
+                      <a:pPr marL="457200" indent="-457200" algn="l" rtl="0">
+                        <a:lnSpc>
+                          <a:spcPct val="150000"/>
+                        </a:lnSpc>
+                        <a:buFont typeface="Arial" panose="020B0604020202020204" pitchFamily="34" charset="0"/>
+                        <a:buChar char="•"/>
+                      </a:pPr>
+                      <a:endParaRPr lang="en-US" sz="3200" kern="1200" dirty="0">
+                        <a:solidFill>
+                          <a:schemeClr val="dk1"/>
+                        </a:solidFill>
+                        <a:latin typeface="+mn-lt"/>
+                        <a:ea typeface="+mn-ea"/>
+                        <a:cs typeface="+mn-cs"/>
+                      </a:endParaRPr>
+                    </a:p>
+                    <a:p>
+                      <a:pPr marL="457200" indent="-457200" algn="l" rtl="0">
+                        <a:lnSpc>
+                          <a:spcPct val="150000"/>
+                        </a:lnSpc>
+                        <a:buFont typeface="Arial" panose="020B0604020202020204" pitchFamily="34" charset="0"/>
+                        <a:buChar char="•"/>
+                      </a:pPr>
+                      <a:endParaRPr lang="en-US" sz="3200" kern="1200" dirty="0">
+                        <a:solidFill>
+                          <a:schemeClr val="dk1"/>
+                        </a:solidFill>
+                        <a:latin typeface="+mn-lt"/>
+                        <a:ea typeface="+mn-ea"/>
+                        <a:cs typeface="+mn-cs"/>
+                      </a:endParaRPr>
+                    </a:p>
+                    <a:p>
+                      <a:pPr marL="457200" indent="-457200" algn="l" rtl="0">
+                        <a:lnSpc>
+                          <a:spcPct val="150000"/>
+                        </a:lnSpc>
+                        <a:buFont typeface="Arial" panose="020B0604020202020204" pitchFamily="34" charset="0"/>
+                        <a:buChar char="•"/>
+                      </a:pPr>
+                      <a:endParaRPr lang="en-US" sz="3200" kern="1200" dirty="0">
+                        <a:solidFill>
+                          <a:schemeClr val="dk1"/>
+                        </a:solidFill>
+                        <a:latin typeface="+mn-lt"/>
+                        <a:ea typeface="+mn-ea"/>
+                        <a:cs typeface="+mn-cs"/>
+                      </a:endParaRPr>
+                    </a:p>
+                    <a:p>
+                      <a:pPr marL="457200" indent="-457200" algn="l" rtl="0">
+                        <a:lnSpc>
+                          <a:spcPct val="150000"/>
+                        </a:lnSpc>
+                        <a:buFont typeface="Arial" panose="020B0604020202020204" pitchFamily="34" charset="0"/>
+                        <a:buChar char="•"/>
+                      </a:pPr>
+                      <a:endParaRPr lang="en-US" sz="3200" kern="1200" dirty="0">
+                        <a:solidFill>
+                          <a:schemeClr val="dk1"/>
+                        </a:solidFill>
+                        <a:latin typeface="+mn-lt"/>
+                        <a:ea typeface="+mn-ea"/>
+                        <a:cs typeface="+mn-cs"/>
+                      </a:endParaRPr>
+                    </a:p>
+                    <a:p>
+                      <a:pPr marL="457200" indent="-457200" algn="l" rtl="0">
+                        <a:lnSpc>
+                          <a:spcPct val="150000"/>
+                        </a:lnSpc>
+                        <a:buFont typeface="Arial" panose="020B0604020202020204" pitchFamily="34" charset="0"/>
+                        <a:buChar char="•"/>
+                      </a:pPr>
+                      <a:endParaRPr lang="en-US" sz="3200" kern="1200" dirty="0">
+                        <a:solidFill>
+                          <a:schemeClr val="dk1"/>
+                        </a:solidFill>
+                        <a:latin typeface="+mn-lt"/>
+                        <a:ea typeface="+mn-ea"/>
+                        <a:cs typeface="+mn-cs"/>
+                      </a:endParaRPr>
+                    </a:p>
+                    <a:p>
+                      <a:pPr marL="457200" indent="-457200" algn="l" rtl="0">
+                        <a:lnSpc>
+                          <a:spcPct val="150000"/>
+                        </a:lnSpc>
+                        <a:buFont typeface="Arial" panose="020B0604020202020204" pitchFamily="34" charset="0"/>
+                        <a:buChar char="•"/>
+                      </a:pPr>
+                      <a:endParaRPr lang="en-US" sz="3200" kern="1200" dirty="0">
+                        <a:solidFill>
+                          <a:schemeClr val="dk1"/>
+                        </a:solidFill>
+                        <a:latin typeface="+mn-lt"/>
+                        <a:ea typeface="+mn-ea"/>
+                        <a:cs typeface="+mn-cs"/>
+                      </a:endParaRPr>
+                    </a:p>
+                    <a:p>
+                      <a:pPr marL="457200" indent="-457200" algn="l" rtl="0">
+                        <a:lnSpc>
+                          <a:spcPct val="150000"/>
+                        </a:lnSpc>
+                        <a:buFont typeface="Arial" panose="020B0604020202020204" pitchFamily="34" charset="0"/>
+                        <a:buChar char="•"/>
+                      </a:pPr>
+                      <a:endParaRPr lang="en-US" sz="3200" kern="1200" dirty="0">
+                        <a:solidFill>
+                          <a:schemeClr val="dk1"/>
+                        </a:solidFill>
+                        <a:latin typeface="+mn-lt"/>
+                        <a:ea typeface="+mn-ea"/>
+                        <a:cs typeface="+mn-cs"/>
+                      </a:endParaRPr>
+                    </a:p>
+                    <a:p>
+                      <a:pPr marL="457200" indent="-457200" algn="l" rtl="0">
+                        <a:lnSpc>
+                          <a:spcPct val="150000"/>
+                        </a:lnSpc>
+                        <a:buFont typeface="Arial" panose="020B0604020202020204" pitchFamily="34" charset="0"/>
+                        <a:buChar char="•"/>
+                      </a:pPr>
+                      <a:endParaRPr lang="en-US" sz="3200" kern="1200" dirty="0">
+                        <a:solidFill>
+                          <a:schemeClr val="dk1"/>
+                        </a:solidFill>
+                        <a:latin typeface="+mn-lt"/>
+                        <a:ea typeface="+mn-ea"/>
+                        <a:cs typeface="+mn-cs"/>
+                      </a:endParaRPr>
+                    </a:p>
+                    <a:p>
+                      <a:pPr marL="457200" indent="-457200" algn="l" rtl="0">
+                        <a:lnSpc>
+                          <a:spcPct val="150000"/>
+                        </a:lnSpc>
+                        <a:buFont typeface="Arial" panose="020B0604020202020204" pitchFamily="34" charset="0"/>
+                        <a:buChar char="•"/>
+                      </a:pPr>
+                      <a:endParaRPr lang="en-US" sz="3200" kern="1200" dirty="0">
+                        <a:solidFill>
+                          <a:schemeClr val="dk1"/>
+                        </a:solidFill>
+                        <a:latin typeface="+mn-lt"/>
+                        <a:ea typeface="+mn-ea"/>
+                        <a:cs typeface="+mn-cs"/>
+                      </a:endParaRPr>
+                    </a:p>
+                    <a:p>
+                      <a:pPr marL="457200" indent="-457200" algn="l" rtl="0">
+                        <a:lnSpc>
+                          <a:spcPct val="150000"/>
+                        </a:lnSpc>
+                        <a:buFont typeface="Arial" panose="020B0604020202020204" pitchFamily="34" charset="0"/>
+                        <a:buChar char="•"/>
+                      </a:pPr>
+                      <a:endParaRPr lang="en-US" sz="3200" kern="1200" dirty="0">
+                        <a:solidFill>
+                          <a:schemeClr val="dk1"/>
+                        </a:solidFill>
+                        <a:latin typeface="+mn-lt"/>
+                        <a:ea typeface="+mn-ea"/>
+                        <a:cs typeface="+mn-cs"/>
+                      </a:endParaRPr>
+                    </a:p>
+                    <a:p>
+                      <a:pPr marL="457200" indent="-457200" algn="l" rtl="0">
+                        <a:lnSpc>
+                          <a:spcPct val="150000"/>
+                        </a:lnSpc>
+                        <a:buFont typeface="Arial" panose="020B0604020202020204" pitchFamily="34" charset="0"/>
+                        <a:buChar char="•"/>
+                      </a:pPr>
+                      <a:endParaRPr lang="en-US" sz="3200" kern="1200" dirty="0">
+                        <a:solidFill>
+                          <a:schemeClr val="dk1"/>
+                        </a:solidFill>
+                        <a:latin typeface="+mn-lt"/>
+                        <a:ea typeface="+mn-ea"/>
+                        <a:cs typeface="+mn-cs"/>
+                      </a:endParaRPr>
+                    </a:p>
+                    <a:p>
+                      <a:pPr marL="457200" indent="-457200" algn="l" rtl="0">
+                        <a:lnSpc>
+                          <a:spcPct val="150000"/>
+                        </a:lnSpc>
+                        <a:buFont typeface="Arial" panose="020B0604020202020204" pitchFamily="34" charset="0"/>
+                        <a:buChar char="•"/>
+                      </a:pPr>
+                      <a:endParaRPr lang="en-US" sz="3200" kern="1200" dirty="0">
+                        <a:solidFill>
+                          <a:schemeClr val="dk1"/>
+                        </a:solidFill>
+                        <a:latin typeface="+mn-lt"/>
+                        <a:ea typeface="+mn-ea"/>
+                        <a:cs typeface="+mn-cs"/>
+                      </a:endParaRPr>
+                    </a:p>
+                    <a:p>
+                      <a:pPr marL="457200" indent="-457200" algn="l" rtl="0">
+                        <a:lnSpc>
+                          <a:spcPct val="150000"/>
+                        </a:lnSpc>
+                        <a:buFont typeface="Arial" panose="020B0604020202020204" pitchFamily="34" charset="0"/>
+                        <a:buChar char="•"/>
+                      </a:pPr>
+                      <a:endParaRPr lang="en-US" sz="3200" kern="1200" dirty="0">
+                        <a:solidFill>
+                          <a:schemeClr val="dk1"/>
+                        </a:solidFill>
+                        <a:latin typeface="+mn-lt"/>
+                        <a:ea typeface="+mn-ea"/>
+                        <a:cs typeface="+mn-cs"/>
+                      </a:endParaRPr>
+                    </a:p>
+                    <a:p>
+                      <a:pPr marL="457200" indent="-457200" algn="l" rtl="0">
+                        <a:lnSpc>
+                          <a:spcPct val="150000"/>
+                        </a:lnSpc>
+                        <a:buFont typeface="Arial" panose="020B0604020202020204" pitchFamily="34" charset="0"/>
+                        <a:buChar char="•"/>
+                      </a:pPr>
+                      <a:endParaRPr lang="en-US" sz="3200" kern="1200" dirty="0">
+                        <a:solidFill>
+                          <a:schemeClr val="dk1"/>
+                        </a:solidFill>
+                        <a:latin typeface="+mn-lt"/>
+                        <a:ea typeface="+mn-ea"/>
+                        <a:cs typeface="+mn-cs"/>
+                      </a:endParaRPr>
+                    </a:p>
+                    <a:p>
+                      <a:pPr marL="0" indent="0" algn="l" rtl="0">
+                        <a:lnSpc>
+                          <a:spcPct val="150000"/>
+                        </a:lnSpc>
+                        <a:buFont typeface="Arial" panose="020B0604020202020204" pitchFamily="34" charset="0"/>
+                        <a:buNone/>
+                      </a:pPr>
+                      <a:endParaRPr lang="en-US" sz="3200" kern="1200" dirty="0">
+                        <a:solidFill>
+                          <a:schemeClr val="dk1"/>
+                        </a:solidFill>
+                        <a:latin typeface="+mn-lt"/>
+                        <a:ea typeface="+mn-ea"/>
+                        <a:cs typeface="+mn-cs"/>
+                      </a:endParaRPr>
+                    </a:p>
+                  </a:txBody>
+                  <a:tcPr>
+                    <a:lnL w="38100" cap="flat" cmpd="sng" algn="ctr">
+                      <a:solidFill>
+                        <a:schemeClr val="bg1"/>
+                      </a:solidFill>
+                      <a:prstDash val="solid"/>
+                      <a:round/>
+                      <a:headEnd type="none" w="med" len="med"/>
+                      <a:tailEnd type="none" w="med" len="med"/>
+                    </a:lnL>
+                    <a:lnR w="38100" cap="flat" cmpd="sng" algn="ctr">
+                      <a:solidFill>
+                        <a:schemeClr val="bg1"/>
+                      </a:solidFill>
+                      <a:prstDash val="solid"/>
+                      <a:round/>
+                      <a:headEnd type="none" w="med" len="med"/>
+                      <a:tailEnd type="none" w="med" len="med"/>
+                    </a:lnR>
+                    <a:lnT w="38100" cap="flat" cmpd="sng" algn="ctr">
+                      <a:solidFill>
+                        <a:schemeClr val="bg1"/>
+                      </a:solidFill>
+                      <a:prstDash val="solid"/>
+                      <a:round/>
+                      <a:headEnd type="none" w="med" len="med"/>
+                      <a:tailEnd type="none" w="med" len="med"/>
+                    </a:lnT>
+                    <a:lnB w="38100" cap="flat" cmpd="sng" algn="ctr">
+                      <a:solidFill>
+                        <a:schemeClr val="bg1"/>
+                      </a:solidFill>
+                      <a:prstDash val="solid"/>
+                      <a:round/>
+                      <a:headEnd type="none" w="med" len="med"/>
+                      <a:tailEnd type="none" w="med" len="med"/>
+                    </a:lnB>
+                    <a:lnTlToBr w="12700" cmpd="sng">
+                      <a:noFill/>
+                      <a:prstDash val="solid"/>
+                    </a:lnTlToBr>
+                    <a:lnBlToTr w="12700" cmpd="sng">
+                      <a:noFill/>
+                      <a:prstDash val="solid"/>
+                    </a:lnBlToTr>
+                    <a:noFill/>
+                  </a:tcPr>
+                </a:tc>
+                <a:extLst>
+                  <a:ext uri="{0D108BD9-81ED-4DB2-BD59-A6C34878D82A}">
+                    <a16:rowId xmlns:a16="http://schemas.microsoft.com/office/drawing/2014/main" val="1509631762"/>
+                  </a:ext>
+                </a:extLst>
+              </a:tr>
+            </a:tbl>
+          </a:graphicData>
+        </a:graphic>
+      </p:graphicFrame>
+      <p:graphicFrame>
+        <p:nvGraphicFramePr>
+          <p:cNvPr id="38" name="Table 29">
+            <a:extLst>
+              <a:ext uri="{FF2B5EF4-FFF2-40B4-BE49-F238E27FC236}">
+                <a16:creationId xmlns:a16="http://schemas.microsoft.com/office/drawing/2014/main" id="{D427151E-66F0-FCB6-3D6D-D9E7DF69BFDA}"/>
+              </a:ext>
+            </a:extLst>
+          </p:cNvPr>
+          <p:cNvGraphicFramePr>
+            <a:graphicFrameLocks noGrp="1"/>
+          </p:cNvGraphicFramePr>
+          <p:nvPr/>
+        </p:nvGraphicFramePr>
+        <p:xfrm>
+          <a:off x="0" y="11422176"/>
+          <a:ext cx="14759780" cy="10320760"/>
+        </p:xfrm>
+        <a:graphic>
+          <a:graphicData uri="http://schemas.openxmlformats.org/drawingml/2006/table">
+            <a:tbl>
+              <a:tblPr rtl="1" firstRow="1" bandRow="1">
+                <a:tableStyleId>{F5AB1C69-6EDB-4FF4-983F-18BD219EF322}</a:tableStyleId>
+              </a:tblPr>
+              <a:tblGrid>
+                <a:gridCol w="14759780">
+                  <a:extLst>
+                    <a:ext uri="{9D8B030D-6E8A-4147-A177-3AD203B41FA5}">
+                      <a16:colId xmlns:a16="http://schemas.microsoft.com/office/drawing/2014/main" val="3747045786"/>
+                    </a:ext>
+                  </a:extLst>
+                </a:gridCol>
+              </a:tblGrid>
+              <a:tr h="795125">
+                <a:tc>
+                  <a:txBody>
+                    <a:bodyPr/>
+                    <a:lstStyle/>
+                    <a:p>
+                      <a:pPr marL="0" indent="0" algn="ctr" rtl="0">
+                        <a:lnSpc>
+                          <a:spcPct val="150000"/>
+                        </a:lnSpc>
+                        <a:buFont typeface="Arial" panose="020B0604020202020204" pitchFamily="34" charset="0"/>
+                        <a:buNone/>
+                      </a:pPr>
+                      <a:r>
+                        <a:rPr lang="en-US" sz="3200" dirty="0">
+                          <a:latin typeface="+mj-lt"/>
+                        </a:rPr>
+                        <a:t>Data and its collection</a:t>
+                      </a:r>
+                      <a:endParaRPr lang="en-US" sz="3200" kern="1200" dirty="0">
+                        <a:solidFill>
+                          <a:schemeClr val="dk1"/>
+                        </a:solidFill>
+                        <a:latin typeface="+mj-lt"/>
+                        <a:ea typeface="+mn-ea"/>
+                        <a:cs typeface="+mn-cs"/>
+                      </a:endParaRPr>
+                    </a:p>
+                  </a:txBody>
+                  <a:tcPr anchor="ctr">
+                    <a:lnL w="38100" cap="flat" cmpd="sng" algn="ctr">
+                      <a:solidFill>
+                        <a:schemeClr val="bg1"/>
+                      </a:solidFill>
+                      <a:prstDash val="solid"/>
+                      <a:round/>
+                      <a:headEnd type="none" w="med" len="med"/>
+                      <a:tailEnd type="none" w="med" len="med"/>
+                    </a:lnL>
+                    <a:lnR w="38100" cap="flat" cmpd="sng" algn="ctr">
+                      <a:solidFill>
+                        <a:schemeClr val="bg1"/>
+                      </a:solidFill>
+                      <a:prstDash val="solid"/>
+                      <a:round/>
+                      <a:headEnd type="none" w="med" len="med"/>
+                      <a:tailEnd type="none" w="med" len="med"/>
+                    </a:lnR>
+                    <a:lnT w="38100" cap="flat" cmpd="sng" algn="ctr">
+                      <a:solidFill>
+                        <a:schemeClr val="bg1"/>
+                      </a:solidFill>
+                      <a:prstDash val="solid"/>
+                      <a:round/>
+                      <a:headEnd type="none" w="med" len="med"/>
+                      <a:tailEnd type="none" w="med" len="med"/>
+                    </a:lnT>
+                    <a:lnB w="38100" cap="flat" cmpd="sng" algn="ctr">
+                      <a:solidFill>
+                        <a:schemeClr val="bg1"/>
+                      </a:solidFill>
+                      <a:prstDash val="solid"/>
+                      <a:round/>
+                      <a:headEnd type="none" w="med" len="med"/>
+                      <a:tailEnd type="none" w="med" len="med"/>
+                    </a:lnB>
+                  </a:tcPr>
+                </a:tc>
+                <a:extLst>
+                  <a:ext uri="{0D108BD9-81ED-4DB2-BD59-A6C34878D82A}">
+                    <a16:rowId xmlns:a16="http://schemas.microsoft.com/office/drawing/2014/main" val="1815053329"/>
+                  </a:ext>
+                </a:extLst>
+              </a:tr>
+              <a:tr h="8847325">
+                <a:tc>
+                  <a:txBody>
+                    <a:bodyPr/>
+                    <a:lstStyle/>
+                    <a:p>
+                      <a:pPr marL="457200" indent="-457200" algn="l" rtl="0">
+                        <a:lnSpc>
+                          <a:spcPct val="150000"/>
+                        </a:lnSpc>
+                        <a:buFont typeface="Arial" panose="020B0604020202020204" pitchFamily="34" charset="0"/>
+                        <a:buChar char="•"/>
+                      </a:pPr>
+                      <a:r>
+                        <a:rPr lang="en-US" sz="3200" kern="1200" dirty="0">
+                          <a:solidFill>
+                            <a:schemeClr val="dk1"/>
+                          </a:solidFill>
+                          <a:latin typeface="+mj-lt"/>
+                          <a:ea typeface="+mn-ea"/>
+                          <a:cs typeface="+mn-cs"/>
+                        </a:rPr>
+                        <a:t>Data was collected starting from November 2018. </a:t>
+                      </a:r>
+                    </a:p>
+                    <a:p>
+                      <a:pPr marL="457200" indent="-457200" algn="l" rtl="0">
+                        <a:lnSpc>
+                          <a:spcPct val="150000"/>
+                        </a:lnSpc>
+                        <a:buFont typeface="Arial" panose="020B0604020202020204" pitchFamily="34" charset="0"/>
+                        <a:buChar char="•"/>
+                      </a:pPr>
+                      <a:r>
+                        <a:rPr lang="en-US" sz="3200" strike="noStrike" kern="1200" dirty="0">
+                          <a:solidFill>
+                            <a:schemeClr val="dk1"/>
+                          </a:solidFill>
+                          <a:latin typeface="+mj-lt"/>
+                          <a:ea typeface="+mn-ea"/>
+                          <a:cs typeface="+mn-cs"/>
+                        </a:rPr>
+                        <a:t>Experiment participants: Hebrew speaking parents from all sectors, close to due date with normal birth weight and no defects. </a:t>
+                      </a:r>
+                    </a:p>
+                    <a:p>
+                      <a:pPr marL="457200" indent="-457200" algn="l" rtl="0">
+                        <a:lnSpc>
+                          <a:spcPct val="150000"/>
+                        </a:lnSpc>
+                        <a:buFont typeface="Arial" panose="020B0604020202020204" pitchFamily="34" charset="0"/>
+                        <a:buChar char="•"/>
+                      </a:pPr>
+                      <a:r>
+                        <a:rPr lang="en-US" sz="3200" strike="noStrike" kern="1200" dirty="0">
+                          <a:solidFill>
+                            <a:schemeClr val="dk1"/>
+                          </a:solidFill>
+                          <a:latin typeface="+mj-lt"/>
+                          <a:ea typeface="+mn-ea"/>
+                          <a:cs typeface="+mn-cs"/>
+                        </a:rPr>
+                        <a:t>At predetermined intervals, parents were sent questionnaires to collect data.</a:t>
+                      </a:r>
+                    </a:p>
+                    <a:p>
+                      <a:pPr marL="457200" indent="-457200" algn="l" rtl="0">
+                        <a:lnSpc>
+                          <a:spcPct val="150000"/>
+                        </a:lnSpc>
+                        <a:buFont typeface="Arial" panose="020B0604020202020204" pitchFamily="34" charset="0"/>
+                        <a:buChar char="•"/>
+                      </a:pPr>
+                      <a:r>
+                        <a:rPr lang="en-US" sz="3200" strike="noStrike" kern="1200" dirty="0">
+                          <a:solidFill>
+                            <a:schemeClr val="dk1"/>
+                          </a:solidFill>
+                          <a:latin typeface="+mj-lt"/>
+                          <a:ea typeface="+mn-ea"/>
+                          <a:cs typeface="+mn-cs"/>
+                        </a:rPr>
+                        <a:t>Characteristics of the babies, their families, and their environment were collected.</a:t>
+                      </a:r>
+                      <a:br>
+                        <a:rPr lang="en-US" sz="3200" strike="noStrike" kern="1200" dirty="0">
+                          <a:solidFill>
+                            <a:schemeClr val="dk1"/>
+                          </a:solidFill>
+                          <a:latin typeface="+mj-lt"/>
+                          <a:ea typeface="+mn-ea"/>
+                          <a:cs typeface="+mn-cs"/>
+                        </a:rPr>
+                      </a:br>
+                      <a:r>
+                        <a:rPr lang="en-US" sz="3200" strike="noStrike" kern="1200" dirty="0">
+                          <a:solidFill>
+                            <a:schemeClr val="dk1"/>
+                          </a:solidFill>
+                          <a:latin typeface="+mj-lt"/>
+                          <a:ea typeface="+mn-ea"/>
+                          <a:cs typeface="+mn-cs"/>
+                        </a:rPr>
+                        <a:t>Development of utopian diseases among babies was examined during experiment. </a:t>
+                      </a:r>
+                    </a:p>
+                    <a:p>
+                      <a:pPr marL="457200" marR="0" lvl="0" indent="-457200" algn="l" defTabSz="2951958" rtl="0" eaLnBrk="1" fontAlgn="auto" latinLnBrk="0" hangingPunct="1">
+                        <a:lnSpc>
+                          <a:spcPct val="150000"/>
+                        </a:lnSpc>
+                        <a:spcBef>
+                          <a:spcPts val="0"/>
+                        </a:spcBef>
+                        <a:spcAft>
+                          <a:spcPts val="0"/>
+                        </a:spcAft>
+                        <a:buClrTx/>
+                        <a:buSzTx/>
+                        <a:buFont typeface="Arial" panose="020B0604020202020204" pitchFamily="34" charset="0"/>
+                        <a:buChar char="•"/>
+                        <a:tabLst/>
+                        <a:defRPr/>
+                      </a:pPr>
+                      <a:r>
+                        <a:rPr lang="en-US" sz="3200" b="0" kern="1200" dirty="0">
+                          <a:solidFill>
+                            <a:schemeClr val="dk1"/>
+                          </a:solidFill>
+                          <a:latin typeface="+mj-lt"/>
+                          <a:ea typeface="+mn-ea"/>
+                          <a:cs typeface="+mn-cs"/>
+                        </a:rPr>
+                        <a:t>The babies were divided into 4 groups according to the date of birth and main landmarks during the pandemic.</a:t>
+                      </a:r>
+                      <a:endParaRPr lang="he-IL" sz="3200" b="0" kern="1200" dirty="0">
+                        <a:solidFill>
+                          <a:schemeClr val="dk1"/>
+                        </a:solidFill>
+                        <a:latin typeface="+mj-lt"/>
+                        <a:ea typeface="+mn-ea"/>
+                        <a:cs typeface="+mn-cs"/>
+                      </a:endParaRPr>
+                    </a:p>
+                    <a:p>
+                      <a:pPr marL="0" indent="0" algn="l" rtl="0">
+                        <a:lnSpc>
+                          <a:spcPct val="150000"/>
+                        </a:lnSpc>
+                        <a:buFont typeface="Arial" panose="020B0604020202020204" pitchFamily="34" charset="0"/>
+                        <a:buNone/>
+                      </a:pPr>
+                      <a:endParaRPr lang="en-US" sz="3200" kern="1200" dirty="0">
+                        <a:solidFill>
+                          <a:schemeClr val="dk1"/>
+                        </a:solidFill>
+                        <a:latin typeface="+mj-lt"/>
+                        <a:ea typeface="+mn-ea"/>
+                        <a:cs typeface="+mn-cs"/>
+                      </a:endParaRPr>
+                    </a:p>
+                    <a:p>
+                      <a:pPr marL="457200" indent="-457200" algn="l" rtl="0">
+                        <a:lnSpc>
+                          <a:spcPct val="150000"/>
+                        </a:lnSpc>
+                        <a:buFont typeface="Arial" panose="020B0604020202020204" pitchFamily="34" charset="0"/>
+                        <a:buChar char="•"/>
+                      </a:pPr>
+                      <a:endParaRPr lang="en-US" sz="3200" kern="1200" dirty="0">
+                        <a:solidFill>
+                          <a:schemeClr val="dk1"/>
+                        </a:solidFill>
+                        <a:latin typeface="+mj-lt"/>
+                        <a:ea typeface="+mn-ea"/>
+                        <a:cs typeface="+mn-cs"/>
+                      </a:endParaRPr>
+                    </a:p>
+                    <a:p>
+                      <a:pPr marL="457200" indent="-457200" algn="l" rtl="0">
+                        <a:lnSpc>
+                          <a:spcPct val="150000"/>
+                        </a:lnSpc>
+                        <a:buFont typeface="Arial" panose="020B0604020202020204" pitchFamily="34" charset="0"/>
+                        <a:buChar char="•"/>
+                      </a:pPr>
+                      <a:endParaRPr lang="en-US" sz="3200" kern="1200" dirty="0">
+                        <a:solidFill>
+                          <a:schemeClr val="dk1"/>
+                        </a:solidFill>
+                        <a:latin typeface="+mj-lt"/>
+                        <a:ea typeface="+mn-ea"/>
+                        <a:cs typeface="+mn-cs"/>
+                      </a:endParaRPr>
+                    </a:p>
+                    <a:p>
+                      <a:pPr marL="457200" indent="-457200" algn="l" rtl="0">
+                        <a:lnSpc>
+                          <a:spcPct val="150000"/>
+                        </a:lnSpc>
+                        <a:buFont typeface="Arial" panose="020B0604020202020204" pitchFamily="34" charset="0"/>
+                        <a:buChar char="•"/>
+                      </a:pPr>
+                      <a:r>
+                        <a:rPr lang="he-IL" sz="3200" kern="1200" dirty="0">
+                          <a:solidFill>
+                            <a:schemeClr val="dk1"/>
+                          </a:solidFill>
+                          <a:latin typeface="+mj-lt"/>
+                          <a:ea typeface="+mn-ea"/>
+                          <a:cs typeface="+mn-cs"/>
+                        </a:rPr>
+                        <a:t>???</a:t>
+                      </a:r>
+                      <a:endParaRPr lang="en-US" sz="3200" kern="1200" dirty="0">
+                        <a:solidFill>
+                          <a:schemeClr val="dk1"/>
+                        </a:solidFill>
+                        <a:latin typeface="+mj-lt"/>
+                        <a:ea typeface="+mn-ea"/>
+                        <a:cs typeface="+mn-cs"/>
+                      </a:endParaRPr>
+                    </a:p>
+                    <a:p>
+                      <a:pPr marL="457200" indent="-457200" algn="l" rtl="0">
+                        <a:lnSpc>
+                          <a:spcPct val="150000"/>
+                        </a:lnSpc>
+                        <a:buFont typeface="Arial" panose="020B0604020202020204" pitchFamily="34" charset="0"/>
+                        <a:buChar char="•"/>
+                      </a:pPr>
+                      <a:endParaRPr lang="en-US" sz="3200" kern="1200" dirty="0">
+                        <a:solidFill>
+                          <a:schemeClr val="dk1"/>
+                        </a:solidFill>
+                        <a:latin typeface="+mj-lt"/>
+                        <a:ea typeface="+mn-ea"/>
+                        <a:cs typeface="+mn-cs"/>
+                      </a:endParaRPr>
+                    </a:p>
+                  </a:txBody>
+                  <a:tcPr>
+                    <a:lnL w="38100" cap="flat" cmpd="sng" algn="ctr">
+                      <a:solidFill>
+                        <a:schemeClr val="bg1"/>
+                      </a:solidFill>
+                      <a:prstDash val="solid"/>
+                      <a:round/>
+                      <a:headEnd type="none" w="med" len="med"/>
+                      <a:tailEnd type="none" w="med" len="med"/>
+                    </a:lnL>
+                    <a:lnR w="38100" cap="flat" cmpd="sng" algn="ctr">
+                      <a:solidFill>
+                        <a:schemeClr val="bg1"/>
+                      </a:solidFill>
+                      <a:prstDash val="solid"/>
+                      <a:round/>
+                      <a:headEnd type="none" w="med" len="med"/>
+                      <a:tailEnd type="none" w="med" len="med"/>
+                    </a:lnR>
+                    <a:lnT w="38100" cap="flat" cmpd="sng" algn="ctr">
+                      <a:solidFill>
+                        <a:schemeClr val="bg1"/>
+                      </a:solidFill>
+                      <a:prstDash val="solid"/>
+                      <a:round/>
+                      <a:headEnd type="none" w="med" len="med"/>
+                      <a:tailEnd type="none" w="med" len="med"/>
+                    </a:lnT>
+                    <a:lnB w="38100" cap="flat" cmpd="sng" algn="ctr">
+                      <a:solidFill>
+                        <a:schemeClr val="bg1"/>
+                      </a:solidFill>
+                      <a:prstDash val="solid"/>
+                      <a:round/>
+                      <a:headEnd type="none" w="med" len="med"/>
+                      <a:tailEnd type="none" w="med" len="med"/>
+                    </a:lnB>
+                    <a:lnTlToBr w="12700" cmpd="sng">
+                      <a:noFill/>
+                      <a:prstDash val="solid"/>
+                    </a:lnTlToBr>
+                    <a:lnBlToTr w="12700" cmpd="sng">
+                      <a:noFill/>
+                      <a:prstDash val="solid"/>
+                    </a:lnBlToTr>
+                    <a:noFill/>
+                  </a:tcPr>
+                </a:tc>
+                <a:extLst>
+                  <a:ext uri="{0D108BD9-81ED-4DB2-BD59-A6C34878D82A}">
+                    <a16:rowId xmlns:a16="http://schemas.microsoft.com/office/drawing/2014/main" val="1509631762"/>
+                  </a:ext>
+                </a:extLst>
+              </a:tr>
+            </a:tbl>
+          </a:graphicData>
+        </a:graphic>
+      </p:graphicFrame>
+      <p:graphicFrame>
+        <p:nvGraphicFramePr>
+          <p:cNvPr id="41" name="Table 29">
+            <a:extLst>
+              <a:ext uri="{FF2B5EF4-FFF2-40B4-BE49-F238E27FC236}">
+                <a16:creationId xmlns:a16="http://schemas.microsoft.com/office/drawing/2014/main" id="{87C34A28-1550-8A00-8213-E8C2029623E4}"/>
+              </a:ext>
+            </a:extLst>
+          </p:cNvPr>
+          <p:cNvGraphicFramePr>
+            <a:graphicFrameLocks noGrp="1"/>
+          </p:cNvGraphicFramePr>
+          <p:nvPr/>
+        </p:nvGraphicFramePr>
+        <p:xfrm>
+          <a:off x="-2" y="21100305"/>
+          <a:ext cx="14759780" cy="13423890"/>
+        </p:xfrm>
+        <a:graphic>
+          <a:graphicData uri="http://schemas.openxmlformats.org/drawingml/2006/table">
+            <a:tbl>
+              <a:tblPr rtl="1" firstRow="1" bandRow="1">
+                <a:tableStyleId>{F5AB1C69-6EDB-4FF4-983F-18BD219EF322}</a:tableStyleId>
+              </a:tblPr>
+              <a:tblGrid>
+                <a:gridCol w="14759780">
+                  <a:extLst>
+                    <a:ext uri="{9D8B030D-6E8A-4147-A177-3AD203B41FA5}">
+                      <a16:colId xmlns:a16="http://schemas.microsoft.com/office/drawing/2014/main" val="3747045786"/>
+                    </a:ext>
+                  </a:extLst>
+                </a:gridCol>
+              </a:tblGrid>
+              <a:tr h="388095">
+                <a:tc>
+                  <a:txBody>
+                    <a:bodyPr/>
+                    <a:lstStyle/>
+                    <a:p>
+                      <a:pPr marL="0" indent="0" algn="ctr" rtl="0">
+                        <a:lnSpc>
+                          <a:spcPct val="150000"/>
+                        </a:lnSpc>
+                        <a:buFont typeface="Arial" panose="020B0604020202020204" pitchFamily="34" charset="0"/>
+                        <a:buNone/>
+                      </a:pPr>
+                      <a:r>
+                        <a:rPr lang="en-US" sz="2800" dirty="0">
+                          <a:latin typeface="+mj-lt"/>
+                        </a:rPr>
+                        <a:t>Experimental Design</a:t>
+                      </a:r>
+                      <a:endParaRPr lang="en-US" sz="2800" kern="1200" dirty="0">
+                        <a:solidFill>
+                          <a:schemeClr val="dk1"/>
+                        </a:solidFill>
+                        <a:latin typeface="+mj-lt"/>
+                        <a:ea typeface="+mn-ea"/>
+                        <a:cs typeface="+mn-cs"/>
+                      </a:endParaRPr>
+                    </a:p>
+                  </a:txBody>
+                  <a:tcPr anchor="ctr">
+                    <a:lnL w="38100" cap="flat" cmpd="sng" algn="ctr">
+                      <a:solidFill>
+                        <a:schemeClr val="bg1"/>
+                      </a:solidFill>
+                      <a:prstDash val="solid"/>
+                      <a:round/>
+                      <a:headEnd type="none" w="med" len="med"/>
+                      <a:tailEnd type="none" w="med" len="med"/>
+                    </a:lnL>
+                    <a:lnR w="38100" cap="flat" cmpd="sng" algn="ctr">
+                      <a:solidFill>
+                        <a:schemeClr val="bg1"/>
+                      </a:solidFill>
+                      <a:prstDash val="solid"/>
+                      <a:round/>
+                      <a:headEnd type="none" w="med" len="med"/>
+                      <a:tailEnd type="none" w="med" len="med"/>
+                    </a:lnR>
+                    <a:lnT w="38100" cap="flat" cmpd="sng" algn="ctr">
+                      <a:solidFill>
+                        <a:schemeClr val="bg1"/>
+                      </a:solidFill>
+                      <a:prstDash val="solid"/>
+                      <a:round/>
+                      <a:headEnd type="none" w="med" len="med"/>
+                      <a:tailEnd type="none" w="med" len="med"/>
+                    </a:lnT>
+                    <a:lnB w="38100" cap="flat" cmpd="sng" algn="ctr">
+                      <a:solidFill>
+                        <a:schemeClr val="bg1"/>
+                      </a:solidFill>
+                      <a:prstDash val="solid"/>
+                      <a:round/>
+                      <a:headEnd type="none" w="med" len="med"/>
+                      <a:tailEnd type="none" w="med" len="med"/>
+                    </a:lnB>
+                  </a:tcPr>
+                </a:tc>
+                <a:extLst>
+                  <a:ext uri="{0D108BD9-81ED-4DB2-BD59-A6C34878D82A}">
+                    <a16:rowId xmlns:a16="http://schemas.microsoft.com/office/drawing/2014/main" val="1815053329"/>
+                  </a:ext>
+                </a:extLst>
+              </a:tr>
+              <a:tr h="12758537">
+                <a:tc>
+                  <a:txBody>
+                    <a:bodyPr/>
+                    <a:lstStyle/>
+                    <a:p>
+                      <a:pPr marL="457200" indent="-457200" algn="l" rtl="0">
+                        <a:lnSpc>
+                          <a:spcPct val="150000"/>
+                        </a:lnSpc>
+                        <a:buFont typeface="Arial" panose="020B0604020202020204" pitchFamily="34" charset="0"/>
+                        <a:buChar char="•"/>
+                      </a:pPr>
+                      <a:r>
+                        <a:rPr lang="en-US" sz="2800" b="1" kern="1200" dirty="0">
+                          <a:solidFill>
+                            <a:schemeClr val="dk1"/>
+                          </a:solidFill>
+                          <a:latin typeface="+mj-lt"/>
+                          <a:ea typeface="+mn-ea"/>
+                          <a:cs typeface="+mn-cs"/>
+                        </a:rPr>
+                        <a:t>Logistic Regression Model </a:t>
+                      </a:r>
+                      <a:r>
+                        <a:rPr lang="en-US" sz="2800" kern="1200" dirty="0">
+                          <a:solidFill>
+                            <a:schemeClr val="dk1"/>
+                          </a:solidFill>
+                          <a:latin typeface="+mj-lt"/>
+                          <a:ea typeface="+mn-ea"/>
+                          <a:cs typeface="+mn-cs"/>
+                        </a:rPr>
+                        <a:t>was used to test the effect of explanatory characteristics on the probability of having an atopic disease using birth date group as the categorical variable.</a:t>
+                      </a:r>
+                    </a:p>
+                    <a:p>
+                      <a:pPr marL="0" indent="0" algn="l" rtl="0">
+                        <a:lnSpc>
+                          <a:spcPct val="150000"/>
+                        </a:lnSpc>
+                        <a:buFont typeface="Arial" panose="020B0604020202020204" pitchFamily="34" charset="0"/>
+                        <a:buNone/>
+                      </a:pPr>
+                      <a:endParaRPr lang="en-US" sz="2800" kern="1200" dirty="0">
+                        <a:solidFill>
+                          <a:schemeClr val="dk1"/>
+                        </a:solidFill>
+                        <a:latin typeface="+mj-lt"/>
+                        <a:ea typeface="+mn-ea"/>
+                        <a:cs typeface="+mn-cs"/>
+                      </a:endParaRPr>
+                    </a:p>
+                    <a:p>
+                      <a:pPr marL="0" indent="0" algn="l" rtl="0">
+                        <a:lnSpc>
+                          <a:spcPct val="150000"/>
+                        </a:lnSpc>
+                        <a:buFont typeface="Arial" panose="020B0604020202020204" pitchFamily="34" charset="0"/>
+                        <a:buNone/>
+                      </a:pPr>
+                      <a:endParaRPr lang="en-US" sz="2800" kern="1200" dirty="0">
+                        <a:solidFill>
+                          <a:schemeClr val="dk1"/>
+                        </a:solidFill>
+                        <a:latin typeface="+mj-lt"/>
+                        <a:ea typeface="+mn-ea"/>
+                        <a:cs typeface="+mn-cs"/>
+                      </a:endParaRPr>
+                    </a:p>
+                    <a:p>
+                      <a:pPr marL="0" indent="0" algn="l" rtl="0">
+                        <a:lnSpc>
+                          <a:spcPct val="150000"/>
+                        </a:lnSpc>
+                        <a:buFont typeface="Arial" panose="020B0604020202020204" pitchFamily="34" charset="0"/>
+                        <a:buNone/>
+                      </a:pPr>
+                      <a:endParaRPr lang="en-US" sz="2800" kern="1200" dirty="0">
+                        <a:solidFill>
+                          <a:schemeClr val="dk1"/>
+                        </a:solidFill>
+                        <a:latin typeface="+mj-lt"/>
+                        <a:ea typeface="+mn-ea"/>
+                        <a:cs typeface="+mn-cs"/>
+                      </a:endParaRPr>
+                    </a:p>
+                    <a:p>
+                      <a:pPr marL="0" indent="0" algn="l" rtl="0">
+                        <a:lnSpc>
+                          <a:spcPct val="150000"/>
+                        </a:lnSpc>
+                        <a:buFont typeface="Arial" panose="020B0604020202020204" pitchFamily="34" charset="0"/>
+                        <a:buNone/>
+                      </a:pPr>
+                      <a:endParaRPr lang="en-US" sz="2800" kern="1200" dirty="0">
+                        <a:solidFill>
+                          <a:schemeClr val="dk1"/>
+                        </a:solidFill>
+                        <a:latin typeface="+mj-lt"/>
+                        <a:ea typeface="+mn-ea"/>
+                        <a:cs typeface="+mn-cs"/>
+                      </a:endParaRPr>
+                    </a:p>
+                    <a:p>
+                      <a:pPr marL="457200" indent="-457200" algn="l" rtl="0">
+                        <a:lnSpc>
+                          <a:spcPct val="150000"/>
+                        </a:lnSpc>
+                        <a:buFont typeface="Arial" panose="020B0604020202020204" pitchFamily="34" charset="0"/>
+                        <a:buChar char="•"/>
+                      </a:pPr>
+                      <a:r>
+                        <a:rPr lang="en-US" sz="2800" b="1" kern="1200" dirty="0">
+                          <a:solidFill>
+                            <a:schemeClr val="dk1"/>
+                          </a:solidFill>
+                          <a:highlight>
+                            <a:srgbClr val="FFFF00"/>
+                          </a:highlight>
+                          <a:latin typeface="+mj-lt"/>
+                          <a:ea typeface="+mn-ea"/>
+                          <a:cs typeface="+mn-cs"/>
+                        </a:rPr>
+                        <a:t>Generalized Additive Model: </a:t>
+                      </a:r>
+                      <a:r>
+                        <a:rPr lang="en-US" sz="2800" b="0" kern="1200" dirty="0">
+                          <a:solidFill>
+                            <a:schemeClr val="dk1"/>
+                          </a:solidFill>
+                          <a:latin typeface="+mj-lt"/>
+                          <a:ea typeface="+mn-ea"/>
+                          <a:cs typeface="+mn-cs"/>
+                        </a:rPr>
+                        <a:t>Gam model </a:t>
+                      </a:r>
+                      <a:r>
+                        <a:rPr lang="en-US" sz="2800" kern="1200" dirty="0">
+                          <a:solidFill>
+                            <a:schemeClr val="dk1"/>
+                          </a:solidFill>
+                          <a:latin typeface="+mj-lt"/>
+                          <a:ea typeface="+mn-ea"/>
+                          <a:cs typeface="+mn-cs"/>
+                        </a:rPr>
+                        <a:t>provides us with an alternative to dividing the birth date into groups, instead of the date of birth acting as a categorical variable we made it continuous (every day is a category). We used a non-linear combination of variables, which create a smooth function. By connecting these smooth functions, we examined how the probability of a baby getting a atopic disease changes:</a:t>
+                      </a:r>
+                    </a:p>
+                  </a:txBody>
+                  <a:tcPr>
+                    <a:lnL w="38100" cap="flat" cmpd="sng" algn="ctr">
+                      <a:solidFill>
+                        <a:schemeClr val="bg1"/>
+                      </a:solidFill>
+                      <a:prstDash val="solid"/>
+                      <a:round/>
+                      <a:headEnd type="none" w="med" len="med"/>
+                      <a:tailEnd type="none" w="med" len="med"/>
+                    </a:lnL>
+                    <a:lnR w="38100" cap="flat" cmpd="sng" algn="ctr">
+                      <a:solidFill>
+                        <a:schemeClr val="bg1"/>
+                      </a:solidFill>
+                      <a:prstDash val="solid"/>
+                      <a:round/>
+                      <a:headEnd type="none" w="med" len="med"/>
+                      <a:tailEnd type="none" w="med" len="med"/>
+                    </a:lnR>
+                    <a:lnT w="38100" cap="flat" cmpd="sng" algn="ctr">
+                      <a:solidFill>
+                        <a:schemeClr val="bg1"/>
+                      </a:solidFill>
+                      <a:prstDash val="solid"/>
+                      <a:round/>
+                      <a:headEnd type="none" w="med" len="med"/>
+                      <a:tailEnd type="none" w="med" len="med"/>
+                    </a:lnT>
+                    <a:lnB w="38100" cap="flat" cmpd="sng" algn="ctr">
+                      <a:solidFill>
+                        <a:schemeClr val="bg1"/>
+                      </a:solidFill>
+                      <a:prstDash val="solid"/>
+                      <a:round/>
+                      <a:headEnd type="none" w="med" len="med"/>
+                      <a:tailEnd type="none" w="med" len="med"/>
+                    </a:lnB>
+                    <a:lnTlToBr w="12700" cmpd="sng">
+                      <a:noFill/>
+                      <a:prstDash val="solid"/>
+                    </a:lnTlToBr>
+                    <a:lnBlToTr w="12700" cmpd="sng">
+                      <a:noFill/>
+                      <a:prstDash val="solid"/>
+                    </a:lnBlToTr>
+                    <a:noFill/>
+                  </a:tcPr>
+                </a:tc>
+                <a:extLst>
+                  <a:ext uri="{0D108BD9-81ED-4DB2-BD59-A6C34878D82A}">
+                    <a16:rowId xmlns:a16="http://schemas.microsoft.com/office/drawing/2014/main" val="1509631762"/>
+                  </a:ext>
+                </a:extLst>
+              </a:tr>
+            </a:tbl>
+          </a:graphicData>
+        </a:graphic>
+      </p:graphicFrame>
+      <p:graphicFrame>
+        <p:nvGraphicFramePr>
+          <p:cNvPr id="42" name="Table 29">
+            <a:extLst>
+              <a:ext uri="{FF2B5EF4-FFF2-40B4-BE49-F238E27FC236}">
+                <a16:creationId xmlns:a16="http://schemas.microsoft.com/office/drawing/2014/main" id="{5F353C99-9559-5FFC-9840-C01B90960996}"/>
+              </a:ext>
+            </a:extLst>
+          </p:cNvPr>
+          <p:cNvGraphicFramePr>
+            <a:graphicFrameLocks noGrp="1"/>
+          </p:cNvGraphicFramePr>
+          <p:nvPr/>
+        </p:nvGraphicFramePr>
+        <p:xfrm>
+          <a:off x="15095634" y="29929358"/>
+          <a:ext cx="14423929" cy="4594837"/>
+        </p:xfrm>
+        <a:graphic>
+          <a:graphicData uri="http://schemas.openxmlformats.org/drawingml/2006/table">
+            <a:tbl>
+              <a:tblPr rtl="1" firstRow="1" bandRow="1">
+                <a:tableStyleId>{F5AB1C69-6EDB-4FF4-983F-18BD219EF322}</a:tableStyleId>
+              </a:tblPr>
+              <a:tblGrid>
+                <a:gridCol w="14423929">
+                  <a:extLst>
+                    <a:ext uri="{9D8B030D-6E8A-4147-A177-3AD203B41FA5}">
+                      <a16:colId xmlns:a16="http://schemas.microsoft.com/office/drawing/2014/main" val="3747045786"/>
+                    </a:ext>
+                  </a:extLst>
+                </a:gridCol>
+              </a:tblGrid>
+              <a:tr h="679788">
+                <a:tc>
+                  <a:txBody>
+                    <a:bodyPr/>
+                    <a:lstStyle/>
+                    <a:p>
+                      <a:pPr algn="ctr" rtl="0"/>
+                      <a:r>
+                        <a:rPr lang="en-US" sz="3200" dirty="0">
+                          <a:latin typeface="+mj-lt"/>
+                        </a:rPr>
+                        <a:t>Conclusions</a:t>
+                      </a:r>
+                      <a:endParaRPr lang="he-IL" sz="3200" dirty="0">
+                        <a:latin typeface="+mj-lt"/>
+                      </a:endParaRPr>
+                    </a:p>
+                  </a:txBody>
+                  <a:tcPr anchor="ctr">
+                    <a:lnL w="38100" cap="flat" cmpd="sng" algn="ctr">
+                      <a:solidFill>
+                        <a:schemeClr val="bg1"/>
+                      </a:solidFill>
+                      <a:prstDash val="solid"/>
+                      <a:round/>
+                      <a:headEnd type="none" w="med" len="med"/>
+                      <a:tailEnd type="none" w="med" len="med"/>
+                    </a:lnL>
+                    <a:lnR w="38100" cap="flat" cmpd="sng" algn="ctr">
+                      <a:solidFill>
+                        <a:schemeClr val="bg1"/>
+                      </a:solidFill>
+                      <a:prstDash val="solid"/>
+                      <a:round/>
+                      <a:headEnd type="none" w="med" len="med"/>
+                      <a:tailEnd type="none" w="med" len="med"/>
+                    </a:lnR>
+                    <a:lnT w="38100" cap="flat" cmpd="sng" algn="ctr">
+                      <a:solidFill>
+                        <a:schemeClr val="bg1"/>
+                      </a:solidFill>
+                      <a:prstDash val="solid"/>
+                      <a:round/>
+                      <a:headEnd type="none" w="med" len="med"/>
+                      <a:tailEnd type="none" w="med" len="med"/>
+                    </a:lnT>
+                    <a:lnB w="38100" cap="flat" cmpd="sng" algn="ctr">
+                      <a:solidFill>
+                        <a:schemeClr val="bg1"/>
+                      </a:solidFill>
+                      <a:prstDash val="solid"/>
+                      <a:round/>
+                      <a:headEnd type="none" w="med" len="med"/>
+                      <a:tailEnd type="none" w="med" len="med"/>
+                    </a:lnB>
+                  </a:tcPr>
+                </a:tc>
+                <a:extLst>
+                  <a:ext uri="{0D108BD9-81ED-4DB2-BD59-A6C34878D82A}">
+                    <a16:rowId xmlns:a16="http://schemas.microsoft.com/office/drawing/2014/main" val="1815053329"/>
+                  </a:ext>
+                </a:extLst>
+              </a:tr>
+              <a:tr h="3915049">
+                <a:tc>
+                  <a:txBody>
+                    <a:bodyPr/>
+                    <a:lstStyle/>
+                    <a:p>
+                      <a:pPr marL="457200" indent="-457200" algn="l" rtl="0">
+                        <a:lnSpc>
+                          <a:spcPct val="150000"/>
+                        </a:lnSpc>
+                        <a:buFont typeface="Arial" panose="020B0604020202020204" pitchFamily="34" charset="0"/>
+                        <a:buChar char="•"/>
+                      </a:pPr>
+                      <a:endParaRPr lang="en-US" sz="3200" kern="1200" dirty="0">
+                        <a:solidFill>
+                          <a:schemeClr val="dk1"/>
+                        </a:solidFill>
+                        <a:latin typeface="+mn-lt"/>
+                        <a:ea typeface="+mn-ea"/>
+                        <a:cs typeface="+mn-cs"/>
+                      </a:endParaRPr>
+                    </a:p>
+                  </a:txBody>
+                  <a:tcPr>
+                    <a:lnL w="38100" cap="flat" cmpd="sng" algn="ctr">
+                      <a:solidFill>
+                        <a:schemeClr val="bg1"/>
+                      </a:solidFill>
+                      <a:prstDash val="solid"/>
+                      <a:round/>
+                      <a:headEnd type="none" w="med" len="med"/>
+                      <a:tailEnd type="none" w="med" len="med"/>
+                    </a:lnL>
+                    <a:lnR w="38100" cap="flat" cmpd="sng" algn="ctr">
+                      <a:solidFill>
+                        <a:schemeClr val="bg1"/>
+                      </a:solidFill>
+                      <a:prstDash val="solid"/>
+                      <a:round/>
+                      <a:headEnd type="none" w="med" len="med"/>
+                      <a:tailEnd type="none" w="med" len="med"/>
+                    </a:lnR>
+                    <a:lnT w="38100" cap="flat" cmpd="sng" algn="ctr">
+                      <a:solidFill>
+                        <a:schemeClr val="bg1"/>
+                      </a:solidFill>
+                      <a:prstDash val="solid"/>
+                      <a:round/>
+                      <a:headEnd type="none" w="med" len="med"/>
+                      <a:tailEnd type="none" w="med" len="med"/>
+                    </a:lnT>
+                    <a:lnB w="38100" cap="flat" cmpd="sng" algn="ctr">
+                      <a:solidFill>
+                        <a:schemeClr val="bg1"/>
+                      </a:solidFill>
+                      <a:prstDash val="solid"/>
+                      <a:round/>
+                      <a:headEnd type="none" w="med" len="med"/>
+                      <a:tailEnd type="none" w="med" len="med"/>
+                    </a:lnB>
+                    <a:lnTlToBr w="12700" cmpd="sng">
+                      <a:noFill/>
+                      <a:prstDash val="solid"/>
+                    </a:lnTlToBr>
+                    <a:lnBlToTr w="12700" cmpd="sng">
+                      <a:noFill/>
+                      <a:prstDash val="solid"/>
+                    </a:lnBlToTr>
+                    <a:noFill/>
+                  </a:tcPr>
+                </a:tc>
+                <a:extLst>
+                  <a:ext uri="{0D108BD9-81ED-4DB2-BD59-A6C34878D82A}">
+                    <a16:rowId xmlns:a16="http://schemas.microsoft.com/office/drawing/2014/main" val="1509631762"/>
+                  </a:ext>
+                </a:extLst>
+              </a:tr>
+            </a:tbl>
+          </a:graphicData>
+        </a:graphic>
+      </p:graphicFrame>
+      <mc:AlternateContent xmlns:mc="http://schemas.openxmlformats.org/markup-compatibility/2006">
+        <mc:Choice xmlns:a14="http://schemas.microsoft.com/office/drawing/2010/main" Requires="a14">
+          <p:sp>
+            <p:nvSpPr>
+              <p:cNvPr id="4" name="TextBox 3">
+                <a:extLst>
+                  <a:ext uri="{FF2B5EF4-FFF2-40B4-BE49-F238E27FC236}">
+                    <a16:creationId xmlns:a16="http://schemas.microsoft.com/office/drawing/2014/main" id="{902ED1D7-E996-EF69-829B-593F4BE2D5F1}"/>
+                  </a:ext>
+                </a:extLst>
+              </p:cNvPr>
+              <p:cNvSpPr txBox="1"/>
+              <p:nvPr/>
+            </p:nvSpPr>
+            <p:spPr>
+              <a:xfrm>
+                <a:off x="2853834" y="17992750"/>
+                <a:ext cx="12409726" cy="1781000"/>
+              </a:xfrm>
+              <a:prstGeom prst="rect">
+                <a:avLst/>
+              </a:prstGeom>
+              <a:noFill/>
+            </p:spPr>
+            <p:txBody>
+              <a:bodyPr wrap="square">
+                <a:spAutoFit/>
+              </a:bodyPr>
+              <a:lstStyle/>
+              <a:p>
+                <a:pPr/>
+                <a14:m>
+                  <m:oMathPara xmlns:m="http://schemas.openxmlformats.org/officeDocument/2006/math">
+                    <m:oMathParaPr>
+                      <m:jc m:val="centerGroup"/>
+                    </m:oMathParaPr>
+                    <m:oMath xmlns:m="http://schemas.openxmlformats.org/officeDocument/2006/math">
+                      <m:r>
+                        <m:rPr>
+                          <m:sty m:val="p"/>
+                        </m:rPr>
+                        <a:rPr lang="en-US" sz="2800" i="0" smtClean="0">
+                          <a:latin typeface="Cambria Math" panose="02040503050406030204" pitchFamily="18" charset="0"/>
+                        </a:rPr>
+                        <m:t>covid</m:t>
+                      </m:r>
+                      <m:r>
+                        <a:rPr lang="en-US" sz="2800" b="0" i="0" smtClean="0">
+                          <a:latin typeface="Cambria Math" panose="02040503050406030204" pitchFamily="18" charset="0"/>
+                        </a:rPr>
+                        <m:t> </m:t>
+                      </m:r>
+                      <m:r>
+                        <m:rPr>
+                          <m:sty m:val="p"/>
+                        </m:rPr>
+                        <a:rPr lang="en-US" sz="2800" i="0">
+                          <a:latin typeface="Cambria Math" panose="02040503050406030204" pitchFamily="18" charset="0"/>
+                        </a:rPr>
+                        <m:t>group</m:t>
+                      </m:r>
+                      <m:r>
+                        <a:rPr lang="en-US" sz="2800" i="0">
+                          <a:latin typeface="Cambria Math" panose="02040503050406030204" pitchFamily="18" charset="0"/>
+                        </a:rPr>
+                        <m:t>= </m:t>
+                      </m:r>
+                      <m:d>
+                        <m:dPr>
+                          <m:begChr m:val="{"/>
+                          <m:endChr m:val=""/>
+                          <m:ctrlPr>
+                            <a:rPr lang="en-US" sz="2800">
+                              <a:solidFill>
+                                <a:srgbClr val="836967"/>
+                              </a:solidFill>
+                              <a:latin typeface="Cambria Math" panose="02040503050406030204" pitchFamily="18" charset="0"/>
+                            </a:rPr>
+                          </m:ctrlPr>
+                        </m:dPr>
+                        <m:e>
+                          <m:eqArr>
+                            <m:eqArrPr>
+                              <m:ctrlPr>
+                                <a:rPr lang="en-US" sz="2800">
+                                  <a:solidFill>
+                                    <a:srgbClr val="836967"/>
+                                  </a:solidFill>
+                                  <a:latin typeface="Cambria Math" panose="02040503050406030204" pitchFamily="18" charset="0"/>
+                                </a:rPr>
+                              </m:ctrlPr>
+                            </m:eqArrPr>
+                            <m:e>
+                              <m:r>
+                                <a:rPr lang="en-US" sz="2800" i="0">
+                                  <a:latin typeface="Cambria Math" panose="02040503050406030204" pitchFamily="18" charset="0"/>
+                                </a:rPr>
+                                <m:t>&amp;1                                       </m:t>
+                              </m:r>
+                              <m:r>
+                                <a:rPr lang="en-US" sz="2800" b="0" i="0" smtClean="0">
+                                  <a:latin typeface="Cambria Math" panose="02040503050406030204" pitchFamily="18" charset="0"/>
+                                </a:rPr>
+                                <m:t> </m:t>
+                              </m:r>
+                              <m:r>
+                                <a:rPr lang="en-US" sz="2800" i="0">
+                                  <a:latin typeface="Cambria Math" panose="02040503050406030204" pitchFamily="18" charset="0"/>
+                                </a:rPr>
+                                <m:t>    </m:t>
+                              </m:r>
+                              <m:r>
+                                <m:rPr>
+                                  <m:sty m:val="p"/>
+                                </m:rPr>
+                                <a:rPr lang="en-US" sz="2800" b="0" i="0" smtClean="0">
+                                  <a:latin typeface="Cambria Math" panose="02040503050406030204" pitchFamily="18" charset="0"/>
+                                </a:rPr>
+                                <m:t>Birth</m:t>
+                              </m:r>
+                              <m:r>
+                                <a:rPr lang="en-US" sz="2800" b="0" i="0" smtClean="0">
+                                  <a:latin typeface="Cambria Math" panose="02040503050406030204" pitchFamily="18" charset="0"/>
+                                </a:rPr>
+                                <m:t> </m:t>
+                              </m:r>
+                              <m:r>
+                                <m:rPr>
+                                  <m:sty m:val="p"/>
+                                </m:rPr>
+                                <a:rPr lang="en-US" sz="2800" b="0" i="0" smtClean="0">
+                                  <a:latin typeface="Cambria Math" panose="02040503050406030204" pitchFamily="18" charset="0"/>
+                                </a:rPr>
+                                <m:t>date</m:t>
+                              </m:r>
+                              <m:r>
+                                <a:rPr lang="en-US" sz="2800" i="0">
+                                  <a:latin typeface="Cambria Math" panose="02040503050406030204" pitchFamily="18" charset="0"/>
+                                </a:rPr>
+                                <m:t> &lt;</m:t>
+                              </m:r>
+                              <m:r>
+                                <m:rPr>
+                                  <m:sty m:val="p"/>
+                                </m:rPr>
+                                <a:rPr lang="en-US" sz="2800" i="0">
+                                  <a:latin typeface="Cambria Math" panose="02040503050406030204" pitchFamily="18" charset="0"/>
+                                </a:rPr>
+                                <m:t>March</m:t>
+                              </m:r>
+                              <m:r>
+                                <a:rPr lang="en-US" sz="2800" i="0">
+                                  <a:latin typeface="Cambria Math" panose="02040503050406030204" pitchFamily="18" charset="0"/>
+                                </a:rPr>
+                                <m:t> 1, 2019 </m:t>
+                              </m:r>
+                            </m:e>
+                            <m:e>
+                              <m:r>
+                                <a:rPr lang="en-US" sz="2800" i="0">
+                                  <a:latin typeface="Cambria Math" panose="02040503050406030204" pitchFamily="18" charset="0"/>
+                                </a:rPr>
+                                <m:t>&amp;2       </m:t>
+                              </m:r>
+                              <m:r>
+                                <m:rPr>
+                                  <m:sty m:val="p"/>
+                                </m:rPr>
+                                <a:rPr lang="en-US" sz="2800" i="0">
+                                  <a:latin typeface="Cambria Math" panose="02040503050406030204" pitchFamily="18" charset="0"/>
+                                </a:rPr>
+                                <m:t>March</m:t>
+                              </m:r>
+                              <m:r>
+                                <a:rPr lang="en-US" sz="2800" i="0">
+                                  <a:latin typeface="Cambria Math" panose="02040503050406030204" pitchFamily="18" charset="0"/>
+                                </a:rPr>
+                                <m:t> 1, 2019≤</m:t>
+                              </m:r>
+                              <m:r>
+                                <m:rPr>
+                                  <m:sty m:val="p"/>
+                                </m:rPr>
+                                <a:rPr lang="en-US" sz="2800" i="0">
+                                  <a:latin typeface="Cambria Math" panose="02040503050406030204" pitchFamily="18" charset="0"/>
+                                </a:rPr>
+                                <m:t>Birth</m:t>
+                              </m:r>
+                              <m:r>
+                                <a:rPr lang="en-US" sz="2800" i="0">
+                                  <a:latin typeface="Cambria Math" panose="02040503050406030204" pitchFamily="18" charset="0"/>
+                                </a:rPr>
+                                <m:t> </m:t>
+                              </m:r>
+                              <m:r>
+                                <m:rPr>
+                                  <m:sty m:val="p"/>
+                                </m:rPr>
+                                <a:rPr lang="en-US" sz="2800" i="0">
+                                  <a:latin typeface="Cambria Math" panose="02040503050406030204" pitchFamily="18" charset="0"/>
+                                </a:rPr>
+                                <m:t>date</m:t>
+                              </m:r>
+                              <m:r>
+                                <a:rPr lang="en-US" sz="2800" i="0">
+                                  <a:latin typeface="Cambria Math" panose="02040503050406030204" pitchFamily="18" charset="0"/>
+                                </a:rPr>
+                                <m:t>&lt; </m:t>
+                              </m:r>
+                              <m:r>
+                                <m:rPr>
+                                  <m:sty m:val="p"/>
+                                </m:rPr>
+                                <a:rPr lang="en-US" sz="2800" i="0">
+                                  <a:latin typeface="Cambria Math" panose="02040503050406030204" pitchFamily="18" charset="0"/>
+                                </a:rPr>
+                                <m:t>March</m:t>
+                              </m:r>
+                              <m:r>
+                                <a:rPr lang="en-US" sz="2800" i="0">
+                                  <a:latin typeface="Cambria Math" panose="02040503050406030204" pitchFamily="18" charset="0"/>
+                                </a:rPr>
+                                <m:t> 11, 2019</m:t>
+                              </m:r>
+                            </m:e>
+                            <m:e>
+                              <m:r>
+                                <a:rPr lang="en-US" sz="2800" i="0">
+                                  <a:latin typeface="Cambria Math" panose="02040503050406030204" pitchFamily="18" charset="0"/>
+                                </a:rPr>
+                                <m:t>&amp;3             </m:t>
+                              </m:r>
+                              <m:r>
+                                <m:rPr>
+                                  <m:sty m:val="p"/>
+                                </m:rPr>
+                                <a:rPr lang="en-US" sz="2800" i="0">
+                                  <a:latin typeface="Cambria Math" panose="02040503050406030204" pitchFamily="18" charset="0"/>
+                                </a:rPr>
+                                <m:t>March</m:t>
+                              </m:r>
+                              <m:r>
+                                <a:rPr lang="en-US" sz="2800" i="0">
+                                  <a:latin typeface="Cambria Math" panose="02040503050406030204" pitchFamily="18" charset="0"/>
+                                </a:rPr>
+                                <m:t> 11, 2019≤</m:t>
+                              </m:r>
+                              <m:r>
+                                <m:rPr>
+                                  <m:sty m:val="p"/>
+                                </m:rPr>
+                                <a:rPr lang="en-US" sz="2800" i="0">
+                                  <a:latin typeface="Cambria Math" panose="02040503050406030204" pitchFamily="18" charset="0"/>
+                                </a:rPr>
+                                <m:t>Birth</m:t>
+                              </m:r>
+                              <m:r>
+                                <a:rPr lang="en-US" sz="2800" i="0">
+                                  <a:latin typeface="Cambria Math" panose="02040503050406030204" pitchFamily="18" charset="0"/>
+                                </a:rPr>
+                                <m:t> </m:t>
+                              </m:r>
+                              <m:r>
+                                <m:rPr>
+                                  <m:sty m:val="p"/>
+                                </m:rPr>
+                                <a:rPr lang="en-US" sz="2800" i="0">
+                                  <a:latin typeface="Cambria Math" panose="02040503050406030204" pitchFamily="18" charset="0"/>
+                                </a:rPr>
+                                <m:t>date</m:t>
+                              </m:r>
+                              <m:r>
+                                <a:rPr lang="en-US" sz="2800" i="0">
+                                  <a:latin typeface="Cambria Math" panose="02040503050406030204" pitchFamily="18" charset="0"/>
+                                </a:rPr>
+                                <m:t>&lt;</m:t>
+                              </m:r>
+                              <m:r>
+                                <m:rPr>
+                                  <m:sty m:val="p"/>
+                                </m:rPr>
+                                <a:rPr lang="en-US" sz="2800" i="0">
+                                  <a:latin typeface="Cambria Math" panose="02040503050406030204" pitchFamily="18" charset="0"/>
+                                </a:rPr>
+                                <m:t>Feb</m:t>
+                              </m:r>
+                              <m:r>
+                                <a:rPr lang="en-US" sz="2800" i="0">
+                                  <a:latin typeface="Cambria Math" panose="02040503050406030204" pitchFamily="18" charset="0"/>
+                                </a:rPr>
+                                <m:t> 7, 2021</m:t>
+                              </m:r>
+                            </m:e>
+                            <m:e>
+                              <m:r>
+                                <a:rPr lang="en-US" sz="2800" i="0">
+                                  <a:latin typeface="Cambria Math" panose="02040503050406030204" pitchFamily="18" charset="0"/>
+                                </a:rPr>
+                                <m:t>&amp;4</m:t>
+                              </m:r>
+                              <m:r>
+                                <a:rPr lang="en-US" sz="2800" b="0" i="0" smtClean="0">
+                                  <a:latin typeface="Cambria Math" panose="02040503050406030204" pitchFamily="18" charset="0"/>
+                                </a:rPr>
+                                <m:t>                                                  </m:t>
+                              </m:r>
+                              <m:r>
+                                <m:rPr>
+                                  <m:sty m:val="p"/>
+                                </m:rPr>
+                                <a:rPr lang="en-US" sz="2800" i="0">
+                                  <a:latin typeface="Cambria Math" panose="02040503050406030204" pitchFamily="18" charset="0"/>
+                                </a:rPr>
+                                <m:t>Birth</m:t>
+                              </m:r>
+                              <m:r>
+                                <a:rPr lang="en-US" sz="2800" i="0">
+                                  <a:latin typeface="Cambria Math" panose="02040503050406030204" pitchFamily="18" charset="0"/>
+                                </a:rPr>
+                                <m:t> </m:t>
+                              </m:r>
+                              <m:r>
+                                <m:rPr>
+                                  <m:sty m:val="p"/>
+                                </m:rPr>
+                                <a:rPr lang="en-US" sz="2800" i="0">
+                                  <a:latin typeface="Cambria Math" panose="02040503050406030204" pitchFamily="18" charset="0"/>
+                                </a:rPr>
+                                <m:t>date</m:t>
+                              </m:r>
+                              <m:r>
+                                <a:rPr lang="en-US" sz="2800" i="0">
+                                  <a:latin typeface="Cambria Math" panose="02040503050406030204" pitchFamily="18" charset="0"/>
+                                </a:rPr>
+                                <m:t>≥ </m:t>
+                              </m:r>
+                              <m:r>
+                                <m:rPr>
+                                  <m:sty m:val="p"/>
+                                </m:rPr>
+                                <a:rPr lang="en-US" sz="2800" i="0">
+                                  <a:latin typeface="Cambria Math" panose="02040503050406030204" pitchFamily="18" charset="0"/>
+                                </a:rPr>
+                                <m:t>Feb</m:t>
+                              </m:r>
+                              <m:r>
+                                <a:rPr lang="en-US" sz="2800" i="0">
+                                  <a:latin typeface="Cambria Math" panose="02040503050406030204" pitchFamily="18" charset="0"/>
+                                </a:rPr>
+                                <m:t> 7, 2021</m:t>
+                              </m:r>
+                            </m:e>
+                          </m:eqArr>
+                        </m:e>
+                      </m:d>
+                    </m:oMath>
+                  </m:oMathPara>
+                </a14:m>
+                <a:endParaRPr lang="en-US" sz="2800" dirty="0"/>
+              </a:p>
+            </p:txBody>
+          </p:sp>
+        </mc:Choice>
+        <mc:Fallback>
+          <p:sp>
+            <p:nvSpPr>
+              <p:cNvPr id="4" name="TextBox 3">
+                <a:extLst>
+                  <a:ext uri="{FF2B5EF4-FFF2-40B4-BE49-F238E27FC236}">
+                    <a16:creationId xmlns:a16="http://schemas.microsoft.com/office/drawing/2014/main" id="{902ED1D7-E996-EF69-829B-593F4BE2D5F1}"/>
+                  </a:ext>
+                </a:extLst>
+              </p:cNvPr>
+              <p:cNvSpPr txBox="1">
+                <a:spLocks noRot="1" noChangeAspect="1" noMove="1" noResize="1" noEditPoints="1" noAdjustHandles="1" noChangeArrowheads="1" noChangeShapeType="1" noTextEdit="1"/>
+              </p:cNvSpPr>
+              <p:nvPr/>
+            </p:nvSpPr>
+            <p:spPr>
+              <a:xfrm>
+                <a:off x="2853834" y="17992750"/>
+                <a:ext cx="12409726" cy="1781000"/>
+              </a:xfrm>
+              <a:prstGeom prst="rect">
+                <a:avLst/>
+              </a:prstGeom>
+              <a:blipFill>
+                <a:blip r:embed="rId4"/>
+                <a:stretch>
+                  <a:fillRect/>
+                </a:stretch>
+              </a:blipFill>
+            </p:spPr>
+            <p:txBody>
+              <a:bodyPr/>
+              <a:lstStyle/>
+              <a:p>
+                <a:r>
+                  <a:rPr lang="en-US">
+                    <a:noFill/>
+                  </a:rPr>
+                  <a:t> </a:t>
+                </a:r>
+              </a:p>
+            </p:txBody>
+          </p:sp>
+        </mc:Fallback>
+      </mc:AlternateContent>
+      <p:pic>
+        <p:nvPicPr>
+          <p:cNvPr id="12" name="Picture 11" descr="A picture containing text, diagram, plot, line&#10;&#10;Description automatically generated">
+            <a:extLst>
+              <a:ext uri="{FF2B5EF4-FFF2-40B4-BE49-F238E27FC236}">
+                <a16:creationId xmlns:a16="http://schemas.microsoft.com/office/drawing/2014/main" id="{64B92B50-C75F-DFD6-5C24-3116D80DA9FB}"/>
+              </a:ext>
+            </a:extLst>
+          </p:cNvPr>
+          <p:cNvPicPr>
+            <a:picLocks noChangeAspect="1"/>
+          </p:cNvPicPr>
+          <p:nvPr/>
+        </p:nvPicPr>
+        <p:blipFill>
+          <a:blip r:embed="rId5">
+            <a:extLst>
+              <a:ext uri="{28A0092B-C50C-407E-A947-70E740481C1C}">
+                <a14:useLocalDpi xmlns:a14="http://schemas.microsoft.com/office/drawing/2010/main" val="0"/>
+              </a:ext>
+            </a:extLst>
+          </a:blip>
+          <a:stretch>
+            <a:fillRect/>
+          </a:stretch>
+        </p:blipFill>
+        <p:spPr>
+          <a:xfrm>
+            <a:off x="15456310" y="6007816"/>
+            <a:ext cx="9144000" cy="5486400"/>
+          </a:xfrm>
+          <a:prstGeom prst="rect">
+            <a:avLst/>
+          </a:prstGeom>
+        </p:spPr>
+      </p:pic>
+      <p:pic>
+        <p:nvPicPr>
+          <p:cNvPr id="14" name="Picture 13" descr="A picture containing text, line, plot, diagram&#10;&#10;Description automatically generated">
+            <a:extLst>
+              <a:ext uri="{FF2B5EF4-FFF2-40B4-BE49-F238E27FC236}">
+                <a16:creationId xmlns:a16="http://schemas.microsoft.com/office/drawing/2014/main" id="{76C44484-5FED-B635-14D0-FFCBD25AFD57}"/>
+              </a:ext>
+            </a:extLst>
+          </p:cNvPr>
+          <p:cNvPicPr>
+            <a:picLocks noChangeAspect="1"/>
+          </p:cNvPicPr>
+          <p:nvPr/>
+        </p:nvPicPr>
+        <p:blipFill>
+          <a:blip r:embed="rId6">
+            <a:extLst>
+              <a:ext uri="{28A0092B-C50C-407E-A947-70E740481C1C}">
+                <a14:useLocalDpi xmlns:a14="http://schemas.microsoft.com/office/drawing/2010/main" val="0"/>
+              </a:ext>
+            </a:extLst>
+          </a:blip>
+          <a:stretch>
+            <a:fillRect/>
+          </a:stretch>
+        </p:blipFill>
+        <p:spPr>
+          <a:xfrm>
+            <a:off x="20028310" y="18595162"/>
+            <a:ext cx="9144000" cy="5486400"/>
+          </a:xfrm>
+          <a:prstGeom prst="rect">
+            <a:avLst/>
+          </a:prstGeom>
+        </p:spPr>
+      </p:pic>
+      <p:pic>
+        <p:nvPicPr>
+          <p:cNvPr id="19" name="Picture 18" descr="A picture containing text, diagram, plot, line&#10;&#10;Description automatically generated">
+            <a:extLst>
+              <a:ext uri="{FF2B5EF4-FFF2-40B4-BE49-F238E27FC236}">
+                <a16:creationId xmlns:a16="http://schemas.microsoft.com/office/drawing/2014/main" id="{1D90C954-C4BF-FD27-0BD1-0C1E40F43CC9}"/>
+              </a:ext>
+            </a:extLst>
+          </p:cNvPr>
+          <p:cNvPicPr>
+            <a:picLocks noChangeAspect="1"/>
+          </p:cNvPicPr>
+          <p:nvPr/>
+        </p:nvPicPr>
+        <p:blipFill>
+          <a:blip r:embed="rId7">
+            <a:extLst>
+              <a:ext uri="{28A0092B-C50C-407E-A947-70E740481C1C}">
+                <a14:useLocalDpi xmlns:a14="http://schemas.microsoft.com/office/drawing/2010/main" val="0"/>
+              </a:ext>
+            </a:extLst>
+          </a:blip>
+          <a:stretch>
+            <a:fillRect/>
+          </a:stretch>
+        </p:blipFill>
+        <p:spPr>
+          <a:xfrm>
+            <a:off x="15456310" y="11871118"/>
+            <a:ext cx="9144000" cy="5486400"/>
+          </a:xfrm>
+          <a:prstGeom prst="rect">
+            <a:avLst/>
+          </a:prstGeom>
+        </p:spPr>
+      </p:pic>
+      <p:pic>
+        <p:nvPicPr>
+          <p:cNvPr id="21" name="Picture 20" descr="A picture containing text, diagram, line, plot&#10;&#10;Description automatically generated">
+            <a:extLst>
+              <a:ext uri="{FF2B5EF4-FFF2-40B4-BE49-F238E27FC236}">
+                <a16:creationId xmlns:a16="http://schemas.microsoft.com/office/drawing/2014/main" id="{59BA1690-E80A-9442-54D3-7167D9B60940}"/>
+              </a:ext>
+            </a:extLst>
+          </p:cNvPr>
+          <p:cNvPicPr>
+            <a:picLocks noChangeAspect="1"/>
+          </p:cNvPicPr>
+          <p:nvPr/>
+        </p:nvPicPr>
+        <p:blipFill>
+          <a:blip r:embed="rId8">
+            <a:extLst>
+              <a:ext uri="{28A0092B-C50C-407E-A947-70E740481C1C}">
+                <a14:useLocalDpi xmlns:a14="http://schemas.microsoft.com/office/drawing/2010/main" val="0"/>
+              </a:ext>
+            </a:extLst>
+          </a:blip>
+          <a:stretch>
+            <a:fillRect/>
+          </a:stretch>
+        </p:blipFill>
+        <p:spPr>
+          <a:xfrm>
+            <a:off x="20028310" y="24202027"/>
+            <a:ext cx="9144000" cy="5486400"/>
+          </a:xfrm>
+          <a:prstGeom prst="rect">
+            <a:avLst/>
+          </a:prstGeom>
+        </p:spPr>
+      </p:pic>
+      <p:graphicFrame>
+        <p:nvGraphicFramePr>
+          <p:cNvPr id="25" name="Table 24">
+            <a:extLst>
+              <a:ext uri="{FF2B5EF4-FFF2-40B4-BE49-F238E27FC236}">
+                <a16:creationId xmlns:a16="http://schemas.microsoft.com/office/drawing/2014/main" id="{1C7C5583-4E92-42BA-CDC5-332F860C9B86}"/>
+              </a:ext>
+            </a:extLst>
+          </p:cNvPr>
+          <p:cNvGraphicFramePr>
+            <a:graphicFrameLocks noGrp="1"/>
+          </p:cNvGraphicFramePr>
+          <p:nvPr/>
+        </p:nvGraphicFramePr>
+        <p:xfrm>
+          <a:off x="-7682015" y="17440942"/>
+          <a:ext cx="6832600" cy="2597849"/>
+        </p:xfrm>
+        <a:graphic>
+          <a:graphicData uri="http://schemas.openxmlformats.org/drawingml/2006/table">
+            <a:tbl>
+              <a:tblPr firstRow="1" firstCol="1" bandRow="1">
+                <a:tableStyleId>{2D5ABB26-0587-4C30-8999-92F81FD0307C}</a:tableStyleId>
+              </a:tblPr>
+              <a:tblGrid>
+                <a:gridCol w="1118870">
+                  <a:extLst>
+                    <a:ext uri="{9D8B030D-6E8A-4147-A177-3AD203B41FA5}">
+                      <a16:colId xmlns:a16="http://schemas.microsoft.com/office/drawing/2014/main" val="694928811"/>
+                    </a:ext>
+                  </a:extLst>
+                </a:gridCol>
+                <a:gridCol w="2856865">
+                  <a:extLst>
+                    <a:ext uri="{9D8B030D-6E8A-4147-A177-3AD203B41FA5}">
+                      <a16:colId xmlns:a16="http://schemas.microsoft.com/office/drawing/2014/main" val="3035277709"/>
+                    </a:ext>
+                  </a:extLst>
+                </a:gridCol>
+                <a:gridCol w="2856865">
+                  <a:extLst>
+                    <a:ext uri="{9D8B030D-6E8A-4147-A177-3AD203B41FA5}">
+                      <a16:colId xmlns:a16="http://schemas.microsoft.com/office/drawing/2014/main" val="2707887154"/>
+                    </a:ext>
+                  </a:extLst>
+                </a:gridCol>
+              </a:tblGrid>
+              <a:tr h="904685">
+                <a:tc>
+                  <a:txBody>
+                    <a:bodyPr/>
+                    <a:lstStyle/>
+                    <a:p>
+                      <a:pPr marL="0" marR="0" algn="ctr" rtl="0">
+                        <a:lnSpc>
+                          <a:spcPct val="107000"/>
+                        </a:lnSpc>
+                        <a:spcBef>
+                          <a:spcPts val="0"/>
+                        </a:spcBef>
+                        <a:spcAft>
+                          <a:spcPts val="0"/>
+                        </a:spcAft>
+                      </a:pPr>
+                      <a:r>
+                        <a:rPr lang="en-US" sz="2800" kern="100" dirty="0">
+                          <a:effectLst/>
+                          <a:latin typeface="Cambria Math" panose="02040503050406030204" pitchFamily="18" charset="0"/>
+                          <a:ea typeface="Cambria Math" panose="02040503050406030204" pitchFamily="18" charset="0"/>
+                        </a:rPr>
+                        <a:t>Group</a:t>
+                      </a:r>
+                      <a:endParaRPr lang="en-US" sz="2800" kern="100" dirty="0">
+                        <a:effectLst/>
+                        <a:latin typeface="Cambria Math" panose="02040503050406030204" pitchFamily="18" charset="0"/>
+                        <a:ea typeface="Cambria Math" panose="02040503050406030204" pitchFamily="18" charset="0"/>
+                        <a:cs typeface="Arial" panose="020B0604020202020204" pitchFamily="34" charset="0"/>
+                      </a:endParaRPr>
+                    </a:p>
+                  </a:txBody>
+                  <a:tcPr marL="68580" marR="68580" marT="0" marB="0" anchor="ctr"/>
+                </a:tc>
+                <a:tc>
+                  <a:txBody>
+                    <a:bodyPr/>
+                    <a:lstStyle/>
+                    <a:p>
+                      <a:pPr marL="0" marR="0" algn="ctr" rtl="0">
+                        <a:lnSpc>
+                          <a:spcPct val="107000"/>
+                        </a:lnSpc>
+                        <a:spcBef>
+                          <a:spcPts val="0"/>
+                        </a:spcBef>
+                        <a:spcAft>
+                          <a:spcPts val="0"/>
+                        </a:spcAft>
+                      </a:pPr>
+                      <a:r>
+                        <a:rPr lang="en-US" sz="2800" kern="100" dirty="0">
+                          <a:effectLst/>
+                          <a:latin typeface="Cambria Math" panose="02040503050406030204" pitchFamily="18" charset="0"/>
+                          <a:ea typeface="Cambria Math" panose="02040503050406030204" pitchFamily="18" charset="0"/>
+                        </a:rPr>
+                        <a:t>First-year </a:t>
+                      </a:r>
+                      <a:br>
+                        <a:rPr lang="en-US" sz="2800" kern="100" dirty="0">
+                          <a:effectLst/>
+                          <a:latin typeface="Cambria Math" panose="02040503050406030204" pitchFamily="18" charset="0"/>
+                          <a:ea typeface="Cambria Math" panose="02040503050406030204" pitchFamily="18" charset="0"/>
+                        </a:rPr>
+                      </a:br>
+                      <a:r>
+                        <a:rPr lang="en-US" sz="2800" kern="100" dirty="0">
+                          <a:effectLst/>
+                          <a:latin typeface="Cambria Math" panose="02040503050406030204" pitchFamily="18" charset="0"/>
+                          <a:ea typeface="Cambria Math" panose="02040503050406030204" pitchFamily="18" charset="0"/>
+                        </a:rPr>
+                        <a:t>sickness rate (%)</a:t>
+                      </a:r>
+                      <a:endParaRPr lang="en-US" sz="2800" kern="100" dirty="0">
+                        <a:effectLst/>
+                        <a:latin typeface="Cambria Math" panose="02040503050406030204" pitchFamily="18" charset="0"/>
+                        <a:ea typeface="Cambria Math" panose="02040503050406030204" pitchFamily="18" charset="0"/>
+                        <a:cs typeface="Arial" panose="020B0604020202020204" pitchFamily="34" charset="0"/>
+                      </a:endParaRPr>
+                    </a:p>
+                  </a:txBody>
+                  <a:tcPr marL="68580" marR="68580" marT="0" marB="0" anchor="ctr"/>
+                </a:tc>
+                <a:tc>
+                  <a:txBody>
+                    <a:bodyPr/>
+                    <a:lstStyle/>
+                    <a:p>
+                      <a:pPr marL="0" marR="0" algn="ctr" rtl="0">
+                        <a:lnSpc>
+                          <a:spcPct val="107000"/>
+                        </a:lnSpc>
+                        <a:spcBef>
+                          <a:spcPts val="0"/>
+                        </a:spcBef>
+                        <a:spcAft>
+                          <a:spcPts val="0"/>
+                        </a:spcAft>
+                      </a:pPr>
+                      <a:r>
+                        <a:rPr lang="en-US" sz="2800" kern="100" dirty="0">
+                          <a:effectLst/>
+                          <a:latin typeface="Cambria Math" panose="02040503050406030204" pitchFamily="18" charset="0"/>
+                          <a:ea typeface="Cambria Math" panose="02040503050406030204" pitchFamily="18" charset="0"/>
+                        </a:rPr>
+                        <a:t>Second-year </a:t>
+                      </a:r>
+                      <a:br>
+                        <a:rPr lang="en-US" sz="2800" kern="100" dirty="0">
+                          <a:effectLst/>
+                          <a:latin typeface="Cambria Math" panose="02040503050406030204" pitchFamily="18" charset="0"/>
+                          <a:ea typeface="Cambria Math" panose="02040503050406030204" pitchFamily="18" charset="0"/>
+                        </a:rPr>
+                      </a:br>
+                      <a:r>
+                        <a:rPr lang="en-US" sz="2800" kern="100" dirty="0">
+                          <a:effectLst/>
+                          <a:latin typeface="Cambria Math" panose="02040503050406030204" pitchFamily="18" charset="0"/>
+                          <a:ea typeface="Cambria Math" panose="02040503050406030204" pitchFamily="18" charset="0"/>
+                        </a:rPr>
+                        <a:t>sickness rate (%)</a:t>
+                      </a:r>
+                      <a:endParaRPr lang="en-US" sz="2800" kern="100" dirty="0">
+                        <a:effectLst/>
+                        <a:latin typeface="Cambria Math" panose="02040503050406030204" pitchFamily="18" charset="0"/>
+                        <a:ea typeface="Cambria Math" panose="02040503050406030204" pitchFamily="18" charset="0"/>
+                        <a:cs typeface="Arial" panose="020B0604020202020204" pitchFamily="34" charset="0"/>
+                      </a:endParaRPr>
+                    </a:p>
+                  </a:txBody>
+                  <a:tcPr marL="68580" marR="68580" marT="0" marB="0" anchor="ctr"/>
+                </a:tc>
+                <a:extLst>
+                  <a:ext uri="{0D108BD9-81ED-4DB2-BD59-A6C34878D82A}">
+                    <a16:rowId xmlns:a16="http://schemas.microsoft.com/office/drawing/2014/main" val="2009120744"/>
+                  </a:ext>
+                </a:extLst>
+              </a:tr>
+              <a:tr h="416839">
+                <a:tc>
+                  <a:txBody>
+                    <a:bodyPr/>
+                    <a:lstStyle/>
+                    <a:p>
+                      <a:pPr marL="0" marR="0" algn="ctr" rtl="0">
+                        <a:lnSpc>
+                          <a:spcPct val="107000"/>
+                        </a:lnSpc>
+                        <a:spcBef>
+                          <a:spcPts val="0"/>
+                        </a:spcBef>
+                        <a:spcAft>
+                          <a:spcPts val="0"/>
+                        </a:spcAft>
+                      </a:pPr>
+                      <a:r>
+                        <a:rPr lang="en-US" sz="2800" kern="100">
+                          <a:effectLst/>
+                          <a:latin typeface="Cambria Math" panose="02040503050406030204" pitchFamily="18" charset="0"/>
+                          <a:ea typeface="Cambria Math" panose="02040503050406030204" pitchFamily="18" charset="0"/>
+                        </a:rPr>
+                        <a:t>1</a:t>
+                      </a:r>
+                      <a:endParaRPr lang="en-US" sz="2800" kern="100">
+                        <a:effectLst/>
+                        <a:latin typeface="Cambria Math" panose="02040503050406030204" pitchFamily="18" charset="0"/>
+                        <a:ea typeface="Cambria Math" panose="02040503050406030204" pitchFamily="18" charset="0"/>
+                        <a:cs typeface="Arial" panose="020B0604020202020204" pitchFamily="34" charset="0"/>
+                      </a:endParaRPr>
+                    </a:p>
+                  </a:txBody>
+                  <a:tcPr marL="68580" marR="68580" marT="0" marB="0" anchor="ctr"/>
+                </a:tc>
+                <a:tc>
+                  <a:txBody>
+                    <a:bodyPr/>
+                    <a:lstStyle/>
+                    <a:p>
+                      <a:pPr marL="0" marR="0" algn="ctr" rtl="0">
+                        <a:lnSpc>
+                          <a:spcPct val="107000"/>
+                        </a:lnSpc>
+                        <a:spcBef>
+                          <a:spcPts val="0"/>
+                        </a:spcBef>
+                        <a:spcAft>
+                          <a:spcPts val="0"/>
+                        </a:spcAft>
+                      </a:pPr>
+                      <a:r>
+                        <a:rPr lang="en-US" sz="2800" kern="100" dirty="0">
+                          <a:effectLst/>
+                          <a:latin typeface="Cambria Math" panose="02040503050406030204" pitchFamily="18" charset="0"/>
+                          <a:ea typeface="Cambria Math" panose="02040503050406030204" pitchFamily="18" charset="0"/>
+                        </a:rPr>
+                        <a:t>77</a:t>
+                      </a:r>
+                      <a:endParaRPr lang="en-US" sz="2800" kern="100" dirty="0">
+                        <a:effectLst/>
+                        <a:latin typeface="Cambria Math" panose="02040503050406030204" pitchFamily="18" charset="0"/>
+                        <a:ea typeface="Cambria Math" panose="02040503050406030204" pitchFamily="18" charset="0"/>
+                        <a:cs typeface="Arial" panose="020B0604020202020204" pitchFamily="34" charset="0"/>
+                      </a:endParaRPr>
+                    </a:p>
+                  </a:txBody>
+                  <a:tcPr marL="68580" marR="68580" marT="0" marB="0" anchor="ctr"/>
+                </a:tc>
+                <a:tc>
+                  <a:txBody>
+                    <a:bodyPr/>
+                    <a:lstStyle/>
+                    <a:p>
+                      <a:pPr marL="0" marR="0" algn="ctr" rtl="0">
+                        <a:lnSpc>
+                          <a:spcPct val="107000"/>
+                        </a:lnSpc>
+                        <a:spcBef>
+                          <a:spcPts val="0"/>
+                        </a:spcBef>
+                        <a:spcAft>
+                          <a:spcPts val="0"/>
+                        </a:spcAft>
+                      </a:pPr>
+                      <a:r>
+                        <a:rPr lang="en-US" sz="2800" kern="100" dirty="0">
+                          <a:effectLst/>
+                          <a:latin typeface="Cambria Math" panose="02040503050406030204" pitchFamily="18" charset="0"/>
+                          <a:ea typeface="Cambria Math" panose="02040503050406030204" pitchFamily="18" charset="0"/>
+                        </a:rPr>
+                        <a:t>52</a:t>
+                      </a:r>
+                      <a:endParaRPr lang="en-US" sz="2800" kern="100" dirty="0">
+                        <a:effectLst/>
+                        <a:latin typeface="Cambria Math" panose="02040503050406030204" pitchFamily="18" charset="0"/>
+                        <a:ea typeface="Cambria Math" panose="02040503050406030204" pitchFamily="18" charset="0"/>
+                        <a:cs typeface="Arial" panose="020B0604020202020204" pitchFamily="34" charset="0"/>
+                      </a:endParaRPr>
+                    </a:p>
+                  </a:txBody>
+                  <a:tcPr marL="68580" marR="68580" marT="0" marB="0" anchor="ctr"/>
+                </a:tc>
+                <a:extLst>
+                  <a:ext uri="{0D108BD9-81ED-4DB2-BD59-A6C34878D82A}">
+                    <a16:rowId xmlns:a16="http://schemas.microsoft.com/office/drawing/2014/main" val="304544607"/>
+                  </a:ext>
+                </a:extLst>
+              </a:tr>
+              <a:tr h="416839">
+                <a:tc>
+                  <a:txBody>
+                    <a:bodyPr/>
+                    <a:lstStyle/>
+                    <a:p>
+                      <a:pPr marL="0" marR="0" algn="ctr" rtl="0">
+                        <a:lnSpc>
+                          <a:spcPct val="107000"/>
+                        </a:lnSpc>
+                        <a:spcBef>
+                          <a:spcPts val="0"/>
+                        </a:spcBef>
+                        <a:spcAft>
+                          <a:spcPts val="0"/>
+                        </a:spcAft>
+                      </a:pPr>
+                      <a:r>
+                        <a:rPr lang="en-US" sz="2800" kern="100">
+                          <a:effectLst/>
+                          <a:latin typeface="Cambria Math" panose="02040503050406030204" pitchFamily="18" charset="0"/>
+                          <a:ea typeface="Cambria Math" panose="02040503050406030204" pitchFamily="18" charset="0"/>
+                        </a:rPr>
+                        <a:t>2</a:t>
+                      </a:r>
+                      <a:endParaRPr lang="en-US" sz="2800" kern="100">
+                        <a:effectLst/>
+                        <a:latin typeface="Cambria Math" panose="02040503050406030204" pitchFamily="18" charset="0"/>
+                        <a:ea typeface="Cambria Math" panose="02040503050406030204" pitchFamily="18" charset="0"/>
+                        <a:cs typeface="Arial" panose="020B0604020202020204" pitchFamily="34" charset="0"/>
+                      </a:endParaRPr>
+                    </a:p>
+                  </a:txBody>
+                  <a:tcPr marL="68580" marR="68580" marT="0" marB="0" anchor="ctr"/>
+                </a:tc>
+                <a:tc>
+                  <a:txBody>
+                    <a:bodyPr/>
+                    <a:lstStyle/>
+                    <a:p>
+                      <a:pPr marL="0" marR="0" algn="ctr" rtl="0">
+                        <a:lnSpc>
+                          <a:spcPct val="107000"/>
+                        </a:lnSpc>
+                        <a:spcBef>
+                          <a:spcPts val="0"/>
+                        </a:spcBef>
+                        <a:spcAft>
+                          <a:spcPts val="0"/>
+                        </a:spcAft>
+                      </a:pPr>
+                      <a:r>
+                        <a:rPr lang="en-US" sz="2800" kern="100" dirty="0">
+                          <a:effectLst/>
+                          <a:latin typeface="Cambria Math" panose="02040503050406030204" pitchFamily="18" charset="0"/>
+                          <a:ea typeface="Cambria Math" panose="02040503050406030204" pitchFamily="18" charset="0"/>
+                        </a:rPr>
+                        <a:t>56</a:t>
+                      </a:r>
+                      <a:endParaRPr lang="en-US" sz="2800" kern="100" dirty="0">
+                        <a:effectLst/>
+                        <a:latin typeface="Cambria Math" panose="02040503050406030204" pitchFamily="18" charset="0"/>
+                        <a:ea typeface="Cambria Math" panose="02040503050406030204" pitchFamily="18" charset="0"/>
+                        <a:cs typeface="Arial" panose="020B0604020202020204" pitchFamily="34" charset="0"/>
+                      </a:endParaRPr>
+                    </a:p>
+                  </a:txBody>
+                  <a:tcPr marL="68580" marR="68580" marT="0" marB="0" anchor="ctr"/>
+                </a:tc>
+                <a:tc>
+                  <a:txBody>
+                    <a:bodyPr/>
+                    <a:lstStyle/>
+                    <a:p>
+                      <a:pPr marL="0" marR="0" algn="ctr" rtl="0">
+                        <a:lnSpc>
+                          <a:spcPct val="107000"/>
+                        </a:lnSpc>
+                        <a:spcBef>
+                          <a:spcPts val="0"/>
+                        </a:spcBef>
+                        <a:spcAft>
+                          <a:spcPts val="0"/>
+                        </a:spcAft>
+                      </a:pPr>
+                      <a:r>
+                        <a:rPr lang="en-US" sz="2800" kern="100" dirty="0">
+                          <a:effectLst/>
+                          <a:latin typeface="Cambria Math" panose="02040503050406030204" pitchFamily="18" charset="0"/>
+                          <a:ea typeface="Cambria Math" panose="02040503050406030204" pitchFamily="18" charset="0"/>
+                        </a:rPr>
+                        <a:t>59</a:t>
+                      </a:r>
+                      <a:endParaRPr lang="en-US" sz="2800" kern="100" dirty="0">
+                        <a:effectLst/>
+                        <a:latin typeface="Cambria Math" panose="02040503050406030204" pitchFamily="18" charset="0"/>
+                        <a:ea typeface="Cambria Math" panose="02040503050406030204" pitchFamily="18" charset="0"/>
+                        <a:cs typeface="Arial" panose="020B0604020202020204" pitchFamily="34" charset="0"/>
+                      </a:endParaRPr>
+                    </a:p>
+                  </a:txBody>
+                  <a:tcPr marL="68580" marR="68580" marT="0" marB="0" anchor="ctr"/>
+                </a:tc>
+                <a:extLst>
+                  <a:ext uri="{0D108BD9-81ED-4DB2-BD59-A6C34878D82A}">
+                    <a16:rowId xmlns:a16="http://schemas.microsoft.com/office/drawing/2014/main" val="545208140"/>
+                  </a:ext>
+                </a:extLst>
+              </a:tr>
+              <a:tr h="416839">
+                <a:tc>
+                  <a:txBody>
+                    <a:bodyPr/>
+                    <a:lstStyle/>
+                    <a:p>
+                      <a:pPr marL="0" marR="0" algn="ctr" rtl="0">
+                        <a:lnSpc>
+                          <a:spcPct val="107000"/>
+                        </a:lnSpc>
+                        <a:spcBef>
+                          <a:spcPts val="0"/>
+                        </a:spcBef>
+                        <a:spcAft>
+                          <a:spcPts val="0"/>
+                        </a:spcAft>
+                      </a:pPr>
+                      <a:r>
+                        <a:rPr lang="en-US" sz="2800" kern="100">
+                          <a:effectLst/>
+                          <a:latin typeface="Cambria Math" panose="02040503050406030204" pitchFamily="18" charset="0"/>
+                          <a:ea typeface="Cambria Math" panose="02040503050406030204" pitchFamily="18" charset="0"/>
+                        </a:rPr>
+                        <a:t>3</a:t>
+                      </a:r>
+                      <a:endParaRPr lang="en-US" sz="2800" kern="100">
+                        <a:effectLst/>
+                        <a:latin typeface="Cambria Math" panose="02040503050406030204" pitchFamily="18" charset="0"/>
+                        <a:ea typeface="Cambria Math" panose="02040503050406030204" pitchFamily="18" charset="0"/>
+                        <a:cs typeface="Arial" panose="020B0604020202020204" pitchFamily="34" charset="0"/>
+                      </a:endParaRPr>
+                    </a:p>
+                  </a:txBody>
+                  <a:tcPr marL="68580" marR="68580" marT="0" marB="0" anchor="ctr"/>
+                </a:tc>
+                <a:tc>
+                  <a:txBody>
+                    <a:bodyPr/>
+                    <a:lstStyle/>
+                    <a:p>
+                      <a:pPr marL="0" marR="0" algn="ctr" rtl="0">
+                        <a:lnSpc>
+                          <a:spcPct val="107000"/>
+                        </a:lnSpc>
+                        <a:spcBef>
+                          <a:spcPts val="0"/>
+                        </a:spcBef>
+                        <a:spcAft>
+                          <a:spcPts val="0"/>
+                        </a:spcAft>
+                      </a:pPr>
+                      <a:r>
+                        <a:rPr lang="en-US" sz="2800" kern="100" dirty="0">
+                          <a:effectLst/>
+                          <a:latin typeface="Cambria Math" panose="02040503050406030204" pitchFamily="18" charset="0"/>
+                          <a:ea typeface="Cambria Math" panose="02040503050406030204" pitchFamily="18" charset="0"/>
+                        </a:rPr>
+                        <a:t>71</a:t>
+                      </a:r>
+                      <a:endParaRPr lang="en-US" sz="2800" kern="100" dirty="0">
+                        <a:effectLst/>
+                        <a:latin typeface="Cambria Math" panose="02040503050406030204" pitchFamily="18" charset="0"/>
+                        <a:ea typeface="Cambria Math" panose="02040503050406030204" pitchFamily="18" charset="0"/>
+                        <a:cs typeface="Arial" panose="020B0604020202020204" pitchFamily="34" charset="0"/>
+                      </a:endParaRPr>
+                    </a:p>
+                  </a:txBody>
+                  <a:tcPr marL="68580" marR="68580" marT="0" marB="0" anchor="ctr"/>
+                </a:tc>
+                <a:tc>
+                  <a:txBody>
+                    <a:bodyPr/>
+                    <a:lstStyle/>
+                    <a:p>
+                      <a:pPr marL="0" marR="0" algn="ctr" rtl="0">
+                        <a:lnSpc>
+                          <a:spcPct val="107000"/>
+                        </a:lnSpc>
+                        <a:spcBef>
+                          <a:spcPts val="0"/>
+                        </a:spcBef>
+                        <a:spcAft>
+                          <a:spcPts val="0"/>
+                        </a:spcAft>
+                      </a:pPr>
+                      <a:r>
+                        <a:rPr lang="en-US" sz="2800" kern="100" dirty="0">
+                          <a:effectLst/>
+                          <a:latin typeface="Cambria Math" panose="02040503050406030204" pitchFamily="18" charset="0"/>
+                          <a:ea typeface="Cambria Math" panose="02040503050406030204" pitchFamily="18" charset="0"/>
+                        </a:rPr>
+                        <a:t>68</a:t>
+                      </a:r>
+                      <a:endParaRPr lang="en-US" sz="2800" kern="100" dirty="0">
+                        <a:effectLst/>
+                        <a:latin typeface="Cambria Math" panose="02040503050406030204" pitchFamily="18" charset="0"/>
+                        <a:ea typeface="Cambria Math" panose="02040503050406030204" pitchFamily="18" charset="0"/>
+                        <a:cs typeface="Arial" panose="020B0604020202020204" pitchFamily="34" charset="0"/>
+                      </a:endParaRPr>
+                    </a:p>
+                  </a:txBody>
+                  <a:tcPr marL="68580" marR="68580" marT="0" marB="0" anchor="ctr"/>
+                </a:tc>
+                <a:extLst>
+                  <a:ext uri="{0D108BD9-81ED-4DB2-BD59-A6C34878D82A}">
+                    <a16:rowId xmlns:a16="http://schemas.microsoft.com/office/drawing/2014/main" val="3799792934"/>
+                  </a:ext>
+                </a:extLst>
+              </a:tr>
+              <a:tr h="416839">
+                <a:tc>
+                  <a:txBody>
+                    <a:bodyPr/>
+                    <a:lstStyle/>
+                    <a:p>
+                      <a:pPr marL="0" marR="0" algn="ctr" rtl="0">
+                        <a:lnSpc>
+                          <a:spcPct val="107000"/>
+                        </a:lnSpc>
+                        <a:spcBef>
+                          <a:spcPts val="0"/>
+                        </a:spcBef>
+                        <a:spcAft>
+                          <a:spcPts val="0"/>
+                        </a:spcAft>
+                      </a:pPr>
+                      <a:r>
+                        <a:rPr lang="en-US" sz="2800" kern="100" dirty="0">
+                          <a:effectLst/>
+                          <a:latin typeface="Cambria Math" panose="02040503050406030204" pitchFamily="18" charset="0"/>
+                          <a:ea typeface="Cambria Math" panose="02040503050406030204" pitchFamily="18" charset="0"/>
+                        </a:rPr>
+                        <a:t>4</a:t>
+                      </a:r>
+                      <a:endParaRPr lang="en-US" sz="2800" kern="100" dirty="0">
+                        <a:effectLst/>
+                        <a:latin typeface="Cambria Math" panose="02040503050406030204" pitchFamily="18" charset="0"/>
+                        <a:ea typeface="Cambria Math" panose="02040503050406030204" pitchFamily="18" charset="0"/>
+                        <a:cs typeface="Arial" panose="020B0604020202020204" pitchFamily="34" charset="0"/>
+                      </a:endParaRPr>
+                    </a:p>
+                  </a:txBody>
+                  <a:tcPr marL="68580" marR="68580" marT="0" marB="0" anchor="ctr"/>
+                </a:tc>
+                <a:tc>
+                  <a:txBody>
+                    <a:bodyPr/>
+                    <a:lstStyle/>
+                    <a:p>
+                      <a:pPr marL="0" marR="0" algn="ctr" rtl="0">
+                        <a:lnSpc>
+                          <a:spcPct val="107000"/>
+                        </a:lnSpc>
+                        <a:spcBef>
+                          <a:spcPts val="0"/>
+                        </a:spcBef>
+                        <a:spcAft>
+                          <a:spcPts val="0"/>
+                        </a:spcAft>
+                      </a:pPr>
+                      <a:r>
+                        <a:rPr lang="en-US" sz="2800" kern="100" dirty="0">
+                          <a:effectLst/>
+                          <a:latin typeface="Cambria Math" panose="02040503050406030204" pitchFamily="18" charset="0"/>
+                          <a:ea typeface="Cambria Math" panose="02040503050406030204" pitchFamily="18" charset="0"/>
+                        </a:rPr>
+                        <a:t>78</a:t>
+                      </a:r>
+                      <a:endParaRPr lang="en-US" sz="2800" kern="100" dirty="0">
+                        <a:effectLst/>
+                        <a:latin typeface="Cambria Math" panose="02040503050406030204" pitchFamily="18" charset="0"/>
+                        <a:ea typeface="Cambria Math" panose="02040503050406030204" pitchFamily="18" charset="0"/>
+                        <a:cs typeface="Arial" panose="020B0604020202020204" pitchFamily="34" charset="0"/>
+                      </a:endParaRPr>
+                    </a:p>
+                  </a:txBody>
+                  <a:tcPr marL="68580" marR="68580" marT="0" marB="0" anchor="ctr"/>
+                </a:tc>
+                <a:tc>
+                  <a:txBody>
+                    <a:bodyPr/>
+                    <a:lstStyle/>
+                    <a:p>
+                      <a:pPr marL="0" marR="0" algn="ctr" rtl="0">
+                        <a:lnSpc>
+                          <a:spcPct val="107000"/>
+                        </a:lnSpc>
+                        <a:spcBef>
+                          <a:spcPts val="0"/>
+                        </a:spcBef>
+                        <a:spcAft>
+                          <a:spcPts val="0"/>
+                        </a:spcAft>
+                      </a:pPr>
+                      <a:r>
+                        <a:rPr lang="en-US" sz="2800" kern="100" dirty="0">
+                          <a:effectLst/>
+                          <a:latin typeface="Cambria Math" panose="02040503050406030204" pitchFamily="18" charset="0"/>
+                          <a:ea typeface="Cambria Math" panose="02040503050406030204" pitchFamily="18" charset="0"/>
+                        </a:rPr>
+                        <a:t>68</a:t>
+                      </a:r>
+                      <a:endParaRPr lang="en-US" sz="2800" kern="100" dirty="0">
+                        <a:effectLst/>
+                        <a:latin typeface="Cambria Math" panose="02040503050406030204" pitchFamily="18" charset="0"/>
+                        <a:ea typeface="Cambria Math" panose="02040503050406030204" pitchFamily="18" charset="0"/>
+                        <a:cs typeface="Arial" panose="020B0604020202020204" pitchFamily="34" charset="0"/>
+                      </a:endParaRPr>
+                    </a:p>
+                  </a:txBody>
+                  <a:tcPr marL="68580" marR="68580" marT="0" marB="0" anchor="ctr"/>
+                </a:tc>
+                <a:extLst>
+                  <a:ext uri="{0D108BD9-81ED-4DB2-BD59-A6C34878D82A}">
+                    <a16:rowId xmlns:a16="http://schemas.microsoft.com/office/drawing/2014/main" val="1790511498"/>
+                  </a:ext>
+                </a:extLst>
+              </a:tr>
+            </a:tbl>
+          </a:graphicData>
+        </a:graphic>
+      </p:graphicFrame>
+    </p:spTree>
+    <p:extLst>
+      <p:ext uri="{BB962C8B-B14F-4D97-AF65-F5344CB8AC3E}">
+        <p14:creationId xmlns:p14="http://schemas.microsoft.com/office/powerpoint/2010/main" val="3381761132"/>
       </p:ext>
     </p:extLst>
   </p:cSld>

--- a/poster.pptx
+++ b/poster.pptx
@@ -129,12 +129,12 @@
   <pc:docChgLst>
     <pc:chgData name="Shahar Shalom" userId="c1657878-da89-43af-9535-4a8d3e59b096" providerId="ADAL" clId="{B1541A9E-69A3-4C64-B18D-7A7F88D200FD}"/>
     <pc:docChg chg="undo custSel addSld delSld modSld">
-      <pc:chgData name="Shahar Shalom" userId="c1657878-da89-43af-9535-4a8d3e59b096" providerId="ADAL" clId="{B1541A9E-69A3-4C64-B18D-7A7F88D200FD}" dt="2023-06-05T17:46:59.514" v="730" actId="478"/>
+      <pc:chgData name="Shahar Shalom" userId="c1657878-da89-43af-9535-4a8d3e59b096" providerId="ADAL" clId="{B1541A9E-69A3-4C64-B18D-7A7F88D200FD}" dt="2023-06-06T12:33:11.461" v="731" actId="1076"/>
       <pc:docMkLst>
         <pc:docMk/>
       </pc:docMkLst>
       <pc:sldChg chg="addSp delSp modSp mod">
-        <pc:chgData name="Shahar Shalom" userId="c1657878-da89-43af-9535-4a8d3e59b096" providerId="ADAL" clId="{B1541A9E-69A3-4C64-B18D-7A7F88D200FD}" dt="2023-06-05T17:45:02.964" v="701" actId="14734"/>
+        <pc:chgData name="Shahar Shalom" userId="c1657878-da89-43af-9535-4a8d3e59b096" providerId="ADAL" clId="{B1541A9E-69A3-4C64-B18D-7A7F88D200FD}" dt="2023-06-06T12:33:11.461" v="731" actId="1076"/>
         <pc:sldMkLst>
           <pc:docMk/>
           <pc:sldMk cId="1000118881" sldId="256"/>
@@ -172,7 +172,7 @@
           </ac:spMkLst>
         </pc:spChg>
         <pc:graphicFrameChg chg="add mod modGraphic">
-          <ac:chgData name="Shahar Shalom" userId="c1657878-da89-43af-9535-4a8d3e59b096" providerId="ADAL" clId="{B1541A9E-69A3-4C64-B18D-7A7F88D200FD}" dt="2023-06-05T17:39:39.237" v="684" actId="1076"/>
+          <ac:chgData name="Shahar Shalom" userId="c1657878-da89-43af-9535-4a8d3e59b096" providerId="ADAL" clId="{B1541A9E-69A3-4C64-B18D-7A7F88D200FD}" dt="2023-06-06T12:33:11.461" v="731" actId="1076"/>
           <ac:graphicFrameMkLst>
             <pc:docMk/>
             <pc:sldMk cId="1000118881" sldId="256"/>
@@ -473,7 +473,7 @@
           <a:p>
             <a:fld id="{CFC00A23-1BFE-4A7E-A521-7B2182A093B7}" type="datetimeFigureOut">
               <a:rPr lang="he-IL" smtClean="0"/>
-              <a:t>ט"ז/סיון/תשפ"ג</a:t>
+              <a:t>י"ז/סיון/תשפ"ג</a:t>
             </a:fld>
             <a:endParaRPr lang="he-IL"/>
           </a:p>
@@ -872,7 +872,7 @@
           <a:p>
             <a:fld id="{449B0C55-391A-4BA7-BF59-0A370099757C}" type="datetimeFigureOut">
               <a:rPr lang="he-IL" smtClean="0"/>
-              <a:t>ט"ז/סיון/תשפ"ג</a:t>
+              <a:t>י"ז/סיון/תשפ"ג</a:t>
             </a:fld>
             <a:endParaRPr lang="he-IL"/>
           </a:p>
@@ -1042,7 +1042,7 @@
           <a:p>
             <a:fld id="{449B0C55-391A-4BA7-BF59-0A370099757C}" type="datetimeFigureOut">
               <a:rPr lang="he-IL" smtClean="0"/>
-              <a:t>ט"ז/סיון/תשפ"ג</a:t>
+              <a:t>י"ז/סיון/תשפ"ג</a:t>
             </a:fld>
             <a:endParaRPr lang="he-IL"/>
           </a:p>
@@ -1222,7 +1222,7 @@
           <a:p>
             <a:fld id="{449B0C55-391A-4BA7-BF59-0A370099757C}" type="datetimeFigureOut">
               <a:rPr lang="he-IL" smtClean="0"/>
-              <a:t>ט"ז/סיון/תשפ"ג</a:t>
+              <a:t>י"ז/סיון/תשפ"ג</a:t>
             </a:fld>
             <a:endParaRPr lang="he-IL"/>
           </a:p>
@@ -1392,7 +1392,7 @@
           <a:p>
             <a:fld id="{449B0C55-391A-4BA7-BF59-0A370099757C}" type="datetimeFigureOut">
               <a:rPr lang="he-IL" smtClean="0"/>
-              <a:t>ט"ז/סיון/תשפ"ג</a:t>
+              <a:t>י"ז/סיון/תשפ"ג</a:t>
             </a:fld>
             <a:endParaRPr lang="he-IL"/>
           </a:p>
@@ -1636,7 +1636,7 @@
           <a:p>
             <a:fld id="{449B0C55-391A-4BA7-BF59-0A370099757C}" type="datetimeFigureOut">
               <a:rPr lang="he-IL" smtClean="0"/>
-              <a:t>ט"ז/סיון/תשפ"ג</a:t>
+              <a:t>י"ז/סיון/תשפ"ג</a:t>
             </a:fld>
             <a:endParaRPr lang="he-IL"/>
           </a:p>
@@ -1868,7 +1868,7 @@
           <a:p>
             <a:fld id="{449B0C55-391A-4BA7-BF59-0A370099757C}" type="datetimeFigureOut">
               <a:rPr lang="he-IL" smtClean="0"/>
-              <a:t>ט"ז/סיון/תשפ"ג</a:t>
+              <a:t>י"ז/סיון/תשפ"ג</a:t>
             </a:fld>
             <a:endParaRPr lang="he-IL"/>
           </a:p>
@@ -2235,7 +2235,7 @@
           <a:p>
             <a:fld id="{449B0C55-391A-4BA7-BF59-0A370099757C}" type="datetimeFigureOut">
               <a:rPr lang="he-IL" smtClean="0"/>
-              <a:t>ט"ז/סיון/תשפ"ג</a:t>
+              <a:t>י"ז/סיון/תשפ"ג</a:t>
             </a:fld>
             <a:endParaRPr lang="he-IL"/>
           </a:p>
@@ -2353,7 +2353,7 @@
           <a:p>
             <a:fld id="{449B0C55-391A-4BA7-BF59-0A370099757C}" type="datetimeFigureOut">
               <a:rPr lang="he-IL" smtClean="0"/>
-              <a:t>ט"ז/סיון/תשפ"ג</a:t>
+              <a:t>י"ז/סיון/תשפ"ג</a:t>
             </a:fld>
             <a:endParaRPr lang="he-IL"/>
           </a:p>
@@ -2448,7 +2448,7 @@
           <a:p>
             <a:fld id="{449B0C55-391A-4BA7-BF59-0A370099757C}" type="datetimeFigureOut">
               <a:rPr lang="he-IL" smtClean="0"/>
-              <a:t>ט"ז/סיון/תשפ"ג</a:t>
+              <a:t>י"ז/סיון/תשפ"ג</a:t>
             </a:fld>
             <a:endParaRPr lang="he-IL"/>
           </a:p>
@@ -2725,7 +2725,7 @@
           <a:p>
             <a:fld id="{449B0C55-391A-4BA7-BF59-0A370099757C}" type="datetimeFigureOut">
               <a:rPr lang="he-IL" smtClean="0"/>
-              <a:t>ט"ז/סיון/תשפ"ג</a:t>
+              <a:t>י"ז/סיון/תשפ"ג</a:t>
             </a:fld>
             <a:endParaRPr lang="he-IL"/>
           </a:p>
@@ -2982,7 +2982,7 @@
           <a:p>
             <a:fld id="{449B0C55-391A-4BA7-BF59-0A370099757C}" type="datetimeFigureOut">
               <a:rPr lang="he-IL" smtClean="0"/>
-              <a:t>ט"ז/סיון/תשפ"ג</a:t>
+              <a:t>י"ז/סיון/תשפ"ג</a:t>
             </a:fld>
             <a:endParaRPr lang="he-IL"/>
           </a:p>
@@ -3195,7 +3195,7 @@
           <a:p>
             <a:fld id="{449B0C55-391A-4BA7-BF59-0A370099757C}" type="datetimeFigureOut">
               <a:rPr lang="he-IL" smtClean="0"/>
-              <a:t>ט"ז/סיון/תשפ"ג</a:t>
+              <a:t>י"ז/סיון/תשפ"ג</a:t>
             </a:fld>
             <a:endParaRPr lang="he-IL"/>
           </a:p>
@@ -5709,8 +5709,8 @@
           </a:graphicData>
         </a:graphic>
       </p:graphicFrame>
-      <mc:AlternateContent xmlns:mc="http://schemas.openxmlformats.org/markup-compatibility/2006">
-        <mc:Choice xmlns:a14="http://schemas.microsoft.com/office/drawing/2010/main" Requires="a14">
+      <mc:AlternateContent xmlns:mc="http://schemas.openxmlformats.org/markup-compatibility/2006" xmlns:a14="http://schemas.microsoft.com/office/drawing/2010/main">
+        <mc:Choice Requires="a14">
           <p:sp>
             <p:nvSpPr>
               <p:cNvPr id="4" name="TextBox 3">
@@ -5781,7 +5781,7 @@
                           <m:begChr m:val="{"/>
                           <m:endChr m:val=""/>
                           <m:ctrlPr>
-                            <a:rPr lang="en-US" sz="2800">
+                            <a:rPr lang="en-US" sz="2800" i="1">
                               <a:solidFill>
                                 <a:srgbClr val="836967"/>
                               </a:solidFill>
@@ -5793,7 +5793,7 @@
                           <m:eqArr>
                             <m:eqArrPr>
                               <m:ctrlPr>
-                                <a:rPr lang="en-US" sz="2800">
+                                <a:rPr lang="en-US" sz="2800" i="1">
                                   <a:solidFill>
                                     <a:srgbClr val="836967"/>
                                   </a:solidFill>
@@ -5818,13 +5818,7 @@
                                 <a:rPr lang="en-US" sz="2800" i="0">
                                   <a:latin typeface="Cambria Math" panose="02040503050406030204" pitchFamily="18" charset="0"/>
                                 </a:rPr>
-                                <m:t>                                           </m:t>
-                              </m:r>
-                              <m:r>
-                                <a:rPr lang="en-US" sz="2800" i="0">
-                                  <a:latin typeface="Cambria Math" panose="02040503050406030204" pitchFamily="18" charset="0"/>
-                                </a:rPr>
-                                <m:t> </m:t>
+                                <m:t>                                            </m:t>
                               </m:r>
                               <m:r>
                                 <m:rPr>
@@ -6234,7 +6228,7 @@
             </p:txBody>
           </p:sp>
         </mc:Choice>
-        <mc:Fallback>
+        <mc:Fallback xmlns="">
           <p:sp>
             <p:nvSpPr>
               <p:cNvPr id="4" name="TextBox 3">
@@ -6438,13 +6432,13 @@
           <p:nvPr>
             <p:extLst>
               <p:ext uri="{D42A27DB-BD31-4B8C-83A1-F6EECF244321}">
-                <p14:modId xmlns:p14="http://schemas.microsoft.com/office/powerpoint/2010/main" val="1790998923"/>
+                <p14:modId xmlns:p14="http://schemas.microsoft.com/office/powerpoint/2010/main" val="1384839691"/>
               </p:ext>
             </p:extLst>
           </p:nvPr>
         </p:nvGraphicFramePr>
         <p:xfrm>
-          <a:off x="-7682015" y="17440942"/>
+          <a:off x="-7521012" y="17584325"/>
           <a:ext cx="6832600" cy="2597849"/>
         </p:xfrm>
         <a:graphic>
@@ -9123,8 +9117,8 @@
           </a:graphicData>
         </a:graphic>
       </p:graphicFrame>
-      <mc:AlternateContent xmlns:mc="http://schemas.openxmlformats.org/markup-compatibility/2006">
-        <mc:Choice xmlns:a14="http://schemas.microsoft.com/office/drawing/2010/main" Requires="a14">
+      <mc:AlternateContent xmlns:mc="http://schemas.openxmlformats.org/markup-compatibility/2006" xmlns:a14="http://schemas.microsoft.com/office/drawing/2010/main">
+        <mc:Choice Requires="a14">
           <p:sp>
             <p:nvSpPr>
               <p:cNvPr id="4" name="TextBox 3">
@@ -9195,7 +9189,7 @@
                           <m:begChr m:val="{"/>
                           <m:endChr m:val=""/>
                           <m:ctrlPr>
-                            <a:rPr lang="en-US" sz="2800">
+                            <a:rPr lang="en-US" sz="2800" i="1">
                               <a:solidFill>
                                 <a:srgbClr val="836967"/>
                               </a:solidFill>
@@ -9207,7 +9201,7 @@
                           <m:eqArr>
                             <m:eqArrPr>
                               <m:ctrlPr>
-                                <a:rPr lang="en-US" sz="2800">
+                                <a:rPr lang="en-US" sz="2800" i="1">
                                   <a:solidFill>
                                     <a:srgbClr val="836967"/>
                                   </a:solidFill>
@@ -9220,19 +9214,25 @@
                                 <a:rPr lang="en-US" sz="2800" i="0">
                                   <a:latin typeface="Cambria Math" panose="02040503050406030204" pitchFamily="18" charset="0"/>
                                 </a:rPr>
-                                <m:t>&amp;1                                       </m:t>
-                              </m:r>
-                              <m:r>
-                                <a:rPr lang="en-US" sz="2800" b="0" i="0" smtClean="0">
+                                <m:t>&amp;</m:t>
+                              </m:r>
+                              <m:r>
+                                <a:rPr lang="en-US" sz="2800" i="0">
+                                  <a:latin typeface="Cambria Math" panose="02040503050406030204" pitchFamily="18" charset="0"/>
+                                </a:rPr>
+                                <m:t>1</m:t>
+                              </m:r>
+                              <m:r>
+                                <a:rPr lang="en-US" sz="2800" i="0">
+                                  <a:latin typeface="Cambria Math" panose="02040503050406030204" pitchFamily="18" charset="0"/>
+                                </a:rPr>
+                                <m:t>                                           </m:t>
+                              </m:r>
+                              <m:r>
+                                <a:rPr lang="en-US" sz="2800" i="0">
                                   <a:latin typeface="Cambria Math" panose="02040503050406030204" pitchFamily="18" charset="0"/>
                                 </a:rPr>
                                 <m:t> </m:t>
-                              </m:r>
-                              <m:r>
-                                <a:rPr lang="en-US" sz="2800" i="0">
-                                  <a:latin typeface="Cambria Math" panose="02040503050406030204" pitchFamily="18" charset="0"/>
-                                </a:rPr>
-                                <m:t>    </m:t>
                               </m:r>
                               <m:r>
                                 <m:rPr>
@@ -9277,7 +9277,31 @@
                                 <a:rPr lang="en-US" sz="2800" i="0">
                                   <a:latin typeface="Cambria Math" panose="02040503050406030204" pitchFamily="18" charset="0"/>
                                 </a:rPr>
-                                <m:t> 1, 2019 </m:t>
+                                <m:t> </m:t>
+                              </m:r>
+                              <m:r>
+                                <a:rPr lang="en-US" sz="2800" i="0">
+                                  <a:latin typeface="Cambria Math" panose="02040503050406030204" pitchFamily="18" charset="0"/>
+                                </a:rPr>
+                                <m:t>1</m:t>
+                              </m:r>
+                              <m:r>
+                                <a:rPr lang="en-US" sz="2800" i="0">
+                                  <a:latin typeface="Cambria Math" panose="02040503050406030204" pitchFamily="18" charset="0"/>
+                                </a:rPr>
+                                <m:t>, </m:t>
+                              </m:r>
+                              <m:r>
+                                <a:rPr lang="en-US" sz="2800" i="0">
+                                  <a:latin typeface="Cambria Math" panose="02040503050406030204" pitchFamily="18" charset="0"/>
+                                </a:rPr>
+                                <m:t>2019</m:t>
+                              </m:r>
+                              <m:r>
+                                <a:rPr lang="en-US" sz="2800" i="0">
+                                  <a:latin typeface="Cambria Math" panose="02040503050406030204" pitchFamily="18" charset="0"/>
+                                </a:rPr>
+                                <m:t> </m:t>
                               </m:r>
                             </m:e>
                             <m:e>
@@ -9285,7 +9309,19 @@
                                 <a:rPr lang="en-US" sz="2800" i="0">
                                   <a:latin typeface="Cambria Math" panose="02040503050406030204" pitchFamily="18" charset="0"/>
                                 </a:rPr>
-                                <m:t>&amp;2       </m:t>
+                                <m:t>&amp;</m:t>
+                              </m:r>
+                              <m:r>
+                                <a:rPr lang="en-US" sz="2800" i="0">
+                                  <a:latin typeface="Cambria Math" panose="02040503050406030204" pitchFamily="18" charset="0"/>
+                                </a:rPr>
+                                <m:t>2</m:t>
+                              </m:r>
+                              <m:r>
+                                <a:rPr lang="en-US" sz="2800" i="0">
+                                  <a:latin typeface="Cambria Math" panose="02040503050406030204" pitchFamily="18" charset="0"/>
+                                </a:rPr>
+                                <m:t>       </m:t>
                               </m:r>
                               <m:r>
                                 <m:rPr>
@@ -9300,7 +9336,31 @@
                                 <a:rPr lang="en-US" sz="2800" i="0">
                                   <a:latin typeface="Cambria Math" panose="02040503050406030204" pitchFamily="18" charset="0"/>
                                 </a:rPr>
-                                <m:t> 1, 2019≤</m:t>
+                                <m:t> </m:t>
+                              </m:r>
+                              <m:r>
+                                <a:rPr lang="en-US" sz="2800" i="0">
+                                  <a:latin typeface="Cambria Math" panose="02040503050406030204" pitchFamily="18" charset="0"/>
+                                </a:rPr>
+                                <m:t>1</m:t>
+                              </m:r>
+                              <m:r>
+                                <a:rPr lang="en-US" sz="2800" i="0">
+                                  <a:latin typeface="Cambria Math" panose="02040503050406030204" pitchFamily="18" charset="0"/>
+                                </a:rPr>
+                                <m:t>, </m:t>
+                              </m:r>
+                              <m:r>
+                                <a:rPr lang="en-US" sz="2800" i="0">
+                                  <a:latin typeface="Cambria Math" panose="02040503050406030204" pitchFamily="18" charset="0"/>
+                                </a:rPr>
+                                <m:t>2019</m:t>
+                              </m:r>
+                              <m:r>
+                                <a:rPr lang="en-US" sz="2800" i="0">
+                                  <a:latin typeface="Cambria Math" panose="02040503050406030204" pitchFamily="18" charset="0"/>
+                                </a:rPr>
+                                <m:t>≤</m:t>
                               </m:r>
                               <m:r>
                                 <m:rPr>
@@ -9345,7 +9405,25 @@
                                 <a:rPr lang="en-US" sz="2800" i="0">
                                   <a:latin typeface="Cambria Math" panose="02040503050406030204" pitchFamily="18" charset="0"/>
                                 </a:rPr>
-                                <m:t> 11, 2019</m:t>
+                                <m:t> </m:t>
+                              </m:r>
+                              <m:r>
+                                <a:rPr lang="en-US" sz="2800" i="0">
+                                  <a:latin typeface="Cambria Math" panose="02040503050406030204" pitchFamily="18" charset="0"/>
+                                </a:rPr>
+                                <m:t>11</m:t>
+                              </m:r>
+                              <m:r>
+                                <a:rPr lang="en-US" sz="2800" i="0">
+                                  <a:latin typeface="Cambria Math" panose="02040503050406030204" pitchFamily="18" charset="0"/>
+                                </a:rPr>
+                                <m:t>, </m:t>
+                              </m:r>
+                              <m:r>
+                                <a:rPr lang="en-US" sz="2800" i="0">
+                                  <a:latin typeface="Cambria Math" panose="02040503050406030204" pitchFamily="18" charset="0"/>
+                                </a:rPr>
+                                <m:t>2019</m:t>
                               </m:r>
                             </m:e>
                             <m:e>
@@ -9353,7 +9431,19 @@
                                 <a:rPr lang="en-US" sz="2800" i="0">
                                   <a:latin typeface="Cambria Math" panose="02040503050406030204" pitchFamily="18" charset="0"/>
                                 </a:rPr>
-                                <m:t>&amp;3             </m:t>
+                                <m:t>&amp;</m:t>
+                              </m:r>
+                              <m:r>
+                                <a:rPr lang="en-US" sz="2800" i="0">
+                                  <a:latin typeface="Cambria Math" panose="02040503050406030204" pitchFamily="18" charset="0"/>
+                                </a:rPr>
+                                <m:t>3</m:t>
+                              </m:r>
+                              <m:r>
+                                <a:rPr lang="en-US" sz="2800" i="0">
+                                  <a:latin typeface="Cambria Math" panose="02040503050406030204" pitchFamily="18" charset="0"/>
+                                </a:rPr>
+                                <m:t>             </m:t>
                               </m:r>
                               <m:r>
                                 <m:rPr>
@@ -9368,7 +9458,31 @@
                                 <a:rPr lang="en-US" sz="2800" i="0">
                                   <a:latin typeface="Cambria Math" panose="02040503050406030204" pitchFamily="18" charset="0"/>
                                 </a:rPr>
-                                <m:t> 11, 2019≤</m:t>
+                                <m:t> </m:t>
+                              </m:r>
+                              <m:r>
+                                <a:rPr lang="en-US" sz="2800" i="0">
+                                  <a:latin typeface="Cambria Math" panose="02040503050406030204" pitchFamily="18" charset="0"/>
+                                </a:rPr>
+                                <m:t>11</m:t>
+                              </m:r>
+                              <m:r>
+                                <a:rPr lang="en-US" sz="2800" i="0">
+                                  <a:latin typeface="Cambria Math" panose="02040503050406030204" pitchFamily="18" charset="0"/>
+                                </a:rPr>
+                                <m:t>, </m:t>
+                              </m:r>
+                              <m:r>
+                                <a:rPr lang="en-US" sz="2800" i="0">
+                                  <a:latin typeface="Cambria Math" panose="02040503050406030204" pitchFamily="18" charset="0"/>
+                                </a:rPr>
+                                <m:t>2019</m:t>
+                              </m:r>
+                              <m:r>
+                                <a:rPr lang="en-US" sz="2800" i="0">
+                                  <a:latin typeface="Cambria Math" panose="02040503050406030204" pitchFamily="18" charset="0"/>
+                                </a:rPr>
+                                <m:t>≤</m:t>
                               </m:r>
                               <m:r>
                                 <m:rPr>
@@ -9413,7 +9527,25 @@
                                 <a:rPr lang="en-US" sz="2800" i="0">
                                   <a:latin typeface="Cambria Math" panose="02040503050406030204" pitchFamily="18" charset="0"/>
                                 </a:rPr>
-                                <m:t> 7, 2021</m:t>
+                                <m:t> </m:t>
+                              </m:r>
+                              <m:r>
+                                <a:rPr lang="en-US" sz="2800" i="0">
+                                  <a:latin typeface="Cambria Math" panose="02040503050406030204" pitchFamily="18" charset="0"/>
+                                </a:rPr>
+                                <m:t>7</m:t>
+                              </m:r>
+                              <m:r>
+                                <a:rPr lang="en-US" sz="2800" i="0">
+                                  <a:latin typeface="Cambria Math" panose="02040503050406030204" pitchFamily="18" charset="0"/>
+                                </a:rPr>
+                                <m:t>, </m:t>
+                              </m:r>
+                              <m:r>
+                                <a:rPr lang="en-US" sz="2800" i="0">
+                                  <a:latin typeface="Cambria Math" panose="02040503050406030204" pitchFamily="18" charset="0"/>
+                                </a:rPr>
+                                <m:t>2021</m:t>
                               </m:r>
                             </m:e>
                             <m:e>
@@ -9421,7 +9553,13 @@
                                 <a:rPr lang="en-US" sz="2800" i="0">
                                   <a:latin typeface="Cambria Math" panose="02040503050406030204" pitchFamily="18" charset="0"/>
                                 </a:rPr>
-                                <m:t>&amp;4</m:t>
+                                <m:t>&amp;</m:t>
+                              </m:r>
+                              <m:r>
+                                <a:rPr lang="en-US" sz="2800" i="0">
+                                  <a:latin typeface="Cambria Math" panose="02040503050406030204" pitchFamily="18" charset="0"/>
+                                </a:rPr>
+                                <m:t>4</m:t>
                               </m:r>
                               <m:r>
                                 <a:rPr lang="en-US" sz="2800" b="0" i="0" smtClean="0">
@@ -9472,7 +9610,25 @@
                                 <a:rPr lang="en-US" sz="2800" i="0">
                                   <a:latin typeface="Cambria Math" panose="02040503050406030204" pitchFamily="18" charset="0"/>
                                 </a:rPr>
-                                <m:t> 7, 2021</m:t>
+                                <m:t> </m:t>
+                              </m:r>
+                              <m:r>
+                                <a:rPr lang="en-US" sz="2800" i="0">
+                                  <a:latin typeface="Cambria Math" panose="02040503050406030204" pitchFamily="18" charset="0"/>
+                                </a:rPr>
+                                <m:t>7</m:t>
+                              </m:r>
+                              <m:r>
+                                <a:rPr lang="en-US" sz="2800" i="0">
+                                  <a:latin typeface="Cambria Math" panose="02040503050406030204" pitchFamily="18" charset="0"/>
+                                </a:rPr>
+                                <m:t>, </m:t>
+                              </m:r>
+                              <m:r>
+                                <a:rPr lang="en-US" sz="2800" i="0">
+                                  <a:latin typeface="Cambria Math" panose="02040503050406030204" pitchFamily="18" charset="0"/>
+                                </a:rPr>
+                                <m:t>2021</m:t>
                               </m:r>
                             </m:e>
                           </m:eqArr>
@@ -9486,7 +9642,7 @@
             </p:txBody>
           </p:sp>
         </mc:Choice>
-        <mc:Fallback>
+        <mc:Fallback xmlns="">
           <p:sp>
             <p:nvSpPr>
               <p:cNvPr id="4" name="TextBox 3">

--- a/poster.pptx
+++ b/poster.pptx
@@ -5,11 +5,10 @@
     <p:sldMasterId id="2147483660" r:id="rId1"/>
   </p:sldMasterIdLst>
   <p:notesMasterIdLst>
-    <p:notesMasterId r:id="rId4"/>
+    <p:notesMasterId r:id="rId3"/>
   </p:notesMasterIdLst>
   <p:sldIdLst>
-    <p:sldId id="256" r:id="rId2"/>
-    <p:sldId id="257" r:id="rId3"/>
+    <p:sldId id="257" r:id="rId2"/>
   </p:sldIdLst>
   <p:sldSz cx="29519563" cy="34559875"/>
   <p:notesSz cx="6858000" cy="9144000"/>
@@ -119,7 +118,7 @@
 <file path=ppt/revisionInfo.xml><?xml version="1.0" encoding="utf-8"?>
 <p1510:revInfo xmlns:a="http://schemas.openxmlformats.org/drawingml/2006/main" xmlns:r="http://schemas.openxmlformats.org/officeDocument/2006/relationships" xmlns:p1510="http://schemas.microsoft.com/office/powerpoint/2015/10/main">
   <p1510:revLst>
-    <p1510:client id="{B1541A9E-69A3-4C64-B18D-7A7F88D200FD}" v="176" dt="2023-06-05T17:46:55.674"/>
+    <p1510:client id="{B1541A9E-69A3-4C64-B18D-7A7F88D200FD}" v="183" dt="2023-06-09T16:37:05.205"/>
   </p1510:revLst>
 </p1510:revInfo>
 </file>
@@ -129,12 +128,12 @@
   <pc:docChgLst>
     <pc:chgData name="Shahar Shalom" userId="c1657878-da89-43af-9535-4a8d3e59b096" providerId="ADAL" clId="{B1541A9E-69A3-4C64-B18D-7A7F88D200FD}"/>
     <pc:docChg chg="undo custSel addSld delSld modSld">
-      <pc:chgData name="Shahar Shalom" userId="c1657878-da89-43af-9535-4a8d3e59b096" providerId="ADAL" clId="{B1541A9E-69A3-4C64-B18D-7A7F88D200FD}" dt="2023-06-06T12:33:11.461" v="731" actId="1076"/>
+      <pc:chgData name="Shahar Shalom" userId="c1657878-da89-43af-9535-4a8d3e59b096" providerId="ADAL" clId="{B1541A9E-69A3-4C64-B18D-7A7F88D200FD}" dt="2023-06-09T16:37:41.997" v="926" actId="1076"/>
       <pc:docMkLst>
         <pc:docMk/>
       </pc:docMkLst>
-      <pc:sldChg chg="addSp delSp modSp mod">
-        <pc:chgData name="Shahar Shalom" userId="c1657878-da89-43af-9535-4a8d3e59b096" providerId="ADAL" clId="{B1541A9E-69A3-4C64-B18D-7A7F88D200FD}" dt="2023-06-06T12:33:11.461" v="731" actId="1076"/>
+      <pc:sldChg chg="addSp delSp modSp del mod">
+        <pc:chgData name="Shahar Shalom" userId="c1657878-da89-43af-9535-4a8d3e59b096" providerId="ADAL" clId="{B1541A9E-69A3-4C64-B18D-7A7F88D200FD}" dt="2023-06-09T13:46:45.294" v="742" actId="2696"/>
         <pc:sldMkLst>
           <pc:docMk/>
           <pc:sldMk cId="1000118881" sldId="256"/>
@@ -163,8 +162,8 @@
             <ac:spMk id="4" creationId="{902ED1D7-E996-EF69-829B-593F4BE2D5F1}"/>
           </ac:spMkLst>
         </pc:spChg>
-        <pc:spChg chg="mod">
-          <ac:chgData name="Shahar Shalom" userId="c1657878-da89-43af-9535-4a8d3e59b096" providerId="ADAL" clId="{B1541A9E-69A3-4C64-B18D-7A7F88D200FD}" dt="2023-06-05T14:52:11.784" v="27" actId="14100"/>
+        <pc:spChg chg="add del mod">
+          <ac:chgData name="Shahar Shalom" userId="c1657878-da89-43af-9535-4a8d3e59b096" providerId="ADAL" clId="{B1541A9E-69A3-4C64-B18D-7A7F88D200FD}" dt="2023-06-09T13:46:40.696" v="741" actId="1076"/>
           <ac:spMkLst>
             <pc:docMk/>
             <pc:sldMk cId="1000118881" sldId="256"/>
@@ -243,32 +242,32 @@
             <ac:picMk id="10" creationId="{F09E36AB-BD31-C8D6-A946-2EE58AE932C0}"/>
           </ac:picMkLst>
         </pc:picChg>
-        <pc:picChg chg="add mod">
-          <ac:chgData name="Shahar Shalom" userId="c1657878-da89-43af-9535-4a8d3e59b096" providerId="ADAL" clId="{B1541A9E-69A3-4C64-B18D-7A7F88D200FD}" dt="2023-06-05T17:34:48.356" v="669" actId="14100"/>
+        <pc:picChg chg="add del mod">
+          <ac:chgData name="Shahar Shalom" userId="c1657878-da89-43af-9535-4a8d3e59b096" providerId="ADAL" clId="{B1541A9E-69A3-4C64-B18D-7A7F88D200FD}" dt="2023-06-09T13:43:53.213" v="732" actId="478"/>
           <ac:picMkLst>
             <pc:docMk/>
             <pc:sldMk cId="1000118881" sldId="256"/>
             <ac:picMk id="12" creationId="{64B92B50-C75F-DFD6-5C24-3116D80DA9FB}"/>
           </ac:picMkLst>
         </pc:picChg>
-        <pc:picChg chg="add mod">
-          <ac:chgData name="Shahar Shalom" userId="c1657878-da89-43af-9535-4a8d3e59b096" providerId="ADAL" clId="{B1541A9E-69A3-4C64-B18D-7A7F88D200FD}" dt="2023-06-05T17:33:07.011" v="667" actId="1076"/>
+        <pc:picChg chg="add del mod">
+          <ac:chgData name="Shahar Shalom" userId="c1657878-da89-43af-9535-4a8d3e59b096" providerId="ADAL" clId="{B1541A9E-69A3-4C64-B18D-7A7F88D200FD}" dt="2023-06-09T13:43:54.005" v="734" actId="478"/>
           <ac:picMkLst>
             <pc:docMk/>
             <pc:sldMk cId="1000118881" sldId="256"/>
             <ac:picMk id="14" creationId="{76C44484-5FED-B635-14D0-FFCBD25AFD57}"/>
           </ac:picMkLst>
         </pc:picChg>
-        <pc:picChg chg="add mod">
-          <ac:chgData name="Shahar Shalom" userId="c1657878-da89-43af-9535-4a8d3e59b096" providerId="ADAL" clId="{B1541A9E-69A3-4C64-B18D-7A7F88D200FD}" dt="2023-06-05T17:34:48.356" v="669" actId="14100"/>
+        <pc:picChg chg="add del mod">
+          <ac:chgData name="Shahar Shalom" userId="c1657878-da89-43af-9535-4a8d3e59b096" providerId="ADAL" clId="{B1541A9E-69A3-4C64-B18D-7A7F88D200FD}" dt="2023-06-09T13:43:53.734" v="733" actId="478"/>
           <ac:picMkLst>
             <pc:docMk/>
             <pc:sldMk cId="1000118881" sldId="256"/>
             <ac:picMk id="19" creationId="{1D90C954-C4BF-FD27-0BD1-0C1E40F43CC9}"/>
           </ac:picMkLst>
         </pc:picChg>
-        <pc:picChg chg="add mod">
-          <ac:chgData name="Shahar Shalom" userId="c1657878-da89-43af-9535-4a8d3e59b096" providerId="ADAL" clId="{B1541A9E-69A3-4C64-B18D-7A7F88D200FD}" dt="2023-06-05T17:33:03.502" v="666" actId="1076"/>
+        <pc:picChg chg="add del mod">
+          <ac:chgData name="Shahar Shalom" userId="c1657878-da89-43af-9535-4a8d3e59b096" providerId="ADAL" clId="{B1541A9E-69A3-4C64-B18D-7A7F88D200FD}" dt="2023-06-09T13:43:54.311" v="735" actId="478"/>
           <ac:picMkLst>
             <pc:docMk/>
             <pc:sldMk cId="1000118881" sldId="256"/>
@@ -276,7 +275,7 @@
           </ac:picMkLst>
         </pc:picChg>
         <pc:picChg chg="add del">
-          <ac:chgData name="Shahar Shalom" userId="c1657878-da89-43af-9535-4a8d3e59b096" providerId="ADAL" clId="{B1541A9E-69A3-4C64-B18D-7A7F88D200FD}" dt="2023-06-05T17:40:25.444" v="687" actId="478"/>
+          <ac:chgData name="Shahar Shalom" userId="c1657878-da89-43af-9535-4a8d3e59b096" providerId="ADAL" clId="{B1541A9E-69A3-4C64-B18D-7A7F88D200FD}" dt="2023-06-09T13:46:39.469" v="740" actId="478"/>
           <ac:picMkLst>
             <pc:docMk/>
             <pc:sldMk cId="1000118881" sldId="256"/>
@@ -364,17 +363,97 @@
         </pc:graphicFrameChg>
       </pc:sldChg>
       <pc:sldChg chg="addSp delSp modSp add mod setBg">
-        <pc:chgData name="Shahar Shalom" userId="c1657878-da89-43af-9535-4a8d3e59b096" providerId="ADAL" clId="{B1541A9E-69A3-4C64-B18D-7A7F88D200FD}" dt="2023-06-05T17:46:59.514" v="730" actId="478"/>
+        <pc:chgData name="Shahar Shalom" userId="c1657878-da89-43af-9535-4a8d3e59b096" providerId="ADAL" clId="{B1541A9E-69A3-4C64-B18D-7A7F88D200FD}" dt="2023-06-09T16:37:41.997" v="926" actId="1076"/>
         <pc:sldMkLst>
           <pc:docMk/>
           <pc:sldMk cId="3381761132" sldId="257"/>
         </pc:sldMkLst>
+        <pc:spChg chg="add del">
+          <ac:chgData name="Shahar Shalom" userId="c1657878-da89-43af-9535-4a8d3e59b096" providerId="ADAL" clId="{B1541A9E-69A3-4C64-B18D-7A7F88D200FD}" dt="2023-06-09T16:37:07.113" v="898" actId="22"/>
+          <ac:spMkLst>
+            <pc:docMk/>
+            <pc:sldMk cId="3381761132" sldId="257"/>
+            <ac:spMk id="9" creationId="{26FBB0A4-3E0B-7593-35BB-17AA23C6F697}"/>
+          </ac:spMkLst>
+        </pc:spChg>
+        <pc:spChg chg="add mod">
+          <ac:chgData name="Shahar Shalom" userId="c1657878-da89-43af-9535-4a8d3e59b096" providerId="ADAL" clId="{B1541A9E-69A3-4C64-B18D-7A7F88D200FD}" dt="2023-06-09T16:37:41.997" v="926" actId="1076"/>
+          <ac:spMkLst>
+            <pc:docMk/>
+            <pc:sldMk cId="3381761132" sldId="257"/>
+            <ac:spMk id="11" creationId="{5B2E3B24-2FD4-D155-947E-C24B67FC83A3}"/>
+          </ac:spMkLst>
+        </pc:spChg>
+        <pc:graphicFrameChg chg="mod modGraphic">
+          <ac:chgData name="Shahar Shalom" userId="c1657878-da89-43af-9535-4a8d3e59b096" providerId="ADAL" clId="{B1541A9E-69A3-4C64-B18D-7A7F88D200FD}" dt="2023-06-09T16:37:04.017" v="896"/>
+          <ac:graphicFrameMkLst>
+            <pc:docMk/>
+            <pc:sldMk cId="3381761132" sldId="257"/>
+            <ac:graphicFrameMk id="37" creationId="{5F827F28-C2F2-38B5-29FB-77D425C2B5E8}"/>
+          </ac:graphicFrameMkLst>
+        </pc:graphicFrameChg>
+        <pc:picChg chg="add mod">
+          <ac:chgData name="Shahar Shalom" userId="c1657878-da89-43af-9535-4a8d3e59b096" providerId="ADAL" clId="{B1541A9E-69A3-4C64-B18D-7A7F88D200FD}" dt="2023-06-09T16:33:58.572" v="884" actId="1076"/>
+          <ac:picMkLst>
+            <pc:docMk/>
+            <pc:sldMk cId="3381761132" sldId="257"/>
+            <ac:picMk id="2" creationId="{4D3DD8C6-A50E-FF6D-12A9-5619F05F9D6E}"/>
+          </ac:picMkLst>
+        </pc:picChg>
         <pc:picChg chg="add del mod">
           <ac:chgData name="Shahar Shalom" userId="c1657878-da89-43af-9535-4a8d3e59b096" providerId="ADAL" clId="{B1541A9E-69A3-4C64-B18D-7A7F88D200FD}" dt="2023-06-05T17:46:59.514" v="730" actId="478"/>
           <ac:picMkLst>
             <pc:docMk/>
             <pc:sldMk cId="3381761132" sldId="257"/>
             <ac:picMk id="2" creationId="{D33EBBF8-6274-F417-5FDD-E6131869083F}"/>
+          </ac:picMkLst>
+        </pc:picChg>
+        <pc:picChg chg="add del mod">
+          <ac:chgData name="Shahar Shalom" userId="c1657878-da89-43af-9535-4a8d3e59b096" providerId="ADAL" clId="{B1541A9E-69A3-4C64-B18D-7A7F88D200FD}" dt="2023-06-09T16:34:43.812" v="888" actId="478"/>
+          <ac:picMkLst>
+            <pc:docMk/>
+            <pc:sldMk cId="3381761132" sldId="257"/>
+            <ac:picMk id="5" creationId="{9CD9A4D5-0574-FDD9-58F1-B1B35BD78770}"/>
+          </ac:picMkLst>
+        </pc:picChg>
+        <pc:picChg chg="add mod">
+          <ac:chgData name="Shahar Shalom" userId="c1657878-da89-43af-9535-4a8d3e59b096" providerId="ADAL" clId="{B1541A9E-69A3-4C64-B18D-7A7F88D200FD}" dt="2023-06-09T16:36:36.180" v="895" actId="1076"/>
+          <ac:picMkLst>
+            <pc:docMk/>
+            <pc:sldMk cId="3381761132" sldId="257"/>
+            <ac:picMk id="7" creationId="{EA535E9B-0EA1-B989-CA58-7A33EB9BB995}"/>
+          </ac:picMkLst>
+        </pc:picChg>
+        <pc:picChg chg="del">
+          <ac:chgData name="Shahar Shalom" userId="c1657878-da89-43af-9535-4a8d3e59b096" providerId="ADAL" clId="{B1541A9E-69A3-4C64-B18D-7A7F88D200FD}" dt="2023-06-09T13:46:50.422" v="743" actId="478"/>
+          <ac:picMkLst>
+            <pc:docMk/>
+            <pc:sldMk cId="3381761132" sldId="257"/>
+            <ac:picMk id="12" creationId="{64B92B50-C75F-DFD6-5C24-3116D80DA9FB}"/>
+          </ac:picMkLst>
+        </pc:picChg>
+        <pc:picChg chg="del">
+          <ac:chgData name="Shahar Shalom" userId="c1657878-da89-43af-9535-4a8d3e59b096" providerId="ADAL" clId="{B1541A9E-69A3-4C64-B18D-7A7F88D200FD}" dt="2023-06-09T13:46:50.422" v="743" actId="478"/>
+          <ac:picMkLst>
+            <pc:docMk/>
+            <pc:sldMk cId="3381761132" sldId="257"/>
+            <ac:picMk id="14" creationId="{76C44484-5FED-B635-14D0-FFCBD25AFD57}"/>
+          </ac:picMkLst>
+        </pc:picChg>
+        <pc:picChg chg="del">
+          <ac:chgData name="Shahar Shalom" userId="c1657878-da89-43af-9535-4a8d3e59b096" providerId="ADAL" clId="{B1541A9E-69A3-4C64-B18D-7A7F88D200FD}" dt="2023-06-09T13:46:50.422" v="743" actId="478"/>
+          <ac:picMkLst>
+            <pc:docMk/>
+            <pc:sldMk cId="3381761132" sldId="257"/>
+            <ac:picMk id="19" creationId="{1D90C954-C4BF-FD27-0BD1-0C1E40F43CC9}"/>
+          </ac:picMkLst>
+        </pc:picChg>
+        <pc:picChg chg="del">
+          <ac:chgData name="Shahar Shalom" userId="c1657878-da89-43af-9535-4a8d3e59b096" providerId="ADAL" clId="{B1541A9E-69A3-4C64-B18D-7A7F88D200FD}" dt="2023-06-09T13:46:50.422" v="743" actId="478"/>
+          <ac:picMkLst>
+            <pc:docMk/>
+            <pc:sldMk cId="3381761132" sldId="257"/>
+            <ac:picMk id="21" creationId="{59BA1690-E80A-9442-54D3-7167D9B60940}"/>
           </ac:picMkLst>
         </pc:picChg>
         <pc:picChg chg="del">
@@ -473,7 +552,7 @@
           <a:p>
             <a:fld id="{CFC00A23-1BFE-4A7E-A521-7B2182A093B7}" type="datetimeFigureOut">
               <a:rPr lang="he-IL" smtClean="0"/>
-              <a:t>י"ז/סיון/תשפ"ג</a:t>
+              <a:t>כ'/סיון/תשפ"ג</a:t>
             </a:fld>
             <a:endParaRPr lang="he-IL"/>
           </a:p>
@@ -872,7 +951,7 @@
           <a:p>
             <a:fld id="{449B0C55-391A-4BA7-BF59-0A370099757C}" type="datetimeFigureOut">
               <a:rPr lang="he-IL" smtClean="0"/>
-              <a:t>י"ז/סיון/תשפ"ג</a:t>
+              <a:t>כ'/סיון/תשפ"ג</a:t>
             </a:fld>
             <a:endParaRPr lang="he-IL"/>
           </a:p>
@@ -1042,7 +1121,7 @@
           <a:p>
             <a:fld id="{449B0C55-391A-4BA7-BF59-0A370099757C}" type="datetimeFigureOut">
               <a:rPr lang="he-IL" smtClean="0"/>
-              <a:t>י"ז/סיון/תשפ"ג</a:t>
+              <a:t>כ'/סיון/תשפ"ג</a:t>
             </a:fld>
             <a:endParaRPr lang="he-IL"/>
           </a:p>
@@ -1222,7 +1301,7 @@
           <a:p>
             <a:fld id="{449B0C55-391A-4BA7-BF59-0A370099757C}" type="datetimeFigureOut">
               <a:rPr lang="he-IL" smtClean="0"/>
-              <a:t>י"ז/סיון/תשפ"ג</a:t>
+              <a:t>כ'/סיון/תשפ"ג</a:t>
             </a:fld>
             <a:endParaRPr lang="he-IL"/>
           </a:p>
@@ -1392,7 +1471,7 @@
           <a:p>
             <a:fld id="{449B0C55-391A-4BA7-BF59-0A370099757C}" type="datetimeFigureOut">
               <a:rPr lang="he-IL" smtClean="0"/>
-              <a:t>י"ז/סיון/תשפ"ג</a:t>
+              <a:t>כ'/סיון/תשפ"ג</a:t>
             </a:fld>
             <a:endParaRPr lang="he-IL"/>
           </a:p>
@@ -1636,7 +1715,7 @@
           <a:p>
             <a:fld id="{449B0C55-391A-4BA7-BF59-0A370099757C}" type="datetimeFigureOut">
               <a:rPr lang="he-IL" smtClean="0"/>
-              <a:t>י"ז/סיון/תשפ"ג</a:t>
+              <a:t>כ'/סיון/תשפ"ג</a:t>
             </a:fld>
             <a:endParaRPr lang="he-IL"/>
           </a:p>
@@ -1868,7 +1947,7 @@
           <a:p>
             <a:fld id="{449B0C55-391A-4BA7-BF59-0A370099757C}" type="datetimeFigureOut">
               <a:rPr lang="he-IL" smtClean="0"/>
-              <a:t>י"ז/סיון/תשפ"ג</a:t>
+              <a:t>כ'/סיון/תשפ"ג</a:t>
             </a:fld>
             <a:endParaRPr lang="he-IL"/>
           </a:p>
@@ -2235,7 +2314,7 @@
           <a:p>
             <a:fld id="{449B0C55-391A-4BA7-BF59-0A370099757C}" type="datetimeFigureOut">
               <a:rPr lang="he-IL" smtClean="0"/>
-              <a:t>י"ז/סיון/תשפ"ג</a:t>
+              <a:t>כ'/סיון/תשפ"ג</a:t>
             </a:fld>
             <a:endParaRPr lang="he-IL"/>
           </a:p>
@@ -2353,7 +2432,7 @@
           <a:p>
             <a:fld id="{449B0C55-391A-4BA7-BF59-0A370099757C}" type="datetimeFigureOut">
               <a:rPr lang="he-IL" smtClean="0"/>
-              <a:t>י"ז/סיון/תשפ"ג</a:t>
+              <a:t>כ'/סיון/תשפ"ג</a:t>
             </a:fld>
             <a:endParaRPr lang="he-IL"/>
           </a:p>
@@ -2448,7 +2527,7 @@
           <a:p>
             <a:fld id="{449B0C55-391A-4BA7-BF59-0A370099757C}" type="datetimeFigureOut">
               <a:rPr lang="he-IL" smtClean="0"/>
-              <a:t>י"ז/סיון/תשפ"ג</a:t>
+              <a:t>כ'/סיון/תשפ"ג</a:t>
             </a:fld>
             <a:endParaRPr lang="he-IL"/>
           </a:p>
@@ -2725,7 +2804,7 @@
           <a:p>
             <a:fld id="{449B0C55-391A-4BA7-BF59-0A370099757C}" type="datetimeFigureOut">
               <a:rPr lang="he-IL" smtClean="0"/>
-              <a:t>י"ז/סיון/תשפ"ג</a:t>
+              <a:t>כ'/סיון/תשפ"ג</a:t>
             </a:fld>
             <a:endParaRPr lang="he-IL"/>
           </a:p>
@@ -2982,7 +3061,7 @@
           <a:p>
             <a:fld id="{449B0C55-391A-4BA7-BF59-0A370099757C}" type="datetimeFigureOut">
               <a:rPr lang="he-IL" smtClean="0"/>
-              <a:t>י"ז/סיון/תשפ"ג</a:t>
+              <a:t>כ'/סיון/תשפ"ג</a:t>
             </a:fld>
             <a:endParaRPr lang="he-IL"/>
           </a:p>
@@ -3195,7 +3274,7 @@
           <a:p>
             <a:fld id="{449B0C55-391A-4BA7-BF59-0A370099757C}" type="datetimeFigureOut">
               <a:rPr lang="he-IL" smtClean="0"/>
-              <a:t>י"ז/סיון/תשפ"ג</a:t>
+              <a:t>כ'/סיון/תשפ"ג</a:t>
             </a:fld>
             <a:endParaRPr lang="he-IL"/>
           </a:p>
@@ -3584,3485 +3663,6 @@
 </file>
 
 <file path=ppt/slides/slide1.xml><?xml version="1.0" encoding="utf-8"?>
-<p:sld xmlns:a="http://schemas.openxmlformats.org/drawingml/2006/main" xmlns:r="http://schemas.openxmlformats.org/officeDocument/2006/relationships" xmlns:p="http://schemas.openxmlformats.org/presentationml/2006/main">
-  <p:cSld>
-    <p:spTree>
-      <p:nvGrpSpPr>
-        <p:cNvPr id="1" name=""/>
-        <p:cNvGrpSpPr/>
-        <p:nvPr/>
-      </p:nvGrpSpPr>
-      <p:grpSpPr>
-        <a:xfrm>
-          <a:off x="0" y="0"/>
-          <a:ext cx="0" cy="0"/>
-          <a:chOff x="0" y="0"/>
-          <a:chExt cx="0" cy="0"/>
-        </a:xfrm>
-      </p:grpSpPr>
-      <p:pic>
-        <p:nvPicPr>
-          <p:cNvPr id="23" name="Picture 22" descr="A baby being fed by a spoon&#10;&#10;Description automatically generated with low confidence">
-            <a:extLst>
-              <a:ext uri="{FF2B5EF4-FFF2-40B4-BE49-F238E27FC236}">
-                <a16:creationId xmlns:a16="http://schemas.microsoft.com/office/drawing/2014/main" id="{C876177E-FB66-B35A-4A0E-0090808E5628}"/>
-              </a:ext>
-            </a:extLst>
-          </p:cNvPr>
-          <p:cNvPicPr>
-            <a:picLocks noChangeAspect="1"/>
-          </p:cNvPicPr>
-          <p:nvPr/>
-        </p:nvPicPr>
-        <p:blipFill rotWithShape="1">
-          <a:blip r:embed="rId2">
-            <a:alphaModFix amt="35000"/>
-            <a:duotone>
-              <a:schemeClr val="accent1">
-                <a:shade val="45000"/>
-                <a:satMod val="135000"/>
-              </a:schemeClr>
-              <a:prstClr val="white"/>
-            </a:duotone>
-            <a:extLst>
-              <a:ext uri="{28A0092B-C50C-407E-A947-70E740481C1C}">
-                <a14:useLocalDpi xmlns:a14="http://schemas.microsoft.com/office/drawing/2010/main" val="0"/>
-              </a:ext>
-            </a:extLst>
-          </a:blip>
-          <a:srcRect l="-1" r="43056"/>
-          <a:stretch/>
-        </p:blipFill>
-        <p:spPr>
-          <a:xfrm>
-            <a:off x="0" y="-1"/>
-            <a:ext cx="29519564" cy="34559875"/>
-          </a:xfrm>
-          <a:prstGeom prst="rect">
-            <a:avLst/>
-          </a:prstGeom>
-        </p:spPr>
-      </p:pic>
-      <p:pic>
-        <p:nvPicPr>
-          <p:cNvPr id="15" name="Picture 14" descr="A picture containing text, lighthouse, screenshot, design&#10;&#10;Description automatically generated">
-            <a:extLst>
-              <a:ext uri="{FF2B5EF4-FFF2-40B4-BE49-F238E27FC236}">
-                <a16:creationId xmlns:a16="http://schemas.microsoft.com/office/drawing/2014/main" id="{F548D39D-7CE9-BDAA-44D3-ABF53A3C1CC4}"/>
-              </a:ext>
-            </a:extLst>
-          </p:cNvPr>
-          <p:cNvPicPr>
-            <a:picLocks noChangeAspect="1"/>
-          </p:cNvPicPr>
-          <p:nvPr/>
-        </p:nvPicPr>
-        <p:blipFill>
-          <a:blip r:embed="rId3">
-            <a:duotone>
-              <a:schemeClr val="accent1">
-                <a:shade val="45000"/>
-                <a:satMod val="135000"/>
-              </a:schemeClr>
-              <a:prstClr val="white"/>
-            </a:duotone>
-            <a:extLst>
-              <a:ext uri="{BEBA8EAE-BF5A-486C-A8C5-ECC9F3942E4B}">
-                <a14:imgProps xmlns:a14="http://schemas.microsoft.com/office/drawing/2010/main">
-                  <a14:imgLayer r:embed="rId4">
-                    <a14:imgEffect>
-                      <a14:brightnessContrast bright="-40000" contrast="40000"/>
-                    </a14:imgEffect>
-                  </a14:imgLayer>
-                </a14:imgProps>
-              </a:ext>
-              <a:ext uri="{28A0092B-C50C-407E-A947-70E740481C1C}">
-                <a14:useLocalDpi xmlns:a14="http://schemas.microsoft.com/office/drawing/2010/main" val="0"/>
-              </a:ext>
-            </a:extLst>
-          </a:blip>
-          <a:stretch>
-            <a:fillRect/>
-          </a:stretch>
-        </p:blipFill>
-        <p:spPr>
-          <a:xfrm>
-            <a:off x="284728" y="228483"/>
-            <a:ext cx="2704641" cy="4339650"/>
-          </a:xfrm>
-          <a:prstGeom prst="rect">
-            <a:avLst/>
-          </a:prstGeom>
-        </p:spPr>
-      </p:pic>
-      <p:sp>
-        <p:nvSpPr>
-          <p:cNvPr id="16" name="TextBox 15">
-            <a:extLst>
-              <a:ext uri="{FF2B5EF4-FFF2-40B4-BE49-F238E27FC236}">
-                <a16:creationId xmlns:a16="http://schemas.microsoft.com/office/drawing/2014/main" id="{D98B7141-C41B-A5BE-701F-B9FA0C4CCF41}"/>
-              </a:ext>
-            </a:extLst>
-          </p:cNvPr>
-          <p:cNvSpPr txBox="1"/>
-          <p:nvPr/>
-        </p:nvSpPr>
-        <p:spPr>
-          <a:xfrm>
-            <a:off x="2362200" y="235974"/>
-            <a:ext cx="26810111" cy="4339650"/>
-          </a:xfrm>
-          <a:prstGeom prst="rect">
-            <a:avLst/>
-          </a:prstGeom>
-          <a:noFill/>
-        </p:spPr>
-        <p:txBody>
-          <a:bodyPr wrap="square" rtlCol="1">
-            <a:spAutoFit/>
-          </a:bodyPr>
-          <a:lstStyle/>
-          <a:p>
-            <a:pPr algn="ctr"/>
-            <a:r>
-              <a:rPr lang="en-US" sz="7200" b="1" dirty="0">
-                <a:solidFill>
-                  <a:schemeClr val="accent1">
-                    <a:lumMod val="50000"/>
-                  </a:schemeClr>
-                </a:solidFill>
-                <a:effectLst>
-                  <a:outerShdw blurRad="38100" dist="38100" dir="2700000" algn="tl">
-                    <a:srgbClr val="000000">
-                      <a:alpha val="43137"/>
-                    </a:srgbClr>
-                  </a:outerShdw>
-                </a:effectLst>
-                <a:latin typeface="+mj-lt"/>
-                <a:cs typeface="Arial" panose="020B0604020202020204" pitchFamily="34" charset="0"/>
-              </a:rPr>
-              <a:t>The Golden opportunity</a:t>
-            </a:r>
-            <a:br>
-              <a:rPr lang="en-US" sz="7200" b="1" dirty="0">
-                <a:solidFill>
-                  <a:schemeClr val="accent1">
-                    <a:lumMod val="50000"/>
-                  </a:schemeClr>
-                </a:solidFill>
-                <a:effectLst>
-                  <a:outerShdw blurRad="38100" dist="38100" dir="2700000" algn="tl">
-                    <a:srgbClr val="000000">
-                      <a:alpha val="43137"/>
-                    </a:srgbClr>
-                  </a:outerShdw>
-                </a:effectLst>
-                <a:latin typeface="+mj-lt"/>
-                <a:cs typeface="Arial" panose="020B0604020202020204" pitchFamily="34" charset="0"/>
-              </a:rPr>
-            </a:br>
-            <a:r>
-              <a:rPr lang="en-US" sz="7200" dirty="0">
-                <a:solidFill>
-                  <a:schemeClr val="accent1">
-                    <a:lumMod val="50000"/>
-                  </a:schemeClr>
-                </a:solidFill>
-                <a:effectLst>
-                  <a:outerShdw blurRad="38100" dist="38100" dir="2700000" algn="tl">
-                    <a:srgbClr val="000000">
-                      <a:alpha val="43137"/>
-                    </a:srgbClr>
-                  </a:outerShdw>
-                </a:effectLst>
-                <a:latin typeface="+mj-lt"/>
-                <a:cs typeface="Arial" panose="020B0604020202020204" pitchFamily="34" charset="0"/>
-              </a:rPr>
-              <a:t>Examining the effect of hygiene theory on utopian diseases in newborns</a:t>
-            </a:r>
-          </a:p>
-          <a:p>
-            <a:pPr algn="ctr"/>
-            <a:br>
-              <a:rPr lang="en-US" sz="4400" dirty="0">
-                <a:solidFill>
-                  <a:schemeClr val="accent1">
-                    <a:lumMod val="75000"/>
-                  </a:schemeClr>
-                </a:solidFill>
-                <a:latin typeface="+mj-lt"/>
-                <a:cs typeface="Arial" panose="020B0604020202020204" pitchFamily="34" charset="0"/>
-              </a:rPr>
-            </a:br>
-            <a:r>
-              <a:rPr lang="en-US" sz="4400" dirty="0">
-                <a:solidFill>
-                  <a:schemeClr val="accent1">
-                    <a:lumMod val="75000"/>
-                  </a:schemeClr>
-                </a:solidFill>
-                <a:latin typeface="+mj-lt"/>
-                <a:cs typeface="Arial" panose="020B0604020202020204" pitchFamily="34" charset="0"/>
-              </a:rPr>
-              <a:t>Shahar Shalom, Eden Anavim, Merav Pervil | Faculty Instructor: Prof. Micha Mandel</a:t>
-            </a:r>
-          </a:p>
-          <a:p>
-            <a:pPr algn="ctr"/>
-            <a:r>
-              <a:rPr lang="en-US" sz="4400" dirty="0">
-                <a:solidFill>
-                  <a:schemeClr val="accent1">
-                    <a:lumMod val="75000"/>
-                  </a:schemeClr>
-                </a:solidFill>
-                <a:latin typeface="+mj-lt"/>
-                <a:cs typeface="Arial" panose="020B0604020202020204" pitchFamily="34" charset="0"/>
-              </a:rPr>
-              <a:t>Counselee: Prof. Idit Lachover-Roth, Allergy &amp; Clinical Immunology Unit, Meir Medical Center, Israel</a:t>
-            </a:r>
-            <a:endParaRPr lang="he-IL" sz="4400" dirty="0">
-              <a:solidFill>
-                <a:schemeClr val="accent1">
-                  <a:lumMod val="75000"/>
-                </a:schemeClr>
-              </a:solidFill>
-              <a:latin typeface="+mj-lt"/>
-              <a:cs typeface="Arial" panose="020B0604020202020204" pitchFamily="34" charset="0"/>
-            </a:endParaRPr>
-          </a:p>
-        </p:txBody>
-      </p:sp>
-      <p:cxnSp>
-        <p:nvCxnSpPr>
-          <p:cNvPr id="18" name="Straight Connector 17">
-            <a:extLst>
-              <a:ext uri="{FF2B5EF4-FFF2-40B4-BE49-F238E27FC236}">
-                <a16:creationId xmlns:a16="http://schemas.microsoft.com/office/drawing/2014/main" id="{90E341BC-0408-73A7-ABEE-9364FC3EFFC0}"/>
-              </a:ext>
-            </a:extLst>
-          </p:cNvPr>
-          <p:cNvCxnSpPr/>
-          <p:nvPr/>
-        </p:nvCxnSpPr>
-        <p:spPr>
-          <a:xfrm flipV="1">
-            <a:off x="497914" y="4630517"/>
-            <a:ext cx="28674396" cy="7491"/>
-          </a:xfrm>
-          <a:prstGeom prst="line">
-            <a:avLst/>
-          </a:prstGeom>
-          <a:ln w="12700">
-            <a:solidFill>
-              <a:schemeClr val="bg1"/>
-            </a:solidFill>
-          </a:ln>
-          <a:effectLst>
-            <a:outerShdw blurRad="50800" dist="38100" dir="2700000" algn="tl" rotWithShape="0">
-              <a:prstClr val="black">
-                <a:alpha val="40000"/>
-              </a:prstClr>
-            </a:outerShdw>
-          </a:effectLst>
-        </p:spPr>
-        <p:style>
-          <a:lnRef idx="1">
-            <a:schemeClr val="dk1"/>
-          </a:lnRef>
-          <a:fillRef idx="0">
-            <a:schemeClr val="dk1"/>
-          </a:fillRef>
-          <a:effectRef idx="0">
-            <a:schemeClr val="dk1"/>
-          </a:effectRef>
-          <a:fontRef idx="minor">
-            <a:schemeClr val="tx1"/>
-          </a:fontRef>
-        </p:style>
-      </p:cxnSp>
-      <p:graphicFrame>
-        <p:nvGraphicFramePr>
-          <p:cNvPr id="29" name="Table 29">
-            <a:extLst>
-              <a:ext uri="{FF2B5EF4-FFF2-40B4-BE49-F238E27FC236}">
-                <a16:creationId xmlns:a16="http://schemas.microsoft.com/office/drawing/2014/main" id="{632DFCB4-1B29-05AE-D500-EF466CED6387}"/>
-              </a:ext>
-            </a:extLst>
-          </p:cNvPr>
-          <p:cNvGraphicFramePr>
-            <a:graphicFrameLocks noGrp="1"/>
-          </p:cNvGraphicFramePr>
-          <p:nvPr>
-            <p:extLst>
-              <p:ext uri="{D42A27DB-BD31-4B8C-83A1-F6EECF244321}">
-                <p14:modId xmlns:p14="http://schemas.microsoft.com/office/powerpoint/2010/main" val="1534244276"/>
-              </p:ext>
-            </p:extLst>
-          </p:nvPr>
-        </p:nvGraphicFramePr>
-        <p:xfrm>
-          <a:off x="-1" y="4952526"/>
-          <a:ext cx="14759781" cy="4252595"/>
-        </p:xfrm>
-        <a:graphic>
-          <a:graphicData uri="http://schemas.openxmlformats.org/drawingml/2006/table">
-            <a:tbl>
-              <a:tblPr rtl="1" firstRow="1" bandRow="1">
-                <a:tableStyleId>{F5AB1C69-6EDB-4FF4-983F-18BD219EF322}</a:tableStyleId>
-              </a:tblPr>
-              <a:tblGrid>
-                <a:gridCol w="14759781">
-                  <a:extLst>
-                    <a:ext uri="{9D8B030D-6E8A-4147-A177-3AD203B41FA5}">
-                      <a16:colId xmlns:a16="http://schemas.microsoft.com/office/drawing/2014/main" val="3747045786"/>
-                    </a:ext>
-                  </a:extLst>
-                </a:gridCol>
-              </a:tblGrid>
-              <a:tr h="0">
-                <a:tc>
-                  <a:txBody>
-                    <a:bodyPr/>
-                    <a:lstStyle/>
-                    <a:p>
-                      <a:pPr algn="ctr" rtl="0"/>
-                      <a:r>
-                        <a:rPr lang="en-US" sz="3200" dirty="0">
-                          <a:latin typeface="+mj-lt"/>
-                        </a:rPr>
-                        <a:t>Background</a:t>
-                      </a:r>
-                      <a:endParaRPr lang="he-IL" sz="3200" dirty="0">
-                        <a:latin typeface="+mj-lt"/>
-                      </a:endParaRPr>
-                    </a:p>
-                  </a:txBody>
-                  <a:tcPr anchor="ctr">
-                    <a:lnL w="38100" cap="flat" cmpd="sng" algn="ctr">
-                      <a:solidFill>
-                        <a:schemeClr val="bg1"/>
-                      </a:solidFill>
-                      <a:prstDash val="solid"/>
-                      <a:round/>
-                      <a:headEnd type="none" w="med" len="med"/>
-                      <a:tailEnd type="none" w="med" len="med"/>
-                    </a:lnL>
-                    <a:lnR w="38100" cap="flat" cmpd="sng" algn="ctr">
-                      <a:solidFill>
-                        <a:schemeClr val="bg1"/>
-                      </a:solidFill>
-                      <a:prstDash val="solid"/>
-                      <a:round/>
-                      <a:headEnd type="none" w="med" len="med"/>
-                      <a:tailEnd type="none" w="med" len="med"/>
-                    </a:lnR>
-                    <a:lnT w="38100" cap="flat" cmpd="sng" algn="ctr">
-                      <a:solidFill>
-                        <a:schemeClr val="bg1"/>
-                      </a:solidFill>
-                      <a:prstDash val="solid"/>
-                      <a:round/>
-                      <a:headEnd type="none" w="med" len="med"/>
-                      <a:tailEnd type="none" w="med" len="med"/>
-                    </a:lnT>
-                    <a:lnB w="38100" cap="flat" cmpd="sng" algn="ctr">
-                      <a:solidFill>
-                        <a:schemeClr val="bg1"/>
-                      </a:solidFill>
-                      <a:prstDash val="solid"/>
-                      <a:round/>
-                      <a:headEnd type="none" w="med" len="med"/>
-                      <a:tailEnd type="none" w="med" len="med"/>
-                    </a:lnB>
-                  </a:tcPr>
-                </a:tc>
-                <a:extLst>
-                  <a:ext uri="{0D108BD9-81ED-4DB2-BD59-A6C34878D82A}">
-                    <a16:rowId xmlns:a16="http://schemas.microsoft.com/office/drawing/2014/main" val="1815053329"/>
-                  </a:ext>
-                </a:extLst>
-              </a:tr>
-              <a:tr h="1984992">
-                <a:tc>
-                  <a:txBody>
-                    <a:bodyPr/>
-                    <a:lstStyle/>
-                    <a:p>
-                      <a:pPr marL="0" indent="0" algn="l" rtl="0">
-                        <a:lnSpc>
-                          <a:spcPct val="150000"/>
-                        </a:lnSpc>
-                        <a:buFont typeface="Arial" panose="020B0604020202020204" pitchFamily="34" charset="0"/>
-                        <a:buNone/>
-                      </a:pPr>
-                      <a:r>
-                        <a:rPr lang="en-US" sz="3200" dirty="0">
-                          <a:latin typeface="+mj-lt"/>
-                        </a:rPr>
-                        <a:t>COVID-19 had increased hygiene awareness. </a:t>
-                      </a:r>
-                      <a:br>
-                        <a:rPr lang="en-US" sz="3200" dirty="0">
-                          <a:latin typeface="+mj-lt"/>
-                        </a:rPr>
-                      </a:br>
-                      <a:r>
-                        <a:rPr lang="en-US" sz="3200" dirty="0">
-                          <a:latin typeface="+mj-lt"/>
-                        </a:rPr>
-                        <a:t>Following the pandemic, several studies led to the following findings:</a:t>
-                      </a:r>
-                    </a:p>
-                    <a:p>
-                      <a:pPr marL="457200" indent="-457200" algn="l" rtl="0">
-                        <a:lnSpc>
-                          <a:spcPct val="150000"/>
-                        </a:lnSpc>
-                        <a:buFont typeface="Arial" panose="020B0604020202020204" pitchFamily="34" charset="0"/>
-                        <a:buChar char="•"/>
-                      </a:pPr>
-                      <a:r>
-                        <a:rPr lang="en-US" sz="3200" dirty="0">
-                          <a:latin typeface="+mj-lt"/>
-                        </a:rPr>
-                        <a:t>Social distancing reduced the prevalence of pediatric non-COVID-19 infections.</a:t>
-                      </a:r>
-                    </a:p>
-                    <a:p>
-                      <a:pPr marL="457200" indent="-457200" algn="l" rtl="0">
-                        <a:lnSpc>
-                          <a:spcPct val="150000"/>
-                        </a:lnSpc>
-                        <a:buFont typeface="Arial" panose="020B0604020202020204" pitchFamily="34" charset="0"/>
-                        <a:buChar char="•"/>
-                      </a:pPr>
-                      <a:r>
-                        <a:rPr lang="en-US" sz="3200" dirty="0">
-                          <a:latin typeface="+mj-lt"/>
-                        </a:rPr>
-                        <a:t>Infants born in the first peek had significantly less respiratory morbidity in first year.</a:t>
-                      </a:r>
-                    </a:p>
-                    <a:p>
-                      <a:pPr marL="457200" indent="-457200" algn="l" rtl="0">
-                        <a:lnSpc>
-                          <a:spcPct val="150000"/>
-                        </a:lnSpc>
-                        <a:buFont typeface="Arial" panose="020B0604020202020204" pitchFamily="34" charset="0"/>
-                        <a:buChar char="•"/>
-                      </a:pPr>
-                      <a:r>
-                        <a:rPr lang="en-US" sz="3200" dirty="0">
-                          <a:latin typeface="+mj-lt"/>
-                        </a:rPr>
-                        <a:t>Increased pediatric viral infections following the first and second lockdowns.</a:t>
-                      </a:r>
-                    </a:p>
-                  </a:txBody>
-                  <a:tcPr>
-                    <a:lnL w="38100" cap="flat" cmpd="sng" algn="ctr">
-                      <a:solidFill>
-                        <a:schemeClr val="bg1"/>
-                      </a:solidFill>
-                      <a:prstDash val="solid"/>
-                      <a:round/>
-                      <a:headEnd type="none" w="med" len="med"/>
-                      <a:tailEnd type="none" w="med" len="med"/>
-                    </a:lnL>
-                    <a:lnR w="38100" cap="flat" cmpd="sng" algn="ctr">
-                      <a:solidFill>
-                        <a:schemeClr val="bg1"/>
-                      </a:solidFill>
-                      <a:prstDash val="solid"/>
-                      <a:round/>
-                      <a:headEnd type="none" w="med" len="med"/>
-                      <a:tailEnd type="none" w="med" len="med"/>
-                    </a:lnR>
-                    <a:lnT w="38100" cap="flat" cmpd="sng" algn="ctr">
-                      <a:solidFill>
-                        <a:schemeClr val="bg1"/>
-                      </a:solidFill>
-                      <a:prstDash val="solid"/>
-                      <a:round/>
-                      <a:headEnd type="none" w="med" len="med"/>
-                      <a:tailEnd type="none" w="med" len="med"/>
-                    </a:lnT>
-                    <a:lnB w="38100" cap="flat" cmpd="sng" algn="ctr">
-                      <a:solidFill>
-                        <a:schemeClr val="bg1"/>
-                      </a:solidFill>
-                      <a:prstDash val="solid"/>
-                      <a:round/>
-                      <a:headEnd type="none" w="med" len="med"/>
-                      <a:tailEnd type="none" w="med" len="med"/>
-                    </a:lnB>
-                    <a:lnTlToBr w="12700" cmpd="sng">
-                      <a:noFill/>
-                      <a:prstDash val="solid"/>
-                    </a:lnTlToBr>
-                    <a:lnBlToTr w="12700" cmpd="sng">
-                      <a:noFill/>
-                      <a:prstDash val="solid"/>
-                    </a:lnBlToTr>
-                    <a:noFill/>
-                  </a:tcPr>
-                </a:tc>
-                <a:extLst>
-                  <a:ext uri="{0D108BD9-81ED-4DB2-BD59-A6C34878D82A}">
-                    <a16:rowId xmlns:a16="http://schemas.microsoft.com/office/drawing/2014/main" val="1509631762"/>
-                  </a:ext>
-                </a:extLst>
-              </a:tr>
-            </a:tbl>
-          </a:graphicData>
-        </a:graphic>
-      </p:graphicFrame>
-      <p:graphicFrame>
-        <p:nvGraphicFramePr>
-          <p:cNvPr id="36" name="Table 29">
-            <a:extLst>
-              <a:ext uri="{FF2B5EF4-FFF2-40B4-BE49-F238E27FC236}">
-                <a16:creationId xmlns:a16="http://schemas.microsoft.com/office/drawing/2014/main" id="{B7C1B329-22CD-BFC1-156D-6264B8ED551F}"/>
-              </a:ext>
-            </a:extLst>
-          </p:cNvPr>
-          <p:cNvGraphicFramePr>
-            <a:graphicFrameLocks noGrp="1"/>
-          </p:cNvGraphicFramePr>
-          <p:nvPr>
-            <p:extLst>
-              <p:ext uri="{D42A27DB-BD31-4B8C-83A1-F6EECF244321}">
-                <p14:modId xmlns:p14="http://schemas.microsoft.com/office/powerpoint/2010/main" val="2190141626"/>
-              </p:ext>
-            </p:extLst>
-          </p:nvPr>
-        </p:nvGraphicFramePr>
-        <p:xfrm>
-          <a:off x="-2" y="9187259"/>
-          <a:ext cx="14759780" cy="2234917"/>
-        </p:xfrm>
-        <a:graphic>
-          <a:graphicData uri="http://schemas.openxmlformats.org/drawingml/2006/table">
-            <a:tbl>
-              <a:tblPr rtl="1" firstRow="1" bandRow="1">
-                <a:tableStyleId>{F5AB1C69-6EDB-4FF4-983F-18BD219EF322}</a:tableStyleId>
-              </a:tblPr>
-              <a:tblGrid>
-                <a:gridCol w="14759780">
-                  <a:extLst>
-                    <a:ext uri="{9D8B030D-6E8A-4147-A177-3AD203B41FA5}">
-                      <a16:colId xmlns:a16="http://schemas.microsoft.com/office/drawing/2014/main" val="3747045786"/>
-                    </a:ext>
-                  </a:extLst>
-                </a:gridCol>
-              </a:tblGrid>
-              <a:tr h="483077">
-                <a:tc>
-                  <a:txBody>
-                    <a:bodyPr/>
-                    <a:lstStyle/>
-                    <a:p>
-                      <a:pPr algn="ctr" rtl="0"/>
-                      <a:r>
-                        <a:rPr lang="en-US" sz="3200" dirty="0">
-                          <a:latin typeface="+mj-lt"/>
-                        </a:rPr>
-                        <a:t>Research Objective</a:t>
-                      </a:r>
-                      <a:endParaRPr lang="he-IL" sz="3200" dirty="0">
-                        <a:latin typeface="+mj-lt"/>
-                      </a:endParaRPr>
-                    </a:p>
-                  </a:txBody>
-                  <a:tcPr anchor="ctr">
-                    <a:lnL w="38100" cap="flat" cmpd="sng" algn="ctr">
-                      <a:solidFill>
-                        <a:schemeClr val="bg1"/>
-                      </a:solidFill>
-                      <a:prstDash val="solid"/>
-                      <a:round/>
-                      <a:headEnd type="none" w="med" len="med"/>
-                      <a:tailEnd type="none" w="med" len="med"/>
-                    </a:lnL>
-                    <a:lnR w="38100" cap="flat" cmpd="sng" algn="ctr">
-                      <a:solidFill>
-                        <a:schemeClr val="bg1"/>
-                      </a:solidFill>
-                      <a:prstDash val="solid"/>
-                      <a:round/>
-                      <a:headEnd type="none" w="med" len="med"/>
-                      <a:tailEnd type="none" w="med" len="med"/>
-                    </a:lnR>
-                    <a:lnT w="38100" cap="flat" cmpd="sng" algn="ctr">
-                      <a:solidFill>
-                        <a:schemeClr val="bg1"/>
-                      </a:solidFill>
-                      <a:prstDash val="solid"/>
-                      <a:round/>
-                      <a:headEnd type="none" w="med" len="med"/>
-                      <a:tailEnd type="none" w="med" len="med"/>
-                    </a:lnT>
-                    <a:lnB w="38100" cap="flat" cmpd="sng" algn="ctr">
-                      <a:solidFill>
-                        <a:schemeClr val="bg1"/>
-                      </a:solidFill>
-                      <a:prstDash val="solid"/>
-                      <a:round/>
-                      <a:headEnd type="none" w="med" len="med"/>
-                      <a:tailEnd type="none" w="med" len="med"/>
-                    </a:lnB>
-                  </a:tcPr>
-                </a:tc>
-                <a:extLst>
-                  <a:ext uri="{0D108BD9-81ED-4DB2-BD59-A6C34878D82A}">
-                    <a16:rowId xmlns:a16="http://schemas.microsoft.com/office/drawing/2014/main" val="1815053329"/>
-                  </a:ext>
-                </a:extLst>
-              </a:tr>
-              <a:tr h="1655797">
-                <a:tc>
-                  <a:txBody>
-                    <a:bodyPr/>
-                    <a:lstStyle/>
-                    <a:p>
-                      <a:pPr marL="0" indent="0" algn="l" rtl="0">
-                        <a:lnSpc>
-                          <a:spcPct val="150000"/>
-                        </a:lnSpc>
-                        <a:buFont typeface="Arial" panose="020B0604020202020204" pitchFamily="34" charset="0"/>
-                        <a:buNone/>
-                      </a:pPr>
-                      <a:r>
-                        <a:rPr lang="en-US" sz="3200" kern="1200" dirty="0">
-                          <a:solidFill>
-                            <a:schemeClr val="dk1"/>
-                          </a:solidFill>
-                          <a:latin typeface="+mj-lt"/>
-                          <a:ea typeface="+mn-ea"/>
-                          <a:cs typeface="+mn-cs"/>
-                        </a:rPr>
-                        <a:t>It was therefore a golden opportunity to assess the influence of a highly hygienic environment on atopic comorbidities in infants.</a:t>
-                      </a:r>
-                    </a:p>
-                  </a:txBody>
-                  <a:tcPr>
-                    <a:lnL w="38100" cap="flat" cmpd="sng" algn="ctr">
-                      <a:solidFill>
-                        <a:schemeClr val="bg1"/>
-                      </a:solidFill>
-                      <a:prstDash val="solid"/>
-                      <a:round/>
-                      <a:headEnd type="none" w="med" len="med"/>
-                      <a:tailEnd type="none" w="med" len="med"/>
-                    </a:lnL>
-                    <a:lnR w="38100" cap="flat" cmpd="sng" algn="ctr">
-                      <a:solidFill>
-                        <a:schemeClr val="bg1"/>
-                      </a:solidFill>
-                      <a:prstDash val="solid"/>
-                      <a:round/>
-                      <a:headEnd type="none" w="med" len="med"/>
-                      <a:tailEnd type="none" w="med" len="med"/>
-                    </a:lnR>
-                    <a:lnT w="38100" cap="flat" cmpd="sng" algn="ctr">
-                      <a:solidFill>
-                        <a:schemeClr val="bg1"/>
-                      </a:solidFill>
-                      <a:prstDash val="solid"/>
-                      <a:round/>
-                      <a:headEnd type="none" w="med" len="med"/>
-                      <a:tailEnd type="none" w="med" len="med"/>
-                    </a:lnT>
-                    <a:lnB w="38100" cap="flat" cmpd="sng" algn="ctr">
-                      <a:solidFill>
-                        <a:schemeClr val="bg1"/>
-                      </a:solidFill>
-                      <a:prstDash val="solid"/>
-                      <a:round/>
-                      <a:headEnd type="none" w="med" len="med"/>
-                      <a:tailEnd type="none" w="med" len="med"/>
-                    </a:lnB>
-                    <a:lnTlToBr w="12700" cmpd="sng">
-                      <a:noFill/>
-                      <a:prstDash val="solid"/>
-                    </a:lnTlToBr>
-                    <a:lnBlToTr w="12700" cmpd="sng">
-                      <a:noFill/>
-                      <a:prstDash val="solid"/>
-                    </a:lnBlToTr>
-                    <a:noFill/>
-                  </a:tcPr>
-                </a:tc>
-                <a:extLst>
-                  <a:ext uri="{0D108BD9-81ED-4DB2-BD59-A6C34878D82A}">
-                    <a16:rowId xmlns:a16="http://schemas.microsoft.com/office/drawing/2014/main" val="1509631762"/>
-                  </a:ext>
-                </a:extLst>
-              </a:tr>
-            </a:tbl>
-          </a:graphicData>
-        </a:graphic>
-      </p:graphicFrame>
-      <p:graphicFrame>
-        <p:nvGraphicFramePr>
-          <p:cNvPr id="37" name="Table 29">
-            <a:extLst>
-              <a:ext uri="{FF2B5EF4-FFF2-40B4-BE49-F238E27FC236}">
-                <a16:creationId xmlns:a16="http://schemas.microsoft.com/office/drawing/2014/main" id="{5F827F28-C2F2-38B5-29FB-77D425C2B5E8}"/>
-              </a:ext>
-            </a:extLst>
-          </p:cNvPr>
-          <p:cNvGraphicFramePr>
-            <a:graphicFrameLocks noGrp="1"/>
-          </p:cNvGraphicFramePr>
-          <p:nvPr>
-            <p:extLst>
-              <p:ext uri="{D42A27DB-BD31-4B8C-83A1-F6EECF244321}">
-                <p14:modId xmlns:p14="http://schemas.microsoft.com/office/powerpoint/2010/main" val="2082814579"/>
-              </p:ext>
-            </p:extLst>
-          </p:nvPr>
-        </p:nvGraphicFramePr>
-        <p:xfrm>
-          <a:off x="15011670" y="4952526"/>
-          <a:ext cx="14423929" cy="24976832"/>
-        </p:xfrm>
-        <a:graphic>
-          <a:graphicData uri="http://schemas.openxmlformats.org/drawingml/2006/table">
-            <a:tbl>
-              <a:tblPr rtl="1" firstRow="1" bandRow="1">
-                <a:tableStyleId>{F5AB1C69-6EDB-4FF4-983F-18BD219EF322}</a:tableStyleId>
-              </a:tblPr>
-              <a:tblGrid>
-                <a:gridCol w="14423929">
-                  <a:extLst>
-                    <a:ext uri="{9D8B030D-6E8A-4147-A177-3AD203B41FA5}">
-                      <a16:colId xmlns:a16="http://schemas.microsoft.com/office/drawing/2014/main" val="3747045786"/>
-                    </a:ext>
-                  </a:extLst>
-                </a:gridCol>
-              </a:tblGrid>
-              <a:tr h="616459">
-                <a:tc>
-                  <a:txBody>
-                    <a:bodyPr/>
-                    <a:lstStyle/>
-                    <a:p>
-                      <a:pPr algn="ctr" rtl="0"/>
-                      <a:r>
-                        <a:rPr lang="en-US" sz="3200" dirty="0">
-                          <a:latin typeface="+mj-lt"/>
-                        </a:rPr>
-                        <a:t>Results</a:t>
-                      </a:r>
-                      <a:endParaRPr lang="he-IL" sz="3200" dirty="0">
-                        <a:latin typeface="+mj-lt"/>
-                      </a:endParaRPr>
-                    </a:p>
-                  </a:txBody>
-                  <a:tcPr anchor="ctr">
-                    <a:lnL w="38100" cap="flat" cmpd="sng" algn="ctr">
-                      <a:solidFill>
-                        <a:schemeClr val="bg1"/>
-                      </a:solidFill>
-                      <a:prstDash val="solid"/>
-                      <a:round/>
-                      <a:headEnd type="none" w="med" len="med"/>
-                      <a:tailEnd type="none" w="med" len="med"/>
-                    </a:lnL>
-                    <a:lnR w="38100" cap="flat" cmpd="sng" algn="ctr">
-                      <a:solidFill>
-                        <a:schemeClr val="bg1"/>
-                      </a:solidFill>
-                      <a:prstDash val="solid"/>
-                      <a:round/>
-                      <a:headEnd type="none" w="med" len="med"/>
-                      <a:tailEnd type="none" w="med" len="med"/>
-                    </a:lnR>
-                    <a:lnT w="38100" cap="flat" cmpd="sng" algn="ctr">
-                      <a:solidFill>
-                        <a:schemeClr val="bg1"/>
-                      </a:solidFill>
-                      <a:prstDash val="solid"/>
-                      <a:round/>
-                      <a:headEnd type="none" w="med" len="med"/>
-                      <a:tailEnd type="none" w="med" len="med"/>
-                    </a:lnT>
-                    <a:lnB w="38100" cap="flat" cmpd="sng" algn="ctr">
-                      <a:solidFill>
-                        <a:schemeClr val="bg1"/>
-                      </a:solidFill>
-                      <a:prstDash val="solid"/>
-                      <a:round/>
-                      <a:headEnd type="none" w="med" len="med"/>
-                      <a:tailEnd type="none" w="med" len="med"/>
-                    </a:lnB>
-                  </a:tcPr>
-                </a:tc>
-                <a:extLst>
-                  <a:ext uri="{0D108BD9-81ED-4DB2-BD59-A6C34878D82A}">
-                    <a16:rowId xmlns:a16="http://schemas.microsoft.com/office/drawing/2014/main" val="1815053329"/>
-                  </a:ext>
-                </a:extLst>
-              </a:tr>
-              <a:tr h="24360373">
-                <a:tc>
-                  <a:txBody>
-                    <a:bodyPr/>
-                    <a:lstStyle/>
-                    <a:p>
-                      <a:pPr marL="457200" indent="-457200" algn="l" rtl="0">
-                        <a:lnSpc>
-                          <a:spcPct val="150000"/>
-                        </a:lnSpc>
-                        <a:buFont typeface="Arial" panose="020B0604020202020204" pitchFamily="34" charset="0"/>
-                        <a:buChar char="•"/>
-                      </a:pPr>
-                      <a:endParaRPr lang="en-US" sz="3200" kern="1200" dirty="0">
-                        <a:solidFill>
-                          <a:schemeClr val="dk1"/>
-                        </a:solidFill>
-                        <a:latin typeface="+mn-lt"/>
-                        <a:ea typeface="+mn-ea"/>
-                        <a:cs typeface="+mn-cs"/>
-                      </a:endParaRPr>
-                    </a:p>
-                    <a:p>
-                      <a:pPr marL="457200" indent="-457200" algn="l" rtl="0">
-                        <a:lnSpc>
-                          <a:spcPct val="150000"/>
-                        </a:lnSpc>
-                        <a:buFont typeface="Arial" panose="020B0604020202020204" pitchFamily="34" charset="0"/>
-                        <a:buChar char="•"/>
-                      </a:pPr>
-                      <a:endParaRPr lang="en-US" sz="3200" kern="1200" dirty="0">
-                        <a:solidFill>
-                          <a:schemeClr val="dk1"/>
-                        </a:solidFill>
-                        <a:latin typeface="+mn-lt"/>
-                        <a:ea typeface="+mn-ea"/>
-                        <a:cs typeface="+mn-cs"/>
-                      </a:endParaRPr>
-                    </a:p>
-                    <a:p>
-                      <a:pPr marL="457200" indent="-457200" algn="l" rtl="0">
-                        <a:lnSpc>
-                          <a:spcPct val="150000"/>
-                        </a:lnSpc>
-                        <a:buFont typeface="Arial" panose="020B0604020202020204" pitchFamily="34" charset="0"/>
-                        <a:buChar char="•"/>
-                      </a:pPr>
-                      <a:endParaRPr lang="en-US" sz="3200" kern="1200" dirty="0">
-                        <a:solidFill>
-                          <a:schemeClr val="dk1"/>
-                        </a:solidFill>
-                        <a:latin typeface="+mn-lt"/>
-                        <a:ea typeface="+mn-ea"/>
-                        <a:cs typeface="+mn-cs"/>
-                      </a:endParaRPr>
-                    </a:p>
-                    <a:p>
-                      <a:pPr marL="457200" indent="-457200" algn="l" rtl="0">
-                        <a:lnSpc>
-                          <a:spcPct val="150000"/>
-                        </a:lnSpc>
-                        <a:buFont typeface="Arial" panose="020B0604020202020204" pitchFamily="34" charset="0"/>
-                        <a:buChar char="•"/>
-                      </a:pPr>
-                      <a:endParaRPr lang="en-US" sz="3200" kern="1200" dirty="0">
-                        <a:solidFill>
-                          <a:schemeClr val="dk1"/>
-                        </a:solidFill>
-                        <a:latin typeface="+mn-lt"/>
-                        <a:ea typeface="+mn-ea"/>
-                        <a:cs typeface="+mn-cs"/>
-                      </a:endParaRPr>
-                    </a:p>
-                    <a:p>
-                      <a:pPr marL="457200" indent="-457200" algn="l" rtl="0">
-                        <a:lnSpc>
-                          <a:spcPct val="150000"/>
-                        </a:lnSpc>
-                        <a:buFont typeface="Arial" panose="020B0604020202020204" pitchFamily="34" charset="0"/>
-                        <a:buChar char="•"/>
-                      </a:pPr>
-                      <a:endParaRPr lang="en-US" sz="3200" kern="1200" dirty="0">
-                        <a:solidFill>
-                          <a:schemeClr val="dk1"/>
-                        </a:solidFill>
-                        <a:latin typeface="+mn-lt"/>
-                        <a:ea typeface="+mn-ea"/>
-                        <a:cs typeface="+mn-cs"/>
-                      </a:endParaRPr>
-                    </a:p>
-                    <a:p>
-                      <a:pPr marL="457200" indent="-457200" algn="l" rtl="0">
-                        <a:lnSpc>
-                          <a:spcPct val="150000"/>
-                        </a:lnSpc>
-                        <a:buFont typeface="Arial" panose="020B0604020202020204" pitchFamily="34" charset="0"/>
-                        <a:buChar char="•"/>
-                      </a:pPr>
-                      <a:endParaRPr lang="en-US" sz="3200" kern="1200" dirty="0">
-                        <a:solidFill>
-                          <a:schemeClr val="dk1"/>
-                        </a:solidFill>
-                        <a:latin typeface="+mn-lt"/>
-                        <a:ea typeface="+mn-ea"/>
-                        <a:cs typeface="+mn-cs"/>
-                      </a:endParaRPr>
-                    </a:p>
-                    <a:p>
-                      <a:pPr marL="457200" indent="-457200" algn="l" rtl="0">
-                        <a:lnSpc>
-                          <a:spcPct val="150000"/>
-                        </a:lnSpc>
-                        <a:buFont typeface="Arial" panose="020B0604020202020204" pitchFamily="34" charset="0"/>
-                        <a:buChar char="•"/>
-                      </a:pPr>
-                      <a:endParaRPr lang="en-US" sz="3200" kern="1200" dirty="0">
-                        <a:solidFill>
-                          <a:schemeClr val="dk1"/>
-                        </a:solidFill>
-                        <a:latin typeface="+mn-lt"/>
-                        <a:ea typeface="+mn-ea"/>
-                        <a:cs typeface="+mn-cs"/>
-                      </a:endParaRPr>
-                    </a:p>
-                    <a:p>
-                      <a:pPr marL="457200" indent="-457200" algn="l" rtl="0">
-                        <a:lnSpc>
-                          <a:spcPct val="150000"/>
-                        </a:lnSpc>
-                        <a:buFont typeface="Arial" panose="020B0604020202020204" pitchFamily="34" charset="0"/>
-                        <a:buChar char="•"/>
-                      </a:pPr>
-                      <a:endParaRPr lang="en-US" sz="3200" kern="1200" dirty="0">
-                        <a:solidFill>
-                          <a:schemeClr val="dk1"/>
-                        </a:solidFill>
-                        <a:latin typeface="+mn-lt"/>
-                        <a:ea typeface="+mn-ea"/>
-                        <a:cs typeface="+mn-cs"/>
-                      </a:endParaRPr>
-                    </a:p>
-                    <a:p>
-                      <a:pPr marL="457200" indent="-457200" algn="l" rtl="0">
-                        <a:lnSpc>
-                          <a:spcPct val="150000"/>
-                        </a:lnSpc>
-                        <a:buFont typeface="Arial" panose="020B0604020202020204" pitchFamily="34" charset="0"/>
-                        <a:buChar char="•"/>
-                      </a:pPr>
-                      <a:endParaRPr lang="en-US" sz="3200" kern="1200" dirty="0">
-                        <a:solidFill>
-                          <a:schemeClr val="dk1"/>
-                        </a:solidFill>
-                        <a:latin typeface="+mn-lt"/>
-                        <a:ea typeface="+mn-ea"/>
-                        <a:cs typeface="+mn-cs"/>
-                      </a:endParaRPr>
-                    </a:p>
-                    <a:p>
-                      <a:pPr marL="457200" indent="-457200" algn="l" rtl="0">
-                        <a:lnSpc>
-                          <a:spcPct val="150000"/>
-                        </a:lnSpc>
-                        <a:buFont typeface="Arial" panose="020B0604020202020204" pitchFamily="34" charset="0"/>
-                        <a:buChar char="•"/>
-                      </a:pPr>
-                      <a:endParaRPr lang="en-US" sz="3200" kern="1200" dirty="0">
-                        <a:solidFill>
-                          <a:schemeClr val="dk1"/>
-                        </a:solidFill>
-                        <a:latin typeface="+mn-lt"/>
-                        <a:ea typeface="+mn-ea"/>
-                        <a:cs typeface="+mn-cs"/>
-                      </a:endParaRPr>
-                    </a:p>
-                    <a:p>
-                      <a:pPr marL="457200" indent="-457200" algn="l" rtl="0">
-                        <a:lnSpc>
-                          <a:spcPct val="150000"/>
-                        </a:lnSpc>
-                        <a:buFont typeface="Arial" panose="020B0604020202020204" pitchFamily="34" charset="0"/>
-                        <a:buChar char="•"/>
-                      </a:pPr>
-                      <a:endParaRPr lang="en-US" sz="3200" kern="1200" dirty="0">
-                        <a:solidFill>
-                          <a:schemeClr val="dk1"/>
-                        </a:solidFill>
-                        <a:latin typeface="+mn-lt"/>
-                        <a:ea typeface="+mn-ea"/>
-                        <a:cs typeface="+mn-cs"/>
-                      </a:endParaRPr>
-                    </a:p>
-                    <a:p>
-                      <a:pPr marL="457200" indent="-457200" algn="l" rtl="0">
-                        <a:lnSpc>
-                          <a:spcPct val="150000"/>
-                        </a:lnSpc>
-                        <a:buFont typeface="Arial" panose="020B0604020202020204" pitchFamily="34" charset="0"/>
-                        <a:buChar char="•"/>
-                      </a:pPr>
-                      <a:endParaRPr lang="en-US" sz="3200" kern="1200" dirty="0">
-                        <a:solidFill>
-                          <a:schemeClr val="dk1"/>
-                        </a:solidFill>
-                        <a:latin typeface="+mn-lt"/>
-                        <a:ea typeface="+mn-ea"/>
-                        <a:cs typeface="+mn-cs"/>
-                      </a:endParaRPr>
-                    </a:p>
-                    <a:p>
-                      <a:pPr marL="457200" indent="-457200" algn="l" rtl="0">
-                        <a:lnSpc>
-                          <a:spcPct val="150000"/>
-                        </a:lnSpc>
-                        <a:buFont typeface="Arial" panose="020B0604020202020204" pitchFamily="34" charset="0"/>
-                        <a:buChar char="•"/>
-                      </a:pPr>
-                      <a:endParaRPr lang="en-US" sz="3200" kern="1200" dirty="0">
-                        <a:solidFill>
-                          <a:schemeClr val="dk1"/>
-                        </a:solidFill>
-                        <a:latin typeface="+mn-lt"/>
-                        <a:ea typeface="+mn-ea"/>
-                        <a:cs typeface="+mn-cs"/>
-                      </a:endParaRPr>
-                    </a:p>
-                    <a:p>
-                      <a:pPr marL="457200" indent="-457200" algn="l" rtl="0">
-                        <a:lnSpc>
-                          <a:spcPct val="150000"/>
-                        </a:lnSpc>
-                        <a:buFont typeface="Arial" panose="020B0604020202020204" pitchFamily="34" charset="0"/>
-                        <a:buChar char="•"/>
-                      </a:pPr>
-                      <a:endParaRPr lang="en-US" sz="3200" kern="1200" dirty="0">
-                        <a:solidFill>
-                          <a:schemeClr val="dk1"/>
-                        </a:solidFill>
-                        <a:latin typeface="+mn-lt"/>
-                        <a:ea typeface="+mn-ea"/>
-                        <a:cs typeface="+mn-cs"/>
-                      </a:endParaRPr>
-                    </a:p>
-                    <a:p>
-                      <a:pPr marL="457200" indent="-457200" algn="l" rtl="0">
-                        <a:lnSpc>
-                          <a:spcPct val="150000"/>
-                        </a:lnSpc>
-                        <a:buFont typeface="Arial" panose="020B0604020202020204" pitchFamily="34" charset="0"/>
-                        <a:buChar char="•"/>
-                      </a:pPr>
-                      <a:endParaRPr lang="en-US" sz="3200" kern="1200" dirty="0">
-                        <a:solidFill>
-                          <a:schemeClr val="dk1"/>
-                        </a:solidFill>
-                        <a:latin typeface="+mn-lt"/>
-                        <a:ea typeface="+mn-ea"/>
-                        <a:cs typeface="+mn-cs"/>
-                      </a:endParaRPr>
-                    </a:p>
-                    <a:p>
-                      <a:pPr marL="457200" indent="-457200" algn="l" rtl="0">
-                        <a:lnSpc>
-                          <a:spcPct val="150000"/>
-                        </a:lnSpc>
-                        <a:buFont typeface="Arial" panose="020B0604020202020204" pitchFamily="34" charset="0"/>
-                        <a:buChar char="•"/>
-                      </a:pPr>
-                      <a:endParaRPr lang="en-US" sz="3200" kern="1200" dirty="0">
-                        <a:solidFill>
-                          <a:schemeClr val="dk1"/>
-                        </a:solidFill>
-                        <a:latin typeface="+mn-lt"/>
-                        <a:ea typeface="+mn-ea"/>
-                        <a:cs typeface="+mn-cs"/>
-                      </a:endParaRPr>
-                    </a:p>
-                    <a:p>
-                      <a:pPr marL="457200" indent="-457200" algn="l" rtl="0">
-                        <a:lnSpc>
-                          <a:spcPct val="150000"/>
-                        </a:lnSpc>
-                        <a:buFont typeface="Arial" panose="020B0604020202020204" pitchFamily="34" charset="0"/>
-                        <a:buChar char="•"/>
-                      </a:pPr>
-                      <a:endParaRPr lang="en-US" sz="3200" kern="1200" dirty="0">
-                        <a:solidFill>
-                          <a:schemeClr val="dk1"/>
-                        </a:solidFill>
-                        <a:latin typeface="+mn-lt"/>
-                        <a:ea typeface="+mn-ea"/>
-                        <a:cs typeface="+mn-cs"/>
-                      </a:endParaRPr>
-                    </a:p>
-                    <a:p>
-                      <a:pPr marL="457200" indent="-457200" algn="l" rtl="0">
-                        <a:lnSpc>
-                          <a:spcPct val="150000"/>
-                        </a:lnSpc>
-                        <a:buFont typeface="Arial" panose="020B0604020202020204" pitchFamily="34" charset="0"/>
-                        <a:buChar char="•"/>
-                      </a:pPr>
-                      <a:endParaRPr lang="en-US" sz="3200" kern="1200" dirty="0">
-                        <a:solidFill>
-                          <a:schemeClr val="dk1"/>
-                        </a:solidFill>
-                        <a:latin typeface="+mn-lt"/>
-                        <a:ea typeface="+mn-ea"/>
-                        <a:cs typeface="+mn-cs"/>
-                      </a:endParaRPr>
-                    </a:p>
-                    <a:p>
-                      <a:pPr marL="0" indent="0" algn="l" rtl="0">
-                        <a:lnSpc>
-                          <a:spcPct val="150000"/>
-                        </a:lnSpc>
-                        <a:buFont typeface="Arial" panose="020B0604020202020204" pitchFamily="34" charset="0"/>
-                        <a:buNone/>
-                      </a:pPr>
-                      <a:endParaRPr lang="en-US" sz="3200" kern="1200" dirty="0">
-                        <a:solidFill>
-                          <a:schemeClr val="dk1"/>
-                        </a:solidFill>
-                        <a:latin typeface="+mn-lt"/>
-                        <a:ea typeface="+mn-ea"/>
-                        <a:cs typeface="+mn-cs"/>
-                      </a:endParaRPr>
-                    </a:p>
-                  </a:txBody>
-                  <a:tcPr>
-                    <a:lnL w="38100" cap="flat" cmpd="sng" algn="ctr">
-                      <a:solidFill>
-                        <a:schemeClr val="bg1"/>
-                      </a:solidFill>
-                      <a:prstDash val="solid"/>
-                      <a:round/>
-                      <a:headEnd type="none" w="med" len="med"/>
-                      <a:tailEnd type="none" w="med" len="med"/>
-                    </a:lnL>
-                    <a:lnR w="38100" cap="flat" cmpd="sng" algn="ctr">
-                      <a:solidFill>
-                        <a:schemeClr val="bg1"/>
-                      </a:solidFill>
-                      <a:prstDash val="solid"/>
-                      <a:round/>
-                      <a:headEnd type="none" w="med" len="med"/>
-                      <a:tailEnd type="none" w="med" len="med"/>
-                    </a:lnR>
-                    <a:lnT w="38100" cap="flat" cmpd="sng" algn="ctr">
-                      <a:solidFill>
-                        <a:schemeClr val="bg1"/>
-                      </a:solidFill>
-                      <a:prstDash val="solid"/>
-                      <a:round/>
-                      <a:headEnd type="none" w="med" len="med"/>
-                      <a:tailEnd type="none" w="med" len="med"/>
-                    </a:lnT>
-                    <a:lnB w="38100" cap="flat" cmpd="sng" algn="ctr">
-                      <a:solidFill>
-                        <a:schemeClr val="bg1"/>
-                      </a:solidFill>
-                      <a:prstDash val="solid"/>
-                      <a:round/>
-                      <a:headEnd type="none" w="med" len="med"/>
-                      <a:tailEnd type="none" w="med" len="med"/>
-                    </a:lnB>
-                    <a:lnTlToBr w="12700" cmpd="sng">
-                      <a:noFill/>
-                      <a:prstDash val="solid"/>
-                    </a:lnTlToBr>
-                    <a:lnBlToTr w="12700" cmpd="sng">
-                      <a:noFill/>
-                      <a:prstDash val="solid"/>
-                    </a:lnBlToTr>
-                    <a:noFill/>
-                  </a:tcPr>
-                </a:tc>
-                <a:extLst>
-                  <a:ext uri="{0D108BD9-81ED-4DB2-BD59-A6C34878D82A}">
-                    <a16:rowId xmlns:a16="http://schemas.microsoft.com/office/drawing/2014/main" val="1509631762"/>
-                  </a:ext>
-                </a:extLst>
-              </a:tr>
-            </a:tbl>
-          </a:graphicData>
-        </a:graphic>
-      </p:graphicFrame>
-      <p:graphicFrame>
-        <p:nvGraphicFramePr>
-          <p:cNvPr id="38" name="Table 29">
-            <a:extLst>
-              <a:ext uri="{FF2B5EF4-FFF2-40B4-BE49-F238E27FC236}">
-                <a16:creationId xmlns:a16="http://schemas.microsoft.com/office/drawing/2014/main" id="{D427151E-66F0-FCB6-3D6D-D9E7DF69BFDA}"/>
-              </a:ext>
-            </a:extLst>
-          </p:cNvPr>
-          <p:cNvGraphicFramePr>
-            <a:graphicFrameLocks noGrp="1"/>
-          </p:cNvGraphicFramePr>
-          <p:nvPr>
-            <p:extLst>
-              <p:ext uri="{D42A27DB-BD31-4B8C-83A1-F6EECF244321}">
-                <p14:modId xmlns:p14="http://schemas.microsoft.com/office/powerpoint/2010/main" val="3326242090"/>
-              </p:ext>
-            </p:extLst>
-          </p:nvPr>
-        </p:nvGraphicFramePr>
-        <p:xfrm>
-          <a:off x="0" y="11422176"/>
-          <a:ext cx="14759780" cy="10320760"/>
-        </p:xfrm>
-        <a:graphic>
-          <a:graphicData uri="http://schemas.openxmlformats.org/drawingml/2006/table">
-            <a:tbl>
-              <a:tblPr rtl="1" firstRow="1" bandRow="1">
-                <a:tableStyleId>{F5AB1C69-6EDB-4FF4-983F-18BD219EF322}</a:tableStyleId>
-              </a:tblPr>
-              <a:tblGrid>
-                <a:gridCol w="14759780">
-                  <a:extLst>
-                    <a:ext uri="{9D8B030D-6E8A-4147-A177-3AD203B41FA5}">
-                      <a16:colId xmlns:a16="http://schemas.microsoft.com/office/drawing/2014/main" val="3747045786"/>
-                    </a:ext>
-                  </a:extLst>
-                </a:gridCol>
-              </a:tblGrid>
-              <a:tr h="795125">
-                <a:tc>
-                  <a:txBody>
-                    <a:bodyPr/>
-                    <a:lstStyle/>
-                    <a:p>
-                      <a:pPr marL="0" indent="0" algn="ctr" rtl="0">
-                        <a:lnSpc>
-                          <a:spcPct val="150000"/>
-                        </a:lnSpc>
-                        <a:buFont typeface="Arial" panose="020B0604020202020204" pitchFamily="34" charset="0"/>
-                        <a:buNone/>
-                      </a:pPr>
-                      <a:r>
-                        <a:rPr lang="en-US" sz="3200" dirty="0">
-                          <a:latin typeface="+mj-lt"/>
-                        </a:rPr>
-                        <a:t>Data and its collection</a:t>
-                      </a:r>
-                      <a:endParaRPr lang="en-US" sz="3200" kern="1200" dirty="0">
-                        <a:solidFill>
-                          <a:schemeClr val="dk1"/>
-                        </a:solidFill>
-                        <a:latin typeface="+mj-lt"/>
-                        <a:ea typeface="+mn-ea"/>
-                        <a:cs typeface="+mn-cs"/>
-                      </a:endParaRPr>
-                    </a:p>
-                  </a:txBody>
-                  <a:tcPr anchor="ctr">
-                    <a:lnL w="38100" cap="flat" cmpd="sng" algn="ctr">
-                      <a:solidFill>
-                        <a:schemeClr val="bg1"/>
-                      </a:solidFill>
-                      <a:prstDash val="solid"/>
-                      <a:round/>
-                      <a:headEnd type="none" w="med" len="med"/>
-                      <a:tailEnd type="none" w="med" len="med"/>
-                    </a:lnL>
-                    <a:lnR w="38100" cap="flat" cmpd="sng" algn="ctr">
-                      <a:solidFill>
-                        <a:schemeClr val="bg1"/>
-                      </a:solidFill>
-                      <a:prstDash val="solid"/>
-                      <a:round/>
-                      <a:headEnd type="none" w="med" len="med"/>
-                      <a:tailEnd type="none" w="med" len="med"/>
-                    </a:lnR>
-                    <a:lnT w="38100" cap="flat" cmpd="sng" algn="ctr">
-                      <a:solidFill>
-                        <a:schemeClr val="bg1"/>
-                      </a:solidFill>
-                      <a:prstDash val="solid"/>
-                      <a:round/>
-                      <a:headEnd type="none" w="med" len="med"/>
-                      <a:tailEnd type="none" w="med" len="med"/>
-                    </a:lnT>
-                    <a:lnB w="38100" cap="flat" cmpd="sng" algn="ctr">
-                      <a:solidFill>
-                        <a:schemeClr val="bg1"/>
-                      </a:solidFill>
-                      <a:prstDash val="solid"/>
-                      <a:round/>
-                      <a:headEnd type="none" w="med" len="med"/>
-                      <a:tailEnd type="none" w="med" len="med"/>
-                    </a:lnB>
-                  </a:tcPr>
-                </a:tc>
-                <a:extLst>
-                  <a:ext uri="{0D108BD9-81ED-4DB2-BD59-A6C34878D82A}">
-                    <a16:rowId xmlns:a16="http://schemas.microsoft.com/office/drawing/2014/main" val="1815053329"/>
-                  </a:ext>
-                </a:extLst>
-              </a:tr>
-              <a:tr h="8847325">
-                <a:tc>
-                  <a:txBody>
-                    <a:bodyPr/>
-                    <a:lstStyle/>
-                    <a:p>
-                      <a:pPr marL="457200" indent="-457200" algn="l" rtl="0">
-                        <a:lnSpc>
-                          <a:spcPct val="150000"/>
-                        </a:lnSpc>
-                        <a:buFont typeface="Arial" panose="020B0604020202020204" pitchFamily="34" charset="0"/>
-                        <a:buChar char="•"/>
-                      </a:pPr>
-                      <a:r>
-                        <a:rPr lang="en-US" sz="3200" kern="1200" dirty="0">
-                          <a:solidFill>
-                            <a:schemeClr val="dk1"/>
-                          </a:solidFill>
-                          <a:latin typeface="+mj-lt"/>
-                          <a:ea typeface="+mn-ea"/>
-                          <a:cs typeface="+mn-cs"/>
-                        </a:rPr>
-                        <a:t>Data was collected starting from November 2018. </a:t>
-                      </a:r>
-                    </a:p>
-                    <a:p>
-                      <a:pPr marL="457200" indent="-457200" algn="l" rtl="0">
-                        <a:lnSpc>
-                          <a:spcPct val="150000"/>
-                        </a:lnSpc>
-                        <a:buFont typeface="Arial" panose="020B0604020202020204" pitchFamily="34" charset="0"/>
-                        <a:buChar char="•"/>
-                      </a:pPr>
-                      <a:r>
-                        <a:rPr lang="en-US" sz="3200" strike="noStrike" kern="1200" dirty="0">
-                          <a:solidFill>
-                            <a:schemeClr val="dk1"/>
-                          </a:solidFill>
-                          <a:latin typeface="+mj-lt"/>
-                          <a:ea typeface="+mn-ea"/>
-                          <a:cs typeface="+mn-cs"/>
-                        </a:rPr>
-                        <a:t>Experiment participants: Hebrew speaking parents from all sectors, close to due date with normal birth weight and no defects. </a:t>
-                      </a:r>
-                    </a:p>
-                    <a:p>
-                      <a:pPr marL="457200" indent="-457200" algn="l" rtl="0">
-                        <a:lnSpc>
-                          <a:spcPct val="150000"/>
-                        </a:lnSpc>
-                        <a:buFont typeface="Arial" panose="020B0604020202020204" pitchFamily="34" charset="0"/>
-                        <a:buChar char="•"/>
-                      </a:pPr>
-                      <a:r>
-                        <a:rPr lang="en-US" sz="3200" strike="noStrike" kern="1200" dirty="0">
-                          <a:solidFill>
-                            <a:schemeClr val="dk1"/>
-                          </a:solidFill>
-                          <a:latin typeface="+mj-lt"/>
-                          <a:ea typeface="+mn-ea"/>
-                          <a:cs typeface="+mn-cs"/>
-                        </a:rPr>
-                        <a:t>At predetermined intervals, parents were sent questionnaires to collect data.</a:t>
-                      </a:r>
-                    </a:p>
-                    <a:p>
-                      <a:pPr marL="457200" indent="-457200" algn="l" rtl="0">
-                        <a:lnSpc>
-                          <a:spcPct val="150000"/>
-                        </a:lnSpc>
-                        <a:buFont typeface="Arial" panose="020B0604020202020204" pitchFamily="34" charset="0"/>
-                        <a:buChar char="•"/>
-                      </a:pPr>
-                      <a:r>
-                        <a:rPr lang="en-US" sz="3200" strike="noStrike" kern="1200" dirty="0">
-                          <a:solidFill>
-                            <a:schemeClr val="dk1"/>
-                          </a:solidFill>
-                          <a:latin typeface="+mj-lt"/>
-                          <a:ea typeface="+mn-ea"/>
-                          <a:cs typeface="+mn-cs"/>
-                        </a:rPr>
-                        <a:t>Characteristics of the babies, their families, and their environment were collected.</a:t>
-                      </a:r>
-                      <a:br>
-                        <a:rPr lang="en-US" sz="3200" strike="noStrike" kern="1200" dirty="0">
-                          <a:solidFill>
-                            <a:schemeClr val="dk1"/>
-                          </a:solidFill>
-                          <a:latin typeface="+mj-lt"/>
-                          <a:ea typeface="+mn-ea"/>
-                          <a:cs typeface="+mn-cs"/>
-                        </a:rPr>
-                      </a:br>
-                      <a:r>
-                        <a:rPr lang="en-US" sz="3200" strike="noStrike" kern="1200" dirty="0">
-                          <a:solidFill>
-                            <a:schemeClr val="dk1"/>
-                          </a:solidFill>
-                          <a:latin typeface="+mj-lt"/>
-                          <a:ea typeface="+mn-ea"/>
-                          <a:cs typeface="+mn-cs"/>
-                        </a:rPr>
-                        <a:t>Development of utopian diseases among babies was examined during experiment. </a:t>
-                      </a:r>
-                    </a:p>
-                    <a:p>
-                      <a:pPr marL="457200" marR="0" lvl="0" indent="-457200" algn="l" defTabSz="2951958" rtl="0" eaLnBrk="1" fontAlgn="auto" latinLnBrk="0" hangingPunct="1">
-                        <a:lnSpc>
-                          <a:spcPct val="150000"/>
-                        </a:lnSpc>
-                        <a:spcBef>
-                          <a:spcPts val="0"/>
-                        </a:spcBef>
-                        <a:spcAft>
-                          <a:spcPts val="0"/>
-                        </a:spcAft>
-                        <a:buClrTx/>
-                        <a:buSzTx/>
-                        <a:buFont typeface="Arial" panose="020B0604020202020204" pitchFamily="34" charset="0"/>
-                        <a:buChar char="•"/>
-                        <a:tabLst/>
-                        <a:defRPr/>
-                      </a:pPr>
-                      <a:r>
-                        <a:rPr lang="en-US" sz="3200" b="0" kern="1200" dirty="0">
-                          <a:solidFill>
-                            <a:schemeClr val="dk1"/>
-                          </a:solidFill>
-                          <a:latin typeface="+mj-lt"/>
-                          <a:ea typeface="+mn-ea"/>
-                          <a:cs typeface="+mn-cs"/>
-                        </a:rPr>
-                        <a:t>The babies were divided into 4 groups according to the date of birth and main landmarks during the pandemic.</a:t>
-                      </a:r>
-                      <a:endParaRPr lang="he-IL" sz="3200" b="0" kern="1200" dirty="0">
-                        <a:solidFill>
-                          <a:schemeClr val="dk1"/>
-                        </a:solidFill>
-                        <a:latin typeface="+mj-lt"/>
-                        <a:ea typeface="+mn-ea"/>
-                        <a:cs typeface="+mn-cs"/>
-                      </a:endParaRPr>
-                    </a:p>
-                    <a:p>
-                      <a:pPr marL="0" indent="0" algn="l" rtl="0">
-                        <a:lnSpc>
-                          <a:spcPct val="150000"/>
-                        </a:lnSpc>
-                        <a:buFont typeface="Arial" panose="020B0604020202020204" pitchFamily="34" charset="0"/>
-                        <a:buNone/>
-                      </a:pPr>
-                      <a:endParaRPr lang="en-US" sz="3200" kern="1200" dirty="0">
-                        <a:solidFill>
-                          <a:schemeClr val="dk1"/>
-                        </a:solidFill>
-                        <a:latin typeface="+mj-lt"/>
-                        <a:ea typeface="+mn-ea"/>
-                        <a:cs typeface="+mn-cs"/>
-                      </a:endParaRPr>
-                    </a:p>
-                    <a:p>
-                      <a:pPr marL="457200" indent="-457200" algn="l" rtl="0">
-                        <a:lnSpc>
-                          <a:spcPct val="150000"/>
-                        </a:lnSpc>
-                        <a:buFont typeface="Arial" panose="020B0604020202020204" pitchFamily="34" charset="0"/>
-                        <a:buChar char="•"/>
-                      </a:pPr>
-                      <a:endParaRPr lang="en-US" sz="3200" kern="1200" dirty="0">
-                        <a:solidFill>
-                          <a:schemeClr val="dk1"/>
-                        </a:solidFill>
-                        <a:latin typeface="+mj-lt"/>
-                        <a:ea typeface="+mn-ea"/>
-                        <a:cs typeface="+mn-cs"/>
-                      </a:endParaRPr>
-                    </a:p>
-                    <a:p>
-                      <a:pPr marL="457200" indent="-457200" algn="l" rtl="0">
-                        <a:lnSpc>
-                          <a:spcPct val="150000"/>
-                        </a:lnSpc>
-                        <a:buFont typeface="Arial" panose="020B0604020202020204" pitchFamily="34" charset="0"/>
-                        <a:buChar char="•"/>
-                      </a:pPr>
-                      <a:endParaRPr lang="en-US" sz="3200" kern="1200" dirty="0">
-                        <a:solidFill>
-                          <a:schemeClr val="dk1"/>
-                        </a:solidFill>
-                        <a:latin typeface="+mj-lt"/>
-                        <a:ea typeface="+mn-ea"/>
-                        <a:cs typeface="+mn-cs"/>
-                      </a:endParaRPr>
-                    </a:p>
-                    <a:p>
-                      <a:pPr marL="457200" indent="-457200" algn="l" rtl="0">
-                        <a:lnSpc>
-                          <a:spcPct val="150000"/>
-                        </a:lnSpc>
-                        <a:buFont typeface="Arial" panose="020B0604020202020204" pitchFamily="34" charset="0"/>
-                        <a:buChar char="•"/>
-                      </a:pPr>
-                      <a:r>
-                        <a:rPr lang="he-IL" sz="3200" kern="1200" dirty="0">
-                          <a:solidFill>
-                            <a:schemeClr val="dk1"/>
-                          </a:solidFill>
-                          <a:latin typeface="+mj-lt"/>
-                          <a:ea typeface="+mn-ea"/>
-                          <a:cs typeface="+mn-cs"/>
-                        </a:rPr>
-                        <a:t>???</a:t>
-                      </a:r>
-                      <a:endParaRPr lang="en-US" sz="3200" kern="1200" dirty="0">
-                        <a:solidFill>
-                          <a:schemeClr val="dk1"/>
-                        </a:solidFill>
-                        <a:latin typeface="+mj-lt"/>
-                        <a:ea typeface="+mn-ea"/>
-                        <a:cs typeface="+mn-cs"/>
-                      </a:endParaRPr>
-                    </a:p>
-                    <a:p>
-                      <a:pPr marL="457200" indent="-457200" algn="l" rtl="0">
-                        <a:lnSpc>
-                          <a:spcPct val="150000"/>
-                        </a:lnSpc>
-                        <a:buFont typeface="Arial" panose="020B0604020202020204" pitchFamily="34" charset="0"/>
-                        <a:buChar char="•"/>
-                      </a:pPr>
-                      <a:endParaRPr lang="en-US" sz="3200" kern="1200" dirty="0">
-                        <a:solidFill>
-                          <a:schemeClr val="dk1"/>
-                        </a:solidFill>
-                        <a:latin typeface="+mj-lt"/>
-                        <a:ea typeface="+mn-ea"/>
-                        <a:cs typeface="+mn-cs"/>
-                      </a:endParaRPr>
-                    </a:p>
-                  </a:txBody>
-                  <a:tcPr>
-                    <a:lnL w="38100" cap="flat" cmpd="sng" algn="ctr">
-                      <a:solidFill>
-                        <a:schemeClr val="bg1"/>
-                      </a:solidFill>
-                      <a:prstDash val="solid"/>
-                      <a:round/>
-                      <a:headEnd type="none" w="med" len="med"/>
-                      <a:tailEnd type="none" w="med" len="med"/>
-                    </a:lnL>
-                    <a:lnR w="38100" cap="flat" cmpd="sng" algn="ctr">
-                      <a:solidFill>
-                        <a:schemeClr val="bg1"/>
-                      </a:solidFill>
-                      <a:prstDash val="solid"/>
-                      <a:round/>
-                      <a:headEnd type="none" w="med" len="med"/>
-                      <a:tailEnd type="none" w="med" len="med"/>
-                    </a:lnR>
-                    <a:lnT w="38100" cap="flat" cmpd="sng" algn="ctr">
-                      <a:solidFill>
-                        <a:schemeClr val="bg1"/>
-                      </a:solidFill>
-                      <a:prstDash val="solid"/>
-                      <a:round/>
-                      <a:headEnd type="none" w="med" len="med"/>
-                      <a:tailEnd type="none" w="med" len="med"/>
-                    </a:lnT>
-                    <a:lnB w="38100" cap="flat" cmpd="sng" algn="ctr">
-                      <a:solidFill>
-                        <a:schemeClr val="bg1"/>
-                      </a:solidFill>
-                      <a:prstDash val="solid"/>
-                      <a:round/>
-                      <a:headEnd type="none" w="med" len="med"/>
-                      <a:tailEnd type="none" w="med" len="med"/>
-                    </a:lnB>
-                    <a:lnTlToBr w="12700" cmpd="sng">
-                      <a:noFill/>
-                      <a:prstDash val="solid"/>
-                    </a:lnTlToBr>
-                    <a:lnBlToTr w="12700" cmpd="sng">
-                      <a:noFill/>
-                      <a:prstDash val="solid"/>
-                    </a:lnBlToTr>
-                    <a:noFill/>
-                  </a:tcPr>
-                </a:tc>
-                <a:extLst>
-                  <a:ext uri="{0D108BD9-81ED-4DB2-BD59-A6C34878D82A}">
-                    <a16:rowId xmlns:a16="http://schemas.microsoft.com/office/drawing/2014/main" val="1509631762"/>
-                  </a:ext>
-                </a:extLst>
-              </a:tr>
-            </a:tbl>
-          </a:graphicData>
-        </a:graphic>
-      </p:graphicFrame>
-      <p:graphicFrame>
-        <p:nvGraphicFramePr>
-          <p:cNvPr id="41" name="Table 29">
-            <a:extLst>
-              <a:ext uri="{FF2B5EF4-FFF2-40B4-BE49-F238E27FC236}">
-                <a16:creationId xmlns:a16="http://schemas.microsoft.com/office/drawing/2014/main" id="{87C34A28-1550-8A00-8213-E8C2029623E4}"/>
-              </a:ext>
-            </a:extLst>
-          </p:cNvPr>
-          <p:cNvGraphicFramePr>
-            <a:graphicFrameLocks noGrp="1"/>
-          </p:cNvGraphicFramePr>
-          <p:nvPr>
-            <p:extLst>
-              <p:ext uri="{D42A27DB-BD31-4B8C-83A1-F6EECF244321}">
-                <p14:modId xmlns:p14="http://schemas.microsoft.com/office/powerpoint/2010/main" val="1854480621"/>
-              </p:ext>
-            </p:extLst>
-          </p:nvPr>
-        </p:nvGraphicFramePr>
-        <p:xfrm>
-          <a:off x="-2" y="21648818"/>
-          <a:ext cx="14759780" cy="13423890"/>
-        </p:xfrm>
-        <a:graphic>
-          <a:graphicData uri="http://schemas.openxmlformats.org/drawingml/2006/table">
-            <a:tbl>
-              <a:tblPr rtl="1" firstRow="1" bandRow="1">
-                <a:tableStyleId>{F5AB1C69-6EDB-4FF4-983F-18BD219EF322}</a:tableStyleId>
-              </a:tblPr>
-              <a:tblGrid>
-                <a:gridCol w="14759780">
-                  <a:extLst>
-                    <a:ext uri="{9D8B030D-6E8A-4147-A177-3AD203B41FA5}">
-                      <a16:colId xmlns:a16="http://schemas.microsoft.com/office/drawing/2014/main" val="3747045786"/>
-                    </a:ext>
-                  </a:extLst>
-                </a:gridCol>
-              </a:tblGrid>
-              <a:tr h="0">
-                <a:tc>
-                  <a:txBody>
-                    <a:bodyPr/>
-                    <a:lstStyle/>
-                    <a:p>
-                      <a:pPr marL="0" indent="0" algn="ctr" rtl="0">
-                        <a:lnSpc>
-                          <a:spcPct val="150000"/>
-                        </a:lnSpc>
-                        <a:buFont typeface="Arial" panose="020B0604020202020204" pitchFamily="34" charset="0"/>
-                        <a:buNone/>
-                      </a:pPr>
-                      <a:r>
-                        <a:rPr lang="en-US" sz="2800" dirty="0">
-                          <a:latin typeface="+mj-lt"/>
-                        </a:rPr>
-                        <a:t>Experimental Design</a:t>
-                      </a:r>
-                      <a:endParaRPr lang="en-US" sz="2800" kern="1200" dirty="0">
-                        <a:solidFill>
-                          <a:schemeClr val="dk1"/>
-                        </a:solidFill>
-                        <a:latin typeface="+mj-lt"/>
-                        <a:ea typeface="+mn-ea"/>
-                        <a:cs typeface="+mn-cs"/>
-                      </a:endParaRPr>
-                    </a:p>
-                  </a:txBody>
-                  <a:tcPr anchor="ctr">
-                    <a:lnL w="38100" cap="flat" cmpd="sng" algn="ctr">
-                      <a:solidFill>
-                        <a:schemeClr val="bg1"/>
-                      </a:solidFill>
-                      <a:prstDash val="solid"/>
-                      <a:round/>
-                      <a:headEnd type="none" w="med" len="med"/>
-                      <a:tailEnd type="none" w="med" len="med"/>
-                    </a:lnL>
-                    <a:lnR w="38100" cap="flat" cmpd="sng" algn="ctr">
-                      <a:solidFill>
-                        <a:schemeClr val="bg1"/>
-                      </a:solidFill>
-                      <a:prstDash val="solid"/>
-                      <a:round/>
-                      <a:headEnd type="none" w="med" len="med"/>
-                      <a:tailEnd type="none" w="med" len="med"/>
-                    </a:lnR>
-                    <a:lnT w="38100" cap="flat" cmpd="sng" algn="ctr">
-                      <a:solidFill>
-                        <a:schemeClr val="bg1"/>
-                      </a:solidFill>
-                      <a:prstDash val="solid"/>
-                      <a:round/>
-                      <a:headEnd type="none" w="med" len="med"/>
-                      <a:tailEnd type="none" w="med" len="med"/>
-                    </a:lnT>
-                    <a:lnB w="38100" cap="flat" cmpd="sng" algn="ctr">
-                      <a:solidFill>
-                        <a:schemeClr val="bg1"/>
-                      </a:solidFill>
-                      <a:prstDash val="solid"/>
-                      <a:round/>
-                      <a:headEnd type="none" w="med" len="med"/>
-                      <a:tailEnd type="none" w="med" len="med"/>
-                    </a:lnB>
-                  </a:tcPr>
-                </a:tc>
-                <a:extLst>
-                  <a:ext uri="{0D108BD9-81ED-4DB2-BD59-A6C34878D82A}">
-                    <a16:rowId xmlns:a16="http://schemas.microsoft.com/office/drawing/2014/main" val="1815053329"/>
-                  </a:ext>
-                </a:extLst>
-              </a:tr>
-              <a:tr h="12758537">
-                <a:tc>
-                  <a:txBody>
-                    <a:bodyPr/>
-                    <a:lstStyle/>
-                    <a:p>
-                      <a:pPr marL="457200" indent="-457200" algn="l" rtl="0">
-                        <a:lnSpc>
-                          <a:spcPct val="150000"/>
-                        </a:lnSpc>
-                        <a:buFont typeface="Arial" panose="020B0604020202020204" pitchFamily="34" charset="0"/>
-                        <a:buChar char="•"/>
-                      </a:pPr>
-                      <a:r>
-                        <a:rPr lang="en-US" sz="2800" b="1" kern="1200" dirty="0">
-                          <a:solidFill>
-                            <a:schemeClr val="dk1"/>
-                          </a:solidFill>
-                          <a:latin typeface="+mj-lt"/>
-                          <a:ea typeface="+mn-ea"/>
-                          <a:cs typeface="+mn-cs"/>
-                        </a:rPr>
-                        <a:t>Logistic Regression Model </a:t>
-                      </a:r>
-                      <a:r>
-                        <a:rPr lang="en-US" sz="2800" kern="1200" dirty="0">
-                          <a:solidFill>
-                            <a:schemeClr val="dk1"/>
-                          </a:solidFill>
-                          <a:latin typeface="+mj-lt"/>
-                          <a:ea typeface="+mn-ea"/>
-                          <a:cs typeface="+mn-cs"/>
-                        </a:rPr>
-                        <a:t>was used to test the effect of explanatory characteristics on the probability of having an atopic disease using birth date group as the categorical variable.</a:t>
-                      </a:r>
-                    </a:p>
-                    <a:p>
-                      <a:pPr marL="0" indent="0" algn="l" rtl="0">
-                        <a:lnSpc>
-                          <a:spcPct val="150000"/>
-                        </a:lnSpc>
-                        <a:buFont typeface="Arial" panose="020B0604020202020204" pitchFamily="34" charset="0"/>
-                        <a:buNone/>
-                      </a:pPr>
-                      <a:endParaRPr lang="en-US" sz="2800" kern="1200" dirty="0">
-                        <a:solidFill>
-                          <a:schemeClr val="dk1"/>
-                        </a:solidFill>
-                        <a:latin typeface="+mj-lt"/>
-                        <a:ea typeface="+mn-ea"/>
-                        <a:cs typeface="+mn-cs"/>
-                      </a:endParaRPr>
-                    </a:p>
-                    <a:p>
-                      <a:pPr marL="0" indent="0" algn="l" rtl="0">
-                        <a:lnSpc>
-                          <a:spcPct val="150000"/>
-                        </a:lnSpc>
-                        <a:buFont typeface="Arial" panose="020B0604020202020204" pitchFamily="34" charset="0"/>
-                        <a:buNone/>
-                      </a:pPr>
-                      <a:endParaRPr lang="en-US" sz="2800" kern="1200" dirty="0">
-                        <a:solidFill>
-                          <a:schemeClr val="dk1"/>
-                        </a:solidFill>
-                        <a:latin typeface="+mj-lt"/>
-                        <a:ea typeface="+mn-ea"/>
-                        <a:cs typeface="+mn-cs"/>
-                      </a:endParaRPr>
-                    </a:p>
-                    <a:p>
-                      <a:pPr marL="0" indent="0" algn="l" rtl="0">
-                        <a:lnSpc>
-                          <a:spcPct val="150000"/>
-                        </a:lnSpc>
-                        <a:buFont typeface="Arial" panose="020B0604020202020204" pitchFamily="34" charset="0"/>
-                        <a:buNone/>
-                      </a:pPr>
-                      <a:endParaRPr lang="en-US" sz="2800" kern="1200" dirty="0">
-                        <a:solidFill>
-                          <a:schemeClr val="dk1"/>
-                        </a:solidFill>
-                        <a:latin typeface="+mj-lt"/>
-                        <a:ea typeface="+mn-ea"/>
-                        <a:cs typeface="+mn-cs"/>
-                      </a:endParaRPr>
-                    </a:p>
-                    <a:p>
-                      <a:pPr marL="0" indent="0" algn="l" rtl="0">
-                        <a:lnSpc>
-                          <a:spcPct val="150000"/>
-                        </a:lnSpc>
-                        <a:buFont typeface="Arial" panose="020B0604020202020204" pitchFamily="34" charset="0"/>
-                        <a:buNone/>
-                      </a:pPr>
-                      <a:endParaRPr lang="en-US" sz="2800" kern="1200" dirty="0">
-                        <a:solidFill>
-                          <a:schemeClr val="dk1"/>
-                        </a:solidFill>
-                        <a:latin typeface="+mj-lt"/>
-                        <a:ea typeface="+mn-ea"/>
-                        <a:cs typeface="+mn-cs"/>
-                      </a:endParaRPr>
-                    </a:p>
-                    <a:p>
-                      <a:pPr marL="457200" indent="-457200" algn="l" rtl="0">
-                        <a:lnSpc>
-                          <a:spcPct val="150000"/>
-                        </a:lnSpc>
-                        <a:buFont typeface="Arial" panose="020B0604020202020204" pitchFamily="34" charset="0"/>
-                        <a:buChar char="•"/>
-                      </a:pPr>
-                      <a:r>
-                        <a:rPr lang="en-US" sz="2800" b="1" kern="1200" dirty="0">
-                          <a:solidFill>
-                            <a:schemeClr val="dk1"/>
-                          </a:solidFill>
-                          <a:highlight>
-                            <a:srgbClr val="FFFF00"/>
-                          </a:highlight>
-                          <a:latin typeface="+mj-lt"/>
-                          <a:ea typeface="+mn-ea"/>
-                          <a:cs typeface="+mn-cs"/>
-                        </a:rPr>
-                        <a:t>Generalized Additive Model: </a:t>
-                      </a:r>
-                      <a:r>
-                        <a:rPr lang="en-US" sz="2800" b="0" kern="1200" dirty="0">
-                          <a:solidFill>
-                            <a:schemeClr val="dk1"/>
-                          </a:solidFill>
-                          <a:latin typeface="+mj-lt"/>
-                          <a:ea typeface="+mn-ea"/>
-                          <a:cs typeface="+mn-cs"/>
-                        </a:rPr>
-                        <a:t>Gam model </a:t>
-                      </a:r>
-                      <a:r>
-                        <a:rPr lang="en-US" sz="2800" kern="1200" dirty="0">
-                          <a:solidFill>
-                            <a:schemeClr val="dk1"/>
-                          </a:solidFill>
-                          <a:latin typeface="+mj-lt"/>
-                          <a:ea typeface="+mn-ea"/>
-                          <a:cs typeface="+mn-cs"/>
-                        </a:rPr>
-                        <a:t>provides us with an alternative to dividing the birth date into groups, instead of the date of birth acting as a categorical variable we made it continuous (every day is a category). We used a non-linear combination of variables, which create a smooth function. By connecting these smooth functions, we examined how the probability of a baby getting a atopic disease changes:</a:t>
-                      </a:r>
-                    </a:p>
-                  </a:txBody>
-                  <a:tcPr>
-                    <a:lnL w="38100" cap="flat" cmpd="sng" algn="ctr">
-                      <a:solidFill>
-                        <a:schemeClr val="bg1"/>
-                      </a:solidFill>
-                      <a:prstDash val="solid"/>
-                      <a:round/>
-                      <a:headEnd type="none" w="med" len="med"/>
-                      <a:tailEnd type="none" w="med" len="med"/>
-                    </a:lnL>
-                    <a:lnR w="38100" cap="flat" cmpd="sng" algn="ctr">
-                      <a:solidFill>
-                        <a:schemeClr val="bg1"/>
-                      </a:solidFill>
-                      <a:prstDash val="solid"/>
-                      <a:round/>
-                      <a:headEnd type="none" w="med" len="med"/>
-                      <a:tailEnd type="none" w="med" len="med"/>
-                    </a:lnR>
-                    <a:lnT w="38100" cap="flat" cmpd="sng" algn="ctr">
-                      <a:solidFill>
-                        <a:schemeClr val="bg1"/>
-                      </a:solidFill>
-                      <a:prstDash val="solid"/>
-                      <a:round/>
-                      <a:headEnd type="none" w="med" len="med"/>
-                      <a:tailEnd type="none" w="med" len="med"/>
-                    </a:lnT>
-                    <a:lnB w="38100" cap="flat" cmpd="sng" algn="ctr">
-                      <a:solidFill>
-                        <a:schemeClr val="bg1"/>
-                      </a:solidFill>
-                      <a:prstDash val="solid"/>
-                      <a:round/>
-                      <a:headEnd type="none" w="med" len="med"/>
-                      <a:tailEnd type="none" w="med" len="med"/>
-                    </a:lnB>
-                    <a:lnTlToBr w="12700" cmpd="sng">
-                      <a:noFill/>
-                      <a:prstDash val="solid"/>
-                    </a:lnTlToBr>
-                    <a:lnBlToTr w="12700" cmpd="sng">
-                      <a:noFill/>
-                      <a:prstDash val="solid"/>
-                    </a:lnBlToTr>
-                    <a:noFill/>
-                  </a:tcPr>
-                </a:tc>
-                <a:extLst>
-                  <a:ext uri="{0D108BD9-81ED-4DB2-BD59-A6C34878D82A}">
-                    <a16:rowId xmlns:a16="http://schemas.microsoft.com/office/drawing/2014/main" val="1509631762"/>
-                  </a:ext>
-                </a:extLst>
-              </a:tr>
-            </a:tbl>
-          </a:graphicData>
-        </a:graphic>
-      </p:graphicFrame>
-      <p:graphicFrame>
-        <p:nvGraphicFramePr>
-          <p:cNvPr id="42" name="Table 29">
-            <a:extLst>
-              <a:ext uri="{FF2B5EF4-FFF2-40B4-BE49-F238E27FC236}">
-                <a16:creationId xmlns:a16="http://schemas.microsoft.com/office/drawing/2014/main" id="{5F353C99-9559-5FFC-9840-C01B90960996}"/>
-              </a:ext>
-            </a:extLst>
-          </p:cNvPr>
-          <p:cNvGraphicFramePr>
-            <a:graphicFrameLocks noGrp="1"/>
-          </p:cNvGraphicFramePr>
-          <p:nvPr>
-            <p:extLst>
-              <p:ext uri="{D42A27DB-BD31-4B8C-83A1-F6EECF244321}">
-                <p14:modId xmlns:p14="http://schemas.microsoft.com/office/powerpoint/2010/main" val="1258356627"/>
-              </p:ext>
-            </p:extLst>
-          </p:nvPr>
-        </p:nvGraphicFramePr>
-        <p:xfrm>
-          <a:off x="15095634" y="29929358"/>
-          <a:ext cx="14423929" cy="4594837"/>
-        </p:xfrm>
-        <a:graphic>
-          <a:graphicData uri="http://schemas.openxmlformats.org/drawingml/2006/table">
-            <a:tbl>
-              <a:tblPr rtl="1" firstRow="1" bandRow="1">
-                <a:tableStyleId>{F5AB1C69-6EDB-4FF4-983F-18BD219EF322}</a:tableStyleId>
-              </a:tblPr>
-              <a:tblGrid>
-                <a:gridCol w="14423929">
-                  <a:extLst>
-                    <a:ext uri="{9D8B030D-6E8A-4147-A177-3AD203B41FA5}">
-                      <a16:colId xmlns:a16="http://schemas.microsoft.com/office/drawing/2014/main" val="3747045786"/>
-                    </a:ext>
-                  </a:extLst>
-                </a:gridCol>
-              </a:tblGrid>
-              <a:tr h="679788">
-                <a:tc>
-                  <a:txBody>
-                    <a:bodyPr/>
-                    <a:lstStyle/>
-                    <a:p>
-                      <a:pPr algn="ctr" rtl="0"/>
-                      <a:r>
-                        <a:rPr lang="en-US" sz="3200" dirty="0">
-                          <a:latin typeface="+mj-lt"/>
-                        </a:rPr>
-                        <a:t>Conclusions</a:t>
-                      </a:r>
-                      <a:endParaRPr lang="he-IL" sz="3200" dirty="0">
-                        <a:latin typeface="+mj-lt"/>
-                      </a:endParaRPr>
-                    </a:p>
-                  </a:txBody>
-                  <a:tcPr anchor="ctr">
-                    <a:lnL w="38100" cap="flat" cmpd="sng" algn="ctr">
-                      <a:solidFill>
-                        <a:schemeClr val="bg1"/>
-                      </a:solidFill>
-                      <a:prstDash val="solid"/>
-                      <a:round/>
-                      <a:headEnd type="none" w="med" len="med"/>
-                      <a:tailEnd type="none" w="med" len="med"/>
-                    </a:lnL>
-                    <a:lnR w="38100" cap="flat" cmpd="sng" algn="ctr">
-                      <a:solidFill>
-                        <a:schemeClr val="bg1"/>
-                      </a:solidFill>
-                      <a:prstDash val="solid"/>
-                      <a:round/>
-                      <a:headEnd type="none" w="med" len="med"/>
-                      <a:tailEnd type="none" w="med" len="med"/>
-                    </a:lnR>
-                    <a:lnT w="38100" cap="flat" cmpd="sng" algn="ctr">
-                      <a:solidFill>
-                        <a:schemeClr val="bg1"/>
-                      </a:solidFill>
-                      <a:prstDash val="solid"/>
-                      <a:round/>
-                      <a:headEnd type="none" w="med" len="med"/>
-                      <a:tailEnd type="none" w="med" len="med"/>
-                    </a:lnT>
-                    <a:lnB w="38100" cap="flat" cmpd="sng" algn="ctr">
-                      <a:solidFill>
-                        <a:schemeClr val="bg1"/>
-                      </a:solidFill>
-                      <a:prstDash val="solid"/>
-                      <a:round/>
-                      <a:headEnd type="none" w="med" len="med"/>
-                      <a:tailEnd type="none" w="med" len="med"/>
-                    </a:lnB>
-                  </a:tcPr>
-                </a:tc>
-                <a:extLst>
-                  <a:ext uri="{0D108BD9-81ED-4DB2-BD59-A6C34878D82A}">
-                    <a16:rowId xmlns:a16="http://schemas.microsoft.com/office/drawing/2014/main" val="1815053329"/>
-                  </a:ext>
-                </a:extLst>
-              </a:tr>
-              <a:tr h="3915049">
-                <a:tc>
-                  <a:txBody>
-                    <a:bodyPr/>
-                    <a:lstStyle/>
-                    <a:p>
-                      <a:pPr marL="457200" indent="-457200" algn="l" rtl="0">
-                        <a:lnSpc>
-                          <a:spcPct val="150000"/>
-                        </a:lnSpc>
-                        <a:buFont typeface="Arial" panose="020B0604020202020204" pitchFamily="34" charset="0"/>
-                        <a:buChar char="•"/>
-                      </a:pPr>
-                      <a:endParaRPr lang="en-US" sz="3200" kern="1200" dirty="0">
-                        <a:solidFill>
-                          <a:schemeClr val="dk1"/>
-                        </a:solidFill>
-                        <a:latin typeface="+mn-lt"/>
-                        <a:ea typeface="+mn-ea"/>
-                        <a:cs typeface="+mn-cs"/>
-                      </a:endParaRPr>
-                    </a:p>
-                  </a:txBody>
-                  <a:tcPr>
-                    <a:lnL w="38100" cap="flat" cmpd="sng" algn="ctr">
-                      <a:solidFill>
-                        <a:schemeClr val="bg1"/>
-                      </a:solidFill>
-                      <a:prstDash val="solid"/>
-                      <a:round/>
-                      <a:headEnd type="none" w="med" len="med"/>
-                      <a:tailEnd type="none" w="med" len="med"/>
-                    </a:lnL>
-                    <a:lnR w="38100" cap="flat" cmpd="sng" algn="ctr">
-                      <a:solidFill>
-                        <a:schemeClr val="bg1"/>
-                      </a:solidFill>
-                      <a:prstDash val="solid"/>
-                      <a:round/>
-                      <a:headEnd type="none" w="med" len="med"/>
-                      <a:tailEnd type="none" w="med" len="med"/>
-                    </a:lnR>
-                    <a:lnT w="38100" cap="flat" cmpd="sng" algn="ctr">
-                      <a:solidFill>
-                        <a:schemeClr val="bg1"/>
-                      </a:solidFill>
-                      <a:prstDash val="solid"/>
-                      <a:round/>
-                      <a:headEnd type="none" w="med" len="med"/>
-                      <a:tailEnd type="none" w="med" len="med"/>
-                    </a:lnT>
-                    <a:lnB w="38100" cap="flat" cmpd="sng" algn="ctr">
-                      <a:solidFill>
-                        <a:schemeClr val="bg1"/>
-                      </a:solidFill>
-                      <a:prstDash val="solid"/>
-                      <a:round/>
-                      <a:headEnd type="none" w="med" len="med"/>
-                      <a:tailEnd type="none" w="med" len="med"/>
-                    </a:lnB>
-                    <a:lnTlToBr w="12700" cmpd="sng">
-                      <a:noFill/>
-                      <a:prstDash val="solid"/>
-                    </a:lnTlToBr>
-                    <a:lnBlToTr w="12700" cmpd="sng">
-                      <a:noFill/>
-                      <a:prstDash val="solid"/>
-                    </a:lnBlToTr>
-                    <a:noFill/>
-                  </a:tcPr>
-                </a:tc>
-                <a:extLst>
-                  <a:ext uri="{0D108BD9-81ED-4DB2-BD59-A6C34878D82A}">
-                    <a16:rowId xmlns:a16="http://schemas.microsoft.com/office/drawing/2014/main" val="1509631762"/>
-                  </a:ext>
-                </a:extLst>
-              </a:tr>
-            </a:tbl>
-          </a:graphicData>
-        </a:graphic>
-      </p:graphicFrame>
-      <mc:AlternateContent xmlns:mc="http://schemas.openxmlformats.org/markup-compatibility/2006" xmlns:a14="http://schemas.microsoft.com/office/drawing/2010/main">
-        <mc:Choice Requires="a14">
-          <p:sp>
-            <p:nvSpPr>
-              <p:cNvPr id="4" name="TextBox 3">
-                <a:extLst>
-                  <a:ext uri="{FF2B5EF4-FFF2-40B4-BE49-F238E27FC236}">
-                    <a16:creationId xmlns:a16="http://schemas.microsoft.com/office/drawing/2014/main" id="{902ED1D7-E996-EF69-829B-593F4BE2D5F1}"/>
-                  </a:ext>
-                </a:extLst>
-              </p:cNvPr>
-              <p:cNvSpPr txBox="1"/>
-              <p:nvPr/>
-            </p:nvSpPr>
-            <p:spPr>
-              <a:xfrm>
-                <a:off x="2853834" y="17992750"/>
-                <a:ext cx="12409726" cy="1781000"/>
-              </a:xfrm>
-              <a:prstGeom prst="rect">
-                <a:avLst/>
-              </a:prstGeom>
-              <a:noFill/>
-            </p:spPr>
-            <p:txBody>
-              <a:bodyPr wrap="square">
-                <a:spAutoFit/>
-              </a:bodyPr>
-              <a:lstStyle/>
-              <a:p>
-                <a:pPr/>
-                <a14:m>
-                  <m:oMathPara xmlns:m="http://schemas.openxmlformats.org/officeDocument/2006/math">
-                    <m:oMathParaPr>
-                      <m:jc m:val="centerGroup"/>
-                    </m:oMathParaPr>
-                    <m:oMath xmlns:m="http://schemas.openxmlformats.org/officeDocument/2006/math">
-                      <m:r>
-                        <m:rPr>
-                          <m:sty m:val="p"/>
-                        </m:rPr>
-                        <a:rPr lang="en-US" sz="2800" i="0" smtClean="0">
-                          <a:latin typeface="Cambria Math" panose="02040503050406030204" pitchFamily="18" charset="0"/>
-                        </a:rPr>
-                        <m:t>covid</m:t>
-                      </m:r>
-                      <m:r>
-                        <a:rPr lang="en-US" sz="2800" b="0" i="0" smtClean="0">
-                          <a:latin typeface="Cambria Math" panose="02040503050406030204" pitchFamily="18" charset="0"/>
-                        </a:rPr>
-                        <m:t> </m:t>
-                      </m:r>
-                      <m:r>
-                        <m:rPr>
-                          <m:sty m:val="p"/>
-                        </m:rPr>
-                        <a:rPr lang="en-US" sz="2800" i="0">
-                          <a:latin typeface="Cambria Math" panose="02040503050406030204" pitchFamily="18" charset="0"/>
-                        </a:rPr>
-                        <m:t>group</m:t>
-                      </m:r>
-                      <m:r>
-                        <a:rPr lang="en-US" sz="2800" i="0">
-                          <a:latin typeface="Cambria Math" panose="02040503050406030204" pitchFamily="18" charset="0"/>
-                        </a:rPr>
-                        <m:t>= </m:t>
-                      </m:r>
-                      <m:d>
-                        <m:dPr>
-                          <m:begChr m:val="{"/>
-                          <m:endChr m:val=""/>
-                          <m:ctrlPr>
-                            <a:rPr lang="en-US" sz="2800" i="1">
-                              <a:solidFill>
-                                <a:srgbClr val="836967"/>
-                              </a:solidFill>
-                              <a:latin typeface="Cambria Math" panose="02040503050406030204" pitchFamily="18" charset="0"/>
-                            </a:rPr>
-                          </m:ctrlPr>
-                        </m:dPr>
-                        <m:e>
-                          <m:eqArr>
-                            <m:eqArrPr>
-                              <m:ctrlPr>
-                                <a:rPr lang="en-US" sz="2800" i="1">
-                                  <a:solidFill>
-                                    <a:srgbClr val="836967"/>
-                                  </a:solidFill>
-                                  <a:latin typeface="Cambria Math" panose="02040503050406030204" pitchFamily="18" charset="0"/>
-                                </a:rPr>
-                              </m:ctrlPr>
-                            </m:eqArrPr>
-                            <m:e>
-                              <m:r>
-                                <a:rPr lang="en-US" sz="2800" i="0">
-                                  <a:latin typeface="Cambria Math" panose="02040503050406030204" pitchFamily="18" charset="0"/>
-                                </a:rPr>
-                                <m:t>&amp;</m:t>
-                              </m:r>
-                              <m:r>
-                                <a:rPr lang="en-US" sz="2800" i="0">
-                                  <a:latin typeface="Cambria Math" panose="02040503050406030204" pitchFamily="18" charset="0"/>
-                                </a:rPr>
-                                <m:t>1</m:t>
-                              </m:r>
-                              <m:r>
-                                <a:rPr lang="en-US" sz="2800" i="0">
-                                  <a:latin typeface="Cambria Math" panose="02040503050406030204" pitchFamily="18" charset="0"/>
-                                </a:rPr>
-                                <m:t>                                            </m:t>
-                              </m:r>
-                              <m:r>
-                                <m:rPr>
-                                  <m:sty m:val="p"/>
-                                </m:rPr>
-                                <a:rPr lang="en-US" sz="2800" b="0" i="0" smtClean="0">
-                                  <a:latin typeface="Cambria Math" panose="02040503050406030204" pitchFamily="18" charset="0"/>
-                                </a:rPr>
-                                <m:t>Birth</m:t>
-                              </m:r>
-                              <m:r>
-                                <a:rPr lang="en-US" sz="2800" b="0" i="0" smtClean="0">
-                                  <a:latin typeface="Cambria Math" panose="02040503050406030204" pitchFamily="18" charset="0"/>
-                                </a:rPr>
-                                <m:t> </m:t>
-                              </m:r>
-                              <m:r>
-                                <m:rPr>
-                                  <m:sty m:val="p"/>
-                                </m:rPr>
-                                <a:rPr lang="en-US" sz="2800" b="0" i="0" smtClean="0">
-                                  <a:latin typeface="Cambria Math" panose="02040503050406030204" pitchFamily="18" charset="0"/>
-                                </a:rPr>
-                                <m:t>date</m:t>
-                              </m:r>
-                              <m:r>
-                                <a:rPr lang="en-US" sz="2800" i="0">
-                                  <a:latin typeface="Cambria Math" panose="02040503050406030204" pitchFamily="18" charset="0"/>
-                                </a:rPr>
-                                <m:t> &lt;</m:t>
-                              </m:r>
-                              <m:r>
-                                <m:rPr>
-                                  <m:sty m:val="p"/>
-                                </m:rPr>
-                                <a:rPr lang="en-US" sz="2800" i="0">
-                                  <a:latin typeface="Cambria Math" panose="02040503050406030204" pitchFamily="18" charset="0"/>
-                                </a:rPr>
-                                <m:t>March</m:t>
-                              </m:r>
-                              <m:r>
-                                <a:rPr lang="en-US" sz="2800" i="0">
-                                  <a:latin typeface="Cambria Math" panose="02040503050406030204" pitchFamily="18" charset="0"/>
-                                </a:rPr>
-                                <m:t> </m:t>
-                              </m:r>
-                              <m:r>
-                                <a:rPr lang="en-US" sz="2800" i="0">
-                                  <a:latin typeface="Cambria Math" panose="02040503050406030204" pitchFamily="18" charset="0"/>
-                                </a:rPr>
-                                <m:t>1</m:t>
-                              </m:r>
-                              <m:r>
-                                <a:rPr lang="en-US" sz="2800" i="0">
-                                  <a:latin typeface="Cambria Math" panose="02040503050406030204" pitchFamily="18" charset="0"/>
-                                </a:rPr>
-                                <m:t>, </m:t>
-                              </m:r>
-                              <m:r>
-                                <a:rPr lang="en-US" sz="2800" i="0">
-                                  <a:latin typeface="Cambria Math" panose="02040503050406030204" pitchFamily="18" charset="0"/>
-                                </a:rPr>
-                                <m:t>2019</m:t>
-                              </m:r>
-                              <m:r>
-                                <a:rPr lang="en-US" sz="2800" i="0">
-                                  <a:latin typeface="Cambria Math" panose="02040503050406030204" pitchFamily="18" charset="0"/>
-                                </a:rPr>
-                                <m:t> </m:t>
-                              </m:r>
-                            </m:e>
-                            <m:e>
-                              <m:r>
-                                <a:rPr lang="en-US" sz="2800" i="0">
-                                  <a:latin typeface="Cambria Math" panose="02040503050406030204" pitchFamily="18" charset="0"/>
-                                </a:rPr>
-                                <m:t>&amp;</m:t>
-                              </m:r>
-                              <m:r>
-                                <a:rPr lang="en-US" sz="2800" i="0">
-                                  <a:latin typeface="Cambria Math" panose="02040503050406030204" pitchFamily="18" charset="0"/>
-                                </a:rPr>
-                                <m:t>2</m:t>
-                              </m:r>
-                              <m:r>
-                                <a:rPr lang="en-US" sz="2800" i="0">
-                                  <a:latin typeface="Cambria Math" panose="02040503050406030204" pitchFamily="18" charset="0"/>
-                                </a:rPr>
-                                <m:t>       </m:t>
-                              </m:r>
-                              <m:r>
-                                <m:rPr>
-                                  <m:sty m:val="p"/>
-                                </m:rPr>
-                                <a:rPr lang="en-US" sz="2800" i="0">
-                                  <a:latin typeface="Cambria Math" panose="02040503050406030204" pitchFamily="18" charset="0"/>
-                                </a:rPr>
-                                <m:t>March</m:t>
-                              </m:r>
-                              <m:r>
-                                <a:rPr lang="en-US" sz="2800" i="0">
-                                  <a:latin typeface="Cambria Math" panose="02040503050406030204" pitchFamily="18" charset="0"/>
-                                </a:rPr>
-                                <m:t> </m:t>
-                              </m:r>
-                              <m:r>
-                                <a:rPr lang="en-US" sz="2800" i="0">
-                                  <a:latin typeface="Cambria Math" panose="02040503050406030204" pitchFamily="18" charset="0"/>
-                                </a:rPr>
-                                <m:t>1</m:t>
-                              </m:r>
-                              <m:r>
-                                <a:rPr lang="en-US" sz="2800" i="0">
-                                  <a:latin typeface="Cambria Math" panose="02040503050406030204" pitchFamily="18" charset="0"/>
-                                </a:rPr>
-                                <m:t>, </m:t>
-                              </m:r>
-                              <m:r>
-                                <a:rPr lang="en-US" sz="2800" i="0">
-                                  <a:latin typeface="Cambria Math" panose="02040503050406030204" pitchFamily="18" charset="0"/>
-                                </a:rPr>
-                                <m:t>2019</m:t>
-                              </m:r>
-                              <m:r>
-                                <a:rPr lang="en-US" sz="2800" i="0">
-                                  <a:latin typeface="Cambria Math" panose="02040503050406030204" pitchFamily="18" charset="0"/>
-                                </a:rPr>
-                                <m:t>≤</m:t>
-                              </m:r>
-                              <m:r>
-                                <m:rPr>
-                                  <m:sty m:val="p"/>
-                                </m:rPr>
-                                <a:rPr lang="en-US" sz="2800" i="0">
-                                  <a:latin typeface="Cambria Math" panose="02040503050406030204" pitchFamily="18" charset="0"/>
-                                </a:rPr>
-                                <m:t>Birth</m:t>
-                              </m:r>
-                              <m:r>
-                                <a:rPr lang="en-US" sz="2800" i="0">
-                                  <a:latin typeface="Cambria Math" panose="02040503050406030204" pitchFamily="18" charset="0"/>
-                                </a:rPr>
-                                <m:t> </m:t>
-                              </m:r>
-                              <m:r>
-                                <m:rPr>
-                                  <m:sty m:val="p"/>
-                                </m:rPr>
-                                <a:rPr lang="en-US" sz="2800" i="0">
-                                  <a:latin typeface="Cambria Math" panose="02040503050406030204" pitchFamily="18" charset="0"/>
-                                </a:rPr>
-                                <m:t>date</m:t>
-                              </m:r>
-                              <m:r>
-                                <a:rPr lang="en-US" sz="2800" i="0">
-                                  <a:latin typeface="Cambria Math" panose="02040503050406030204" pitchFamily="18" charset="0"/>
-                                </a:rPr>
-                                <m:t>&lt; </m:t>
-                              </m:r>
-                              <m:r>
-                                <m:rPr>
-                                  <m:sty m:val="p"/>
-                                </m:rPr>
-                                <a:rPr lang="en-US" sz="2800" i="0">
-                                  <a:latin typeface="Cambria Math" panose="02040503050406030204" pitchFamily="18" charset="0"/>
-                                </a:rPr>
-                                <m:t>March</m:t>
-                              </m:r>
-                              <m:r>
-                                <a:rPr lang="en-US" sz="2800" i="0">
-                                  <a:latin typeface="Cambria Math" panose="02040503050406030204" pitchFamily="18" charset="0"/>
-                                </a:rPr>
-                                <m:t> </m:t>
-                              </m:r>
-                              <m:r>
-                                <a:rPr lang="en-US" sz="2800" i="0">
-                                  <a:latin typeface="Cambria Math" panose="02040503050406030204" pitchFamily="18" charset="0"/>
-                                </a:rPr>
-                                <m:t>11</m:t>
-                              </m:r>
-                              <m:r>
-                                <a:rPr lang="en-US" sz="2800" i="0">
-                                  <a:latin typeface="Cambria Math" panose="02040503050406030204" pitchFamily="18" charset="0"/>
-                                </a:rPr>
-                                <m:t>, </m:t>
-                              </m:r>
-                              <m:r>
-                                <a:rPr lang="en-US" sz="2800" i="0">
-                                  <a:latin typeface="Cambria Math" panose="02040503050406030204" pitchFamily="18" charset="0"/>
-                                </a:rPr>
-                                <m:t>2019</m:t>
-                              </m:r>
-                            </m:e>
-                            <m:e>
-                              <m:r>
-                                <a:rPr lang="en-US" sz="2800" i="0">
-                                  <a:latin typeface="Cambria Math" panose="02040503050406030204" pitchFamily="18" charset="0"/>
-                                </a:rPr>
-                                <m:t>&amp;</m:t>
-                              </m:r>
-                              <m:r>
-                                <a:rPr lang="en-US" sz="2800" i="0">
-                                  <a:latin typeface="Cambria Math" panose="02040503050406030204" pitchFamily="18" charset="0"/>
-                                </a:rPr>
-                                <m:t>3</m:t>
-                              </m:r>
-                              <m:r>
-                                <a:rPr lang="en-US" sz="2800" i="0">
-                                  <a:latin typeface="Cambria Math" panose="02040503050406030204" pitchFamily="18" charset="0"/>
-                                </a:rPr>
-                                <m:t>             </m:t>
-                              </m:r>
-                              <m:r>
-                                <m:rPr>
-                                  <m:sty m:val="p"/>
-                                </m:rPr>
-                                <a:rPr lang="en-US" sz="2800" i="0">
-                                  <a:latin typeface="Cambria Math" panose="02040503050406030204" pitchFamily="18" charset="0"/>
-                                </a:rPr>
-                                <m:t>March</m:t>
-                              </m:r>
-                              <m:r>
-                                <a:rPr lang="en-US" sz="2800" i="0">
-                                  <a:latin typeface="Cambria Math" panose="02040503050406030204" pitchFamily="18" charset="0"/>
-                                </a:rPr>
-                                <m:t> </m:t>
-                              </m:r>
-                              <m:r>
-                                <a:rPr lang="en-US" sz="2800" i="0">
-                                  <a:latin typeface="Cambria Math" panose="02040503050406030204" pitchFamily="18" charset="0"/>
-                                </a:rPr>
-                                <m:t>11</m:t>
-                              </m:r>
-                              <m:r>
-                                <a:rPr lang="en-US" sz="2800" i="0">
-                                  <a:latin typeface="Cambria Math" panose="02040503050406030204" pitchFamily="18" charset="0"/>
-                                </a:rPr>
-                                <m:t>, </m:t>
-                              </m:r>
-                              <m:r>
-                                <a:rPr lang="en-US" sz="2800" i="0">
-                                  <a:latin typeface="Cambria Math" panose="02040503050406030204" pitchFamily="18" charset="0"/>
-                                </a:rPr>
-                                <m:t>2019</m:t>
-                              </m:r>
-                              <m:r>
-                                <a:rPr lang="en-US" sz="2800" i="0">
-                                  <a:latin typeface="Cambria Math" panose="02040503050406030204" pitchFamily="18" charset="0"/>
-                                </a:rPr>
-                                <m:t>≤</m:t>
-                              </m:r>
-                              <m:r>
-                                <m:rPr>
-                                  <m:sty m:val="p"/>
-                                </m:rPr>
-                                <a:rPr lang="en-US" sz="2800" i="0">
-                                  <a:latin typeface="Cambria Math" panose="02040503050406030204" pitchFamily="18" charset="0"/>
-                                </a:rPr>
-                                <m:t>Birth</m:t>
-                              </m:r>
-                              <m:r>
-                                <a:rPr lang="en-US" sz="2800" i="0">
-                                  <a:latin typeface="Cambria Math" panose="02040503050406030204" pitchFamily="18" charset="0"/>
-                                </a:rPr>
-                                <m:t> </m:t>
-                              </m:r>
-                              <m:r>
-                                <m:rPr>
-                                  <m:sty m:val="p"/>
-                                </m:rPr>
-                                <a:rPr lang="en-US" sz="2800" i="0">
-                                  <a:latin typeface="Cambria Math" panose="02040503050406030204" pitchFamily="18" charset="0"/>
-                                </a:rPr>
-                                <m:t>date</m:t>
-                              </m:r>
-                              <m:r>
-                                <a:rPr lang="en-US" sz="2800" i="0">
-                                  <a:latin typeface="Cambria Math" panose="02040503050406030204" pitchFamily="18" charset="0"/>
-                                </a:rPr>
-                                <m:t>&lt;</m:t>
-                              </m:r>
-                              <m:r>
-                                <m:rPr>
-                                  <m:sty m:val="p"/>
-                                </m:rPr>
-                                <a:rPr lang="en-US" sz="2800" i="0">
-                                  <a:latin typeface="Cambria Math" panose="02040503050406030204" pitchFamily="18" charset="0"/>
-                                </a:rPr>
-                                <m:t>Feb</m:t>
-                              </m:r>
-                              <m:r>
-                                <a:rPr lang="en-US" sz="2800" i="0">
-                                  <a:latin typeface="Cambria Math" panose="02040503050406030204" pitchFamily="18" charset="0"/>
-                                </a:rPr>
-                                <m:t> </m:t>
-                              </m:r>
-                              <m:r>
-                                <a:rPr lang="en-US" sz="2800" i="0">
-                                  <a:latin typeface="Cambria Math" panose="02040503050406030204" pitchFamily="18" charset="0"/>
-                                </a:rPr>
-                                <m:t>7</m:t>
-                              </m:r>
-                              <m:r>
-                                <a:rPr lang="en-US" sz="2800" i="0">
-                                  <a:latin typeface="Cambria Math" panose="02040503050406030204" pitchFamily="18" charset="0"/>
-                                </a:rPr>
-                                <m:t>, </m:t>
-                              </m:r>
-                              <m:r>
-                                <a:rPr lang="en-US" sz="2800" i="0">
-                                  <a:latin typeface="Cambria Math" panose="02040503050406030204" pitchFamily="18" charset="0"/>
-                                </a:rPr>
-                                <m:t>2021</m:t>
-                              </m:r>
-                            </m:e>
-                            <m:e>
-                              <m:r>
-                                <a:rPr lang="en-US" sz="2800" i="0">
-                                  <a:latin typeface="Cambria Math" panose="02040503050406030204" pitchFamily="18" charset="0"/>
-                                </a:rPr>
-                                <m:t>&amp;</m:t>
-                              </m:r>
-                              <m:r>
-                                <a:rPr lang="en-US" sz="2800" i="0">
-                                  <a:latin typeface="Cambria Math" panose="02040503050406030204" pitchFamily="18" charset="0"/>
-                                </a:rPr>
-                                <m:t>4</m:t>
-                              </m:r>
-                              <m:r>
-                                <a:rPr lang="en-US" sz="2800" b="0" i="0" smtClean="0">
-                                  <a:latin typeface="Cambria Math" panose="02040503050406030204" pitchFamily="18" charset="0"/>
-                                </a:rPr>
-                                <m:t>                                                  </m:t>
-                              </m:r>
-                              <m:r>
-                                <m:rPr>
-                                  <m:sty m:val="p"/>
-                                </m:rPr>
-                                <a:rPr lang="en-US" sz="2800" i="0">
-                                  <a:latin typeface="Cambria Math" panose="02040503050406030204" pitchFamily="18" charset="0"/>
-                                </a:rPr>
-                                <m:t>Birth</m:t>
-                              </m:r>
-                              <m:r>
-                                <a:rPr lang="en-US" sz="2800" i="0">
-                                  <a:latin typeface="Cambria Math" panose="02040503050406030204" pitchFamily="18" charset="0"/>
-                                </a:rPr>
-                                <m:t> </m:t>
-                              </m:r>
-                              <m:r>
-                                <m:rPr>
-                                  <m:sty m:val="p"/>
-                                </m:rPr>
-                                <a:rPr lang="en-US" sz="2800" i="0">
-                                  <a:latin typeface="Cambria Math" panose="02040503050406030204" pitchFamily="18" charset="0"/>
-                                </a:rPr>
-                                <m:t>date</m:t>
-                              </m:r>
-                              <m:r>
-                                <a:rPr lang="en-US" sz="2800" i="0">
-                                  <a:latin typeface="Cambria Math" panose="02040503050406030204" pitchFamily="18" charset="0"/>
-                                </a:rPr>
-                                <m:t>≥ </m:t>
-                              </m:r>
-                              <m:r>
-                                <m:rPr>
-                                  <m:sty m:val="p"/>
-                                </m:rPr>
-                                <a:rPr lang="en-US" sz="2800" i="0">
-                                  <a:latin typeface="Cambria Math" panose="02040503050406030204" pitchFamily="18" charset="0"/>
-                                </a:rPr>
-                                <m:t>Feb</m:t>
-                              </m:r>
-                              <m:r>
-                                <a:rPr lang="en-US" sz="2800" i="0">
-                                  <a:latin typeface="Cambria Math" panose="02040503050406030204" pitchFamily="18" charset="0"/>
-                                </a:rPr>
-                                <m:t> </m:t>
-                              </m:r>
-                              <m:r>
-                                <a:rPr lang="en-US" sz="2800" i="0">
-                                  <a:latin typeface="Cambria Math" panose="02040503050406030204" pitchFamily="18" charset="0"/>
-                                </a:rPr>
-                                <m:t>7</m:t>
-                              </m:r>
-                              <m:r>
-                                <a:rPr lang="en-US" sz="2800" i="0">
-                                  <a:latin typeface="Cambria Math" panose="02040503050406030204" pitchFamily="18" charset="0"/>
-                                </a:rPr>
-                                <m:t>, </m:t>
-                              </m:r>
-                              <m:r>
-                                <a:rPr lang="en-US" sz="2800" i="0">
-                                  <a:latin typeface="Cambria Math" panose="02040503050406030204" pitchFamily="18" charset="0"/>
-                                </a:rPr>
-                                <m:t>2021</m:t>
-                              </m:r>
-                            </m:e>
-                          </m:eqArr>
-                        </m:e>
-                      </m:d>
-                    </m:oMath>
-                  </m:oMathPara>
-                </a14:m>
-                <a:endParaRPr lang="en-US" sz="2800" dirty="0"/>
-              </a:p>
-            </p:txBody>
-          </p:sp>
-        </mc:Choice>
-        <mc:Fallback xmlns="">
-          <p:sp>
-            <p:nvSpPr>
-              <p:cNvPr id="4" name="TextBox 3">
-                <a:extLst>
-                  <a:ext uri="{FF2B5EF4-FFF2-40B4-BE49-F238E27FC236}">
-                    <a16:creationId xmlns:a16="http://schemas.microsoft.com/office/drawing/2014/main" id="{902ED1D7-E996-EF69-829B-593F4BE2D5F1}"/>
-                  </a:ext>
-                </a:extLst>
-              </p:cNvPr>
-              <p:cNvSpPr txBox="1">
-                <a:spLocks noRot="1" noChangeAspect="1" noMove="1" noResize="1" noEditPoints="1" noAdjustHandles="1" noChangeArrowheads="1" noChangeShapeType="1" noTextEdit="1"/>
-              </p:cNvSpPr>
-              <p:nvPr/>
-            </p:nvSpPr>
-            <p:spPr>
-              <a:xfrm>
-                <a:off x="2853834" y="17992750"/>
-                <a:ext cx="12409726" cy="1781000"/>
-              </a:xfrm>
-              <a:prstGeom prst="rect">
-                <a:avLst/>
-              </a:prstGeom>
-              <a:blipFill>
-                <a:blip r:embed="rId5"/>
-                <a:stretch>
-                  <a:fillRect/>
-                </a:stretch>
-              </a:blipFill>
-            </p:spPr>
-            <p:txBody>
-              <a:bodyPr/>
-              <a:lstStyle/>
-              <a:p>
-                <a:r>
-                  <a:rPr lang="en-US">
-                    <a:noFill/>
-                  </a:rPr>
-                  <a:t> </a:t>
-                </a:r>
-              </a:p>
-            </p:txBody>
-          </p:sp>
-        </mc:Fallback>
-      </mc:AlternateContent>
-      <p:pic>
-        <p:nvPicPr>
-          <p:cNvPr id="12" name="Picture 11" descr="A picture containing text, diagram, plot, line&#10;&#10;Description automatically generated">
-            <a:extLst>
-              <a:ext uri="{FF2B5EF4-FFF2-40B4-BE49-F238E27FC236}">
-                <a16:creationId xmlns:a16="http://schemas.microsoft.com/office/drawing/2014/main" id="{64B92B50-C75F-DFD6-5C24-3116D80DA9FB}"/>
-              </a:ext>
-            </a:extLst>
-          </p:cNvPr>
-          <p:cNvPicPr>
-            <a:picLocks noChangeAspect="1"/>
-          </p:cNvPicPr>
-          <p:nvPr/>
-        </p:nvPicPr>
-        <p:blipFill>
-          <a:blip r:embed="rId6">
-            <a:extLst>
-              <a:ext uri="{28A0092B-C50C-407E-A947-70E740481C1C}">
-                <a14:useLocalDpi xmlns:a14="http://schemas.microsoft.com/office/drawing/2010/main" val="0"/>
-              </a:ext>
-            </a:extLst>
-          </a:blip>
-          <a:stretch>
-            <a:fillRect/>
-          </a:stretch>
-        </p:blipFill>
-        <p:spPr>
-          <a:xfrm>
-            <a:off x="15456310" y="6007816"/>
-            <a:ext cx="9144000" cy="5486400"/>
-          </a:xfrm>
-          <a:prstGeom prst="rect">
-            <a:avLst/>
-          </a:prstGeom>
-        </p:spPr>
-      </p:pic>
-      <p:pic>
-        <p:nvPicPr>
-          <p:cNvPr id="14" name="Picture 13" descr="A picture containing text, line, plot, diagram&#10;&#10;Description automatically generated">
-            <a:extLst>
-              <a:ext uri="{FF2B5EF4-FFF2-40B4-BE49-F238E27FC236}">
-                <a16:creationId xmlns:a16="http://schemas.microsoft.com/office/drawing/2014/main" id="{76C44484-5FED-B635-14D0-FFCBD25AFD57}"/>
-              </a:ext>
-            </a:extLst>
-          </p:cNvPr>
-          <p:cNvPicPr>
-            <a:picLocks noChangeAspect="1"/>
-          </p:cNvPicPr>
-          <p:nvPr/>
-        </p:nvPicPr>
-        <p:blipFill>
-          <a:blip r:embed="rId7">
-            <a:extLst>
-              <a:ext uri="{28A0092B-C50C-407E-A947-70E740481C1C}">
-                <a14:useLocalDpi xmlns:a14="http://schemas.microsoft.com/office/drawing/2010/main" val="0"/>
-              </a:ext>
-            </a:extLst>
-          </a:blip>
-          <a:stretch>
-            <a:fillRect/>
-          </a:stretch>
-        </p:blipFill>
-        <p:spPr>
-          <a:xfrm>
-            <a:off x="20028310" y="18595162"/>
-            <a:ext cx="9144000" cy="5486400"/>
-          </a:xfrm>
-          <a:prstGeom prst="rect">
-            <a:avLst/>
-          </a:prstGeom>
-        </p:spPr>
-      </p:pic>
-      <p:pic>
-        <p:nvPicPr>
-          <p:cNvPr id="19" name="Picture 18" descr="A picture containing text, diagram, plot, line&#10;&#10;Description automatically generated">
-            <a:extLst>
-              <a:ext uri="{FF2B5EF4-FFF2-40B4-BE49-F238E27FC236}">
-                <a16:creationId xmlns:a16="http://schemas.microsoft.com/office/drawing/2014/main" id="{1D90C954-C4BF-FD27-0BD1-0C1E40F43CC9}"/>
-              </a:ext>
-            </a:extLst>
-          </p:cNvPr>
-          <p:cNvPicPr>
-            <a:picLocks noChangeAspect="1"/>
-          </p:cNvPicPr>
-          <p:nvPr/>
-        </p:nvPicPr>
-        <p:blipFill>
-          <a:blip r:embed="rId8">
-            <a:extLst>
-              <a:ext uri="{28A0092B-C50C-407E-A947-70E740481C1C}">
-                <a14:useLocalDpi xmlns:a14="http://schemas.microsoft.com/office/drawing/2010/main" val="0"/>
-              </a:ext>
-            </a:extLst>
-          </a:blip>
-          <a:stretch>
-            <a:fillRect/>
-          </a:stretch>
-        </p:blipFill>
-        <p:spPr>
-          <a:xfrm>
-            <a:off x="15456310" y="11871118"/>
-            <a:ext cx="9144000" cy="5486400"/>
-          </a:xfrm>
-          <a:prstGeom prst="rect">
-            <a:avLst/>
-          </a:prstGeom>
-        </p:spPr>
-      </p:pic>
-      <p:pic>
-        <p:nvPicPr>
-          <p:cNvPr id="21" name="Picture 20" descr="A picture containing text, diagram, line, plot&#10;&#10;Description automatically generated">
-            <a:extLst>
-              <a:ext uri="{FF2B5EF4-FFF2-40B4-BE49-F238E27FC236}">
-                <a16:creationId xmlns:a16="http://schemas.microsoft.com/office/drawing/2014/main" id="{59BA1690-E80A-9442-54D3-7167D9B60940}"/>
-              </a:ext>
-            </a:extLst>
-          </p:cNvPr>
-          <p:cNvPicPr>
-            <a:picLocks noChangeAspect="1"/>
-          </p:cNvPicPr>
-          <p:nvPr/>
-        </p:nvPicPr>
-        <p:blipFill>
-          <a:blip r:embed="rId9">
-            <a:extLst>
-              <a:ext uri="{28A0092B-C50C-407E-A947-70E740481C1C}">
-                <a14:useLocalDpi xmlns:a14="http://schemas.microsoft.com/office/drawing/2010/main" val="0"/>
-              </a:ext>
-            </a:extLst>
-          </a:blip>
-          <a:stretch>
-            <a:fillRect/>
-          </a:stretch>
-        </p:blipFill>
-        <p:spPr>
-          <a:xfrm>
-            <a:off x="20028310" y="24202027"/>
-            <a:ext cx="9144000" cy="5486400"/>
-          </a:xfrm>
-          <a:prstGeom prst="rect">
-            <a:avLst/>
-          </a:prstGeom>
-        </p:spPr>
-      </p:pic>
-      <p:graphicFrame>
-        <p:nvGraphicFramePr>
-          <p:cNvPr id="25" name="Table 24">
-            <a:extLst>
-              <a:ext uri="{FF2B5EF4-FFF2-40B4-BE49-F238E27FC236}">
-                <a16:creationId xmlns:a16="http://schemas.microsoft.com/office/drawing/2014/main" id="{1C7C5583-4E92-42BA-CDC5-332F860C9B86}"/>
-              </a:ext>
-            </a:extLst>
-          </p:cNvPr>
-          <p:cNvGraphicFramePr>
-            <a:graphicFrameLocks noGrp="1"/>
-          </p:cNvGraphicFramePr>
-          <p:nvPr>
-            <p:extLst>
-              <p:ext uri="{D42A27DB-BD31-4B8C-83A1-F6EECF244321}">
-                <p14:modId xmlns:p14="http://schemas.microsoft.com/office/powerpoint/2010/main" val="1384839691"/>
-              </p:ext>
-            </p:extLst>
-          </p:nvPr>
-        </p:nvGraphicFramePr>
-        <p:xfrm>
-          <a:off x="-7521012" y="17584325"/>
-          <a:ext cx="6832600" cy="2597849"/>
-        </p:xfrm>
-        <a:graphic>
-          <a:graphicData uri="http://schemas.openxmlformats.org/drawingml/2006/table">
-            <a:tbl>
-              <a:tblPr firstRow="1" firstCol="1" bandRow="1">
-                <a:tableStyleId>{2D5ABB26-0587-4C30-8999-92F81FD0307C}</a:tableStyleId>
-              </a:tblPr>
-              <a:tblGrid>
-                <a:gridCol w="1118870">
-                  <a:extLst>
-                    <a:ext uri="{9D8B030D-6E8A-4147-A177-3AD203B41FA5}">
-                      <a16:colId xmlns:a16="http://schemas.microsoft.com/office/drawing/2014/main" val="694928811"/>
-                    </a:ext>
-                  </a:extLst>
-                </a:gridCol>
-                <a:gridCol w="2856865">
-                  <a:extLst>
-                    <a:ext uri="{9D8B030D-6E8A-4147-A177-3AD203B41FA5}">
-                      <a16:colId xmlns:a16="http://schemas.microsoft.com/office/drawing/2014/main" val="3035277709"/>
-                    </a:ext>
-                  </a:extLst>
-                </a:gridCol>
-                <a:gridCol w="2856865">
-                  <a:extLst>
-                    <a:ext uri="{9D8B030D-6E8A-4147-A177-3AD203B41FA5}">
-                      <a16:colId xmlns:a16="http://schemas.microsoft.com/office/drawing/2014/main" val="2707887154"/>
-                    </a:ext>
-                  </a:extLst>
-                </a:gridCol>
-              </a:tblGrid>
-              <a:tr h="904685">
-                <a:tc>
-                  <a:txBody>
-                    <a:bodyPr/>
-                    <a:lstStyle/>
-                    <a:p>
-                      <a:pPr marL="0" marR="0" algn="ctr" rtl="0">
-                        <a:lnSpc>
-                          <a:spcPct val="107000"/>
-                        </a:lnSpc>
-                        <a:spcBef>
-                          <a:spcPts val="0"/>
-                        </a:spcBef>
-                        <a:spcAft>
-                          <a:spcPts val="0"/>
-                        </a:spcAft>
-                      </a:pPr>
-                      <a:r>
-                        <a:rPr lang="en-US" sz="2800" kern="100" dirty="0">
-                          <a:effectLst/>
-                          <a:latin typeface="Cambria Math" panose="02040503050406030204" pitchFamily="18" charset="0"/>
-                          <a:ea typeface="Cambria Math" panose="02040503050406030204" pitchFamily="18" charset="0"/>
-                        </a:rPr>
-                        <a:t>Group</a:t>
-                      </a:r>
-                      <a:endParaRPr lang="en-US" sz="2800" kern="100" dirty="0">
-                        <a:effectLst/>
-                        <a:latin typeface="Cambria Math" panose="02040503050406030204" pitchFamily="18" charset="0"/>
-                        <a:ea typeface="Cambria Math" panose="02040503050406030204" pitchFamily="18" charset="0"/>
-                        <a:cs typeface="Arial" panose="020B0604020202020204" pitchFamily="34" charset="0"/>
-                      </a:endParaRPr>
-                    </a:p>
-                  </a:txBody>
-                  <a:tcPr marL="68580" marR="68580" marT="0" marB="0" anchor="ctr"/>
-                </a:tc>
-                <a:tc>
-                  <a:txBody>
-                    <a:bodyPr/>
-                    <a:lstStyle/>
-                    <a:p>
-                      <a:pPr marL="0" marR="0" algn="ctr" rtl="0">
-                        <a:lnSpc>
-                          <a:spcPct val="107000"/>
-                        </a:lnSpc>
-                        <a:spcBef>
-                          <a:spcPts val="0"/>
-                        </a:spcBef>
-                        <a:spcAft>
-                          <a:spcPts val="0"/>
-                        </a:spcAft>
-                      </a:pPr>
-                      <a:r>
-                        <a:rPr lang="en-US" sz="2800" kern="100" dirty="0">
-                          <a:effectLst/>
-                          <a:latin typeface="Cambria Math" panose="02040503050406030204" pitchFamily="18" charset="0"/>
-                          <a:ea typeface="Cambria Math" panose="02040503050406030204" pitchFamily="18" charset="0"/>
-                        </a:rPr>
-                        <a:t>First-year </a:t>
-                      </a:r>
-                      <a:br>
-                        <a:rPr lang="en-US" sz="2800" kern="100" dirty="0">
-                          <a:effectLst/>
-                          <a:latin typeface="Cambria Math" panose="02040503050406030204" pitchFamily="18" charset="0"/>
-                          <a:ea typeface="Cambria Math" panose="02040503050406030204" pitchFamily="18" charset="0"/>
-                        </a:rPr>
-                      </a:br>
-                      <a:r>
-                        <a:rPr lang="en-US" sz="2800" kern="100" dirty="0">
-                          <a:effectLst/>
-                          <a:latin typeface="Cambria Math" panose="02040503050406030204" pitchFamily="18" charset="0"/>
-                          <a:ea typeface="Cambria Math" panose="02040503050406030204" pitchFamily="18" charset="0"/>
-                        </a:rPr>
-                        <a:t>sickness rate (%)</a:t>
-                      </a:r>
-                      <a:endParaRPr lang="en-US" sz="2800" kern="100" dirty="0">
-                        <a:effectLst/>
-                        <a:latin typeface="Cambria Math" panose="02040503050406030204" pitchFamily="18" charset="0"/>
-                        <a:ea typeface="Cambria Math" panose="02040503050406030204" pitchFamily="18" charset="0"/>
-                        <a:cs typeface="Arial" panose="020B0604020202020204" pitchFamily="34" charset="0"/>
-                      </a:endParaRPr>
-                    </a:p>
-                  </a:txBody>
-                  <a:tcPr marL="68580" marR="68580" marT="0" marB="0" anchor="ctr"/>
-                </a:tc>
-                <a:tc>
-                  <a:txBody>
-                    <a:bodyPr/>
-                    <a:lstStyle/>
-                    <a:p>
-                      <a:pPr marL="0" marR="0" algn="ctr" rtl="0">
-                        <a:lnSpc>
-                          <a:spcPct val="107000"/>
-                        </a:lnSpc>
-                        <a:spcBef>
-                          <a:spcPts val="0"/>
-                        </a:spcBef>
-                        <a:spcAft>
-                          <a:spcPts val="0"/>
-                        </a:spcAft>
-                      </a:pPr>
-                      <a:r>
-                        <a:rPr lang="en-US" sz="2800" kern="100" dirty="0">
-                          <a:effectLst/>
-                          <a:latin typeface="Cambria Math" panose="02040503050406030204" pitchFamily="18" charset="0"/>
-                          <a:ea typeface="Cambria Math" panose="02040503050406030204" pitchFamily="18" charset="0"/>
-                        </a:rPr>
-                        <a:t>Second-year </a:t>
-                      </a:r>
-                      <a:br>
-                        <a:rPr lang="en-US" sz="2800" kern="100" dirty="0">
-                          <a:effectLst/>
-                          <a:latin typeface="Cambria Math" panose="02040503050406030204" pitchFamily="18" charset="0"/>
-                          <a:ea typeface="Cambria Math" panose="02040503050406030204" pitchFamily="18" charset="0"/>
-                        </a:rPr>
-                      </a:br>
-                      <a:r>
-                        <a:rPr lang="en-US" sz="2800" kern="100" dirty="0">
-                          <a:effectLst/>
-                          <a:latin typeface="Cambria Math" panose="02040503050406030204" pitchFamily="18" charset="0"/>
-                          <a:ea typeface="Cambria Math" panose="02040503050406030204" pitchFamily="18" charset="0"/>
-                        </a:rPr>
-                        <a:t>sickness rate (%)</a:t>
-                      </a:r>
-                      <a:endParaRPr lang="en-US" sz="2800" kern="100" dirty="0">
-                        <a:effectLst/>
-                        <a:latin typeface="Cambria Math" panose="02040503050406030204" pitchFamily="18" charset="0"/>
-                        <a:ea typeface="Cambria Math" panose="02040503050406030204" pitchFamily="18" charset="0"/>
-                        <a:cs typeface="Arial" panose="020B0604020202020204" pitchFamily="34" charset="0"/>
-                      </a:endParaRPr>
-                    </a:p>
-                  </a:txBody>
-                  <a:tcPr marL="68580" marR="68580" marT="0" marB="0" anchor="ctr"/>
-                </a:tc>
-                <a:extLst>
-                  <a:ext uri="{0D108BD9-81ED-4DB2-BD59-A6C34878D82A}">
-                    <a16:rowId xmlns:a16="http://schemas.microsoft.com/office/drawing/2014/main" val="2009120744"/>
-                  </a:ext>
-                </a:extLst>
-              </a:tr>
-              <a:tr h="416839">
-                <a:tc>
-                  <a:txBody>
-                    <a:bodyPr/>
-                    <a:lstStyle/>
-                    <a:p>
-                      <a:pPr marL="0" marR="0" algn="ctr" rtl="0">
-                        <a:lnSpc>
-                          <a:spcPct val="107000"/>
-                        </a:lnSpc>
-                        <a:spcBef>
-                          <a:spcPts val="0"/>
-                        </a:spcBef>
-                        <a:spcAft>
-                          <a:spcPts val="0"/>
-                        </a:spcAft>
-                      </a:pPr>
-                      <a:r>
-                        <a:rPr lang="en-US" sz="2800" kern="100">
-                          <a:effectLst/>
-                          <a:latin typeface="Cambria Math" panose="02040503050406030204" pitchFamily="18" charset="0"/>
-                          <a:ea typeface="Cambria Math" panose="02040503050406030204" pitchFamily="18" charset="0"/>
-                        </a:rPr>
-                        <a:t>1</a:t>
-                      </a:r>
-                      <a:endParaRPr lang="en-US" sz="2800" kern="100">
-                        <a:effectLst/>
-                        <a:latin typeface="Cambria Math" panose="02040503050406030204" pitchFamily="18" charset="0"/>
-                        <a:ea typeface="Cambria Math" panose="02040503050406030204" pitchFamily="18" charset="0"/>
-                        <a:cs typeface="Arial" panose="020B0604020202020204" pitchFamily="34" charset="0"/>
-                      </a:endParaRPr>
-                    </a:p>
-                  </a:txBody>
-                  <a:tcPr marL="68580" marR="68580" marT="0" marB="0" anchor="ctr"/>
-                </a:tc>
-                <a:tc>
-                  <a:txBody>
-                    <a:bodyPr/>
-                    <a:lstStyle/>
-                    <a:p>
-                      <a:pPr marL="0" marR="0" algn="ctr" rtl="0">
-                        <a:lnSpc>
-                          <a:spcPct val="107000"/>
-                        </a:lnSpc>
-                        <a:spcBef>
-                          <a:spcPts val="0"/>
-                        </a:spcBef>
-                        <a:spcAft>
-                          <a:spcPts val="0"/>
-                        </a:spcAft>
-                      </a:pPr>
-                      <a:r>
-                        <a:rPr lang="en-US" sz="2800" kern="100" dirty="0">
-                          <a:effectLst/>
-                          <a:latin typeface="Cambria Math" panose="02040503050406030204" pitchFamily="18" charset="0"/>
-                          <a:ea typeface="Cambria Math" panose="02040503050406030204" pitchFamily="18" charset="0"/>
-                        </a:rPr>
-                        <a:t>77</a:t>
-                      </a:r>
-                      <a:endParaRPr lang="en-US" sz="2800" kern="100" dirty="0">
-                        <a:effectLst/>
-                        <a:latin typeface="Cambria Math" panose="02040503050406030204" pitchFamily="18" charset="0"/>
-                        <a:ea typeface="Cambria Math" panose="02040503050406030204" pitchFamily="18" charset="0"/>
-                        <a:cs typeface="Arial" panose="020B0604020202020204" pitchFamily="34" charset="0"/>
-                      </a:endParaRPr>
-                    </a:p>
-                  </a:txBody>
-                  <a:tcPr marL="68580" marR="68580" marT="0" marB="0" anchor="ctr"/>
-                </a:tc>
-                <a:tc>
-                  <a:txBody>
-                    <a:bodyPr/>
-                    <a:lstStyle/>
-                    <a:p>
-                      <a:pPr marL="0" marR="0" algn="ctr" rtl="0">
-                        <a:lnSpc>
-                          <a:spcPct val="107000"/>
-                        </a:lnSpc>
-                        <a:spcBef>
-                          <a:spcPts val="0"/>
-                        </a:spcBef>
-                        <a:spcAft>
-                          <a:spcPts val="0"/>
-                        </a:spcAft>
-                      </a:pPr>
-                      <a:r>
-                        <a:rPr lang="en-US" sz="2800" kern="100" dirty="0">
-                          <a:effectLst/>
-                          <a:latin typeface="Cambria Math" panose="02040503050406030204" pitchFamily="18" charset="0"/>
-                          <a:ea typeface="Cambria Math" panose="02040503050406030204" pitchFamily="18" charset="0"/>
-                        </a:rPr>
-                        <a:t>52</a:t>
-                      </a:r>
-                      <a:endParaRPr lang="en-US" sz="2800" kern="100" dirty="0">
-                        <a:effectLst/>
-                        <a:latin typeface="Cambria Math" panose="02040503050406030204" pitchFamily="18" charset="0"/>
-                        <a:ea typeface="Cambria Math" panose="02040503050406030204" pitchFamily="18" charset="0"/>
-                        <a:cs typeface="Arial" panose="020B0604020202020204" pitchFamily="34" charset="0"/>
-                      </a:endParaRPr>
-                    </a:p>
-                  </a:txBody>
-                  <a:tcPr marL="68580" marR="68580" marT="0" marB="0" anchor="ctr"/>
-                </a:tc>
-                <a:extLst>
-                  <a:ext uri="{0D108BD9-81ED-4DB2-BD59-A6C34878D82A}">
-                    <a16:rowId xmlns:a16="http://schemas.microsoft.com/office/drawing/2014/main" val="304544607"/>
-                  </a:ext>
-                </a:extLst>
-              </a:tr>
-              <a:tr h="416839">
-                <a:tc>
-                  <a:txBody>
-                    <a:bodyPr/>
-                    <a:lstStyle/>
-                    <a:p>
-                      <a:pPr marL="0" marR="0" algn="ctr" rtl="0">
-                        <a:lnSpc>
-                          <a:spcPct val="107000"/>
-                        </a:lnSpc>
-                        <a:spcBef>
-                          <a:spcPts val="0"/>
-                        </a:spcBef>
-                        <a:spcAft>
-                          <a:spcPts val="0"/>
-                        </a:spcAft>
-                      </a:pPr>
-                      <a:r>
-                        <a:rPr lang="en-US" sz="2800" kern="100">
-                          <a:effectLst/>
-                          <a:latin typeface="Cambria Math" panose="02040503050406030204" pitchFamily="18" charset="0"/>
-                          <a:ea typeface="Cambria Math" panose="02040503050406030204" pitchFamily="18" charset="0"/>
-                        </a:rPr>
-                        <a:t>2</a:t>
-                      </a:r>
-                      <a:endParaRPr lang="en-US" sz="2800" kern="100">
-                        <a:effectLst/>
-                        <a:latin typeface="Cambria Math" panose="02040503050406030204" pitchFamily="18" charset="0"/>
-                        <a:ea typeface="Cambria Math" panose="02040503050406030204" pitchFamily="18" charset="0"/>
-                        <a:cs typeface="Arial" panose="020B0604020202020204" pitchFamily="34" charset="0"/>
-                      </a:endParaRPr>
-                    </a:p>
-                  </a:txBody>
-                  <a:tcPr marL="68580" marR="68580" marT="0" marB="0" anchor="ctr"/>
-                </a:tc>
-                <a:tc>
-                  <a:txBody>
-                    <a:bodyPr/>
-                    <a:lstStyle/>
-                    <a:p>
-                      <a:pPr marL="0" marR="0" algn="ctr" rtl="0">
-                        <a:lnSpc>
-                          <a:spcPct val="107000"/>
-                        </a:lnSpc>
-                        <a:spcBef>
-                          <a:spcPts val="0"/>
-                        </a:spcBef>
-                        <a:spcAft>
-                          <a:spcPts val="0"/>
-                        </a:spcAft>
-                      </a:pPr>
-                      <a:r>
-                        <a:rPr lang="en-US" sz="2800" kern="100" dirty="0">
-                          <a:effectLst/>
-                          <a:latin typeface="Cambria Math" panose="02040503050406030204" pitchFamily="18" charset="0"/>
-                          <a:ea typeface="Cambria Math" panose="02040503050406030204" pitchFamily="18" charset="0"/>
-                        </a:rPr>
-                        <a:t>56</a:t>
-                      </a:r>
-                      <a:endParaRPr lang="en-US" sz="2800" kern="100" dirty="0">
-                        <a:effectLst/>
-                        <a:latin typeface="Cambria Math" panose="02040503050406030204" pitchFamily="18" charset="0"/>
-                        <a:ea typeface="Cambria Math" panose="02040503050406030204" pitchFamily="18" charset="0"/>
-                        <a:cs typeface="Arial" panose="020B0604020202020204" pitchFamily="34" charset="0"/>
-                      </a:endParaRPr>
-                    </a:p>
-                  </a:txBody>
-                  <a:tcPr marL="68580" marR="68580" marT="0" marB="0" anchor="ctr"/>
-                </a:tc>
-                <a:tc>
-                  <a:txBody>
-                    <a:bodyPr/>
-                    <a:lstStyle/>
-                    <a:p>
-                      <a:pPr marL="0" marR="0" algn="ctr" rtl="0">
-                        <a:lnSpc>
-                          <a:spcPct val="107000"/>
-                        </a:lnSpc>
-                        <a:spcBef>
-                          <a:spcPts val="0"/>
-                        </a:spcBef>
-                        <a:spcAft>
-                          <a:spcPts val="0"/>
-                        </a:spcAft>
-                      </a:pPr>
-                      <a:r>
-                        <a:rPr lang="en-US" sz="2800" kern="100" dirty="0">
-                          <a:effectLst/>
-                          <a:latin typeface="Cambria Math" panose="02040503050406030204" pitchFamily="18" charset="0"/>
-                          <a:ea typeface="Cambria Math" panose="02040503050406030204" pitchFamily="18" charset="0"/>
-                        </a:rPr>
-                        <a:t>59</a:t>
-                      </a:r>
-                      <a:endParaRPr lang="en-US" sz="2800" kern="100" dirty="0">
-                        <a:effectLst/>
-                        <a:latin typeface="Cambria Math" panose="02040503050406030204" pitchFamily="18" charset="0"/>
-                        <a:ea typeface="Cambria Math" panose="02040503050406030204" pitchFamily="18" charset="0"/>
-                        <a:cs typeface="Arial" panose="020B0604020202020204" pitchFamily="34" charset="0"/>
-                      </a:endParaRPr>
-                    </a:p>
-                  </a:txBody>
-                  <a:tcPr marL="68580" marR="68580" marT="0" marB="0" anchor="ctr"/>
-                </a:tc>
-                <a:extLst>
-                  <a:ext uri="{0D108BD9-81ED-4DB2-BD59-A6C34878D82A}">
-                    <a16:rowId xmlns:a16="http://schemas.microsoft.com/office/drawing/2014/main" val="545208140"/>
-                  </a:ext>
-                </a:extLst>
-              </a:tr>
-              <a:tr h="416839">
-                <a:tc>
-                  <a:txBody>
-                    <a:bodyPr/>
-                    <a:lstStyle/>
-                    <a:p>
-                      <a:pPr marL="0" marR="0" algn="ctr" rtl="0">
-                        <a:lnSpc>
-                          <a:spcPct val="107000"/>
-                        </a:lnSpc>
-                        <a:spcBef>
-                          <a:spcPts val="0"/>
-                        </a:spcBef>
-                        <a:spcAft>
-                          <a:spcPts val="0"/>
-                        </a:spcAft>
-                      </a:pPr>
-                      <a:r>
-                        <a:rPr lang="en-US" sz="2800" kern="100">
-                          <a:effectLst/>
-                          <a:latin typeface="Cambria Math" panose="02040503050406030204" pitchFamily="18" charset="0"/>
-                          <a:ea typeface="Cambria Math" panose="02040503050406030204" pitchFamily="18" charset="0"/>
-                        </a:rPr>
-                        <a:t>3</a:t>
-                      </a:r>
-                      <a:endParaRPr lang="en-US" sz="2800" kern="100">
-                        <a:effectLst/>
-                        <a:latin typeface="Cambria Math" panose="02040503050406030204" pitchFamily="18" charset="0"/>
-                        <a:ea typeface="Cambria Math" panose="02040503050406030204" pitchFamily="18" charset="0"/>
-                        <a:cs typeface="Arial" panose="020B0604020202020204" pitchFamily="34" charset="0"/>
-                      </a:endParaRPr>
-                    </a:p>
-                  </a:txBody>
-                  <a:tcPr marL="68580" marR="68580" marT="0" marB="0" anchor="ctr"/>
-                </a:tc>
-                <a:tc>
-                  <a:txBody>
-                    <a:bodyPr/>
-                    <a:lstStyle/>
-                    <a:p>
-                      <a:pPr marL="0" marR="0" algn="ctr" rtl="0">
-                        <a:lnSpc>
-                          <a:spcPct val="107000"/>
-                        </a:lnSpc>
-                        <a:spcBef>
-                          <a:spcPts val="0"/>
-                        </a:spcBef>
-                        <a:spcAft>
-                          <a:spcPts val="0"/>
-                        </a:spcAft>
-                      </a:pPr>
-                      <a:r>
-                        <a:rPr lang="en-US" sz="2800" kern="100" dirty="0">
-                          <a:effectLst/>
-                          <a:latin typeface="Cambria Math" panose="02040503050406030204" pitchFamily="18" charset="0"/>
-                          <a:ea typeface="Cambria Math" panose="02040503050406030204" pitchFamily="18" charset="0"/>
-                        </a:rPr>
-                        <a:t>71</a:t>
-                      </a:r>
-                      <a:endParaRPr lang="en-US" sz="2800" kern="100" dirty="0">
-                        <a:effectLst/>
-                        <a:latin typeface="Cambria Math" panose="02040503050406030204" pitchFamily="18" charset="0"/>
-                        <a:ea typeface="Cambria Math" panose="02040503050406030204" pitchFamily="18" charset="0"/>
-                        <a:cs typeface="Arial" panose="020B0604020202020204" pitchFamily="34" charset="0"/>
-                      </a:endParaRPr>
-                    </a:p>
-                  </a:txBody>
-                  <a:tcPr marL="68580" marR="68580" marT="0" marB="0" anchor="ctr"/>
-                </a:tc>
-                <a:tc>
-                  <a:txBody>
-                    <a:bodyPr/>
-                    <a:lstStyle/>
-                    <a:p>
-                      <a:pPr marL="0" marR="0" algn="ctr" rtl="0">
-                        <a:lnSpc>
-                          <a:spcPct val="107000"/>
-                        </a:lnSpc>
-                        <a:spcBef>
-                          <a:spcPts val="0"/>
-                        </a:spcBef>
-                        <a:spcAft>
-                          <a:spcPts val="0"/>
-                        </a:spcAft>
-                      </a:pPr>
-                      <a:r>
-                        <a:rPr lang="en-US" sz="2800" kern="100" dirty="0">
-                          <a:effectLst/>
-                          <a:latin typeface="Cambria Math" panose="02040503050406030204" pitchFamily="18" charset="0"/>
-                          <a:ea typeface="Cambria Math" panose="02040503050406030204" pitchFamily="18" charset="0"/>
-                        </a:rPr>
-                        <a:t>68</a:t>
-                      </a:r>
-                      <a:endParaRPr lang="en-US" sz="2800" kern="100" dirty="0">
-                        <a:effectLst/>
-                        <a:latin typeface="Cambria Math" panose="02040503050406030204" pitchFamily="18" charset="0"/>
-                        <a:ea typeface="Cambria Math" panose="02040503050406030204" pitchFamily="18" charset="0"/>
-                        <a:cs typeface="Arial" panose="020B0604020202020204" pitchFamily="34" charset="0"/>
-                      </a:endParaRPr>
-                    </a:p>
-                  </a:txBody>
-                  <a:tcPr marL="68580" marR="68580" marT="0" marB="0" anchor="ctr"/>
-                </a:tc>
-                <a:extLst>
-                  <a:ext uri="{0D108BD9-81ED-4DB2-BD59-A6C34878D82A}">
-                    <a16:rowId xmlns:a16="http://schemas.microsoft.com/office/drawing/2014/main" val="3799792934"/>
-                  </a:ext>
-                </a:extLst>
-              </a:tr>
-              <a:tr h="416839">
-                <a:tc>
-                  <a:txBody>
-                    <a:bodyPr/>
-                    <a:lstStyle/>
-                    <a:p>
-                      <a:pPr marL="0" marR="0" algn="ctr" rtl="0">
-                        <a:lnSpc>
-                          <a:spcPct val="107000"/>
-                        </a:lnSpc>
-                        <a:spcBef>
-                          <a:spcPts val="0"/>
-                        </a:spcBef>
-                        <a:spcAft>
-                          <a:spcPts val="0"/>
-                        </a:spcAft>
-                      </a:pPr>
-                      <a:r>
-                        <a:rPr lang="en-US" sz="2800" kern="100" dirty="0">
-                          <a:effectLst/>
-                          <a:latin typeface="Cambria Math" panose="02040503050406030204" pitchFamily="18" charset="0"/>
-                          <a:ea typeface="Cambria Math" panose="02040503050406030204" pitchFamily="18" charset="0"/>
-                        </a:rPr>
-                        <a:t>4</a:t>
-                      </a:r>
-                      <a:endParaRPr lang="en-US" sz="2800" kern="100" dirty="0">
-                        <a:effectLst/>
-                        <a:latin typeface="Cambria Math" panose="02040503050406030204" pitchFamily="18" charset="0"/>
-                        <a:ea typeface="Cambria Math" panose="02040503050406030204" pitchFamily="18" charset="0"/>
-                        <a:cs typeface="Arial" panose="020B0604020202020204" pitchFamily="34" charset="0"/>
-                      </a:endParaRPr>
-                    </a:p>
-                  </a:txBody>
-                  <a:tcPr marL="68580" marR="68580" marT="0" marB="0" anchor="ctr"/>
-                </a:tc>
-                <a:tc>
-                  <a:txBody>
-                    <a:bodyPr/>
-                    <a:lstStyle/>
-                    <a:p>
-                      <a:pPr marL="0" marR="0" algn="ctr" rtl="0">
-                        <a:lnSpc>
-                          <a:spcPct val="107000"/>
-                        </a:lnSpc>
-                        <a:spcBef>
-                          <a:spcPts val="0"/>
-                        </a:spcBef>
-                        <a:spcAft>
-                          <a:spcPts val="0"/>
-                        </a:spcAft>
-                      </a:pPr>
-                      <a:r>
-                        <a:rPr lang="en-US" sz="2800" kern="100" dirty="0">
-                          <a:effectLst/>
-                          <a:latin typeface="Cambria Math" panose="02040503050406030204" pitchFamily="18" charset="0"/>
-                          <a:ea typeface="Cambria Math" panose="02040503050406030204" pitchFamily="18" charset="0"/>
-                        </a:rPr>
-                        <a:t>78</a:t>
-                      </a:r>
-                      <a:endParaRPr lang="en-US" sz="2800" kern="100" dirty="0">
-                        <a:effectLst/>
-                        <a:latin typeface="Cambria Math" panose="02040503050406030204" pitchFamily="18" charset="0"/>
-                        <a:ea typeface="Cambria Math" panose="02040503050406030204" pitchFamily="18" charset="0"/>
-                        <a:cs typeface="Arial" panose="020B0604020202020204" pitchFamily="34" charset="0"/>
-                      </a:endParaRPr>
-                    </a:p>
-                  </a:txBody>
-                  <a:tcPr marL="68580" marR="68580" marT="0" marB="0" anchor="ctr"/>
-                </a:tc>
-                <a:tc>
-                  <a:txBody>
-                    <a:bodyPr/>
-                    <a:lstStyle/>
-                    <a:p>
-                      <a:pPr marL="0" marR="0" algn="ctr" rtl="0">
-                        <a:lnSpc>
-                          <a:spcPct val="107000"/>
-                        </a:lnSpc>
-                        <a:spcBef>
-                          <a:spcPts val="0"/>
-                        </a:spcBef>
-                        <a:spcAft>
-                          <a:spcPts val="0"/>
-                        </a:spcAft>
-                      </a:pPr>
-                      <a:r>
-                        <a:rPr lang="en-US" sz="2800" kern="100" dirty="0">
-                          <a:effectLst/>
-                          <a:latin typeface="Cambria Math" panose="02040503050406030204" pitchFamily="18" charset="0"/>
-                          <a:ea typeface="Cambria Math" panose="02040503050406030204" pitchFamily="18" charset="0"/>
-                        </a:rPr>
-                        <a:t>68</a:t>
-                      </a:r>
-                      <a:endParaRPr lang="en-US" sz="2800" kern="100" dirty="0">
-                        <a:effectLst/>
-                        <a:latin typeface="Cambria Math" panose="02040503050406030204" pitchFamily="18" charset="0"/>
-                        <a:ea typeface="Cambria Math" panose="02040503050406030204" pitchFamily="18" charset="0"/>
-                        <a:cs typeface="Arial" panose="020B0604020202020204" pitchFamily="34" charset="0"/>
-                      </a:endParaRPr>
-                    </a:p>
-                  </a:txBody>
-                  <a:tcPr marL="68580" marR="68580" marT="0" marB="0" anchor="ctr"/>
-                </a:tc>
-                <a:extLst>
-                  <a:ext uri="{0D108BD9-81ED-4DB2-BD59-A6C34878D82A}">
-                    <a16:rowId xmlns:a16="http://schemas.microsoft.com/office/drawing/2014/main" val="1790511498"/>
-                  </a:ext>
-                </a:extLst>
-              </a:tr>
-            </a:tbl>
-          </a:graphicData>
-        </a:graphic>
-      </p:graphicFrame>
-    </p:spTree>
-    <p:extLst>
-      <p:ext uri="{BB962C8B-B14F-4D97-AF65-F5344CB8AC3E}">
-        <p14:creationId xmlns:p14="http://schemas.microsoft.com/office/powerpoint/2010/main" val="1000118881"/>
-      </p:ext>
-    </p:extLst>
-  </p:cSld>
-  <p:clrMapOvr>
-    <a:masterClrMapping/>
-  </p:clrMapOvr>
-</p:sld>
-</file>
-
-<file path=ppt/slides/slide2.xml><?xml version="1.0" encoding="utf-8"?>
 <p:sld xmlns:a="http://schemas.openxmlformats.org/drawingml/2006/main" xmlns:r="http://schemas.openxmlformats.org/officeDocument/2006/relationships" xmlns:p="http://schemas.openxmlformats.org/presentationml/2006/main">
   <p:cSld>
     <p:bg>
@@ -7748,7 +4348,13 @@
           <p:cNvGraphicFramePr>
             <a:graphicFrameLocks noGrp="1"/>
           </p:cNvGraphicFramePr>
-          <p:nvPr/>
+          <p:nvPr>
+            <p:extLst>
+              <p:ext uri="{D42A27DB-BD31-4B8C-83A1-F6EECF244321}">
+                <p14:modId xmlns:p14="http://schemas.microsoft.com/office/powerpoint/2010/main" val="3736468401"/>
+              </p:ext>
+            </p:extLst>
+          </p:nvPr>
         </p:nvGraphicFramePr>
         <p:xfrm>
           <a:off x="15011670" y="4952526"/>
@@ -7838,21 +4444,24 @@
                     <a:bodyPr/>
                     <a:lstStyle/>
                     <a:p>
-                      <a:pPr marL="457200" indent="-457200" algn="l" rtl="0">
+                      <a:pPr marL="0" indent="0" algn="l" rtl="0">
                         <a:lnSpc>
                           <a:spcPct val="150000"/>
                         </a:lnSpc>
                         <a:buFont typeface="Arial" panose="020B0604020202020204" pitchFamily="34" charset="0"/>
-                        <a:buChar char="•"/>
+                        <a:buNone/>
                       </a:pPr>
-                      <a:endParaRPr lang="en-US" sz="3200" kern="1200" dirty="0">
-                        <a:solidFill>
-                          <a:schemeClr val="dk1"/>
-                        </a:solidFill>
-                        <a:latin typeface="+mn-lt"/>
-                        <a:ea typeface="+mn-ea"/>
-                        <a:cs typeface="+mn-cs"/>
-                      </a:endParaRPr>
+                      <a:r>
+                        <a:rPr lang="en-US" sz="3200" kern="1200" dirty="0">
+                          <a:solidFill>
+                            <a:schemeClr val="dk1"/>
+                          </a:solidFill>
+                          <a:latin typeface="+mn-lt"/>
+                          <a:ea typeface="+mn-ea"/>
+                          <a:cs typeface="+mn-cs"/>
+                        </a:rPr>
+                        <a:t> Results of the Second-year - Logistic regression Vs. GAM model :  </a:t>
+                      </a:r>
                     </a:p>
                     <a:p>
                       <a:pPr marL="457200" indent="-457200" algn="l" rtl="0">
@@ -9214,25 +5823,7 @@
                                 <a:rPr lang="en-US" sz="2800" i="0">
                                   <a:latin typeface="Cambria Math" panose="02040503050406030204" pitchFamily="18" charset="0"/>
                                 </a:rPr>
-                                <m:t>&amp;</m:t>
-                              </m:r>
-                              <m:r>
-                                <a:rPr lang="en-US" sz="2800" i="0">
-                                  <a:latin typeface="Cambria Math" panose="02040503050406030204" pitchFamily="18" charset="0"/>
-                                </a:rPr>
-                                <m:t>1</m:t>
-                              </m:r>
-                              <m:r>
-                                <a:rPr lang="en-US" sz="2800" i="0">
-                                  <a:latin typeface="Cambria Math" panose="02040503050406030204" pitchFamily="18" charset="0"/>
-                                </a:rPr>
-                                <m:t>                                           </m:t>
-                              </m:r>
-                              <m:r>
-                                <a:rPr lang="en-US" sz="2800" i="0">
-                                  <a:latin typeface="Cambria Math" panose="02040503050406030204" pitchFamily="18" charset="0"/>
-                                </a:rPr>
-                                <m:t> </m:t>
+                                <m:t>&amp;1                                            </m:t>
                               </m:r>
                               <m:r>
                                 <m:rPr>
@@ -9277,31 +5868,7 @@
                                 <a:rPr lang="en-US" sz="2800" i="0">
                                   <a:latin typeface="Cambria Math" panose="02040503050406030204" pitchFamily="18" charset="0"/>
                                 </a:rPr>
-                                <m:t> </m:t>
-                              </m:r>
-                              <m:r>
-                                <a:rPr lang="en-US" sz="2800" i="0">
-                                  <a:latin typeface="Cambria Math" panose="02040503050406030204" pitchFamily="18" charset="0"/>
-                                </a:rPr>
-                                <m:t>1</m:t>
-                              </m:r>
-                              <m:r>
-                                <a:rPr lang="en-US" sz="2800" i="0">
-                                  <a:latin typeface="Cambria Math" panose="02040503050406030204" pitchFamily="18" charset="0"/>
-                                </a:rPr>
-                                <m:t>, </m:t>
-                              </m:r>
-                              <m:r>
-                                <a:rPr lang="en-US" sz="2800" i="0">
-                                  <a:latin typeface="Cambria Math" panose="02040503050406030204" pitchFamily="18" charset="0"/>
-                                </a:rPr>
-                                <m:t>2019</m:t>
-                              </m:r>
-                              <m:r>
-                                <a:rPr lang="en-US" sz="2800" i="0">
-                                  <a:latin typeface="Cambria Math" panose="02040503050406030204" pitchFamily="18" charset="0"/>
-                                </a:rPr>
-                                <m:t> </m:t>
+                                <m:t> 1, 2019 </m:t>
                               </m:r>
                             </m:e>
                             <m:e>
@@ -9309,19 +5876,7 @@
                                 <a:rPr lang="en-US" sz="2800" i="0">
                                   <a:latin typeface="Cambria Math" panose="02040503050406030204" pitchFamily="18" charset="0"/>
                                 </a:rPr>
-                                <m:t>&amp;</m:t>
-                              </m:r>
-                              <m:r>
-                                <a:rPr lang="en-US" sz="2800" i="0">
-                                  <a:latin typeface="Cambria Math" panose="02040503050406030204" pitchFamily="18" charset="0"/>
-                                </a:rPr>
-                                <m:t>2</m:t>
-                              </m:r>
-                              <m:r>
-                                <a:rPr lang="en-US" sz="2800" i="0">
-                                  <a:latin typeface="Cambria Math" panose="02040503050406030204" pitchFamily="18" charset="0"/>
-                                </a:rPr>
-                                <m:t>       </m:t>
+                                <m:t>&amp;2       </m:t>
                               </m:r>
                               <m:r>
                                 <m:rPr>
@@ -9336,31 +5891,7 @@
                                 <a:rPr lang="en-US" sz="2800" i="0">
                                   <a:latin typeface="Cambria Math" panose="02040503050406030204" pitchFamily="18" charset="0"/>
                                 </a:rPr>
-                                <m:t> </m:t>
-                              </m:r>
-                              <m:r>
-                                <a:rPr lang="en-US" sz="2800" i="0">
-                                  <a:latin typeface="Cambria Math" panose="02040503050406030204" pitchFamily="18" charset="0"/>
-                                </a:rPr>
-                                <m:t>1</m:t>
-                              </m:r>
-                              <m:r>
-                                <a:rPr lang="en-US" sz="2800" i="0">
-                                  <a:latin typeface="Cambria Math" panose="02040503050406030204" pitchFamily="18" charset="0"/>
-                                </a:rPr>
-                                <m:t>, </m:t>
-                              </m:r>
-                              <m:r>
-                                <a:rPr lang="en-US" sz="2800" i="0">
-                                  <a:latin typeface="Cambria Math" panose="02040503050406030204" pitchFamily="18" charset="0"/>
-                                </a:rPr>
-                                <m:t>2019</m:t>
-                              </m:r>
-                              <m:r>
-                                <a:rPr lang="en-US" sz="2800" i="0">
-                                  <a:latin typeface="Cambria Math" panose="02040503050406030204" pitchFamily="18" charset="0"/>
-                                </a:rPr>
-                                <m:t>≤</m:t>
+                                <m:t> 1, 2019≤</m:t>
                               </m:r>
                               <m:r>
                                 <m:rPr>
@@ -9405,25 +5936,7 @@
                                 <a:rPr lang="en-US" sz="2800" i="0">
                                   <a:latin typeface="Cambria Math" panose="02040503050406030204" pitchFamily="18" charset="0"/>
                                 </a:rPr>
-                                <m:t> </m:t>
-                              </m:r>
-                              <m:r>
-                                <a:rPr lang="en-US" sz="2800" i="0">
-                                  <a:latin typeface="Cambria Math" panose="02040503050406030204" pitchFamily="18" charset="0"/>
-                                </a:rPr>
-                                <m:t>11</m:t>
-                              </m:r>
-                              <m:r>
-                                <a:rPr lang="en-US" sz="2800" i="0">
-                                  <a:latin typeface="Cambria Math" panose="02040503050406030204" pitchFamily="18" charset="0"/>
-                                </a:rPr>
-                                <m:t>, </m:t>
-                              </m:r>
-                              <m:r>
-                                <a:rPr lang="en-US" sz="2800" i="0">
-                                  <a:latin typeface="Cambria Math" panose="02040503050406030204" pitchFamily="18" charset="0"/>
-                                </a:rPr>
-                                <m:t>2019</m:t>
+                                <m:t> 11, 2019</m:t>
                               </m:r>
                             </m:e>
                             <m:e>
@@ -9431,19 +5944,7 @@
                                 <a:rPr lang="en-US" sz="2800" i="0">
                                   <a:latin typeface="Cambria Math" panose="02040503050406030204" pitchFamily="18" charset="0"/>
                                 </a:rPr>
-                                <m:t>&amp;</m:t>
-                              </m:r>
-                              <m:r>
-                                <a:rPr lang="en-US" sz="2800" i="0">
-                                  <a:latin typeface="Cambria Math" panose="02040503050406030204" pitchFamily="18" charset="0"/>
-                                </a:rPr>
-                                <m:t>3</m:t>
-                              </m:r>
-                              <m:r>
-                                <a:rPr lang="en-US" sz="2800" i="0">
-                                  <a:latin typeface="Cambria Math" panose="02040503050406030204" pitchFamily="18" charset="0"/>
-                                </a:rPr>
-                                <m:t>             </m:t>
+                                <m:t>&amp;3             </m:t>
                               </m:r>
                               <m:r>
                                 <m:rPr>
@@ -9458,31 +5959,7 @@
                                 <a:rPr lang="en-US" sz="2800" i="0">
                                   <a:latin typeface="Cambria Math" panose="02040503050406030204" pitchFamily="18" charset="0"/>
                                 </a:rPr>
-                                <m:t> </m:t>
-                              </m:r>
-                              <m:r>
-                                <a:rPr lang="en-US" sz="2800" i="0">
-                                  <a:latin typeface="Cambria Math" panose="02040503050406030204" pitchFamily="18" charset="0"/>
-                                </a:rPr>
-                                <m:t>11</m:t>
-                              </m:r>
-                              <m:r>
-                                <a:rPr lang="en-US" sz="2800" i="0">
-                                  <a:latin typeface="Cambria Math" panose="02040503050406030204" pitchFamily="18" charset="0"/>
-                                </a:rPr>
-                                <m:t>, </m:t>
-                              </m:r>
-                              <m:r>
-                                <a:rPr lang="en-US" sz="2800" i="0">
-                                  <a:latin typeface="Cambria Math" panose="02040503050406030204" pitchFamily="18" charset="0"/>
-                                </a:rPr>
-                                <m:t>2019</m:t>
-                              </m:r>
-                              <m:r>
-                                <a:rPr lang="en-US" sz="2800" i="0">
-                                  <a:latin typeface="Cambria Math" panose="02040503050406030204" pitchFamily="18" charset="0"/>
-                                </a:rPr>
-                                <m:t>≤</m:t>
+                                <m:t> 11, 2019≤</m:t>
                               </m:r>
                               <m:r>
                                 <m:rPr>
@@ -9527,25 +6004,7 @@
                                 <a:rPr lang="en-US" sz="2800" i="0">
                                   <a:latin typeface="Cambria Math" panose="02040503050406030204" pitchFamily="18" charset="0"/>
                                 </a:rPr>
-                                <m:t> </m:t>
-                              </m:r>
-                              <m:r>
-                                <a:rPr lang="en-US" sz="2800" i="0">
-                                  <a:latin typeface="Cambria Math" panose="02040503050406030204" pitchFamily="18" charset="0"/>
-                                </a:rPr>
-                                <m:t>7</m:t>
-                              </m:r>
-                              <m:r>
-                                <a:rPr lang="en-US" sz="2800" i="0">
-                                  <a:latin typeface="Cambria Math" panose="02040503050406030204" pitchFamily="18" charset="0"/>
-                                </a:rPr>
-                                <m:t>, </m:t>
-                              </m:r>
-                              <m:r>
-                                <a:rPr lang="en-US" sz="2800" i="0">
-                                  <a:latin typeface="Cambria Math" panose="02040503050406030204" pitchFamily="18" charset="0"/>
-                                </a:rPr>
-                                <m:t>2021</m:t>
+                                <m:t> 7, 2021</m:t>
                               </m:r>
                             </m:e>
                             <m:e>
@@ -9553,13 +6012,7 @@
                                 <a:rPr lang="en-US" sz="2800" i="0">
                                   <a:latin typeface="Cambria Math" panose="02040503050406030204" pitchFamily="18" charset="0"/>
                                 </a:rPr>
-                                <m:t>&amp;</m:t>
-                              </m:r>
-                              <m:r>
-                                <a:rPr lang="en-US" sz="2800" i="0">
-                                  <a:latin typeface="Cambria Math" panose="02040503050406030204" pitchFamily="18" charset="0"/>
-                                </a:rPr>
-                                <m:t>4</m:t>
+                                <m:t>&amp;4</m:t>
                               </m:r>
                               <m:r>
                                 <a:rPr lang="en-US" sz="2800" b="0" i="0" smtClean="0">
@@ -9610,25 +6063,7 @@
                                 <a:rPr lang="en-US" sz="2800" i="0">
                                   <a:latin typeface="Cambria Math" panose="02040503050406030204" pitchFamily="18" charset="0"/>
                                 </a:rPr>
-                                <m:t> </m:t>
-                              </m:r>
-                              <m:r>
-                                <a:rPr lang="en-US" sz="2800" i="0">
-                                  <a:latin typeface="Cambria Math" panose="02040503050406030204" pitchFamily="18" charset="0"/>
-                                </a:rPr>
-                                <m:t>7</m:t>
-                              </m:r>
-                              <m:r>
-                                <a:rPr lang="en-US" sz="2800" i="0">
-                                  <a:latin typeface="Cambria Math" panose="02040503050406030204" pitchFamily="18" charset="0"/>
-                                </a:rPr>
-                                <m:t>, </m:t>
-                              </m:r>
-                              <m:r>
-                                <a:rPr lang="en-US" sz="2800" i="0">
-                                  <a:latin typeface="Cambria Math" panose="02040503050406030204" pitchFamily="18" charset="0"/>
-                                </a:rPr>
-                                <m:t>2021</m:t>
+                                <m:t> 7, 2021</m:t>
                               </m:r>
                             </m:e>
                           </m:eqArr>
@@ -9687,150 +6122,6 @@
           </p:sp>
         </mc:Fallback>
       </mc:AlternateContent>
-      <p:pic>
-        <p:nvPicPr>
-          <p:cNvPr id="12" name="Picture 11" descr="A picture containing text, diagram, plot, line&#10;&#10;Description automatically generated">
-            <a:extLst>
-              <a:ext uri="{FF2B5EF4-FFF2-40B4-BE49-F238E27FC236}">
-                <a16:creationId xmlns:a16="http://schemas.microsoft.com/office/drawing/2014/main" id="{64B92B50-C75F-DFD6-5C24-3116D80DA9FB}"/>
-              </a:ext>
-            </a:extLst>
-          </p:cNvPr>
-          <p:cNvPicPr>
-            <a:picLocks noChangeAspect="1"/>
-          </p:cNvPicPr>
-          <p:nvPr/>
-        </p:nvPicPr>
-        <p:blipFill>
-          <a:blip r:embed="rId5">
-            <a:extLst>
-              <a:ext uri="{28A0092B-C50C-407E-A947-70E740481C1C}">
-                <a14:useLocalDpi xmlns:a14="http://schemas.microsoft.com/office/drawing/2010/main" val="0"/>
-              </a:ext>
-            </a:extLst>
-          </a:blip>
-          <a:stretch>
-            <a:fillRect/>
-          </a:stretch>
-        </p:blipFill>
-        <p:spPr>
-          <a:xfrm>
-            <a:off x="15456310" y="6007816"/>
-            <a:ext cx="9144000" cy="5486400"/>
-          </a:xfrm>
-          <a:prstGeom prst="rect">
-            <a:avLst/>
-          </a:prstGeom>
-        </p:spPr>
-      </p:pic>
-      <p:pic>
-        <p:nvPicPr>
-          <p:cNvPr id="14" name="Picture 13" descr="A picture containing text, line, plot, diagram&#10;&#10;Description automatically generated">
-            <a:extLst>
-              <a:ext uri="{FF2B5EF4-FFF2-40B4-BE49-F238E27FC236}">
-                <a16:creationId xmlns:a16="http://schemas.microsoft.com/office/drawing/2014/main" id="{76C44484-5FED-B635-14D0-FFCBD25AFD57}"/>
-              </a:ext>
-            </a:extLst>
-          </p:cNvPr>
-          <p:cNvPicPr>
-            <a:picLocks noChangeAspect="1"/>
-          </p:cNvPicPr>
-          <p:nvPr/>
-        </p:nvPicPr>
-        <p:blipFill>
-          <a:blip r:embed="rId6">
-            <a:extLst>
-              <a:ext uri="{28A0092B-C50C-407E-A947-70E740481C1C}">
-                <a14:useLocalDpi xmlns:a14="http://schemas.microsoft.com/office/drawing/2010/main" val="0"/>
-              </a:ext>
-            </a:extLst>
-          </a:blip>
-          <a:stretch>
-            <a:fillRect/>
-          </a:stretch>
-        </p:blipFill>
-        <p:spPr>
-          <a:xfrm>
-            <a:off x="20028310" y="18595162"/>
-            <a:ext cx="9144000" cy="5486400"/>
-          </a:xfrm>
-          <a:prstGeom prst="rect">
-            <a:avLst/>
-          </a:prstGeom>
-        </p:spPr>
-      </p:pic>
-      <p:pic>
-        <p:nvPicPr>
-          <p:cNvPr id="19" name="Picture 18" descr="A picture containing text, diagram, plot, line&#10;&#10;Description automatically generated">
-            <a:extLst>
-              <a:ext uri="{FF2B5EF4-FFF2-40B4-BE49-F238E27FC236}">
-                <a16:creationId xmlns:a16="http://schemas.microsoft.com/office/drawing/2014/main" id="{1D90C954-C4BF-FD27-0BD1-0C1E40F43CC9}"/>
-              </a:ext>
-            </a:extLst>
-          </p:cNvPr>
-          <p:cNvPicPr>
-            <a:picLocks noChangeAspect="1"/>
-          </p:cNvPicPr>
-          <p:nvPr/>
-        </p:nvPicPr>
-        <p:blipFill>
-          <a:blip r:embed="rId7">
-            <a:extLst>
-              <a:ext uri="{28A0092B-C50C-407E-A947-70E740481C1C}">
-                <a14:useLocalDpi xmlns:a14="http://schemas.microsoft.com/office/drawing/2010/main" val="0"/>
-              </a:ext>
-            </a:extLst>
-          </a:blip>
-          <a:stretch>
-            <a:fillRect/>
-          </a:stretch>
-        </p:blipFill>
-        <p:spPr>
-          <a:xfrm>
-            <a:off x="15456310" y="11871118"/>
-            <a:ext cx="9144000" cy="5486400"/>
-          </a:xfrm>
-          <a:prstGeom prst="rect">
-            <a:avLst/>
-          </a:prstGeom>
-        </p:spPr>
-      </p:pic>
-      <p:pic>
-        <p:nvPicPr>
-          <p:cNvPr id="21" name="Picture 20" descr="A picture containing text, diagram, line, plot&#10;&#10;Description automatically generated">
-            <a:extLst>
-              <a:ext uri="{FF2B5EF4-FFF2-40B4-BE49-F238E27FC236}">
-                <a16:creationId xmlns:a16="http://schemas.microsoft.com/office/drawing/2014/main" id="{59BA1690-E80A-9442-54D3-7167D9B60940}"/>
-              </a:ext>
-            </a:extLst>
-          </p:cNvPr>
-          <p:cNvPicPr>
-            <a:picLocks noChangeAspect="1"/>
-          </p:cNvPicPr>
-          <p:nvPr/>
-        </p:nvPicPr>
-        <p:blipFill>
-          <a:blip r:embed="rId8">
-            <a:extLst>
-              <a:ext uri="{28A0092B-C50C-407E-A947-70E740481C1C}">
-                <a14:useLocalDpi xmlns:a14="http://schemas.microsoft.com/office/drawing/2010/main" val="0"/>
-              </a:ext>
-            </a:extLst>
-          </a:blip>
-          <a:stretch>
-            <a:fillRect/>
-          </a:stretch>
-        </p:blipFill>
-        <p:spPr>
-          <a:xfrm>
-            <a:off x="20028310" y="24202027"/>
-            <a:ext cx="9144000" cy="5486400"/>
-          </a:xfrm>
-          <a:prstGeom prst="rect">
-            <a:avLst/>
-          </a:prstGeom>
-        </p:spPr>
-      </p:pic>
       <p:graphicFrame>
         <p:nvGraphicFramePr>
           <p:cNvPr id="25" name="Table 24">
@@ -10457,6 +6748,116 @@
           </a:graphicData>
         </a:graphic>
       </p:graphicFrame>
+      <p:pic>
+        <p:nvPicPr>
+          <p:cNvPr id="2" name="Picture 1">
+            <a:extLst>
+              <a:ext uri="{FF2B5EF4-FFF2-40B4-BE49-F238E27FC236}">
+                <a16:creationId xmlns:a16="http://schemas.microsoft.com/office/drawing/2014/main" id="{4D3DD8C6-A50E-FF6D-12A9-5619F05F9D6E}"/>
+              </a:ext>
+            </a:extLst>
+          </p:cNvPr>
+          <p:cNvPicPr>
+            <a:picLocks noChangeAspect="1"/>
+          </p:cNvPicPr>
+          <p:nvPr/>
+        </p:nvPicPr>
+        <p:blipFill>
+          <a:blip r:embed="rId5"/>
+          <a:stretch>
+            <a:fillRect/>
+          </a:stretch>
+        </p:blipFill>
+        <p:spPr>
+          <a:xfrm>
+            <a:off x="15417802" y="6378291"/>
+            <a:ext cx="13754508" cy="7230269"/>
+          </a:xfrm>
+          <a:prstGeom prst="rect">
+            <a:avLst/>
+          </a:prstGeom>
+        </p:spPr>
+      </p:pic>
+      <p:pic>
+        <p:nvPicPr>
+          <p:cNvPr id="7" name="Picture 6" descr="A picture containing text, line, plot, diagram&#10;&#10;Description automatically generated">
+            <a:extLst>
+              <a:ext uri="{FF2B5EF4-FFF2-40B4-BE49-F238E27FC236}">
+                <a16:creationId xmlns:a16="http://schemas.microsoft.com/office/drawing/2014/main" id="{EA535E9B-0EA1-B989-CA58-7A33EB9BB995}"/>
+              </a:ext>
+            </a:extLst>
+          </p:cNvPr>
+          <p:cNvPicPr>
+            <a:picLocks noChangeAspect="1"/>
+          </p:cNvPicPr>
+          <p:nvPr/>
+        </p:nvPicPr>
+        <p:blipFill>
+          <a:blip r:embed="rId6">
+            <a:extLst>
+              <a:ext uri="{28A0092B-C50C-407E-A947-70E740481C1C}">
+                <a14:useLocalDpi xmlns:a14="http://schemas.microsoft.com/office/drawing/2010/main" val="0"/>
+              </a:ext>
+            </a:extLst>
+          </a:blip>
+          <a:stretch>
+            <a:fillRect/>
+          </a:stretch>
+        </p:blipFill>
+        <p:spPr>
+          <a:xfrm>
+            <a:off x="16519926" y="14255856"/>
+            <a:ext cx="11407415" cy="6844449"/>
+          </a:xfrm>
+          <a:prstGeom prst="rect">
+            <a:avLst/>
+          </a:prstGeom>
+        </p:spPr>
+      </p:pic>
+      <p:sp>
+        <p:nvSpPr>
+          <p:cNvPr id="11" name="TextBox 10">
+            <a:extLst>
+              <a:ext uri="{FF2B5EF4-FFF2-40B4-BE49-F238E27FC236}">
+                <a16:creationId xmlns:a16="http://schemas.microsoft.com/office/drawing/2014/main" id="{5B2E3B24-2FD4-D155-947E-C24B67FC83A3}"/>
+              </a:ext>
+            </a:extLst>
+          </p:cNvPr>
+          <p:cNvSpPr txBox="1"/>
+          <p:nvPr/>
+        </p:nvSpPr>
+        <p:spPr>
+          <a:xfrm>
+            <a:off x="23342600" y="12696791"/>
+            <a:ext cx="1625600" cy="707886"/>
+          </a:xfrm>
+          <a:prstGeom prst="rect">
+            <a:avLst/>
+          </a:prstGeom>
+          <a:noFill/>
+        </p:spPr>
+        <p:txBody>
+          <a:bodyPr wrap="square">
+            <a:spAutoFit/>
+          </a:bodyPr>
+          <a:lstStyle/>
+          <a:p>
+            <a:pPr algn="ctr"/>
+            <a:r>
+              <a:rPr lang="en-US" sz="2000" b="1" kern="1200" dirty="0">
+                <a:solidFill>
+                  <a:schemeClr val="dk1"/>
+                </a:solidFill>
+                <a:latin typeface="+mj-lt"/>
+                <a:ea typeface="+mn-ea"/>
+                <a:cs typeface="+mn-cs"/>
+              </a:rPr>
+              <a:t>See graph below</a:t>
+            </a:r>
+            <a:endParaRPr lang="en-US" sz="2000" b="1" dirty="0"/>
+          </a:p>
+        </p:txBody>
+      </p:sp>
     </p:spTree>
     <p:extLst>
       <p:ext uri="{BB962C8B-B14F-4D97-AF65-F5344CB8AC3E}">

--- a/poster.pptx
+++ b/poster.pptx
@@ -552,7 +552,7 @@
           <a:p>
             <a:fld id="{CFC00A23-1BFE-4A7E-A521-7B2182A093B7}" type="datetimeFigureOut">
               <a:rPr lang="he-IL" smtClean="0"/>
-              <a:t>כ'/סיון/תשפ"ג</a:t>
+              <a:t>כ"ג/סיון/תשפ"ג</a:t>
             </a:fld>
             <a:endParaRPr lang="he-IL"/>
           </a:p>
@@ -951,7 +951,7 @@
           <a:p>
             <a:fld id="{449B0C55-391A-4BA7-BF59-0A370099757C}" type="datetimeFigureOut">
               <a:rPr lang="he-IL" smtClean="0"/>
-              <a:t>כ'/סיון/תשפ"ג</a:t>
+              <a:t>כ"ג/סיון/תשפ"ג</a:t>
             </a:fld>
             <a:endParaRPr lang="he-IL"/>
           </a:p>
@@ -1121,7 +1121,7 @@
           <a:p>
             <a:fld id="{449B0C55-391A-4BA7-BF59-0A370099757C}" type="datetimeFigureOut">
               <a:rPr lang="he-IL" smtClean="0"/>
-              <a:t>כ'/סיון/תשפ"ג</a:t>
+              <a:t>כ"ג/סיון/תשפ"ג</a:t>
             </a:fld>
             <a:endParaRPr lang="he-IL"/>
           </a:p>
@@ -1301,7 +1301,7 @@
           <a:p>
             <a:fld id="{449B0C55-391A-4BA7-BF59-0A370099757C}" type="datetimeFigureOut">
               <a:rPr lang="he-IL" smtClean="0"/>
-              <a:t>כ'/סיון/תשפ"ג</a:t>
+              <a:t>כ"ג/סיון/תשפ"ג</a:t>
             </a:fld>
             <a:endParaRPr lang="he-IL"/>
           </a:p>
@@ -1471,7 +1471,7 @@
           <a:p>
             <a:fld id="{449B0C55-391A-4BA7-BF59-0A370099757C}" type="datetimeFigureOut">
               <a:rPr lang="he-IL" smtClean="0"/>
-              <a:t>כ'/סיון/תשפ"ג</a:t>
+              <a:t>כ"ג/סיון/תשפ"ג</a:t>
             </a:fld>
             <a:endParaRPr lang="he-IL"/>
           </a:p>
@@ -1715,7 +1715,7 @@
           <a:p>
             <a:fld id="{449B0C55-391A-4BA7-BF59-0A370099757C}" type="datetimeFigureOut">
               <a:rPr lang="he-IL" smtClean="0"/>
-              <a:t>כ'/סיון/תשפ"ג</a:t>
+              <a:t>כ"ג/סיון/תשפ"ג</a:t>
             </a:fld>
             <a:endParaRPr lang="he-IL"/>
           </a:p>
@@ -1947,7 +1947,7 @@
           <a:p>
             <a:fld id="{449B0C55-391A-4BA7-BF59-0A370099757C}" type="datetimeFigureOut">
               <a:rPr lang="he-IL" smtClean="0"/>
-              <a:t>כ'/סיון/תשפ"ג</a:t>
+              <a:t>כ"ג/סיון/תשפ"ג</a:t>
             </a:fld>
             <a:endParaRPr lang="he-IL"/>
           </a:p>
@@ -2314,7 +2314,7 @@
           <a:p>
             <a:fld id="{449B0C55-391A-4BA7-BF59-0A370099757C}" type="datetimeFigureOut">
               <a:rPr lang="he-IL" smtClean="0"/>
-              <a:t>כ'/סיון/תשפ"ג</a:t>
+              <a:t>כ"ג/סיון/תשפ"ג</a:t>
             </a:fld>
             <a:endParaRPr lang="he-IL"/>
           </a:p>
@@ -2432,7 +2432,7 @@
           <a:p>
             <a:fld id="{449B0C55-391A-4BA7-BF59-0A370099757C}" type="datetimeFigureOut">
               <a:rPr lang="he-IL" smtClean="0"/>
-              <a:t>כ'/סיון/תשפ"ג</a:t>
+              <a:t>כ"ג/סיון/תשפ"ג</a:t>
             </a:fld>
             <a:endParaRPr lang="he-IL"/>
           </a:p>
@@ -2527,7 +2527,7 @@
           <a:p>
             <a:fld id="{449B0C55-391A-4BA7-BF59-0A370099757C}" type="datetimeFigureOut">
               <a:rPr lang="he-IL" smtClean="0"/>
-              <a:t>כ'/סיון/תשפ"ג</a:t>
+              <a:t>כ"ג/סיון/תשפ"ג</a:t>
             </a:fld>
             <a:endParaRPr lang="he-IL"/>
           </a:p>
@@ -2804,7 +2804,7 @@
           <a:p>
             <a:fld id="{449B0C55-391A-4BA7-BF59-0A370099757C}" type="datetimeFigureOut">
               <a:rPr lang="he-IL" smtClean="0"/>
-              <a:t>כ'/סיון/תשפ"ג</a:t>
+              <a:t>כ"ג/סיון/תשפ"ג</a:t>
             </a:fld>
             <a:endParaRPr lang="he-IL"/>
           </a:p>
@@ -3061,7 +3061,7 @@
           <a:p>
             <a:fld id="{449B0C55-391A-4BA7-BF59-0A370099757C}" type="datetimeFigureOut">
               <a:rPr lang="he-IL" smtClean="0"/>
-              <a:t>כ'/סיון/תשפ"ג</a:t>
+              <a:t>כ"ג/סיון/תשפ"ג</a:t>
             </a:fld>
             <a:endParaRPr lang="he-IL"/>
           </a:p>
@@ -3274,7 +3274,7 @@
           <a:p>
             <a:fld id="{449B0C55-391A-4BA7-BF59-0A370099757C}" type="datetimeFigureOut">
               <a:rPr lang="he-IL" smtClean="0"/>
-              <a:t>כ'/סיון/תשפ"ג</a:t>
+              <a:t>כ"ג/סיון/תשפ"ג</a:t>
             </a:fld>
             <a:endParaRPr lang="he-IL"/>
           </a:p>
@@ -4840,11 +4840,17 @@
           <p:cNvGraphicFramePr>
             <a:graphicFrameLocks noGrp="1"/>
           </p:cNvGraphicFramePr>
-          <p:nvPr/>
+          <p:nvPr>
+            <p:extLst>
+              <p:ext uri="{D42A27DB-BD31-4B8C-83A1-F6EECF244321}">
+                <p14:modId xmlns:p14="http://schemas.microsoft.com/office/powerpoint/2010/main" val="1086035498"/>
+              </p:ext>
+            </p:extLst>
+          </p:nvPr>
         </p:nvGraphicFramePr>
         <p:xfrm>
           <a:off x="0" y="11422176"/>
-          <a:ext cx="14759780" cy="10320760"/>
+          <a:ext cx="14759780" cy="10327265"/>
         </p:xfrm>
         <a:graphic>
           <a:graphicData uri="http://schemas.openxmlformats.org/drawingml/2006/table">
@@ -4861,7 +4867,7 @@
                   </a:extLst>
                 </a:gridCol>
               </a:tblGrid>
-              <a:tr h="795125">
+              <a:tr h="684319">
                 <a:tc>
                   <a:txBody>
                     <a:bodyPr/>
@@ -4935,7 +4941,7 @@
                   </a:ext>
                 </a:extLst>
               </a:tr>
-              <a:tr h="8847325">
+              <a:tr h="9579870">
                 <a:tc>
                   <a:txBody>
                     <a:bodyPr/>
@@ -5068,7 +5074,7 @@
                           <a:ea typeface="+mn-ea"/>
                           <a:cs typeface="+mn-cs"/>
                         </a:rPr>
-                        <a:t>The babies were divided into 4 groups according to the date of birth and main landmarks during the pandemic.</a:t>
+                        <a:t>The babies were divided into 4 groups according to the date of birth and main landmarks during the pandemic</a:t>
                       </a:r>
                       <a:endParaRPr lang="he-IL" sz="3200" b="0" kern="1200" dirty="0">
                         <a:solidFill>
@@ -5114,57 +5120,12 @@
                       </a:endParaRPr>
                     </a:p>
                     <a:p>
-                      <a:pPr marL="457200" indent="-457200" algn="l" rtl="0">
+                      <a:pPr marL="0" indent="0" algn="l" rtl="0">
                         <a:lnSpc>
                           <a:spcPct val="150000"/>
                         </a:lnSpc>
                         <a:buFont typeface="Arial" panose="020B0604020202020204" pitchFamily="34" charset="0"/>
-                        <a:buChar char="•"/>
-                      </a:pPr>
-                      <a:endParaRPr lang="en-US" sz="3200" kern="1200" dirty="0">
-                        <a:solidFill>
-                          <a:schemeClr val="dk1"/>
-                        </a:solidFill>
-                        <a:latin typeface="+mj-lt"/>
-                        <a:ea typeface="+mn-ea"/>
-                        <a:cs typeface="+mn-cs"/>
-                      </a:endParaRPr>
-                    </a:p>
-                    <a:p>
-                      <a:pPr marL="457200" indent="-457200" algn="l" rtl="0">
-                        <a:lnSpc>
-                          <a:spcPct val="150000"/>
-                        </a:lnSpc>
-                        <a:buFont typeface="Arial" panose="020B0604020202020204" pitchFamily="34" charset="0"/>
-                        <a:buChar char="•"/>
-                      </a:pPr>
-                      <a:r>
-                        <a:rPr lang="he-IL" sz="3200" kern="1200" dirty="0">
-                          <a:solidFill>
-                            <a:schemeClr val="dk1"/>
-                          </a:solidFill>
-                          <a:latin typeface="+mj-lt"/>
-                          <a:ea typeface="+mn-ea"/>
-                          <a:cs typeface="+mn-cs"/>
-                        </a:rPr>
-                        <a:t>???</a:t>
-                      </a:r>
-                      <a:endParaRPr lang="en-US" sz="3200" kern="1200" dirty="0">
-                        <a:solidFill>
-                          <a:schemeClr val="dk1"/>
-                        </a:solidFill>
-                        <a:latin typeface="+mj-lt"/>
-                        <a:ea typeface="+mn-ea"/>
-                        <a:cs typeface="+mn-cs"/>
-                      </a:endParaRPr>
-                    </a:p>
-                    <a:p>
-                      <a:pPr marL="457200" indent="-457200" algn="l" rtl="0">
-                        <a:lnSpc>
-                          <a:spcPct val="150000"/>
-                        </a:lnSpc>
-                        <a:buFont typeface="Arial" panose="020B0604020202020204" pitchFamily="34" charset="0"/>
-                        <a:buChar char="•"/>
+                        <a:buNone/>
                       </a:pPr>
                       <a:endParaRPr lang="en-US" sz="3200" kern="1200" dirty="0">
                         <a:solidFill>
@@ -5246,11 +5207,17 @@
           <p:cNvGraphicFramePr>
             <a:graphicFrameLocks noGrp="1"/>
           </p:cNvGraphicFramePr>
-          <p:nvPr/>
+          <p:nvPr>
+            <p:extLst>
+              <p:ext uri="{D42A27DB-BD31-4B8C-83A1-F6EECF244321}">
+                <p14:modId xmlns:p14="http://schemas.microsoft.com/office/powerpoint/2010/main" val="3853670453"/>
+              </p:ext>
+            </p:extLst>
+          </p:nvPr>
         </p:nvGraphicFramePr>
         <p:xfrm>
-          <a:off x="-2" y="21100305"/>
-          <a:ext cx="14759780" cy="13423890"/>
+          <a:off x="-2" y="21749441"/>
+          <a:ext cx="14759780" cy="12774754"/>
         </p:xfrm>
         <a:graphic>
           <a:graphicData uri="http://schemas.openxmlformats.org/drawingml/2006/table">
@@ -5267,7 +5234,7 @@
                   </a:extLst>
                 </a:gridCol>
               </a:tblGrid>
-              <a:tr h="388095">
+              <a:tr h="792836">
                 <a:tc>
                   <a:txBody>
                     <a:bodyPr/>
@@ -5341,7 +5308,7 @@
                   </a:ext>
                 </a:extLst>
               </a:tr>
-              <a:tr h="12758537">
+              <a:tr h="11981918">
                 <a:tc>
                   <a:txBody>
                     <a:bodyPr/>
@@ -5378,74 +5345,6 @@
                       </a:r>
                     </a:p>
                     <a:p>
-                      <a:pPr marL="0" indent="0" algn="l" rtl="0">
-                        <a:lnSpc>
-                          <a:spcPct val="150000"/>
-                        </a:lnSpc>
-                        <a:buFont typeface="Arial" panose="020B0604020202020204" pitchFamily="34" charset="0"/>
-                        <a:buNone/>
-                      </a:pPr>
-                      <a:endParaRPr lang="en-US" sz="2800" kern="1200" dirty="0">
-                        <a:solidFill>
-                          <a:schemeClr val="dk1"/>
-                        </a:solidFill>
-                        <a:latin typeface="+mj-lt"/>
-                        <a:ea typeface="+mn-ea"/>
-                        <a:cs typeface="+mn-cs"/>
-                      </a:endParaRPr>
-                    </a:p>
-                    <a:p>
-                      <a:pPr marL="0" indent="0" algn="l" rtl="0">
-                        <a:lnSpc>
-                          <a:spcPct val="150000"/>
-                        </a:lnSpc>
-                        <a:buFont typeface="Arial" panose="020B0604020202020204" pitchFamily="34" charset="0"/>
-                        <a:buNone/>
-                      </a:pPr>
-                      <a:endParaRPr lang="en-US" sz="2800" kern="1200" dirty="0">
-                        <a:solidFill>
-                          <a:schemeClr val="dk1"/>
-                        </a:solidFill>
-                        <a:latin typeface="+mj-lt"/>
-                        <a:ea typeface="+mn-ea"/>
-                        <a:cs typeface="+mn-cs"/>
-                      </a:endParaRPr>
-                    </a:p>
-                    <a:p>
-                      <a:pPr marL="0" indent="0" algn="l" rtl="0">
-                        <a:lnSpc>
-                          <a:spcPct val="150000"/>
-                        </a:lnSpc>
-                        <a:buFont typeface="Arial" panose="020B0604020202020204" pitchFamily="34" charset="0"/>
-                        <a:buNone/>
-                      </a:pPr>
-                      <a:endParaRPr lang="en-US" sz="2800" kern="1200" dirty="0">
-                        <a:solidFill>
-                          <a:schemeClr val="dk1"/>
-                        </a:solidFill>
-                        <a:latin typeface="+mj-lt"/>
-                        <a:ea typeface="+mn-ea"/>
-                        <a:cs typeface="+mn-cs"/>
-                      </a:endParaRPr>
-                    </a:p>
-                    <a:p>
-                      <a:pPr marL="0" indent="0" algn="l" rtl="0">
-                        <a:lnSpc>
-                          <a:spcPct val="150000"/>
-                        </a:lnSpc>
-                        <a:buFont typeface="Arial" panose="020B0604020202020204" pitchFamily="34" charset="0"/>
-                        <a:buNone/>
-                      </a:pPr>
-                      <a:endParaRPr lang="en-US" sz="2800" kern="1200" dirty="0">
-                        <a:solidFill>
-                          <a:schemeClr val="dk1"/>
-                        </a:solidFill>
-                        <a:latin typeface="+mj-lt"/>
-                        <a:ea typeface="+mn-ea"/>
-                        <a:cs typeface="+mn-cs"/>
-                      </a:endParaRPr>
-                    </a:p>
-                    <a:p>
                       <a:pPr marL="457200" indent="-457200" algn="l" rtl="0">
                         <a:lnSpc>
                           <a:spcPct val="150000"/>
@@ -5458,9 +5357,6 @@
                           <a:solidFill>
                             <a:schemeClr val="dk1"/>
                           </a:solidFill>
-                          <a:highlight>
-                            <a:srgbClr val="FFFF00"/>
-                          </a:highlight>
                           <a:latin typeface="+mj-lt"/>
                           <a:ea typeface="+mn-ea"/>
                           <a:cs typeface="+mn-cs"/>
@@ -5476,7 +5372,7 @@
                           <a:ea typeface="+mn-ea"/>
                           <a:cs typeface="+mn-cs"/>
                         </a:rPr>
-                        <a:t>Gam model </a:t>
+                        <a:t>GAM model </a:t>
                       </a:r>
                       <a:r>
                         <a:rPr lang="en-US" sz="2800" kern="1200" dirty="0">
@@ -5487,7 +5383,7 @@
                           <a:ea typeface="+mn-ea"/>
                           <a:cs typeface="+mn-cs"/>
                         </a:rPr>
-                        <a:t>provides us with an alternative to dividing the birth date into groups, instead of the date of birth acting as a categorical variable we made it continuous (every day is a category). We used a non-linear combination of variables, which create a smooth function. By connecting these smooth functions, we examined how the probability of a baby getting a atopic disease changes:</a:t>
+                        <a:t>provides us with an alternative to dividing the birth date into groups, instead of the date of birth acting as a categorical variable we made it continuous (every day is a category). We used a non-linear combination of variables, which create a smooth function. By connecting these smooth functions, we examined how the probability of a baby getting an atopic disease changes:</a:t>
                       </a:r>
                     </a:p>
                   </a:txBody>
@@ -5726,1094 +5622,6 @@
           </a:graphicData>
         </a:graphic>
       </p:graphicFrame>
-      <mc:AlternateContent xmlns:mc="http://schemas.openxmlformats.org/markup-compatibility/2006" xmlns:a14="http://schemas.microsoft.com/office/drawing/2010/main">
-        <mc:Choice Requires="a14">
-          <p:sp>
-            <p:nvSpPr>
-              <p:cNvPr id="4" name="TextBox 3">
-                <a:extLst>
-                  <a:ext uri="{FF2B5EF4-FFF2-40B4-BE49-F238E27FC236}">
-                    <a16:creationId xmlns:a16="http://schemas.microsoft.com/office/drawing/2014/main" id="{902ED1D7-E996-EF69-829B-593F4BE2D5F1}"/>
-                  </a:ext>
-                </a:extLst>
-              </p:cNvPr>
-              <p:cNvSpPr txBox="1"/>
-              <p:nvPr/>
-            </p:nvSpPr>
-            <p:spPr>
-              <a:xfrm>
-                <a:off x="2853834" y="17992750"/>
-                <a:ext cx="12409726" cy="1781000"/>
-              </a:xfrm>
-              <a:prstGeom prst="rect">
-                <a:avLst/>
-              </a:prstGeom>
-              <a:noFill/>
-            </p:spPr>
-            <p:txBody>
-              <a:bodyPr wrap="square">
-                <a:spAutoFit/>
-              </a:bodyPr>
-              <a:lstStyle/>
-              <a:p>
-                <a:pPr/>
-                <a14:m>
-                  <m:oMathPara xmlns:m="http://schemas.openxmlformats.org/officeDocument/2006/math">
-                    <m:oMathParaPr>
-                      <m:jc m:val="centerGroup"/>
-                    </m:oMathParaPr>
-                    <m:oMath xmlns:m="http://schemas.openxmlformats.org/officeDocument/2006/math">
-                      <m:r>
-                        <m:rPr>
-                          <m:sty m:val="p"/>
-                        </m:rPr>
-                        <a:rPr lang="en-US" sz="2800" i="0" smtClean="0">
-                          <a:latin typeface="Cambria Math" panose="02040503050406030204" pitchFamily="18" charset="0"/>
-                        </a:rPr>
-                        <m:t>covid</m:t>
-                      </m:r>
-                      <m:r>
-                        <a:rPr lang="en-US" sz="2800" b="0" i="0" smtClean="0">
-                          <a:latin typeface="Cambria Math" panose="02040503050406030204" pitchFamily="18" charset="0"/>
-                        </a:rPr>
-                        <m:t> </m:t>
-                      </m:r>
-                      <m:r>
-                        <m:rPr>
-                          <m:sty m:val="p"/>
-                        </m:rPr>
-                        <a:rPr lang="en-US" sz="2800" i="0">
-                          <a:latin typeface="Cambria Math" panose="02040503050406030204" pitchFamily="18" charset="0"/>
-                        </a:rPr>
-                        <m:t>group</m:t>
-                      </m:r>
-                      <m:r>
-                        <a:rPr lang="en-US" sz="2800" i="0">
-                          <a:latin typeface="Cambria Math" panose="02040503050406030204" pitchFamily="18" charset="0"/>
-                        </a:rPr>
-                        <m:t>= </m:t>
-                      </m:r>
-                      <m:d>
-                        <m:dPr>
-                          <m:begChr m:val="{"/>
-                          <m:endChr m:val=""/>
-                          <m:ctrlPr>
-                            <a:rPr lang="en-US" sz="2800" i="1">
-                              <a:solidFill>
-                                <a:srgbClr val="836967"/>
-                              </a:solidFill>
-                              <a:latin typeface="Cambria Math" panose="02040503050406030204" pitchFamily="18" charset="0"/>
-                            </a:rPr>
-                          </m:ctrlPr>
-                        </m:dPr>
-                        <m:e>
-                          <m:eqArr>
-                            <m:eqArrPr>
-                              <m:ctrlPr>
-                                <a:rPr lang="en-US" sz="2800" i="1">
-                                  <a:solidFill>
-                                    <a:srgbClr val="836967"/>
-                                  </a:solidFill>
-                                  <a:latin typeface="Cambria Math" panose="02040503050406030204" pitchFamily="18" charset="0"/>
-                                </a:rPr>
-                              </m:ctrlPr>
-                            </m:eqArrPr>
-                            <m:e>
-                              <m:r>
-                                <a:rPr lang="en-US" sz="2800" i="0">
-                                  <a:latin typeface="Cambria Math" panose="02040503050406030204" pitchFamily="18" charset="0"/>
-                                </a:rPr>
-                                <m:t>&amp;1                                            </m:t>
-                              </m:r>
-                              <m:r>
-                                <m:rPr>
-                                  <m:sty m:val="p"/>
-                                </m:rPr>
-                                <a:rPr lang="en-US" sz="2800" b="0" i="0" smtClean="0">
-                                  <a:latin typeface="Cambria Math" panose="02040503050406030204" pitchFamily="18" charset="0"/>
-                                </a:rPr>
-                                <m:t>Birth</m:t>
-                              </m:r>
-                              <m:r>
-                                <a:rPr lang="en-US" sz="2800" b="0" i="0" smtClean="0">
-                                  <a:latin typeface="Cambria Math" panose="02040503050406030204" pitchFamily="18" charset="0"/>
-                                </a:rPr>
-                                <m:t> </m:t>
-                              </m:r>
-                              <m:r>
-                                <m:rPr>
-                                  <m:sty m:val="p"/>
-                                </m:rPr>
-                                <a:rPr lang="en-US" sz="2800" b="0" i="0" smtClean="0">
-                                  <a:latin typeface="Cambria Math" panose="02040503050406030204" pitchFamily="18" charset="0"/>
-                                </a:rPr>
-                                <m:t>date</m:t>
-                              </m:r>
-                              <m:r>
-                                <a:rPr lang="en-US" sz="2800" i="0">
-                                  <a:latin typeface="Cambria Math" panose="02040503050406030204" pitchFamily="18" charset="0"/>
-                                </a:rPr>
-                                <m:t> &lt;</m:t>
-                              </m:r>
-                              <m:r>
-                                <m:rPr>
-                                  <m:sty m:val="p"/>
-                                </m:rPr>
-                                <a:rPr lang="en-US" sz="2800" i="0">
-                                  <a:latin typeface="Cambria Math" panose="02040503050406030204" pitchFamily="18" charset="0"/>
-                                </a:rPr>
-                                <m:t>March</m:t>
-                              </m:r>
-                              <m:r>
-                                <a:rPr lang="en-US" sz="2800" i="0">
-                                  <a:latin typeface="Cambria Math" panose="02040503050406030204" pitchFamily="18" charset="0"/>
-                                </a:rPr>
-                                <m:t> 1, 2019 </m:t>
-                              </m:r>
-                            </m:e>
-                            <m:e>
-                              <m:r>
-                                <a:rPr lang="en-US" sz="2800" i="0">
-                                  <a:latin typeface="Cambria Math" panose="02040503050406030204" pitchFamily="18" charset="0"/>
-                                </a:rPr>
-                                <m:t>&amp;2       </m:t>
-                              </m:r>
-                              <m:r>
-                                <m:rPr>
-                                  <m:sty m:val="p"/>
-                                </m:rPr>
-                                <a:rPr lang="en-US" sz="2800" i="0">
-                                  <a:latin typeface="Cambria Math" panose="02040503050406030204" pitchFamily="18" charset="0"/>
-                                </a:rPr>
-                                <m:t>March</m:t>
-                              </m:r>
-                              <m:r>
-                                <a:rPr lang="en-US" sz="2800" i="0">
-                                  <a:latin typeface="Cambria Math" panose="02040503050406030204" pitchFamily="18" charset="0"/>
-                                </a:rPr>
-                                <m:t> 1, 2019≤</m:t>
-                              </m:r>
-                              <m:r>
-                                <m:rPr>
-                                  <m:sty m:val="p"/>
-                                </m:rPr>
-                                <a:rPr lang="en-US" sz="2800" i="0">
-                                  <a:latin typeface="Cambria Math" panose="02040503050406030204" pitchFamily="18" charset="0"/>
-                                </a:rPr>
-                                <m:t>Birth</m:t>
-                              </m:r>
-                              <m:r>
-                                <a:rPr lang="en-US" sz="2800" i="0">
-                                  <a:latin typeface="Cambria Math" panose="02040503050406030204" pitchFamily="18" charset="0"/>
-                                </a:rPr>
-                                <m:t> </m:t>
-                              </m:r>
-                              <m:r>
-                                <m:rPr>
-                                  <m:sty m:val="p"/>
-                                </m:rPr>
-                                <a:rPr lang="en-US" sz="2800" i="0">
-                                  <a:latin typeface="Cambria Math" panose="02040503050406030204" pitchFamily="18" charset="0"/>
-                                </a:rPr>
-                                <m:t>date</m:t>
-                              </m:r>
-                              <m:r>
-                                <a:rPr lang="en-US" sz="2800" i="0">
-                                  <a:latin typeface="Cambria Math" panose="02040503050406030204" pitchFamily="18" charset="0"/>
-                                </a:rPr>
-                                <m:t>&lt; </m:t>
-                              </m:r>
-                              <m:r>
-                                <m:rPr>
-                                  <m:sty m:val="p"/>
-                                </m:rPr>
-                                <a:rPr lang="en-US" sz="2800" i="0">
-                                  <a:latin typeface="Cambria Math" panose="02040503050406030204" pitchFamily="18" charset="0"/>
-                                </a:rPr>
-                                <m:t>March</m:t>
-                              </m:r>
-                              <m:r>
-                                <a:rPr lang="en-US" sz="2800" i="0">
-                                  <a:latin typeface="Cambria Math" panose="02040503050406030204" pitchFamily="18" charset="0"/>
-                                </a:rPr>
-                                <m:t> 11, 2019</m:t>
-                              </m:r>
-                            </m:e>
-                            <m:e>
-                              <m:r>
-                                <a:rPr lang="en-US" sz="2800" i="0">
-                                  <a:latin typeface="Cambria Math" panose="02040503050406030204" pitchFamily="18" charset="0"/>
-                                </a:rPr>
-                                <m:t>&amp;3             </m:t>
-                              </m:r>
-                              <m:r>
-                                <m:rPr>
-                                  <m:sty m:val="p"/>
-                                </m:rPr>
-                                <a:rPr lang="en-US" sz="2800" i="0">
-                                  <a:latin typeface="Cambria Math" panose="02040503050406030204" pitchFamily="18" charset="0"/>
-                                </a:rPr>
-                                <m:t>March</m:t>
-                              </m:r>
-                              <m:r>
-                                <a:rPr lang="en-US" sz="2800" i="0">
-                                  <a:latin typeface="Cambria Math" panose="02040503050406030204" pitchFamily="18" charset="0"/>
-                                </a:rPr>
-                                <m:t> 11, 2019≤</m:t>
-                              </m:r>
-                              <m:r>
-                                <m:rPr>
-                                  <m:sty m:val="p"/>
-                                </m:rPr>
-                                <a:rPr lang="en-US" sz="2800" i="0">
-                                  <a:latin typeface="Cambria Math" panose="02040503050406030204" pitchFamily="18" charset="0"/>
-                                </a:rPr>
-                                <m:t>Birth</m:t>
-                              </m:r>
-                              <m:r>
-                                <a:rPr lang="en-US" sz="2800" i="0">
-                                  <a:latin typeface="Cambria Math" panose="02040503050406030204" pitchFamily="18" charset="0"/>
-                                </a:rPr>
-                                <m:t> </m:t>
-                              </m:r>
-                              <m:r>
-                                <m:rPr>
-                                  <m:sty m:val="p"/>
-                                </m:rPr>
-                                <a:rPr lang="en-US" sz="2800" i="0">
-                                  <a:latin typeface="Cambria Math" panose="02040503050406030204" pitchFamily="18" charset="0"/>
-                                </a:rPr>
-                                <m:t>date</m:t>
-                              </m:r>
-                              <m:r>
-                                <a:rPr lang="en-US" sz="2800" i="0">
-                                  <a:latin typeface="Cambria Math" panose="02040503050406030204" pitchFamily="18" charset="0"/>
-                                </a:rPr>
-                                <m:t>&lt;</m:t>
-                              </m:r>
-                              <m:r>
-                                <m:rPr>
-                                  <m:sty m:val="p"/>
-                                </m:rPr>
-                                <a:rPr lang="en-US" sz="2800" i="0">
-                                  <a:latin typeface="Cambria Math" panose="02040503050406030204" pitchFamily="18" charset="0"/>
-                                </a:rPr>
-                                <m:t>Feb</m:t>
-                              </m:r>
-                              <m:r>
-                                <a:rPr lang="en-US" sz="2800" i="0">
-                                  <a:latin typeface="Cambria Math" panose="02040503050406030204" pitchFamily="18" charset="0"/>
-                                </a:rPr>
-                                <m:t> 7, 2021</m:t>
-                              </m:r>
-                            </m:e>
-                            <m:e>
-                              <m:r>
-                                <a:rPr lang="en-US" sz="2800" i="0">
-                                  <a:latin typeface="Cambria Math" panose="02040503050406030204" pitchFamily="18" charset="0"/>
-                                </a:rPr>
-                                <m:t>&amp;4</m:t>
-                              </m:r>
-                              <m:r>
-                                <a:rPr lang="en-US" sz="2800" b="0" i="0" smtClean="0">
-                                  <a:latin typeface="Cambria Math" panose="02040503050406030204" pitchFamily="18" charset="0"/>
-                                </a:rPr>
-                                <m:t>                                                  </m:t>
-                              </m:r>
-                              <m:r>
-                                <m:rPr>
-                                  <m:sty m:val="p"/>
-                                </m:rPr>
-                                <a:rPr lang="en-US" sz="2800" i="0">
-                                  <a:latin typeface="Cambria Math" panose="02040503050406030204" pitchFamily="18" charset="0"/>
-                                </a:rPr>
-                                <m:t>Birth</m:t>
-                              </m:r>
-                              <m:r>
-                                <a:rPr lang="en-US" sz="2800" i="0">
-                                  <a:latin typeface="Cambria Math" panose="02040503050406030204" pitchFamily="18" charset="0"/>
-                                </a:rPr>
-                                <m:t> </m:t>
-                              </m:r>
-                              <m:r>
-                                <m:rPr>
-                                  <m:sty m:val="p"/>
-                                </m:rPr>
-                                <a:rPr lang="en-US" sz="2800" i="0">
-                                  <a:latin typeface="Cambria Math" panose="02040503050406030204" pitchFamily="18" charset="0"/>
-                                </a:rPr>
-                                <m:t>date</m:t>
-                              </m:r>
-                              <m:r>
-                                <a:rPr lang="en-US" sz="2800" i="0">
-                                  <a:latin typeface="Cambria Math" panose="02040503050406030204" pitchFamily="18" charset="0"/>
-                                </a:rPr>
-                                <m:t>≥ </m:t>
-                              </m:r>
-                              <m:r>
-                                <m:rPr>
-                                  <m:sty m:val="p"/>
-                                </m:rPr>
-                                <a:rPr lang="en-US" sz="2800" i="0">
-                                  <a:latin typeface="Cambria Math" panose="02040503050406030204" pitchFamily="18" charset="0"/>
-                                </a:rPr>
-                                <m:t>Feb</m:t>
-                              </m:r>
-                              <m:r>
-                                <a:rPr lang="en-US" sz="2800" i="0">
-                                  <a:latin typeface="Cambria Math" panose="02040503050406030204" pitchFamily="18" charset="0"/>
-                                </a:rPr>
-                                <m:t> 7, 2021</m:t>
-                              </m:r>
-                            </m:e>
-                          </m:eqArr>
-                        </m:e>
-                      </m:d>
-                    </m:oMath>
-                  </m:oMathPara>
-                </a14:m>
-                <a:endParaRPr lang="en-US" sz="2800" dirty="0"/>
-              </a:p>
-            </p:txBody>
-          </p:sp>
-        </mc:Choice>
-        <mc:Fallback xmlns="">
-          <p:sp>
-            <p:nvSpPr>
-              <p:cNvPr id="4" name="TextBox 3">
-                <a:extLst>
-                  <a:ext uri="{FF2B5EF4-FFF2-40B4-BE49-F238E27FC236}">
-                    <a16:creationId xmlns:a16="http://schemas.microsoft.com/office/drawing/2014/main" id="{902ED1D7-E996-EF69-829B-593F4BE2D5F1}"/>
-                  </a:ext>
-                </a:extLst>
-              </p:cNvPr>
-              <p:cNvSpPr txBox="1">
-                <a:spLocks noRot="1" noChangeAspect="1" noMove="1" noResize="1" noEditPoints="1" noAdjustHandles="1" noChangeArrowheads="1" noChangeShapeType="1" noTextEdit="1"/>
-              </p:cNvSpPr>
-              <p:nvPr/>
-            </p:nvSpPr>
-            <p:spPr>
-              <a:xfrm>
-                <a:off x="2853834" y="17992750"/>
-                <a:ext cx="12409726" cy="1781000"/>
-              </a:xfrm>
-              <a:prstGeom prst="rect">
-                <a:avLst/>
-              </a:prstGeom>
-              <a:blipFill>
-                <a:blip r:embed="rId4"/>
-                <a:stretch>
-                  <a:fillRect/>
-                </a:stretch>
-              </a:blipFill>
-            </p:spPr>
-            <p:txBody>
-              <a:bodyPr/>
-              <a:lstStyle/>
-              <a:p>
-                <a:r>
-                  <a:rPr lang="en-US">
-                    <a:noFill/>
-                  </a:rPr>
-                  <a:t> </a:t>
-                </a:r>
-              </a:p>
-            </p:txBody>
-          </p:sp>
-        </mc:Fallback>
-      </mc:AlternateContent>
-      <p:graphicFrame>
-        <p:nvGraphicFramePr>
-          <p:cNvPr id="25" name="Table 24">
-            <a:extLst>
-              <a:ext uri="{FF2B5EF4-FFF2-40B4-BE49-F238E27FC236}">
-                <a16:creationId xmlns:a16="http://schemas.microsoft.com/office/drawing/2014/main" id="{1C7C5583-4E92-42BA-CDC5-332F860C9B86}"/>
-              </a:ext>
-            </a:extLst>
-          </p:cNvPr>
-          <p:cNvGraphicFramePr>
-            <a:graphicFrameLocks noGrp="1"/>
-          </p:cNvGraphicFramePr>
-          <p:nvPr/>
-        </p:nvGraphicFramePr>
-        <p:xfrm>
-          <a:off x="-7682015" y="17440942"/>
-          <a:ext cx="6832600" cy="2597849"/>
-        </p:xfrm>
-        <a:graphic>
-          <a:graphicData uri="http://schemas.openxmlformats.org/drawingml/2006/table">
-            <a:tbl>
-              <a:tblPr firstRow="1" firstCol="1" bandRow="1">
-                <a:tableStyleId>{2D5ABB26-0587-4C30-8999-92F81FD0307C}</a:tableStyleId>
-              </a:tblPr>
-              <a:tblGrid>
-                <a:gridCol w="1118870">
-                  <a:extLst>
-                    <a:ext uri="{9D8B030D-6E8A-4147-A177-3AD203B41FA5}">
-                      <a16:colId xmlns:a16="http://schemas.microsoft.com/office/drawing/2014/main" val="694928811"/>
-                    </a:ext>
-                  </a:extLst>
-                </a:gridCol>
-                <a:gridCol w="2856865">
-                  <a:extLst>
-                    <a:ext uri="{9D8B030D-6E8A-4147-A177-3AD203B41FA5}">
-                      <a16:colId xmlns:a16="http://schemas.microsoft.com/office/drawing/2014/main" val="3035277709"/>
-                    </a:ext>
-                  </a:extLst>
-                </a:gridCol>
-                <a:gridCol w="2856865">
-                  <a:extLst>
-                    <a:ext uri="{9D8B030D-6E8A-4147-A177-3AD203B41FA5}">
-                      <a16:colId xmlns:a16="http://schemas.microsoft.com/office/drawing/2014/main" val="2707887154"/>
-                    </a:ext>
-                  </a:extLst>
-                </a:gridCol>
-              </a:tblGrid>
-              <a:tr h="904685">
-                <a:tc>
-                  <a:txBody>
-                    <a:bodyPr/>
-                    <a:lstStyle/>
-                    <a:p>
-                      <a:pPr marL="0" marR="0" algn="ctr" rtl="0">
-                        <a:lnSpc>
-                          <a:spcPct val="107000"/>
-                        </a:lnSpc>
-                        <a:spcBef>
-                          <a:spcPts val="0"/>
-                        </a:spcBef>
-                        <a:spcAft>
-                          <a:spcPts val="0"/>
-                        </a:spcAft>
-                      </a:pPr>
-                      <a:r>
-                        <a:rPr lang="en-US" sz="2800" kern="100" dirty="0">
-                          <a:effectLst/>
-                          <a:latin typeface="Cambria Math" panose="02040503050406030204" pitchFamily="18" charset="0"/>
-                          <a:ea typeface="Cambria Math" panose="02040503050406030204" pitchFamily="18" charset="0"/>
-                        </a:rPr>
-                        <a:t>Group</a:t>
-                      </a:r>
-                      <a:endParaRPr lang="en-US" sz="2800" kern="100" dirty="0">
-                        <a:effectLst/>
-                        <a:latin typeface="Cambria Math" panose="02040503050406030204" pitchFamily="18" charset="0"/>
-                        <a:ea typeface="Cambria Math" panose="02040503050406030204" pitchFamily="18" charset="0"/>
-                        <a:cs typeface="Arial" panose="020B0604020202020204" pitchFamily="34" charset="0"/>
-                      </a:endParaRPr>
-                    </a:p>
-                  </a:txBody>
-                  <a:tcPr marL="68580" marR="68580" marT="0" marB="0" anchor="ctr"/>
-                </a:tc>
-                <a:tc>
-                  <a:txBody>
-                    <a:bodyPr/>
-                    <a:lstStyle/>
-                    <a:p>
-                      <a:pPr marL="0" marR="0" algn="ctr" rtl="0">
-                        <a:lnSpc>
-                          <a:spcPct val="107000"/>
-                        </a:lnSpc>
-                        <a:spcBef>
-                          <a:spcPts val="0"/>
-                        </a:spcBef>
-                        <a:spcAft>
-                          <a:spcPts val="0"/>
-                        </a:spcAft>
-                      </a:pPr>
-                      <a:r>
-                        <a:rPr lang="en-US" sz="2800" kern="100" dirty="0">
-                          <a:effectLst/>
-                          <a:latin typeface="Cambria Math" panose="02040503050406030204" pitchFamily="18" charset="0"/>
-                          <a:ea typeface="Cambria Math" panose="02040503050406030204" pitchFamily="18" charset="0"/>
-                        </a:rPr>
-                        <a:t>First-year </a:t>
-                      </a:r>
-                      <a:br>
-                        <a:rPr lang="en-US" sz="2800" kern="100" dirty="0">
-                          <a:effectLst/>
-                          <a:latin typeface="Cambria Math" panose="02040503050406030204" pitchFamily="18" charset="0"/>
-                          <a:ea typeface="Cambria Math" panose="02040503050406030204" pitchFamily="18" charset="0"/>
-                        </a:rPr>
-                      </a:br>
-                      <a:r>
-                        <a:rPr lang="en-US" sz="2800" kern="100" dirty="0">
-                          <a:effectLst/>
-                          <a:latin typeface="Cambria Math" panose="02040503050406030204" pitchFamily="18" charset="0"/>
-                          <a:ea typeface="Cambria Math" panose="02040503050406030204" pitchFamily="18" charset="0"/>
-                        </a:rPr>
-                        <a:t>sickness rate (%)</a:t>
-                      </a:r>
-                      <a:endParaRPr lang="en-US" sz="2800" kern="100" dirty="0">
-                        <a:effectLst/>
-                        <a:latin typeface="Cambria Math" panose="02040503050406030204" pitchFamily="18" charset="0"/>
-                        <a:ea typeface="Cambria Math" panose="02040503050406030204" pitchFamily="18" charset="0"/>
-                        <a:cs typeface="Arial" panose="020B0604020202020204" pitchFamily="34" charset="0"/>
-                      </a:endParaRPr>
-                    </a:p>
-                  </a:txBody>
-                  <a:tcPr marL="68580" marR="68580" marT="0" marB="0" anchor="ctr"/>
-                </a:tc>
-                <a:tc>
-                  <a:txBody>
-                    <a:bodyPr/>
-                    <a:lstStyle/>
-                    <a:p>
-                      <a:pPr marL="0" marR="0" algn="ctr" rtl="0">
-                        <a:lnSpc>
-                          <a:spcPct val="107000"/>
-                        </a:lnSpc>
-                        <a:spcBef>
-                          <a:spcPts val="0"/>
-                        </a:spcBef>
-                        <a:spcAft>
-                          <a:spcPts val="0"/>
-                        </a:spcAft>
-                      </a:pPr>
-                      <a:r>
-                        <a:rPr lang="en-US" sz="2800" kern="100" dirty="0">
-                          <a:effectLst/>
-                          <a:latin typeface="Cambria Math" panose="02040503050406030204" pitchFamily="18" charset="0"/>
-                          <a:ea typeface="Cambria Math" panose="02040503050406030204" pitchFamily="18" charset="0"/>
-                        </a:rPr>
-                        <a:t>Second-year </a:t>
-                      </a:r>
-                      <a:br>
-                        <a:rPr lang="en-US" sz="2800" kern="100" dirty="0">
-                          <a:effectLst/>
-                          <a:latin typeface="Cambria Math" panose="02040503050406030204" pitchFamily="18" charset="0"/>
-                          <a:ea typeface="Cambria Math" panose="02040503050406030204" pitchFamily="18" charset="0"/>
-                        </a:rPr>
-                      </a:br>
-                      <a:r>
-                        <a:rPr lang="en-US" sz="2800" kern="100" dirty="0">
-                          <a:effectLst/>
-                          <a:latin typeface="Cambria Math" panose="02040503050406030204" pitchFamily="18" charset="0"/>
-                          <a:ea typeface="Cambria Math" panose="02040503050406030204" pitchFamily="18" charset="0"/>
-                        </a:rPr>
-                        <a:t>sickness rate (%)</a:t>
-                      </a:r>
-                      <a:endParaRPr lang="en-US" sz="2800" kern="100" dirty="0">
-                        <a:effectLst/>
-                        <a:latin typeface="Cambria Math" panose="02040503050406030204" pitchFamily="18" charset="0"/>
-                        <a:ea typeface="Cambria Math" panose="02040503050406030204" pitchFamily="18" charset="0"/>
-                        <a:cs typeface="Arial" panose="020B0604020202020204" pitchFamily="34" charset="0"/>
-                      </a:endParaRPr>
-                    </a:p>
-                  </a:txBody>
-                  <a:tcPr marL="68580" marR="68580" marT="0" marB="0" anchor="ctr"/>
-                </a:tc>
-                <a:extLst>
-                  <a:ext uri="{0D108BD9-81ED-4DB2-BD59-A6C34878D82A}">
-                    <a16:rowId xmlns:a16="http://schemas.microsoft.com/office/drawing/2014/main" val="2009120744"/>
-                  </a:ext>
-                </a:extLst>
-              </a:tr>
-              <a:tr h="416839">
-                <a:tc>
-                  <a:txBody>
-                    <a:bodyPr/>
-                    <a:lstStyle/>
-                    <a:p>
-                      <a:pPr marL="0" marR="0" algn="ctr" rtl="0">
-                        <a:lnSpc>
-                          <a:spcPct val="107000"/>
-                        </a:lnSpc>
-                        <a:spcBef>
-                          <a:spcPts val="0"/>
-                        </a:spcBef>
-                        <a:spcAft>
-                          <a:spcPts val="0"/>
-                        </a:spcAft>
-                      </a:pPr>
-                      <a:r>
-                        <a:rPr lang="en-US" sz="2800" kern="100">
-                          <a:effectLst/>
-                          <a:latin typeface="Cambria Math" panose="02040503050406030204" pitchFamily="18" charset="0"/>
-                          <a:ea typeface="Cambria Math" panose="02040503050406030204" pitchFamily="18" charset="0"/>
-                        </a:rPr>
-                        <a:t>1</a:t>
-                      </a:r>
-                      <a:endParaRPr lang="en-US" sz="2800" kern="100">
-                        <a:effectLst/>
-                        <a:latin typeface="Cambria Math" panose="02040503050406030204" pitchFamily="18" charset="0"/>
-                        <a:ea typeface="Cambria Math" panose="02040503050406030204" pitchFamily="18" charset="0"/>
-                        <a:cs typeface="Arial" panose="020B0604020202020204" pitchFamily="34" charset="0"/>
-                      </a:endParaRPr>
-                    </a:p>
-                  </a:txBody>
-                  <a:tcPr marL="68580" marR="68580" marT="0" marB="0" anchor="ctr"/>
-                </a:tc>
-                <a:tc>
-                  <a:txBody>
-                    <a:bodyPr/>
-                    <a:lstStyle/>
-                    <a:p>
-                      <a:pPr marL="0" marR="0" algn="ctr" rtl="0">
-                        <a:lnSpc>
-                          <a:spcPct val="107000"/>
-                        </a:lnSpc>
-                        <a:spcBef>
-                          <a:spcPts val="0"/>
-                        </a:spcBef>
-                        <a:spcAft>
-                          <a:spcPts val="0"/>
-                        </a:spcAft>
-                      </a:pPr>
-                      <a:r>
-                        <a:rPr lang="en-US" sz="2800" kern="100" dirty="0">
-                          <a:effectLst/>
-                          <a:latin typeface="Cambria Math" panose="02040503050406030204" pitchFamily="18" charset="0"/>
-                          <a:ea typeface="Cambria Math" panose="02040503050406030204" pitchFamily="18" charset="0"/>
-                        </a:rPr>
-                        <a:t>77</a:t>
-                      </a:r>
-                      <a:endParaRPr lang="en-US" sz="2800" kern="100" dirty="0">
-                        <a:effectLst/>
-                        <a:latin typeface="Cambria Math" panose="02040503050406030204" pitchFamily="18" charset="0"/>
-                        <a:ea typeface="Cambria Math" panose="02040503050406030204" pitchFamily="18" charset="0"/>
-                        <a:cs typeface="Arial" panose="020B0604020202020204" pitchFamily="34" charset="0"/>
-                      </a:endParaRPr>
-                    </a:p>
-                  </a:txBody>
-                  <a:tcPr marL="68580" marR="68580" marT="0" marB="0" anchor="ctr"/>
-                </a:tc>
-                <a:tc>
-                  <a:txBody>
-                    <a:bodyPr/>
-                    <a:lstStyle/>
-                    <a:p>
-                      <a:pPr marL="0" marR="0" algn="ctr" rtl="0">
-                        <a:lnSpc>
-                          <a:spcPct val="107000"/>
-                        </a:lnSpc>
-                        <a:spcBef>
-                          <a:spcPts val="0"/>
-                        </a:spcBef>
-                        <a:spcAft>
-                          <a:spcPts val="0"/>
-                        </a:spcAft>
-                      </a:pPr>
-                      <a:r>
-                        <a:rPr lang="en-US" sz="2800" kern="100" dirty="0">
-                          <a:effectLst/>
-                          <a:latin typeface="Cambria Math" panose="02040503050406030204" pitchFamily="18" charset="0"/>
-                          <a:ea typeface="Cambria Math" panose="02040503050406030204" pitchFamily="18" charset="0"/>
-                        </a:rPr>
-                        <a:t>52</a:t>
-                      </a:r>
-                      <a:endParaRPr lang="en-US" sz="2800" kern="100" dirty="0">
-                        <a:effectLst/>
-                        <a:latin typeface="Cambria Math" panose="02040503050406030204" pitchFamily="18" charset="0"/>
-                        <a:ea typeface="Cambria Math" panose="02040503050406030204" pitchFamily="18" charset="0"/>
-                        <a:cs typeface="Arial" panose="020B0604020202020204" pitchFamily="34" charset="0"/>
-                      </a:endParaRPr>
-                    </a:p>
-                  </a:txBody>
-                  <a:tcPr marL="68580" marR="68580" marT="0" marB="0" anchor="ctr"/>
-                </a:tc>
-                <a:extLst>
-                  <a:ext uri="{0D108BD9-81ED-4DB2-BD59-A6C34878D82A}">
-                    <a16:rowId xmlns:a16="http://schemas.microsoft.com/office/drawing/2014/main" val="304544607"/>
-                  </a:ext>
-                </a:extLst>
-              </a:tr>
-              <a:tr h="416839">
-                <a:tc>
-                  <a:txBody>
-                    <a:bodyPr/>
-                    <a:lstStyle/>
-                    <a:p>
-                      <a:pPr marL="0" marR="0" algn="ctr" rtl="0">
-                        <a:lnSpc>
-                          <a:spcPct val="107000"/>
-                        </a:lnSpc>
-                        <a:spcBef>
-                          <a:spcPts val="0"/>
-                        </a:spcBef>
-                        <a:spcAft>
-                          <a:spcPts val="0"/>
-                        </a:spcAft>
-                      </a:pPr>
-                      <a:r>
-                        <a:rPr lang="en-US" sz="2800" kern="100">
-                          <a:effectLst/>
-                          <a:latin typeface="Cambria Math" panose="02040503050406030204" pitchFamily="18" charset="0"/>
-                          <a:ea typeface="Cambria Math" panose="02040503050406030204" pitchFamily="18" charset="0"/>
-                        </a:rPr>
-                        <a:t>2</a:t>
-                      </a:r>
-                      <a:endParaRPr lang="en-US" sz="2800" kern="100">
-                        <a:effectLst/>
-                        <a:latin typeface="Cambria Math" panose="02040503050406030204" pitchFamily="18" charset="0"/>
-                        <a:ea typeface="Cambria Math" panose="02040503050406030204" pitchFamily="18" charset="0"/>
-                        <a:cs typeface="Arial" panose="020B0604020202020204" pitchFamily="34" charset="0"/>
-                      </a:endParaRPr>
-                    </a:p>
-                  </a:txBody>
-                  <a:tcPr marL="68580" marR="68580" marT="0" marB="0" anchor="ctr"/>
-                </a:tc>
-                <a:tc>
-                  <a:txBody>
-                    <a:bodyPr/>
-                    <a:lstStyle/>
-                    <a:p>
-                      <a:pPr marL="0" marR="0" algn="ctr" rtl="0">
-                        <a:lnSpc>
-                          <a:spcPct val="107000"/>
-                        </a:lnSpc>
-                        <a:spcBef>
-                          <a:spcPts val="0"/>
-                        </a:spcBef>
-                        <a:spcAft>
-                          <a:spcPts val="0"/>
-                        </a:spcAft>
-                      </a:pPr>
-                      <a:r>
-                        <a:rPr lang="en-US" sz="2800" kern="100" dirty="0">
-                          <a:effectLst/>
-                          <a:latin typeface="Cambria Math" panose="02040503050406030204" pitchFamily="18" charset="0"/>
-                          <a:ea typeface="Cambria Math" panose="02040503050406030204" pitchFamily="18" charset="0"/>
-                        </a:rPr>
-                        <a:t>56</a:t>
-                      </a:r>
-                      <a:endParaRPr lang="en-US" sz="2800" kern="100" dirty="0">
-                        <a:effectLst/>
-                        <a:latin typeface="Cambria Math" panose="02040503050406030204" pitchFamily="18" charset="0"/>
-                        <a:ea typeface="Cambria Math" panose="02040503050406030204" pitchFamily="18" charset="0"/>
-                        <a:cs typeface="Arial" panose="020B0604020202020204" pitchFamily="34" charset="0"/>
-                      </a:endParaRPr>
-                    </a:p>
-                  </a:txBody>
-                  <a:tcPr marL="68580" marR="68580" marT="0" marB="0" anchor="ctr"/>
-                </a:tc>
-                <a:tc>
-                  <a:txBody>
-                    <a:bodyPr/>
-                    <a:lstStyle/>
-                    <a:p>
-                      <a:pPr marL="0" marR="0" algn="ctr" rtl="0">
-                        <a:lnSpc>
-                          <a:spcPct val="107000"/>
-                        </a:lnSpc>
-                        <a:spcBef>
-                          <a:spcPts val="0"/>
-                        </a:spcBef>
-                        <a:spcAft>
-                          <a:spcPts val="0"/>
-                        </a:spcAft>
-                      </a:pPr>
-                      <a:r>
-                        <a:rPr lang="en-US" sz="2800" kern="100" dirty="0">
-                          <a:effectLst/>
-                          <a:latin typeface="Cambria Math" panose="02040503050406030204" pitchFamily="18" charset="0"/>
-                          <a:ea typeface="Cambria Math" panose="02040503050406030204" pitchFamily="18" charset="0"/>
-                        </a:rPr>
-                        <a:t>59</a:t>
-                      </a:r>
-                      <a:endParaRPr lang="en-US" sz="2800" kern="100" dirty="0">
-                        <a:effectLst/>
-                        <a:latin typeface="Cambria Math" panose="02040503050406030204" pitchFamily="18" charset="0"/>
-                        <a:ea typeface="Cambria Math" panose="02040503050406030204" pitchFamily="18" charset="0"/>
-                        <a:cs typeface="Arial" panose="020B0604020202020204" pitchFamily="34" charset="0"/>
-                      </a:endParaRPr>
-                    </a:p>
-                  </a:txBody>
-                  <a:tcPr marL="68580" marR="68580" marT="0" marB="0" anchor="ctr"/>
-                </a:tc>
-                <a:extLst>
-                  <a:ext uri="{0D108BD9-81ED-4DB2-BD59-A6C34878D82A}">
-                    <a16:rowId xmlns:a16="http://schemas.microsoft.com/office/drawing/2014/main" val="545208140"/>
-                  </a:ext>
-                </a:extLst>
-              </a:tr>
-              <a:tr h="416839">
-                <a:tc>
-                  <a:txBody>
-                    <a:bodyPr/>
-                    <a:lstStyle/>
-                    <a:p>
-                      <a:pPr marL="0" marR="0" algn="ctr" rtl="0">
-                        <a:lnSpc>
-                          <a:spcPct val="107000"/>
-                        </a:lnSpc>
-                        <a:spcBef>
-                          <a:spcPts val="0"/>
-                        </a:spcBef>
-                        <a:spcAft>
-                          <a:spcPts val="0"/>
-                        </a:spcAft>
-                      </a:pPr>
-                      <a:r>
-                        <a:rPr lang="en-US" sz="2800" kern="100">
-                          <a:effectLst/>
-                          <a:latin typeface="Cambria Math" panose="02040503050406030204" pitchFamily="18" charset="0"/>
-                          <a:ea typeface="Cambria Math" panose="02040503050406030204" pitchFamily="18" charset="0"/>
-                        </a:rPr>
-                        <a:t>3</a:t>
-                      </a:r>
-                      <a:endParaRPr lang="en-US" sz="2800" kern="100">
-                        <a:effectLst/>
-                        <a:latin typeface="Cambria Math" panose="02040503050406030204" pitchFamily="18" charset="0"/>
-                        <a:ea typeface="Cambria Math" panose="02040503050406030204" pitchFamily="18" charset="0"/>
-                        <a:cs typeface="Arial" panose="020B0604020202020204" pitchFamily="34" charset="0"/>
-                      </a:endParaRPr>
-                    </a:p>
-                  </a:txBody>
-                  <a:tcPr marL="68580" marR="68580" marT="0" marB="0" anchor="ctr"/>
-                </a:tc>
-                <a:tc>
-                  <a:txBody>
-                    <a:bodyPr/>
-                    <a:lstStyle/>
-                    <a:p>
-                      <a:pPr marL="0" marR="0" algn="ctr" rtl="0">
-                        <a:lnSpc>
-                          <a:spcPct val="107000"/>
-                        </a:lnSpc>
-                        <a:spcBef>
-                          <a:spcPts val="0"/>
-                        </a:spcBef>
-                        <a:spcAft>
-                          <a:spcPts val="0"/>
-                        </a:spcAft>
-                      </a:pPr>
-                      <a:r>
-                        <a:rPr lang="en-US" sz="2800" kern="100" dirty="0">
-                          <a:effectLst/>
-                          <a:latin typeface="Cambria Math" panose="02040503050406030204" pitchFamily="18" charset="0"/>
-                          <a:ea typeface="Cambria Math" panose="02040503050406030204" pitchFamily="18" charset="0"/>
-                        </a:rPr>
-                        <a:t>71</a:t>
-                      </a:r>
-                      <a:endParaRPr lang="en-US" sz="2800" kern="100" dirty="0">
-                        <a:effectLst/>
-                        <a:latin typeface="Cambria Math" panose="02040503050406030204" pitchFamily="18" charset="0"/>
-                        <a:ea typeface="Cambria Math" panose="02040503050406030204" pitchFamily="18" charset="0"/>
-                        <a:cs typeface="Arial" panose="020B0604020202020204" pitchFamily="34" charset="0"/>
-                      </a:endParaRPr>
-                    </a:p>
-                  </a:txBody>
-                  <a:tcPr marL="68580" marR="68580" marT="0" marB="0" anchor="ctr"/>
-                </a:tc>
-                <a:tc>
-                  <a:txBody>
-                    <a:bodyPr/>
-                    <a:lstStyle/>
-                    <a:p>
-                      <a:pPr marL="0" marR="0" algn="ctr" rtl="0">
-                        <a:lnSpc>
-                          <a:spcPct val="107000"/>
-                        </a:lnSpc>
-                        <a:spcBef>
-                          <a:spcPts val="0"/>
-                        </a:spcBef>
-                        <a:spcAft>
-                          <a:spcPts val="0"/>
-                        </a:spcAft>
-                      </a:pPr>
-                      <a:r>
-                        <a:rPr lang="en-US" sz="2800" kern="100" dirty="0">
-                          <a:effectLst/>
-                          <a:latin typeface="Cambria Math" panose="02040503050406030204" pitchFamily="18" charset="0"/>
-                          <a:ea typeface="Cambria Math" panose="02040503050406030204" pitchFamily="18" charset="0"/>
-                        </a:rPr>
-                        <a:t>68</a:t>
-                      </a:r>
-                      <a:endParaRPr lang="en-US" sz="2800" kern="100" dirty="0">
-                        <a:effectLst/>
-                        <a:latin typeface="Cambria Math" panose="02040503050406030204" pitchFamily="18" charset="0"/>
-                        <a:ea typeface="Cambria Math" panose="02040503050406030204" pitchFamily="18" charset="0"/>
-                        <a:cs typeface="Arial" panose="020B0604020202020204" pitchFamily="34" charset="0"/>
-                      </a:endParaRPr>
-                    </a:p>
-                  </a:txBody>
-                  <a:tcPr marL="68580" marR="68580" marT="0" marB="0" anchor="ctr"/>
-                </a:tc>
-                <a:extLst>
-                  <a:ext uri="{0D108BD9-81ED-4DB2-BD59-A6C34878D82A}">
-                    <a16:rowId xmlns:a16="http://schemas.microsoft.com/office/drawing/2014/main" val="3799792934"/>
-                  </a:ext>
-                </a:extLst>
-              </a:tr>
-              <a:tr h="416839">
-                <a:tc>
-                  <a:txBody>
-                    <a:bodyPr/>
-                    <a:lstStyle/>
-                    <a:p>
-                      <a:pPr marL="0" marR="0" algn="ctr" rtl="0">
-                        <a:lnSpc>
-                          <a:spcPct val="107000"/>
-                        </a:lnSpc>
-                        <a:spcBef>
-                          <a:spcPts val="0"/>
-                        </a:spcBef>
-                        <a:spcAft>
-                          <a:spcPts val="0"/>
-                        </a:spcAft>
-                      </a:pPr>
-                      <a:r>
-                        <a:rPr lang="en-US" sz="2800" kern="100" dirty="0">
-                          <a:effectLst/>
-                          <a:latin typeface="Cambria Math" panose="02040503050406030204" pitchFamily="18" charset="0"/>
-                          <a:ea typeface="Cambria Math" panose="02040503050406030204" pitchFamily="18" charset="0"/>
-                        </a:rPr>
-                        <a:t>4</a:t>
-                      </a:r>
-                      <a:endParaRPr lang="en-US" sz="2800" kern="100" dirty="0">
-                        <a:effectLst/>
-                        <a:latin typeface="Cambria Math" panose="02040503050406030204" pitchFamily="18" charset="0"/>
-                        <a:ea typeface="Cambria Math" panose="02040503050406030204" pitchFamily="18" charset="0"/>
-                        <a:cs typeface="Arial" panose="020B0604020202020204" pitchFamily="34" charset="0"/>
-                      </a:endParaRPr>
-                    </a:p>
-                  </a:txBody>
-                  <a:tcPr marL="68580" marR="68580" marT="0" marB="0" anchor="ctr"/>
-                </a:tc>
-                <a:tc>
-                  <a:txBody>
-                    <a:bodyPr/>
-                    <a:lstStyle/>
-                    <a:p>
-                      <a:pPr marL="0" marR="0" algn="ctr" rtl="0">
-                        <a:lnSpc>
-                          <a:spcPct val="107000"/>
-                        </a:lnSpc>
-                        <a:spcBef>
-                          <a:spcPts val="0"/>
-                        </a:spcBef>
-                        <a:spcAft>
-                          <a:spcPts val="0"/>
-                        </a:spcAft>
-                      </a:pPr>
-                      <a:r>
-                        <a:rPr lang="en-US" sz="2800" kern="100" dirty="0">
-                          <a:effectLst/>
-                          <a:latin typeface="Cambria Math" panose="02040503050406030204" pitchFamily="18" charset="0"/>
-                          <a:ea typeface="Cambria Math" panose="02040503050406030204" pitchFamily="18" charset="0"/>
-                        </a:rPr>
-                        <a:t>78</a:t>
-                      </a:r>
-                      <a:endParaRPr lang="en-US" sz="2800" kern="100" dirty="0">
-                        <a:effectLst/>
-                        <a:latin typeface="Cambria Math" panose="02040503050406030204" pitchFamily="18" charset="0"/>
-                        <a:ea typeface="Cambria Math" panose="02040503050406030204" pitchFamily="18" charset="0"/>
-                        <a:cs typeface="Arial" panose="020B0604020202020204" pitchFamily="34" charset="0"/>
-                      </a:endParaRPr>
-                    </a:p>
-                  </a:txBody>
-                  <a:tcPr marL="68580" marR="68580" marT="0" marB="0" anchor="ctr"/>
-                </a:tc>
-                <a:tc>
-                  <a:txBody>
-                    <a:bodyPr/>
-                    <a:lstStyle/>
-                    <a:p>
-                      <a:pPr marL="0" marR="0" algn="ctr" rtl="0">
-                        <a:lnSpc>
-                          <a:spcPct val="107000"/>
-                        </a:lnSpc>
-                        <a:spcBef>
-                          <a:spcPts val="0"/>
-                        </a:spcBef>
-                        <a:spcAft>
-                          <a:spcPts val="0"/>
-                        </a:spcAft>
-                      </a:pPr>
-                      <a:r>
-                        <a:rPr lang="en-US" sz="2800" kern="100" dirty="0">
-                          <a:effectLst/>
-                          <a:latin typeface="Cambria Math" panose="02040503050406030204" pitchFamily="18" charset="0"/>
-                          <a:ea typeface="Cambria Math" panose="02040503050406030204" pitchFamily="18" charset="0"/>
-                        </a:rPr>
-                        <a:t>68</a:t>
-                      </a:r>
-                      <a:endParaRPr lang="en-US" sz="2800" kern="100" dirty="0">
-                        <a:effectLst/>
-                        <a:latin typeface="Cambria Math" panose="02040503050406030204" pitchFamily="18" charset="0"/>
-                        <a:ea typeface="Cambria Math" panose="02040503050406030204" pitchFamily="18" charset="0"/>
-                        <a:cs typeface="Arial" panose="020B0604020202020204" pitchFamily="34" charset="0"/>
-                      </a:endParaRPr>
-                    </a:p>
-                  </a:txBody>
-                  <a:tcPr marL="68580" marR="68580" marT="0" marB="0" anchor="ctr"/>
-                </a:tc>
-                <a:extLst>
-                  <a:ext uri="{0D108BD9-81ED-4DB2-BD59-A6C34878D82A}">
-                    <a16:rowId xmlns:a16="http://schemas.microsoft.com/office/drawing/2014/main" val="1790511498"/>
-                  </a:ext>
-                </a:extLst>
-              </a:tr>
-            </a:tbl>
-          </a:graphicData>
-        </a:graphic>
-      </p:graphicFrame>
-      <p:pic>
-        <p:nvPicPr>
-          <p:cNvPr id="2" name="Picture 1">
-            <a:extLst>
-              <a:ext uri="{FF2B5EF4-FFF2-40B4-BE49-F238E27FC236}">
-                <a16:creationId xmlns:a16="http://schemas.microsoft.com/office/drawing/2014/main" id="{4D3DD8C6-A50E-FF6D-12A9-5619F05F9D6E}"/>
-              </a:ext>
-            </a:extLst>
-          </p:cNvPr>
-          <p:cNvPicPr>
-            <a:picLocks noChangeAspect="1"/>
-          </p:cNvPicPr>
-          <p:nvPr/>
-        </p:nvPicPr>
-        <p:blipFill>
-          <a:blip r:embed="rId5"/>
-          <a:stretch>
-            <a:fillRect/>
-          </a:stretch>
-        </p:blipFill>
-        <p:spPr>
-          <a:xfrm>
-            <a:off x="15417802" y="6378291"/>
-            <a:ext cx="13754508" cy="7230269"/>
-          </a:xfrm>
-          <a:prstGeom prst="rect">
-            <a:avLst/>
-          </a:prstGeom>
-        </p:spPr>
-      </p:pic>
-      <p:pic>
-        <p:nvPicPr>
-          <p:cNvPr id="7" name="Picture 6" descr="A picture containing text, line, plot, diagram&#10;&#10;Description automatically generated">
-            <a:extLst>
-              <a:ext uri="{FF2B5EF4-FFF2-40B4-BE49-F238E27FC236}">
-                <a16:creationId xmlns:a16="http://schemas.microsoft.com/office/drawing/2014/main" id="{EA535E9B-0EA1-B989-CA58-7A33EB9BB995}"/>
-              </a:ext>
-            </a:extLst>
-          </p:cNvPr>
-          <p:cNvPicPr>
-            <a:picLocks noChangeAspect="1"/>
-          </p:cNvPicPr>
-          <p:nvPr/>
-        </p:nvPicPr>
-        <p:blipFill>
-          <a:blip r:embed="rId6">
-            <a:extLst>
-              <a:ext uri="{28A0092B-C50C-407E-A947-70E740481C1C}">
-                <a14:useLocalDpi xmlns:a14="http://schemas.microsoft.com/office/drawing/2010/main" val="0"/>
-              </a:ext>
-            </a:extLst>
-          </a:blip>
-          <a:stretch>
-            <a:fillRect/>
-          </a:stretch>
-        </p:blipFill>
-        <p:spPr>
-          <a:xfrm>
-            <a:off x="16519926" y="14255856"/>
-            <a:ext cx="11407415" cy="6844449"/>
-          </a:xfrm>
-          <a:prstGeom prst="rect">
-            <a:avLst/>
-          </a:prstGeom>
-        </p:spPr>
-      </p:pic>
       <p:sp>
         <p:nvSpPr>
           <p:cNvPr id="11" name="TextBox 10">
@@ -6858,6 +5666,7224 @@
           </a:p>
         </p:txBody>
       </p:sp>
+      <p:graphicFrame>
+        <p:nvGraphicFramePr>
+          <p:cNvPr id="8" name="Table 7">
+            <a:extLst>
+              <a:ext uri="{FF2B5EF4-FFF2-40B4-BE49-F238E27FC236}">
+                <a16:creationId xmlns:a16="http://schemas.microsoft.com/office/drawing/2014/main" id="{0BB11988-6E58-9E26-CC0C-0E03931B6A94}"/>
+              </a:ext>
+            </a:extLst>
+          </p:cNvPr>
+          <p:cNvGraphicFramePr>
+            <a:graphicFrameLocks noGrp="1"/>
+          </p:cNvGraphicFramePr>
+          <p:nvPr>
+            <p:extLst>
+              <p:ext uri="{D42A27DB-BD31-4B8C-83A1-F6EECF244321}">
+                <p14:modId xmlns:p14="http://schemas.microsoft.com/office/powerpoint/2010/main" val="1067175596"/>
+              </p:ext>
+            </p:extLst>
+          </p:nvPr>
+        </p:nvGraphicFramePr>
+        <p:xfrm>
+          <a:off x="2111581" y="18227752"/>
+          <a:ext cx="10451554" cy="3416083"/>
+        </p:xfrm>
+        <a:graphic>
+          <a:graphicData uri="http://schemas.openxmlformats.org/drawingml/2006/table">
+            <a:tbl>
+              <a:tblPr firstRow="1" firstCol="1" bandRow="1">
+                <a:tableStyleId>{5FD0F851-EC5A-4D38-B0AD-8093EC10F338}</a:tableStyleId>
+              </a:tblPr>
+              <a:tblGrid>
+                <a:gridCol w="1278343">
+                  <a:extLst>
+                    <a:ext uri="{9D8B030D-6E8A-4147-A177-3AD203B41FA5}">
+                      <a16:colId xmlns:a16="http://schemas.microsoft.com/office/drawing/2014/main" val="2284067477"/>
+                    </a:ext>
+                  </a:extLst>
+                </a:gridCol>
+                <a:gridCol w="4144638">
+                  <a:extLst>
+                    <a:ext uri="{9D8B030D-6E8A-4147-A177-3AD203B41FA5}">
+                      <a16:colId xmlns:a16="http://schemas.microsoft.com/office/drawing/2014/main" val="1898157239"/>
+                    </a:ext>
+                  </a:extLst>
+                </a:gridCol>
+                <a:gridCol w="2327275">
+                  <a:extLst>
+                    <a:ext uri="{9D8B030D-6E8A-4147-A177-3AD203B41FA5}">
+                      <a16:colId xmlns:a16="http://schemas.microsoft.com/office/drawing/2014/main" val="1774469807"/>
+                    </a:ext>
+                  </a:extLst>
+                </a:gridCol>
+                <a:gridCol w="2701298">
+                  <a:extLst>
+                    <a:ext uri="{9D8B030D-6E8A-4147-A177-3AD203B41FA5}">
+                      <a16:colId xmlns:a16="http://schemas.microsoft.com/office/drawing/2014/main" val="4220693821"/>
+                    </a:ext>
+                  </a:extLst>
+                </a:gridCol>
+              </a:tblGrid>
+              <a:tr h="713077">
+                <a:tc>
+                  <a:txBody>
+                    <a:bodyPr/>
+                    <a:lstStyle/>
+                    <a:p>
+                      <a:pPr algn="ctr" fontAlgn="ctr"/>
+                      <a:r>
+                        <a:rPr lang="en-US" sz="3200" b="0" u="none" strike="noStrike" dirty="0">
+                          <a:solidFill>
+                            <a:srgbClr val="000000"/>
+                          </a:solidFill>
+                          <a:effectLst/>
+                          <a:latin typeface="Calibri Light" panose="020F0302020204030204" pitchFamily="34" charset="0"/>
+                          <a:cs typeface="Calibri Light" panose="020F0302020204030204" pitchFamily="34" charset="0"/>
+                        </a:rPr>
+                        <a:t>Group</a:t>
+                      </a:r>
+                      <a:endParaRPr lang="en-US" sz="3200" b="0" i="0" u="none" strike="noStrike" dirty="0">
+                        <a:solidFill>
+                          <a:srgbClr val="000000"/>
+                        </a:solidFill>
+                        <a:effectLst/>
+                        <a:latin typeface="Calibri Light" panose="020F0302020204030204" pitchFamily="34" charset="0"/>
+                        <a:cs typeface="Calibri Light" panose="020F0302020204030204" pitchFamily="34" charset="0"/>
+                      </a:endParaRPr>
+                    </a:p>
+                  </a:txBody>
+                  <a:tcPr marL="6350" marR="6350" marT="6350" marB="0" anchor="ctr"/>
+                </a:tc>
+                <a:tc>
+                  <a:txBody>
+                    <a:bodyPr/>
+                    <a:lstStyle/>
+                    <a:p>
+                      <a:pPr algn="ctr" fontAlgn="ctr"/>
+                      <a:r>
+                        <a:rPr lang="en-US" sz="3200" b="0" u="none" strike="noStrike" dirty="0">
+                          <a:solidFill>
+                            <a:srgbClr val="000000"/>
+                          </a:solidFill>
+                          <a:effectLst/>
+                          <a:latin typeface="Calibri Light" panose="020F0302020204030204" pitchFamily="34" charset="0"/>
+                          <a:cs typeface="Calibri Light" panose="020F0302020204030204" pitchFamily="34" charset="0"/>
+                        </a:rPr>
+                        <a:t>Birth</a:t>
+                      </a:r>
+                      <a:endParaRPr lang="en-US" sz="3200" b="0" i="0" u="none" strike="noStrike" dirty="0">
+                        <a:solidFill>
+                          <a:srgbClr val="000000"/>
+                        </a:solidFill>
+                        <a:effectLst/>
+                        <a:latin typeface="Calibri Light" panose="020F0302020204030204" pitchFamily="34" charset="0"/>
+                        <a:cs typeface="Calibri Light" panose="020F0302020204030204" pitchFamily="34" charset="0"/>
+                      </a:endParaRPr>
+                    </a:p>
+                  </a:txBody>
+                  <a:tcPr marL="6350" marR="6350" marT="6350" marB="0" anchor="ctr"/>
+                </a:tc>
+                <a:tc>
+                  <a:txBody>
+                    <a:bodyPr/>
+                    <a:lstStyle/>
+                    <a:p>
+                      <a:pPr algn="ctr" fontAlgn="ctr"/>
+                      <a:r>
+                        <a:rPr lang="en-US" sz="3200" b="0" u="none" strike="noStrike" dirty="0">
+                          <a:solidFill>
+                            <a:srgbClr val="000000"/>
+                          </a:solidFill>
+                          <a:effectLst/>
+                          <a:latin typeface="Calibri Light" panose="020F0302020204030204" pitchFamily="34" charset="0"/>
+                          <a:cs typeface="Calibri Light" panose="020F0302020204030204" pitchFamily="34" charset="0"/>
+                        </a:rPr>
+                        <a:t>1Y Sickness %</a:t>
+                      </a:r>
+                      <a:endParaRPr lang="en-US" sz="3200" b="0" i="0" u="none" strike="noStrike" dirty="0">
+                        <a:solidFill>
+                          <a:srgbClr val="000000"/>
+                        </a:solidFill>
+                        <a:effectLst/>
+                        <a:latin typeface="Calibri Light" panose="020F0302020204030204" pitchFamily="34" charset="0"/>
+                        <a:cs typeface="Calibri Light" panose="020F0302020204030204" pitchFamily="34" charset="0"/>
+                      </a:endParaRPr>
+                    </a:p>
+                  </a:txBody>
+                  <a:tcPr marL="6350" marR="6350" marT="6350" marB="0" anchor="ctr"/>
+                </a:tc>
+                <a:tc>
+                  <a:txBody>
+                    <a:bodyPr/>
+                    <a:lstStyle/>
+                    <a:p>
+                      <a:pPr algn="ctr" fontAlgn="ctr"/>
+                      <a:r>
+                        <a:rPr lang="en-US" sz="3200" b="0" u="none" strike="noStrike" dirty="0">
+                          <a:solidFill>
+                            <a:srgbClr val="000000"/>
+                          </a:solidFill>
+                          <a:effectLst/>
+                          <a:latin typeface="Calibri Light" panose="020F0302020204030204" pitchFamily="34" charset="0"/>
+                          <a:cs typeface="Calibri Light" panose="020F0302020204030204" pitchFamily="34" charset="0"/>
+                        </a:rPr>
+                        <a:t>2Y Sickness %</a:t>
+                      </a:r>
+                      <a:endParaRPr lang="en-US" sz="3200" b="0" i="0" u="none" strike="noStrike" dirty="0">
+                        <a:solidFill>
+                          <a:srgbClr val="000000"/>
+                        </a:solidFill>
+                        <a:effectLst/>
+                        <a:latin typeface="Calibri Light" panose="020F0302020204030204" pitchFamily="34" charset="0"/>
+                        <a:cs typeface="Calibri Light" panose="020F0302020204030204" pitchFamily="34" charset="0"/>
+                      </a:endParaRPr>
+                    </a:p>
+                  </a:txBody>
+                  <a:tcPr marL="6350" marR="6350" marT="6350" marB="0" anchor="ctr"/>
+                </a:tc>
+                <a:extLst>
+                  <a:ext uri="{0D108BD9-81ED-4DB2-BD59-A6C34878D82A}">
+                    <a16:rowId xmlns:a16="http://schemas.microsoft.com/office/drawing/2014/main" val="1569267135"/>
+                  </a:ext>
+                </a:extLst>
+              </a:tr>
+              <a:tr h="638426">
+                <a:tc>
+                  <a:txBody>
+                    <a:bodyPr/>
+                    <a:lstStyle/>
+                    <a:p>
+                      <a:pPr algn="ctr" fontAlgn="ctr"/>
+                      <a:r>
+                        <a:rPr lang="he-IL" sz="3200" b="0" u="none" strike="noStrike">
+                          <a:solidFill>
+                            <a:srgbClr val="000000"/>
+                          </a:solidFill>
+                          <a:effectLst/>
+                          <a:latin typeface="Calibri Light" panose="020F0302020204030204" pitchFamily="34" charset="0"/>
+                          <a:cs typeface="Calibri Light" panose="020F0302020204030204" pitchFamily="34" charset="0"/>
+                        </a:rPr>
+                        <a:t>1</a:t>
+                      </a:r>
+                      <a:endParaRPr lang="he-IL" sz="3200" b="0" i="0" u="none" strike="noStrike">
+                        <a:solidFill>
+                          <a:srgbClr val="000000"/>
+                        </a:solidFill>
+                        <a:effectLst/>
+                        <a:latin typeface="Calibri Light" panose="020F0302020204030204" pitchFamily="34" charset="0"/>
+                        <a:cs typeface="Calibri Light" panose="020F0302020204030204" pitchFamily="34" charset="0"/>
+                      </a:endParaRPr>
+                    </a:p>
+                  </a:txBody>
+                  <a:tcPr marL="6350" marR="6350" marT="6350" marB="0" anchor="ctr"/>
+                </a:tc>
+                <a:tc>
+                  <a:txBody>
+                    <a:bodyPr/>
+                    <a:lstStyle/>
+                    <a:p>
+                      <a:pPr algn="ctr" fontAlgn="ctr"/>
+                      <a:r>
+                        <a:rPr lang="en-US" sz="3200" b="0" u="none" strike="noStrike" dirty="0">
+                          <a:solidFill>
+                            <a:srgbClr val="000000"/>
+                          </a:solidFill>
+                          <a:effectLst/>
+                          <a:latin typeface="Calibri Light" panose="020F0302020204030204" pitchFamily="34" charset="0"/>
+                          <a:cs typeface="Calibri Light" panose="020F0302020204030204" pitchFamily="34" charset="0"/>
+                        </a:rPr>
+                        <a:t>Up to March19</a:t>
+                      </a:r>
+                      <a:endParaRPr lang="en-US" sz="3200" b="0" i="0" u="none" strike="noStrike" dirty="0">
+                        <a:solidFill>
+                          <a:srgbClr val="000000"/>
+                        </a:solidFill>
+                        <a:effectLst/>
+                        <a:latin typeface="Calibri Light" panose="020F0302020204030204" pitchFamily="34" charset="0"/>
+                        <a:cs typeface="Calibri Light" panose="020F0302020204030204" pitchFamily="34" charset="0"/>
+                      </a:endParaRPr>
+                    </a:p>
+                  </a:txBody>
+                  <a:tcPr marL="6350" marR="6350" marT="6350" marB="0" anchor="ctr"/>
+                </a:tc>
+                <a:tc>
+                  <a:txBody>
+                    <a:bodyPr/>
+                    <a:lstStyle/>
+                    <a:p>
+                      <a:pPr algn="ctr" fontAlgn="ctr"/>
+                      <a:r>
+                        <a:rPr lang="he-IL" sz="3200" b="0" u="none" strike="noStrike" dirty="0">
+                          <a:solidFill>
+                            <a:srgbClr val="000000"/>
+                          </a:solidFill>
+                          <a:effectLst/>
+                          <a:latin typeface="Calibri Light" panose="020F0302020204030204" pitchFamily="34" charset="0"/>
+                          <a:cs typeface="Calibri Light" panose="020F0302020204030204" pitchFamily="34" charset="0"/>
+                        </a:rPr>
+                        <a:t>52</a:t>
+                      </a:r>
+                      <a:endParaRPr lang="he-IL" sz="3200" b="0" i="0" u="none" strike="noStrike" dirty="0">
+                        <a:solidFill>
+                          <a:srgbClr val="000000"/>
+                        </a:solidFill>
+                        <a:effectLst/>
+                        <a:latin typeface="Calibri Light" panose="020F0302020204030204" pitchFamily="34" charset="0"/>
+                        <a:cs typeface="Calibri Light" panose="020F0302020204030204" pitchFamily="34" charset="0"/>
+                      </a:endParaRPr>
+                    </a:p>
+                  </a:txBody>
+                  <a:tcPr marL="6350" marR="6350" marT="6350" marB="0" anchor="ctr"/>
+                </a:tc>
+                <a:tc>
+                  <a:txBody>
+                    <a:bodyPr/>
+                    <a:lstStyle/>
+                    <a:p>
+                      <a:pPr algn="ctr" fontAlgn="ctr"/>
+                      <a:r>
+                        <a:rPr lang="he-IL" sz="3200" b="0" u="none" strike="noStrike">
+                          <a:solidFill>
+                            <a:srgbClr val="000000"/>
+                          </a:solidFill>
+                          <a:effectLst/>
+                          <a:latin typeface="Calibri Light" panose="020F0302020204030204" pitchFamily="34" charset="0"/>
+                          <a:cs typeface="Calibri Light" panose="020F0302020204030204" pitchFamily="34" charset="0"/>
+                        </a:rPr>
+                        <a:t>36</a:t>
+                      </a:r>
+                      <a:endParaRPr lang="he-IL" sz="3200" b="0" i="0" u="none" strike="noStrike">
+                        <a:solidFill>
+                          <a:srgbClr val="000000"/>
+                        </a:solidFill>
+                        <a:effectLst/>
+                        <a:latin typeface="Calibri Light" panose="020F0302020204030204" pitchFamily="34" charset="0"/>
+                        <a:cs typeface="Calibri Light" panose="020F0302020204030204" pitchFamily="34" charset="0"/>
+                      </a:endParaRPr>
+                    </a:p>
+                  </a:txBody>
+                  <a:tcPr marL="6350" marR="6350" marT="6350" marB="0" anchor="ctr"/>
+                </a:tc>
+                <a:extLst>
+                  <a:ext uri="{0D108BD9-81ED-4DB2-BD59-A6C34878D82A}">
+                    <a16:rowId xmlns:a16="http://schemas.microsoft.com/office/drawing/2014/main" val="529060433"/>
+                  </a:ext>
+                </a:extLst>
+              </a:tr>
+              <a:tr h="713077">
+                <a:tc>
+                  <a:txBody>
+                    <a:bodyPr/>
+                    <a:lstStyle/>
+                    <a:p>
+                      <a:pPr algn="ctr" fontAlgn="ctr"/>
+                      <a:r>
+                        <a:rPr lang="he-IL" sz="3200" b="0" u="none" strike="noStrike">
+                          <a:solidFill>
+                            <a:srgbClr val="000000"/>
+                          </a:solidFill>
+                          <a:effectLst/>
+                          <a:latin typeface="Calibri Light" panose="020F0302020204030204" pitchFamily="34" charset="0"/>
+                          <a:cs typeface="Calibri Light" panose="020F0302020204030204" pitchFamily="34" charset="0"/>
+                        </a:rPr>
+                        <a:t>2</a:t>
+                      </a:r>
+                      <a:endParaRPr lang="he-IL" sz="3200" b="0" i="0" u="none" strike="noStrike">
+                        <a:solidFill>
+                          <a:srgbClr val="000000"/>
+                        </a:solidFill>
+                        <a:effectLst/>
+                        <a:latin typeface="Calibri Light" panose="020F0302020204030204" pitchFamily="34" charset="0"/>
+                        <a:cs typeface="Calibri Light" panose="020F0302020204030204" pitchFamily="34" charset="0"/>
+                      </a:endParaRPr>
+                    </a:p>
+                  </a:txBody>
+                  <a:tcPr marL="6350" marR="6350" marT="6350" marB="0" anchor="ctr"/>
+                </a:tc>
+                <a:tc>
+                  <a:txBody>
+                    <a:bodyPr/>
+                    <a:lstStyle/>
+                    <a:p>
+                      <a:pPr algn="ctr" fontAlgn="ctr"/>
+                      <a:r>
+                        <a:rPr lang="en-US" sz="3200" b="0" u="none" strike="noStrike" dirty="0">
+                          <a:solidFill>
+                            <a:srgbClr val="000000"/>
+                          </a:solidFill>
+                          <a:effectLst/>
+                          <a:latin typeface="Calibri Light" panose="020F0302020204030204" pitchFamily="34" charset="0"/>
+                          <a:cs typeface="Calibri Light" panose="020F0302020204030204" pitchFamily="34" charset="0"/>
+                        </a:rPr>
+                        <a:t>March19 to March 20</a:t>
+                      </a:r>
+                      <a:endParaRPr lang="en-US" sz="3200" b="0" i="0" u="none" strike="noStrike" dirty="0">
+                        <a:solidFill>
+                          <a:srgbClr val="000000"/>
+                        </a:solidFill>
+                        <a:effectLst/>
+                        <a:latin typeface="Calibri Light" panose="020F0302020204030204" pitchFamily="34" charset="0"/>
+                        <a:cs typeface="Calibri Light" panose="020F0302020204030204" pitchFamily="34" charset="0"/>
+                      </a:endParaRPr>
+                    </a:p>
+                  </a:txBody>
+                  <a:tcPr marL="6350" marR="6350" marT="6350" marB="0" anchor="ctr"/>
+                </a:tc>
+                <a:tc>
+                  <a:txBody>
+                    <a:bodyPr/>
+                    <a:lstStyle/>
+                    <a:p>
+                      <a:pPr algn="ctr" fontAlgn="ctr"/>
+                      <a:r>
+                        <a:rPr lang="he-IL" sz="3200" b="0" u="none" strike="noStrike" dirty="0">
+                          <a:solidFill>
+                            <a:srgbClr val="000000"/>
+                          </a:solidFill>
+                          <a:effectLst/>
+                          <a:latin typeface="Calibri Light" panose="020F0302020204030204" pitchFamily="34" charset="0"/>
+                          <a:cs typeface="Calibri Light" panose="020F0302020204030204" pitchFamily="34" charset="0"/>
+                        </a:rPr>
+                        <a:t>50</a:t>
+                      </a:r>
+                      <a:endParaRPr lang="he-IL" sz="3200" b="0" i="0" u="none" strike="noStrike" dirty="0">
+                        <a:solidFill>
+                          <a:srgbClr val="000000"/>
+                        </a:solidFill>
+                        <a:effectLst/>
+                        <a:latin typeface="Calibri Light" panose="020F0302020204030204" pitchFamily="34" charset="0"/>
+                        <a:cs typeface="Calibri Light" panose="020F0302020204030204" pitchFamily="34" charset="0"/>
+                      </a:endParaRPr>
+                    </a:p>
+                  </a:txBody>
+                  <a:tcPr marL="6350" marR="6350" marT="6350" marB="0" anchor="ctr"/>
+                </a:tc>
+                <a:tc>
+                  <a:txBody>
+                    <a:bodyPr/>
+                    <a:lstStyle/>
+                    <a:p>
+                      <a:pPr algn="ctr" fontAlgn="ctr"/>
+                      <a:r>
+                        <a:rPr lang="he-IL" sz="3200" b="0" u="none" strike="noStrike">
+                          <a:solidFill>
+                            <a:srgbClr val="000000"/>
+                          </a:solidFill>
+                          <a:effectLst/>
+                          <a:latin typeface="Calibri Light" panose="020F0302020204030204" pitchFamily="34" charset="0"/>
+                          <a:cs typeface="Calibri Light" panose="020F0302020204030204" pitchFamily="34" charset="0"/>
+                        </a:rPr>
+                        <a:t>43</a:t>
+                      </a:r>
+                      <a:endParaRPr lang="he-IL" sz="3200" b="0" i="0" u="none" strike="noStrike">
+                        <a:solidFill>
+                          <a:srgbClr val="000000"/>
+                        </a:solidFill>
+                        <a:effectLst/>
+                        <a:latin typeface="Calibri Light" panose="020F0302020204030204" pitchFamily="34" charset="0"/>
+                        <a:cs typeface="Calibri Light" panose="020F0302020204030204" pitchFamily="34" charset="0"/>
+                      </a:endParaRPr>
+                    </a:p>
+                  </a:txBody>
+                  <a:tcPr marL="6350" marR="6350" marT="6350" marB="0" anchor="ctr"/>
+                </a:tc>
+                <a:extLst>
+                  <a:ext uri="{0D108BD9-81ED-4DB2-BD59-A6C34878D82A}">
+                    <a16:rowId xmlns:a16="http://schemas.microsoft.com/office/drawing/2014/main" val="2801551646"/>
+                  </a:ext>
+                </a:extLst>
+              </a:tr>
+              <a:tr h="713077">
+                <a:tc>
+                  <a:txBody>
+                    <a:bodyPr/>
+                    <a:lstStyle/>
+                    <a:p>
+                      <a:pPr algn="ctr" fontAlgn="ctr"/>
+                      <a:r>
+                        <a:rPr lang="he-IL" sz="3200" b="0" u="none" strike="noStrike">
+                          <a:solidFill>
+                            <a:srgbClr val="000000"/>
+                          </a:solidFill>
+                          <a:effectLst/>
+                          <a:latin typeface="Calibri Light" panose="020F0302020204030204" pitchFamily="34" charset="0"/>
+                          <a:cs typeface="Calibri Light" panose="020F0302020204030204" pitchFamily="34" charset="0"/>
+                        </a:rPr>
+                        <a:t>3</a:t>
+                      </a:r>
+                      <a:endParaRPr lang="he-IL" sz="3200" b="0" i="0" u="none" strike="noStrike">
+                        <a:solidFill>
+                          <a:srgbClr val="000000"/>
+                        </a:solidFill>
+                        <a:effectLst/>
+                        <a:latin typeface="Calibri Light" panose="020F0302020204030204" pitchFamily="34" charset="0"/>
+                        <a:cs typeface="Calibri Light" panose="020F0302020204030204" pitchFamily="34" charset="0"/>
+                      </a:endParaRPr>
+                    </a:p>
+                  </a:txBody>
+                  <a:tcPr marL="6350" marR="6350" marT="6350" marB="0" anchor="ctr"/>
+                </a:tc>
+                <a:tc>
+                  <a:txBody>
+                    <a:bodyPr/>
+                    <a:lstStyle/>
+                    <a:p>
+                      <a:pPr algn="ctr" fontAlgn="ctr"/>
+                      <a:r>
+                        <a:rPr lang="en-US" sz="3200" b="0" u="none" strike="noStrike" dirty="0">
+                          <a:solidFill>
+                            <a:srgbClr val="000000"/>
+                          </a:solidFill>
+                          <a:effectLst/>
+                          <a:latin typeface="Calibri Light" panose="020F0302020204030204" pitchFamily="34" charset="0"/>
+                          <a:cs typeface="Calibri Light" panose="020F0302020204030204" pitchFamily="34" charset="0"/>
+                        </a:rPr>
+                        <a:t>March20 to Feb21</a:t>
+                      </a:r>
+                      <a:endParaRPr lang="en-US" sz="3200" b="0" i="0" u="none" strike="noStrike" dirty="0">
+                        <a:solidFill>
+                          <a:srgbClr val="000000"/>
+                        </a:solidFill>
+                        <a:effectLst/>
+                        <a:latin typeface="Calibri Light" panose="020F0302020204030204" pitchFamily="34" charset="0"/>
+                        <a:cs typeface="Calibri Light" panose="020F0302020204030204" pitchFamily="34" charset="0"/>
+                      </a:endParaRPr>
+                    </a:p>
+                  </a:txBody>
+                  <a:tcPr marL="6350" marR="6350" marT="6350" marB="0" anchor="ctr"/>
+                </a:tc>
+                <a:tc>
+                  <a:txBody>
+                    <a:bodyPr/>
+                    <a:lstStyle/>
+                    <a:p>
+                      <a:pPr algn="ctr" fontAlgn="ctr"/>
+                      <a:r>
+                        <a:rPr lang="he-IL" sz="3200" b="0" u="none" strike="noStrike" dirty="0">
+                          <a:solidFill>
+                            <a:srgbClr val="000000"/>
+                          </a:solidFill>
+                          <a:effectLst/>
+                          <a:latin typeface="Calibri Light" panose="020F0302020204030204" pitchFamily="34" charset="0"/>
+                          <a:cs typeface="Calibri Light" panose="020F0302020204030204" pitchFamily="34" charset="0"/>
+                        </a:rPr>
+                        <a:t>55</a:t>
+                      </a:r>
+                      <a:endParaRPr lang="he-IL" sz="3200" b="0" i="0" u="none" strike="noStrike" dirty="0">
+                        <a:solidFill>
+                          <a:srgbClr val="000000"/>
+                        </a:solidFill>
+                        <a:effectLst/>
+                        <a:latin typeface="Calibri Light" panose="020F0302020204030204" pitchFamily="34" charset="0"/>
+                        <a:cs typeface="Calibri Light" panose="020F0302020204030204" pitchFamily="34" charset="0"/>
+                      </a:endParaRPr>
+                    </a:p>
+                  </a:txBody>
+                  <a:tcPr marL="6350" marR="6350" marT="6350" marB="0" anchor="ctr"/>
+                </a:tc>
+                <a:tc>
+                  <a:txBody>
+                    <a:bodyPr/>
+                    <a:lstStyle/>
+                    <a:p>
+                      <a:pPr algn="ctr" fontAlgn="ctr"/>
+                      <a:r>
+                        <a:rPr lang="he-IL" sz="3200" b="0" u="none" strike="noStrike" dirty="0">
+                          <a:solidFill>
+                            <a:srgbClr val="000000"/>
+                          </a:solidFill>
+                          <a:effectLst/>
+                          <a:latin typeface="Calibri Light" panose="020F0302020204030204" pitchFamily="34" charset="0"/>
+                          <a:cs typeface="Calibri Light" panose="020F0302020204030204" pitchFamily="34" charset="0"/>
+                        </a:rPr>
+                        <a:t>49</a:t>
+                      </a:r>
+                      <a:endParaRPr lang="he-IL" sz="3200" b="0" i="0" u="none" strike="noStrike" dirty="0">
+                        <a:solidFill>
+                          <a:srgbClr val="000000"/>
+                        </a:solidFill>
+                        <a:effectLst/>
+                        <a:latin typeface="Calibri Light" panose="020F0302020204030204" pitchFamily="34" charset="0"/>
+                        <a:cs typeface="Calibri Light" panose="020F0302020204030204" pitchFamily="34" charset="0"/>
+                      </a:endParaRPr>
+                    </a:p>
+                  </a:txBody>
+                  <a:tcPr marL="6350" marR="6350" marT="6350" marB="0" anchor="ctr"/>
+                </a:tc>
+                <a:extLst>
+                  <a:ext uri="{0D108BD9-81ED-4DB2-BD59-A6C34878D82A}">
+                    <a16:rowId xmlns:a16="http://schemas.microsoft.com/office/drawing/2014/main" val="1916477913"/>
+                  </a:ext>
+                </a:extLst>
+              </a:tr>
+              <a:tr h="638426">
+                <a:tc>
+                  <a:txBody>
+                    <a:bodyPr/>
+                    <a:lstStyle/>
+                    <a:p>
+                      <a:pPr algn="ctr" fontAlgn="ctr"/>
+                      <a:r>
+                        <a:rPr lang="he-IL" sz="3200" b="0" u="none" strike="noStrike">
+                          <a:solidFill>
+                            <a:srgbClr val="000000"/>
+                          </a:solidFill>
+                          <a:effectLst/>
+                          <a:latin typeface="Calibri Light" panose="020F0302020204030204" pitchFamily="34" charset="0"/>
+                          <a:cs typeface="Calibri Light" panose="020F0302020204030204" pitchFamily="34" charset="0"/>
+                        </a:rPr>
+                        <a:t>4</a:t>
+                      </a:r>
+                      <a:endParaRPr lang="he-IL" sz="3200" b="0" i="0" u="none" strike="noStrike">
+                        <a:solidFill>
+                          <a:srgbClr val="000000"/>
+                        </a:solidFill>
+                        <a:effectLst/>
+                        <a:latin typeface="Calibri Light" panose="020F0302020204030204" pitchFamily="34" charset="0"/>
+                        <a:cs typeface="Calibri Light" panose="020F0302020204030204" pitchFamily="34" charset="0"/>
+                      </a:endParaRPr>
+                    </a:p>
+                  </a:txBody>
+                  <a:tcPr marL="6350" marR="6350" marT="6350" marB="0" anchor="ctr"/>
+                </a:tc>
+                <a:tc>
+                  <a:txBody>
+                    <a:bodyPr/>
+                    <a:lstStyle/>
+                    <a:p>
+                      <a:pPr algn="ctr" fontAlgn="ctr"/>
+                      <a:r>
+                        <a:rPr lang="en-US" sz="3200" b="0" u="none" strike="noStrike">
+                          <a:solidFill>
+                            <a:srgbClr val="000000"/>
+                          </a:solidFill>
+                          <a:effectLst/>
+                          <a:latin typeface="Calibri Light" panose="020F0302020204030204" pitchFamily="34" charset="0"/>
+                          <a:cs typeface="Calibri Light" panose="020F0302020204030204" pitchFamily="34" charset="0"/>
+                        </a:rPr>
+                        <a:t>From Feb21</a:t>
+                      </a:r>
+                      <a:endParaRPr lang="en-US" sz="3200" b="0" i="0" u="none" strike="noStrike">
+                        <a:solidFill>
+                          <a:srgbClr val="000000"/>
+                        </a:solidFill>
+                        <a:effectLst/>
+                        <a:latin typeface="Calibri Light" panose="020F0302020204030204" pitchFamily="34" charset="0"/>
+                        <a:cs typeface="Calibri Light" panose="020F0302020204030204" pitchFamily="34" charset="0"/>
+                      </a:endParaRPr>
+                    </a:p>
+                  </a:txBody>
+                  <a:tcPr marL="6350" marR="6350" marT="6350" marB="0" anchor="ctr"/>
+                </a:tc>
+                <a:tc>
+                  <a:txBody>
+                    <a:bodyPr/>
+                    <a:lstStyle/>
+                    <a:p>
+                      <a:pPr algn="ctr" fontAlgn="ctr"/>
+                      <a:r>
+                        <a:rPr lang="he-IL" sz="3200" b="0" u="none" strike="noStrike" dirty="0">
+                          <a:solidFill>
+                            <a:srgbClr val="000000"/>
+                          </a:solidFill>
+                          <a:effectLst/>
+                          <a:latin typeface="Calibri Light" panose="020F0302020204030204" pitchFamily="34" charset="0"/>
+                          <a:cs typeface="Calibri Light" panose="020F0302020204030204" pitchFamily="34" charset="0"/>
+                        </a:rPr>
+                        <a:t>71</a:t>
+                      </a:r>
+                      <a:endParaRPr lang="he-IL" sz="3200" b="0" i="0" u="none" strike="noStrike" dirty="0">
+                        <a:solidFill>
+                          <a:srgbClr val="000000"/>
+                        </a:solidFill>
+                        <a:effectLst/>
+                        <a:latin typeface="Calibri Light" panose="020F0302020204030204" pitchFamily="34" charset="0"/>
+                        <a:cs typeface="Calibri Light" panose="020F0302020204030204" pitchFamily="34" charset="0"/>
+                      </a:endParaRPr>
+                    </a:p>
+                  </a:txBody>
+                  <a:tcPr marL="6350" marR="6350" marT="6350" marB="0" anchor="ctr"/>
+                </a:tc>
+                <a:tc>
+                  <a:txBody>
+                    <a:bodyPr/>
+                    <a:lstStyle/>
+                    <a:p>
+                      <a:pPr algn="ctr" fontAlgn="ctr"/>
+                      <a:r>
+                        <a:rPr lang="he-IL" sz="3200" b="0" u="none" strike="noStrike" dirty="0">
+                          <a:solidFill>
+                            <a:srgbClr val="000000"/>
+                          </a:solidFill>
+                          <a:effectLst/>
+                          <a:latin typeface="Calibri Light" panose="020F0302020204030204" pitchFamily="34" charset="0"/>
+                          <a:cs typeface="Calibri Light" panose="020F0302020204030204" pitchFamily="34" charset="0"/>
+                        </a:rPr>
+                        <a:t>51</a:t>
+                      </a:r>
+                      <a:endParaRPr lang="he-IL" sz="3200" b="0" i="0" u="none" strike="noStrike" dirty="0">
+                        <a:solidFill>
+                          <a:srgbClr val="000000"/>
+                        </a:solidFill>
+                        <a:effectLst/>
+                        <a:latin typeface="Calibri Light" panose="020F0302020204030204" pitchFamily="34" charset="0"/>
+                        <a:cs typeface="Calibri Light" panose="020F0302020204030204" pitchFamily="34" charset="0"/>
+                      </a:endParaRPr>
+                    </a:p>
+                  </a:txBody>
+                  <a:tcPr marL="6350" marR="6350" marT="6350" marB="0" anchor="ctr"/>
+                </a:tc>
+                <a:extLst>
+                  <a:ext uri="{0D108BD9-81ED-4DB2-BD59-A6C34878D82A}">
+                    <a16:rowId xmlns:a16="http://schemas.microsoft.com/office/drawing/2014/main" val="1158275664"/>
+                  </a:ext>
+                </a:extLst>
+              </a:tr>
+            </a:tbl>
+          </a:graphicData>
+        </a:graphic>
+      </p:graphicFrame>
+      <p:graphicFrame>
+        <p:nvGraphicFramePr>
+          <p:cNvPr id="9" name="Table 8">
+            <a:extLst>
+              <a:ext uri="{FF2B5EF4-FFF2-40B4-BE49-F238E27FC236}">
+                <a16:creationId xmlns:a16="http://schemas.microsoft.com/office/drawing/2014/main" id="{5C23D53A-097C-A2C8-C42F-7197DEE723DE}"/>
+              </a:ext>
+            </a:extLst>
+          </p:cNvPr>
+          <p:cNvGraphicFramePr>
+            <a:graphicFrameLocks noGrp="1"/>
+          </p:cNvGraphicFramePr>
+          <p:nvPr>
+            <p:extLst>
+              <p:ext uri="{D42A27DB-BD31-4B8C-83A1-F6EECF244321}">
+                <p14:modId xmlns:p14="http://schemas.microsoft.com/office/powerpoint/2010/main" val="991891971"/>
+              </p:ext>
+            </p:extLst>
+          </p:nvPr>
+        </p:nvGraphicFramePr>
+        <p:xfrm>
+          <a:off x="15180489" y="6382649"/>
+          <a:ext cx="13991822" cy="14068927"/>
+        </p:xfrm>
+        <a:graphic>
+          <a:graphicData uri="http://schemas.openxmlformats.org/drawingml/2006/table">
+            <a:tbl>
+              <a:tblPr/>
+              <a:tblGrid>
+                <a:gridCol w="4484545">
+                  <a:extLst>
+                    <a:ext uri="{9D8B030D-6E8A-4147-A177-3AD203B41FA5}">
+                      <a16:colId xmlns:a16="http://schemas.microsoft.com/office/drawing/2014/main" val="1687023719"/>
+                    </a:ext>
+                  </a:extLst>
+                </a:gridCol>
+                <a:gridCol w="1692108">
+                  <a:extLst>
+                    <a:ext uri="{9D8B030D-6E8A-4147-A177-3AD203B41FA5}">
+                      <a16:colId xmlns:a16="http://schemas.microsoft.com/office/drawing/2014/main" val="1042797128"/>
+                    </a:ext>
+                  </a:extLst>
+                </a:gridCol>
+                <a:gridCol w="916860">
+                  <a:extLst>
+                    <a:ext uri="{9D8B030D-6E8A-4147-A177-3AD203B41FA5}">
+                      <a16:colId xmlns:a16="http://schemas.microsoft.com/office/drawing/2014/main" val="2733175140"/>
+                    </a:ext>
+                  </a:extLst>
+                </a:gridCol>
+                <a:gridCol w="956147">
+                  <a:extLst>
+                    <a:ext uri="{9D8B030D-6E8A-4147-A177-3AD203B41FA5}">
+                      <a16:colId xmlns:a16="http://schemas.microsoft.com/office/drawing/2014/main" val="1020968963"/>
+                    </a:ext>
+                  </a:extLst>
+                </a:gridCol>
+                <a:gridCol w="1446102">
+                  <a:extLst>
+                    <a:ext uri="{9D8B030D-6E8A-4147-A177-3AD203B41FA5}">
+                      <a16:colId xmlns:a16="http://schemas.microsoft.com/office/drawing/2014/main" val="3302576519"/>
+                    </a:ext>
+                  </a:extLst>
+                </a:gridCol>
+                <a:gridCol w="2082895">
+                  <a:extLst>
+                    <a:ext uri="{9D8B030D-6E8A-4147-A177-3AD203B41FA5}">
+                      <a16:colId xmlns:a16="http://schemas.microsoft.com/office/drawing/2014/main" val="1835266576"/>
+                    </a:ext>
+                  </a:extLst>
+                </a:gridCol>
+                <a:gridCol w="1261332">
+                  <a:extLst>
+                    <a:ext uri="{9D8B030D-6E8A-4147-A177-3AD203B41FA5}">
+                      <a16:colId xmlns:a16="http://schemas.microsoft.com/office/drawing/2014/main" val="1266378933"/>
+                    </a:ext>
+                  </a:extLst>
+                </a:gridCol>
+                <a:gridCol w="1151833">
+                  <a:extLst>
+                    <a:ext uri="{9D8B030D-6E8A-4147-A177-3AD203B41FA5}">
+                      <a16:colId xmlns:a16="http://schemas.microsoft.com/office/drawing/2014/main" val="4255070870"/>
+                    </a:ext>
+                  </a:extLst>
+                </a:gridCol>
+              </a:tblGrid>
+              <a:tr h="543844">
+                <a:tc rowSpan="2">
+                  <a:txBody>
+                    <a:bodyPr/>
+                    <a:lstStyle/>
+                    <a:p>
+                      <a:pPr algn="l" fontAlgn="ctr"/>
+                      <a:r>
+                        <a:rPr lang="en-US" sz="3200" b="1" i="0" u="none" strike="noStrike" dirty="0">
+                          <a:solidFill>
+                            <a:srgbClr val="000000"/>
+                          </a:solidFill>
+                          <a:effectLst/>
+                          <a:latin typeface="Calibri Light" panose="020F0302020204030204" pitchFamily="34" charset="0"/>
+                          <a:cs typeface="Calibri Light" panose="020F0302020204030204" pitchFamily="34" charset="0"/>
+                        </a:rPr>
+                        <a:t>Variable</a:t>
+                      </a:r>
+                    </a:p>
+                  </a:txBody>
+                  <a:tcPr marL="6350" marR="6350" marT="6350" marB="0" anchor="ctr">
+                    <a:lnL w="6350" cap="flat" cmpd="sng" algn="ctr">
+                      <a:solidFill>
+                        <a:srgbClr val="000000"/>
+                      </a:solidFill>
+                      <a:prstDash val="solid"/>
+                      <a:round/>
+                      <a:headEnd type="none" w="med" len="med"/>
+                      <a:tailEnd type="none" w="med" len="med"/>
+                    </a:lnL>
+                    <a:lnR w="6350" cap="flat" cmpd="sng" algn="ctr">
+                      <a:solidFill>
+                        <a:srgbClr val="000000"/>
+                      </a:solidFill>
+                      <a:prstDash val="solid"/>
+                      <a:round/>
+                      <a:headEnd type="none" w="med" len="med"/>
+                      <a:tailEnd type="none" w="med" len="med"/>
+                    </a:lnR>
+                    <a:lnT w="6350" cap="flat" cmpd="sng" algn="ctr">
+                      <a:solidFill>
+                        <a:srgbClr val="000000"/>
+                      </a:solidFill>
+                      <a:prstDash val="solid"/>
+                      <a:round/>
+                      <a:headEnd type="none" w="med" len="med"/>
+                      <a:tailEnd type="none" w="med" len="med"/>
+                    </a:lnT>
+                    <a:lnB w="6350" cap="flat" cmpd="sng" algn="ctr">
+                      <a:solidFill>
+                        <a:srgbClr val="000000"/>
+                      </a:solidFill>
+                      <a:prstDash val="solid"/>
+                      <a:round/>
+                      <a:headEnd type="none" w="med" len="med"/>
+                      <a:tailEnd type="none" w="med" len="med"/>
+                    </a:lnB>
+                    <a:solidFill>
+                      <a:srgbClr val="F4B084"/>
+                    </a:solidFill>
+                  </a:tcPr>
+                </a:tc>
+                <a:tc gridSpan="4">
+                  <a:txBody>
+                    <a:bodyPr/>
+                    <a:lstStyle/>
+                    <a:p>
+                      <a:pPr algn="ctr" fontAlgn="ctr"/>
+                      <a:r>
+                        <a:rPr lang="en-US" sz="3200" b="1" i="0" u="none" strike="noStrike">
+                          <a:solidFill>
+                            <a:srgbClr val="000000"/>
+                          </a:solidFill>
+                          <a:effectLst/>
+                          <a:latin typeface="Calibri Light" panose="020F0302020204030204" pitchFamily="34" charset="0"/>
+                          <a:cs typeface="Calibri Light" panose="020F0302020204030204" pitchFamily="34" charset="0"/>
+                        </a:rPr>
+                        <a:t>Logistic model</a:t>
+                      </a:r>
+                    </a:p>
+                  </a:txBody>
+                  <a:tcPr marL="6350" marR="6350" marT="6350" marB="0" anchor="ctr">
+                    <a:lnL w="6350" cap="flat" cmpd="sng" algn="ctr">
+                      <a:solidFill>
+                        <a:srgbClr val="000000"/>
+                      </a:solidFill>
+                      <a:prstDash val="solid"/>
+                      <a:round/>
+                      <a:headEnd type="none" w="med" len="med"/>
+                      <a:tailEnd type="none" w="med" len="med"/>
+                    </a:lnL>
+                    <a:lnR w="6350" cap="flat" cmpd="sng" algn="ctr">
+                      <a:solidFill>
+                        <a:srgbClr val="000000"/>
+                      </a:solidFill>
+                      <a:prstDash val="solid"/>
+                      <a:round/>
+                      <a:headEnd type="none" w="med" len="med"/>
+                      <a:tailEnd type="none" w="med" len="med"/>
+                    </a:lnR>
+                    <a:lnT w="6350" cap="flat" cmpd="sng" algn="ctr">
+                      <a:solidFill>
+                        <a:srgbClr val="000000"/>
+                      </a:solidFill>
+                      <a:prstDash val="solid"/>
+                      <a:round/>
+                      <a:headEnd type="none" w="med" len="med"/>
+                      <a:tailEnd type="none" w="med" len="med"/>
+                    </a:lnT>
+                    <a:lnB>
+                      <a:noFill/>
+                    </a:lnB>
+                    <a:solidFill>
+                      <a:srgbClr val="F4B084"/>
+                    </a:solidFill>
+                  </a:tcPr>
+                </a:tc>
+                <a:tc hMerge="1">
+                  <a:txBody>
+                    <a:bodyPr/>
+                    <a:lstStyle/>
+                    <a:p>
+                      <a:pPr rtl="1"/>
+                      <a:endParaRPr lang="he-IL"/>
+                    </a:p>
+                  </a:txBody>
+                  <a:tcPr/>
+                </a:tc>
+                <a:tc hMerge="1">
+                  <a:txBody>
+                    <a:bodyPr/>
+                    <a:lstStyle/>
+                    <a:p>
+                      <a:pPr rtl="1"/>
+                      <a:endParaRPr lang="he-IL"/>
+                    </a:p>
+                  </a:txBody>
+                  <a:tcPr/>
+                </a:tc>
+                <a:tc hMerge="1">
+                  <a:txBody>
+                    <a:bodyPr/>
+                    <a:lstStyle/>
+                    <a:p>
+                      <a:pPr rtl="1"/>
+                      <a:endParaRPr lang="he-IL"/>
+                    </a:p>
+                  </a:txBody>
+                  <a:tcPr/>
+                </a:tc>
+                <a:tc gridSpan="3">
+                  <a:txBody>
+                    <a:bodyPr/>
+                    <a:lstStyle/>
+                    <a:p>
+                      <a:pPr algn="ctr" fontAlgn="ctr"/>
+                      <a:r>
+                        <a:rPr lang="en-US" sz="3200" b="1" i="0" u="none" strike="noStrike">
+                          <a:solidFill>
+                            <a:srgbClr val="000000"/>
+                          </a:solidFill>
+                          <a:effectLst/>
+                          <a:latin typeface="Calibri Light" panose="020F0302020204030204" pitchFamily="34" charset="0"/>
+                          <a:cs typeface="Calibri Light" panose="020F0302020204030204" pitchFamily="34" charset="0"/>
+                        </a:rPr>
+                        <a:t>GAM model</a:t>
+                      </a:r>
+                    </a:p>
+                  </a:txBody>
+                  <a:tcPr marL="6350" marR="6350" marT="6350" marB="0" anchor="ctr">
+                    <a:lnL w="6350" cap="flat" cmpd="sng" algn="ctr">
+                      <a:solidFill>
+                        <a:srgbClr val="000000"/>
+                      </a:solidFill>
+                      <a:prstDash val="solid"/>
+                      <a:round/>
+                      <a:headEnd type="none" w="med" len="med"/>
+                      <a:tailEnd type="none" w="med" len="med"/>
+                    </a:lnL>
+                    <a:lnR w="6350" cap="flat" cmpd="sng" algn="ctr">
+                      <a:solidFill>
+                        <a:srgbClr val="000000"/>
+                      </a:solidFill>
+                      <a:prstDash val="solid"/>
+                      <a:round/>
+                      <a:headEnd type="none" w="med" len="med"/>
+                      <a:tailEnd type="none" w="med" len="med"/>
+                    </a:lnR>
+                    <a:lnT w="6350" cap="flat" cmpd="sng" algn="ctr">
+                      <a:solidFill>
+                        <a:srgbClr val="000000"/>
+                      </a:solidFill>
+                      <a:prstDash val="solid"/>
+                      <a:round/>
+                      <a:headEnd type="none" w="med" len="med"/>
+                      <a:tailEnd type="none" w="med" len="med"/>
+                    </a:lnT>
+                    <a:lnB>
+                      <a:noFill/>
+                    </a:lnB>
+                    <a:solidFill>
+                      <a:srgbClr val="F4B084"/>
+                    </a:solidFill>
+                  </a:tcPr>
+                </a:tc>
+                <a:tc hMerge="1">
+                  <a:txBody>
+                    <a:bodyPr/>
+                    <a:lstStyle/>
+                    <a:p>
+                      <a:pPr rtl="1"/>
+                      <a:endParaRPr lang="he-IL"/>
+                    </a:p>
+                  </a:txBody>
+                  <a:tcPr/>
+                </a:tc>
+                <a:tc hMerge="1">
+                  <a:txBody>
+                    <a:bodyPr/>
+                    <a:lstStyle/>
+                    <a:p>
+                      <a:pPr rtl="1"/>
+                      <a:endParaRPr lang="he-IL"/>
+                    </a:p>
+                  </a:txBody>
+                  <a:tcPr/>
+                </a:tc>
+                <a:extLst>
+                  <a:ext uri="{0D108BD9-81ED-4DB2-BD59-A6C34878D82A}">
+                    <a16:rowId xmlns:a16="http://schemas.microsoft.com/office/drawing/2014/main" val="3620485886"/>
+                  </a:ext>
+                </a:extLst>
+              </a:tr>
+              <a:tr h="988594">
+                <a:tc vMerge="1">
+                  <a:txBody>
+                    <a:bodyPr/>
+                    <a:lstStyle/>
+                    <a:p>
+                      <a:pPr rtl="1"/>
+                      <a:endParaRPr lang="he-IL"/>
+                    </a:p>
+                  </a:txBody>
+                  <a:tcPr/>
+                </a:tc>
+                <a:tc>
+                  <a:txBody>
+                    <a:bodyPr/>
+                    <a:lstStyle/>
+                    <a:p>
+                      <a:pPr algn="ctr" fontAlgn="ctr"/>
+                      <a:r>
+                        <a:rPr lang="en-US" sz="3200" b="0" i="0" u="none" strike="noStrike" dirty="0">
+                          <a:solidFill>
+                            <a:srgbClr val="000000"/>
+                          </a:solidFill>
+                          <a:effectLst/>
+                          <a:latin typeface="Calibri Light" panose="020F0302020204030204" pitchFamily="34" charset="0"/>
+                          <a:cs typeface="Calibri Light" panose="020F0302020204030204" pitchFamily="34" charset="0"/>
+                        </a:rPr>
+                        <a:t>Estimate</a:t>
+                      </a:r>
+                    </a:p>
+                  </a:txBody>
+                  <a:tcPr marL="6350" marR="6350" marT="6350" marB="0" anchor="ctr">
+                    <a:lnL w="6350" cap="flat" cmpd="sng" algn="ctr">
+                      <a:solidFill>
+                        <a:srgbClr val="000000"/>
+                      </a:solidFill>
+                      <a:prstDash val="solid"/>
+                      <a:round/>
+                      <a:headEnd type="none" w="med" len="med"/>
+                      <a:tailEnd type="none" w="med" len="med"/>
+                    </a:lnL>
+                    <a:lnR>
+                      <a:noFill/>
+                    </a:lnR>
+                    <a:lnT>
+                      <a:noFill/>
+                    </a:lnT>
+                    <a:lnB w="6350" cap="flat" cmpd="sng" algn="ctr">
+                      <a:solidFill>
+                        <a:srgbClr val="000000"/>
+                      </a:solidFill>
+                      <a:prstDash val="solid"/>
+                      <a:round/>
+                      <a:headEnd type="none" w="med" len="med"/>
+                      <a:tailEnd type="none" w="med" len="med"/>
+                    </a:lnB>
+                    <a:solidFill>
+                      <a:srgbClr val="F8CBAD"/>
+                    </a:solidFill>
+                  </a:tcPr>
+                </a:tc>
+                <a:tc>
+                  <a:txBody>
+                    <a:bodyPr/>
+                    <a:lstStyle/>
+                    <a:p>
+                      <a:pPr algn="ctr" fontAlgn="ctr"/>
+                      <a:r>
+                        <a:rPr lang="en-US" sz="3200" b="0" i="0" u="none" strike="noStrike">
+                          <a:solidFill>
+                            <a:srgbClr val="000000"/>
+                          </a:solidFill>
+                          <a:effectLst/>
+                          <a:latin typeface="Calibri Light" panose="020F0302020204030204" pitchFamily="34" charset="0"/>
+                          <a:cs typeface="Calibri Light" panose="020F0302020204030204" pitchFamily="34" charset="0"/>
+                        </a:rPr>
+                        <a:t>Std</a:t>
+                      </a:r>
+                    </a:p>
+                  </a:txBody>
+                  <a:tcPr marL="6350" marR="6350" marT="6350" marB="0" anchor="ctr">
+                    <a:lnL>
+                      <a:noFill/>
+                    </a:lnL>
+                    <a:lnR>
+                      <a:noFill/>
+                    </a:lnR>
+                    <a:lnT>
+                      <a:noFill/>
+                    </a:lnT>
+                    <a:lnB w="6350" cap="flat" cmpd="sng" algn="ctr">
+                      <a:solidFill>
+                        <a:srgbClr val="000000"/>
+                      </a:solidFill>
+                      <a:prstDash val="solid"/>
+                      <a:round/>
+                      <a:headEnd type="none" w="med" len="med"/>
+                      <a:tailEnd type="none" w="med" len="med"/>
+                    </a:lnB>
+                    <a:solidFill>
+                      <a:srgbClr val="F8CBAD"/>
+                    </a:solidFill>
+                  </a:tcPr>
+                </a:tc>
+                <a:tc>
+                  <a:txBody>
+                    <a:bodyPr/>
+                    <a:lstStyle/>
+                    <a:p>
+                      <a:pPr algn="ctr" fontAlgn="b"/>
+                      <a:r>
+                        <a:rPr lang="en-US" sz="3200" b="0" i="0" u="none" strike="noStrike" dirty="0">
+                          <a:solidFill>
+                            <a:srgbClr val="000000"/>
+                          </a:solidFill>
+                          <a:effectLst/>
+                          <a:latin typeface="Calibri Light" panose="020F0302020204030204" pitchFamily="34" charset="0"/>
+                          <a:cs typeface="Calibri Light" panose="020F0302020204030204" pitchFamily="34" charset="0"/>
+                        </a:rPr>
+                        <a:t>P-</a:t>
+                      </a:r>
+                      <a:r>
+                        <a:rPr lang="en-US" sz="3200" b="0" i="0" u="none" strike="noStrike" dirty="0" err="1">
+                          <a:solidFill>
+                            <a:srgbClr val="000000"/>
+                          </a:solidFill>
+                          <a:effectLst/>
+                          <a:latin typeface="Calibri Light" panose="020F0302020204030204" pitchFamily="34" charset="0"/>
+                          <a:cs typeface="Calibri Light" panose="020F0302020204030204" pitchFamily="34" charset="0"/>
+                        </a:rPr>
+                        <a:t>val</a:t>
+                      </a:r>
+                      <a:endParaRPr lang="en-US" sz="3200" b="0" i="0" u="none" strike="noStrike" dirty="0">
+                        <a:solidFill>
+                          <a:srgbClr val="000000"/>
+                        </a:solidFill>
+                        <a:effectLst/>
+                        <a:latin typeface="Calibri Light" panose="020F0302020204030204" pitchFamily="34" charset="0"/>
+                        <a:cs typeface="Calibri Light" panose="020F0302020204030204" pitchFamily="34" charset="0"/>
+                      </a:endParaRPr>
+                    </a:p>
+                  </a:txBody>
+                  <a:tcPr marL="6350" marR="6350" marT="6350" marB="0" anchor="ctr">
+                    <a:lnL>
+                      <a:noFill/>
+                    </a:lnL>
+                    <a:lnR>
+                      <a:noFill/>
+                    </a:lnR>
+                    <a:lnT>
+                      <a:noFill/>
+                    </a:lnT>
+                    <a:lnB w="6350" cap="flat" cmpd="sng" algn="ctr">
+                      <a:solidFill>
+                        <a:srgbClr val="000000"/>
+                      </a:solidFill>
+                      <a:prstDash val="solid"/>
+                      <a:round/>
+                      <a:headEnd type="none" w="med" len="med"/>
+                      <a:tailEnd type="none" w="med" len="med"/>
+                    </a:lnB>
+                    <a:solidFill>
+                      <a:srgbClr val="F8CBAD"/>
+                    </a:solidFill>
+                  </a:tcPr>
+                </a:tc>
+                <a:tc>
+                  <a:txBody>
+                    <a:bodyPr/>
+                    <a:lstStyle/>
+                    <a:p>
+                      <a:pPr algn="ctr" fontAlgn="ctr"/>
+                      <a:r>
+                        <a:rPr lang="en-US" sz="3200" b="0" i="0" u="none" strike="noStrike" dirty="0">
+                          <a:solidFill>
+                            <a:srgbClr val="000000"/>
+                          </a:solidFill>
+                          <a:effectLst/>
+                          <a:latin typeface="Calibri Light" panose="020F0302020204030204" pitchFamily="34" charset="0"/>
+                          <a:cs typeface="Calibri Light" panose="020F0302020204030204" pitchFamily="34" charset="0"/>
+                        </a:rPr>
+                        <a:t>Odds Ratio</a:t>
+                      </a:r>
+                    </a:p>
+                  </a:txBody>
+                  <a:tcPr marL="6350" marR="6350" marT="6350" marB="0" anchor="ctr">
+                    <a:lnL>
+                      <a:noFill/>
+                    </a:lnL>
+                    <a:lnR w="6350" cap="flat" cmpd="sng" algn="ctr">
+                      <a:solidFill>
+                        <a:srgbClr val="000000"/>
+                      </a:solidFill>
+                      <a:prstDash val="solid"/>
+                      <a:round/>
+                      <a:headEnd type="none" w="med" len="med"/>
+                      <a:tailEnd type="none" w="med" len="med"/>
+                    </a:lnR>
+                    <a:lnT>
+                      <a:noFill/>
+                    </a:lnT>
+                    <a:lnB w="6350" cap="flat" cmpd="sng" algn="ctr">
+                      <a:solidFill>
+                        <a:srgbClr val="000000"/>
+                      </a:solidFill>
+                      <a:prstDash val="solid"/>
+                      <a:round/>
+                      <a:headEnd type="none" w="med" len="med"/>
+                      <a:tailEnd type="none" w="med" len="med"/>
+                    </a:lnB>
+                    <a:solidFill>
+                      <a:srgbClr val="F8CBAD"/>
+                    </a:solidFill>
+                  </a:tcPr>
+                </a:tc>
+                <a:tc>
+                  <a:txBody>
+                    <a:bodyPr/>
+                    <a:lstStyle/>
+                    <a:p>
+                      <a:pPr algn="ctr" fontAlgn="ctr"/>
+                      <a:r>
+                        <a:rPr lang="en-US" sz="3200" b="0" i="0" u="none" strike="noStrike">
+                          <a:solidFill>
+                            <a:srgbClr val="000000"/>
+                          </a:solidFill>
+                          <a:effectLst/>
+                          <a:latin typeface="Calibri Light" panose="020F0302020204030204" pitchFamily="34" charset="0"/>
+                          <a:cs typeface="Calibri Light" panose="020F0302020204030204" pitchFamily="34" charset="0"/>
+                        </a:rPr>
+                        <a:t>Estimate</a:t>
+                      </a:r>
+                    </a:p>
+                  </a:txBody>
+                  <a:tcPr marL="6350" marR="6350" marT="6350" marB="0" anchor="ctr">
+                    <a:lnL w="6350" cap="flat" cmpd="sng" algn="ctr">
+                      <a:solidFill>
+                        <a:srgbClr val="000000"/>
+                      </a:solidFill>
+                      <a:prstDash val="solid"/>
+                      <a:round/>
+                      <a:headEnd type="none" w="med" len="med"/>
+                      <a:tailEnd type="none" w="med" len="med"/>
+                    </a:lnL>
+                    <a:lnR>
+                      <a:noFill/>
+                    </a:lnR>
+                    <a:lnT>
+                      <a:noFill/>
+                    </a:lnT>
+                    <a:lnB w="6350" cap="flat" cmpd="sng" algn="ctr">
+                      <a:solidFill>
+                        <a:srgbClr val="000000"/>
+                      </a:solidFill>
+                      <a:prstDash val="solid"/>
+                      <a:round/>
+                      <a:headEnd type="none" w="med" len="med"/>
+                      <a:tailEnd type="none" w="med" len="med"/>
+                    </a:lnB>
+                    <a:solidFill>
+                      <a:srgbClr val="F8CBAD"/>
+                    </a:solidFill>
+                  </a:tcPr>
+                </a:tc>
+                <a:tc>
+                  <a:txBody>
+                    <a:bodyPr/>
+                    <a:lstStyle/>
+                    <a:p>
+                      <a:pPr algn="ctr" fontAlgn="ctr"/>
+                      <a:r>
+                        <a:rPr lang="en-US" sz="3200" b="0" i="0" u="none" strike="noStrike" dirty="0">
+                          <a:solidFill>
+                            <a:srgbClr val="000000"/>
+                          </a:solidFill>
+                          <a:effectLst/>
+                          <a:latin typeface="Calibri Light" panose="020F0302020204030204" pitchFamily="34" charset="0"/>
+                          <a:cs typeface="Calibri Light" panose="020F0302020204030204" pitchFamily="34" charset="0"/>
+                        </a:rPr>
+                        <a:t>Std. Error</a:t>
+                      </a:r>
+                    </a:p>
+                  </a:txBody>
+                  <a:tcPr marL="6350" marR="6350" marT="6350" marB="0" anchor="ctr">
+                    <a:lnL>
+                      <a:noFill/>
+                    </a:lnL>
+                    <a:lnR>
+                      <a:noFill/>
+                    </a:lnR>
+                    <a:lnT>
+                      <a:noFill/>
+                    </a:lnT>
+                    <a:lnB w="6350" cap="flat" cmpd="sng" algn="ctr">
+                      <a:solidFill>
+                        <a:srgbClr val="000000"/>
+                      </a:solidFill>
+                      <a:prstDash val="solid"/>
+                      <a:round/>
+                      <a:headEnd type="none" w="med" len="med"/>
+                      <a:tailEnd type="none" w="med" len="med"/>
+                    </a:lnB>
+                    <a:solidFill>
+                      <a:srgbClr val="F8CBAD"/>
+                    </a:solidFill>
+                  </a:tcPr>
+                </a:tc>
+                <a:tc>
+                  <a:txBody>
+                    <a:bodyPr/>
+                    <a:lstStyle/>
+                    <a:p>
+                      <a:pPr algn="ctr" fontAlgn="ctr"/>
+                      <a:r>
+                        <a:rPr lang="en-US" sz="3200" b="0" i="0" u="none" strike="noStrike">
+                          <a:solidFill>
+                            <a:srgbClr val="000000"/>
+                          </a:solidFill>
+                          <a:effectLst/>
+                          <a:latin typeface="Calibri Light" panose="020F0302020204030204" pitchFamily="34" charset="0"/>
+                          <a:cs typeface="Calibri Light" panose="020F0302020204030204" pitchFamily="34" charset="0"/>
+                        </a:rPr>
+                        <a:t>P val</a:t>
+                      </a:r>
+                    </a:p>
+                  </a:txBody>
+                  <a:tcPr marL="6350" marR="6350" marT="6350" marB="0" anchor="ctr">
+                    <a:lnL>
+                      <a:noFill/>
+                    </a:lnL>
+                    <a:lnR w="6350" cap="flat" cmpd="sng" algn="ctr">
+                      <a:solidFill>
+                        <a:srgbClr val="000000"/>
+                      </a:solidFill>
+                      <a:prstDash val="solid"/>
+                      <a:round/>
+                      <a:headEnd type="none" w="med" len="med"/>
+                      <a:tailEnd type="none" w="med" len="med"/>
+                    </a:lnR>
+                    <a:lnT>
+                      <a:noFill/>
+                    </a:lnT>
+                    <a:lnB w="6350" cap="flat" cmpd="sng" algn="ctr">
+                      <a:solidFill>
+                        <a:srgbClr val="000000"/>
+                      </a:solidFill>
+                      <a:prstDash val="solid"/>
+                      <a:round/>
+                      <a:headEnd type="none" w="med" len="med"/>
+                      <a:tailEnd type="none" w="med" len="med"/>
+                    </a:lnB>
+                    <a:solidFill>
+                      <a:srgbClr val="F8CBAD"/>
+                    </a:solidFill>
+                  </a:tcPr>
+                </a:tc>
+                <a:extLst>
+                  <a:ext uri="{0D108BD9-81ED-4DB2-BD59-A6C34878D82A}">
+                    <a16:rowId xmlns:a16="http://schemas.microsoft.com/office/drawing/2014/main" val="1138775872"/>
+                  </a:ext>
+                </a:extLst>
+              </a:tr>
+              <a:tr h="543844">
+                <a:tc>
+                  <a:txBody>
+                    <a:bodyPr/>
+                    <a:lstStyle/>
+                    <a:p>
+                      <a:pPr algn="l" fontAlgn="ctr"/>
+                      <a:r>
+                        <a:rPr lang="en-US" sz="3200" b="0" i="0" u="none" strike="noStrike" dirty="0">
+                          <a:solidFill>
+                            <a:srgbClr val="000000"/>
+                          </a:solidFill>
+                          <a:effectLst/>
+                          <a:latin typeface="Calibri Light" panose="020F0302020204030204" pitchFamily="34" charset="0"/>
+                          <a:cs typeface="Calibri Light" panose="020F0302020204030204" pitchFamily="34" charset="0"/>
+                        </a:rPr>
+                        <a:t>Intercept</a:t>
+                      </a:r>
+                    </a:p>
+                  </a:txBody>
+                  <a:tcPr marL="6350" marR="6350" marT="6350" marB="0" anchor="ctr">
+                    <a:lnL w="6350" cap="flat" cmpd="sng" algn="ctr">
+                      <a:solidFill>
+                        <a:srgbClr val="000000"/>
+                      </a:solidFill>
+                      <a:prstDash val="solid"/>
+                      <a:round/>
+                      <a:headEnd type="none" w="med" len="med"/>
+                      <a:tailEnd type="none" w="med" len="med"/>
+                    </a:lnL>
+                    <a:lnR w="6350" cap="flat" cmpd="sng" algn="ctr">
+                      <a:solidFill>
+                        <a:srgbClr val="000000"/>
+                      </a:solidFill>
+                      <a:prstDash val="solid"/>
+                      <a:round/>
+                      <a:headEnd type="none" w="med" len="med"/>
+                      <a:tailEnd type="none" w="med" len="med"/>
+                    </a:lnR>
+                    <a:lnT w="6350" cap="flat" cmpd="sng" algn="ctr">
+                      <a:solidFill>
+                        <a:srgbClr val="000000"/>
+                      </a:solidFill>
+                      <a:prstDash val="solid"/>
+                      <a:round/>
+                      <a:headEnd type="none" w="med" len="med"/>
+                      <a:tailEnd type="none" w="med" len="med"/>
+                    </a:lnT>
+                    <a:lnB>
+                      <a:noFill/>
+                    </a:lnB>
+                    <a:solidFill>
+                      <a:srgbClr val="FFFFFF"/>
+                    </a:solidFill>
+                  </a:tcPr>
+                </a:tc>
+                <a:tc>
+                  <a:txBody>
+                    <a:bodyPr/>
+                    <a:lstStyle/>
+                    <a:p>
+                      <a:pPr algn="ctr" fontAlgn="ctr"/>
+                      <a:r>
+                        <a:rPr lang="he-IL" sz="3200" b="0" i="0" u="none" strike="noStrike">
+                          <a:solidFill>
+                            <a:srgbClr val="000000"/>
+                          </a:solidFill>
+                          <a:effectLst/>
+                          <a:latin typeface="Calibri Light" panose="020F0302020204030204" pitchFamily="34" charset="0"/>
+                          <a:cs typeface="Calibri Light" panose="020F0302020204030204" pitchFamily="34" charset="0"/>
+                        </a:rPr>
+                        <a:t>-0.83</a:t>
+                      </a:r>
+                    </a:p>
+                  </a:txBody>
+                  <a:tcPr marL="6350" marR="6350" marT="6350" marB="0" anchor="ctr">
+                    <a:lnL w="6350" cap="flat" cmpd="sng" algn="ctr">
+                      <a:solidFill>
+                        <a:srgbClr val="000000"/>
+                      </a:solidFill>
+                      <a:prstDash val="solid"/>
+                      <a:round/>
+                      <a:headEnd type="none" w="med" len="med"/>
+                      <a:tailEnd type="none" w="med" len="med"/>
+                    </a:lnL>
+                    <a:lnR>
+                      <a:noFill/>
+                    </a:lnR>
+                    <a:lnT w="6350" cap="flat" cmpd="sng" algn="ctr">
+                      <a:solidFill>
+                        <a:srgbClr val="000000"/>
+                      </a:solidFill>
+                      <a:prstDash val="solid"/>
+                      <a:round/>
+                      <a:headEnd type="none" w="med" len="med"/>
+                      <a:tailEnd type="none" w="med" len="med"/>
+                    </a:lnT>
+                    <a:lnB>
+                      <a:noFill/>
+                    </a:lnB>
+                    <a:solidFill>
+                      <a:srgbClr val="FFFFFF"/>
+                    </a:solidFill>
+                  </a:tcPr>
+                </a:tc>
+                <a:tc>
+                  <a:txBody>
+                    <a:bodyPr/>
+                    <a:lstStyle/>
+                    <a:p>
+                      <a:pPr algn="ctr" fontAlgn="ctr"/>
+                      <a:r>
+                        <a:rPr lang="he-IL" sz="3200" b="0" i="0" u="none" strike="noStrike">
+                          <a:solidFill>
+                            <a:srgbClr val="000000"/>
+                          </a:solidFill>
+                          <a:effectLst/>
+                          <a:latin typeface="Calibri Light" panose="020F0302020204030204" pitchFamily="34" charset="0"/>
+                          <a:cs typeface="Calibri Light" panose="020F0302020204030204" pitchFamily="34" charset="0"/>
+                        </a:rPr>
+                        <a:t>0.52</a:t>
+                      </a:r>
+                    </a:p>
+                  </a:txBody>
+                  <a:tcPr marL="6350" marR="6350" marT="6350" marB="0" anchor="ctr">
+                    <a:lnL>
+                      <a:noFill/>
+                    </a:lnL>
+                    <a:lnR>
+                      <a:noFill/>
+                    </a:lnR>
+                    <a:lnT w="6350" cap="flat" cmpd="sng" algn="ctr">
+                      <a:solidFill>
+                        <a:srgbClr val="000000"/>
+                      </a:solidFill>
+                      <a:prstDash val="solid"/>
+                      <a:round/>
+                      <a:headEnd type="none" w="med" len="med"/>
+                      <a:tailEnd type="none" w="med" len="med"/>
+                    </a:lnT>
+                    <a:lnB>
+                      <a:noFill/>
+                    </a:lnB>
+                    <a:solidFill>
+                      <a:srgbClr val="FFFFFF"/>
+                    </a:solidFill>
+                  </a:tcPr>
+                </a:tc>
+                <a:tc>
+                  <a:txBody>
+                    <a:bodyPr/>
+                    <a:lstStyle/>
+                    <a:p>
+                      <a:pPr algn="ctr" fontAlgn="ctr"/>
+                      <a:r>
+                        <a:rPr lang="he-IL" sz="3200" b="0" i="0" u="none" strike="noStrike">
+                          <a:solidFill>
+                            <a:srgbClr val="000000"/>
+                          </a:solidFill>
+                          <a:effectLst/>
+                          <a:latin typeface="Calibri Light" panose="020F0302020204030204" pitchFamily="34" charset="0"/>
+                          <a:cs typeface="Calibri Light" panose="020F0302020204030204" pitchFamily="34" charset="0"/>
+                        </a:rPr>
+                        <a:t>0.11</a:t>
+                      </a:r>
+                    </a:p>
+                  </a:txBody>
+                  <a:tcPr marL="6350" marR="6350" marT="6350" marB="0" anchor="ctr">
+                    <a:lnL>
+                      <a:noFill/>
+                    </a:lnL>
+                    <a:lnR>
+                      <a:noFill/>
+                    </a:lnR>
+                    <a:lnT w="6350" cap="flat" cmpd="sng" algn="ctr">
+                      <a:solidFill>
+                        <a:srgbClr val="000000"/>
+                      </a:solidFill>
+                      <a:prstDash val="solid"/>
+                      <a:round/>
+                      <a:headEnd type="none" w="med" len="med"/>
+                      <a:tailEnd type="none" w="med" len="med"/>
+                    </a:lnT>
+                    <a:lnB>
+                      <a:noFill/>
+                    </a:lnB>
+                    <a:solidFill>
+                      <a:srgbClr val="FFFFFF"/>
+                    </a:solidFill>
+                  </a:tcPr>
+                </a:tc>
+                <a:tc>
+                  <a:txBody>
+                    <a:bodyPr/>
+                    <a:lstStyle/>
+                    <a:p>
+                      <a:pPr algn="ctr" fontAlgn="ctr"/>
+                      <a:r>
+                        <a:rPr lang="he-IL" sz="3200" b="0" i="0" u="none" strike="noStrike">
+                          <a:solidFill>
+                            <a:srgbClr val="000000"/>
+                          </a:solidFill>
+                          <a:effectLst/>
+                          <a:latin typeface="Calibri Light" panose="020F0302020204030204" pitchFamily="34" charset="0"/>
+                          <a:cs typeface="Calibri Light" panose="020F0302020204030204" pitchFamily="34" charset="0"/>
+                        </a:rPr>
+                        <a:t> </a:t>
+                      </a:r>
+                    </a:p>
+                  </a:txBody>
+                  <a:tcPr marL="6350" marR="6350" marT="6350" marB="0" anchor="ctr">
+                    <a:lnL>
+                      <a:noFill/>
+                    </a:lnL>
+                    <a:lnR w="6350" cap="flat" cmpd="sng" algn="ctr">
+                      <a:solidFill>
+                        <a:srgbClr val="000000"/>
+                      </a:solidFill>
+                      <a:prstDash val="solid"/>
+                      <a:round/>
+                      <a:headEnd type="none" w="med" len="med"/>
+                      <a:tailEnd type="none" w="med" len="med"/>
+                    </a:lnR>
+                    <a:lnT w="6350" cap="flat" cmpd="sng" algn="ctr">
+                      <a:solidFill>
+                        <a:srgbClr val="000000"/>
+                      </a:solidFill>
+                      <a:prstDash val="solid"/>
+                      <a:round/>
+                      <a:headEnd type="none" w="med" len="med"/>
+                      <a:tailEnd type="none" w="med" len="med"/>
+                    </a:lnT>
+                    <a:lnB>
+                      <a:noFill/>
+                    </a:lnB>
+                    <a:solidFill>
+                      <a:srgbClr val="FFFFFF"/>
+                    </a:solidFill>
+                  </a:tcPr>
+                </a:tc>
+                <a:tc>
+                  <a:txBody>
+                    <a:bodyPr/>
+                    <a:lstStyle/>
+                    <a:p>
+                      <a:pPr algn="ctr" fontAlgn="ctr"/>
+                      <a:r>
+                        <a:rPr lang="he-IL" sz="3200" b="0" i="0" u="none" strike="noStrike">
+                          <a:solidFill>
+                            <a:srgbClr val="000000"/>
+                          </a:solidFill>
+                          <a:effectLst/>
+                          <a:latin typeface="Calibri Light" panose="020F0302020204030204" pitchFamily="34" charset="0"/>
+                          <a:cs typeface="Calibri Light" panose="020F0302020204030204" pitchFamily="34" charset="0"/>
+                        </a:rPr>
+                        <a:t>-0.33</a:t>
+                      </a:r>
+                    </a:p>
+                  </a:txBody>
+                  <a:tcPr marL="6350" marR="6350" marT="6350" marB="0" anchor="ctr">
+                    <a:lnL w="6350" cap="flat" cmpd="sng" algn="ctr">
+                      <a:solidFill>
+                        <a:srgbClr val="000000"/>
+                      </a:solidFill>
+                      <a:prstDash val="solid"/>
+                      <a:round/>
+                      <a:headEnd type="none" w="med" len="med"/>
+                      <a:tailEnd type="none" w="med" len="med"/>
+                    </a:lnL>
+                    <a:lnR>
+                      <a:noFill/>
+                    </a:lnR>
+                    <a:lnT w="6350" cap="flat" cmpd="sng" algn="ctr">
+                      <a:solidFill>
+                        <a:srgbClr val="000000"/>
+                      </a:solidFill>
+                      <a:prstDash val="solid"/>
+                      <a:round/>
+                      <a:headEnd type="none" w="med" len="med"/>
+                      <a:tailEnd type="none" w="med" len="med"/>
+                    </a:lnT>
+                    <a:lnB>
+                      <a:noFill/>
+                    </a:lnB>
+                    <a:solidFill>
+                      <a:srgbClr val="FFFFFF"/>
+                    </a:solidFill>
+                  </a:tcPr>
+                </a:tc>
+                <a:tc>
+                  <a:txBody>
+                    <a:bodyPr/>
+                    <a:lstStyle/>
+                    <a:p>
+                      <a:pPr algn="ctr" fontAlgn="ctr"/>
+                      <a:r>
+                        <a:rPr lang="he-IL" sz="3200" b="0" i="0" u="none" strike="noStrike">
+                          <a:solidFill>
+                            <a:srgbClr val="000000"/>
+                          </a:solidFill>
+                          <a:effectLst/>
+                          <a:latin typeface="Calibri Light" panose="020F0302020204030204" pitchFamily="34" charset="0"/>
+                          <a:cs typeface="Calibri Light" panose="020F0302020204030204" pitchFamily="34" charset="0"/>
+                        </a:rPr>
+                        <a:t>0.52</a:t>
+                      </a:r>
+                    </a:p>
+                  </a:txBody>
+                  <a:tcPr marL="6350" marR="6350" marT="6350" marB="0" anchor="ctr">
+                    <a:lnL>
+                      <a:noFill/>
+                    </a:lnL>
+                    <a:lnR>
+                      <a:noFill/>
+                    </a:lnR>
+                    <a:lnT w="6350" cap="flat" cmpd="sng" algn="ctr">
+                      <a:solidFill>
+                        <a:srgbClr val="000000"/>
+                      </a:solidFill>
+                      <a:prstDash val="solid"/>
+                      <a:round/>
+                      <a:headEnd type="none" w="med" len="med"/>
+                      <a:tailEnd type="none" w="med" len="med"/>
+                    </a:lnT>
+                    <a:lnB>
+                      <a:noFill/>
+                    </a:lnB>
+                    <a:solidFill>
+                      <a:srgbClr val="FFFFFF"/>
+                    </a:solidFill>
+                  </a:tcPr>
+                </a:tc>
+                <a:tc>
+                  <a:txBody>
+                    <a:bodyPr/>
+                    <a:lstStyle/>
+                    <a:p>
+                      <a:pPr algn="ctr" fontAlgn="ctr"/>
+                      <a:r>
+                        <a:rPr lang="he-IL" sz="3200" b="0" i="0" u="none" strike="noStrike">
+                          <a:solidFill>
+                            <a:srgbClr val="000000"/>
+                          </a:solidFill>
+                          <a:effectLst/>
+                          <a:latin typeface="Calibri Light" panose="020F0302020204030204" pitchFamily="34" charset="0"/>
+                          <a:cs typeface="Calibri Light" panose="020F0302020204030204" pitchFamily="34" charset="0"/>
+                        </a:rPr>
+                        <a:t>0.53</a:t>
+                      </a:r>
+                    </a:p>
+                  </a:txBody>
+                  <a:tcPr marL="6350" marR="6350" marT="6350" marB="0" anchor="ctr">
+                    <a:lnL>
+                      <a:noFill/>
+                    </a:lnL>
+                    <a:lnR w="6350" cap="flat" cmpd="sng" algn="ctr">
+                      <a:solidFill>
+                        <a:srgbClr val="000000"/>
+                      </a:solidFill>
+                      <a:prstDash val="solid"/>
+                      <a:round/>
+                      <a:headEnd type="none" w="med" len="med"/>
+                      <a:tailEnd type="none" w="med" len="med"/>
+                    </a:lnR>
+                    <a:lnT w="6350" cap="flat" cmpd="sng" algn="ctr">
+                      <a:solidFill>
+                        <a:srgbClr val="000000"/>
+                      </a:solidFill>
+                      <a:prstDash val="solid"/>
+                      <a:round/>
+                      <a:headEnd type="none" w="med" len="med"/>
+                      <a:tailEnd type="none" w="med" len="med"/>
+                    </a:lnT>
+                    <a:lnB>
+                      <a:noFill/>
+                    </a:lnB>
+                    <a:solidFill>
+                      <a:srgbClr val="FFFFFF"/>
+                    </a:solidFill>
+                  </a:tcPr>
+                </a:tc>
+                <a:extLst>
+                  <a:ext uri="{0D108BD9-81ED-4DB2-BD59-A6C34878D82A}">
+                    <a16:rowId xmlns:a16="http://schemas.microsoft.com/office/drawing/2014/main" val="3375177719"/>
+                  </a:ext>
+                </a:extLst>
+              </a:tr>
+              <a:tr h="543844">
+                <a:tc>
+                  <a:txBody>
+                    <a:bodyPr/>
+                    <a:lstStyle/>
+                    <a:p>
+                      <a:pPr algn="l" fontAlgn="ctr"/>
+                      <a:r>
+                        <a:rPr lang="en-US" sz="3200" b="1" i="0" u="none" strike="noStrike" dirty="0">
+                          <a:solidFill>
+                            <a:srgbClr val="000000"/>
+                          </a:solidFill>
+                          <a:effectLst/>
+                          <a:latin typeface="Calibri Light" panose="020F0302020204030204" pitchFamily="34" charset="0"/>
+                          <a:cs typeface="Calibri Light" panose="020F0302020204030204" pitchFamily="34" charset="0"/>
+                        </a:rPr>
+                        <a:t>SES - </a:t>
+                      </a:r>
+                      <a:r>
+                        <a:rPr lang="en-US" sz="3200" b="0" i="0" u="none" strike="noStrike" dirty="0">
+                          <a:solidFill>
+                            <a:srgbClr val="000000"/>
+                          </a:solidFill>
+                          <a:effectLst/>
+                          <a:latin typeface="Calibri Light" panose="020F0302020204030204" pitchFamily="34" charset="0"/>
+                          <a:cs typeface="Calibri Light" panose="020F0302020204030204" pitchFamily="34" charset="0"/>
+                        </a:rPr>
+                        <a:t>Group 6-8</a:t>
+                      </a:r>
+                      <a:endParaRPr lang="en-US" sz="3200" b="1" i="0" u="none" strike="noStrike" dirty="0">
+                        <a:solidFill>
+                          <a:srgbClr val="000000"/>
+                        </a:solidFill>
+                        <a:effectLst/>
+                        <a:latin typeface="Calibri Light" panose="020F0302020204030204" pitchFamily="34" charset="0"/>
+                        <a:cs typeface="Calibri Light" panose="020F0302020204030204" pitchFamily="34" charset="0"/>
+                      </a:endParaRPr>
+                    </a:p>
+                  </a:txBody>
+                  <a:tcPr marL="6350" marR="6350" marT="6350" marB="0" anchor="ctr">
+                    <a:lnL w="6350" cap="flat" cmpd="sng" algn="ctr">
+                      <a:solidFill>
+                        <a:srgbClr val="000000"/>
+                      </a:solidFill>
+                      <a:prstDash val="solid"/>
+                      <a:round/>
+                      <a:headEnd type="none" w="med" len="med"/>
+                      <a:tailEnd type="none" w="med" len="med"/>
+                    </a:lnL>
+                    <a:lnR w="6350" cap="flat" cmpd="sng" algn="ctr">
+                      <a:solidFill>
+                        <a:srgbClr val="000000"/>
+                      </a:solidFill>
+                      <a:prstDash val="solid"/>
+                      <a:round/>
+                      <a:headEnd type="none" w="med" len="med"/>
+                      <a:tailEnd type="none" w="med" len="med"/>
+                    </a:lnR>
+                    <a:lnT>
+                      <a:noFill/>
+                    </a:lnT>
+                    <a:lnB>
+                      <a:noFill/>
+                    </a:lnB>
+                    <a:solidFill>
+                      <a:schemeClr val="accent2">
+                        <a:lumMod val="40000"/>
+                        <a:lumOff val="60000"/>
+                      </a:schemeClr>
+                    </a:solidFill>
+                  </a:tcPr>
+                </a:tc>
+                <a:tc>
+                  <a:txBody>
+                    <a:bodyPr/>
+                    <a:lstStyle/>
+                    <a:p>
+                      <a:pPr algn="ctr" fontAlgn="ctr"/>
+                      <a:r>
+                        <a:rPr lang="he-IL" sz="3200" b="0" i="0" u="none" strike="noStrike" dirty="0">
+                          <a:solidFill>
+                            <a:srgbClr val="000000"/>
+                          </a:solidFill>
+                          <a:effectLst/>
+                          <a:latin typeface="Calibri Light" panose="020F0302020204030204" pitchFamily="34" charset="0"/>
+                          <a:cs typeface="Calibri Light" panose="020F0302020204030204" pitchFamily="34" charset="0"/>
+                        </a:rPr>
+                        <a:t>0.37</a:t>
+                      </a:r>
+                    </a:p>
+                  </a:txBody>
+                  <a:tcPr marL="6350" marR="6350" marT="6350" marB="0" anchor="ctr">
+                    <a:lnL w="6350" cap="flat" cmpd="sng" algn="ctr">
+                      <a:solidFill>
+                        <a:srgbClr val="000000"/>
+                      </a:solidFill>
+                      <a:prstDash val="solid"/>
+                      <a:round/>
+                      <a:headEnd type="none" w="med" len="med"/>
+                      <a:tailEnd type="none" w="med" len="med"/>
+                    </a:lnL>
+                    <a:lnR>
+                      <a:noFill/>
+                    </a:lnR>
+                    <a:lnT>
+                      <a:noFill/>
+                    </a:lnT>
+                    <a:lnB>
+                      <a:noFill/>
+                    </a:lnB>
+                    <a:solidFill>
+                      <a:schemeClr val="accent2">
+                        <a:lumMod val="40000"/>
+                        <a:lumOff val="60000"/>
+                      </a:schemeClr>
+                    </a:solidFill>
+                  </a:tcPr>
+                </a:tc>
+                <a:tc>
+                  <a:txBody>
+                    <a:bodyPr/>
+                    <a:lstStyle/>
+                    <a:p>
+                      <a:pPr algn="ctr" fontAlgn="ctr"/>
+                      <a:r>
+                        <a:rPr lang="he-IL" sz="3200" b="0" i="0" u="none" strike="noStrike">
+                          <a:solidFill>
+                            <a:srgbClr val="000000"/>
+                          </a:solidFill>
+                          <a:effectLst/>
+                          <a:latin typeface="Calibri Light" panose="020F0302020204030204" pitchFamily="34" charset="0"/>
+                          <a:cs typeface="Calibri Light" panose="020F0302020204030204" pitchFamily="34" charset="0"/>
+                        </a:rPr>
+                        <a:t>0.16</a:t>
+                      </a:r>
+                    </a:p>
+                  </a:txBody>
+                  <a:tcPr marL="6350" marR="6350" marT="6350" marB="0" anchor="ctr">
+                    <a:lnL>
+                      <a:noFill/>
+                    </a:lnL>
+                    <a:lnR>
+                      <a:noFill/>
+                    </a:lnR>
+                    <a:lnT>
+                      <a:noFill/>
+                    </a:lnT>
+                    <a:lnB>
+                      <a:noFill/>
+                    </a:lnB>
+                    <a:solidFill>
+                      <a:schemeClr val="accent2">
+                        <a:lumMod val="40000"/>
+                        <a:lumOff val="60000"/>
+                      </a:schemeClr>
+                    </a:solidFill>
+                  </a:tcPr>
+                </a:tc>
+                <a:tc>
+                  <a:txBody>
+                    <a:bodyPr/>
+                    <a:lstStyle/>
+                    <a:p>
+                      <a:pPr algn="ctr" fontAlgn="ctr"/>
+                      <a:r>
+                        <a:rPr lang="he-IL" sz="3200" b="0" i="0" u="none" strike="noStrike">
+                          <a:solidFill>
+                            <a:srgbClr val="000000"/>
+                          </a:solidFill>
+                          <a:effectLst/>
+                          <a:latin typeface="Calibri Light" panose="020F0302020204030204" pitchFamily="34" charset="0"/>
+                          <a:cs typeface="Calibri Light" panose="020F0302020204030204" pitchFamily="34" charset="0"/>
+                        </a:rPr>
+                        <a:t>0.02</a:t>
+                      </a:r>
+                    </a:p>
+                  </a:txBody>
+                  <a:tcPr marL="6350" marR="6350" marT="6350" marB="0" anchor="ctr">
+                    <a:lnL>
+                      <a:noFill/>
+                    </a:lnL>
+                    <a:lnR>
+                      <a:noFill/>
+                    </a:lnR>
+                    <a:lnT>
+                      <a:noFill/>
+                    </a:lnT>
+                    <a:lnB>
+                      <a:noFill/>
+                    </a:lnB>
+                    <a:solidFill>
+                      <a:schemeClr val="accent2">
+                        <a:lumMod val="40000"/>
+                        <a:lumOff val="60000"/>
+                      </a:schemeClr>
+                    </a:solidFill>
+                  </a:tcPr>
+                </a:tc>
+                <a:tc>
+                  <a:txBody>
+                    <a:bodyPr/>
+                    <a:lstStyle/>
+                    <a:p>
+                      <a:pPr algn="ctr" fontAlgn="ctr"/>
+                      <a:r>
+                        <a:rPr lang="he-IL" sz="3200" b="0" i="0" u="none" strike="noStrike" dirty="0">
+                          <a:solidFill>
+                            <a:srgbClr val="000000"/>
+                          </a:solidFill>
+                          <a:effectLst/>
+                          <a:latin typeface="Calibri Light" panose="020F0302020204030204" pitchFamily="34" charset="0"/>
+                          <a:cs typeface="Calibri Light" panose="020F0302020204030204" pitchFamily="34" charset="0"/>
+                        </a:rPr>
+                        <a:t> </a:t>
+                      </a:r>
+                    </a:p>
+                  </a:txBody>
+                  <a:tcPr marL="6350" marR="6350" marT="6350" marB="0" anchor="ctr">
+                    <a:lnL>
+                      <a:noFill/>
+                    </a:lnL>
+                    <a:lnR w="6350" cap="flat" cmpd="sng" algn="ctr">
+                      <a:solidFill>
+                        <a:srgbClr val="000000"/>
+                      </a:solidFill>
+                      <a:prstDash val="solid"/>
+                      <a:round/>
+                      <a:headEnd type="none" w="med" len="med"/>
+                      <a:tailEnd type="none" w="med" len="med"/>
+                    </a:lnR>
+                    <a:lnT>
+                      <a:noFill/>
+                    </a:lnT>
+                    <a:lnB>
+                      <a:noFill/>
+                    </a:lnB>
+                    <a:solidFill>
+                      <a:schemeClr val="accent2">
+                        <a:lumMod val="40000"/>
+                        <a:lumOff val="60000"/>
+                      </a:schemeClr>
+                    </a:solidFill>
+                  </a:tcPr>
+                </a:tc>
+                <a:tc>
+                  <a:txBody>
+                    <a:bodyPr/>
+                    <a:lstStyle/>
+                    <a:p>
+                      <a:pPr algn="ctr" fontAlgn="ctr"/>
+                      <a:r>
+                        <a:rPr lang="he-IL" sz="3200" b="0" i="0" u="none" strike="noStrike" dirty="0">
+                          <a:solidFill>
+                            <a:srgbClr val="000000"/>
+                          </a:solidFill>
+                          <a:effectLst/>
+                          <a:latin typeface="Calibri Light" panose="020F0302020204030204" pitchFamily="34" charset="0"/>
+                          <a:cs typeface="Calibri Light" panose="020F0302020204030204" pitchFamily="34" charset="0"/>
+                        </a:rPr>
+                        <a:t>0.37</a:t>
+                      </a:r>
+                    </a:p>
+                  </a:txBody>
+                  <a:tcPr marL="6350" marR="6350" marT="6350" marB="0" anchor="ctr">
+                    <a:lnL w="6350" cap="flat" cmpd="sng" algn="ctr">
+                      <a:solidFill>
+                        <a:srgbClr val="000000"/>
+                      </a:solidFill>
+                      <a:prstDash val="solid"/>
+                      <a:round/>
+                      <a:headEnd type="none" w="med" len="med"/>
+                      <a:tailEnd type="none" w="med" len="med"/>
+                    </a:lnL>
+                    <a:lnR>
+                      <a:noFill/>
+                    </a:lnR>
+                    <a:lnT>
+                      <a:noFill/>
+                    </a:lnT>
+                    <a:lnB>
+                      <a:noFill/>
+                    </a:lnB>
+                    <a:solidFill>
+                      <a:schemeClr val="accent2">
+                        <a:lumMod val="40000"/>
+                        <a:lumOff val="60000"/>
+                      </a:schemeClr>
+                    </a:solidFill>
+                  </a:tcPr>
+                </a:tc>
+                <a:tc>
+                  <a:txBody>
+                    <a:bodyPr/>
+                    <a:lstStyle/>
+                    <a:p>
+                      <a:pPr algn="ctr" fontAlgn="ctr"/>
+                      <a:r>
+                        <a:rPr lang="he-IL" sz="3200" b="0" i="0" u="none" strike="noStrike" dirty="0">
+                          <a:solidFill>
+                            <a:srgbClr val="000000"/>
+                          </a:solidFill>
+                          <a:effectLst/>
+                          <a:latin typeface="Calibri Light" panose="020F0302020204030204" pitchFamily="34" charset="0"/>
+                          <a:cs typeface="Calibri Light" panose="020F0302020204030204" pitchFamily="34" charset="0"/>
+                        </a:rPr>
+                        <a:t>0.16</a:t>
+                      </a:r>
+                    </a:p>
+                  </a:txBody>
+                  <a:tcPr marL="6350" marR="6350" marT="6350" marB="0" anchor="ctr">
+                    <a:lnL>
+                      <a:noFill/>
+                    </a:lnL>
+                    <a:lnR>
+                      <a:noFill/>
+                    </a:lnR>
+                    <a:lnT>
+                      <a:noFill/>
+                    </a:lnT>
+                    <a:lnB>
+                      <a:noFill/>
+                    </a:lnB>
+                    <a:solidFill>
+                      <a:schemeClr val="accent2">
+                        <a:lumMod val="40000"/>
+                        <a:lumOff val="60000"/>
+                      </a:schemeClr>
+                    </a:solidFill>
+                  </a:tcPr>
+                </a:tc>
+                <a:tc>
+                  <a:txBody>
+                    <a:bodyPr/>
+                    <a:lstStyle/>
+                    <a:p>
+                      <a:pPr algn="ctr" fontAlgn="ctr"/>
+                      <a:r>
+                        <a:rPr lang="he-IL" sz="3200" b="0" i="0" u="none" strike="noStrike" dirty="0">
+                          <a:solidFill>
+                            <a:srgbClr val="000000"/>
+                          </a:solidFill>
+                          <a:effectLst/>
+                          <a:latin typeface="Calibri Light" panose="020F0302020204030204" pitchFamily="34" charset="0"/>
+                          <a:cs typeface="Calibri Light" panose="020F0302020204030204" pitchFamily="34" charset="0"/>
+                        </a:rPr>
+                        <a:t>0.02</a:t>
+                      </a:r>
+                    </a:p>
+                  </a:txBody>
+                  <a:tcPr marL="6350" marR="6350" marT="6350" marB="0" anchor="ctr">
+                    <a:lnL>
+                      <a:noFill/>
+                    </a:lnL>
+                    <a:lnR w="6350" cap="flat" cmpd="sng" algn="ctr">
+                      <a:solidFill>
+                        <a:srgbClr val="000000"/>
+                      </a:solidFill>
+                      <a:prstDash val="solid"/>
+                      <a:round/>
+                      <a:headEnd type="none" w="med" len="med"/>
+                      <a:tailEnd type="none" w="med" len="med"/>
+                    </a:lnR>
+                    <a:lnT>
+                      <a:noFill/>
+                    </a:lnT>
+                    <a:lnB>
+                      <a:noFill/>
+                    </a:lnB>
+                    <a:solidFill>
+                      <a:schemeClr val="accent2">
+                        <a:lumMod val="40000"/>
+                        <a:lumOff val="60000"/>
+                      </a:schemeClr>
+                    </a:solidFill>
+                  </a:tcPr>
+                </a:tc>
+                <a:extLst>
+                  <a:ext uri="{0D108BD9-81ED-4DB2-BD59-A6C34878D82A}">
+                    <a16:rowId xmlns:a16="http://schemas.microsoft.com/office/drawing/2014/main" val="2907448588"/>
+                  </a:ext>
+                </a:extLst>
+              </a:tr>
+              <a:tr h="543844">
+                <a:tc>
+                  <a:txBody>
+                    <a:bodyPr/>
+                    <a:lstStyle/>
+                    <a:p>
+                      <a:pPr algn="l" fontAlgn="ctr"/>
+                      <a:r>
+                        <a:rPr lang="en-US" sz="3200" b="0" i="0" u="none" strike="noStrike" dirty="0">
+                          <a:solidFill>
+                            <a:srgbClr val="000000"/>
+                          </a:solidFill>
+                          <a:effectLst/>
+                          <a:latin typeface="Calibri Light" panose="020F0302020204030204" pitchFamily="34" charset="0"/>
+                          <a:cs typeface="Calibri Light" panose="020F0302020204030204" pitchFamily="34" charset="0"/>
+                        </a:rPr>
+                        <a:t>SES - Group 9-10</a:t>
+                      </a:r>
+                    </a:p>
+                  </a:txBody>
+                  <a:tcPr marL="6350" marR="6350" marT="6350" marB="0" anchor="ctr">
+                    <a:lnL w="6350" cap="flat" cmpd="sng" algn="ctr">
+                      <a:solidFill>
+                        <a:srgbClr val="000000"/>
+                      </a:solidFill>
+                      <a:prstDash val="solid"/>
+                      <a:round/>
+                      <a:headEnd type="none" w="med" len="med"/>
+                      <a:tailEnd type="none" w="med" len="med"/>
+                    </a:lnL>
+                    <a:lnR w="6350" cap="flat" cmpd="sng" algn="ctr">
+                      <a:solidFill>
+                        <a:srgbClr val="000000"/>
+                      </a:solidFill>
+                      <a:prstDash val="solid"/>
+                      <a:round/>
+                      <a:headEnd type="none" w="med" len="med"/>
+                      <a:tailEnd type="none" w="med" len="med"/>
+                    </a:lnR>
+                    <a:lnT>
+                      <a:noFill/>
+                    </a:lnT>
+                    <a:lnB>
+                      <a:noFill/>
+                    </a:lnB>
+                    <a:solidFill>
+                      <a:srgbClr val="FFFFFF"/>
+                    </a:solidFill>
+                  </a:tcPr>
+                </a:tc>
+                <a:tc>
+                  <a:txBody>
+                    <a:bodyPr/>
+                    <a:lstStyle/>
+                    <a:p>
+                      <a:pPr algn="ctr" fontAlgn="ctr"/>
+                      <a:r>
+                        <a:rPr lang="he-IL" sz="3200" b="0" i="0" u="none" strike="noStrike">
+                          <a:solidFill>
+                            <a:srgbClr val="000000"/>
+                          </a:solidFill>
+                          <a:effectLst/>
+                          <a:latin typeface="Calibri Light" panose="020F0302020204030204" pitchFamily="34" charset="0"/>
+                          <a:cs typeface="Calibri Light" panose="020F0302020204030204" pitchFamily="34" charset="0"/>
+                        </a:rPr>
+                        <a:t>0.14</a:t>
+                      </a:r>
+                    </a:p>
+                  </a:txBody>
+                  <a:tcPr marL="6350" marR="6350" marT="6350" marB="0" anchor="ctr">
+                    <a:lnL w="6350" cap="flat" cmpd="sng" algn="ctr">
+                      <a:solidFill>
+                        <a:srgbClr val="000000"/>
+                      </a:solidFill>
+                      <a:prstDash val="solid"/>
+                      <a:round/>
+                      <a:headEnd type="none" w="med" len="med"/>
+                      <a:tailEnd type="none" w="med" len="med"/>
+                    </a:lnL>
+                    <a:lnR>
+                      <a:noFill/>
+                    </a:lnR>
+                    <a:lnT>
+                      <a:noFill/>
+                    </a:lnT>
+                    <a:lnB>
+                      <a:noFill/>
+                    </a:lnB>
+                    <a:solidFill>
+                      <a:srgbClr val="FFFFFF"/>
+                    </a:solidFill>
+                  </a:tcPr>
+                </a:tc>
+                <a:tc>
+                  <a:txBody>
+                    <a:bodyPr/>
+                    <a:lstStyle/>
+                    <a:p>
+                      <a:pPr algn="ctr" fontAlgn="ctr"/>
+                      <a:r>
+                        <a:rPr lang="he-IL" sz="3200" b="0" i="0" u="none" strike="noStrike" dirty="0">
+                          <a:solidFill>
+                            <a:srgbClr val="000000"/>
+                          </a:solidFill>
+                          <a:effectLst/>
+                          <a:latin typeface="Calibri Light" panose="020F0302020204030204" pitchFamily="34" charset="0"/>
+                          <a:cs typeface="Calibri Light" panose="020F0302020204030204" pitchFamily="34" charset="0"/>
+                        </a:rPr>
+                        <a:t>0.19</a:t>
+                      </a:r>
+                    </a:p>
+                  </a:txBody>
+                  <a:tcPr marL="6350" marR="6350" marT="6350" marB="0" anchor="ctr">
+                    <a:lnL>
+                      <a:noFill/>
+                    </a:lnL>
+                    <a:lnR>
+                      <a:noFill/>
+                    </a:lnR>
+                    <a:lnT>
+                      <a:noFill/>
+                    </a:lnT>
+                    <a:lnB>
+                      <a:noFill/>
+                    </a:lnB>
+                    <a:solidFill>
+                      <a:srgbClr val="FFFFFF"/>
+                    </a:solidFill>
+                  </a:tcPr>
+                </a:tc>
+                <a:tc>
+                  <a:txBody>
+                    <a:bodyPr/>
+                    <a:lstStyle/>
+                    <a:p>
+                      <a:pPr algn="ctr" fontAlgn="ctr"/>
+                      <a:r>
+                        <a:rPr lang="he-IL" sz="3200" b="0" i="0" u="none" strike="noStrike">
+                          <a:solidFill>
+                            <a:srgbClr val="000000"/>
+                          </a:solidFill>
+                          <a:effectLst/>
+                          <a:latin typeface="Calibri Light" panose="020F0302020204030204" pitchFamily="34" charset="0"/>
+                          <a:cs typeface="Calibri Light" panose="020F0302020204030204" pitchFamily="34" charset="0"/>
+                        </a:rPr>
+                        <a:t>0.46</a:t>
+                      </a:r>
+                    </a:p>
+                  </a:txBody>
+                  <a:tcPr marL="6350" marR="6350" marT="6350" marB="0" anchor="ctr">
+                    <a:lnL>
+                      <a:noFill/>
+                    </a:lnL>
+                    <a:lnR>
+                      <a:noFill/>
+                    </a:lnR>
+                    <a:lnT>
+                      <a:noFill/>
+                    </a:lnT>
+                    <a:lnB>
+                      <a:noFill/>
+                    </a:lnB>
+                    <a:solidFill>
+                      <a:srgbClr val="FFFFFF"/>
+                    </a:solidFill>
+                  </a:tcPr>
+                </a:tc>
+                <a:tc>
+                  <a:txBody>
+                    <a:bodyPr/>
+                    <a:lstStyle/>
+                    <a:p>
+                      <a:pPr algn="ctr" fontAlgn="ctr"/>
+                      <a:r>
+                        <a:rPr lang="he-IL" sz="3200" b="0" i="0" u="none" strike="noStrike" dirty="0">
+                          <a:solidFill>
+                            <a:srgbClr val="000000"/>
+                          </a:solidFill>
+                          <a:effectLst/>
+                          <a:latin typeface="Calibri Light" panose="020F0302020204030204" pitchFamily="34" charset="0"/>
+                          <a:cs typeface="Calibri Light" panose="020F0302020204030204" pitchFamily="34" charset="0"/>
+                        </a:rPr>
+                        <a:t> </a:t>
+                      </a:r>
+                    </a:p>
+                  </a:txBody>
+                  <a:tcPr marL="6350" marR="6350" marT="6350" marB="0" anchor="ctr">
+                    <a:lnL>
+                      <a:noFill/>
+                    </a:lnL>
+                    <a:lnR w="6350" cap="flat" cmpd="sng" algn="ctr">
+                      <a:solidFill>
+                        <a:srgbClr val="000000"/>
+                      </a:solidFill>
+                      <a:prstDash val="solid"/>
+                      <a:round/>
+                      <a:headEnd type="none" w="med" len="med"/>
+                      <a:tailEnd type="none" w="med" len="med"/>
+                    </a:lnR>
+                    <a:lnT>
+                      <a:noFill/>
+                    </a:lnT>
+                    <a:lnB>
+                      <a:noFill/>
+                    </a:lnB>
+                    <a:solidFill>
+                      <a:srgbClr val="FFFFFF"/>
+                    </a:solidFill>
+                  </a:tcPr>
+                </a:tc>
+                <a:tc>
+                  <a:txBody>
+                    <a:bodyPr/>
+                    <a:lstStyle/>
+                    <a:p>
+                      <a:pPr algn="ctr" fontAlgn="ctr"/>
+                      <a:r>
+                        <a:rPr lang="he-IL" sz="3200" b="0" i="0" u="none" strike="noStrike">
+                          <a:solidFill>
+                            <a:srgbClr val="000000"/>
+                          </a:solidFill>
+                          <a:effectLst/>
+                          <a:latin typeface="Calibri Light" panose="020F0302020204030204" pitchFamily="34" charset="0"/>
+                          <a:cs typeface="Calibri Light" panose="020F0302020204030204" pitchFamily="34" charset="0"/>
+                        </a:rPr>
+                        <a:t>0.14</a:t>
+                      </a:r>
+                    </a:p>
+                  </a:txBody>
+                  <a:tcPr marL="6350" marR="6350" marT="6350" marB="0" anchor="ctr">
+                    <a:lnL w="6350" cap="flat" cmpd="sng" algn="ctr">
+                      <a:solidFill>
+                        <a:srgbClr val="000000"/>
+                      </a:solidFill>
+                      <a:prstDash val="solid"/>
+                      <a:round/>
+                      <a:headEnd type="none" w="med" len="med"/>
+                      <a:tailEnd type="none" w="med" len="med"/>
+                    </a:lnL>
+                    <a:lnR>
+                      <a:noFill/>
+                    </a:lnR>
+                    <a:lnT>
+                      <a:noFill/>
+                    </a:lnT>
+                    <a:lnB>
+                      <a:noFill/>
+                    </a:lnB>
+                    <a:solidFill>
+                      <a:srgbClr val="FFFFFF"/>
+                    </a:solidFill>
+                  </a:tcPr>
+                </a:tc>
+                <a:tc>
+                  <a:txBody>
+                    <a:bodyPr/>
+                    <a:lstStyle/>
+                    <a:p>
+                      <a:pPr algn="ctr" fontAlgn="ctr"/>
+                      <a:r>
+                        <a:rPr lang="he-IL" sz="3200" b="0" i="0" u="none" strike="noStrike">
+                          <a:solidFill>
+                            <a:srgbClr val="000000"/>
+                          </a:solidFill>
+                          <a:effectLst/>
+                          <a:latin typeface="Calibri Light" panose="020F0302020204030204" pitchFamily="34" charset="0"/>
+                          <a:cs typeface="Calibri Light" panose="020F0302020204030204" pitchFamily="34" charset="0"/>
+                        </a:rPr>
+                        <a:t>0.19</a:t>
+                      </a:r>
+                    </a:p>
+                  </a:txBody>
+                  <a:tcPr marL="6350" marR="6350" marT="6350" marB="0" anchor="ctr">
+                    <a:lnL>
+                      <a:noFill/>
+                    </a:lnL>
+                    <a:lnR>
+                      <a:noFill/>
+                    </a:lnR>
+                    <a:lnT>
+                      <a:noFill/>
+                    </a:lnT>
+                    <a:lnB>
+                      <a:noFill/>
+                    </a:lnB>
+                    <a:solidFill>
+                      <a:srgbClr val="FFFFFF"/>
+                    </a:solidFill>
+                  </a:tcPr>
+                </a:tc>
+                <a:tc>
+                  <a:txBody>
+                    <a:bodyPr/>
+                    <a:lstStyle/>
+                    <a:p>
+                      <a:pPr algn="ctr" fontAlgn="ctr"/>
+                      <a:r>
+                        <a:rPr lang="he-IL" sz="3200" b="0" i="0" u="none" strike="noStrike" dirty="0">
+                          <a:solidFill>
+                            <a:srgbClr val="000000"/>
+                          </a:solidFill>
+                          <a:effectLst/>
+                          <a:latin typeface="Calibri Light" panose="020F0302020204030204" pitchFamily="34" charset="0"/>
+                          <a:cs typeface="Calibri Light" panose="020F0302020204030204" pitchFamily="34" charset="0"/>
+                        </a:rPr>
+                        <a:t>0.45</a:t>
+                      </a:r>
+                    </a:p>
+                  </a:txBody>
+                  <a:tcPr marL="6350" marR="6350" marT="6350" marB="0" anchor="ctr">
+                    <a:lnL>
+                      <a:noFill/>
+                    </a:lnL>
+                    <a:lnR w="6350" cap="flat" cmpd="sng" algn="ctr">
+                      <a:solidFill>
+                        <a:srgbClr val="000000"/>
+                      </a:solidFill>
+                      <a:prstDash val="solid"/>
+                      <a:round/>
+                      <a:headEnd type="none" w="med" len="med"/>
+                      <a:tailEnd type="none" w="med" len="med"/>
+                    </a:lnR>
+                    <a:lnT>
+                      <a:noFill/>
+                    </a:lnT>
+                    <a:lnB>
+                      <a:noFill/>
+                    </a:lnB>
+                    <a:solidFill>
+                      <a:srgbClr val="FFFFFF"/>
+                    </a:solidFill>
+                  </a:tcPr>
+                </a:tc>
+                <a:extLst>
+                  <a:ext uri="{0D108BD9-81ED-4DB2-BD59-A6C34878D82A}">
+                    <a16:rowId xmlns:a16="http://schemas.microsoft.com/office/drawing/2014/main" val="792707203"/>
+                  </a:ext>
+                </a:extLst>
+              </a:tr>
+              <a:tr h="543844">
+                <a:tc>
+                  <a:txBody>
+                    <a:bodyPr/>
+                    <a:lstStyle/>
+                    <a:p>
+                      <a:pPr algn="l" fontAlgn="ctr"/>
+                      <a:r>
+                        <a:rPr lang="en-US" sz="3200" b="1" i="0" u="none" strike="noStrike" dirty="0">
+                          <a:solidFill>
+                            <a:srgbClr val="000000"/>
+                          </a:solidFill>
+                          <a:effectLst/>
+                          <a:latin typeface="Calibri Light" panose="020F0302020204030204" pitchFamily="34" charset="0"/>
+                          <a:cs typeface="Calibri Light" panose="020F0302020204030204" pitchFamily="34" charset="0"/>
+                        </a:rPr>
+                        <a:t>Gender </a:t>
+                      </a:r>
+                      <a:r>
+                        <a:rPr lang="en-US" sz="3200" b="0" i="0" u="none" strike="noStrike" dirty="0">
+                          <a:solidFill>
+                            <a:srgbClr val="000000"/>
+                          </a:solidFill>
+                          <a:effectLst/>
+                          <a:latin typeface="Calibri Light" panose="020F0302020204030204" pitchFamily="34" charset="0"/>
+                          <a:cs typeface="Calibri Light" panose="020F0302020204030204" pitchFamily="34" charset="0"/>
+                        </a:rPr>
+                        <a:t>Female</a:t>
+                      </a:r>
+                      <a:endParaRPr lang="en-US" sz="3200" b="1" i="0" u="none" strike="noStrike" dirty="0">
+                        <a:solidFill>
+                          <a:srgbClr val="000000"/>
+                        </a:solidFill>
+                        <a:effectLst/>
+                        <a:latin typeface="Calibri Light" panose="020F0302020204030204" pitchFamily="34" charset="0"/>
+                        <a:cs typeface="Calibri Light" panose="020F0302020204030204" pitchFamily="34" charset="0"/>
+                      </a:endParaRPr>
+                    </a:p>
+                  </a:txBody>
+                  <a:tcPr marL="6350" marR="6350" marT="6350" marB="0" anchor="ctr">
+                    <a:lnL w="6350" cap="flat" cmpd="sng" algn="ctr">
+                      <a:solidFill>
+                        <a:srgbClr val="000000"/>
+                      </a:solidFill>
+                      <a:prstDash val="solid"/>
+                      <a:round/>
+                      <a:headEnd type="none" w="med" len="med"/>
+                      <a:tailEnd type="none" w="med" len="med"/>
+                    </a:lnL>
+                    <a:lnR w="6350" cap="flat" cmpd="sng" algn="ctr">
+                      <a:solidFill>
+                        <a:srgbClr val="000000"/>
+                      </a:solidFill>
+                      <a:prstDash val="solid"/>
+                      <a:round/>
+                      <a:headEnd type="none" w="med" len="med"/>
+                      <a:tailEnd type="none" w="med" len="med"/>
+                    </a:lnR>
+                    <a:lnT>
+                      <a:noFill/>
+                    </a:lnT>
+                    <a:lnB>
+                      <a:noFill/>
+                    </a:lnB>
+                    <a:solidFill>
+                      <a:schemeClr val="accent2">
+                        <a:lumMod val="40000"/>
+                        <a:lumOff val="60000"/>
+                      </a:schemeClr>
+                    </a:solidFill>
+                  </a:tcPr>
+                </a:tc>
+                <a:tc>
+                  <a:txBody>
+                    <a:bodyPr/>
+                    <a:lstStyle/>
+                    <a:p>
+                      <a:pPr algn="ctr" fontAlgn="ctr"/>
+                      <a:r>
+                        <a:rPr lang="he-IL" sz="3200" b="0" i="0" u="none" strike="noStrike" dirty="0">
+                          <a:solidFill>
+                            <a:srgbClr val="000000"/>
+                          </a:solidFill>
+                          <a:effectLst/>
+                          <a:latin typeface="Calibri Light" panose="020F0302020204030204" pitchFamily="34" charset="0"/>
+                          <a:cs typeface="Calibri Light" panose="020F0302020204030204" pitchFamily="34" charset="0"/>
+                        </a:rPr>
+                        <a:t>-0.28</a:t>
+                      </a:r>
+                    </a:p>
+                  </a:txBody>
+                  <a:tcPr marL="6350" marR="6350" marT="6350" marB="0" anchor="ctr">
+                    <a:lnL w="6350" cap="flat" cmpd="sng" algn="ctr">
+                      <a:solidFill>
+                        <a:srgbClr val="000000"/>
+                      </a:solidFill>
+                      <a:prstDash val="solid"/>
+                      <a:round/>
+                      <a:headEnd type="none" w="med" len="med"/>
+                      <a:tailEnd type="none" w="med" len="med"/>
+                    </a:lnL>
+                    <a:lnR>
+                      <a:noFill/>
+                    </a:lnR>
+                    <a:lnT>
+                      <a:noFill/>
+                    </a:lnT>
+                    <a:lnB>
+                      <a:noFill/>
+                    </a:lnB>
+                    <a:solidFill>
+                      <a:schemeClr val="accent2">
+                        <a:lumMod val="40000"/>
+                        <a:lumOff val="60000"/>
+                      </a:schemeClr>
+                    </a:solidFill>
+                  </a:tcPr>
+                </a:tc>
+                <a:tc>
+                  <a:txBody>
+                    <a:bodyPr/>
+                    <a:lstStyle/>
+                    <a:p>
+                      <a:pPr algn="ctr" fontAlgn="ctr"/>
+                      <a:r>
+                        <a:rPr lang="he-IL" sz="3200" b="0" i="0" u="none" strike="noStrike" dirty="0">
+                          <a:solidFill>
+                            <a:srgbClr val="000000"/>
+                          </a:solidFill>
+                          <a:effectLst/>
+                          <a:latin typeface="Calibri Light" panose="020F0302020204030204" pitchFamily="34" charset="0"/>
+                          <a:cs typeface="Calibri Light" panose="020F0302020204030204" pitchFamily="34" charset="0"/>
+                        </a:rPr>
+                        <a:t>0.1</a:t>
+                      </a:r>
+                    </a:p>
+                  </a:txBody>
+                  <a:tcPr marL="6350" marR="6350" marT="6350" marB="0" anchor="ctr">
+                    <a:lnL>
+                      <a:noFill/>
+                    </a:lnL>
+                    <a:lnR>
+                      <a:noFill/>
+                    </a:lnR>
+                    <a:lnT>
+                      <a:noFill/>
+                    </a:lnT>
+                    <a:lnB>
+                      <a:noFill/>
+                    </a:lnB>
+                    <a:solidFill>
+                      <a:schemeClr val="accent2">
+                        <a:lumMod val="40000"/>
+                        <a:lumOff val="60000"/>
+                      </a:schemeClr>
+                    </a:solidFill>
+                  </a:tcPr>
+                </a:tc>
+                <a:tc>
+                  <a:txBody>
+                    <a:bodyPr/>
+                    <a:lstStyle/>
+                    <a:p>
+                      <a:pPr algn="ctr" fontAlgn="ctr"/>
+                      <a:r>
+                        <a:rPr lang="he-IL" sz="3200" b="0" i="0" u="none" strike="noStrike" dirty="0">
+                          <a:solidFill>
+                            <a:srgbClr val="000000"/>
+                          </a:solidFill>
+                          <a:effectLst/>
+                          <a:latin typeface="Calibri Light" panose="020F0302020204030204" pitchFamily="34" charset="0"/>
+                          <a:cs typeface="Calibri Light" panose="020F0302020204030204" pitchFamily="34" charset="0"/>
+                        </a:rPr>
+                        <a:t>0.01</a:t>
+                      </a:r>
+                    </a:p>
+                  </a:txBody>
+                  <a:tcPr marL="6350" marR="6350" marT="6350" marB="0" anchor="ctr">
+                    <a:lnL>
+                      <a:noFill/>
+                    </a:lnL>
+                    <a:lnR>
+                      <a:noFill/>
+                    </a:lnR>
+                    <a:lnT>
+                      <a:noFill/>
+                    </a:lnT>
+                    <a:lnB>
+                      <a:noFill/>
+                    </a:lnB>
+                    <a:solidFill>
+                      <a:schemeClr val="accent2">
+                        <a:lumMod val="40000"/>
+                        <a:lumOff val="60000"/>
+                      </a:schemeClr>
+                    </a:solidFill>
+                  </a:tcPr>
+                </a:tc>
+                <a:tc>
+                  <a:txBody>
+                    <a:bodyPr/>
+                    <a:lstStyle/>
+                    <a:p>
+                      <a:pPr algn="ctr" fontAlgn="ctr"/>
+                      <a:r>
+                        <a:rPr lang="he-IL" sz="3200" b="0" i="0" u="none" strike="noStrike" dirty="0">
+                          <a:solidFill>
+                            <a:srgbClr val="000000"/>
+                          </a:solidFill>
+                          <a:effectLst/>
+                          <a:latin typeface="Calibri Light" panose="020F0302020204030204" pitchFamily="34" charset="0"/>
+                          <a:cs typeface="Calibri Light" panose="020F0302020204030204" pitchFamily="34" charset="0"/>
+                        </a:rPr>
+                        <a:t> </a:t>
+                      </a:r>
+                    </a:p>
+                  </a:txBody>
+                  <a:tcPr marL="6350" marR="6350" marT="6350" marB="0" anchor="ctr">
+                    <a:lnL>
+                      <a:noFill/>
+                    </a:lnL>
+                    <a:lnR w="6350" cap="flat" cmpd="sng" algn="ctr">
+                      <a:solidFill>
+                        <a:srgbClr val="000000"/>
+                      </a:solidFill>
+                      <a:prstDash val="solid"/>
+                      <a:round/>
+                      <a:headEnd type="none" w="med" len="med"/>
+                      <a:tailEnd type="none" w="med" len="med"/>
+                    </a:lnR>
+                    <a:lnT>
+                      <a:noFill/>
+                    </a:lnT>
+                    <a:lnB>
+                      <a:noFill/>
+                    </a:lnB>
+                    <a:solidFill>
+                      <a:schemeClr val="accent2">
+                        <a:lumMod val="40000"/>
+                        <a:lumOff val="60000"/>
+                      </a:schemeClr>
+                    </a:solidFill>
+                  </a:tcPr>
+                </a:tc>
+                <a:tc>
+                  <a:txBody>
+                    <a:bodyPr/>
+                    <a:lstStyle/>
+                    <a:p>
+                      <a:pPr algn="ctr" fontAlgn="ctr"/>
+                      <a:r>
+                        <a:rPr lang="he-IL" sz="3200" b="0" i="0" u="none" strike="noStrike" dirty="0">
+                          <a:solidFill>
+                            <a:srgbClr val="000000"/>
+                          </a:solidFill>
+                          <a:effectLst/>
+                          <a:latin typeface="Calibri Light" panose="020F0302020204030204" pitchFamily="34" charset="0"/>
+                          <a:cs typeface="Calibri Light" panose="020F0302020204030204" pitchFamily="34" charset="0"/>
+                        </a:rPr>
+                        <a:t>-0.28</a:t>
+                      </a:r>
+                    </a:p>
+                  </a:txBody>
+                  <a:tcPr marL="6350" marR="6350" marT="6350" marB="0" anchor="ctr">
+                    <a:lnL w="6350" cap="flat" cmpd="sng" algn="ctr">
+                      <a:solidFill>
+                        <a:srgbClr val="000000"/>
+                      </a:solidFill>
+                      <a:prstDash val="solid"/>
+                      <a:round/>
+                      <a:headEnd type="none" w="med" len="med"/>
+                      <a:tailEnd type="none" w="med" len="med"/>
+                    </a:lnL>
+                    <a:lnR>
+                      <a:noFill/>
+                    </a:lnR>
+                    <a:lnT>
+                      <a:noFill/>
+                    </a:lnT>
+                    <a:lnB>
+                      <a:noFill/>
+                    </a:lnB>
+                    <a:solidFill>
+                      <a:schemeClr val="accent2">
+                        <a:lumMod val="40000"/>
+                        <a:lumOff val="60000"/>
+                      </a:schemeClr>
+                    </a:solidFill>
+                  </a:tcPr>
+                </a:tc>
+                <a:tc>
+                  <a:txBody>
+                    <a:bodyPr/>
+                    <a:lstStyle/>
+                    <a:p>
+                      <a:pPr algn="ctr" fontAlgn="ctr"/>
+                      <a:r>
+                        <a:rPr lang="he-IL" sz="3200" b="0" i="0" u="none" strike="noStrike" dirty="0">
+                          <a:solidFill>
+                            <a:srgbClr val="000000"/>
+                          </a:solidFill>
+                          <a:effectLst/>
+                          <a:latin typeface="Calibri Light" panose="020F0302020204030204" pitchFamily="34" charset="0"/>
+                          <a:cs typeface="Calibri Light" panose="020F0302020204030204" pitchFamily="34" charset="0"/>
+                        </a:rPr>
+                        <a:t>0.10</a:t>
+                      </a:r>
+                    </a:p>
+                  </a:txBody>
+                  <a:tcPr marL="6350" marR="6350" marT="6350" marB="0" anchor="ctr">
+                    <a:lnL>
+                      <a:noFill/>
+                    </a:lnL>
+                    <a:lnR>
+                      <a:noFill/>
+                    </a:lnR>
+                    <a:lnT>
+                      <a:noFill/>
+                    </a:lnT>
+                    <a:lnB>
+                      <a:noFill/>
+                    </a:lnB>
+                    <a:solidFill>
+                      <a:schemeClr val="accent2">
+                        <a:lumMod val="40000"/>
+                        <a:lumOff val="60000"/>
+                      </a:schemeClr>
+                    </a:solidFill>
+                  </a:tcPr>
+                </a:tc>
+                <a:tc>
+                  <a:txBody>
+                    <a:bodyPr/>
+                    <a:lstStyle/>
+                    <a:p>
+                      <a:pPr algn="ctr" fontAlgn="ctr"/>
+                      <a:r>
+                        <a:rPr lang="he-IL" sz="3200" b="0" i="0" u="none" strike="noStrike" dirty="0">
+                          <a:solidFill>
+                            <a:srgbClr val="000000"/>
+                          </a:solidFill>
+                          <a:effectLst/>
+                          <a:latin typeface="Calibri Light" panose="020F0302020204030204" pitchFamily="34" charset="0"/>
+                          <a:cs typeface="Calibri Light" panose="020F0302020204030204" pitchFamily="34" charset="0"/>
+                        </a:rPr>
+                        <a:t>0.01</a:t>
+                      </a:r>
+                    </a:p>
+                  </a:txBody>
+                  <a:tcPr marL="6350" marR="6350" marT="6350" marB="0" anchor="ctr">
+                    <a:lnL>
+                      <a:noFill/>
+                    </a:lnL>
+                    <a:lnR w="6350" cap="flat" cmpd="sng" algn="ctr">
+                      <a:solidFill>
+                        <a:srgbClr val="000000"/>
+                      </a:solidFill>
+                      <a:prstDash val="solid"/>
+                      <a:round/>
+                      <a:headEnd type="none" w="med" len="med"/>
+                      <a:tailEnd type="none" w="med" len="med"/>
+                    </a:lnR>
+                    <a:lnT>
+                      <a:noFill/>
+                    </a:lnT>
+                    <a:lnB>
+                      <a:noFill/>
+                    </a:lnB>
+                    <a:solidFill>
+                      <a:schemeClr val="accent2">
+                        <a:lumMod val="40000"/>
+                        <a:lumOff val="60000"/>
+                      </a:schemeClr>
+                    </a:solidFill>
+                  </a:tcPr>
+                </a:tc>
+                <a:extLst>
+                  <a:ext uri="{0D108BD9-81ED-4DB2-BD59-A6C34878D82A}">
+                    <a16:rowId xmlns:a16="http://schemas.microsoft.com/office/drawing/2014/main" val="1781658712"/>
+                  </a:ext>
+                </a:extLst>
+              </a:tr>
+              <a:tr h="543844">
+                <a:tc>
+                  <a:txBody>
+                    <a:bodyPr/>
+                    <a:lstStyle/>
+                    <a:p>
+                      <a:pPr algn="l" fontAlgn="ctr"/>
+                      <a:r>
+                        <a:rPr lang="en-US" sz="3200" b="0" i="0" u="none" strike="noStrike">
+                          <a:solidFill>
+                            <a:srgbClr val="000000"/>
+                          </a:solidFill>
+                          <a:effectLst/>
+                          <a:latin typeface="Calibri Light" panose="020F0302020204030204" pitchFamily="34" charset="0"/>
+                          <a:cs typeface="Calibri Light" panose="020F0302020204030204" pitchFamily="34" charset="0"/>
+                        </a:rPr>
+                        <a:t>Mother with atopic disease</a:t>
+                      </a:r>
+                    </a:p>
+                  </a:txBody>
+                  <a:tcPr marL="6350" marR="6350" marT="6350" marB="0" anchor="ctr">
+                    <a:lnL w="6350" cap="flat" cmpd="sng" algn="ctr">
+                      <a:solidFill>
+                        <a:srgbClr val="000000"/>
+                      </a:solidFill>
+                      <a:prstDash val="solid"/>
+                      <a:round/>
+                      <a:headEnd type="none" w="med" len="med"/>
+                      <a:tailEnd type="none" w="med" len="med"/>
+                    </a:lnL>
+                    <a:lnR w="6350" cap="flat" cmpd="sng" algn="ctr">
+                      <a:solidFill>
+                        <a:srgbClr val="000000"/>
+                      </a:solidFill>
+                      <a:prstDash val="solid"/>
+                      <a:round/>
+                      <a:headEnd type="none" w="med" len="med"/>
+                      <a:tailEnd type="none" w="med" len="med"/>
+                    </a:lnR>
+                    <a:lnT>
+                      <a:noFill/>
+                    </a:lnT>
+                    <a:lnB>
+                      <a:noFill/>
+                    </a:lnB>
+                    <a:solidFill>
+                      <a:srgbClr val="FFFFFF"/>
+                    </a:solidFill>
+                  </a:tcPr>
+                </a:tc>
+                <a:tc>
+                  <a:txBody>
+                    <a:bodyPr/>
+                    <a:lstStyle/>
+                    <a:p>
+                      <a:pPr algn="ctr" fontAlgn="ctr"/>
+                      <a:r>
+                        <a:rPr lang="he-IL" sz="3200" b="0" i="0" u="none" strike="noStrike">
+                          <a:solidFill>
+                            <a:srgbClr val="000000"/>
+                          </a:solidFill>
+                          <a:effectLst/>
+                          <a:latin typeface="Calibri Light" panose="020F0302020204030204" pitchFamily="34" charset="0"/>
+                          <a:cs typeface="Calibri Light" panose="020F0302020204030204" pitchFamily="34" charset="0"/>
+                        </a:rPr>
+                        <a:t>0.1</a:t>
+                      </a:r>
+                    </a:p>
+                  </a:txBody>
+                  <a:tcPr marL="6350" marR="6350" marT="6350" marB="0" anchor="ctr">
+                    <a:lnL w="6350" cap="flat" cmpd="sng" algn="ctr">
+                      <a:solidFill>
+                        <a:srgbClr val="000000"/>
+                      </a:solidFill>
+                      <a:prstDash val="solid"/>
+                      <a:round/>
+                      <a:headEnd type="none" w="med" len="med"/>
+                      <a:tailEnd type="none" w="med" len="med"/>
+                    </a:lnL>
+                    <a:lnR>
+                      <a:noFill/>
+                    </a:lnR>
+                    <a:lnT>
+                      <a:noFill/>
+                    </a:lnT>
+                    <a:lnB>
+                      <a:noFill/>
+                    </a:lnB>
+                    <a:solidFill>
+                      <a:srgbClr val="FFFFFF"/>
+                    </a:solidFill>
+                  </a:tcPr>
+                </a:tc>
+                <a:tc>
+                  <a:txBody>
+                    <a:bodyPr/>
+                    <a:lstStyle/>
+                    <a:p>
+                      <a:pPr algn="ctr" fontAlgn="ctr"/>
+                      <a:r>
+                        <a:rPr lang="he-IL" sz="3200" b="0" i="0" u="none" strike="noStrike">
+                          <a:solidFill>
+                            <a:srgbClr val="000000"/>
+                          </a:solidFill>
+                          <a:effectLst/>
+                          <a:latin typeface="Calibri Light" panose="020F0302020204030204" pitchFamily="34" charset="0"/>
+                          <a:cs typeface="Calibri Light" panose="020F0302020204030204" pitchFamily="34" charset="0"/>
+                        </a:rPr>
+                        <a:t>0.13</a:t>
+                      </a:r>
+                    </a:p>
+                  </a:txBody>
+                  <a:tcPr marL="6350" marR="6350" marT="6350" marB="0" anchor="ctr">
+                    <a:lnL>
+                      <a:noFill/>
+                    </a:lnL>
+                    <a:lnR>
+                      <a:noFill/>
+                    </a:lnR>
+                    <a:lnT>
+                      <a:noFill/>
+                    </a:lnT>
+                    <a:lnB>
+                      <a:noFill/>
+                    </a:lnB>
+                    <a:solidFill>
+                      <a:srgbClr val="FFFFFF"/>
+                    </a:solidFill>
+                  </a:tcPr>
+                </a:tc>
+                <a:tc>
+                  <a:txBody>
+                    <a:bodyPr/>
+                    <a:lstStyle/>
+                    <a:p>
+                      <a:pPr algn="ctr" fontAlgn="ctr"/>
+                      <a:r>
+                        <a:rPr lang="he-IL" sz="3200" b="0" i="0" u="none" strike="noStrike">
+                          <a:solidFill>
+                            <a:srgbClr val="000000"/>
+                          </a:solidFill>
+                          <a:effectLst/>
+                          <a:latin typeface="Calibri Light" panose="020F0302020204030204" pitchFamily="34" charset="0"/>
+                          <a:cs typeface="Calibri Light" panose="020F0302020204030204" pitchFamily="34" charset="0"/>
+                        </a:rPr>
+                        <a:t>0.44</a:t>
+                      </a:r>
+                    </a:p>
+                  </a:txBody>
+                  <a:tcPr marL="6350" marR="6350" marT="6350" marB="0" anchor="ctr">
+                    <a:lnL>
+                      <a:noFill/>
+                    </a:lnL>
+                    <a:lnR>
+                      <a:noFill/>
+                    </a:lnR>
+                    <a:lnT>
+                      <a:noFill/>
+                    </a:lnT>
+                    <a:lnB>
+                      <a:noFill/>
+                    </a:lnB>
+                    <a:solidFill>
+                      <a:srgbClr val="FFFFFF"/>
+                    </a:solidFill>
+                  </a:tcPr>
+                </a:tc>
+                <a:tc>
+                  <a:txBody>
+                    <a:bodyPr/>
+                    <a:lstStyle/>
+                    <a:p>
+                      <a:pPr algn="ctr" fontAlgn="ctr"/>
+                      <a:r>
+                        <a:rPr lang="he-IL" sz="3200" b="0" i="0" u="none" strike="noStrike">
+                          <a:solidFill>
+                            <a:srgbClr val="000000"/>
+                          </a:solidFill>
+                          <a:effectLst/>
+                          <a:latin typeface="Calibri Light" panose="020F0302020204030204" pitchFamily="34" charset="0"/>
+                          <a:cs typeface="Calibri Light" panose="020F0302020204030204" pitchFamily="34" charset="0"/>
+                        </a:rPr>
+                        <a:t> </a:t>
+                      </a:r>
+                    </a:p>
+                  </a:txBody>
+                  <a:tcPr marL="6350" marR="6350" marT="6350" marB="0" anchor="ctr">
+                    <a:lnL>
+                      <a:noFill/>
+                    </a:lnL>
+                    <a:lnR w="6350" cap="flat" cmpd="sng" algn="ctr">
+                      <a:solidFill>
+                        <a:srgbClr val="000000"/>
+                      </a:solidFill>
+                      <a:prstDash val="solid"/>
+                      <a:round/>
+                      <a:headEnd type="none" w="med" len="med"/>
+                      <a:tailEnd type="none" w="med" len="med"/>
+                    </a:lnR>
+                    <a:lnT>
+                      <a:noFill/>
+                    </a:lnT>
+                    <a:lnB>
+                      <a:noFill/>
+                    </a:lnB>
+                    <a:solidFill>
+                      <a:srgbClr val="FFFFFF"/>
+                    </a:solidFill>
+                  </a:tcPr>
+                </a:tc>
+                <a:tc>
+                  <a:txBody>
+                    <a:bodyPr/>
+                    <a:lstStyle/>
+                    <a:p>
+                      <a:pPr algn="ctr" fontAlgn="ctr"/>
+                      <a:r>
+                        <a:rPr lang="he-IL" sz="3200" b="0" i="0" u="none" strike="noStrike">
+                          <a:solidFill>
+                            <a:srgbClr val="000000"/>
+                          </a:solidFill>
+                          <a:effectLst/>
+                          <a:latin typeface="Calibri Light" panose="020F0302020204030204" pitchFamily="34" charset="0"/>
+                          <a:cs typeface="Calibri Light" panose="020F0302020204030204" pitchFamily="34" charset="0"/>
+                        </a:rPr>
+                        <a:t>0.10</a:t>
+                      </a:r>
+                    </a:p>
+                  </a:txBody>
+                  <a:tcPr marL="6350" marR="6350" marT="6350" marB="0" anchor="ctr">
+                    <a:lnL w="6350" cap="flat" cmpd="sng" algn="ctr">
+                      <a:solidFill>
+                        <a:srgbClr val="000000"/>
+                      </a:solidFill>
+                      <a:prstDash val="solid"/>
+                      <a:round/>
+                      <a:headEnd type="none" w="med" len="med"/>
+                      <a:tailEnd type="none" w="med" len="med"/>
+                    </a:lnL>
+                    <a:lnR>
+                      <a:noFill/>
+                    </a:lnR>
+                    <a:lnT>
+                      <a:noFill/>
+                    </a:lnT>
+                    <a:lnB>
+                      <a:noFill/>
+                    </a:lnB>
+                    <a:solidFill>
+                      <a:srgbClr val="FFFFFF"/>
+                    </a:solidFill>
+                  </a:tcPr>
+                </a:tc>
+                <a:tc>
+                  <a:txBody>
+                    <a:bodyPr/>
+                    <a:lstStyle/>
+                    <a:p>
+                      <a:pPr algn="ctr" fontAlgn="ctr"/>
+                      <a:r>
+                        <a:rPr lang="he-IL" sz="3200" b="0" i="0" u="none" strike="noStrike" dirty="0">
+                          <a:solidFill>
+                            <a:srgbClr val="000000"/>
+                          </a:solidFill>
+                          <a:effectLst/>
+                          <a:latin typeface="Calibri Light" panose="020F0302020204030204" pitchFamily="34" charset="0"/>
+                          <a:cs typeface="Calibri Light" panose="020F0302020204030204" pitchFamily="34" charset="0"/>
+                        </a:rPr>
+                        <a:t>0.13</a:t>
+                      </a:r>
+                    </a:p>
+                  </a:txBody>
+                  <a:tcPr marL="6350" marR="6350" marT="6350" marB="0" anchor="ctr">
+                    <a:lnL>
+                      <a:noFill/>
+                    </a:lnL>
+                    <a:lnR>
+                      <a:noFill/>
+                    </a:lnR>
+                    <a:lnT>
+                      <a:noFill/>
+                    </a:lnT>
+                    <a:lnB>
+                      <a:noFill/>
+                    </a:lnB>
+                    <a:solidFill>
+                      <a:srgbClr val="FFFFFF"/>
+                    </a:solidFill>
+                  </a:tcPr>
+                </a:tc>
+                <a:tc>
+                  <a:txBody>
+                    <a:bodyPr/>
+                    <a:lstStyle/>
+                    <a:p>
+                      <a:pPr algn="ctr" fontAlgn="ctr"/>
+                      <a:r>
+                        <a:rPr lang="he-IL" sz="3200" b="0" i="0" u="none" strike="noStrike" dirty="0">
+                          <a:solidFill>
+                            <a:srgbClr val="000000"/>
+                          </a:solidFill>
+                          <a:effectLst/>
+                          <a:latin typeface="Calibri Light" panose="020F0302020204030204" pitchFamily="34" charset="0"/>
+                          <a:cs typeface="Calibri Light" panose="020F0302020204030204" pitchFamily="34" charset="0"/>
+                        </a:rPr>
+                        <a:t>0.46</a:t>
+                      </a:r>
+                    </a:p>
+                  </a:txBody>
+                  <a:tcPr marL="6350" marR="6350" marT="6350" marB="0" anchor="ctr">
+                    <a:lnL>
+                      <a:noFill/>
+                    </a:lnL>
+                    <a:lnR w="6350" cap="flat" cmpd="sng" algn="ctr">
+                      <a:solidFill>
+                        <a:srgbClr val="000000"/>
+                      </a:solidFill>
+                      <a:prstDash val="solid"/>
+                      <a:round/>
+                      <a:headEnd type="none" w="med" len="med"/>
+                      <a:tailEnd type="none" w="med" len="med"/>
+                    </a:lnR>
+                    <a:lnT>
+                      <a:noFill/>
+                    </a:lnT>
+                    <a:lnB>
+                      <a:noFill/>
+                    </a:lnB>
+                    <a:solidFill>
+                      <a:srgbClr val="FFFFFF"/>
+                    </a:solidFill>
+                  </a:tcPr>
+                </a:tc>
+                <a:extLst>
+                  <a:ext uri="{0D108BD9-81ED-4DB2-BD59-A6C34878D82A}">
+                    <a16:rowId xmlns:a16="http://schemas.microsoft.com/office/drawing/2014/main" val="1351068779"/>
+                  </a:ext>
+                </a:extLst>
+              </a:tr>
+              <a:tr h="543844">
+                <a:tc>
+                  <a:txBody>
+                    <a:bodyPr/>
+                    <a:lstStyle/>
+                    <a:p>
+                      <a:pPr algn="l" fontAlgn="ctr"/>
+                      <a:r>
+                        <a:rPr lang="en-US" sz="3200" b="0" i="0" u="none" strike="noStrike">
+                          <a:solidFill>
+                            <a:srgbClr val="000000"/>
+                          </a:solidFill>
+                          <a:effectLst/>
+                          <a:latin typeface="Calibri Light" panose="020F0302020204030204" pitchFamily="34" charset="0"/>
+                          <a:cs typeface="Calibri Light" panose="020F0302020204030204" pitchFamily="34" charset="0"/>
+                        </a:rPr>
+                        <a:t>Father with atopic disease</a:t>
+                      </a:r>
+                    </a:p>
+                  </a:txBody>
+                  <a:tcPr marL="6350" marR="6350" marT="6350" marB="0" anchor="ctr">
+                    <a:lnL w="6350" cap="flat" cmpd="sng" algn="ctr">
+                      <a:solidFill>
+                        <a:srgbClr val="000000"/>
+                      </a:solidFill>
+                      <a:prstDash val="solid"/>
+                      <a:round/>
+                      <a:headEnd type="none" w="med" len="med"/>
+                      <a:tailEnd type="none" w="med" len="med"/>
+                    </a:lnL>
+                    <a:lnR w="6350" cap="flat" cmpd="sng" algn="ctr">
+                      <a:solidFill>
+                        <a:srgbClr val="000000"/>
+                      </a:solidFill>
+                      <a:prstDash val="solid"/>
+                      <a:round/>
+                      <a:headEnd type="none" w="med" len="med"/>
+                      <a:tailEnd type="none" w="med" len="med"/>
+                    </a:lnR>
+                    <a:lnT>
+                      <a:noFill/>
+                    </a:lnT>
+                    <a:lnB>
+                      <a:noFill/>
+                    </a:lnB>
+                    <a:solidFill>
+                      <a:srgbClr val="FFFFFF"/>
+                    </a:solidFill>
+                  </a:tcPr>
+                </a:tc>
+                <a:tc>
+                  <a:txBody>
+                    <a:bodyPr/>
+                    <a:lstStyle/>
+                    <a:p>
+                      <a:pPr algn="ctr" fontAlgn="ctr"/>
+                      <a:r>
+                        <a:rPr lang="he-IL" sz="3200" b="0" i="0" u="none" strike="noStrike">
+                          <a:solidFill>
+                            <a:srgbClr val="000000"/>
+                          </a:solidFill>
+                          <a:effectLst/>
+                          <a:latin typeface="Calibri Light" panose="020F0302020204030204" pitchFamily="34" charset="0"/>
+                          <a:cs typeface="Calibri Light" panose="020F0302020204030204" pitchFamily="34" charset="0"/>
+                        </a:rPr>
+                        <a:t>0.19</a:t>
+                      </a:r>
+                    </a:p>
+                  </a:txBody>
+                  <a:tcPr marL="6350" marR="6350" marT="6350" marB="0" anchor="ctr">
+                    <a:lnL w="6350" cap="flat" cmpd="sng" algn="ctr">
+                      <a:solidFill>
+                        <a:srgbClr val="000000"/>
+                      </a:solidFill>
+                      <a:prstDash val="solid"/>
+                      <a:round/>
+                      <a:headEnd type="none" w="med" len="med"/>
+                      <a:tailEnd type="none" w="med" len="med"/>
+                    </a:lnL>
+                    <a:lnR>
+                      <a:noFill/>
+                    </a:lnR>
+                    <a:lnT>
+                      <a:noFill/>
+                    </a:lnT>
+                    <a:lnB>
+                      <a:noFill/>
+                    </a:lnB>
+                    <a:solidFill>
+                      <a:srgbClr val="FFFFFF"/>
+                    </a:solidFill>
+                  </a:tcPr>
+                </a:tc>
+                <a:tc>
+                  <a:txBody>
+                    <a:bodyPr/>
+                    <a:lstStyle/>
+                    <a:p>
+                      <a:pPr algn="ctr" fontAlgn="ctr"/>
+                      <a:r>
+                        <a:rPr lang="he-IL" sz="3200" b="0" i="0" u="none" strike="noStrike">
+                          <a:solidFill>
+                            <a:srgbClr val="000000"/>
+                          </a:solidFill>
+                          <a:effectLst/>
+                          <a:latin typeface="Calibri Light" panose="020F0302020204030204" pitchFamily="34" charset="0"/>
+                          <a:cs typeface="Calibri Light" panose="020F0302020204030204" pitchFamily="34" charset="0"/>
+                        </a:rPr>
+                        <a:t>0.15</a:t>
+                      </a:r>
+                    </a:p>
+                  </a:txBody>
+                  <a:tcPr marL="6350" marR="6350" marT="6350" marB="0" anchor="ctr">
+                    <a:lnL>
+                      <a:noFill/>
+                    </a:lnL>
+                    <a:lnR>
+                      <a:noFill/>
+                    </a:lnR>
+                    <a:lnT>
+                      <a:noFill/>
+                    </a:lnT>
+                    <a:lnB>
+                      <a:noFill/>
+                    </a:lnB>
+                    <a:solidFill>
+                      <a:srgbClr val="FFFFFF"/>
+                    </a:solidFill>
+                  </a:tcPr>
+                </a:tc>
+                <a:tc>
+                  <a:txBody>
+                    <a:bodyPr/>
+                    <a:lstStyle/>
+                    <a:p>
+                      <a:pPr algn="ctr" fontAlgn="ctr"/>
+                      <a:r>
+                        <a:rPr lang="he-IL" sz="3200" b="0" i="0" u="none" strike="noStrike">
+                          <a:solidFill>
+                            <a:srgbClr val="000000"/>
+                          </a:solidFill>
+                          <a:effectLst/>
+                          <a:latin typeface="Calibri Light" panose="020F0302020204030204" pitchFamily="34" charset="0"/>
+                          <a:cs typeface="Calibri Light" panose="020F0302020204030204" pitchFamily="34" charset="0"/>
+                        </a:rPr>
+                        <a:t>0.21</a:t>
+                      </a:r>
+                    </a:p>
+                  </a:txBody>
+                  <a:tcPr marL="6350" marR="6350" marT="6350" marB="0" anchor="ctr">
+                    <a:lnL>
+                      <a:noFill/>
+                    </a:lnL>
+                    <a:lnR>
+                      <a:noFill/>
+                    </a:lnR>
+                    <a:lnT>
+                      <a:noFill/>
+                    </a:lnT>
+                    <a:lnB>
+                      <a:noFill/>
+                    </a:lnB>
+                    <a:solidFill>
+                      <a:srgbClr val="FFFFFF"/>
+                    </a:solidFill>
+                  </a:tcPr>
+                </a:tc>
+                <a:tc>
+                  <a:txBody>
+                    <a:bodyPr/>
+                    <a:lstStyle/>
+                    <a:p>
+                      <a:pPr algn="ctr" fontAlgn="ctr"/>
+                      <a:r>
+                        <a:rPr lang="he-IL" sz="3200" b="0" i="0" u="none" strike="noStrike">
+                          <a:solidFill>
+                            <a:srgbClr val="000000"/>
+                          </a:solidFill>
+                          <a:effectLst/>
+                          <a:latin typeface="Calibri Light" panose="020F0302020204030204" pitchFamily="34" charset="0"/>
+                          <a:cs typeface="Calibri Light" panose="020F0302020204030204" pitchFamily="34" charset="0"/>
+                        </a:rPr>
+                        <a:t> </a:t>
+                      </a:r>
+                    </a:p>
+                  </a:txBody>
+                  <a:tcPr marL="6350" marR="6350" marT="6350" marB="0" anchor="ctr">
+                    <a:lnL>
+                      <a:noFill/>
+                    </a:lnL>
+                    <a:lnR w="6350" cap="flat" cmpd="sng" algn="ctr">
+                      <a:solidFill>
+                        <a:srgbClr val="000000"/>
+                      </a:solidFill>
+                      <a:prstDash val="solid"/>
+                      <a:round/>
+                      <a:headEnd type="none" w="med" len="med"/>
+                      <a:tailEnd type="none" w="med" len="med"/>
+                    </a:lnR>
+                    <a:lnT>
+                      <a:noFill/>
+                    </a:lnT>
+                    <a:lnB>
+                      <a:noFill/>
+                    </a:lnB>
+                    <a:solidFill>
+                      <a:srgbClr val="FFFFFF"/>
+                    </a:solidFill>
+                  </a:tcPr>
+                </a:tc>
+                <a:tc>
+                  <a:txBody>
+                    <a:bodyPr/>
+                    <a:lstStyle/>
+                    <a:p>
+                      <a:pPr algn="ctr" fontAlgn="ctr"/>
+                      <a:r>
+                        <a:rPr lang="he-IL" sz="3200" b="0" i="0" u="none" strike="noStrike">
+                          <a:solidFill>
+                            <a:srgbClr val="000000"/>
+                          </a:solidFill>
+                          <a:effectLst/>
+                          <a:latin typeface="Calibri Light" panose="020F0302020204030204" pitchFamily="34" charset="0"/>
+                          <a:cs typeface="Calibri Light" panose="020F0302020204030204" pitchFamily="34" charset="0"/>
+                        </a:rPr>
+                        <a:t>0.20</a:t>
+                      </a:r>
+                    </a:p>
+                  </a:txBody>
+                  <a:tcPr marL="6350" marR="6350" marT="6350" marB="0" anchor="ctr">
+                    <a:lnL w="6350" cap="flat" cmpd="sng" algn="ctr">
+                      <a:solidFill>
+                        <a:srgbClr val="000000"/>
+                      </a:solidFill>
+                      <a:prstDash val="solid"/>
+                      <a:round/>
+                      <a:headEnd type="none" w="med" len="med"/>
+                      <a:tailEnd type="none" w="med" len="med"/>
+                    </a:lnL>
+                    <a:lnR>
+                      <a:noFill/>
+                    </a:lnR>
+                    <a:lnT>
+                      <a:noFill/>
+                    </a:lnT>
+                    <a:lnB>
+                      <a:noFill/>
+                    </a:lnB>
+                    <a:solidFill>
+                      <a:srgbClr val="FFFFFF"/>
+                    </a:solidFill>
+                  </a:tcPr>
+                </a:tc>
+                <a:tc>
+                  <a:txBody>
+                    <a:bodyPr/>
+                    <a:lstStyle/>
+                    <a:p>
+                      <a:pPr algn="ctr" fontAlgn="ctr"/>
+                      <a:r>
+                        <a:rPr lang="he-IL" sz="3200" b="0" i="0" u="none" strike="noStrike">
+                          <a:solidFill>
+                            <a:srgbClr val="000000"/>
+                          </a:solidFill>
+                          <a:effectLst/>
+                          <a:latin typeface="Calibri Light" panose="020F0302020204030204" pitchFamily="34" charset="0"/>
+                          <a:cs typeface="Calibri Light" panose="020F0302020204030204" pitchFamily="34" charset="0"/>
+                        </a:rPr>
+                        <a:t>0.15</a:t>
+                      </a:r>
+                    </a:p>
+                  </a:txBody>
+                  <a:tcPr marL="6350" marR="6350" marT="6350" marB="0" anchor="ctr">
+                    <a:lnL>
+                      <a:noFill/>
+                    </a:lnL>
+                    <a:lnR>
+                      <a:noFill/>
+                    </a:lnR>
+                    <a:lnT>
+                      <a:noFill/>
+                    </a:lnT>
+                    <a:lnB>
+                      <a:noFill/>
+                    </a:lnB>
+                    <a:solidFill>
+                      <a:srgbClr val="FFFFFF"/>
+                    </a:solidFill>
+                  </a:tcPr>
+                </a:tc>
+                <a:tc>
+                  <a:txBody>
+                    <a:bodyPr/>
+                    <a:lstStyle/>
+                    <a:p>
+                      <a:pPr algn="ctr" fontAlgn="ctr"/>
+                      <a:r>
+                        <a:rPr lang="he-IL" sz="3200" b="0" i="0" u="none" strike="noStrike">
+                          <a:solidFill>
+                            <a:srgbClr val="000000"/>
+                          </a:solidFill>
+                          <a:effectLst/>
+                          <a:latin typeface="Calibri Light" panose="020F0302020204030204" pitchFamily="34" charset="0"/>
+                          <a:cs typeface="Calibri Light" panose="020F0302020204030204" pitchFamily="34" charset="0"/>
+                        </a:rPr>
+                        <a:t>0.18</a:t>
+                      </a:r>
+                    </a:p>
+                  </a:txBody>
+                  <a:tcPr marL="6350" marR="6350" marT="6350" marB="0" anchor="ctr">
+                    <a:lnL>
+                      <a:noFill/>
+                    </a:lnL>
+                    <a:lnR w="6350" cap="flat" cmpd="sng" algn="ctr">
+                      <a:solidFill>
+                        <a:srgbClr val="000000"/>
+                      </a:solidFill>
+                      <a:prstDash val="solid"/>
+                      <a:round/>
+                      <a:headEnd type="none" w="med" len="med"/>
+                      <a:tailEnd type="none" w="med" len="med"/>
+                    </a:lnR>
+                    <a:lnT>
+                      <a:noFill/>
+                    </a:lnT>
+                    <a:lnB>
+                      <a:noFill/>
+                    </a:lnB>
+                    <a:solidFill>
+                      <a:srgbClr val="FFFFFF"/>
+                    </a:solidFill>
+                  </a:tcPr>
+                </a:tc>
+                <a:extLst>
+                  <a:ext uri="{0D108BD9-81ED-4DB2-BD59-A6C34878D82A}">
+                    <a16:rowId xmlns:a16="http://schemas.microsoft.com/office/drawing/2014/main" val="248184580"/>
+                  </a:ext>
+                </a:extLst>
+              </a:tr>
+              <a:tr h="543844">
+                <a:tc>
+                  <a:txBody>
+                    <a:bodyPr/>
+                    <a:lstStyle/>
+                    <a:p>
+                      <a:pPr algn="l" fontAlgn="ctr"/>
+                      <a:r>
+                        <a:rPr lang="en-US" sz="3200" b="0" i="0" u="none" strike="noStrike">
+                          <a:solidFill>
+                            <a:srgbClr val="000000"/>
+                          </a:solidFill>
+                          <a:effectLst/>
+                          <a:latin typeface="Calibri Light" panose="020F0302020204030204" pitchFamily="34" charset="0"/>
+                          <a:cs typeface="Calibri Light" panose="020F0302020204030204" pitchFamily="34" charset="0"/>
+                        </a:rPr>
+                        <a:t>Mother year of birth</a:t>
+                      </a:r>
+                    </a:p>
+                  </a:txBody>
+                  <a:tcPr marL="6350" marR="6350" marT="6350" marB="0" anchor="ctr">
+                    <a:lnL w="6350" cap="flat" cmpd="sng" algn="ctr">
+                      <a:solidFill>
+                        <a:srgbClr val="000000"/>
+                      </a:solidFill>
+                      <a:prstDash val="solid"/>
+                      <a:round/>
+                      <a:headEnd type="none" w="med" len="med"/>
+                      <a:tailEnd type="none" w="med" len="med"/>
+                    </a:lnL>
+                    <a:lnR w="6350" cap="flat" cmpd="sng" algn="ctr">
+                      <a:solidFill>
+                        <a:srgbClr val="000000"/>
+                      </a:solidFill>
+                      <a:prstDash val="solid"/>
+                      <a:round/>
+                      <a:headEnd type="none" w="med" len="med"/>
+                      <a:tailEnd type="none" w="med" len="med"/>
+                    </a:lnR>
+                    <a:lnT>
+                      <a:noFill/>
+                    </a:lnT>
+                    <a:lnB>
+                      <a:noFill/>
+                    </a:lnB>
+                    <a:solidFill>
+                      <a:srgbClr val="FFFFFF"/>
+                    </a:solidFill>
+                  </a:tcPr>
+                </a:tc>
+                <a:tc>
+                  <a:txBody>
+                    <a:bodyPr/>
+                    <a:lstStyle/>
+                    <a:p>
+                      <a:pPr algn="ctr" fontAlgn="ctr"/>
+                      <a:r>
+                        <a:rPr lang="he-IL" sz="3200" b="0" i="0" u="none" strike="noStrike">
+                          <a:solidFill>
+                            <a:srgbClr val="000000"/>
+                          </a:solidFill>
+                          <a:effectLst/>
+                          <a:latin typeface="Calibri Light" panose="020F0302020204030204" pitchFamily="34" charset="0"/>
+                          <a:cs typeface="Calibri Light" panose="020F0302020204030204" pitchFamily="34" charset="0"/>
+                        </a:rPr>
+                        <a:t>-0.02</a:t>
+                      </a:r>
+                    </a:p>
+                  </a:txBody>
+                  <a:tcPr marL="6350" marR="6350" marT="6350" marB="0" anchor="ctr">
+                    <a:lnL w="6350" cap="flat" cmpd="sng" algn="ctr">
+                      <a:solidFill>
+                        <a:srgbClr val="000000"/>
+                      </a:solidFill>
+                      <a:prstDash val="solid"/>
+                      <a:round/>
+                      <a:headEnd type="none" w="med" len="med"/>
+                      <a:tailEnd type="none" w="med" len="med"/>
+                    </a:lnL>
+                    <a:lnR>
+                      <a:noFill/>
+                    </a:lnR>
+                    <a:lnT>
+                      <a:noFill/>
+                    </a:lnT>
+                    <a:lnB>
+                      <a:noFill/>
+                    </a:lnB>
+                    <a:solidFill>
+                      <a:srgbClr val="FFFFFF"/>
+                    </a:solidFill>
+                  </a:tcPr>
+                </a:tc>
+                <a:tc>
+                  <a:txBody>
+                    <a:bodyPr/>
+                    <a:lstStyle/>
+                    <a:p>
+                      <a:pPr algn="ctr" fontAlgn="ctr"/>
+                      <a:r>
+                        <a:rPr lang="he-IL" sz="3200" b="0" i="0" u="none" strike="noStrike">
+                          <a:solidFill>
+                            <a:srgbClr val="000000"/>
+                          </a:solidFill>
+                          <a:effectLst/>
+                          <a:latin typeface="Calibri Light" panose="020F0302020204030204" pitchFamily="34" charset="0"/>
+                          <a:cs typeface="Calibri Light" panose="020F0302020204030204" pitchFamily="34" charset="0"/>
+                        </a:rPr>
+                        <a:t>0.01</a:t>
+                      </a:r>
+                    </a:p>
+                  </a:txBody>
+                  <a:tcPr marL="6350" marR="6350" marT="6350" marB="0" anchor="ctr">
+                    <a:lnL>
+                      <a:noFill/>
+                    </a:lnL>
+                    <a:lnR>
+                      <a:noFill/>
+                    </a:lnR>
+                    <a:lnT>
+                      <a:noFill/>
+                    </a:lnT>
+                    <a:lnB>
+                      <a:noFill/>
+                    </a:lnB>
+                    <a:solidFill>
+                      <a:srgbClr val="FFFFFF"/>
+                    </a:solidFill>
+                  </a:tcPr>
+                </a:tc>
+                <a:tc>
+                  <a:txBody>
+                    <a:bodyPr/>
+                    <a:lstStyle/>
+                    <a:p>
+                      <a:pPr algn="ctr" fontAlgn="ctr"/>
+                      <a:r>
+                        <a:rPr lang="he-IL" sz="3200" b="0" i="0" u="none" strike="noStrike">
+                          <a:solidFill>
+                            <a:srgbClr val="000000"/>
+                          </a:solidFill>
+                          <a:effectLst/>
+                          <a:latin typeface="Calibri Light" panose="020F0302020204030204" pitchFamily="34" charset="0"/>
+                          <a:cs typeface="Calibri Light" panose="020F0302020204030204" pitchFamily="34" charset="0"/>
+                        </a:rPr>
+                        <a:t>0.15</a:t>
+                      </a:r>
+                    </a:p>
+                  </a:txBody>
+                  <a:tcPr marL="6350" marR="6350" marT="6350" marB="0" anchor="ctr">
+                    <a:lnL>
+                      <a:noFill/>
+                    </a:lnL>
+                    <a:lnR>
+                      <a:noFill/>
+                    </a:lnR>
+                    <a:lnT>
+                      <a:noFill/>
+                    </a:lnT>
+                    <a:lnB>
+                      <a:noFill/>
+                    </a:lnB>
+                    <a:solidFill>
+                      <a:srgbClr val="FFFFFF"/>
+                    </a:solidFill>
+                  </a:tcPr>
+                </a:tc>
+                <a:tc>
+                  <a:txBody>
+                    <a:bodyPr/>
+                    <a:lstStyle/>
+                    <a:p>
+                      <a:pPr algn="ctr" fontAlgn="ctr"/>
+                      <a:r>
+                        <a:rPr lang="he-IL" sz="3200" b="0" i="0" u="none" strike="noStrike" dirty="0">
+                          <a:solidFill>
+                            <a:srgbClr val="000000"/>
+                          </a:solidFill>
+                          <a:effectLst/>
+                          <a:latin typeface="Calibri Light" panose="020F0302020204030204" pitchFamily="34" charset="0"/>
+                          <a:cs typeface="Calibri Light" panose="020F0302020204030204" pitchFamily="34" charset="0"/>
+                        </a:rPr>
+                        <a:t> </a:t>
+                      </a:r>
+                    </a:p>
+                  </a:txBody>
+                  <a:tcPr marL="6350" marR="6350" marT="6350" marB="0" anchor="ctr">
+                    <a:lnL>
+                      <a:noFill/>
+                    </a:lnL>
+                    <a:lnR w="6350" cap="flat" cmpd="sng" algn="ctr">
+                      <a:solidFill>
+                        <a:srgbClr val="000000"/>
+                      </a:solidFill>
+                      <a:prstDash val="solid"/>
+                      <a:round/>
+                      <a:headEnd type="none" w="med" len="med"/>
+                      <a:tailEnd type="none" w="med" len="med"/>
+                    </a:lnR>
+                    <a:lnT>
+                      <a:noFill/>
+                    </a:lnT>
+                    <a:lnB>
+                      <a:noFill/>
+                    </a:lnB>
+                    <a:solidFill>
+                      <a:srgbClr val="FFFFFF"/>
+                    </a:solidFill>
+                  </a:tcPr>
+                </a:tc>
+                <a:tc>
+                  <a:txBody>
+                    <a:bodyPr/>
+                    <a:lstStyle/>
+                    <a:p>
+                      <a:pPr algn="ctr" fontAlgn="ctr"/>
+                      <a:r>
+                        <a:rPr lang="he-IL" sz="3200" b="0" i="0" u="none" strike="noStrike">
+                          <a:solidFill>
+                            <a:srgbClr val="000000"/>
+                          </a:solidFill>
+                          <a:effectLst/>
+                          <a:latin typeface="Calibri Light" panose="020F0302020204030204" pitchFamily="34" charset="0"/>
+                          <a:cs typeface="Calibri Light" panose="020F0302020204030204" pitchFamily="34" charset="0"/>
+                        </a:rPr>
+                        <a:t>-0.02</a:t>
+                      </a:r>
+                    </a:p>
+                  </a:txBody>
+                  <a:tcPr marL="6350" marR="6350" marT="6350" marB="0" anchor="ctr">
+                    <a:lnL w="6350" cap="flat" cmpd="sng" algn="ctr">
+                      <a:solidFill>
+                        <a:srgbClr val="000000"/>
+                      </a:solidFill>
+                      <a:prstDash val="solid"/>
+                      <a:round/>
+                      <a:headEnd type="none" w="med" len="med"/>
+                      <a:tailEnd type="none" w="med" len="med"/>
+                    </a:lnL>
+                    <a:lnR>
+                      <a:noFill/>
+                    </a:lnR>
+                    <a:lnT>
+                      <a:noFill/>
+                    </a:lnT>
+                    <a:lnB>
+                      <a:noFill/>
+                    </a:lnB>
+                    <a:solidFill>
+                      <a:srgbClr val="FFFFFF"/>
+                    </a:solidFill>
+                  </a:tcPr>
+                </a:tc>
+                <a:tc>
+                  <a:txBody>
+                    <a:bodyPr/>
+                    <a:lstStyle/>
+                    <a:p>
+                      <a:pPr algn="ctr" fontAlgn="ctr"/>
+                      <a:r>
+                        <a:rPr lang="he-IL" sz="3200" b="0" i="0" u="none" strike="noStrike">
+                          <a:solidFill>
+                            <a:srgbClr val="000000"/>
+                          </a:solidFill>
+                          <a:effectLst/>
+                          <a:latin typeface="Calibri Light" panose="020F0302020204030204" pitchFamily="34" charset="0"/>
+                          <a:cs typeface="Calibri Light" panose="020F0302020204030204" pitchFamily="34" charset="0"/>
+                        </a:rPr>
+                        <a:t>0.01</a:t>
+                      </a:r>
+                    </a:p>
+                  </a:txBody>
+                  <a:tcPr marL="6350" marR="6350" marT="6350" marB="0" anchor="ctr">
+                    <a:lnL>
+                      <a:noFill/>
+                    </a:lnL>
+                    <a:lnR>
+                      <a:noFill/>
+                    </a:lnR>
+                    <a:lnT>
+                      <a:noFill/>
+                    </a:lnT>
+                    <a:lnB>
+                      <a:noFill/>
+                    </a:lnB>
+                    <a:solidFill>
+                      <a:srgbClr val="FFFFFF"/>
+                    </a:solidFill>
+                  </a:tcPr>
+                </a:tc>
+                <a:tc>
+                  <a:txBody>
+                    <a:bodyPr/>
+                    <a:lstStyle/>
+                    <a:p>
+                      <a:pPr algn="ctr" fontAlgn="ctr"/>
+                      <a:r>
+                        <a:rPr lang="he-IL" sz="3200" b="0" i="0" u="none" strike="noStrike">
+                          <a:solidFill>
+                            <a:srgbClr val="000000"/>
+                          </a:solidFill>
+                          <a:effectLst/>
+                          <a:latin typeface="Calibri Light" panose="020F0302020204030204" pitchFamily="34" charset="0"/>
+                          <a:cs typeface="Calibri Light" panose="020F0302020204030204" pitchFamily="34" charset="0"/>
+                        </a:rPr>
+                        <a:t>0.13</a:t>
+                      </a:r>
+                    </a:p>
+                  </a:txBody>
+                  <a:tcPr marL="6350" marR="6350" marT="6350" marB="0" anchor="ctr">
+                    <a:lnL>
+                      <a:noFill/>
+                    </a:lnL>
+                    <a:lnR w="6350" cap="flat" cmpd="sng" algn="ctr">
+                      <a:solidFill>
+                        <a:srgbClr val="000000"/>
+                      </a:solidFill>
+                      <a:prstDash val="solid"/>
+                      <a:round/>
+                      <a:headEnd type="none" w="med" len="med"/>
+                      <a:tailEnd type="none" w="med" len="med"/>
+                    </a:lnR>
+                    <a:lnT>
+                      <a:noFill/>
+                    </a:lnT>
+                    <a:lnB>
+                      <a:noFill/>
+                    </a:lnB>
+                    <a:solidFill>
+                      <a:srgbClr val="FFFFFF"/>
+                    </a:solidFill>
+                  </a:tcPr>
+                </a:tc>
+                <a:extLst>
+                  <a:ext uri="{0D108BD9-81ED-4DB2-BD59-A6C34878D82A}">
+                    <a16:rowId xmlns:a16="http://schemas.microsoft.com/office/drawing/2014/main" val="4051848284"/>
+                  </a:ext>
+                </a:extLst>
+              </a:tr>
+              <a:tr h="1014007">
+                <a:tc>
+                  <a:txBody>
+                    <a:bodyPr/>
+                    <a:lstStyle/>
+                    <a:p>
+                      <a:pPr algn="l" fontAlgn="ctr"/>
+                      <a:r>
+                        <a:rPr lang="en-US" sz="3200" b="0" i="0" u="none" strike="noStrike">
+                          <a:solidFill>
+                            <a:srgbClr val="000000"/>
+                          </a:solidFill>
+                          <a:effectLst/>
+                          <a:latin typeface="Calibri Light" panose="020F0302020204030204" pitchFamily="34" charset="0"/>
+                          <a:cs typeface="Calibri Light" panose="020F0302020204030204" pitchFamily="34" charset="0"/>
+                        </a:rPr>
+                        <a:t>Mother education - Post graduate</a:t>
+                      </a:r>
+                    </a:p>
+                  </a:txBody>
+                  <a:tcPr marL="6350" marR="6350" marT="6350" marB="0" anchor="ctr">
+                    <a:lnL w="6350" cap="flat" cmpd="sng" algn="ctr">
+                      <a:solidFill>
+                        <a:srgbClr val="000000"/>
+                      </a:solidFill>
+                      <a:prstDash val="solid"/>
+                      <a:round/>
+                      <a:headEnd type="none" w="med" len="med"/>
+                      <a:tailEnd type="none" w="med" len="med"/>
+                    </a:lnL>
+                    <a:lnR w="6350" cap="flat" cmpd="sng" algn="ctr">
+                      <a:solidFill>
+                        <a:srgbClr val="000000"/>
+                      </a:solidFill>
+                      <a:prstDash val="solid"/>
+                      <a:round/>
+                      <a:headEnd type="none" w="med" len="med"/>
+                      <a:tailEnd type="none" w="med" len="med"/>
+                    </a:lnR>
+                    <a:lnT>
+                      <a:noFill/>
+                    </a:lnT>
+                    <a:lnB>
+                      <a:noFill/>
+                    </a:lnB>
+                    <a:solidFill>
+                      <a:srgbClr val="FFFFFF"/>
+                    </a:solidFill>
+                  </a:tcPr>
+                </a:tc>
+                <a:tc>
+                  <a:txBody>
+                    <a:bodyPr/>
+                    <a:lstStyle/>
+                    <a:p>
+                      <a:pPr algn="ctr" fontAlgn="ctr"/>
+                      <a:r>
+                        <a:rPr lang="he-IL" sz="3200" b="0" i="0" u="none" strike="noStrike">
+                          <a:solidFill>
+                            <a:srgbClr val="000000"/>
+                          </a:solidFill>
+                          <a:effectLst/>
+                          <a:latin typeface="Calibri Light" panose="020F0302020204030204" pitchFamily="34" charset="0"/>
+                          <a:cs typeface="Calibri Light" panose="020F0302020204030204" pitchFamily="34" charset="0"/>
+                        </a:rPr>
+                        <a:t>0.08</a:t>
+                      </a:r>
+                    </a:p>
+                  </a:txBody>
+                  <a:tcPr marL="6350" marR="6350" marT="6350" marB="0" anchor="ctr">
+                    <a:lnL w="6350" cap="flat" cmpd="sng" algn="ctr">
+                      <a:solidFill>
+                        <a:srgbClr val="000000"/>
+                      </a:solidFill>
+                      <a:prstDash val="solid"/>
+                      <a:round/>
+                      <a:headEnd type="none" w="med" len="med"/>
+                      <a:tailEnd type="none" w="med" len="med"/>
+                    </a:lnL>
+                    <a:lnR>
+                      <a:noFill/>
+                    </a:lnR>
+                    <a:lnT>
+                      <a:noFill/>
+                    </a:lnT>
+                    <a:lnB>
+                      <a:noFill/>
+                    </a:lnB>
+                    <a:solidFill>
+                      <a:srgbClr val="FFFFFF"/>
+                    </a:solidFill>
+                  </a:tcPr>
+                </a:tc>
+                <a:tc>
+                  <a:txBody>
+                    <a:bodyPr/>
+                    <a:lstStyle/>
+                    <a:p>
+                      <a:pPr algn="ctr" fontAlgn="ctr"/>
+                      <a:r>
+                        <a:rPr lang="he-IL" sz="3200" b="0" i="0" u="none" strike="noStrike">
+                          <a:solidFill>
+                            <a:srgbClr val="000000"/>
+                          </a:solidFill>
+                          <a:effectLst/>
+                          <a:latin typeface="Calibri Light" panose="020F0302020204030204" pitchFamily="34" charset="0"/>
+                          <a:cs typeface="Calibri Light" panose="020F0302020204030204" pitchFamily="34" charset="0"/>
+                        </a:rPr>
+                        <a:t>0.22</a:t>
+                      </a:r>
+                    </a:p>
+                  </a:txBody>
+                  <a:tcPr marL="6350" marR="6350" marT="6350" marB="0" anchor="ctr">
+                    <a:lnL>
+                      <a:noFill/>
+                    </a:lnL>
+                    <a:lnR>
+                      <a:noFill/>
+                    </a:lnR>
+                    <a:lnT>
+                      <a:noFill/>
+                    </a:lnT>
+                    <a:lnB>
+                      <a:noFill/>
+                    </a:lnB>
+                    <a:solidFill>
+                      <a:srgbClr val="FFFFFF"/>
+                    </a:solidFill>
+                  </a:tcPr>
+                </a:tc>
+                <a:tc>
+                  <a:txBody>
+                    <a:bodyPr/>
+                    <a:lstStyle/>
+                    <a:p>
+                      <a:pPr algn="ctr" fontAlgn="ctr"/>
+                      <a:r>
+                        <a:rPr lang="he-IL" sz="3200" b="0" i="0" u="none" strike="noStrike">
+                          <a:solidFill>
+                            <a:srgbClr val="000000"/>
+                          </a:solidFill>
+                          <a:effectLst/>
+                          <a:latin typeface="Calibri Light" panose="020F0302020204030204" pitchFamily="34" charset="0"/>
+                          <a:cs typeface="Calibri Light" panose="020F0302020204030204" pitchFamily="34" charset="0"/>
+                        </a:rPr>
+                        <a:t>0.73</a:t>
+                      </a:r>
+                    </a:p>
+                  </a:txBody>
+                  <a:tcPr marL="6350" marR="6350" marT="6350" marB="0" anchor="ctr">
+                    <a:lnL>
+                      <a:noFill/>
+                    </a:lnL>
+                    <a:lnR>
+                      <a:noFill/>
+                    </a:lnR>
+                    <a:lnT>
+                      <a:noFill/>
+                    </a:lnT>
+                    <a:lnB>
+                      <a:noFill/>
+                    </a:lnB>
+                    <a:solidFill>
+                      <a:srgbClr val="FFFFFF"/>
+                    </a:solidFill>
+                  </a:tcPr>
+                </a:tc>
+                <a:tc>
+                  <a:txBody>
+                    <a:bodyPr/>
+                    <a:lstStyle/>
+                    <a:p>
+                      <a:pPr algn="ctr" fontAlgn="ctr"/>
+                      <a:r>
+                        <a:rPr lang="he-IL" sz="3200" b="0" i="0" u="none" strike="noStrike">
+                          <a:solidFill>
+                            <a:srgbClr val="000000"/>
+                          </a:solidFill>
+                          <a:effectLst/>
+                          <a:latin typeface="Calibri Light" panose="020F0302020204030204" pitchFamily="34" charset="0"/>
+                          <a:cs typeface="Calibri Light" panose="020F0302020204030204" pitchFamily="34" charset="0"/>
+                        </a:rPr>
+                        <a:t> </a:t>
+                      </a:r>
+                    </a:p>
+                  </a:txBody>
+                  <a:tcPr marL="6350" marR="6350" marT="6350" marB="0" anchor="ctr">
+                    <a:lnL>
+                      <a:noFill/>
+                    </a:lnL>
+                    <a:lnR w="6350" cap="flat" cmpd="sng" algn="ctr">
+                      <a:solidFill>
+                        <a:srgbClr val="000000"/>
+                      </a:solidFill>
+                      <a:prstDash val="solid"/>
+                      <a:round/>
+                      <a:headEnd type="none" w="med" len="med"/>
+                      <a:tailEnd type="none" w="med" len="med"/>
+                    </a:lnR>
+                    <a:lnT>
+                      <a:noFill/>
+                    </a:lnT>
+                    <a:lnB>
+                      <a:noFill/>
+                    </a:lnB>
+                    <a:solidFill>
+                      <a:srgbClr val="FFFFFF"/>
+                    </a:solidFill>
+                  </a:tcPr>
+                </a:tc>
+                <a:tc>
+                  <a:txBody>
+                    <a:bodyPr/>
+                    <a:lstStyle/>
+                    <a:p>
+                      <a:pPr algn="ctr" fontAlgn="ctr"/>
+                      <a:r>
+                        <a:rPr lang="he-IL" sz="3200" b="0" i="0" u="none" strike="noStrike">
+                          <a:solidFill>
+                            <a:srgbClr val="000000"/>
+                          </a:solidFill>
+                          <a:effectLst/>
+                          <a:latin typeface="Calibri Light" panose="020F0302020204030204" pitchFamily="34" charset="0"/>
+                          <a:cs typeface="Calibri Light" panose="020F0302020204030204" pitchFamily="34" charset="0"/>
+                        </a:rPr>
+                        <a:t>0.08</a:t>
+                      </a:r>
+                    </a:p>
+                  </a:txBody>
+                  <a:tcPr marL="6350" marR="6350" marT="6350" marB="0" anchor="ctr">
+                    <a:lnL w="6350" cap="flat" cmpd="sng" algn="ctr">
+                      <a:solidFill>
+                        <a:srgbClr val="000000"/>
+                      </a:solidFill>
+                      <a:prstDash val="solid"/>
+                      <a:round/>
+                      <a:headEnd type="none" w="med" len="med"/>
+                      <a:tailEnd type="none" w="med" len="med"/>
+                    </a:lnL>
+                    <a:lnR>
+                      <a:noFill/>
+                    </a:lnR>
+                    <a:lnT>
+                      <a:noFill/>
+                    </a:lnT>
+                    <a:lnB>
+                      <a:noFill/>
+                    </a:lnB>
+                    <a:solidFill>
+                      <a:srgbClr val="FFFFFF"/>
+                    </a:solidFill>
+                  </a:tcPr>
+                </a:tc>
+                <a:tc>
+                  <a:txBody>
+                    <a:bodyPr/>
+                    <a:lstStyle/>
+                    <a:p>
+                      <a:pPr algn="ctr" fontAlgn="ctr"/>
+                      <a:r>
+                        <a:rPr lang="he-IL" sz="3200" b="0" i="0" u="none" strike="noStrike">
+                          <a:solidFill>
+                            <a:srgbClr val="000000"/>
+                          </a:solidFill>
+                          <a:effectLst/>
+                          <a:latin typeface="Calibri Light" panose="020F0302020204030204" pitchFamily="34" charset="0"/>
+                          <a:cs typeface="Calibri Light" panose="020F0302020204030204" pitchFamily="34" charset="0"/>
+                        </a:rPr>
+                        <a:t>0.22</a:t>
+                      </a:r>
+                    </a:p>
+                  </a:txBody>
+                  <a:tcPr marL="6350" marR="6350" marT="6350" marB="0" anchor="ctr">
+                    <a:lnL>
+                      <a:noFill/>
+                    </a:lnL>
+                    <a:lnR>
+                      <a:noFill/>
+                    </a:lnR>
+                    <a:lnT>
+                      <a:noFill/>
+                    </a:lnT>
+                    <a:lnB>
+                      <a:noFill/>
+                    </a:lnB>
+                    <a:solidFill>
+                      <a:srgbClr val="FFFFFF"/>
+                    </a:solidFill>
+                  </a:tcPr>
+                </a:tc>
+                <a:tc>
+                  <a:txBody>
+                    <a:bodyPr/>
+                    <a:lstStyle/>
+                    <a:p>
+                      <a:pPr algn="ctr" fontAlgn="ctr"/>
+                      <a:r>
+                        <a:rPr lang="he-IL" sz="3200" b="0" i="0" u="none" strike="noStrike">
+                          <a:solidFill>
+                            <a:srgbClr val="000000"/>
+                          </a:solidFill>
+                          <a:effectLst/>
+                          <a:latin typeface="Calibri Light" panose="020F0302020204030204" pitchFamily="34" charset="0"/>
+                          <a:cs typeface="Calibri Light" panose="020F0302020204030204" pitchFamily="34" charset="0"/>
+                        </a:rPr>
+                        <a:t>0.73</a:t>
+                      </a:r>
+                    </a:p>
+                  </a:txBody>
+                  <a:tcPr marL="6350" marR="6350" marT="6350" marB="0" anchor="ctr">
+                    <a:lnL>
+                      <a:noFill/>
+                    </a:lnL>
+                    <a:lnR w="6350" cap="flat" cmpd="sng" algn="ctr">
+                      <a:solidFill>
+                        <a:srgbClr val="000000"/>
+                      </a:solidFill>
+                      <a:prstDash val="solid"/>
+                      <a:round/>
+                      <a:headEnd type="none" w="med" len="med"/>
+                      <a:tailEnd type="none" w="med" len="med"/>
+                    </a:lnR>
+                    <a:lnT>
+                      <a:noFill/>
+                    </a:lnT>
+                    <a:lnB>
+                      <a:noFill/>
+                    </a:lnB>
+                    <a:solidFill>
+                      <a:srgbClr val="FFFFFF"/>
+                    </a:solidFill>
+                  </a:tcPr>
+                </a:tc>
+                <a:extLst>
+                  <a:ext uri="{0D108BD9-81ED-4DB2-BD59-A6C34878D82A}">
+                    <a16:rowId xmlns:a16="http://schemas.microsoft.com/office/drawing/2014/main" val="1060084250"/>
+                  </a:ext>
+                </a:extLst>
+              </a:tr>
+              <a:tr h="1014007">
+                <a:tc>
+                  <a:txBody>
+                    <a:bodyPr/>
+                    <a:lstStyle/>
+                    <a:p>
+                      <a:pPr algn="l" fontAlgn="ctr"/>
+                      <a:r>
+                        <a:rPr lang="en-US" sz="3200" b="0" i="0" u="none" strike="noStrike">
+                          <a:solidFill>
+                            <a:srgbClr val="000000"/>
+                          </a:solidFill>
+                          <a:effectLst/>
+                          <a:latin typeface="Calibri Light" panose="020F0302020204030204" pitchFamily="34" charset="0"/>
+                          <a:cs typeface="Calibri Light" panose="020F0302020204030204" pitchFamily="34" charset="0"/>
+                        </a:rPr>
+                        <a:t>mother_education - Academic</a:t>
+                      </a:r>
+                    </a:p>
+                  </a:txBody>
+                  <a:tcPr marL="6350" marR="6350" marT="6350" marB="0" anchor="ctr">
+                    <a:lnL w="6350" cap="flat" cmpd="sng" algn="ctr">
+                      <a:solidFill>
+                        <a:srgbClr val="000000"/>
+                      </a:solidFill>
+                      <a:prstDash val="solid"/>
+                      <a:round/>
+                      <a:headEnd type="none" w="med" len="med"/>
+                      <a:tailEnd type="none" w="med" len="med"/>
+                    </a:lnL>
+                    <a:lnR w="6350" cap="flat" cmpd="sng" algn="ctr">
+                      <a:solidFill>
+                        <a:srgbClr val="000000"/>
+                      </a:solidFill>
+                      <a:prstDash val="solid"/>
+                      <a:round/>
+                      <a:headEnd type="none" w="med" len="med"/>
+                      <a:tailEnd type="none" w="med" len="med"/>
+                    </a:lnR>
+                    <a:lnT>
+                      <a:noFill/>
+                    </a:lnT>
+                    <a:lnB>
+                      <a:noFill/>
+                    </a:lnB>
+                    <a:solidFill>
+                      <a:srgbClr val="FFFFFF"/>
+                    </a:solidFill>
+                  </a:tcPr>
+                </a:tc>
+                <a:tc>
+                  <a:txBody>
+                    <a:bodyPr/>
+                    <a:lstStyle/>
+                    <a:p>
+                      <a:pPr algn="ctr" fontAlgn="ctr"/>
+                      <a:r>
+                        <a:rPr lang="he-IL" sz="3200" b="0" i="0" u="none" strike="noStrike">
+                          <a:solidFill>
+                            <a:srgbClr val="000000"/>
+                          </a:solidFill>
+                          <a:effectLst/>
+                          <a:latin typeface="Calibri Light" panose="020F0302020204030204" pitchFamily="34" charset="0"/>
+                          <a:cs typeface="Calibri Light" panose="020F0302020204030204" pitchFamily="34" charset="0"/>
+                        </a:rPr>
+                        <a:t>0.08</a:t>
+                      </a:r>
+                    </a:p>
+                  </a:txBody>
+                  <a:tcPr marL="6350" marR="6350" marT="6350" marB="0" anchor="ctr">
+                    <a:lnL w="6350" cap="flat" cmpd="sng" algn="ctr">
+                      <a:solidFill>
+                        <a:srgbClr val="000000"/>
+                      </a:solidFill>
+                      <a:prstDash val="solid"/>
+                      <a:round/>
+                      <a:headEnd type="none" w="med" len="med"/>
+                      <a:tailEnd type="none" w="med" len="med"/>
+                    </a:lnL>
+                    <a:lnR>
+                      <a:noFill/>
+                    </a:lnR>
+                    <a:lnT>
+                      <a:noFill/>
+                    </a:lnT>
+                    <a:lnB>
+                      <a:noFill/>
+                    </a:lnB>
+                    <a:solidFill>
+                      <a:srgbClr val="FFFFFF"/>
+                    </a:solidFill>
+                  </a:tcPr>
+                </a:tc>
+                <a:tc>
+                  <a:txBody>
+                    <a:bodyPr/>
+                    <a:lstStyle/>
+                    <a:p>
+                      <a:pPr algn="ctr" fontAlgn="ctr"/>
+                      <a:r>
+                        <a:rPr lang="he-IL" sz="3200" b="0" i="0" u="none" strike="noStrike">
+                          <a:solidFill>
+                            <a:srgbClr val="000000"/>
+                          </a:solidFill>
+                          <a:effectLst/>
+                          <a:latin typeface="Calibri Light" panose="020F0302020204030204" pitchFamily="34" charset="0"/>
+                          <a:cs typeface="Calibri Light" panose="020F0302020204030204" pitchFamily="34" charset="0"/>
+                        </a:rPr>
+                        <a:t>0.16</a:t>
+                      </a:r>
+                    </a:p>
+                  </a:txBody>
+                  <a:tcPr marL="6350" marR="6350" marT="6350" marB="0" anchor="ctr">
+                    <a:lnL>
+                      <a:noFill/>
+                    </a:lnL>
+                    <a:lnR>
+                      <a:noFill/>
+                    </a:lnR>
+                    <a:lnT>
+                      <a:noFill/>
+                    </a:lnT>
+                    <a:lnB>
+                      <a:noFill/>
+                    </a:lnB>
+                    <a:solidFill>
+                      <a:srgbClr val="FFFFFF"/>
+                    </a:solidFill>
+                  </a:tcPr>
+                </a:tc>
+                <a:tc>
+                  <a:txBody>
+                    <a:bodyPr/>
+                    <a:lstStyle/>
+                    <a:p>
+                      <a:pPr algn="ctr" fontAlgn="ctr"/>
+                      <a:r>
+                        <a:rPr lang="he-IL" sz="3200" b="0" i="0" u="none" strike="noStrike">
+                          <a:solidFill>
+                            <a:srgbClr val="000000"/>
+                          </a:solidFill>
+                          <a:effectLst/>
+                          <a:latin typeface="Calibri Light" panose="020F0302020204030204" pitchFamily="34" charset="0"/>
+                          <a:cs typeface="Calibri Light" panose="020F0302020204030204" pitchFamily="34" charset="0"/>
+                        </a:rPr>
+                        <a:t>0.62</a:t>
+                      </a:r>
+                    </a:p>
+                  </a:txBody>
+                  <a:tcPr marL="6350" marR="6350" marT="6350" marB="0" anchor="ctr">
+                    <a:lnL>
+                      <a:noFill/>
+                    </a:lnL>
+                    <a:lnR>
+                      <a:noFill/>
+                    </a:lnR>
+                    <a:lnT>
+                      <a:noFill/>
+                    </a:lnT>
+                    <a:lnB>
+                      <a:noFill/>
+                    </a:lnB>
+                    <a:solidFill>
+                      <a:srgbClr val="FFFFFF"/>
+                    </a:solidFill>
+                  </a:tcPr>
+                </a:tc>
+                <a:tc>
+                  <a:txBody>
+                    <a:bodyPr/>
+                    <a:lstStyle/>
+                    <a:p>
+                      <a:pPr algn="ctr" fontAlgn="ctr"/>
+                      <a:r>
+                        <a:rPr lang="he-IL" sz="3200" b="0" i="0" u="none" strike="noStrike">
+                          <a:solidFill>
+                            <a:srgbClr val="000000"/>
+                          </a:solidFill>
+                          <a:effectLst/>
+                          <a:latin typeface="Calibri Light" panose="020F0302020204030204" pitchFamily="34" charset="0"/>
+                          <a:cs typeface="Calibri Light" panose="020F0302020204030204" pitchFamily="34" charset="0"/>
+                        </a:rPr>
+                        <a:t> </a:t>
+                      </a:r>
+                    </a:p>
+                  </a:txBody>
+                  <a:tcPr marL="6350" marR="6350" marT="6350" marB="0" anchor="ctr">
+                    <a:lnL>
+                      <a:noFill/>
+                    </a:lnL>
+                    <a:lnR w="6350" cap="flat" cmpd="sng" algn="ctr">
+                      <a:solidFill>
+                        <a:srgbClr val="000000"/>
+                      </a:solidFill>
+                      <a:prstDash val="solid"/>
+                      <a:round/>
+                      <a:headEnd type="none" w="med" len="med"/>
+                      <a:tailEnd type="none" w="med" len="med"/>
+                    </a:lnR>
+                    <a:lnT>
+                      <a:noFill/>
+                    </a:lnT>
+                    <a:lnB>
+                      <a:noFill/>
+                    </a:lnB>
+                    <a:solidFill>
+                      <a:srgbClr val="FFFFFF"/>
+                    </a:solidFill>
+                  </a:tcPr>
+                </a:tc>
+                <a:tc>
+                  <a:txBody>
+                    <a:bodyPr/>
+                    <a:lstStyle/>
+                    <a:p>
+                      <a:pPr algn="ctr" fontAlgn="ctr"/>
+                      <a:r>
+                        <a:rPr lang="he-IL" sz="3200" b="0" i="0" u="none" strike="noStrike">
+                          <a:solidFill>
+                            <a:srgbClr val="000000"/>
+                          </a:solidFill>
+                          <a:effectLst/>
+                          <a:latin typeface="Calibri Light" panose="020F0302020204030204" pitchFamily="34" charset="0"/>
+                          <a:cs typeface="Calibri Light" panose="020F0302020204030204" pitchFamily="34" charset="0"/>
+                        </a:rPr>
+                        <a:t>0.08</a:t>
+                      </a:r>
+                    </a:p>
+                  </a:txBody>
+                  <a:tcPr marL="6350" marR="6350" marT="6350" marB="0" anchor="ctr">
+                    <a:lnL w="6350" cap="flat" cmpd="sng" algn="ctr">
+                      <a:solidFill>
+                        <a:srgbClr val="000000"/>
+                      </a:solidFill>
+                      <a:prstDash val="solid"/>
+                      <a:round/>
+                      <a:headEnd type="none" w="med" len="med"/>
+                      <a:tailEnd type="none" w="med" len="med"/>
+                    </a:lnL>
+                    <a:lnR>
+                      <a:noFill/>
+                    </a:lnR>
+                    <a:lnT>
+                      <a:noFill/>
+                    </a:lnT>
+                    <a:lnB>
+                      <a:noFill/>
+                    </a:lnB>
+                    <a:solidFill>
+                      <a:srgbClr val="FFFFFF"/>
+                    </a:solidFill>
+                  </a:tcPr>
+                </a:tc>
+                <a:tc>
+                  <a:txBody>
+                    <a:bodyPr/>
+                    <a:lstStyle/>
+                    <a:p>
+                      <a:pPr algn="ctr" fontAlgn="ctr"/>
+                      <a:r>
+                        <a:rPr lang="he-IL" sz="3200" b="0" i="0" u="none" strike="noStrike">
+                          <a:solidFill>
+                            <a:srgbClr val="000000"/>
+                          </a:solidFill>
+                          <a:effectLst/>
+                          <a:latin typeface="Calibri Light" panose="020F0302020204030204" pitchFamily="34" charset="0"/>
+                          <a:cs typeface="Calibri Light" panose="020F0302020204030204" pitchFamily="34" charset="0"/>
+                        </a:rPr>
+                        <a:t>0.16</a:t>
+                      </a:r>
+                    </a:p>
+                  </a:txBody>
+                  <a:tcPr marL="6350" marR="6350" marT="6350" marB="0" anchor="ctr">
+                    <a:lnL>
+                      <a:noFill/>
+                    </a:lnL>
+                    <a:lnR>
+                      <a:noFill/>
+                    </a:lnR>
+                    <a:lnT>
+                      <a:noFill/>
+                    </a:lnT>
+                    <a:lnB>
+                      <a:noFill/>
+                    </a:lnB>
+                    <a:solidFill>
+                      <a:srgbClr val="FFFFFF"/>
+                    </a:solidFill>
+                  </a:tcPr>
+                </a:tc>
+                <a:tc>
+                  <a:txBody>
+                    <a:bodyPr/>
+                    <a:lstStyle/>
+                    <a:p>
+                      <a:pPr algn="ctr" fontAlgn="ctr"/>
+                      <a:r>
+                        <a:rPr lang="he-IL" sz="3200" b="0" i="0" u="none" strike="noStrike">
+                          <a:solidFill>
+                            <a:srgbClr val="000000"/>
+                          </a:solidFill>
+                          <a:effectLst/>
+                          <a:latin typeface="Calibri Light" panose="020F0302020204030204" pitchFamily="34" charset="0"/>
+                          <a:cs typeface="Calibri Light" panose="020F0302020204030204" pitchFamily="34" charset="0"/>
+                        </a:rPr>
+                        <a:t>0.61</a:t>
+                      </a:r>
+                    </a:p>
+                  </a:txBody>
+                  <a:tcPr marL="6350" marR="6350" marT="6350" marB="0" anchor="ctr">
+                    <a:lnL>
+                      <a:noFill/>
+                    </a:lnL>
+                    <a:lnR w="6350" cap="flat" cmpd="sng" algn="ctr">
+                      <a:solidFill>
+                        <a:srgbClr val="000000"/>
+                      </a:solidFill>
+                      <a:prstDash val="solid"/>
+                      <a:round/>
+                      <a:headEnd type="none" w="med" len="med"/>
+                      <a:tailEnd type="none" w="med" len="med"/>
+                    </a:lnR>
+                    <a:lnT>
+                      <a:noFill/>
+                    </a:lnT>
+                    <a:lnB>
+                      <a:noFill/>
+                    </a:lnB>
+                    <a:solidFill>
+                      <a:srgbClr val="FFFFFF"/>
+                    </a:solidFill>
+                  </a:tcPr>
+                </a:tc>
+                <a:extLst>
+                  <a:ext uri="{0D108BD9-81ED-4DB2-BD59-A6C34878D82A}">
+                    <a16:rowId xmlns:a16="http://schemas.microsoft.com/office/drawing/2014/main" val="3275959052"/>
+                  </a:ext>
+                </a:extLst>
+              </a:tr>
+              <a:tr h="543844">
+                <a:tc>
+                  <a:txBody>
+                    <a:bodyPr/>
+                    <a:lstStyle/>
+                    <a:p>
+                      <a:pPr algn="l" fontAlgn="ctr"/>
+                      <a:r>
+                        <a:rPr lang="en-US" sz="3200" b="1" i="0" u="none" strike="noStrike" dirty="0">
+                          <a:solidFill>
+                            <a:srgbClr val="000000"/>
+                          </a:solidFill>
+                          <a:effectLst/>
+                          <a:latin typeface="Calibri Light" panose="020F0302020204030204" pitchFamily="34" charset="0"/>
+                          <a:cs typeface="Calibri Light" panose="020F0302020204030204" pitchFamily="34" charset="0"/>
+                        </a:rPr>
+                        <a:t>Number of </a:t>
+                      </a:r>
+                      <a:r>
+                        <a:rPr lang="en-US" sz="3200" b="1" i="0" u="none" strike="noStrike" dirty="0" err="1">
+                          <a:solidFill>
+                            <a:srgbClr val="000000"/>
+                          </a:solidFill>
+                          <a:effectLst/>
+                          <a:latin typeface="Calibri Light" panose="020F0302020204030204" pitchFamily="34" charset="0"/>
+                          <a:cs typeface="Calibri Light" panose="020F0302020204030204" pitchFamily="34" charset="0"/>
+                        </a:rPr>
+                        <a:t>childrens</a:t>
+                      </a:r>
+                      <a:endParaRPr lang="en-US" sz="3200" b="1" i="0" u="none" strike="noStrike" dirty="0">
+                        <a:solidFill>
+                          <a:srgbClr val="000000"/>
+                        </a:solidFill>
+                        <a:effectLst/>
+                        <a:latin typeface="Calibri Light" panose="020F0302020204030204" pitchFamily="34" charset="0"/>
+                        <a:cs typeface="Calibri Light" panose="020F0302020204030204" pitchFamily="34" charset="0"/>
+                      </a:endParaRPr>
+                    </a:p>
+                  </a:txBody>
+                  <a:tcPr marL="6350" marR="6350" marT="6350" marB="0" anchor="ctr">
+                    <a:lnL w="6350" cap="flat" cmpd="sng" algn="ctr">
+                      <a:solidFill>
+                        <a:srgbClr val="000000"/>
+                      </a:solidFill>
+                      <a:prstDash val="solid"/>
+                      <a:round/>
+                      <a:headEnd type="none" w="med" len="med"/>
+                      <a:tailEnd type="none" w="med" len="med"/>
+                    </a:lnL>
+                    <a:lnR w="6350" cap="flat" cmpd="sng" algn="ctr">
+                      <a:solidFill>
+                        <a:srgbClr val="000000"/>
+                      </a:solidFill>
+                      <a:prstDash val="solid"/>
+                      <a:round/>
+                      <a:headEnd type="none" w="med" len="med"/>
+                      <a:tailEnd type="none" w="med" len="med"/>
+                    </a:lnR>
+                    <a:lnT>
+                      <a:noFill/>
+                    </a:lnT>
+                    <a:lnB>
+                      <a:noFill/>
+                    </a:lnB>
+                    <a:solidFill>
+                      <a:schemeClr val="accent2">
+                        <a:lumMod val="40000"/>
+                        <a:lumOff val="60000"/>
+                      </a:schemeClr>
+                    </a:solidFill>
+                  </a:tcPr>
+                </a:tc>
+                <a:tc>
+                  <a:txBody>
+                    <a:bodyPr/>
+                    <a:lstStyle/>
+                    <a:p>
+                      <a:pPr algn="ctr" fontAlgn="ctr"/>
+                      <a:r>
+                        <a:rPr lang="he-IL" sz="3200" b="0" i="0" u="none" strike="noStrike">
+                          <a:solidFill>
+                            <a:srgbClr val="000000"/>
+                          </a:solidFill>
+                          <a:effectLst/>
+                          <a:latin typeface="Calibri Light" panose="020F0302020204030204" pitchFamily="34" charset="0"/>
+                          <a:cs typeface="Calibri Light" panose="020F0302020204030204" pitchFamily="34" charset="0"/>
+                        </a:rPr>
+                        <a:t>-0.09</a:t>
+                      </a:r>
+                    </a:p>
+                  </a:txBody>
+                  <a:tcPr marL="6350" marR="6350" marT="6350" marB="0" anchor="ctr">
+                    <a:lnL w="6350" cap="flat" cmpd="sng" algn="ctr">
+                      <a:solidFill>
+                        <a:srgbClr val="000000"/>
+                      </a:solidFill>
+                      <a:prstDash val="solid"/>
+                      <a:round/>
+                      <a:headEnd type="none" w="med" len="med"/>
+                      <a:tailEnd type="none" w="med" len="med"/>
+                    </a:lnL>
+                    <a:lnR>
+                      <a:noFill/>
+                    </a:lnR>
+                    <a:lnT>
+                      <a:noFill/>
+                    </a:lnT>
+                    <a:lnB>
+                      <a:noFill/>
+                    </a:lnB>
+                    <a:solidFill>
+                      <a:schemeClr val="accent2">
+                        <a:lumMod val="40000"/>
+                        <a:lumOff val="60000"/>
+                      </a:schemeClr>
+                    </a:solidFill>
+                  </a:tcPr>
+                </a:tc>
+                <a:tc>
+                  <a:txBody>
+                    <a:bodyPr/>
+                    <a:lstStyle/>
+                    <a:p>
+                      <a:pPr algn="ctr" fontAlgn="ctr"/>
+                      <a:r>
+                        <a:rPr lang="he-IL" sz="3200" b="0" i="0" u="none" strike="noStrike">
+                          <a:solidFill>
+                            <a:srgbClr val="000000"/>
+                          </a:solidFill>
+                          <a:effectLst/>
+                          <a:latin typeface="Calibri Light" panose="020F0302020204030204" pitchFamily="34" charset="0"/>
+                          <a:cs typeface="Calibri Light" panose="020F0302020204030204" pitchFamily="34" charset="0"/>
+                        </a:rPr>
+                        <a:t>0.05</a:t>
+                      </a:r>
+                    </a:p>
+                  </a:txBody>
+                  <a:tcPr marL="6350" marR="6350" marT="6350" marB="0" anchor="ctr">
+                    <a:lnL>
+                      <a:noFill/>
+                    </a:lnL>
+                    <a:lnR>
+                      <a:noFill/>
+                    </a:lnR>
+                    <a:lnT>
+                      <a:noFill/>
+                    </a:lnT>
+                    <a:lnB>
+                      <a:noFill/>
+                    </a:lnB>
+                    <a:solidFill>
+                      <a:schemeClr val="accent2">
+                        <a:lumMod val="40000"/>
+                        <a:lumOff val="60000"/>
+                      </a:schemeClr>
+                    </a:solidFill>
+                  </a:tcPr>
+                </a:tc>
+                <a:tc>
+                  <a:txBody>
+                    <a:bodyPr/>
+                    <a:lstStyle/>
+                    <a:p>
+                      <a:pPr algn="ctr" fontAlgn="ctr"/>
+                      <a:r>
+                        <a:rPr lang="he-IL" sz="3200" b="0" i="0" u="none" strike="noStrike">
+                          <a:solidFill>
+                            <a:srgbClr val="000000"/>
+                          </a:solidFill>
+                          <a:effectLst/>
+                          <a:latin typeface="Calibri Light" panose="020F0302020204030204" pitchFamily="34" charset="0"/>
+                          <a:cs typeface="Calibri Light" panose="020F0302020204030204" pitchFamily="34" charset="0"/>
+                        </a:rPr>
+                        <a:t>0.07</a:t>
+                      </a:r>
+                    </a:p>
+                  </a:txBody>
+                  <a:tcPr marL="6350" marR="6350" marT="6350" marB="0" anchor="ctr">
+                    <a:lnL>
+                      <a:noFill/>
+                    </a:lnL>
+                    <a:lnR>
+                      <a:noFill/>
+                    </a:lnR>
+                    <a:lnT>
+                      <a:noFill/>
+                    </a:lnT>
+                    <a:lnB>
+                      <a:noFill/>
+                    </a:lnB>
+                    <a:solidFill>
+                      <a:schemeClr val="accent2">
+                        <a:lumMod val="40000"/>
+                        <a:lumOff val="60000"/>
+                      </a:schemeClr>
+                    </a:solidFill>
+                  </a:tcPr>
+                </a:tc>
+                <a:tc>
+                  <a:txBody>
+                    <a:bodyPr/>
+                    <a:lstStyle/>
+                    <a:p>
+                      <a:pPr algn="ctr" fontAlgn="ctr"/>
+                      <a:r>
+                        <a:rPr lang="he-IL" sz="3200" b="0" i="0" u="none" strike="noStrike">
+                          <a:solidFill>
+                            <a:srgbClr val="000000"/>
+                          </a:solidFill>
+                          <a:effectLst/>
+                          <a:latin typeface="Calibri Light" panose="020F0302020204030204" pitchFamily="34" charset="0"/>
+                          <a:cs typeface="Calibri Light" panose="020F0302020204030204" pitchFamily="34" charset="0"/>
+                        </a:rPr>
+                        <a:t> </a:t>
+                      </a:r>
+                    </a:p>
+                  </a:txBody>
+                  <a:tcPr marL="6350" marR="6350" marT="6350" marB="0" anchor="ctr">
+                    <a:lnL>
+                      <a:noFill/>
+                    </a:lnL>
+                    <a:lnR w="6350" cap="flat" cmpd="sng" algn="ctr">
+                      <a:solidFill>
+                        <a:srgbClr val="000000"/>
+                      </a:solidFill>
+                      <a:prstDash val="solid"/>
+                      <a:round/>
+                      <a:headEnd type="none" w="med" len="med"/>
+                      <a:tailEnd type="none" w="med" len="med"/>
+                    </a:lnR>
+                    <a:lnT>
+                      <a:noFill/>
+                    </a:lnT>
+                    <a:lnB>
+                      <a:noFill/>
+                    </a:lnB>
+                    <a:solidFill>
+                      <a:schemeClr val="accent2">
+                        <a:lumMod val="40000"/>
+                        <a:lumOff val="60000"/>
+                      </a:schemeClr>
+                    </a:solidFill>
+                  </a:tcPr>
+                </a:tc>
+                <a:tc>
+                  <a:txBody>
+                    <a:bodyPr/>
+                    <a:lstStyle/>
+                    <a:p>
+                      <a:pPr algn="ctr" fontAlgn="ctr"/>
+                      <a:r>
+                        <a:rPr lang="he-IL" sz="3200" b="0" i="0" u="none" strike="noStrike" dirty="0">
+                          <a:solidFill>
+                            <a:srgbClr val="000000"/>
+                          </a:solidFill>
+                          <a:effectLst/>
+                          <a:latin typeface="Calibri Light" panose="020F0302020204030204" pitchFamily="34" charset="0"/>
+                          <a:cs typeface="Calibri Light" panose="020F0302020204030204" pitchFamily="34" charset="0"/>
+                        </a:rPr>
+                        <a:t>-0.10</a:t>
+                      </a:r>
+                    </a:p>
+                  </a:txBody>
+                  <a:tcPr marL="6350" marR="6350" marT="6350" marB="0" anchor="ctr">
+                    <a:lnL w="6350" cap="flat" cmpd="sng" algn="ctr">
+                      <a:solidFill>
+                        <a:srgbClr val="000000"/>
+                      </a:solidFill>
+                      <a:prstDash val="solid"/>
+                      <a:round/>
+                      <a:headEnd type="none" w="med" len="med"/>
+                      <a:tailEnd type="none" w="med" len="med"/>
+                    </a:lnL>
+                    <a:lnR>
+                      <a:noFill/>
+                    </a:lnR>
+                    <a:lnT>
+                      <a:noFill/>
+                    </a:lnT>
+                    <a:lnB>
+                      <a:noFill/>
+                    </a:lnB>
+                    <a:solidFill>
+                      <a:schemeClr val="accent2">
+                        <a:lumMod val="40000"/>
+                        <a:lumOff val="60000"/>
+                      </a:schemeClr>
+                    </a:solidFill>
+                  </a:tcPr>
+                </a:tc>
+                <a:tc>
+                  <a:txBody>
+                    <a:bodyPr/>
+                    <a:lstStyle/>
+                    <a:p>
+                      <a:pPr algn="ctr" fontAlgn="ctr"/>
+                      <a:r>
+                        <a:rPr lang="he-IL" sz="3200" b="0" i="0" u="none" strike="noStrike" dirty="0">
+                          <a:solidFill>
+                            <a:srgbClr val="000000"/>
+                          </a:solidFill>
+                          <a:effectLst/>
+                          <a:latin typeface="Calibri Light" panose="020F0302020204030204" pitchFamily="34" charset="0"/>
+                          <a:cs typeface="Calibri Light" panose="020F0302020204030204" pitchFamily="34" charset="0"/>
+                        </a:rPr>
+                        <a:t>0.05</a:t>
+                      </a:r>
+                    </a:p>
+                  </a:txBody>
+                  <a:tcPr marL="6350" marR="6350" marT="6350" marB="0" anchor="ctr">
+                    <a:lnL>
+                      <a:noFill/>
+                    </a:lnL>
+                    <a:lnR>
+                      <a:noFill/>
+                    </a:lnR>
+                    <a:lnT>
+                      <a:noFill/>
+                    </a:lnT>
+                    <a:lnB>
+                      <a:noFill/>
+                    </a:lnB>
+                    <a:solidFill>
+                      <a:schemeClr val="accent2">
+                        <a:lumMod val="40000"/>
+                        <a:lumOff val="60000"/>
+                      </a:schemeClr>
+                    </a:solidFill>
+                  </a:tcPr>
+                </a:tc>
+                <a:tc>
+                  <a:txBody>
+                    <a:bodyPr/>
+                    <a:lstStyle/>
+                    <a:p>
+                      <a:pPr algn="ctr" fontAlgn="ctr"/>
+                      <a:r>
+                        <a:rPr lang="he-IL" sz="3200" b="0" i="0" u="none" strike="noStrike" dirty="0">
+                          <a:solidFill>
+                            <a:srgbClr val="000000"/>
+                          </a:solidFill>
+                          <a:effectLst/>
+                          <a:latin typeface="Calibri Light" panose="020F0302020204030204" pitchFamily="34" charset="0"/>
+                          <a:cs typeface="Calibri Light" panose="020F0302020204030204" pitchFamily="34" charset="0"/>
+                        </a:rPr>
+                        <a:t>0.06</a:t>
+                      </a:r>
+                    </a:p>
+                  </a:txBody>
+                  <a:tcPr marL="6350" marR="6350" marT="6350" marB="0" anchor="ctr">
+                    <a:lnL>
+                      <a:noFill/>
+                    </a:lnL>
+                    <a:lnR w="6350" cap="flat" cmpd="sng" algn="ctr">
+                      <a:solidFill>
+                        <a:srgbClr val="000000"/>
+                      </a:solidFill>
+                      <a:prstDash val="solid"/>
+                      <a:round/>
+                      <a:headEnd type="none" w="med" len="med"/>
+                      <a:tailEnd type="none" w="med" len="med"/>
+                    </a:lnR>
+                    <a:lnT>
+                      <a:noFill/>
+                    </a:lnT>
+                    <a:lnB>
+                      <a:noFill/>
+                    </a:lnB>
+                    <a:solidFill>
+                      <a:schemeClr val="accent2">
+                        <a:lumMod val="40000"/>
+                        <a:lumOff val="60000"/>
+                      </a:schemeClr>
+                    </a:solidFill>
+                  </a:tcPr>
+                </a:tc>
+                <a:extLst>
+                  <a:ext uri="{0D108BD9-81ED-4DB2-BD59-A6C34878D82A}">
+                    <a16:rowId xmlns:a16="http://schemas.microsoft.com/office/drawing/2014/main" val="464773534"/>
+                  </a:ext>
+                </a:extLst>
+              </a:tr>
+              <a:tr h="1014007">
+                <a:tc>
+                  <a:txBody>
+                    <a:bodyPr/>
+                    <a:lstStyle/>
+                    <a:p>
+                      <a:pPr algn="l" fontAlgn="ctr"/>
+                      <a:r>
+                        <a:rPr lang="en-US" sz="3200" b="0" i="0" u="none" strike="noStrike">
+                          <a:solidFill>
+                            <a:srgbClr val="000000"/>
+                          </a:solidFill>
+                          <a:effectLst/>
+                          <a:latin typeface="Calibri Light" panose="020F0302020204030204" pitchFamily="34" charset="0"/>
+                          <a:cs typeface="Calibri Light" panose="020F0302020204030204" pitchFamily="34" charset="0"/>
+                        </a:rPr>
+                        <a:t>Type of pregnency - Spntaneous</a:t>
+                      </a:r>
+                    </a:p>
+                  </a:txBody>
+                  <a:tcPr marL="6350" marR="6350" marT="6350" marB="0" anchor="ctr">
+                    <a:lnL w="6350" cap="flat" cmpd="sng" algn="ctr">
+                      <a:solidFill>
+                        <a:srgbClr val="000000"/>
+                      </a:solidFill>
+                      <a:prstDash val="solid"/>
+                      <a:round/>
+                      <a:headEnd type="none" w="med" len="med"/>
+                      <a:tailEnd type="none" w="med" len="med"/>
+                    </a:lnL>
+                    <a:lnR w="6350" cap="flat" cmpd="sng" algn="ctr">
+                      <a:solidFill>
+                        <a:srgbClr val="000000"/>
+                      </a:solidFill>
+                      <a:prstDash val="solid"/>
+                      <a:round/>
+                      <a:headEnd type="none" w="med" len="med"/>
+                      <a:tailEnd type="none" w="med" len="med"/>
+                    </a:lnR>
+                    <a:lnT>
+                      <a:noFill/>
+                    </a:lnT>
+                    <a:lnB>
+                      <a:noFill/>
+                    </a:lnB>
+                    <a:solidFill>
+                      <a:srgbClr val="FFFFFF"/>
+                    </a:solidFill>
+                  </a:tcPr>
+                </a:tc>
+                <a:tc>
+                  <a:txBody>
+                    <a:bodyPr/>
+                    <a:lstStyle/>
+                    <a:p>
+                      <a:pPr algn="ctr" fontAlgn="ctr"/>
+                      <a:r>
+                        <a:rPr lang="he-IL" sz="3200" b="0" i="0" u="none" strike="noStrike">
+                          <a:solidFill>
+                            <a:srgbClr val="000000"/>
+                          </a:solidFill>
+                          <a:effectLst/>
+                          <a:latin typeface="Calibri Light" panose="020F0302020204030204" pitchFamily="34" charset="0"/>
+                          <a:cs typeface="Calibri Light" panose="020F0302020204030204" pitchFamily="34" charset="0"/>
+                        </a:rPr>
+                        <a:t>0.04</a:t>
+                      </a:r>
+                    </a:p>
+                  </a:txBody>
+                  <a:tcPr marL="6350" marR="6350" marT="6350" marB="0" anchor="ctr">
+                    <a:lnL w="6350" cap="flat" cmpd="sng" algn="ctr">
+                      <a:solidFill>
+                        <a:srgbClr val="000000"/>
+                      </a:solidFill>
+                      <a:prstDash val="solid"/>
+                      <a:round/>
+                      <a:headEnd type="none" w="med" len="med"/>
+                      <a:tailEnd type="none" w="med" len="med"/>
+                    </a:lnL>
+                    <a:lnR>
+                      <a:noFill/>
+                    </a:lnR>
+                    <a:lnT>
+                      <a:noFill/>
+                    </a:lnT>
+                    <a:lnB>
+                      <a:noFill/>
+                    </a:lnB>
+                    <a:solidFill>
+                      <a:srgbClr val="FFFFFF"/>
+                    </a:solidFill>
+                  </a:tcPr>
+                </a:tc>
+                <a:tc>
+                  <a:txBody>
+                    <a:bodyPr/>
+                    <a:lstStyle/>
+                    <a:p>
+                      <a:pPr algn="ctr" fontAlgn="ctr"/>
+                      <a:r>
+                        <a:rPr lang="he-IL" sz="3200" b="0" i="0" u="none" strike="noStrike">
+                          <a:solidFill>
+                            <a:srgbClr val="000000"/>
+                          </a:solidFill>
+                          <a:effectLst/>
+                          <a:latin typeface="Calibri Light" panose="020F0302020204030204" pitchFamily="34" charset="0"/>
+                          <a:cs typeface="Calibri Light" panose="020F0302020204030204" pitchFamily="34" charset="0"/>
+                        </a:rPr>
+                        <a:t>0.19</a:t>
+                      </a:r>
+                    </a:p>
+                  </a:txBody>
+                  <a:tcPr marL="6350" marR="6350" marT="6350" marB="0" anchor="ctr">
+                    <a:lnL>
+                      <a:noFill/>
+                    </a:lnL>
+                    <a:lnR>
+                      <a:noFill/>
+                    </a:lnR>
+                    <a:lnT>
+                      <a:noFill/>
+                    </a:lnT>
+                    <a:lnB>
+                      <a:noFill/>
+                    </a:lnB>
+                    <a:solidFill>
+                      <a:srgbClr val="FFFFFF"/>
+                    </a:solidFill>
+                  </a:tcPr>
+                </a:tc>
+                <a:tc>
+                  <a:txBody>
+                    <a:bodyPr/>
+                    <a:lstStyle/>
+                    <a:p>
+                      <a:pPr algn="ctr" fontAlgn="ctr"/>
+                      <a:r>
+                        <a:rPr lang="he-IL" sz="3200" b="0" i="0" u="none" strike="noStrike">
+                          <a:solidFill>
+                            <a:srgbClr val="000000"/>
+                          </a:solidFill>
+                          <a:effectLst/>
+                          <a:latin typeface="Calibri Light" panose="020F0302020204030204" pitchFamily="34" charset="0"/>
+                          <a:cs typeface="Calibri Light" panose="020F0302020204030204" pitchFamily="34" charset="0"/>
+                        </a:rPr>
+                        <a:t>0.81</a:t>
+                      </a:r>
+                    </a:p>
+                  </a:txBody>
+                  <a:tcPr marL="6350" marR="6350" marT="6350" marB="0" anchor="ctr">
+                    <a:lnL>
+                      <a:noFill/>
+                    </a:lnL>
+                    <a:lnR>
+                      <a:noFill/>
+                    </a:lnR>
+                    <a:lnT>
+                      <a:noFill/>
+                    </a:lnT>
+                    <a:lnB>
+                      <a:noFill/>
+                    </a:lnB>
+                    <a:solidFill>
+                      <a:srgbClr val="FFFFFF"/>
+                    </a:solidFill>
+                  </a:tcPr>
+                </a:tc>
+                <a:tc>
+                  <a:txBody>
+                    <a:bodyPr/>
+                    <a:lstStyle/>
+                    <a:p>
+                      <a:pPr algn="ctr" fontAlgn="ctr"/>
+                      <a:r>
+                        <a:rPr lang="he-IL" sz="3200" b="0" i="0" u="none" strike="noStrike">
+                          <a:solidFill>
+                            <a:srgbClr val="000000"/>
+                          </a:solidFill>
+                          <a:effectLst/>
+                          <a:latin typeface="Calibri Light" panose="020F0302020204030204" pitchFamily="34" charset="0"/>
+                          <a:cs typeface="Calibri Light" panose="020F0302020204030204" pitchFamily="34" charset="0"/>
+                        </a:rPr>
+                        <a:t> </a:t>
+                      </a:r>
+                    </a:p>
+                  </a:txBody>
+                  <a:tcPr marL="6350" marR="6350" marT="6350" marB="0" anchor="ctr">
+                    <a:lnL>
+                      <a:noFill/>
+                    </a:lnL>
+                    <a:lnR w="6350" cap="flat" cmpd="sng" algn="ctr">
+                      <a:solidFill>
+                        <a:srgbClr val="000000"/>
+                      </a:solidFill>
+                      <a:prstDash val="solid"/>
+                      <a:round/>
+                      <a:headEnd type="none" w="med" len="med"/>
+                      <a:tailEnd type="none" w="med" len="med"/>
+                    </a:lnR>
+                    <a:lnT>
+                      <a:noFill/>
+                    </a:lnT>
+                    <a:lnB>
+                      <a:noFill/>
+                    </a:lnB>
+                    <a:solidFill>
+                      <a:srgbClr val="FFFFFF"/>
+                    </a:solidFill>
+                  </a:tcPr>
+                </a:tc>
+                <a:tc>
+                  <a:txBody>
+                    <a:bodyPr/>
+                    <a:lstStyle/>
+                    <a:p>
+                      <a:pPr algn="ctr" fontAlgn="ctr"/>
+                      <a:r>
+                        <a:rPr lang="he-IL" sz="3200" b="0" i="0" u="none" strike="noStrike" dirty="0">
+                          <a:solidFill>
+                            <a:srgbClr val="000000"/>
+                          </a:solidFill>
+                          <a:effectLst/>
+                          <a:latin typeface="Calibri Light" panose="020F0302020204030204" pitchFamily="34" charset="0"/>
+                          <a:cs typeface="Calibri Light" panose="020F0302020204030204" pitchFamily="34" charset="0"/>
+                        </a:rPr>
+                        <a:t>0.06</a:t>
+                      </a:r>
+                    </a:p>
+                  </a:txBody>
+                  <a:tcPr marL="6350" marR="6350" marT="6350" marB="0" anchor="ctr">
+                    <a:lnL w="6350" cap="flat" cmpd="sng" algn="ctr">
+                      <a:solidFill>
+                        <a:srgbClr val="000000"/>
+                      </a:solidFill>
+                      <a:prstDash val="solid"/>
+                      <a:round/>
+                      <a:headEnd type="none" w="med" len="med"/>
+                      <a:tailEnd type="none" w="med" len="med"/>
+                    </a:lnL>
+                    <a:lnR>
+                      <a:noFill/>
+                    </a:lnR>
+                    <a:lnT>
+                      <a:noFill/>
+                    </a:lnT>
+                    <a:lnB>
+                      <a:noFill/>
+                    </a:lnB>
+                    <a:solidFill>
+                      <a:srgbClr val="FFFFFF"/>
+                    </a:solidFill>
+                  </a:tcPr>
+                </a:tc>
+                <a:tc>
+                  <a:txBody>
+                    <a:bodyPr/>
+                    <a:lstStyle/>
+                    <a:p>
+                      <a:pPr algn="ctr" fontAlgn="ctr"/>
+                      <a:r>
+                        <a:rPr lang="he-IL" sz="3200" b="0" i="0" u="none" strike="noStrike">
+                          <a:solidFill>
+                            <a:srgbClr val="000000"/>
+                          </a:solidFill>
+                          <a:effectLst/>
+                          <a:latin typeface="Calibri Light" panose="020F0302020204030204" pitchFamily="34" charset="0"/>
+                          <a:cs typeface="Calibri Light" panose="020F0302020204030204" pitchFamily="34" charset="0"/>
+                        </a:rPr>
+                        <a:t>0.19</a:t>
+                      </a:r>
+                    </a:p>
+                  </a:txBody>
+                  <a:tcPr marL="6350" marR="6350" marT="6350" marB="0" anchor="ctr">
+                    <a:lnL>
+                      <a:noFill/>
+                    </a:lnL>
+                    <a:lnR>
+                      <a:noFill/>
+                    </a:lnR>
+                    <a:lnT>
+                      <a:noFill/>
+                    </a:lnT>
+                    <a:lnB>
+                      <a:noFill/>
+                    </a:lnB>
+                    <a:solidFill>
+                      <a:srgbClr val="FFFFFF"/>
+                    </a:solidFill>
+                  </a:tcPr>
+                </a:tc>
+                <a:tc>
+                  <a:txBody>
+                    <a:bodyPr/>
+                    <a:lstStyle/>
+                    <a:p>
+                      <a:pPr algn="ctr" fontAlgn="ctr"/>
+                      <a:r>
+                        <a:rPr lang="he-IL" sz="3200" b="0" i="0" u="none" strike="noStrike">
+                          <a:solidFill>
+                            <a:srgbClr val="000000"/>
+                          </a:solidFill>
+                          <a:effectLst/>
+                          <a:latin typeface="Calibri Light" panose="020F0302020204030204" pitchFamily="34" charset="0"/>
+                          <a:cs typeface="Calibri Light" panose="020F0302020204030204" pitchFamily="34" charset="0"/>
+                        </a:rPr>
+                        <a:t>0.77</a:t>
+                      </a:r>
+                    </a:p>
+                  </a:txBody>
+                  <a:tcPr marL="6350" marR="6350" marT="6350" marB="0" anchor="ctr">
+                    <a:lnL>
+                      <a:noFill/>
+                    </a:lnL>
+                    <a:lnR w="6350" cap="flat" cmpd="sng" algn="ctr">
+                      <a:solidFill>
+                        <a:srgbClr val="000000"/>
+                      </a:solidFill>
+                      <a:prstDash val="solid"/>
+                      <a:round/>
+                      <a:headEnd type="none" w="med" len="med"/>
+                      <a:tailEnd type="none" w="med" len="med"/>
+                    </a:lnR>
+                    <a:lnT>
+                      <a:noFill/>
+                    </a:lnT>
+                    <a:lnB>
+                      <a:noFill/>
+                    </a:lnB>
+                    <a:solidFill>
+                      <a:srgbClr val="FFFFFF"/>
+                    </a:solidFill>
+                  </a:tcPr>
+                </a:tc>
+                <a:extLst>
+                  <a:ext uri="{0D108BD9-81ED-4DB2-BD59-A6C34878D82A}">
+                    <a16:rowId xmlns:a16="http://schemas.microsoft.com/office/drawing/2014/main" val="3758130086"/>
+                  </a:ext>
+                </a:extLst>
+              </a:tr>
+              <a:tr h="543844">
+                <a:tc>
+                  <a:txBody>
+                    <a:bodyPr/>
+                    <a:lstStyle/>
+                    <a:p>
+                      <a:pPr algn="l" fontAlgn="ctr"/>
+                      <a:r>
+                        <a:rPr lang="en-US" sz="3200" b="0" i="0" u="none" strike="noStrike" dirty="0">
+                          <a:solidFill>
+                            <a:srgbClr val="000000"/>
+                          </a:solidFill>
+                          <a:effectLst/>
+                          <a:latin typeface="Calibri Light" panose="020F0302020204030204" pitchFamily="34" charset="0"/>
+                          <a:cs typeface="Calibri Light" panose="020F0302020204030204" pitchFamily="34" charset="0"/>
+                        </a:rPr>
+                        <a:t>Vaccine 1st Year</a:t>
+                      </a:r>
+                    </a:p>
+                  </a:txBody>
+                  <a:tcPr marL="6350" marR="6350" marT="6350" marB="0" anchor="ctr">
+                    <a:lnL w="6350" cap="flat" cmpd="sng" algn="ctr">
+                      <a:solidFill>
+                        <a:srgbClr val="000000"/>
+                      </a:solidFill>
+                      <a:prstDash val="solid"/>
+                      <a:round/>
+                      <a:headEnd type="none" w="med" len="med"/>
+                      <a:tailEnd type="none" w="med" len="med"/>
+                    </a:lnL>
+                    <a:lnR w="6350" cap="flat" cmpd="sng" algn="ctr">
+                      <a:solidFill>
+                        <a:srgbClr val="000000"/>
+                      </a:solidFill>
+                      <a:prstDash val="solid"/>
+                      <a:round/>
+                      <a:headEnd type="none" w="med" len="med"/>
+                      <a:tailEnd type="none" w="med" len="med"/>
+                    </a:lnR>
+                    <a:lnT>
+                      <a:noFill/>
+                    </a:lnT>
+                    <a:lnB>
+                      <a:noFill/>
+                    </a:lnB>
+                    <a:solidFill>
+                      <a:srgbClr val="FFFFFF"/>
+                    </a:solidFill>
+                  </a:tcPr>
+                </a:tc>
+                <a:tc>
+                  <a:txBody>
+                    <a:bodyPr/>
+                    <a:lstStyle/>
+                    <a:p>
+                      <a:pPr algn="ctr" fontAlgn="ctr"/>
+                      <a:r>
+                        <a:rPr lang="he-IL" sz="3200" b="0" i="0" u="none" strike="noStrike" dirty="0">
+                          <a:solidFill>
+                            <a:srgbClr val="000000"/>
+                          </a:solidFill>
+                          <a:effectLst/>
+                          <a:latin typeface="Calibri Light" panose="020F0302020204030204" pitchFamily="34" charset="0"/>
+                          <a:cs typeface="Calibri Light" panose="020F0302020204030204" pitchFamily="34" charset="0"/>
+                        </a:rPr>
+                        <a:t>0.43</a:t>
+                      </a:r>
+                    </a:p>
+                  </a:txBody>
+                  <a:tcPr marL="6350" marR="6350" marT="6350" marB="0" anchor="ctr">
+                    <a:lnL w="6350" cap="flat" cmpd="sng" algn="ctr">
+                      <a:solidFill>
+                        <a:srgbClr val="000000"/>
+                      </a:solidFill>
+                      <a:prstDash val="solid"/>
+                      <a:round/>
+                      <a:headEnd type="none" w="med" len="med"/>
+                      <a:tailEnd type="none" w="med" len="med"/>
+                    </a:lnL>
+                    <a:lnR>
+                      <a:noFill/>
+                    </a:lnR>
+                    <a:lnT>
+                      <a:noFill/>
+                    </a:lnT>
+                    <a:lnB>
+                      <a:noFill/>
+                    </a:lnB>
+                    <a:solidFill>
+                      <a:srgbClr val="FFFFFF"/>
+                    </a:solidFill>
+                  </a:tcPr>
+                </a:tc>
+                <a:tc>
+                  <a:txBody>
+                    <a:bodyPr/>
+                    <a:lstStyle/>
+                    <a:p>
+                      <a:pPr algn="ctr" fontAlgn="ctr"/>
+                      <a:r>
+                        <a:rPr lang="he-IL" sz="3200" b="0" i="0" u="none" strike="noStrike">
+                          <a:solidFill>
+                            <a:srgbClr val="000000"/>
+                          </a:solidFill>
+                          <a:effectLst/>
+                          <a:latin typeface="Calibri Light" panose="020F0302020204030204" pitchFamily="34" charset="0"/>
+                          <a:cs typeface="Calibri Light" panose="020F0302020204030204" pitchFamily="34" charset="0"/>
+                        </a:rPr>
+                        <a:t>0.27</a:t>
+                      </a:r>
+                    </a:p>
+                  </a:txBody>
+                  <a:tcPr marL="6350" marR="6350" marT="6350" marB="0" anchor="ctr">
+                    <a:lnL>
+                      <a:noFill/>
+                    </a:lnL>
+                    <a:lnR>
+                      <a:noFill/>
+                    </a:lnR>
+                    <a:lnT>
+                      <a:noFill/>
+                    </a:lnT>
+                    <a:lnB>
+                      <a:noFill/>
+                    </a:lnB>
+                    <a:solidFill>
+                      <a:srgbClr val="FFFFFF"/>
+                    </a:solidFill>
+                  </a:tcPr>
+                </a:tc>
+                <a:tc>
+                  <a:txBody>
+                    <a:bodyPr/>
+                    <a:lstStyle/>
+                    <a:p>
+                      <a:pPr algn="ctr" fontAlgn="ctr"/>
+                      <a:r>
+                        <a:rPr lang="he-IL" sz="3200" b="0" i="0" u="none" strike="noStrike" dirty="0">
+                          <a:solidFill>
+                            <a:srgbClr val="000000"/>
+                          </a:solidFill>
+                          <a:effectLst/>
+                          <a:latin typeface="Calibri Light" panose="020F0302020204030204" pitchFamily="34" charset="0"/>
+                          <a:cs typeface="Calibri Light" panose="020F0302020204030204" pitchFamily="34" charset="0"/>
+                        </a:rPr>
+                        <a:t>0.11</a:t>
+                      </a:r>
+                    </a:p>
+                  </a:txBody>
+                  <a:tcPr marL="6350" marR="6350" marT="6350" marB="0" anchor="ctr">
+                    <a:lnL>
+                      <a:noFill/>
+                    </a:lnL>
+                    <a:lnR>
+                      <a:noFill/>
+                    </a:lnR>
+                    <a:lnT>
+                      <a:noFill/>
+                    </a:lnT>
+                    <a:lnB>
+                      <a:noFill/>
+                    </a:lnB>
+                    <a:solidFill>
+                      <a:srgbClr val="FFFFFF"/>
+                    </a:solidFill>
+                  </a:tcPr>
+                </a:tc>
+                <a:tc>
+                  <a:txBody>
+                    <a:bodyPr/>
+                    <a:lstStyle/>
+                    <a:p>
+                      <a:pPr algn="ctr" fontAlgn="ctr"/>
+                      <a:r>
+                        <a:rPr lang="he-IL" sz="3200" b="0" i="0" u="none" strike="noStrike" dirty="0">
+                          <a:solidFill>
+                            <a:srgbClr val="000000"/>
+                          </a:solidFill>
+                          <a:effectLst/>
+                          <a:latin typeface="Calibri Light" panose="020F0302020204030204" pitchFamily="34" charset="0"/>
+                          <a:cs typeface="Calibri Light" panose="020F0302020204030204" pitchFamily="34" charset="0"/>
+                        </a:rPr>
+                        <a:t> </a:t>
+                      </a:r>
+                    </a:p>
+                  </a:txBody>
+                  <a:tcPr marL="6350" marR="6350" marT="6350" marB="0" anchor="ctr">
+                    <a:lnL>
+                      <a:noFill/>
+                    </a:lnL>
+                    <a:lnR w="6350" cap="flat" cmpd="sng" algn="ctr">
+                      <a:solidFill>
+                        <a:srgbClr val="000000"/>
+                      </a:solidFill>
+                      <a:prstDash val="solid"/>
+                      <a:round/>
+                      <a:headEnd type="none" w="med" len="med"/>
+                      <a:tailEnd type="none" w="med" len="med"/>
+                    </a:lnR>
+                    <a:lnT>
+                      <a:noFill/>
+                    </a:lnT>
+                    <a:lnB>
+                      <a:noFill/>
+                    </a:lnB>
+                    <a:solidFill>
+                      <a:srgbClr val="FFFFFF"/>
+                    </a:solidFill>
+                  </a:tcPr>
+                </a:tc>
+                <a:tc>
+                  <a:txBody>
+                    <a:bodyPr/>
+                    <a:lstStyle/>
+                    <a:p>
+                      <a:pPr algn="ctr" fontAlgn="ctr"/>
+                      <a:r>
+                        <a:rPr lang="he-IL" sz="3200" b="0" i="0" u="none" strike="noStrike" dirty="0">
+                          <a:solidFill>
+                            <a:srgbClr val="000000"/>
+                          </a:solidFill>
+                          <a:effectLst/>
+                          <a:latin typeface="Calibri Light" panose="020F0302020204030204" pitchFamily="34" charset="0"/>
+                          <a:cs typeface="Calibri Light" panose="020F0302020204030204" pitchFamily="34" charset="0"/>
+                        </a:rPr>
+                        <a:t>0.42</a:t>
+                      </a:r>
+                    </a:p>
+                  </a:txBody>
+                  <a:tcPr marL="6350" marR="6350" marT="6350" marB="0" anchor="ctr">
+                    <a:lnL w="6350" cap="flat" cmpd="sng" algn="ctr">
+                      <a:solidFill>
+                        <a:srgbClr val="000000"/>
+                      </a:solidFill>
+                      <a:prstDash val="solid"/>
+                      <a:round/>
+                      <a:headEnd type="none" w="med" len="med"/>
+                      <a:tailEnd type="none" w="med" len="med"/>
+                    </a:lnL>
+                    <a:lnR>
+                      <a:noFill/>
+                    </a:lnR>
+                    <a:lnT>
+                      <a:noFill/>
+                    </a:lnT>
+                    <a:lnB>
+                      <a:noFill/>
+                    </a:lnB>
+                    <a:solidFill>
+                      <a:srgbClr val="FFFFFF"/>
+                    </a:solidFill>
+                  </a:tcPr>
+                </a:tc>
+                <a:tc>
+                  <a:txBody>
+                    <a:bodyPr/>
+                    <a:lstStyle/>
+                    <a:p>
+                      <a:pPr algn="ctr" fontAlgn="ctr"/>
+                      <a:r>
+                        <a:rPr lang="he-IL" sz="3200" b="0" i="0" u="none" strike="noStrike">
+                          <a:solidFill>
+                            <a:srgbClr val="000000"/>
+                          </a:solidFill>
+                          <a:effectLst/>
+                          <a:latin typeface="Calibri Light" panose="020F0302020204030204" pitchFamily="34" charset="0"/>
+                          <a:cs typeface="Calibri Light" panose="020F0302020204030204" pitchFamily="34" charset="0"/>
+                        </a:rPr>
+                        <a:t>0.27</a:t>
+                      </a:r>
+                    </a:p>
+                  </a:txBody>
+                  <a:tcPr marL="6350" marR="6350" marT="6350" marB="0" anchor="ctr">
+                    <a:lnL>
+                      <a:noFill/>
+                    </a:lnL>
+                    <a:lnR>
+                      <a:noFill/>
+                    </a:lnR>
+                    <a:lnT>
+                      <a:noFill/>
+                    </a:lnT>
+                    <a:lnB>
+                      <a:noFill/>
+                    </a:lnB>
+                    <a:solidFill>
+                      <a:srgbClr val="FFFFFF"/>
+                    </a:solidFill>
+                  </a:tcPr>
+                </a:tc>
+                <a:tc>
+                  <a:txBody>
+                    <a:bodyPr/>
+                    <a:lstStyle/>
+                    <a:p>
+                      <a:pPr algn="ctr" fontAlgn="ctr"/>
+                      <a:r>
+                        <a:rPr lang="he-IL" sz="3200" b="0" i="0" u="none" strike="noStrike">
+                          <a:solidFill>
+                            <a:srgbClr val="000000"/>
+                          </a:solidFill>
+                          <a:effectLst/>
+                          <a:latin typeface="Calibri Light" panose="020F0302020204030204" pitchFamily="34" charset="0"/>
+                          <a:cs typeface="Calibri Light" panose="020F0302020204030204" pitchFamily="34" charset="0"/>
+                        </a:rPr>
+                        <a:t>0.12</a:t>
+                      </a:r>
+                    </a:p>
+                  </a:txBody>
+                  <a:tcPr marL="6350" marR="6350" marT="6350" marB="0" anchor="ctr">
+                    <a:lnL>
+                      <a:noFill/>
+                    </a:lnL>
+                    <a:lnR w="6350" cap="flat" cmpd="sng" algn="ctr">
+                      <a:solidFill>
+                        <a:srgbClr val="000000"/>
+                      </a:solidFill>
+                      <a:prstDash val="solid"/>
+                      <a:round/>
+                      <a:headEnd type="none" w="med" len="med"/>
+                      <a:tailEnd type="none" w="med" len="med"/>
+                    </a:lnR>
+                    <a:lnT>
+                      <a:noFill/>
+                    </a:lnT>
+                    <a:lnB>
+                      <a:noFill/>
+                    </a:lnB>
+                    <a:solidFill>
+                      <a:srgbClr val="FFFFFF"/>
+                    </a:solidFill>
+                  </a:tcPr>
+                </a:tc>
+                <a:extLst>
+                  <a:ext uri="{0D108BD9-81ED-4DB2-BD59-A6C34878D82A}">
+                    <a16:rowId xmlns:a16="http://schemas.microsoft.com/office/drawing/2014/main" val="3774295390"/>
+                  </a:ext>
+                </a:extLst>
+              </a:tr>
+              <a:tr h="1014007">
+                <a:tc>
+                  <a:txBody>
+                    <a:bodyPr/>
+                    <a:lstStyle/>
+                    <a:p>
+                      <a:pPr algn="l" fontAlgn="ctr"/>
+                      <a:r>
+                        <a:rPr lang="en-US" sz="3200" b="0" i="0" u="none" strike="noStrike" dirty="0">
+                          <a:solidFill>
+                            <a:srgbClr val="000000"/>
+                          </a:solidFill>
+                          <a:effectLst/>
+                          <a:latin typeface="Calibri Light" panose="020F0302020204030204" pitchFamily="34" charset="0"/>
+                          <a:cs typeface="Calibri Light" panose="020F0302020204030204" pitchFamily="34" charset="0"/>
+                        </a:rPr>
+                        <a:t>Nursing at 1st year - Private Nany</a:t>
+                      </a:r>
+                    </a:p>
+                  </a:txBody>
+                  <a:tcPr marL="6350" marR="6350" marT="6350" marB="0" anchor="ctr">
+                    <a:lnL w="6350" cap="flat" cmpd="sng" algn="ctr">
+                      <a:solidFill>
+                        <a:srgbClr val="000000"/>
+                      </a:solidFill>
+                      <a:prstDash val="solid"/>
+                      <a:round/>
+                      <a:headEnd type="none" w="med" len="med"/>
+                      <a:tailEnd type="none" w="med" len="med"/>
+                    </a:lnL>
+                    <a:lnR w="6350" cap="flat" cmpd="sng" algn="ctr">
+                      <a:solidFill>
+                        <a:srgbClr val="000000"/>
+                      </a:solidFill>
+                      <a:prstDash val="solid"/>
+                      <a:round/>
+                      <a:headEnd type="none" w="med" len="med"/>
+                      <a:tailEnd type="none" w="med" len="med"/>
+                    </a:lnR>
+                    <a:lnT>
+                      <a:noFill/>
+                    </a:lnT>
+                    <a:lnB>
+                      <a:noFill/>
+                    </a:lnB>
+                    <a:solidFill>
+                      <a:srgbClr val="FFFFFF"/>
+                    </a:solidFill>
+                  </a:tcPr>
+                </a:tc>
+                <a:tc>
+                  <a:txBody>
+                    <a:bodyPr/>
+                    <a:lstStyle/>
+                    <a:p>
+                      <a:pPr algn="ctr" fontAlgn="ctr"/>
+                      <a:r>
+                        <a:rPr lang="he-IL" sz="3200" b="0" i="0" u="none" strike="noStrike">
+                          <a:solidFill>
+                            <a:srgbClr val="000000"/>
+                          </a:solidFill>
+                          <a:effectLst/>
+                          <a:latin typeface="Calibri Light" panose="020F0302020204030204" pitchFamily="34" charset="0"/>
+                          <a:cs typeface="Calibri Light" panose="020F0302020204030204" pitchFamily="34" charset="0"/>
+                        </a:rPr>
+                        <a:t>-0.32</a:t>
+                      </a:r>
+                    </a:p>
+                  </a:txBody>
+                  <a:tcPr marL="6350" marR="6350" marT="6350" marB="0" anchor="ctr">
+                    <a:lnL w="6350" cap="flat" cmpd="sng" algn="ctr">
+                      <a:solidFill>
+                        <a:srgbClr val="000000"/>
+                      </a:solidFill>
+                      <a:prstDash val="solid"/>
+                      <a:round/>
+                      <a:headEnd type="none" w="med" len="med"/>
+                      <a:tailEnd type="none" w="med" len="med"/>
+                    </a:lnL>
+                    <a:lnR>
+                      <a:noFill/>
+                    </a:lnR>
+                    <a:lnT>
+                      <a:noFill/>
+                    </a:lnT>
+                    <a:lnB>
+                      <a:noFill/>
+                    </a:lnB>
+                    <a:solidFill>
+                      <a:srgbClr val="FFFFFF"/>
+                    </a:solidFill>
+                  </a:tcPr>
+                </a:tc>
+                <a:tc>
+                  <a:txBody>
+                    <a:bodyPr/>
+                    <a:lstStyle/>
+                    <a:p>
+                      <a:pPr algn="ctr" fontAlgn="ctr"/>
+                      <a:r>
+                        <a:rPr lang="he-IL" sz="3200" b="0" i="0" u="none" strike="noStrike">
+                          <a:solidFill>
+                            <a:srgbClr val="000000"/>
+                          </a:solidFill>
+                          <a:effectLst/>
+                          <a:latin typeface="Calibri Light" panose="020F0302020204030204" pitchFamily="34" charset="0"/>
+                          <a:cs typeface="Calibri Light" panose="020F0302020204030204" pitchFamily="34" charset="0"/>
+                        </a:rPr>
+                        <a:t>0.22</a:t>
+                      </a:r>
+                    </a:p>
+                  </a:txBody>
+                  <a:tcPr marL="6350" marR="6350" marT="6350" marB="0" anchor="ctr">
+                    <a:lnL>
+                      <a:noFill/>
+                    </a:lnL>
+                    <a:lnR>
+                      <a:noFill/>
+                    </a:lnR>
+                    <a:lnT>
+                      <a:noFill/>
+                    </a:lnT>
+                    <a:lnB>
+                      <a:noFill/>
+                    </a:lnB>
+                    <a:solidFill>
+                      <a:srgbClr val="FFFFFF"/>
+                    </a:solidFill>
+                  </a:tcPr>
+                </a:tc>
+                <a:tc>
+                  <a:txBody>
+                    <a:bodyPr/>
+                    <a:lstStyle/>
+                    <a:p>
+                      <a:pPr algn="ctr" fontAlgn="ctr"/>
+                      <a:r>
+                        <a:rPr lang="he-IL" sz="3200" b="0" i="0" u="none" strike="noStrike">
+                          <a:solidFill>
+                            <a:srgbClr val="000000"/>
+                          </a:solidFill>
+                          <a:effectLst/>
+                          <a:latin typeface="Calibri Light" panose="020F0302020204030204" pitchFamily="34" charset="0"/>
+                          <a:cs typeface="Calibri Light" panose="020F0302020204030204" pitchFamily="34" charset="0"/>
+                        </a:rPr>
+                        <a:t>0.14</a:t>
+                      </a:r>
+                    </a:p>
+                  </a:txBody>
+                  <a:tcPr marL="6350" marR="6350" marT="6350" marB="0" anchor="ctr">
+                    <a:lnL>
+                      <a:noFill/>
+                    </a:lnL>
+                    <a:lnR>
+                      <a:noFill/>
+                    </a:lnR>
+                    <a:lnT>
+                      <a:noFill/>
+                    </a:lnT>
+                    <a:lnB>
+                      <a:noFill/>
+                    </a:lnB>
+                    <a:solidFill>
+                      <a:srgbClr val="FFFFFF"/>
+                    </a:solidFill>
+                  </a:tcPr>
+                </a:tc>
+                <a:tc>
+                  <a:txBody>
+                    <a:bodyPr/>
+                    <a:lstStyle/>
+                    <a:p>
+                      <a:pPr algn="ctr" fontAlgn="ctr"/>
+                      <a:r>
+                        <a:rPr lang="he-IL" sz="3200" b="0" i="0" u="none" strike="noStrike">
+                          <a:solidFill>
+                            <a:srgbClr val="000000"/>
+                          </a:solidFill>
+                          <a:effectLst/>
+                          <a:latin typeface="Calibri Light" panose="020F0302020204030204" pitchFamily="34" charset="0"/>
+                          <a:cs typeface="Calibri Light" panose="020F0302020204030204" pitchFamily="34" charset="0"/>
+                        </a:rPr>
+                        <a:t> </a:t>
+                      </a:r>
+                    </a:p>
+                  </a:txBody>
+                  <a:tcPr marL="6350" marR="6350" marT="6350" marB="0" anchor="ctr">
+                    <a:lnL>
+                      <a:noFill/>
+                    </a:lnL>
+                    <a:lnR w="6350" cap="flat" cmpd="sng" algn="ctr">
+                      <a:solidFill>
+                        <a:srgbClr val="000000"/>
+                      </a:solidFill>
+                      <a:prstDash val="solid"/>
+                      <a:round/>
+                      <a:headEnd type="none" w="med" len="med"/>
+                      <a:tailEnd type="none" w="med" len="med"/>
+                    </a:lnR>
+                    <a:lnT>
+                      <a:noFill/>
+                    </a:lnT>
+                    <a:lnB>
+                      <a:noFill/>
+                    </a:lnB>
+                    <a:solidFill>
+                      <a:srgbClr val="FFFFFF"/>
+                    </a:solidFill>
+                  </a:tcPr>
+                </a:tc>
+                <a:tc>
+                  <a:txBody>
+                    <a:bodyPr/>
+                    <a:lstStyle/>
+                    <a:p>
+                      <a:pPr algn="ctr" fontAlgn="ctr"/>
+                      <a:r>
+                        <a:rPr lang="he-IL" sz="3200" b="0" i="0" u="none" strike="noStrike">
+                          <a:solidFill>
+                            <a:srgbClr val="000000"/>
+                          </a:solidFill>
+                          <a:effectLst/>
+                          <a:latin typeface="Calibri Light" panose="020F0302020204030204" pitchFamily="34" charset="0"/>
+                          <a:cs typeface="Calibri Light" panose="020F0302020204030204" pitchFamily="34" charset="0"/>
+                        </a:rPr>
+                        <a:t>-0.32</a:t>
+                      </a:r>
+                    </a:p>
+                  </a:txBody>
+                  <a:tcPr marL="6350" marR="6350" marT="6350" marB="0" anchor="ctr">
+                    <a:lnL w="6350" cap="flat" cmpd="sng" algn="ctr">
+                      <a:solidFill>
+                        <a:srgbClr val="000000"/>
+                      </a:solidFill>
+                      <a:prstDash val="solid"/>
+                      <a:round/>
+                      <a:headEnd type="none" w="med" len="med"/>
+                      <a:tailEnd type="none" w="med" len="med"/>
+                    </a:lnL>
+                    <a:lnR>
+                      <a:noFill/>
+                    </a:lnR>
+                    <a:lnT>
+                      <a:noFill/>
+                    </a:lnT>
+                    <a:lnB>
+                      <a:noFill/>
+                    </a:lnB>
+                    <a:solidFill>
+                      <a:srgbClr val="FFFFFF"/>
+                    </a:solidFill>
+                  </a:tcPr>
+                </a:tc>
+                <a:tc>
+                  <a:txBody>
+                    <a:bodyPr/>
+                    <a:lstStyle/>
+                    <a:p>
+                      <a:pPr algn="ctr" fontAlgn="ctr"/>
+                      <a:r>
+                        <a:rPr lang="he-IL" sz="3200" b="0" i="0" u="none" strike="noStrike" dirty="0">
+                          <a:solidFill>
+                            <a:srgbClr val="000000"/>
+                          </a:solidFill>
+                          <a:effectLst/>
+                          <a:latin typeface="Calibri Light" panose="020F0302020204030204" pitchFamily="34" charset="0"/>
+                          <a:cs typeface="Calibri Light" panose="020F0302020204030204" pitchFamily="34" charset="0"/>
+                        </a:rPr>
+                        <a:t>0.22</a:t>
+                      </a:r>
+                    </a:p>
+                  </a:txBody>
+                  <a:tcPr marL="6350" marR="6350" marT="6350" marB="0" anchor="ctr">
+                    <a:lnL>
+                      <a:noFill/>
+                    </a:lnL>
+                    <a:lnR>
+                      <a:noFill/>
+                    </a:lnR>
+                    <a:lnT>
+                      <a:noFill/>
+                    </a:lnT>
+                    <a:lnB>
+                      <a:noFill/>
+                    </a:lnB>
+                    <a:solidFill>
+                      <a:srgbClr val="FFFFFF"/>
+                    </a:solidFill>
+                  </a:tcPr>
+                </a:tc>
+                <a:tc>
+                  <a:txBody>
+                    <a:bodyPr/>
+                    <a:lstStyle/>
+                    <a:p>
+                      <a:pPr algn="ctr" fontAlgn="ctr"/>
+                      <a:r>
+                        <a:rPr lang="he-IL" sz="3200" b="0" i="0" u="none" strike="noStrike">
+                          <a:solidFill>
+                            <a:srgbClr val="000000"/>
+                          </a:solidFill>
+                          <a:effectLst/>
+                          <a:latin typeface="Calibri Light" panose="020F0302020204030204" pitchFamily="34" charset="0"/>
+                          <a:cs typeface="Calibri Light" panose="020F0302020204030204" pitchFamily="34" charset="0"/>
+                        </a:rPr>
+                        <a:t>0.14</a:t>
+                      </a:r>
+                    </a:p>
+                  </a:txBody>
+                  <a:tcPr marL="6350" marR="6350" marT="6350" marB="0" anchor="ctr">
+                    <a:lnL>
+                      <a:noFill/>
+                    </a:lnL>
+                    <a:lnR w="6350" cap="flat" cmpd="sng" algn="ctr">
+                      <a:solidFill>
+                        <a:srgbClr val="000000"/>
+                      </a:solidFill>
+                      <a:prstDash val="solid"/>
+                      <a:round/>
+                      <a:headEnd type="none" w="med" len="med"/>
+                      <a:tailEnd type="none" w="med" len="med"/>
+                    </a:lnR>
+                    <a:lnT>
+                      <a:noFill/>
+                    </a:lnT>
+                    <a:lnB>
+                      <a:noFill/>
+                    </a:lnB>
+                    <a:solidFill>
+                      <a:srgbClr val="FFFFFF"/>
+                    </a:solidFill>
+                  </a:tcPr>
+                </a:tc>
+                <a:extLst>
+                  <a:ext uri="{0D108BD9-81ED-4DB2-BD59-A6C34878D82A}">
+                    <a16:rowId xmlns:a16="http://schemas.microsoft.com/office/drawing/2014/main" val="70689268"/>
+                  </a:ext>
+                </a:extLst>
+              </a:tr>
+              <a:tr h="1014007">
+                <a:tc>
+                  <a:txBody>
+                    <a:bodyPr/>
+                    <a:lstStyle/>
+                    <a:p>
+                      <a:pPr algn="l" fontAlgn="ctr"/>
+                      <a:r>
+                        <a:rPr lang="en-US" sz="3200" b="0" i="0" u="none" strike="noStrike">
+                          <a:solidFill>
+                            <a:srgbClr val="000000"/>
+                          </a:solidFill>
+                          <a:effectLst/>
+                          <a:latin typeface="Calibri Light" panose="020F0302020204030204" pitchFamily="34" charset="0"/>
+                          <a:cs typeface="Calibri Light" panose="020F0302020204030204" pitchFamily="34" charset="0"/>
+                        </a:rPr>
+                        <a:t>Nursing at 1st year - Day care</a:t>
+                      </a:r>
+                    </a:p>
+                  </a:txBody>
+                  <a:tcPr marL="6350" marR="6350" marT="6350" marB="0" anchor="ctr">
+                    <a:lnL w="6350" cap="flat" cmpd="sng" algn="ctr">
+                      <a:solidFill>
+                        <a:srgbClr val="000000"/>
+                      </a:solidFill>
+                      <a:prstDash val="solid"/>
+                      <a:round/>
+                      <a:headEnd type="none" w="med" len="med"/>
+                      <a:tailEnd type="none" w="med" len="med"/>
+                    </a:lnL>
+                    <a:lnR w="6350" cap="flat" cmpd="sng" algn="ctr">
+                      <a:solidFill>
+                        <a:srgbClr val="000000"/>
+                      </a:solidFill>
+                      <a:prstDash val="solid"/>
+                      <a:round/>
+                      <a:headEnd type="none" w="med" len="med"/>
+                      <a:tailEnd type="none" w="med" len="med"/>
+                    </a:lnR>
+                    <a:lnT>
+                      <a:noFill/>
+                    </a:lnT>
+                    <a:lnB>
+                      <a:noFill/>
+                    </a:lnB>
+                    <a:solidFill>
+                      <a:srgbClr val="FFFFFF"/>
+                    </a:solidFill>
+                  </a:tcPr>
+                </a:tc>
+                <a:tc>
+                  <a:txBody>
+                    <a:bodyPr/>
+                    <a:lstStyle/>
+                    <a:p>
+                      <a:pPr algn="ctr" fontAlgn="ctr"/>
+                      <a:r>
+                        <a:rPr lang="he-IL" sz="3200" b="0" i="0" u="none" strike="noStrike">
+                          <a:solidFill>
+                            <a:srgbClr val="000000"/>
+                          </a:solidFill>
+                          <a:effectLst/>
+                          <a:latin typeface="Calibri Light" panose="020F0302020204030204" pitchFamily="34" charset="0"/>
+                          <a:cs typeface="Calibri Light" panose="020F0302020204030204" pitchFamily="34" charset="0"/>
+                        </a:rPr>
+                        <a:t>0.17</a:t>
+                      </a:r>
+                    </a:p>
+                  </a:txBody>
+                  <a:tcPr marL="6350" marR="6350" marT="6350" marB="0" anchor="ctr">
+                    <a:lnL w="6350" cap="flat" cmpd="sng" algn="ctr">
+                      <a:solidFill>
+                        <a:srgbClr val="000000"/>
+                      </a:solidFill>
+                      <a:prstDash val="solid"/>
+                      <a:round/>
+                      <a:headEnd type="none" w="med" len="med"/>
+                      <a:tailEnd type="none" w="med" len="med"/>
+                    </a:lnL>
+                    <a:lnR>
+                      <a:noFill/>
+                    </a:lnR>
+                    <a:lnT>
+                      <a:noFill/>
+                    </a:lnT>
+                    <a:lnB>
+                      <a:noFill/>
+                    </a:lnB>
+                    <a:solidFill>
+                      <a:srgbClr val="FFFFFF"/>
+                    </a:solidFill>
+                  </a:tcPr>
+                </a:tc>
+                <a:tc>
+                  <a:txBody>
+                    <a:bodyPr/>
+                    <a:lstStyle/>
+                    <a:p>
+                      <a:pPr algn="ctr" fontAlgn="ctr"/>
+                      <a:r>
+                        <a:rPr lang="he-IL" sz="3200" b="0" i="0" u="none" strike="noStrike">
+                          <a:solidFill>
+                            <a:srgbClr val="000000"/>
+                          </a:solidFill>
+                          <a:effectLst/>
+                          <a:latin typeface="Calibri Light" panose="020F0302020204030204" pitchFamily="34" charset="0"/>
+                          <a:cs typeface="Calibri Light" panose="020F0302020204030204" pitchFamily="34" charset="0"/>
+                        </a:rPr>
+                        <a:t>0.12</a:t>
+                      </a:r>
+                    </a:p>
+                  </a:txBody>
+                  <a:tcPr marL="6350" marR="6350" marT="6350" marB="0" anchor="ctr">
+                    <a:lnL>
+                      <a:noFill/>
+                    </a:lnL>
+                    <a:lnR>
+                      <a:noFill/>
+                    </a:lnR>
+                    <a:lnT>
+                      <a:noFill/>
+                    </a:lnT>
+                    <a:lnB>
+                      <a:noFill/>
+                    </a:lnB>
+                    <a:solidFill>
+                      <a:srgbClr val="FFFFFF"/>
+                    </a:solidFill>
+                  </a:tcPr>
+                </a:tc>
+                <a:tc>
+                  <a:txBody>
+                    <a:bodyPr/>
+                    <a:lstStyle/>
+                    <a:p>
+                      <a:pPr algn="ctr" fontAlgn="ctr"/>
+                      <a:r>
+                        <a:rPr lang="he-IL" sz="3200" b="0" i="0" u="none" strike="noStrike">
+                          <a:solidFill>
+                            <a:srgbClr val="000000"/>
+                          </a:solidFill>
+                          <a:effectLst/>
+                          <a:latin typeface="Calibri Light" panose="020F0302020204030204" pitchFamily="34" charset="0"/>
+                          <a:cs typeface="Calibri Light" panose="020F0302020204030204" pitchFamily="34" charset="0"/>
+                        </a:rPr>
+                        <a:t>0.14</a:t>
+                      </a:r>
+                    </a:p>
+                  </a:txBody>
+                  <a:tcPr marL="6350" marR="6350" marT="6350" marB="0" anchor="ctr">
+                    <a:lnL>
+                      <a:noFill/>
+                    </a:lnL>
+                    <a:lnR>
+                      <a:noFill/>
+                    </a:lnR>
+                    <a:lnT>
+                      <a:noFill/>
+                    </a:lnT>
+                    <a:lnB>
+                      <a:noFill/>
+                    </a:lnB>
+                    <a:solidFill>
+                      <a:srgbClr val="FFFFFF"/>
+                    </a:solidFill>
+                  </a:tcPr>
+                </a:tc>
+                <a:tc>
+                  <a:txBody>
+                    <a:bodyPr/>
+                    <a:lstStyle/>
+                    <a:p>
+                      <a:pPr algn="ctr" fontAlgn="ctr"/>
+                      <a:r>
+                        <a:rPr lang="he-IL" sz="3200" b="0" i="0" u="none" strike="noStrike">
+                          <a:solidFill>
+                            <a:srgbClr val="000000"/>
+                          </a:solidFill>
+                          <a:effectLst/>
+                          <a:latin typeface="Calibri Light" panose="020F0302020204030204" pitchFamily="34" charset="0"/>
+                          <a:cs typeface="Calibri Light" panose="020F0302020204030204" pitchFamily="34" charset="0"/>
+                        </a:rPr>
+                        <a:t> </a:t>
+                      </a:r>
+                    </a:p>
+                  </a:txBody>
+                  <a:tcPr marL="6350" marR="6350" marT="6350" marB="0" anchor="ctr">
+                    <a:lnL>
+                      <a:noFill/>
+                    </a:lnL>
+                    <a:lnR w="6350" cap="flat" cmpd="sng" algn="ctr">
+                      <a:solidFill>
+                        <a:srgbClr val="000000"/>
+                      </a:solidFill>
+                      <a:prstDash val="solid"/>
+                      <a:round/>
+                      <a:headEnd type="none" w="med" len="med"/>
+                      <a:tailEnd type="none" w="med" len="med"/>
+                    </a:lnR>
+                    <a:lnT>
+                      <a:noFill/>
+                    </a:lnT>
+                    <a:lnB>
+                      <a:noFill/>
+                    </a:lnB>
+                    <a:solidFill>
+                      <a:srgbClr val="FFFFFF"/>
+                    </a:solidFill>
+                  </a:tcPr>
+                </a:tc>
+                <a:tc>
+                  <a:txBody>
+                    <a:bodyPr/>
+                    <a:lstStyle/>
+                    <a:p>
+                      <a:pPr algn="ctr" fontAlgn="ctr"/>
+                      <a:r>
+                        <a:rPr lang="he-IL" sz="3200" b="0" i="0" u="none" strike="noStrike">
+                          <a:solidFill>
+                            <a:srgbClr val="000000"/>
+                          </a:solidFill>
+                          <a:effectLst/>
+                          <a:latin typeface="Calibri Light" panose="020F0302020204030204" pitchFamily="34" charset="0"/>
+                          <a:cs typeface="Calibri Light" panose="020F0302020204030204" pitchFamily="34" charset="0"/>
+                        </a:rPr>
+                        <a:t>0.15</a:t>
+                      </a:r>
+                    </a:p>
+                  </a:txBody>
+                  <a:tcPr marL="6350" marR="6350" marT="6350" marB="0" anchor="ctr">
+                    <a:lnL w="6350" cap="flat" cmpd="sng" algn="ctr">
+                      <a:solidFill>
+                        <a:srgbClr val="000000"/>
+                      </a:solidFill>
+                      <a:prstDash val="solid"/>
+                      <a:round/>
+                      <a:headEnd type="none" w="med" len="med"/>
+                      <a:tailEnd type="none" w="med" len="med"/>
+                    </a:lnL>
+                    <a:lnR>
+                      <a:noFill/>
+                    </a:lnR>
+                    <a:lnT>
+                      <a:noFill/>
+                    </a:lnT>
+                    <a:lnB>
+                      <a:noFill/>
+                    </a:lnB>
+                    <a:solidFill>
+                      <a:srgbClr val="FFFFFF"/>
+                    </a:solidFill>
+                  </a:tcPr>
+                </a:tc>
+                <a:tc>
+                  <a:txBody>
+                    <a:bodyPr/>
+                    <a:lstStyle/>
+                    <a:p>
+                      <a:pPr algn="ctr" fontAlgn="ctr"/>
+                      <a:r>
+                        <a:rPr lang="he-IL" sz="3200" b="0" i="0" u="none" strike="noStrike" dirty="0">
+                          <a:solidFill>
+                            <a:srgbClr val="000000"/>
+                          </a:solidFill>
+                          <a:effectLst/>
+                          <a:latin typeface="Calibri Light" panose="020F0302020204030204" pitchFamily="34" charset="0"/>
+                          <a:cs typeface="Calibri Light" panose="020F0302020204030204" pitchFamily="34" charset="0"/>
+                        </a:rPr>
+                        <a:t>0.12</a:t>
+                      </a:r>
+                    </a:p>
+                  </a:txBody>
+                  <a:tcPr marL="6350" marR="6350" marT="6350" marB="0" anchor="ctr">
+                    <a:lnL>
+                      <a:noFill/>
+                    </a:lnL>
+                    <a:lnR>
+                      <a:noFill/>
+                    </a:lnR>
+                    <a:lnT>
+                      <a:noFill/>
+                    </a:lnT>
+                    <a:lnB>
+                      <a:noFill/>
+                    </a:lnB>
+                    <a:solidFill>
+                      <a:srgbClr val="FFFFFF"/>
+                    </a:solidFill>
+                  </a:tcPr>
+                </a:tc>
+                <a:tc>
+                  <a:txBody>
+                    <a:bodyPr/>
+                    <a:lstStyle/>
+                    <a:p>
+                      <a:pPr algn="ctr" fontAlgn="ctr"/>
+                      <a:r>
+                        <a:rPr lang="he-IL" sz="3200" b="0" i="0" u="none" strike="noStrike">
+                          <a:solidFill>
+                            <a:srgbClr val="000000"/>
+                          </a:solidFill>
+                          <a:effectLst/>
+                          <a:latin typeface="Calibri Light" panose="020F0302020204030204" pitchFamily="34" charset="0"/>
+                          <a:cs typeface="Calibri Light" panose="020F0302020204030204" pitchFamily="34" charset="0"/>
+                        </a:rPr>
+                        <a:t>0.21</a:t>
+                      </a:r>
+                    </a:p>
+                  </a:txBody>
+                  <a:tcPr marL="6350" marR="6350" marT="6350" marB="0" anchor="ctr">
+                    <a:lnL>
+                      <a:noFill/>
+                    </a:lnL>
+                    <a:lnR w="6350" cap="flat" cmpd="sng" algn="ctr">
+                      <a:solidFill>
+                        <a:srgbClr val="000000"/>
+                      </a:solidFill>
+                      <a:prstDash val="solid"/>
+                      <a:round/>
+                      <a:headEnd type="none" w="med" len="med"/>
+                      <a:tailEnd type="none" w="med" len="med"/>
+                    </a:lnR>
+                    <a:lnT>
+                      <a:noFill/>
+                    </a:lnT>
+                    <a:lnB>
+                      <a:noFill/>
+                    </a:lnB>
+                    <a:solidFill>
+                      <a:srgbClr val="FFFFFF"/>
+                    </a:solidFill>
+                  </a:tcPr>
+                </a:tc>
+                <a:extLst>
+                  <a:ext uri="{0D108BD9-81ED-4DB2-BD59-A6C34878D82A}">
+                    <a16:rowId xmlns:a16="http://schemas.microsoft.com/office/drawing/2014/main" val="1432026207"/>
+                  </a:ext>
+                </a:extLst>
+              </a:tr>
+              <a:tr h="1014007">
+                <a:tc>
+                  <a:txBody>
+                    <a:bodyPr/>
+                    <a:lstStyle/>
+                    <a:p>
+                      <a:pPr algn="l" fontAlgn="ctr"/>
+                      <a:r>
+                        <a:rPr lang="en-US" sz="3200" b="1" i="0" u="none" strike="noStrike" dirty="0">
+                          <a:solidFill>
+                            <a:srgbClr val="000000"/>
+                          </a:solidFill>
+                          <a:effectLst/>
+                          <a:latin typeface="Calibri Light" panose="020F0302020204030204" pitchFamily="34" charset="0"/>
+                          <a:cs typeface="Calibri Light" panose="020F0302020204030204" pitchFamily="34" charset="0"/>
+                        </a:rPr>
+                        <a:t>Birth date -</a:t>
+                      </a:r>
+                      <a:r>
+                        <a:rPr lang="en-US" sz="3200" b="0" i="0" u="none" strike="noStrike" dirty="0">
+                          <a:solidFill>
+                            <a:srgbClr val="000000"/>
+                          </a:solidFill>
+                          <a:effectLst/>
+                          <a:latin typeface="Calibri Light" panose="020F0302020204030204" pitchFamily="34" charset="0"/>
+                          <a:cs typeface="Calibri Light" panose="020F0302020204030204" pitchFamily="34" charset="0"/>
+                        </a:rPr>
+                        <a:t> March19 to March20</a:t>
+                      </a:r>
+                    </a:p>
+                  </a:txBody>
+                  <a:tcPr marL="6350" marR="6350" marT="6350" marB="0" anchor="ctr">
+                    <a:lnL w="6350" cap="flat" cmpd="sng" algn="ctr">
+                      <a:solidFill>
+                        <a:srgbClr val="000000"/>
+                      </a:solidFill>
+                      <a:prstDash val="solid"/>
+                      <a:round/>
+                      <a:headEnd type="none" w="med" len="med"/>
+                      <a:tailEnd type="none" w="med" len="med"/>
+                    </a:lnL>
+                    <a:lnR w="6350" cap="flat" cmpd="sng" algn="ctr">
+                      <a:solidFill>
+                        <a:srgbClr val="000000"/>
+                      </a:solidFill>
+                      <a:prstDash val="solid"/>
+                      <a:round/>
+                      <a:headEnd type="none" w="med" len="med"/>
+                      <a:tailEnd type="none" w="med" len="med"/>
+                    </a:lnR>
+                    <a:lnT>
+                      <a:noFill/>
+                    </a:lnT>
+                    <a:lnB>
+                      <a:noFill/>
+                    </a:lnB>
+                    <a:solidFill>
+                      <a:schemeClr val="accent2">
+                        <a:lumMod val="40000"/>
+                        <a:lumOff val="60000"/>
+                      </a:schemeClr>
+                    </a:solidFill>
+                  </a:tcPr>
+                </a:tc>
+                <a:tc>
+                  <a:txBody>
+                    <a:bodyPr/>
+                    <a:lstStyle/>
+                    <a:p>
+                      <a:pPr algn="ctr" fontAlgn="ctr"/>
+                      <a:r>
+                        <a:rPr lang="he-IL" sz="3200" b="0" i="0" u="none" strike="noStrike">
+                          <a:solidFill>
+                            <a:srgbClr val="000000"/>
+                          </a:solidFill>
+                          <a:effectLst/>
+                          <a:latin typeface="Calibri Light" panose="020F0302020204030204" pitchFamily="34" charset="0"/>
+                          <a:cs typeface="Calibri Light" panose="020F0302020204030204" pitchFamily="34" charset="0"/>
+                        </a:rPr>
+                        <a:t>0.38</a:t>
+                      </a:r>
+                    </a:p>
+                  </a:txBody>
+                  <a:tcPr marL="6350" marR="6350" marT="6350" marB="0" anchor="ctr">
+                    <a:lnL w="6350" cap="flat" cmpd="sng" algn="ctr">
+                      <a:solidFill>
+                        <a:srgbClr val="000000"/>
+                      </a:solidFill>
+                      <a:prstDash val="solid"/>
+                      <a:round/>
+                      <a:headEnd type="none" w="med" len="med"/>
+                      <a:tailEnd type="none" w="med" len="med"/>
+                    </a:lnL>
+                    <a:lnR>
+                      <a:noFill/>
+                    </a:lnR>
+                    <a:lnT>
+                      <a:noFill/>
+                    </a:lnT>
+                    <a:lnB>
+                      <a:noFill/>
+                    </a:lnB>
+                    <a:solidFill>
+                      <a:schemeClr val="accent2">
+                        <a:lumMod val="40000"/>
+                        <a:lumOff val="60000"/>
+                      </a:schemeClr>
+                    </a:solidFill>
+                  </a:tcPr>
+                </a:tc>
+                <a:tc>
+                  <a:txBody>
+                    <a:bodyPr/>
+                    <a:lstStyle/>
+                    <a:p>
+                      <a:pPr algn="ctr" fontAlgn="ctr"/>
+                      <a:r>
+                        <a:rPr lang="he-IL" sz="3200" b="0" i="0" u="none" strike="noStrike">
+                          <a:solidFill>
+                            <a:srgbClr val="000000"/>
+                          </a:solidFill>
+                          <a:effectLst/>
+                          <a:latin typeface="Calibri Light" panose="020F0302020204030204" pitchFamily="34" charset="0"/>
+                          <a:cs typeface="Calibri Light" panose="020F0302020204030204" pitchFamily="34" charset="0"/>
+                        </a:rPr>
+                        <a:t>0.18</a:t>
+                      </a:r>
+                    </a:p>
+                  </a:txBody>
+                  <a:tcPr marL="6350" marR="6350" marT="6350" marB="0" anchor="ctr">
+                    <a:lnL>
+                      <a:noFill/>
+                    </a:lnL>
+                    <a:lnR>
+                      <a:noFill/>
+                    </a:lnR>
+                    <a:lnT>
+                      <a:noFill/>
+                    </a:lnT>
+                    <a:lnB>
+                      <a:noFill/>
+                    </a:lnB>
+                    <a:solidFill>
+                      <a:schemeClr val="accent2">
+                        <a:lumMod val="40000"/>
+                        <a:lumOff val="60000"/>
+                      </a:schemeClr>
+                    </a:solidFill>
+                  </a:tcPr>
+                </a:tc>
+                <a:tc>
+                  <a:txBody>
+                    <a:bodyPr/>
+                    <a:lstStyle/>
+                    <a:p>
+                      <a:pPr algn="ctr" fontAlgn="ctr"/>
+                      <a:r>
+                        <a:rPr lang="he-IL" sz="3200" b="0" i="0" u="none" strike="noStrike">
+                          <a:solidFill>
+                            <a:srgbClr val="000000"/>
+                          </a:solidFill>
+                          <a:effectLst/>
+                          <a:latin typeface="Calibri Light" panose="020F0302020204030204" pitchFamily="34" charset="0"/>
+                          <a:cs typeface="Calibri Light" panose="020F0302020204030204" pitchFamily="34" charset="0"/>
+                        </a:rPr>
+                        <a:t>0.04</a:t>
+                      </a:r>
+                    </a:p>
+                  </a:txBody>
+                  <a:tcPr marL="6350" marR="6350" marT="6350" marB="0" anchor="ctr">
+                    <a:lnL>
+                      <a:noFill/>
+                    </a:lnL>
+                    <a:lnR>
+                      <a:noFill/>
+                    </a:lnR>
+                    <a:lnT>
+                      <a:noFill/>
+                    </a:lnT>
+                    <a:lnB>
+                      <a:noFill/>
+                    </a:lnB>
+                    <a:solidFill>
+                      <a:schemeClr val="accent2">
+                        <a:lumMod val="40000"/>
+                        <a:lumOff val="60000"/>
+                      </a:schemeClr>
+                    </a:solidFill>
+                  </a:tcPr>
+                </a:tc>
+                <a:tc>
+                  <a:txBody>
+                    <a:bodyPr/>
+                    <a:lstStyle/>
+                    <a:p>
+                      <a:pPr algn="ctr" fontAlgn="ctr"/>
+                      <a:r>
+                        <a:rPr lang="he-IL" sz="3200" b="0" i="0" u="none" strike="noStrike">
+                          <a:solidFill>
+                            <a:srgbClr val="000000"/>
+                          </a:solidFill>
+                          <a:effectLst/>
+                          <a:latin typeface="Calibri Light" panose="020F0302020204030204" pitchFamily="34" charset="0"/>
+                          <a:cs typeface="Calibri Light" panose="020F0302020204030204" pitchFamily="34" charset="0"/>
+                        </a:rPr>
+                        <a:t>1.46</a:t>
+                      </a:r>
+                    </a:p>
+                  </a:txBody>
+                  <a:tcPr marL="6350" marR="6350" marT="6350" marB="0" anchor="ctr">
+                    <a:lnL>
+                      <a:noFill/>
+                    </a:lnL>
+                    <a:lnR w="6350" cap="flat" cmpd="sng" algn="ctr">
+                      <a:solidFill>
+                        <a:srgbClr val="000000"/>
+                      </a:solidFill>
+                      <a:prstDash val="solid"/>
+                      <a:round/>
+                      <a:headEnd type="none" w="med" len="med"/>
+                      <a:tailEnd type="none" w="med" len="med"/>
+                    </a:lnR>
+                    <a:lnT>
+                      <a:noFill/>
+                    </a:lnT>
+                    <a:lnB>
+                      <a:noFill/>
+                    </a:lnB>
+                    <a:solidFill>
+                      <a:schemeClr val="accent2">
+                        <a:lumMod val="40000"/>
+                        <a:lumOff val="60000"/>
+                      </a:schemeClr>
+                    </a:solidFill>
+                  </a:tcPr>
+                </a:tc>
+                <a:tc rowSpan="3" gridSpan="2">
+                  <a:txBody>
+                    <a:bodyPr/>
+                    <a:lstStyle/>
+                    <a:p>
+                      <a:pPr algn="ctr" fontAlgn="ctr"/>
+                      <a:r>
+                        <a:rPr lang="he-IL" sz="3200" b="0" i="0" u="none" strike="noStrike" dirty="0">
+                          <a:solidFill>
+                            <a:srgbClr val="000000"/>
+                          </a:solidFill>
+                          <a:effectLst/>
+                          <a:latin typeface="Calibri Light" panose="020F0302020204030204" pitchFamily="34" charset="0"/>
+                          <a:cs typeface="Calibri Light" panose="020F0302020204030204" pitchFamily="34" charset="0"/>
+                        </a:rPr>
+                        <a:t> </a:t>
+                      </a:r>
+                    </a:p>
+                  </a:txBody>
+                  <a:tcPr marL="6350" marR="6350" marT="6350" marB="0" anchor="ctr">
+                    <a:lnL w="6350" cap="flat" cmpd="sng" algn="ctr">
+                      <a:solidFill>
+                        <a:srgbClr val="000000"/>
+                      </a:solidFill>
+                      <a:prstDash val="solid"/>
+                      <a:round/>
+                      <a:headEnd type="none" w="med" len="med"/>
+                      <a:tailEnd type="none" w="med" len="med"/>
+                    </a:lnL>
+                    <a:lnR>
+                      <a:noFill/>
+                    </a:lnR>
+                    <a:lnT>
+                      <a:noFill/>
+                    </a:lnT>
+                    <a:lnB w="6350" cap="flat" cmpd="sng" algn="ctr">
+                      <a:solidFill>
+                        <a:srgbClr val="000000"/>
+                      </a:solidFill>
+                      <a:prstDash val="solid"/>
+                      <a:round/>
+                      <a:headEnd type="none" w="med" len="med"/>
+                      <a:tailEnd type="none" w="med" len="med"/>
+                    </a:lnB>
+                    <a:solidFill>
+                      <a:schemeClr val="accent2">
+                        <a:lumMod val="40000"/>
+                        <a:lumOff val="60000"/>
+                      </a:schemeClr>
+                    </a:solidFill>
+                  </a:tcPr>
+                </a:tc>
+                <a:tc rowSpan="3" hMerge="1">
+                  <a:txBody>
+                    <a:bodyPr/>
+                    <a:lstStyle/>
+                    <a:p>
+                      <a:pPr rtl="1"/>
+                      <a:endParaRPr lang="he-IL"/>
+                    </a:p>
+                  </a:txBody>
+                  <a:tcPr/>
+                </a:tc>
+                <a:tc rowSpan="3">
+                  <a:txBody>
+                    <a:bodyPr/>
+                    <a:lstStyle/>
+                    <a:p>
+                      <a:pPr algn="ctr" fontAlgn="ctr"/>
+                      <a:r>
+                        <a:rPr lang="he-IL" sz="3200" b="0" i="0" u="none" strike="noStrike" dirty="0">
+                          <a:solidFill>
+                            <a:srgbClr val="000000"/>
+                          </a:solidFill>
+                          <a:effectLst/>
+                          <a:latin typeface="Calibri Light" panose="020F0302020204030204" pitchFamily="34" charset="0"/>
+                          <a:cs typeface="Calibri Light" panose="020F0302020204030204" pitchFamily="34" charset="0"/>
+                        </a:rPr>
+                        <a:t>0.00</a:t>
+                      </a:r>
+                    </a:p>
+                  </a:txBody>
+                  <a:tcPr marL="6350" marR="6350" marT="6350" marB="0" anchor="ctr">
+                    <a:lnL>
+                      <a:noFill/>
+                    </a:lnL>
+                    <a:lnR w="6350" cap="flat" cmpd="sng" algn="ctr">
+                      <a:solidFill>
+                        <a:srgbClr val="000000"/>
+                      </a:solidFill>
+                      <a:prstDash val="solid"/>
+                      <a:round/>
+                      <a:headEnd type="none" w="med" len="med"/>
+                      <a:tailEnd type="none" w="med" len="med"/>
+                    </a:lnR>
+                    <a:lnT>
+                      <a:noFill/>
+                    </a:lnT>
+                    <a:lnB>
+                      <a:noFill/>
+                    </a:lnB>
+                    <a:solidFill>
+                      <a:schemeClr val="accent2">
+                        <a:lumMod val="40000"/>
+                        <a:lumOff val="60000"/>
+                      </a:schemeClr>
+                    </a:solidFill>
+                  </a:tcPr>
+                </a:tc>
+                <a:extLst>
+                  <a:ext uri="{0D108BD9-81ED-4DB2-BD59-A6C34878D82A}">
+                    <a16:rowId xmlns:a16="http://schemas.microsoft.com/office/drawing/2014/main" val="3554352785"/>
+                  </a:ext>
+                </a:extLst>
+              </a:tr>
+              <a:tr h="1014007">
+                <a:tc>
+                  <a:txBody>
+                    <a:bodyPr/>
+                    <a:lstStyle/>
+                    <a:p>
+                      <a:pPr algn="l" fontAlgn="ctr"/>
+                      <a:r>
+                        <a:rPr lang="en-US" sz="3200" b="1" i="0" u="none" strike="noStrike" dirty="0">
+                          <a:solidFill>
+                            <a:srgbClr val="000000"/>
+                          </a:solidFill>
+                          <a:effectLst/>
+                          <a:latin typeface="Calibri Light" panose="020F0302020204030204" pitchFamily="34" charset="0"/>
+                          <a:cs typeface="Calibri Light" panose="020F0302020204030204" pitchFamily="34" charset="0"/>
+                        </a:rPr>
+                        <a:t>Birth date -</a:t>
+                      </a:r>
+                      <a:r>
+                        <a:rPr lang="en-US" sz="3200" b="0" i="0" u="none" strike="noStrike" dirty="0">
+                          <a:solidFill>
+                            <a:srgbClr val="000000"/>
+                          </a:solidFill>
+                          <a:effectLst/>
+                          <a:latin typeface="Calibri Light" panose="020F0302020204030204" pitchFamily="34" charset="0"/>
+                          <a:cs typeface="Calibri Light" panose="020F0302020204030204" pitchFamily="34" charset="0"/>
+                        </a:rPr>
+                        <a:t> March20 to Feb21</a:t>
+                      </a:r>
+                    </a:p>
+                  </a:txBody>
+                  <a:tcPr marL="6350" marR="6350" marT="6350" marB="0" anchor="ctr">
+                    <a:lnL w="6350" cap="flat" cmpd="sng" algn="ctr">
+                      <a:solidFill>
+                        <a:srgbClr val="000000"/>
+                      </a:solidFill>
+                      <a:prstDash val="solid"/>
+                      <a:round/>
+                      <a:headEnd type="none" w="med" len="med"/>
+                      <a:tailEnd type="none" w="med" len="med"/>
+                    </a:lnL>
+                    <a:lnR w="6350" cap="flat" cmpd="sng" algn="ctr">
+                      <a:solidFill>
+                        <a:srgbClr val="000000"/>
+                      </a:solidFill>
+                      <a:prstDash val="solid"/>
+                      <a:round/>
+                      <a:headEnd type="none" w="med" len="med"/>
+                      <a:tailEnd type="none" w="med" len="med"/>
+                    </a:lnR>
+                    <a:lnT>
+                      <a:noFill/>
+                    </a:lnT>
+                    <a:lnB>
+                      <a:noFill/>
+                    </a:lnB>
+                    <a:solidFill>
+                      <a:schemeClr val="accent2">
+                        <a:lumMod val="40000"/>
+                        <a:lumOff val="60000"/>
+                      </a:schemeClr>
+                    </a:solidFill>
+                  </a:tcPr>
+                </a:tc>
+                <a:tc>
+                  <a:txBody>
+                    <a:bodyPr/>
+                    <a:lstStyle/>
+                    <a:p>
+                      <a:pPr algn="ctr" fontAlgn="ctr"/>
+                      <a:r>
+                        <a:rPr lang="he-IL" sz="3200" b="0" i="0" u="none" strike="noStrike">
+                          <a:solidFill>
+                            <a:srgbClr val="000000"/>
+                          </a:solidFill>
+                          <a:effectLst/>
+                          <a:latin typeface="Calibri Light" panose="020F0302020204030204" pitchFamily="34" charset="0"/>
+                          <a:cs typeface="Calibri Light" panose="020F0302020204030204" pitchFamily="34" charset="0"/>
+                        </a:rPr>
+                        <a:t>0.64</a:t>
+                      </a:r>
+                    </a:p>
+                  </a:txBody>
+                  <a:tcPr marL="6350" marR="6350" marT="6350" marB="0" anchor="ctr">
+                    <a:lnL w="6350" cap="flat" cmpd="sng" algn="ctr">
+                      <a:solidFill>
+                        <a:srgbClr val="000000"/>
+                      </a:solidFill>
+                      <a:prstDash val="solid"/>
+                      <a:round/>
+                      <a:headEnd type="none" w="med" len="med"/>
+                      <a:tailEnd type="none" w="med" len="med"/>
+                    </a:lnL>
+                    <a:lnR>
+                      <a:noFill/>
+                    </a:lnR>
+                    <a:lnT>
+                      <a:noFill/>
+                    </a:lnT>
+                    <a:lnB>
+                      <a:noFill/>
+                    </a:lnB>
+                    <a:solidFill>
+                      <a:schemeClr val="accent2">
+                        <a:lumMod val="40000"/>
+                        <a:lumOff val="60000"/>
+                      </a:schemeClr>
+                    </a:solidFill>
+                  </a:tcPr>
+                </a:tc>
+                <a:tc>
+                  <a:txBody>
+                    <a:bodyPr/>
+                    <a:lstStyle/>
+                    <a:p>
+                      <a:pPr algn="ctr" fontAlgn="ctr"/>
+                      <a:r>
+                        <a:rPr lang="he-IL" sz="3200" b="0" i="0" u="none" strike="noStrike">
+                          <a:solidFill>
+                            <a:srgbClr val="000000"/>
+                          </a:solidFill>
+                          <a:effectLst/>
+                          <a:latin typeface="Calibri Light" panose="020F0302020204030204" pitchFamily="34" charset="0"/>
+                          <a:cs typeface="Calibri Light" panose="020F0302020204030204" pitchFamily="34" charset="0"/>
+                        </a:rPr>
+                        <a:t>0.19</a:t>
+                      </a:r>
+                    </a:p>
+                  </a:txBody>
+                  <a:tcPr marL="6350" marR="6350" marT="6350" marB="0" anchor="ctr">
+                    <a:lnL>
+                      <a:noFill/>
+                    </a:lnL>
+                    <a:lnR>
+                      <a:noFill/>
+                    </a:lnR>
+                    <a:lnT>
+                      <a:noFill/>
+                    </a:lnT>
+                    <a:lnB>
+                      <a:noFill/>
+                    </a:lnB>
+                    <a:solidFill>
+                      <a:schemeClr val="accent2">
+                        <a:lumMod val="40000"/>
+                        <a:lumOff val="60000"/>
+                      </a:schemeClr>
+                    </a:solidFill>
+                  </a:tcPr>
+                </a:tc>
+                <a:tc>
+                  <a:txBody>
+                    <a:bodyPr/>
+                    <a:lstStyle/>
+                    <a:p>
+                      <a:pPr algn="ctr" fontAlgn="ctr"/>
+                      <a:r>
+                        <a:rPr lang="he-IL" sz="3200" b="0" i="0" u="none" strike="noStrike">
+                          <a:solidFill>
+                            <a:srgbClr val="000000"/>
+                          </a:solidFill>
+                          <a:effectLst/>
+                          <a:latin typeface="Calibri Light" panose="020F0302020204030204" pitchFamily="34" charset="0"/>
+                          <a:cs typeface="Calibri Light" panose="020F0302020204030204" pitchFamily="34" charset="0"/>
+                        </a:rPr>
+                        <a:t>0</a:t>
+                      </a:r>
+                    </a:p>
+                  </a:txBody>
+                  <a:tcPr marL="6350" marR="6350" marT="6350" marB="0" anchor="ctr">
+                    <a:lnL>
+                      <a:noFill/>
+                    </a:lnL>
+                    <a:lnR>
+                      <a:noFill/>
+                    </a:lnR>
+                    <a:lnT>
+                      <a:noFill/>
+                    </a:lnT>
+                    <a:lnB>
+                      <a:noFill/>
+                    </a:lnB>
+                    <a:solidFill>
+                      <a:schemeClr val="accent2">
+                        <a:lumMod val="40000"/>
+                        <a:lumOff val="60000"/>
+                      </a:schemeClr>
+                    </a:solidFill>
+                  </a:tcPr>
+                </a:tc>
+                <a:tc>
+                  <a:txBody>
+                    <a:bodyPr/>
+                    <a:lstStyle/>
+                    <a:p>
+                      <a:pPr algn="ctr" fontAlgn="ctr"/>
+                      <a:r>
+                        <a:rPr lang="he-IL" sz="3200" b="0" i="0" u="none" strike="noStrike" dirty="0">
+                          <a:solidFill>
+                            <a:srgbClr val="000000"/>
+                          </a:solidFill>
+                          <a:effectLst/>
+                          <a:latin typeface="Calibri Light" panose="020F0302020204030204" pitchFamily="34" charset="0"/>
+                          <a:cs typeface="Calibri Light" panose="020F0302020204030204" pitchFamily="34" charset="0"/>
+                        </a:rPr>
+                        <a:t>1.90</a:t>
+                      </a:r>
+                    </a:p>
+                  </a:txBody>
+                  <a:tcPr marL="6350" marR="6350" marT="6350" marB="0" anchor="ctr">
+                    <a:lnL>
+                      <a:noFill/>
+                    </a:lnL>
+                    <a:lnR w="6350" cap="flat" cmpd="sng" algn="ctr">
+                      <a:solidFill>
+                        <a:srgbClr val="000000"/>
+                      </a:solidFill>
+                      <a:prstDash val="solid"/>
+                      <a:round/>
+                      <a:headEnd type="none" w="med" len="med"/>
+                      <a:tailEnd type="none" w="med" len="med"/>
+                    </a:lnR>
+                    <a:lnT>
+                      <a:noFill/>
+                    </a:lnT>
+                    <a:lnB>
+                      <a:noFill/>
+                    </a:lnB>
+                    <a:solidFill>
+                      <a:schemeClr val="accent2">
+                        <a:lumMod val="40000"/>
+                        <a:lumOff val="60000"/>
+                      </a:schemeClr>
+                    </a:solidFill>
+                  </a:tcPr>
+                </a:tc>
+                <a:tc gridSpan="2" vMerge="1">
+                  <a:txBody>
+                    <a:bodyPr/>
+                    <a:lstStyle/>
+                    <a:p>
+                      <a:pPr rtl="1"/>
+                      <a:endParaRPr lang="he-IL"/>
+                    </a:p>
+                  </a:txBody>
+                  <a:tcPr/>
+                </a:tc>
+                <a:tc hMerge="1" vMerge="1">
+                  <a:txBody>
+                    <a:bodyPr/>
+                    <a:lstStyle/>
+                    <a:p>
+                      <a:pPr rtl="1"/>
+                      <a:endParaRPr lang="he-IL"/>
+                    </a:p>
+                  </a:txBody>
+                  <a:tcPr/>
+                </a:tc>
+                <a:tc vMerge="1">
+                  <a:txBody>
+                    <a:bodyPr/>
+                    <a:lstStyle/>
+                    <a:p>
+                      <a:pPr rtl="1"/>
+                      <a:endParaRPr lang="he-IL"/>
+                    </a:p>
+                  </a:txBody>
+                  <a:tcPr/>
+                </a:tc>
+                <a:extLst>
+                  <a:ext uri="{0D108BD9-81ED-4DB2-BD59-A6C34878D82A}">
+                    <a16:rowId xmlns:a16="http://schemas.microsoft.com/office/drawing/2014/main" val="869912245"/>
+                  </a:ext>
+                </a:extLst>
+              </a:tr>
+              <a:tr h="543844">
+                <a:tc>
+                  <a:txBody>
+                    <a:bodyPr/>
+                    <a:lstStyle/>
+                    <a:p>
+                      <a:pPr algn="l" fontAlgn="ctr"/>
+                      <a:r>
+                        <a:rPr lang="en-US" sz="3200" b="1" i="0" u="none" strike="noStrike" dirty="0">
+                          <a:solidFill>
+                            <a:srgbClr val="000000"/>
+                          </a:solidFill>
+                          <a:effectLst/>
+                          <a:latin typeface="Calibri Light" panose="020F0302020204030204" pitchFamily="34" charset="0"/>
+                          <a:cs typeface="Calibri Light" panose="020F0302020204030204" pitchFamily="34" charset="0"/>
+                        </a:rPr>
+                        <a:t>Birth date </a:t>
+                      </a:r>
+                      <a:r>
+                        <a:rPr lang="en-US" sz="3200" b="0" i="0" u="none" strike="noStrike" dirty="0">
+                          <a:solidFill>
+                            <a:srgbClr val="000000"/>
+                          </a:solidFill>
+                          <a:effectLst/>
+                          <a:latin typeface="Calibri Light" panose="020F0302020204030204" pitchFamily="34" charset="0"/>
+                          <a:cs typeface="Calibri Light" panose="020F0302020204030204" pitchFamily="34" charset="0"/>
+                        </a:rPr>
+                        <a:t>- From Feb21</a:t>
+                      </a:r>
+                    </a:p>
+                  </a:txBody>
+                  <a:tcPr marL="6350" marR="6350" marT="6350" marB="0" anchor="ctr">
+                    <a:lnL w="6350" cap="flat" cmpd="sng" algn="ctr">
+                      <a:solidFill>
+                        <a:srgbClr val="000000"/>
+                      </a:solidFill>
+                      <a:prstDash val="solid"/>
+                      <a:round/>
+                      <a:headEnd type="none" w="med" len="med"/>
+                      <a:tailEnd type="none" w="med" len="med"/>
+                    </a:lnL>
+                    <a:lnR w="6350" cap="flat" cmpd="sng" algn="ctr">
+                      <a:solidFill>
+                        <a:srgbClr val="000000"/>
+                      </a:solidFill>
+                      <a:prstDash val="solid"/>
+                      <a:round/>
+                      <a:headEnd type="none" w="med" len="med"/>
+                      <a:tailEnd type="none" w="med" len="med"/>
+                    </a:lnR>
+                    <a:lnT>
+                      <a:noFill/>
+                    </a:lnT>
+                    <a:lnB w="6350" cap="flat" cmpd="sng" algn="ctr">
+                      <a:solidFill>
+                        <a:srgbClr val="000000"/>
+                      </a:solidFill>
+                      <a:prstDash val="solid"/>
+                      <a:round/>
+                      <a:headEnd type="none" w="med" len="med"/>
+                      <a:tailEnd type="none" w="med" len="med"/>
+                    </a:lnB>
+                    <a:solidFill>
+                      <a:schemeClr val="accent2">
+                        <a:lumMod val="40000"/>
+                        <a:lumOff val="60000"/>
+                      </a:schemeClr>
+                    </a:solidFill>
+                  </a:tcPr>
+                </a:tc>
+                <a:tc>
+                  <a:txBody>
+                    <a:bodyPr/>
+                    <a:lstStyle/>
+                    <a:p>
+                      <a:pPr algn="ctr" fontAlgn="ctr"/>
+                      <a:r>
+                        <a:rPr lang="he-IL" sz="3200" b="0" i="0" u="none" strike="noStrike" dirty="0">
+                          <a:solidFill>
+                            <a:srgbClr val="000000"/>
+                          </a:solidFill>
+                          <a:effectLst/>
+                          <a:latin typeface="Calibri Light" panose="020F0302020204030204" pitchFamily="34" charset="0"/>
+                          <a:cs typeface="Calibri Light" panose="020F0302020204030204" pitchFamily="34" charset="0"/>
+                        </a:rPr>
+                        <a:t>0.67</a:t>
+                      </a:r>
+                    </a:p>
+                  </a:txBody>
+                  <a:tcPr marL="6350" marR="6350" marT="6350" marB="0" anchor="ctr">
+                    <a:lnL w="6350" cap="flat" cmpd="sng" algn="ctr">
+                      <a:solidFill>
+                        <a:srgbClr val="000000"/>
+                      </a:solidFill>
+                      <a:prstDash val="solid"/>
+                      <a:round/>
+                      <a:headEnd type="none" w="med" len="med"/>
+                      <a:tailEnd type="none" w="med" len="med"/>
+                    </a:lnL>
+                    <a:lnR>
+                      <a:noFill/>
+                    </a:lnR>
+                    <a:lnT>
+                      <a:noFill/>
+                    </a:lnT>
+                    <a:lnB w="6350" cap="flat" cmpd="sng" algn="ctr">
+                      <a:solidFill>
+                        <a:srgbClr val="000000"/>
+                      </a:solidFill>
+                      <a:prstDash val="solid"/>
+                      <a:round/>
+                      <a:headEnd type="none" w="med" len="med"/>
+                      <a:tailEnd type="none" w="med" len="med"/>
+                    </a:lnB>
+                    <a:solidFill>
+                      <a:schemeClr val="accent2">
+                        <a:lumMod val="40000"/>
+                        <a:lumOff val="60000"/>
+                      </a:schemeClr>
+                    </a:solidFill>
+                  </a:tcPr>
+                </a:tc>
+                <a:tc>
+                  <a:txBody>
+                    <a:bodyPr/>
+                    <a:lstStyle/>
+                    <a:p>
+                      <a:pPr algn="ctr" fontAlgn="ctr"/>
+                      <a:r>
+                        <a:rPr lang="he-IL" sz="3200" b="0" i="0" u="none" strike="noStrike" dirty="0">
+                          <a:solidFill>
+                            <a:srgbClr val="000000"/>
+                          </a:solidFill>
+                          <a:effectLst/>
+                          <a:latin typeface="Calibri Light" panose="020F0302020204030204" pitchFamily="34" charset="0"/>
+                          <a:cs typeface="Calibri Light" panose="020F0302020204030204" pitchFamily="34" charset="0"/>
+                        </a:rPr>
+                        <a:t>0.22</a:t>
+                      </a:r>
+                    </a:p>
+                  </a:txBody>
+                  <a:tcPr marL="6350" marR="6350" marT="6350" marB="0" anchor="ctr">
+                    <a:lnL>
+                      <a:noFill/>
+                    </a:lnL>
+                    <a:lnR>
+                      <a:noFill/>
+                    </a:lnR>
+                    <a:lnT>
+                      <a:noFill/>
+                    </a:lnT>
+                    <a:lnB w="6350" cap="flat" cmpd="sng" algn="ctr">
+                      <a:solidFill>
+                        <a:srgbClr val="000000"/>
+                      </a:solidFill>
+                      <a:prstDash val="solid"/>
+                      <a:round/>
+                      <a:headEnd type="none" w="med" len="med"/>
+                      <a:tailEnd type="none" w="med" len="med"/>
+                    </a:lnB>
+                    <a:solidFill>
+                      <a:schemeClr val="accent2">
+                        <a:lumMod val="40000"/>
+                        <a:lumOff val="60000"/>
+                      </a:schemeClr>
+                    </a:solidFill>
+                  </a:tcPr>
+                </a:tc>
+                <a:tc>
+                  <a:txBody>
+                    <a:bodyPr/>
+                    <a:lstStyle/>
+                    <a:p>
+                      <a:pPr algn="ctr" fontAlgn="ctr"/>
+                      <a:r>
+                        <a:rPr lang="he-IL" sz="3200" b="0" i="0" u="none" strike="noStrike" dirty="0">
+                          <a:solidFill>
+                            <a:srgbClr val="000000"/>
+                          </a:solidFill>
+                          <a:effectLst/>
+                          <a:latin typeface="Calibri Light" panose="020F0302020204030204" pitchFamily="34" charset="0"/>
+                          <a:cs typeface="Calibri Light" panose="020F0302020204030204" pitchFamily="34" charset="0"/>
+                        </a:rPr>
+                        <a:t>0</a:t>
+                      </a:r>
+                    </a:p>
+                  </a:txBody>
+                  <a:tcPr marL="6350" marR="6350" marT="6350" marB="0" anchor="ctr">
+                    <a:lnL>
+                      <a:noFill/>
+                    </a:lnL>
+                    <a:lnR>
+                      <a:noFill/>
+                    </a:lnR>
+                    <a:lnT>
+                      <a:noFill/>
+                    </a:lnT>
+                    <a:lnB w="6350" cap="flat" cmpd="sng" algn="ctr">
+                      <a:solidFill>
+                        <a:srgbClr val="000000"/>
+                      </a:solidFill>
+                      <a:prstDash val="solid"/>
+                      <a:round/>
+                      <a:headEnd type="none" w="med" len="med"/>
+                      <a:tailEnd type="none" w="med" len="med"/>
+                    </a:lnB>
+                    <a:solidFill>
+                      <a:schemeClr val="accent2">
+                        <a:lumMod val="40000"/>
+                        <a:lumOff val="60000"/>
+                      </a:schemeClr>
+                    </a:solidFill>
+                  </a:tcPr>
+                </a:tc>
+                <a:tc>
+                  <a:txBody>
+                    <a:bodyPr/>
+                    <a:lstStyle/>
+                    <a:p>
+                      <a:pPr algn="ctr" fontAlgn="ctr"/>
+                      <a:r>
+                        <a:rPr lang="he-IL" sz="3200" b="0" i="0" u="none" strike="noStrike" dirty="0">
+                          <a:solidFill>
+                            <a:srgbClr val="000000"/>
+                          </a:solidFill>
+                          <a:effectLst/>
+                          <a:latin typeface="Calibri Light" panose="020F0302020204030204" pitchFamily="34" charset="0"/>
+                          <a:cs typeface="Calibri Light" panose="020F0302020204030204" pitchFamily="34" charset="0"/>
+                        </a:rPr>
+                        <a:t>1.95</a:t>
+                      </a:r>
+                    </a:p>
+                  </a:txBody>
+                  <a:tcPr marL="6350" marR="6350" marT="6350" marB="0" anchor="ctr">
+                    <a:lnL>
+                      <a:noFill/>
+                    </a:lnL>
+                    <a:lnR w="6350" cap="flat" cmpd="sng" algn="ctr">
+                      <a:solidFill>
+                        <a:srgbClr val="000000"/>
+                      </a:solidFill>
+                      <a:prstDash val="solid"/>
+                      <a:round/>
+                      <a:headEnd type="none" w="med" len="med"/>
+                      <a:tailEnd type="none" w="med" len="med"/>
+                    </a:lnR>
+                    <a:lnT>
+                      <a:noFill/>
+                    </a:lnT>
+                    <a:lnB w="6350" cap="flat" cmpd="sng" algn="ctr">
+                      <a:solidFill>
+                        <a:srgbClr val="000000"/>
+                      </a:solidFill>
+                      <a:prstDash val="solid"/>
+                      <a:round/>
+                      <a:headEnd type="none" w="med" len="med"/>
+                      <a:tailEnd type="none" w="med" len="med"/>
+                    </a:lnB>
+                    <a:solidFill>
+                      <a:schemeClr val="accent2">
+                        <a:lumMod val="40000"/>
+                        <a:lumOff val="60000"/>
+                      </a:schemeClr>
+                    </a:solidFill>
+                  </a:tcPr>
+                </a:tc>
+                <a:tc gridSpan="2" vMerge="1">
+                  <a:txBody>
+                    <a:bodyPr/>
+                    <a:lstStyle/>
+                    <a:p>
+                      <a:pPr rtl="1"/>
+                      <a:endParaRPr lang="he-IL"/>
+                    </a:p>
+                  </a:txBody>
+                  <a:tcPr/>
+                </a:tc>
+                <a:tc hMerge="1" vMerge="1">
+                  <a:txBody>
+                    <a:bodyPr/>
+                    <a:lstStyle/>
+                    <a:p>
+                      <a:pPr rtl="1"/>
+                      <a:endParaRPr lang="he-IL"/>
+                    </a:p>
+                  </a:txBody>
+                  <a:tcPr/>
+                </a:tc>
+                <a:tc vMerge="1">
+                  <a:txBody>
+                    <a:bodyPr/>
+                    <a:lstStyle/>
+                    <a:p>
+                      <a:pPr rtl="1"/>
+                      <a:endParaRPr lang="he-IL"/>
+                    </a:p>
+                  </a:txBody>
+                  <a:tcPr/>
+                </a:tc>
+                <a:extLst>
+                  <a:ext uri="{0D108BD9-81ED-4DB2-BD59-A6C34878D82A}">
+                    <a16:rowId xmlns:a16="http://schemas.microsoft.com/office/drawing/2014/main" val="4293550561"/>
+                  </a:ext>
+                </a:extLst>
+              </a:tr>
+            </a:tbl>
+          </a:graphicData>
+        </a:graphic>
+      </p:graphicFrame>
     </p:spTree>
     <p:extLst>
       <p:ext uri="{BB962C8B-B14F-4D97-AF65-F5344CB8AC3E}">

--- a/poster.pptx
+++ b/poster.pptx
@@ -3937,11 +3937,17 @@
           <p:cNvGraphicFramePr>
             <a:graphicFrameLocks noGrp="1"/>
           </p:cNvGraphicFramePr>
-          <p:nvPr/>
+          <p:nvPr>
+            <p:extLst>
+              <p:ext uri="{D42A27DB-BD31-4B8C-83A1-F6EECF244321}">
+                <p14:modId xmlns:p14="http://schemas.microsoft.com/office/powerpoint/2010/main" val="1470392197"/>
+              </p:ext>
+            </p:extLst>
+          </p:nvPr>
         </p:nvGraphicFramePr>
         <p:xfrm>
-          <a:off x="-1" y="4952526"/>
-          <a:ext cx="14759781" cy="4252595"/>
+          <a:off x="83964" y="4892092"/>
+          <a:ext cx="11828835" cy="6447155"/>
         </p:xfrm>
         <a:graphic>
           <a:graphicData uri="http://schemas.openxmlformats.org/drawingml/2006/table">
@@ -3950,7 +3956,7 @@
                 <a:tableStyleId>{F5AB1C69-6EDB-4FF4-983F-18BD219EF322}</a:tableStyleId>
               </a:tblPr>
               <a:tblGrid>
-                <a:gridCol w="14759781">
+                <a:gridCol w="11828835">
                   <a:extLst>
                     <a:ext uri="{9D8B030D-6E8A-4147-A177-3AD203B41FA5}">
                       <a16:colId xmlns:a16="http://schemas.microsoft.com/office/drawing/2014/main" val="3747045786"/>
@@ -4168,11 +4174,17 @@
           <p:cNvGraphicFramePr>
             <a:graphicFrameLocks noGrp="1"/>
           </p:cNvGraphicFramePr>
-          <p:nvPr/>
+          <p:nvPr>
+            <p:extLst>
+              <p:ext uri="{D42A27DB-BD31-4B8C-83A1-F6EECF244321}">
+                <p14:modId xmlns:p14="http://schemas.microsoft.com/office/powerpoint/2010/main" val="1121972715"/>
+              </p:ext>
+            </p:extLst>
+          </p:nvPr>
         </p:nvGraphicFramePr>
         <p:xfrm>
-          <a:off x="-2" y="9187259"/>
-          <a:ext cx="14759780" cy="2234917"/>
+          <a:off x="83963" y="11505585"/>
+          <a:ext cx="11828835" cy="2234917"/>
         </p:xfrm>
         <a:graphic>
           <a:graphicData uri="http://schemas.openxmlformats.org/drawingml/2006/table">
@@ -4181,7 +4193,7 @@
                 <a:tableStyleId>{F5AB1C69-6EDB-4FF4-983F-18BD219EF322}</a:tableStyleId>
               </a:tblPr>
               <a:tblGrid>
-                <a:gridCol w="14759780">
+                <a:gridCol w="11828835">
                   <a:extLst>
                     <a:ext uri="{9D8B030D-6E8A-4147-A177-3AD203B41FA5}">
                       <a16:colId xmlns:a16="http://schemas.microsoft.com/office/drawing/2014/main" val="3747045786"/>
@@ -4351,14 +4363,14 @@
           <p:nvPr>
             <p:extLst>
               <p:ext uri="{D42A27DB-BD31-4B8C-83A1-F6EECF244321}">
-                <p14:modId xmlns:p14="http://schemas.microsoft.com/office/powerpoint/2010/main" val="3736468401"/>
+                <p14:modId xmlns:p14="http://schemas.microsoft.com/office/powerpoint/2010/main" val="1384702152"/>
               </p:ext>
             </p:extLst>
           </p:nvPr>
         </p:nvGraphicFramePr>
         <p:xfrm>
-          <a:off x="15011670" y="4952526"/>
-          <a:ext cx="14423929" cy="24976832"/>
+          <a:off x="12062298" y="4892092"/>
+          <a:ext cx="17373301" cy="25037266"/>
         </p:xfrm>
         <a:graphic>
           <a:graphicData uri="http://schemas.openxmlformats.org/drawingml/2006/table">
@@ -4367,7 +4379,7 @@
                 <a:tableStyleId>{F5AB1C69-6EDB-4FF4-983F-18BD219EF322}</a:tableStyleId>
               </a:tblPr>
               <a:tblGrid>
-                <a:gridCol w="14423929">
+                <a:gridCol w="17373301">
                   <a:extLst>
                     <a:ext uri="{9D8B030D-6E8A-4147-A177-3AD203B41FA5}">
                       <a16:colId xmlns:a16="http://schemas.microsoft.com/office/drawing/2014/main" val="3747045786"/>
@@ -4375,7 +4387,7 @@
                   </a:extLst>
                 </a:gridCol>
               </a:tblGrid>
-              <a:tr h="616459">
+              <a:tr h="617951">
                 <a:tc>
                   <a:txBody>
                     <a:bodyPr/>
@@ -4438,7 +4450,7 @@
                   </a:ext>
                 </a:extLst>
               </a:tr>
-              <a:tr h="24360373">
+              <a:tr h="24419315">
                 <a:tc>
                   <a:txBody>
                     <a:bodyPr/>
@@ -4843,14 +4855,14 @@
           <p:nvPr>
             <p:extLst>
               <p:ext uri="{D42A27DB-BD31-4B8C-83A1-F6EECF244321}">
-                <p14:modId xmlns:p14="http://schemas.microsoft.com/office/powerpoint/2010/main" val="1086035498"/>
+                <p14:modId xmlns:p14="http://schemas.microsoft.com/office/powerpoint/2010/main" val="2475034528"/>
               </p:ext>
             </p:extLst>
           </p:nvPr>
         </p:nvGraphicFramePr>
         <p:xfrm>
-          <a:off x="0" y="11422176"/>
-          <a:ext cx="14759780" cy="10327265"/>
+          <a:off x="83963" y="13929603"/>
+          <a:ext cx="11828835" cy="12607451"/>
         </p:xfrm>
         <a:graphic>
           <a:graphicData uri="http://schemas.openxmlformats.org/drawingml/2006/table">
@@ -4859,7 +4871,7 @@
                 <a:tableStyleId>{F5AB1C69-6EDB-4FF4-983F-18BD219EF322}</a:tableStyleId>
               </a:tblPr>
               <a:tblGrid>
-                <a:gridCol w="14759780">
+                <a:gridCol w="11828835">
                   <a:extLst>
                     <a:ext uri="{9D8B030D-6E8A-4147-A177-3AD203B41FA5}">
                       <a16:colId xmlns:a16="http://schemas.microsoft.com/office/drawing/2014/main" val="3747045786"/>
@@ -4867,7 +4879,7 @@
                   </a:extLst>
                 </a:gridCol>
               </a:tblGrid>
-              <a:tr h="684319">
+              <a:tr h="856259">
                 <a:tc>
                   <a:txBody>
                     <a:bodyPr/>
@@ -4941,7 +4953,7 @@
                   </a:ext>
                 </a:extLst>
               </a:tr>
-              <a:tr h="9579870">
+              <a:tr h="11751192">
                 <a:tc>
                   <a:txBody>
                     <a:bodyPr/>
@@ -5210,14 +5222,14 @@
           <p:nvPr>
             <p:extLst>
               <p:ext uri="{D42A27DB-BD31-4B8C-83A1-F6EECF244321}">
-                <p14:modId xmlns:p14="http://schemas.microsoft.com/office/powerpoint/2010/main" val="3853670453"/>
+                <p14:modId xmlns:p14="http://schemas.microsoft.com/office/powerpoint/2010/main" val="1069058437"/>
               </p:ext>
             </p:extLst>
           </p:nvPr>
         </p:nvGraphicFramePr>
         <p:xfrm>
-          <a:off x="-2" y="21749441"/>
-          <a:ext cx="14759780" cy="12774754"/>
+          <a:off x="41176" y="26754297"/>
+          <a:ext cx="11912800" cy="7813783"/>
         </p:xfrm>
         <a:graphic>
           <a:graphicData uri="http://schemas.openxmlformats.org/drawingml/2006/table">
@@ -5226,7 +5238,7 @@
                 <a:tableStyleId>{F5AB1C69-6EDB-4FF4-983F-18BD219EF322}</a:tableStyleId>
               </a:tblPr>
               <a:tblGrid>
-                <a:gridCol w="14759780">
+                <a:gridCol w="11912800">
                   <a:extLst>
                     <a:ext uri="{9D8B030D-6E8A-4147-A177-3AD203B41FA5}">
                       <a16:colId xmlns:a16="http://schemas.microsoft.com/office/drawing/2014/main" val="3747045786"/>
@@ -5234,7 +5246,7 @@
                   </a:extLst>
                 </a:gridCol>
               </a:tblGrid>
-              <a:tr h="792836">
+              <a:tr h="649657">
                 <a:tc>
                   <a:txBody>
                     <a:bodyPr/>
@@ -5308,7 +5320,7 @@
                   </a:ext>
                 </a:extLst>
               </a:tr>
-              <a:tr h="11981918">
+              <a:tr h="7148430">
                 <a:tc>
                   <a:txBody>
                     <a:bodyPr/>
@@ -5457,11 +5469,17 @@
           <p:cNvGraphicFramePr>
             <a:graphicFrameLocks noGrp="1"/>
           </p:cNvGraphicFramePr>
-          <p:nvPr/>
+          <p:nvPr>
+            <p:extLst>
+              <p:ext uri="{D42A27DB-BD31-4B8C-83A1-F6EECF244321}">
+                <p14:modId xmlns:p14="http://schemas.microsoft.com/office/powerpoint/2010/main" val="3810232371"/>
+              </p:ext>
+            </p:extLst>
+          </p:nvPr>
         </p:nvGraphicFramePr>
         <p:xfrm>
-          <a:off x="15095634" y="29929358"/>
-          <a:ext cx="14423929" cy="4594837"/>
+          <a:off x="12062298" y="29929358"/>
+          <a:ext cx="17457265" cy="4594837"/>
         </p:xfrm>
         <a:graphic>
           <a:graphicData uri="http://schemas.openxmlformats.org/drawingml/2006/table">
@@ -5470,7 +5488,7 @@
                 <a:tableStyleId>{F5AB1C69-6EDB-4FF4-983F-18BD219EF322}</a:tableStyleId>
               </a:tblPr>
               <a:tblGrid>
-                <a:gridCol w="14423929">
+                <a:gridCol w="17457265">
                   <a:extLst>
                     <a:ext uri="{9D8B030D-6E8A-4147-A177-3AD203B41FA5}">
                       <a16:colId xmlns:a16="http://schemas.microsoft.com/office/drawing/2014/main" val="3747045786"/>
@@ -5681,13 +5699,13 @@
           <p:nvPr>
             <p:extLst>
               <p:ext uri="{D42A27DB-BD31-4B8C-83A1-F6EECF244321}">
-                <p14:modId xmlns:p14="http://schemas.microsoft.com/office/powerpoint/2010/main" val="1067175596"/>
+                <p14:modId xmlns:p14="http://schemas.microsoft.com/office/powerpoint/2010/main" val="892441648"/>
               </p:ext>
             </p:extLst>
           </p:nvPr>
         </p:nvGraphicFramePr>
         <p:xfrm>
-          <a:off x="2111581" y="18227752"/>
+          <a:off x="771799" y="22863412"/>
           <a:ext cx="10451554" cy="3416083"/>
         </p:xfrm>
         <a:graphic>
@@ -6360,70 +6378,70 @@
           <p:nvPr>
             <p:extLst>
               <p:ext uri="{D42A27DB-BD31-4B8C-83A1-F6EECF244321}">
-                <p14:modId xmlns:p14="http://schemas.microsoft.com/office/powerpoint/2010/main" val="991891971"/>
+                <p14:modId xmlns:p14="http://schemas.microsoft.com/office/powerpoint/2010/main" val="725719560"/>
               </p:ext>
             </p:extLst>
           </p:nvPr>
         </p:nvGraphicFramePr>
         <p:xfrm>
-          <a:off x="15180489" y="6382649"/>
-          <a:ext cx="13991822" cy="14068927"/>
+          <a:off x="12203824" y="6370214"/>
+          <a:ext cx="16968485" cy="10971332"/>
         </p:xfrm>
         <a:graphic>
           <a:graphicData uri="http://schemas.openxmlformats.org/drawingml/2006/table">
             <a:tbl>
               <a:tblPr/>
               <a:tblGrid>
-                <a:gridCol w="4484545">
+                <a:gridCol w="5438601">
                   <a:extLst>
                     <a:ext uri="{9D8B030D-6E8A-4147-A177-3AD203B41FA5}">
                       <a16:colId xmlns:a16="http://schemas.microsoft.com/office/drawing/2014/main" val="1687023719"/>
                     </a:ext>
                   </a:extLst>
                 </a:gridCol>
-                <a:gridCol w="1692108">
+                <a:gridCol w="2052092">
                   <a:extLst>
                     <a:ext uri="{9D8B030D-6E8A-4147-A177-3AD203B41FA5}">
                       <a16:colId xmlns:a16="http://schemas.microsoft.com/office/drawing/2014/main" val="1042797128"/>
                     </a:ext>
                   </a:extLst>
                 </a:gridCol>
-                <a:gridCol w="916860">
+                <a:gridCol w="1111916">
                   <a:extLst>
                     <a:ext uri="{9D8B030D-6E8A-4147-A177-3AD203B41FA5}">
                       <a16:colId xmlns:a16="http://schemas.microsoft.com/office/drawing/2014/main" val="2733175140"/>
                     </a:ext>
                   </a:extLst>
                 </a:gridCol>
-                <a:gridCol w="956147">
+                <a:gridCol w="1159561">
                   <a:extLst>
                     <a:ext uri="{9D8B030D-6E8A-4147-A177-3AD203B41FA5}">
                       <a16:colId xmlns:a16="http://schemas.microsoft.com/office/drawing/2014/main" val="1020968963"/>
                     </a:ext>
                   </a:extLst>
                 </a:gridCol>
-                <a:gridCol w="1446102">
+                <a:gridCol w="1753750">
                   <a:extLst>
                     <a:ext uri="{9D8B030D-6E8A-4147-A177-3AD203B41FA5}">
                       <a16:colId xmlns:a16="http://schemas.microsoft.com/office/drawing/2014/main" val="3302576519"/>
                     </a:ext>
                   </a:extLst>
                 </a:gridCol>
-                <a:gridCol w="2082895">
+                <a:gridCol w="2526016">
                   <a:extLst>
                     <a:ext uri="{9D8B030D-6E8A-4147-A177-3AD203B41FA5}">
                       <a16:colId xmlns:a16="http://schemas.microsoft.com/office/drawing/2014/main" val="1835266576"/>
                     </a:ext>
                   </a:extLst>
                 </a:gridCol>
-                <a:gridCol w="1261332">
+                <a:gridCol w="1529672">
                   <a:extLst>
                     <a:ext uri="{9D8B030D-6E8A-4147-A177-3AD203B41FA5}">
                       <a16:colId xmlns:a16="http://schemas.microsoft.com/office/drawing/2014/main" val="1266378933"/>
                     </a:ext>
                   </a:extLst>
                 </a:gridCol>
-                <a:gridCol w="1151833">
+                <a:gridCol w="1396877">
                   <a:extLst>
                     <a:ext uri="{9D8B030D-6E8A-4147-A177-3AD203B41FA5}">
                       <a16:colId xmlns:a16="http://schemas.microsoft.com/office/drawing/2014/main" val="4255070870"/>
@@ -6431,7 +6449,7 @@
                   </a:extLst>
                 </a:gridCol>
               </a:tblGrid>
-              <a:tr h="543844">
+              <a:tr h="319438">
                 <a:tc rowSpan="2">
                   <a:txBody>
                     <a:bodyPr/>
@@ -6664,7 +6682,7 @@
                   </a:ext>
                 </a:extLst>
               </a:tr>
-              <a:tr h="988594">
+              <a:tr h="580670">
                 <a:tc vMerge="1">
                   <a:txBody>
                     <a:bodyPr/>
@@ -7026,7 +7044,7 @@
                   </a:ext>
                 </a:extLst>
               </a:tr>
-              <a:tr h="543844">
+              <a:tr h="319438">
                 <a:tc>
                   <a:txBody>
                     <a:bodyPr/>
@@ -7413,7 +7431,7 @@
                   </a:ext>
                 </a:extLst>
               </a:tr>
-              <a:tr h="543844">
+              <a:tr h="319438">
                 <a:tc>
                   <a:txBody>
                     <a:bodyPr/>
@@ -7795,7 +7813,7 @@
                   </a:ext>
                 </a:extLst>
               </a:tr>
-              <a:tr h="543844">
+              <a:tr h="319438">
                 <a:tc>
                   <a:txBody>
                     <a:bodyPr/>
@@ -8134,7 +8152,7 @@
                   </a:ext>
                 </a:extLst>
               </a:tr>
-              <a:tr h="543844">
+              <a:tr h="319438">
                 <a:tc>
                   <a:txBody>
                     <a:bodyPr/>
@@ -8516,7 +8534,7 @@
                   </a:ext>
                 </a:extLst>
               </a:tr>
-              <a:tr h="543844">
+              <a:tr h="319438">
                 <a:tc>
                   <a:txBody>
                     <a:bodyPr/>
@@ -8855,7 +8873,7 @@
                   </a:ext>
                 </a:extLst>
               </a:tr>
-              <a:tr h="543844">
+              <a:tr h="319438">
                 <a:tc>
                   <a:txBody>
                     <a:bodyPr/>
@@ -9194,7 +9212,7 @@
                   </a:ext>
                 </a:extLst>
               </a:tr>
-              <a:tr h="543844">
+              <a:tr h="319438">
                 <a:tc>
                   <a:txBody>
                     <a:bodyPr/>
@@ -9533,7 +9551,7 @@
                   </a:ext>
                 </a:extLst>
               </a:tr>
-              <a:tr h="1014007">
+              <a:tr h="595597">
                 <a:tc>
                   <a:txBody>
                     <a:bodyPr/>
@@ -9872,7 +9890,7 @@
                   </a:ext>
                 </a:extLst>
               </a:tr>
-              <a:tr h="1014007">
+              <a:tr h="595597">
                 <a:tc>
                   <a:txBody>
                     <a:bodyPr/>
@@ -10211,7 +10229,7 @@
                   </a:ext>
                 </a:extLst>
               </a:tr>
-              <a:tr h="543844">
+              <a:tr h="319438">
                 <a:tc>
                   <a:txBody>
                     <a:bodyPr/>
@@ -10593,7 +10611,7 @@
                   </a:ext>
                 </a:extLst>
               </a:tr>
-              <a:tr h="1014007">
+              <a:tr h="595597">
                 <a:tc>
                   <a:txBody>
                     <a:bodyPr/>
@@ -10932,7 +10950,7 @@
                   </a:ext>
                 </a:extLst>
               </a:tr>
-              <a:tr h="543844">
+              <a:tr h="319438">
                 <a:tc>
                   <a:txBody>
                     <a:bodyPr/>
@@ -11271,7 +11289,7 @@
                   </a:ext>
                 </a:extLst>
               </a:tr>
-              <a:tr h="1014007">
+              <a:tr h="595597">
                 <a:tc>
                   <a:txBody>
                     <a:bodyPr/>
@@ -11610,7 +11628,7 @@
                   </a:ext>
                 </a:extLst>
               </a:tr>
-              <a:tr h="1014007">
+              <a:tr h="595597">
                 <a:tc>
                   <a:txBody>
                     <a:bodyPr/>
@@ -11949,7 +11967,7 @@
                   </a:ext>
                 </a:extLst>
               </a:tr>
-              <a:tr h="1014007">
+              <a:tr h="595597">
                 <a:tc>
                   <a:txBody>
                     <a:bodyPr/>
@@ -12300,7 +12318,7 @@
                   </a:ext>
                 </a:extLst>
               </a:tr>
-              <a:tr h="1014007">
+              <a:tr h="595597">
                 <a:tc>
                   <a:txBody>
                     <a:bodyPr/>
@@ -12575,7 +12593,7 @@
                   </a:ext>
                 </a:extLst>
               </a:tr>
-              <a:tr h="543844">
+              <a:tr h="319438">
                 <a:tc>
                   <a:txBody>
                     <a:bodyPr/>

--- a/poster.pptx
+++ b/poster.pptx
@@ -3940,14 +3940,14 @@
           <p:nvPr>
             <p:extLst>
               <p:ext uri="{D42A27DB-BD31-4B8C-83A1-F6EECF244321}">
-                <p14:modId xmlns:p14="http://schemas.microsoft.com/office/powerpoint/2010/main" val="1470392197"/>
+                <p14:modId xmlns:p14="http://schemas.microsoft.com/office/powerpoint/2010/main" val="1597727823"/>
               </p:ext>
             </p:extLst>
           </p:nvPr>
         </p:nvGraphicFramePr>
         <p:xfrm>
           <a:off x="83964" y="4892092"/>
-          <a:ext cx="11828835" cy="6447155"/>
+          <a:ext cx="11828835" cy="6612255"/>
         </p:xfrm>
         <a:graphic>
           <a:graphicData uri="http://schemas.openxmlformats.org/drawingml/2006/table">
@@ -3970,7 +3970,11 @@
                     <a:bodyPr/>
                     <a:lstStyle/>
                     <a:p>
-                      <a:pPr algn="ctr" rtl="0"/>
+                      <a:pPr algn="ctr" rtl="0">
+                        <a:lnSpc>
+                          <a:spcPct val="150000"/>
+                        </a:lnSpc>
+                      </a:pPr>
                       <a:r>
                         <a:rPr lang="en-US" sz="3200" dirty="0">
                           <a:latin typeface="+mj-lt"/>
@@ -4070,7 +4074,7 @@
                         <a:rPr lang="en-US" sz="3200" dirty="0">
                           <a:latin typeface="+mj-lt"/>
                         </a:rPr>
-                        <a:t>Social distancing reduced the prevalence of pediatric non-COVID-19 infections.</a:t>
+                        <a:t>Social distance reduced the prevalence of pediatric non-COVID infections.</a:t>
                       </a:r>
                     </a:p>
                     <a:p>
@@ -4100,7 +4104,19 @@
                         <a:rPr lang="en-US" sz="3200" dirty="0">
                           <a:latin typeface="+mj-lt"/>
                         </a:rPr>
-                        <a:t>Increased pediatric viral infections following the first and second lockdowns.</a:t>
+                        <a:t>Increased pediatric viral infections following the 1st </a:t>
+                      </a:r>
+                      <a:r>
+                        <a:rPr lang="en-US" sz="3200">
+                          <a:latin typeface="+mj-lt"/>
+                        </a:rPr>
+                        <a:t>and 2nd </a:t>
+                      </a:r>
+                      <a:r>
+                        <a:rPr lang="en-US" sz="3200" dirty="0">
+                          <a:latin typeface="+mj-lt"/>
+                        </a:rPr>
+                        <a:t>lockdowns.</a:t>
                       </a:r>
                     </a:p>
                   </a:txBody>

--- a/poster.pptx
+++ b/poster.pptx
@@ -118,7 +118,7 @@
 <file path=ppt/revisionInfo.xml><?xml version="1.0" encoding="utf-8"?>
 <p1510:revInfo xmlns:a="http://schemas.openxmlformats.org/drawingml/2006/main" xmlns:r="http://schemas.openxmlformats.org/officeDocument/2006/relationships" xmlns:p1510="http://schemas.microsoft.com/office/powerpoint/2015/10/main">
   <p1510:revLst>
-    <p1510:client id="{B1541A9E-69A3-4C64-B18D-7A7F88D200FD}" v="183" dt="2023-06-09T16:37:05.205"/>
+    <p1510:client id="{97D10777-EDE1-4B59-B9E7-AD2396A8F3A8}" v="2" dt="2023-06-12T17:07:53.741"/>
   </p1510:revLst>
 </p1510:revInfo>
 </file>
@@ -462,6 +462,38 @@
             <pc:docMk/>
             <pc:sldMk cId="3381761132" sldId="257"/>
             <ac:picMk id="23" creationId="{C876177E-FB66-B35A-4A0E-0090808E5628}"/>
+          </ac:picMkLst>
+        </pc:picChg>
+      </pc:sldChg>
+    </pc:docChg>
+  </pc:docChgLst>
+  <pc:docChgLst>
+    <pc:chgData name="Shahar Shalom" userId="c1657878-da89-43af-9535-4a8d3e59b096" providerId="ADAL" clId="{97D10777-EDE1-4B59-B9E7-AD2396A8F3A8}"/>
+    <pc:docChg chg="modSld">
+      <pc:chgData name="Shahar Shalom" userId="c1657878-da89-43af-9535-4a8d3e59b096" providerId="ADAL" clId="{97D10777-EDE1-4B59-B9E7-AD2396A8F3A8}" dt="2023-06-12T17:08:41.395" v="25" actId="1076"/>
+      <pc:docMkLst>
+        <pc:docMk/>
+      </pc:docMkLst>
+      <pc:sldChg chg="addSp modSp mod">
+        <pc:chgData name="Shahar Shalom" userId="c1657878-da89-43af-9535-4a8d3e59b096" providerId="ADAL" clId="{97D10777-EDE1-4B59-B9E7-AD2396A8F3A8}" dt="2023-06-12T17:08:41.395" v="25" actId="1076"/>
+        <pc:sldMkLst>
+          <pc:docMk/>
+          <pc:sldMk cId="3381761132" sldId="257"/>
+        </pc:sldMkLst>
+        <pc:picChg chg="add mod">
+          <ac:chgData name="Shahar Shalom" userId="c1657878-da89-43af-9535-4a8d3e59b096" providerId="ADAL" clId="{97D10777-EDE1-4B59-B9E7-AD2396A8F3A8}" dt="2023-06-12T17:08:24.290" v="22" actId="1076"/>
+          <ac:picMkLst>
+            <pc:docMk/>
+            <pc:sldMk cId="3381761132" sldId="257"/>
+            <ac:picMk id="3" creationId="{7DAC06D9-AB4C-46AB-6EF8-5DD1078F3A28}"/>
+          </ac:picMkLst>
+        </pc:picChg>
+        <pc:picChg chg="add mod modCrop">
+          <ac:chgData name="Shahar Shalom" userId="c1657878-da89-43af-9535-4a8d3e59b096" providerId="ADAL" clId="{97D10777-EDE1-4B59-B9E7-AD2396A8F3A8}" dt="2023-06-12T17:08:41.395" v="25" actId="1076"/>
+          <ac:picMkLst>
+            <pc:docMk/>
+            <pc:sldMk cId="3381761132" sldId="257"/>
+            <ac:picMk id="4" creationId="{F6E72801-0D87-CFF1-70B7-91AE9A196B1C}"/>
           </ac:picMkLst>
         </pc:picChg>
       </pc:sldChg>
@@ -12918,6 +12950,77 @@
           </a:graphicData>
         </a:graphic>
       </p:graphicFrame>
+      <p:pic>
+        <p:nvPicPr>
+          <p:cNvPr id="3" name="Picture 2" descr="A picture containing text, line, screenshot, plot&#10;&#10;Description automatically generated">
+            <a:extLst>
+              <a:ext uri="{FF2B5EF4-FFF2-40B4-BE49-F238E27FC236}">
+                <a16:creationId xmlns:a16="http://schemas.microsoft.com/office/drawing/2014/main" id="{7DAC06D9-AB4C-46AB-6EF8-5DD1078F3A28}"/>
+              </a:ext>
+            </a:extLst>
+          </p:cNvPr>
+          <p:cNvPicPr>
+            <a:picLocks noChangeAspect="1"/>
+          </p:cNvPicPr>
+          <p:nvPr/>
+        </p:nvPicPr>
+        <p:blipFill>
+          <a:blip r:embed="rId4">
+            <a:extLst>
+              <a:ext uri="{28A0092B-C50C-407E-A947-70E740481C1C}">
+                <a14:useLocalDpi xmlns:a14="http://schemas.microsoft.com/office/drawing/2010/main" val="0"/>
+              </a:ext>
+            </a:extLst>
+          </a:blip>
+          <a:stretch>
+            <a:fillRect/>
+          </a:stretch>
+        </p:blipFill>
+        <p:spPr>
+          <a:xfrm>
+            <a:off x="12387812" y="17595630"/>
+            <a:ext cx="13461839" cy="10096379"/>
+          </a:xfrm>
+          <a:prstGeom prst="rect">
+            <a:avLst/>
+          </a:prstGeom>
+        </p:spPr>
+      </p:pic>
+      <p:pic>
+        <p:nvPicPr>
+          <p:cNvPr id="4" name="Picture 3" descr="A picture containing text, screenshot, diagram, line&#10;&#10;Description automatically generated">
+            <a:extLst>
+              <a:ext uri="{FF2B5EF4-FFF2-40B4-BE49-F238E27FC236}">
+                <a16:creationId xmlns:a16="http://schemas.microsoft.com/office/drawing/2014/main" id="{F6E72801-0D87-CFF1-70B7-91AE9A196B1C}"/>
+              </a:ext>
+            </a:extLst>
+          </p:cNvPr>
+          <p:cNvPicPr>
+            <a:picLocks noChangeAspect="1"/>
+          </p:cNvPicPr>
+          <p:nvPr/>
+        </p:nvPicPr>
+        <p:blipFill rotWithShape="1">
+          <a:blip r:embed="rId5">
+            <a:extLst>
+              <a:ext uri="{28A0092B-C50C-407E-A947-70E740481C1C}">
+                <a14:useLocalDpi xmlns:a14="http://schemas.microsoft.com/office/drawing/2010/main" val="0"/>
+              </a:ext>
+            </a:extLst>
+          </a:blip>
+          <a:srcRect l="84345" t="38746" r="1479" b="39176"/>
+          <a:stretch/>
+        </p:blipFill>
+        <p:spPr>
+          <a:xfrm>
+            <a:off x="22068637" y="22863412"/>
+            <a:ext cx="3495736" cy="3266447"/>
+          </a:xfrm>
+          <a:prstGeom prst="rect">
+            <a:avLst/>
+          </a:prstGeom>
+        </p:spPr>
+      </p:pic>
     </p:spTree>
     <p:extLst>
       <p:ext uri="{BB962C8B-B14F-4D97-AF65-F5344CB8AC3E}">

--- a/poster.pptx
+++ b/poster.pptx
@@ -3721,6 +3721,41 @@
       </p:grpSpPr>
       <p:pic>
         <p:nvPicPr>
+          <p:cNvPr id="3" name="Picture 2" descr="A picture containing text, line, screenshot, plot&#10;&#10;Description automatically generated">
+            <a:extLst>
+              <a:ext uri="{FF2B5EF4-FFF2-40B4-BE49-F238E27FC236}">
+                <a16:creationId xmlns:a16="http://schemas.microsoft.com/office/drawing/2014/main" id="{7DAC06D9-AB4C-46AB-6EF8-5DD1078F3A28}"/>
+              </a:ext>
+            </a:extLst>
+          </p:cNvPr>
+          <p:cNvPicPr>
+            <a:picLocks noChangeAspect="1"/>
+          </p:cNvPicPr>
+          <p:nvPr/>
+        </p:nvPicPr>
+        <p:blipFill rotWithShape="1">
+          <a:blip r:embed="rId2">
+            <a:extLst>
+              <a:ext uri="{28A0092B-C50C-407E-A947-70E740481C1C}">
+                <a14:useLocalDpi xmlns:a14="http://schemas.microsoft.com/office/drawing/2010/main" val="0"/>
+              </a:ext>
+            </a:extLst>
+          </a:blip>
+          <a:srcRect t="13089"/>
+          <a:stretch/>
+        </p:blipFill>
+        <p:spPr>
+          <a:xfrm>
+            <a:off x="14464856" y="20092860"/>
+            <a:ext cx="13145797" cy="8568758"/>
+          </a:xfrm>
+          <a:prstGeom prst="rect">
+            <a:avLst/>
+          </a:prstGeom>
+        </p:spPr>
+      </p:pic>
+      <p:pic>
+        <p:nvPicPr>
           <p:cNvPr id="15" name="Picture 14" descr="A picture containing text, lighthouse, screenshot, design&#10;&#10;Description automatically generated">
             <a:extLst>
               <a:ext uri="{FF2B5EF4-FFF2-40B4-BE49-F238E27FC236}">
@@ -3734,7 +3769,7 @@
           <p:nvPr/>
         </p:nvPicPr>
         <p:blipFill>
-          <a:blip r:embed="rId2">
+          <a:blip r:embed="rId3">
             <a:duotone>
               <a:schemeClr val="accent1">
                 <a:shade val="45000"/>
@@ -3745,7 +3780,7 @@
             <a:extLst>
               <a:ext uri="{BEBA8EAE-BF5A-486C-A8C5-ECC9F3942E4B}">
                 <a14:imgProps xmlns:a14="http://schemas.microsoft.com/office/drawing/2010/main">
-                  <a14:imgLayer r:embed="rId3">
+                  <a14:imgLayer r:embed="rId4">
                     <a14:imgEffect>
                       <a14:brightnessContrast bright="-40000" contrast="40000"/>
                     </a14:imgEffect>
@@ -3972,14 +4007,14 @@
           <p:nvPr>
             <p:extLst>
               <p:ext uri="{D42A27DB-BD31-4B8C-83A1-F6EECF244321}">
-                <p14:modId xmlns:p14="http://schemas.microsoft.com/office/powerpoint/2010/main" val="1597727823"/>
+                <p14:modId xmlns:p14="http://schemas.microsoft.com/office/powerpoint/2010/main" val="3424396155"/>
               </p:ext>
             </p:extLst>
           </p:nvPr>
         </p:nvGraphicFramePr>
         <p:xfrm>
-          <a:off x="83964" y="4892092"/>
-          <a:ext cx="11828835" cy="6612255"/>
+          <a:off x="83963" y="4882742"/>
+          <a:ext cx="13013148" cy="5149215"/>
         </p:xfrm>
         <a:graphic>
           <a:graphicData uri="http://schemas.openxmlformats.org/drawingml/2006/table">
@@ -3988,7 +4023,7 @@
                 <a:tableStyleId>{F5AB1C69-6EDB-4FF4-983F-18BD219EF322}</a:tableStyleId>
               </a:tblPr>
               <a:tblGrid>
-                <a:gridCol w="11828835">
+                <a:gridCol w="13013148">
                   <a:extLst>
                     <a:ext uri="{9D8B030D-6E8A-4147-A177-3AD203B41FA5}">
                       <a16:colId xmlns:a16="http://schemas.microsoft.com/office/drawing/2014/main" val="3747045786"/>
@@ -4136,19 +4171,7 @@
                         <a:rPr lang="en-US" sz="3200" dirty="0">
                           <a:latin typeface="+mj-lt"/>
                         </a:rPr>
-                        <a:t>Increased pediatric viral infections following the 1st </a:t>
-                      </a:r>
-                      <a:r>
-                        <a:rPr lang="en-US" sz="3200">
-                          <a:latin typeface="+mj-lt"/>
-                        </a:rPr>
-                        <a:t>and 2nd </a:t>
-                      </a:r>
-                      <a:r>
-                        <a:rPr lang="en-US" sz="3200" dirty="0">
-                          <a:latin typeface="+mj-lt"/>
-                        </a:rPr>
-                        <a:t>lockdowns.</a:t>
+                        <a:t>Increased pediatric viral infections following the 1st and 2nd lockdowns.</a:t>
                       </a:r>
                     </a:p>
                   </a:txBody>
@@ -4225,14 +4248,14 @@
           <p:nvPr>
             <p:extLst>
               <p:ext uri="{D42A27DB-BD31-4B8C-83A1-F6EECF244321}">
-                <p14:modId xmlns:p14="http://schemas.microsoft.com/office/powerpoint/2010/main" val="1121972715"/>
+                <p14:modId xmlns:p14="http://schemas.microsoft.com/office/powerpoint/2010/main" val="208112830"/>
               </p:ext>
             </p:extLst>
           </p:nvPr>
         </p:nvGraphicFramePr>
         <p:xfrm>
-          <a:off x="83963" y="11505585"/>
-          <a:ext cx="11828835" cy="2234917"/>
+          <a:off x="0" y="9817535"/>
+          <a:ext cx="13013148" cy="2234917"/>
         </p:xfrm>
         <a:graphic>
           <a:graphicData uri="http://schemas.openxmlformats.org/drawingml/2006/table">
@@ -4241,7 +4264,7 @@
                 <a:tableStyleId>{F5AB1C69-6EDB-4FF4-983F-18BD219EF322}</a:tableStyleId>
               </a:tblPr>
               <a:tblGrid>
-                <a:gridCol w="11828835">
+                <a:gridCol w="13013148">
                   <a:extLst>
                     <a:ext uri="{9D8B030D-6E8A-4147-A177-3AD203B41FA5}">
                       <a16:colId xmlns:a16="http://schemas.microsoft.com/office/drawing/2014/main" val="3747045786"/>
@@ -4411,14 +4434,14 @@
           <p:nvPr>
             <p:extLst>
               <p:ext uri="{D42A27DB-BD31-4B8C-83A1-F6EECF244321}">
-                <p14:modId xmlns:p14="http://schemas.microsoft.com/office/powerpoint/2010/main" val="1384702152"/>
+                <p14:modId xmlns:p14="http://schemas.microsoft.com/office/powerpoint/2010/main" val="1085844567"/>
               </p:ext>
             </p:extLst>
           </p:nvPr>
         </p:nvGraphicFramePr>
         <p:xfrm>
-          <a:off x="12062298" y="4892092"/>
-          <a:ext cx="17373301" cy="25037266"/>
+          <a:off x="13360399" y="4892092"/>
+          <a:ext cx="16075199" cy="25474217"/>
         </p:xfrm>
         <a:graphic>
           <a:graphicData uri="http://schemas.openxmlformats.org/drawingml/2006/table">
@@ -4427,7 +4450,7 @@
                 <a:tableStyleId>{F5AB1C69-6EDB-4FF4-983F-18BD219EF322}</a:tableStyleId>
               </a:tblPr>
               <a:tblGrid>
-                <a:gridCol w="17373301">
+                <a:gridCol w="16075199">
                   <a:extLst>
                     <a:ext uri="{9D8B030D-6E8A-4147-A177-3AD203B41FA5}">
                       <a16:colId xmlns:a16="http://schemas.microsoft.com/office/drawing/2014/main" val="3747045786"/>
@@ -4435,7 +4458,7 @@
                   </a:extLst>
                 </a:gridCol>
               </a:tblGrid>
-              <a:tr h="617951">
+              <a:tr h="586662">
                 <a:tc>
                   <a:txBody>
                     <a:bodyPr/>
@@ -4498,7 +4521,7 @@
                   </a:ext>
                 </a:extLst>
               </a:tr>
-              <a:tr h="24419315">
+              <a:tr h="23182864">
                 <a:tc>
                   <a:txBody>
                     <a:bodyPr/>
@@ -4762,12 +4785,12 @@
                       </a:endParaRPr>
                     </a:p>
                     <a:p>
-                      <a:pPr marL="457200" indent="-457200" algn="l" rtl="0">
+                      <a:pPr marL="0" indent="0" algn="l" rtl="0">
                         <a:lnSpc>
                           <a:spcPct val="150000"/>
                         </a:lnSpc>
                         <a:buFont typeface="Arial" panose="020B0604020202020204" pitchFamily="34" charset="0"/>
-                        <a:buChar char="•"/>
+                        <a:buNone/>
                       </a:pPr>
                       <a:endParaRPr lang="en-US" sz="3200" kern="1200" dirty="0">
                         <a:solidFill>
@@ -4779,12 +4802,12 @@
                       </a:endParaRPr>
                     </a:p>
                     <a:p>
-                      <a:pPr marL="457200" indent="-457200" algn="l" rtl="0">
+                      <a:pPr marL="0" indent="0" algn="l" rtl="0">
                         <a:lnSpc>
                           <a:spcPct val="150000"/>
                         </a:lnSpc>
                         <a:buFont typeface="Arial" panose="020B0604020202020204" pitchFamily="34" charset="0"/>
-                        <a:buChar char="•"/>
+                        <a:buNone/>
                       </a:pPr>
                       <a:endParaRPr lang="en-US" sz="3200" kern="1200" dirty="0">
                         <a:solidFill>
@@ -4796,12 +4819,270 @@
                       </a:endParaRPr>
                     </a:p>
                     <a:p>
-                      <a:pPr marL="457200" indent="-457200" algn="l" rtl="0">
+                      <a:pPr marL="0" indent="0" algn="l" rtl="0">
                         <a:lnSpc>
                           <a:spcPct val="150000"/>
                         </a:lnSpc>
                         <a:buFont typeface="Arial" panose="020B0604020202020204" pitchFamily="34" charset="0"/>
-                        <a:buChar char="•"/>
+                        <a:buNone/>
+                      </a:pPr>
+                      <a:endParaRPr lang="en-US" sz="3200" kern="1200" dirty="0">
+                        <a:solidFill>
+                          <a:schemeClr val="dk1"/>
+                        </a:solidFill>
+                        <a:latin typeface="+mn-lt"/>
+                        <a:ea typeface="+mn-ea"/>
+                        <a:cs typeface="+mn-cs"/>
+                      </a:endParaRPr>
+                    </a:p>
+                    <a:p>
+                      <a:pPr marL="0" indent="0" algn="l" rtl="0">
+                        <a:lnSpc>
+                          <a:spcPct val="150000"/>
+                        </a:lnSpc>
+                        <a:buFont typeface="Arial" panose="020B0604020202020204" pitchFamily="34" charset="0"/>
+                        <a:buNone/>
+                      </a:pPr>
+                      <a:endParaRPr lang="en-US" sz="3200" kern="1200" dirty="0">
+                        <a:solidFill>
+                          <a:schemeClr val="dk1"/>
+                        </a:solidFill>
+                        <a:latin typeface="+mn-lt"/>
+                        <a:ea typeface="+mn-ea"/>
+                        <a:cs typeface="+mn-cs"/>
+                      </a:endParaRPr>
+                    </a:p>
+                    <a:p>
+                      <a:pPr marL="0" indent="0" algn="l" rtl="0">
+                        <a:lnSpc>
+                          <a:spcPct val="150000"/>
+                        </a:lnSpc>
+                        <a:buFont typeface="Arial" panose="020B0604020202020204" pitchFamily="34" charset="0"/>
+                        <a:buNone/>
+                      </a:pPr>
+                      <a:r>
+                        <a:rPr lang="en-US" sz="3200" kern="1200" dirty="0">
+                          <a:solidFill>
+                            <a:schemeClr val="dk1"/>
+                          </a:solidFill>
+                          <a:latin typeface="+mn-lt"/>
+                          <a:ea typeface="+mn-ea"/>
+                          <a:cs typeface="+mn-cs"/>
+                        </a:rPr>
+                        <a:t>Probability of a baby getting an Atopic disease in the second year of his life: </a:t>
+                      </a:r>
+                    </a:p>
+                    <a:p>
+                      <a:pPr marL="0" indent="0" algn="l" rtl="0">
+                        <a:lnSpc>
+                          <a:spcPct val="150000"/>
+                        </a:lnSpc>
+                        <a:buFont typeface="Arial" panose="020B0604020202020204" pitchFamily="34" charset="0"/>
+                        <a:buNone/>
+                      </a:pPr>
+                      <a:endParaRPr lang="en-US" sz="3200" kern="1200" dirty="0">
+                        <a:solidFill>
+                          <a:schemeClr val="dk1"/>
+                        </a:solidFill>
+                        <a:latin typeface="+mn-lt"/>
+                        <a:ea typeface="+mn-ea"/>
+                        <a:cs typeface="+mn-cs"/>
+                      </a:endParaRPr>
+                    </a:p>
+                    <a:p>
+                      <a:pPr marL="0" indent="0" algn="l" rtl="0">
+                        <a:lnSpc>
+                          <a:spcPct val="150000"/>
+                        </a:lnSpc>
+                        <a:buFont typeface="Arial" panose="020B0604020202020204" pitchFamily="34" charset="0"/>
+                        <a:buNone/>
+                      </a:pPr>
+                      <a:endParaRPr lang="en-US" sz="3200" kern="1200" dirty="0">
+                        <a:solidFill>
+                          <a:schemeClr val="dk1"/>
+                        </a:solidFill>
+                        <a:latin typeface="+mn-lt"/>
+                        <a:ea typeface="+mn-ea"/>
+                        <a:cs typeface="+mn-cs"/>
+                      </a:endParaRPr>
+                    </a:p>
+                    <a:p>
+                      <a:pPr marL="0" indent="0" algn="l" rtl="0">
+                        <a:lnSpc>
+                          <a:spcPct val="150000"/>
+                        </a:lnSpc>
+                        <a:buFont typeface="Arial" panose="020B0604020202020204" pitchFamily="34" charset="0"/>
+                        <a:buNone/>
+                      </a:pPr>
+                      <a:endParaRPr lang="en-US" sz="3200" kern="1200" dirty="0">
+                        <a:solidFill>
+                          <a:schemeClr val="dk1"/>
+                        </a:solidFill>
+                        <a:latin typeface="+mn-lt"/>
+                        <a:ea typeface="+mn-ea"/>
+                        <a:cs typeface="+mn-cs"/>
+                      </a:endParaRPr>
+                    </a:p>
+                    <a:p>
+                      <a:pPr marL="0" indent="0" algn="l" rtl="0">
+                        <a:lnSpc>
+                          <a:spcPct val="150000"/>
+                        </a:lnSpc>
+                        <a:buFont typeface="Arial" panose="020B0604020202020204" pitchFamily="34" charset="0"/>
+                        <a:buNone/>
+                      </a:pPr>
+                      <a:endParaRPr lang="en-US" sz="3200" kern="1200" dirty="0">
+                        <a:solidFill>
+                          <a:schemeClr val="dk1"/>
+                        </a:solidFill>
+                        <a:latin typeface="+mn-lt"/>
+                        <a:ea typeface="+mn-ea"/>
+                        <a:cs typeface="+mn-cs"/>
+                      </a:endParaRPr>
+                    </a:p>
+                    <a:p>
+                      <a:pPr marL="0" indent="0" algn="l" rtl="0">
+                        <a:lnSpc>
+                          <a:spcPct val="150000"/>
+                        </a:lnSpc>
+                        <a:buFont typeface="Arial" panose="020B0604020202020204" pitchFamily="34" charset="0"/>
+                        <a:buNone/>
+                      </a:pPr>
+                      <a:endParaRPr lang="en-US" sz="3200" kern="1200" dirty="0">
+                        <a:solidFill>
+                          <a:schemeClr val="dk1"/>
+                        </a:solidFill>
+                        <a:latin typeface="+mn-lt"/>
+                        <a:ea typeface="+mn-ea"/>
+                        <a:cs typeface="+mn-cs"/>
+                      </a:endParaRPr>
+                    </a:p>
+                    <a:p>
+                      <a:pPr marL="0" indent="0" algn="l" rtl="0">
+                        <a:lnSpc>
+                          <a:spcPct val="150000"/>
+                        </a:lnSpc>
+                        <a:buFont typeface="Arial" panose="020B0604020202020204" pitchFamily="34" charset="0"/>
+                        <a:buNone/>
+                      </a:pPr>
+                      <a:endParaRPr lang="en-US" sz="3200" kern="1200" dirty="0">
+                        <a:solidFill>
+                          <a:schemeClr val="dk1"/>
+                        </a:solidFill>
+                        <a:latin typeface="+mn-lt"/>
+                        <a:ea typeface="+mn-ea"/>
+                        <a:cs typeface="+mn-cs"/>
+                      </a:endParaRPr>
+                    </a:p>
+                    <a:p>
+                      <a:pPr marL="0" indent="0" algn="l" rtl="0">
+                        <a:lnSpc>
+                          <a:spcPct val="150000"/>
+                        </a:lnSpc>
+                        <a:buFont typeface="Arial" panose="020B0604020202020204" pitchFamily="34" charset="0"/>
+                        <a:buNone/>
+                      </a:pPr>
+                      <a:endParaRPr lang="en-US" sz="3200" kern="1200" dirty="0">
+                        <a:solidFill>
+                          <a:schemeClr val="dk1"/>
+                        </a:solidFill>
+                        <a:latin typeface="+mn-lt"/>
+                        <a:ea typeface="+mn-ea"/>
+                        <a:cs typeface="+mn-cs"/>
+                      </a:endParaRPr>
+                    </a:p>
+                    <a:p>
+                      <a:pPr marL="0" indent="0" algn="l" rtl="0">
+                        <a:lnSpc>
+                          <a:spcPct val="150000"/>
+                        </a:lnSpc>
+                        <a:buFont typeface="Arial" panose="020B0604020202020204" pitchFamily="34" charset="0"/>
+                        <a:buNone/>
+                      </a:pPr>
+                      <a:endParaRPr lang="en-US" sz="3200" kern="1200" dirty="0">
+                        <a:solidFill>
+                          <a:schemeClr val="dk1"/>
+                        </a:solidFill>
+                        <a:latin typeface="+mn-lt"/>
+                        <a:ea typeface="+mn-ea"/>
+                        <a:cs typeface="+mn-cs"/>
+                      </a:endParaRPr>
+                    </a:p>
+                    <a:p>
+                      <a:pPr marL="0" indent="0" algn="l" rtl="0">
+                        <a:lnSpc>
+                          <a:spcPct val="150000"/>
+                        </a:lnSpc>
+                        <a:buFont typeface="Arial" panose="020B0604020202020204" pitchFamily="34" charset="0"/>
+                        <a:buNone/>
+                      </a:pPr>
+                      <a:endParaRPr lang="en-US" sz="3200" kern="1200" dirty="0">
+                        <a:solidFill>
+                          <a:schemeClr val="dk1"/>
+                        </a:solidFill>
+                        <a:latin typeface="+mn-lt"/>
+                        <a:ea typeface="+mn-ea"/>
+                        <a:cs typeface="+mn-cs"/>
+                      </a:endParaRPr>
+                    </a:p>
+                    <a:p>
+                      <a:pPr marL="0" indent="0" algn="l" rtl="0">
+                        <a:lnSpc>
+                          <a:spcPct val="150000"/>
+                        </a:lnSpc>
+                        <a:buFont typeface="Arial" panose="020B0604020202020204" pitchFamily="34" charset="0"/>
+                        <a:buNone/>
+                      </a:pPr>
+                      <a:endParaRPr lang="en-US" sz="3200" kern="1200" dirty="0">
+                        <a:solidFill>
+                          <a:schemeClr val="dk1"/>
+                        </a:solidFill>
+                        <a:latin typeface="+mn-lt"/>
+                        <a:ea typeface="+mn-ea"/>
+                        <a:cs typeface="+mn-cs"/>
+                      </a:endParaRPr>
+                    </a:p>
+                    <a:p>
+                      <a:pPr marL="0" indent="0" algn="l" rtl="0">
+                        <a:lnSpc>
+                          <a:spcPct val="150000"/>
+                        </a:lnSpc>
+                        <a:buFont typeface="Arial" panose="020B0604020202020204" pitchFamily="34" charset="0"/>
+                        <a:buNone/>
+                      </a:pPr>
+                      <a:endParaRPr lang="en-US" sz="3200" kern="1200" dirty="0">
+                        <a:solidFill>
+                          <a:schemeClr val="dk1"/>
+                        </a:solidFill>
+                        <a:latin typeface="+mn-lt"/>
+                        <a:ea typeface="+mn-ea"/>
+                        <a:cs typeface="+mn-cs"/>
+                      </a:endParaRPr>
+                    </a:p>
+                    <a:p>
+                      <a:pPr marL="0" indent="0" algn="l" rtl="0">
+                        <a:lnSpc>
+                          <a:spcPct val="150000"/>
+                        </a:lnSpc>
+                        <a:buFont typeface="Arial" panose="020B0604020202020204" pitchFamily="34" charset="0"/>
+                        <a:buNone/>
+                      </a:pPr>
+                      <a:endParaRPr lang="en-US" sz="3200" kern="1200" dirty="0">
+                        <a:solidFill>
+                          <a:schemeClr val="dk1"/>
+                        </a:solidFill>
+                        <a:latin typeface="+mn-lt"/>
+                        <a:ea typeface="+mn-ea"/>
+                        <a:cs typeface="+mn-cs"/>
+                      </a:endParaRPr>
+                    </a:p>
+                    <a:p>
+                      <a:pPr marL="0" indent="0" algn="l" rtl="0">
+                        <a:lnSpc>
+                          <a:spcPct val="150000"/>
+                        </a:lnSpc>
+                        <a:buFont typeface="Arial" panose="020B0604020202020204" pitchFamily="34" charset="0"/>
+                        <a:buNone/>
                       </a:pPr>
                       <a:endParaRPr lang="en-US" sz="3200" kern="1200" dirty="0">
                         <a:solidFill>
@@ -4903,14 +5184,14 @@
           <p:nvPr>
             <p:extLst>
               <p:ext uri="{D42A27DB-BD31-4B8C-83A1-F6EECF244321}">
-                <p14:modId xmlns:p14="http://schemas.microsoft.com/office/powerpoint/2010/main" val="2475034528"/>
+                <p14:modId xmlns:p14="http://schemas.microsoft.com/office/powerpoint/2010/main" val="288412767"/>
               </p:ext>
             </p:extLst>
           </p:nvPr>
         </p:nvGraphicFramePr>
         <p:xfrm>
-          <a:off x="83963" y="13929603"/>
-          <a:ext cx="11828835" cy="12607451"/>
+          <a:off x="83963" y="12272578"/>
+          <a:ext cx="12623800" cy="12607451"/>
         </p:xfrm>
         <a:graphic>
           <a:graphicData uri="http://schemas.openxmlformats.org/drawingml/2006/table">
@@ -4919,7 +5200,7 @@
                 <a:tableStyleId>{F5AB1C69-6EDB-4FF4-983F-18BD219EF322}</a:tableStyleId>
               </a:tblPr>
               <a:tblGrid>
-                <a:gridCol w="11828835">
+                <a:gridCol w="12623800">
                   <a:extLst>
                     <a:ext uri="{9D8B030D-6E8A-4147-A177-3AD203B41FA5}">
                       <a16:colId xmlns:a16="http://schemas.microsoft.com/office/drawing/2014/main" val="3747045786"/>
@@ -5063,7 +5344,7 @@
                           <a:ea typeface="+mn-ea"/>
                           <a:cs typeface="+mn-cs"/>
                         </a:rPr>
-                        <a:t>At predetermined intervals, parents were sent questionnaires to collect data.</a:t>
+                        <a:t>At predetermined intervals, parents were sent questionnaires to c</a:t>
                       </a:r>
                     </a:p>
                     <a:p>
@@ -5270,7 +5551,7 @@
           <p:nvPr>
             <p:extLst>
               <p:ext uri="{D42A27DB-BD31-4B8C-83A1-F6EECF244321}">
-                <p14:modId xmlns:p14="http://schemas.microsoft.com/office/powerpoint/2010/main" val="1069058437"/>
+                <p14:modId xmlns:p14="http://schemas.microsoft.com/office/powerpoint/2010/main" val="3666064296"/>
               </p:ext>
             </p:extLst>
           </p:nvPr>
@@ -5403,6 +5684,23 @@
                         </a:rPr>
                         <a:t>was used to test the effect of explanatory characteristics on the probability of having an atopic disease using birth date group as the categorical variable.</a:t>
                       </a:r>
+                    </a:p>
+                    <a:p>
+                      <a:pPr marL="457200" indent="-457200" algn="l" rtl="0">
+                        <a:lnSpc>
+                          <a:spcPct val="150000"/>
+                        </a:lnSpc>
+                        <a:buFont typeface="Arial" panose="020B0604020202020204" pitchFamily="34" charset="0"/>
+                        <a:buChar char="•"/>
+                      </a:pPr>
+                      <a:endParaRPr lang="en-US" sz="2800" kern="1200" dirty="0">
+                        <a:solidFill>
+                          <a:schemeClr val="dk1"/>
+                        </a:solidFill>
+                        <a:latin typeface="+mj-lt"/>
+                        <a:ea typeface="+mn-ea"/>
+                        <a:cs typeface="+mn-cs"/>
+                      </a:endParaRPr>
                     </a:p>
                     <a:p>
                       <a:pPr marL="457200" indent="-457200" algn="l" rtl="0">
@@ -5520,14 +5818,14 @@
           <p:nvPr>
             <p:extLst>
               <p:ext uri="{D42A27DB-BD31-4B8C-83A1-F6EECF244321}">
-                <p14:modId xmlns:p14="http://schemas.microsoft.com/office/powerpoint/2010/main" val="3810232371"/>
+                <p14:modId xmlns:p14="http://schemas.microsoft.com/office/powerpoint/2010/main" val="1682231514"/>
               </p:ext>
             </p:extLst>
           </p:nvPr>
         </p:nvGraphicFramePr>
         <p:xfrm>
-          <a:off x="12062298" y="29929358"/>
-          <a:ext cx="17457265" cy="4594837"/>
+          <a:off x="12062298" y="28661618"/>
+          <a:ext cx="17457265" cy="5862577"/>
         </p:xfrm>
         <a:graphic>
           <a:graphicData uri="http://schemas.openxmlformats.org/drawingml/2006/table">
@@ -5544,7 +5842,7 @@
                   </a:extLst>
                 </a:gridCol>
               </a:tblGrid>
-              <a:tr h="679788">
+              <a:tr h="867345">
                 <a:tc>
                   <a:txBody>
                     <a:bodyPr/>
@@ -5607,7 +5905,7 @@
                   </a:ext>
                 </a:extLst>
               </a:tr>
-              <a:tr h="3915049">
+              <a:tr h="4995232">
                 <a:tc>
                   <a:txBody>
                     <a:bodyPr/>
@@ -6426,70 +6724,70 @@
           <p:nvPr>
             <p:extLst>
               <p:ext uri="{D42A27DB-BD31-4B8C-83A1-F6EECF244321}">
-                <p14:modId xmlns:p14="http://schemas.microsoft.com/office/powerpoint/2010/main" val="725719560"/>
+                <p14:modId xmlns:p14="http://schemas.microsoft.com/office/powerpoint/2010/main" val="4097028160"/>
               </p:ext>
             </p:extLst>
           </p:nvPr>
         </p:nvGraphicFramePr>
         <p:xfrm>
-          <a:off x="12203824" y="6370214"/>
-          <a:ext cx="16968485" cy="10971332"/>
+          <a:off x="13749746" y="6316995"/>
+          <a:ext cx="15422564" cy="12517653"/>
         </p:xfrm>
         <a:graphic>
           <a:graphicData uri="http://schemas.openxmlformats.org/drawingml/2006/table">
             <a:tbl>
               <a:tblPr/>
               <a:tblGrid>
-                <a:gridCol w="5438601">
+                <a:gridCol w="4943115">
                   <a:extLst>
                     <a:ext uri="{9D8B030D-6E8A-4147-A177-3AD203B41FA5}">
                       <a16:colId xmlns:a16="http://schemas.microsoft.com/office/drawing/2014/main" val="1687023719"/>
                     </a:ext>
                   </a:extLst>
                 </a:gridCol>
-                <a:gridCol w="2052092">
+                <a:gridCol w="1865135">
                   <a:extLst>
                     <a:ext uri="{9D8B030D-6E8A-4147-A177-3AD203B41FA5}">
                       <a16:colId xmlns:a16="http://schemas.microsoft.com/office/drawing/2014/main" val="1042797128"/>
                     </a:ext>
                   </a:extLst>
                 </a:gridCol>
-                <a:gridCol w="1111916">
+                <a:gridCol w="1010615">
                   <a:extLst>
                     <a:ext uri="{9D8B030D-6E8A-4147-A177-3AD203B41FA5}">
                       <a16:colId xmlns:a16="http://schemas.microsoft.com/office/drawing/2014/main" val="2733175140"/>
                     </a:ext>
                   </a:extLst>
                 </a:gridCol>
-                <a:gridCol w="1159561">
+                <a:gridCol w="1053919">
                   <a:extLst>
                     <a:ext uri="{9D8B030D-6E8A-4147-A177-3AD203B41FA5}">
                       <a16:colId xmlns:a16="http://schemas.microsoft.com/office/drawing/2014/main" val="1020968963"/>
                     </a:ext>
                   </a:extLst>
                 </a:gridCol>
-                <a:gridCol w="1753750">
+                <a:gridCol w="1593974">
                   <a:extLst>
                     <a:ext uri="{9D8B030D-6E8A-4147-A177-3AD203B41FA5}">
                       <a16:colId xmlns:a16="http://schemas.microsoft.com/office/drawing/2014/main" val="3302576519"/>
                     </a:ext>
                   </a:extLst>
                 </a:gridCol>
-                <a:gridCol w="2526016">
+                <a:gridCol w="2295882">
                   <a:extLst>
                     <a:ext uri="{9D8B030D-6E8A-4147-A177-3AD203B41FA5}">
                       <a16:colId xmlns:a16="http://schemas.microsoft.com/office/drawing/2014/main" val="1835266576"/>
                     </a:ext>
                   </a:extLst>
                 </a:gridCol>
-                <a:gridCol w="1529672">
+                <a:gridCol w="1390310">
                   <a:extLst>
                     <a:ext uri="{9D8B030D-6E8A-4147-A177-3AD203B41FA5}">
                       <a16:colId xmlns:a16="http://schemas.microsoft.com/office/drawing/2014/main" val="1266378933"/>
                     </a:ext>
                   </a:extLst>
                 </a:gridCol>
-                <a:gridCol w="1396877">
+                <a:gridCol w="1269614">
                   <a:extLst>
                     <a:ext uri="{9D8B030D-6E8A-4147-A177-3AD203B41FA5}">
                       <a16:colId xmlns:a16="http://schemas.microsoft.com/office/drawing/2014/main" val="4255070870"/>
@@ -6497,7 +6795,7 @@
                   </a:extLst>
                 </a:gridCol>
               </a:tblGrid>
-              <a:tr h="319438">
+              <a:tr h="494110">
                 <a:tc rowSpan="2">
                   <a:txBody>
                     <a:bodyPr/>
@@ -6730,7 +7028,7 @@
                   </a:ext>
                 </a:extLst>
               </a:tr>
-              <a:tr h="580670">
+              <a:tr h="981869">
                 <a:tc vMerge="1">
                   <a:txBody>
                     <a:bodyPr/>
@@ -6952,7 +7250,7 @@
                     <a:p>
                       <a:pPr algn="ctr" fontAlgn="ctr"/>
                       <a:r>
-                        <a:rPr lang="en-US" sz="3200" b="0" i="0" u="none" strike="noStrike">
+                        <a:rPr lang="en-US" sz="3200" b="0" i="0" u="none" strike="noStrike" dirty="0">
                           <a:solidFill>
                             <a:srgbClr val="000000"/>
                           </a:solidFill>
@@ -7044,16 +7342,35 @@
                     <a:p>
                       <a:pPr algn="ctr" fontAlgn="ctr"/>
                       <a:r>
-                        <a:rPr lang="en-US" sz="3200" b="0" i="0" u="none" strike="noStrike">
-                          <a:solidFill>
-                            <a:srgbClr val="000000"/>
-                          </a:solidFill>
-                          <a:effectLst/>
-                          <a:latin typeface="Calibri Light" panose="020F0302020204030204" pitchFamily="34" charset="0"/>
-                          <a:cs typeface="Calibri Light" panose="020F0302020204030204" pitchFamily="34" charset="0"/>
-                        </a:rPr>
-                        <a:t>P val</a:t>
-                      </a:r>
+                        <a:rPr lang="en-US" sz="3200" b="0" i="0" u="none" strike="noStrike" dirty="0">
+                          <a:solidFill>
+                            <a:srgbClr val="000000"/>
+                          </a:solidFill>
+                          <a:effectLst/>
+                          <a:latin typeface="Calibri Light" panose="020F0302020204030204" pitchFamily="34" charset="0"/>
+                          <a:cs typeface="Calibri Light" panose="020F0302020204030204" pitchFamily="34" charset="0"/>
+                        </a:rPr>
+                        <a:t>P </a:t>
+                      </a:r>
+                      <a:r>
+                        <a:rPr lang="en-US" sz="3200" b="0" i="0" u="none" strike="noStrike" dirty="0" err="1">
+                          <a:solidFill>
+                            <a:srgbClr val="000000"/>
+                          </a:solidFill>
+                          <a:effectLst/>
+                          <a:latin typeface="Calibri Light" panose="020F0302020204030204" pitchFamily="34" charset="0"/>
+                          <a:cs typeface="Calibri Light" panose="020F0302020204030204" pitchFamily="34" charset="0"/>
+                        </a:rPr>
+                        <a:t>val</a:t>
+                      </a:r>
+                      <a:endParaRPr lang="en-US" sz="3200" b="0" i="0" u="none" strike="noStrike" dirty="0">
+                        <a:solidFill>
+                          <a:srgbClr val="000000"/>
+                        </a:solidFill>
+                        <a:effectLst/>
+                        <a:latin typeface="Calibri Light" panose="020F0302020204030204" pitchFamily="34" charset="0"/>
+                        <a:cs typeface="Calibri Light" panose="020F0302020204030204" pitchFamily="34" charset="0"/>
+                      </a:endParaRPr>
                     </a:p>
                   </a:txBody>
                   <a:tcPr marL="6350" marR="6350" marT="6350" marB="0" anchor="ctr">
@@ -7092,7 +7409,7 @@
                   </a:ext>
                 </a:extLst>
               </a:tr>
-              <a:tr h="319438">
+              <a:tr h="494110">
                 <a:tc>
                   <a:txBody>
                     <a:bodyPr/>
@@ -7479,7 +7796,7 @@
                   </a:ext>
                 </a:extLst>
               </a:tr>
-              <a:tr h="319438">
+              <a:tr h="494110">
                 <a:tc>
                   <a:txBody>
                     <a:bodyPr/>
@@ -7861,7 +8178,7 @@
                   </a:ext>
                 </a:extLst>
               </a:tr>
-              <a:tr h="319438">
+              <a:tr h="494110">
                 <a:tc>
                   <a:txBody>
                     <a:bodyPr/>
@@ -8200,7 +8517,7 @@
                   </a:ext>
                 </a:extLst>
               </a:tr>
-              <a:tr h="319438">
+              <a:tr h="494110">
                 <a:tc>
                   <a:txBody>
                     <a:bodyPr/>
@@ -8582,7 +8899,7 @@
                   </a:ext>
                 </a:extLst>
               </a:tr>
-              <a:tr h="319438">
+              <a:tr h="494110">
                 <a:tc>
                   <a:txBody>
                     <a:bodyPr/>
@@ -8921,7 +9238,7 @@
                   </a:ext>
                 </a:extLst>
               </a:tr>
-              <a:tr h="319438">
+              <a:tr h="494110">
                 <a:tc>
                   <a:txBody>
                     <a:bodyPr/>
@@ -9260,7 +9577,7 @@
                   </a:ext>
                 </a:extLst>
               </a:tr>
-              <a:tr h="319438">
+              <a:tr h="494110">
                 <a:tc>
                   <a:txBody>
                     <a:bodyPr/>
@@ -9599,7 +9916,7 @@
                   </a:ext>
                 </a:extLst>
               </a:tr>
-              <a:tr h="595597">
+              <a:tr h="981869">
                 <a:tc>
                   <a:txBody>
                     <a:bodyPr/>
@@ -9938,7 +10255,7 @@
                   </a:ext>
                 </a:extLst>
               </a:tr>
-              <a:tr h="595597">
+              <a:tr h="595694">
                 <a:tc>
                   <a:txBody>
                     <a:bodyPr/>
@@ -10277,7 +10594,7 @@
                   </a:ext>
                 </a:extLst>
               </a:tr>
-              <a:tr h="319438">
+              <a:tr h="494110">
                 <a:tc>
                   <a:txBody>
                     <a:bodyPr/>
@@ -10659,7 +10976,7 @@
                   </a:ext>
                 </a:extLst>
               </a:tr>
-              <a:tr h="595597">
+              <a:tr h="981869">
                 <a:tc>
                   <a:txBody>
                     <a:bodyPr/>
@@ -10998,7 +11315,7 @@
                   </a:ext>
                 </a:extLst>
               </a:tr>
-              <a:tr h="319438">
+              <a:tr h="494110">
                 <a:tc>
                   <a:txBody>
                     <a:bodyPr/>
@@ -11337,7 +11654,7 @@
                   </a:ext>
                 </a:extLst>
               </a:tr>
-              <a:tr h="595597">
+              <a:tr h="981869">
                 <a:tc>
                   <a:txBody>
                     <a:bodyPr/>
@@ -11676,7 +11993,7 @@
                   </a:ext>
                 </a:extLst>
               </a:tr>
-              <a:tr h="595597">
+              <a:tr h="595694">
                 <a:tc>
                   <a:txBody>
                     <a:bodyPr/>
@@ -11684,7 +12001,7 @@
                     <a:p>
                       <a:pPr algn="l" fontAlgn="ctr"/>
                       <a:r>
-                        <a:rPr lang="en-US" sz="3200" b="0" i="0" u="none" strike="noStrike">
+                        <a:rPr lang="en-US" sz="3200" b="0" i="0" u="none" strike="noStrike" dirty="0">
                           <a:solidFill>
                             <a:srgbClr val="000000"/>
                           </a:solidFill>
@@ -12015,7 +12332,7 @@
                   </a:ext>
                 </a:extLst>
               </a:tr>
-              <a:tr h="595597">
+              <a:tr h="981869">
                 <a:tc>
                   <a:txBody>
                     <a:bodyPr/>
@@ -12366,7 +12683,7 @@
                   </a:ext>
                 </a:extLst>
               </a:tr>
-              <a:tr h="595597">
+              <a:tr h="595694">
                 <a:tc>
                   <a:txBody>
                     <a:bodyPr/>
@@ -12641,7 +12958,7 @@
                   </a:ext>
                 </a:extLst>
               </a:tr>
-              <a:tr h="319438">
+              <a:tr h="494110">
                 <a:tc>
                   <a:txBody>
                     <a:bodyPr/>
@@ -12950,42 +13267,6 @@
           </a:graphicData>
         </a:graphic>
       </p:graphicFrame>
-      <p:pic>
-        <p:nvPicPr>
-          <p:cNvPr id="3" name="Picture 2" descr="A picture containing text, line, screenshot, plot&#10;&#10;Description automatically generated">
-            <a:extLst>
-              <a:ext uri="{FF2B5EF4-FFF2-40B4-BE49-F238E27FC236}">
-                <a16:creationId xmlns:a16="http://schemas.microsoft.com/office/drawing/2014/main" id="{7DAC06D9-AB4C-46AB-6EF8-5DD1078F3A28}"/>
-              </a:ext>
-            </a:extLst>
-          </p:cNvPr>
-          <p:cNvPicPr>
-            <a:picLocks noChangeAspect="1"/>
-          </p:cNvPicPr>
-          <p:nvPr/>
-        </p:nvPicPr>
-        <p:blipFill>
-          <a:blip r:embed="rId4">
-            <a:extLst>
-              <a:ext uri="{28A0092B-C50C-407E-A947-70E740481C1C}">
-                <a14:useLocalDpi xmlns:a14="http://schemas.microsoft.com/office/drawing/2010/main" val="0"/>
-              </a:ext>
-            </a:extLst>
-          </a:blip>
-          <a:stretch>
-            <a:fillRect/>
-          </a:stretch>
-        </p:blipFill>
-        <p:spPr>
-          <a:xfrm>
-            <a:off x="12387812" y="17595630"/>
-            <a:ext cx="13461839" cy="10096379"/>
-          </a:xfrm>
-          <a:prstGeom prst="rect">
-            <a:avLst/>
-          </a:prstGeom>
-        </p:spPr>
-      </p:pic>
       <p:pic>
         <p:nvPicPr>
           <p:cNvPr id="4" name="Picture 3" descr="A picture containing text, screenshot, diagram, line&#10;&#10;Description automatically generated">
@@ -13013,7 +13294,7 @@
         </p:blipFill>
         <p:spPr>
           <a:xfrm>
-            <a:off x="22068637" y="22863412"/>
+            <a:off x="23279522" y="23690480"/>
             <a:ext cx="3495736" cy="3266447"/>
           </a:xfrm>
           <a:prstGeom prst="rect">

--- a/poster.pptx
+++ b/poster.pptx
@@ -584,7 +584,7 @@
           <a:p>
             <a:fld id="{CFC00A23-1BFE-4A7E-A521-7B2182A093B7}" type="datetimeFigureOut">
               <a:rPr lang="he-IL" smtClean="0"/>
-              <a:t>כ"ג/סיון/תשפ"ג</a:t>
+              <a:t>כ"ד/סיון/תשפ"ג</a:t>
             </a:fld>
             <a:endParaRPr lang="he-IL"/>
           </a:p>
@@ -983,7 +983,7 @@
           <a:p>
             <a:fld id="{449B0C55-391A-4BA7-BF59-0A370099757C}" type="datetimeFigureOut">
               <a:rPr lang="he-IL" smtClean="0"/>
-              <a:t>כ"ג/סיון/תשפ"ג</a:t>
+              <a:t>כ"ד/סיון/תשפ"ג</a:t>
             </a:fld>
             <a:endParaRPr lang="he-IL"/>
           </a:p>
@@ -1153,7 +1153,7 @@
           <a:p>
             <a:fld id="{449B0C55-391A-4BA7-BF59-0A370099757C}" type="datetimeFigureOut">
               <a:rPr lang="he-IL" smtClean="0"/>
-              <a:t>כ"ג/סיון/תשפ"ג</a:t>
+              <a:t>כ"ד/סיון/תשפ"ג</a:t>
             </a:fld>
             <a:endParaRPr lang="he-IL"/>
           </a:p>
@@ -1333,7 +1333,7 @@
           <a:p>
             <a:fld id="{449B0C55-391A-4BA7-BF59-0A370099757C}" type="datetimeFigureOut">
               <a:rPr lang="he-IL" smtClean="0"/>
-              <a:t>כ"ג/סיון/תשפ"ג</a:t>
+              <a:t>כ"ד/סיון/תשפ"ג</a:t>
             </a:fld>
             <a:endParaRPr lang="he-IL"/>
           </a:p>
@@ -1503,7 +1503,7 @@
           <a:p>
             <a:fld id="{449B0C55-391A-4BA7-BF59-0A370099757C}" type="datetimeFigureOut">
               <a:rPr lang="he-IL" smtClean="0"/>
-              <a:t>כ"ג/סיון/תשפ"ג</a:t>
+              <a:t>כ"ד/סיון/תשפ"ג</a:t>
             </a:fld>
             <a:endParaRPr lang="he-IL"/>
           </a:p>
@@ -1747,7 +1747,7 @@
           <a:p>
             <a:fld id="{449B0C55-391A-4BA7-BF59-0A370099757C}" type="datetimeFigureOut">
               <a:rPr lang="he-IL" smtClean="0"/>
-              <a:t>כ"ג/סיון/תשפ"ג</a:t>
+              <a:t>כ"ד/סיון/תשפ"ג</a:t>
             </a:fld>
             <a:endParaRPr lang="he-IL"/>
           </a:p>
@@ -1979,7 +1979,7 @@
           <a:p>
             <a:fld id="{449B0C55-391A-4BA7-BF59-0A370099757C}" type="datetimeFigureOut">
               <a:rPr lang="he-IL" smtClean="0"/>
-              <a:t>כ"ג/סיון/תשפ"ג</a:t>
+              <a:t>כ"ד/סיון/תשפ"ג</a:t>
             </a:fld>
             <a:endParaRPr lang="he-IL"/>
           </a:p>
@@ -2346,7 +2346,7 @@
           <a:p>
             <a:fld id="{449B0C55-391A-4BA7-BF59-0A370099757C}" type="datetimeFigureOut">
               <a:rPr lang="he-IL" smtClean="0"/>
-              <a:t>כ"ג/סיון/תשפ"ג</a:t>
+              <a:t>כ"ד/סיון/תשפ"ג</a:t>
             </a:fld>
             <a:endParaRPr lang="he-IL"/>
           </a:p>
@@ -2464,7 +2464,7 @@
           <a:p>
             <a:fld id="{449B0C55-391A-4BA7-BF59-0A370099757C}" type="datetimeFigureOut">
               <a:rPr lang="he-IL" smtClean="0"/>
-              <a:t>כ"ג/סיון/תשפ"ג</a:t>
+              <a:t>כ"ד/סיון/תשפ"ג</a:t>
             </a:fld>
             <a:endParaRPr lang="he-IL"/>
           </a:p>
@@ -2559,7 +2559,7 @@
           <a:p>
             <a:fld id="{449B0C55-391A-4BA7-BF59-0A370099757C}" type="datetimeFigureOut">
               <a:rPr lang="he-IL" smtClean="0"/>
-              <a:t>כ"ג/סיון/תשפ"ג</a:t>
+              <a:t>כ"ד/סיון/תשפ"ג</a:t>
             </a:fld>
             <a:endParaRPr lang="he-IL"/>
           </a:p>
@@ -2836,7 +2836,7 @@
           <a:p>
             <a:fld id="{449B0C55-391A-4BA7-BF59-0A370099757C}" type="datetimeFigureOut">
               <a:rPr lang="he-IL" smtClean="0"/>
-              <a:t>כ"ג/סיון/תשפ"ג</a:t>
+              <a:t>כ"ד/סיון/תשפ"ג</a:t>
             </a:fld>
             <a:endParaRPr lang="he-IL"/>
           </a:p>
@@ -3093,7 +3093,7 @@
           <a:p>
             <a:fld id="{449B0C55-391A-4BA7-BF59-0A370099757C}" type="datetimeFigureOut">
               <a:rPr lang="he-IL" smtClean="0"/>
-              <a:t>כ"ג/סיון/תשפ"ג</a:t>
+              <a:t>כ"ד/סיון/תשפ"ג</a:t>
             </a:fld>
             <a:endParaRPr lang="he-IL"/>
           </a:p>
@@ -3306,7 +3306,7 @@
           <a:p>
             <a:fld id="{449B0C55-391A-4BA7-BF59-0A370099757C}" type="datetimeFigureOut">
               <a:rPr lang="he-IL" smtClean="0"/>
-              <a:t>כ"ג/סיון/תשפ"ג</a:t>
+              <a:t>כ"ד/סיון/תשפ"ג</a:t>
             </a:fld>
             <a:endParaRPr lang="he-IL"/>
           </a:p>
@@ -3721,41 +3721,6 @@
       </p:grpSpPr>
       <p:pic>
         <p:nvPicPr>
-          <p:cNvPr id="3" name="Picture 2" descr="A picture containing text, line, screenshot, plot&#10;&#10;Description automatically generated">
-            <a:extLst>
-              <a:ext uri="{FF2B5EF4-FFF2-40B4-BE49-F238E27FC236}">
-                <a16:creationId xmlns:a16="http://schemas.microsoft.com/office/drawing/2014/main" id="{7DAC06D9-AB4C-46AB-6EF8-5DD1078F3A28}"/>
-              </a:ext>
-            </a:extLst>
-          </p:cNvPr>
-          <p:cNvPicPr>
-            <a:picLocks noChangeAspect="1"/>
-          </p:cNvPicPr>
-          <p:nvPr/>
-        </p:nvPicPr>
-        <p:blipFill rotWithShape="1">
-          <a:blip r:embed="rId2">
-            <a:extLst>
-              <a:ext uri="{28A0092B-C50C-407E-A947-70E740481C1C}">
-                <a14:useLocalDpi xmlns:a14="http://schemas.microsoft.com/office/drawing/2010/main" val="0"/>
-              </a:ext>
-            </a:extLst>
-          </a:blip>
-          <a:srcRect t="13089"/>
-          <a:stretch/>
-        </p:blipFill>
-        <p:spPr>
-          <a:xfrm>
-            <a:off x="14464856" y="20092860"/>
-            <a:ext cx="13145797" cy="8568758"/>
-          </a:xfrm>
-          <a:prstGeom prst="rect">
-            <a:avLst/>
-          </a:prstGeom>
-        </p:spPr>
-      </p:pic>
-      <p:pic>
-        <p:nvPicPr>
           <p:cNvPr id="15" name="Picture 14" descr="A picture containing text, lighthouse, screenshot, design&#10;&#10;Description automatically generated">
             <a:extLst>
               <a:ext uri="{FF2B5EF4-FFF2-40B4-BE49-F238E27FC236}">
@@ -3769,7 +3734,7 @@
           <p:nvPr/>
         </p:nvPicPr>
         <p:blipFill>
-          <a:blip r:embed="rId3">
+          <a:blip r:embed="rId2">
             <a:duotone>
               <a:schemeClr val="accent1">
                 <a:shade val="45000"/>
@@ -3780,7 +3745,7 @@
             <a:extLst>
               <a:ext uri="{BEBA8EAE-BF5A-486C-A8C5-ECC9F3942E4B}">
                 <a14:imgProps xmlns:a14="http://schemas.microsoft.com/office/drawing/2010/main">
-                  <a14:imgLayer r:embed="rId4">
+                  <a14:imgLayer r:embed="rId3">
                     <a14:imgEffect>
                       <a14:brightnessContrast bright="-40000" contrast="40000"/>
                     </a14:imgEffect>
@@ -4007,14 +3972,14 @@
           <p:nvPr>
             <p:extLst>
               <p:ext uri="{D42A27DB-BD31-4B8C-83A1-F6EECF244321}">
-                <p14:modId xmlns:p14="http://schemas.microsoft.com/office/powerpoint/2010/main" val="3424396155"/>
+                <p14:modId xmlns:p14="http://schemas.microsoft.com/office/powerpoint/2010/main" val="1977631116"/>
               </p:ext>
             </p:extLst>
           </p:nvPr>
         </p:nvGraphicFramePr>
         <p:xfrm>
-          <a:off x="83963" y="4882742"/>
-          <a:ext cx="13013148" cy="5149215"/>
+          <a:off x="83966" y="4882742"/>
+          <a:ext cx="14393908" cy="4417695"/>
         </p:xfrm>
         <a:graphic>
           <a:graphicData uri="http://schemas.openxmlformats.org/drawingml/2006/table">
@@ -4023,7 +3988,7 @@
                 <a:tableStyleId>{F5AB1C69-6EDB-4FF4-983F-18BD219EF322}</a:tableStyleId>
               </a:tblPr>
               <a:tblGrid>
-                <a:gridCol w="13013148">
+                <a:gridCol w="14393908">
                   <a:extLst>
                     <a:ext uri="{9D8B030D-6E8A-4147-A177-3AD203B41FA5}">
                       <a16:colId xmlns:a16="http://schemas.microsoft.com/office/drawing/2014/main" val="3747045786"/>
@@ -4248,14 +4213,14 @@
           <p:nvPr>
             <p:extLst>
               <p:ext uri="{D42A27DB-BD31-4B8C-83A1-F6EECF244321}">
-                <p14:modId xmlns:p14="http://schemas.microsoft.com/office/powerpoint/2010/main" val="208112830"/>
+                <p14:modId xmlns:p14="http://schemas.microsoft.com/office/powerpoint/2010/main" val="1051685087"/>
               </p:ext>
             </p:extLst>
           </p:nvPr>
         </p:nvGraphicFramePr>
         <p:xfrm>
-          <a:off x="0" y="9817535"/>
-          <a:ext cx="13013148" cy="2234917"/>
+          <a:off x="83966" y="9583255"/>
+          <a:ext cx="14393908" cy="2400017"/>
         </p:xfrm>
         <a:graphic>
           <a:graphicData uri="http://schemas.openxmlformats.org/drawingml/2006/table">
@@ -4264,7 +4229,7 @@
                 <a:tableStyleId>{F5AB1C69-6EDB-4FF4-983F-18BD219EF322}</a:tableStyleId>
               </a:tblPr>
               <a:tblGrid>
-                <a:gridCol w="13013148">
+                <a:gridCol w="14393908">
                   <a:extLst>
                     <a:ext uri="{9D8B030D-6E8A-4147-A177-3AD203B41FA5}">
                       <a16:colId xmlns:a16="http://schemas.microsoft.com/office/drawing/2014/main" val="3747045786"/>
@@ -4272,13 +4237,17 @@
                   </a:extLst>
                 </a:gridCol>
               </a:tblGrid>
-              <a:tr h="483077">
-                <a:tc>
-                  <a:txBody>
-                    <a:bodyPr/>
-                    <a:lstStyle/>
-                    <a:p>
-                      <a:pPr algn="ctr" rtl="0"/>
+              <a:tr h="743164">
+                <a:tc>
+                  <a:txBody>
+                    <a:bodyPr/>
+                    <a:lstStyle/>
+                    <a:p>
+                      <a:pPr algn="ctr" rtl="0">
+                        <a:lnSpc>
+                          <a:spcPct val="150000"/>
+                        </a:lnSpc>
+                      </a:pPr>
                       <a:r>
                         <a:rPr lang="en-US" sz="3200" dirty="0">
                           <a:latin typeface="+mj-lt"/>
@@ -4434,14 +4403,14 @@
           <p:nvPr>
             <p:extLst>
               <p:ext uri="{D42A27DB-BD31-4B8C-83A1-F6EECF244321}">
-                <p14:modId xmlns:p14="http://schemas.microsoft.com/office/powerpoint/2010/main" val="1085844567"/>
+                <p14:modId xmlns:p14="http://schemas.microsoft.com/office/powerpoint/2010/main" val="1106619013"/>
               </p:ext>
             </p:extLst>
           </p:nvPr>
         </p:nvGraphicFramePr>
         <p:xfrm>
-          <a:off x="13360399" y="4892092"/>
-          <a:ext cx="16075199" cy="25474217"/>
+          <a:off x="14722110" y="4877883"/>
+          <a:ext cx="14675817" cy="24907044"/>
         </p:xfrm>
         <a:graphic>
           <a:graphicData uri="http://schemas.openxmlformats.org/drawingml/2006/table">
@@ -4450,7 +4419,7 @@
                 <a:tableStyleId>{F5AB1C69-6EDB-4FF4-983F-18BD219EF322}</a:tableStyleId>
               </a:tblPr>
               <a:tblGrid>
-                <a:gridCol w="16075199">
+                <a:gridCol w="14675817">
                   <a:extLst>
                     <a:ext uri="{9D8B030D-6E8A-4147-A177-3AD203B41FA5}">
                       <a16:colId xmlns:a16="http://schemas.microsoft.com/office/drawing/2014/main" val="3747045786"/>
@@ -4458,7 +4427,7 @@
                   </a:extLst>
                 </a:gridCol>
               </a:tblGrid>
-              <a:tr h="586662">
+              <a:tr h="751009">
                 <a:tc>
                   <a:txBody>
                     <a:bodyPr/>
@@ -4476,7 +4445,7 @@
                       </a:endParaRPr>
                     </a:p>
                   </a:txBody>
-                  <a:tcPr anchor="ctr">
+                  <a:tcPr anchor="b">
                     <a:lnL w="38100" cap="flat" cmpd="sng" algn="ctr">
                       <a:solidFill>
                         <a:schemeClr val="bg1"/>
@@ -4521,7 +4490,7 @@
                   </a:ext>
                 </a:extLst>
               </a:tr>
-              <a:tr h="23182864">
+              <a:tr h="23487304">
                 <a:tc>
                   <a:txBody>
                     <a:bodyPr/>
@@ -4543,7 +4512,18 @@
                           <a:ea typeface="+mn-ea"/>
                           <a:cs typeface="+mn-cs"/>
                         </a:rPr>
-                        <a:t> Results of the Second-year - Logistic regression Vs. GAM model :  </a:t>
+                        <a:t> </a:t>
+                      </a:r>
+                      <a:r>
+                        <a:rPr lang="en-US" sz="3200" kern="1200" dirty="0">
+                          <a:solidFill>
+                            <a:schemeClr val="dk1"/>
+                          </a:solidFill>
+                          <a:latin typeface="Calibri Light" panose="020F0302020204030204" pitchFamily="34" charset="0"/>
+                          <a:ea typeface="+mn-ea"/>
+                          <a:cs typeface="Calibri Light" panose="020F0302020204030204" pitchFamily="34" charset="0"/>
+                        </a:rPr>
+                        <a:t>Results of the Second-year - Logistic regression Vs. GAM model :  </a:t>
                       </a:r>
                     </a:p>
                     <a:p>
@@ -4840,8 +4820,31 @@
                         <a:lnSpc>
                           <a:spcPct val="150000"/>
                         </a:lnSpc>
+                        <a:spcBef>
+                          <a:spcPts val="0"/>
+                        </a:spcBef>
                         <a:buFont typeface="Arial" panose="020B0604020202020204" pitchFamily="34" charset="0"/>
                         <a:buNone/>
+                      </a:pPr>
+                      <a:r>
+                        <a:rPr lang="en-US" sz="3200" kern="1200" dirty="0">
+                          <a:solidFill>
+                            <a:schemeClr val="dk1"/>
+                          </a:solidFill>
+                          <a:latin typeface="Calibri Light" panose="020F0302020204030204" pitchFamily="34" charset="0"/>
+                          <a:ea typeface="+mn-ea"/>
+                          <a:cs typeface="Calibri Light" panose="020F0302020204030204" pitchFamily="34" charset="0"/>
+                        </a:rPr>
+                        <a:t>Prediction to the probability of a baby getting an Atopic disease depending on the date of birth:  </a:t>
+                      </a:r>
+                    </a:p>
+                    <a:p>
+                      <a:pPr marL="457200" indent="-457200" algn="l" rtl="0">
+                        <a:lnSpc>
+                          <a:spcPct val="150000"/>
+                        </a:lnSpc>
+                        <a:buFont typeface="Arial" panose="020B0604020202020204" pitchFamily="34" charset="0"/>
+                        <a:buChar char="•"/>
                       </a:pPr>
                       <a:endParaRPr lang="en-US" sz="3200" kern="1200" dirty="0">
                         <a:solidFill>
@@ -4851,26 +4854,6 @@
                         <a:ea typeface="+mn-ea"/>
                         <a:cs typeface="+mn-cs"/>
                       </a:endParaRPr>
-                    </a:p>
-                    <a:p>
-                      <a:pPr marL="0" indent="0" algn="l" rtl="0">
-                        <a:lnSpc>
-                          <a:spcPct val="150000"/>
-                        </a:lnSpc>
-                        <a:buFont typeface="Arial" panose="020B0604020202020204" pitchFamily="34" charset="0"/>
-                        <a:buNone/>
-                      </a:pPr>
-                      <a:r>
-                        <a:rPr lang="en-US" sz="3200" kern="1200" dirty="0">
-                          <a:solidFill>
-                            <a:schemeClr val="dk1"/>
-                          </a:solidFill>
-                          <a:latin typeface="+mn-lt"/>
-                          <a:ea typeface="+mn-ea"/>
-                          <a:cs typeface="+mn-cs"/>
-                        </a:rPr>
-                        <a:t>Probability of a baby getting an Atopic disease in the second year of his life: </a:t>
-                      </a:r>
                     </a:p>
                     <a:p>
                       <a:pPr marL="0" indent="0" algn="l" rtl="0">
@@ -4901,43 +4884,9 @@
                         <a:solidFill>
                           <a:schemeClr val="dk1"/>
                         </a:solidFill>
-                        <a:latin typeface="+mn-lt"/>
+                        <a:latin typeface="Calibri Light" panose="020F0302020204030204" pitchFamily="34" charset="0"/>
                         <a:ea typeface="+mn-ea"/>
-                        <a:cs typeface="+mn-cs"/>
-                      </a:endParaRPr>
-                    </a:p>
-                    <a:p>
-                      <a:pPr marL="0" indent="0" algn="l" rtl="0">
-                        <a:lnSpc>
-                          <a:spcPct val="150000"/>
-                        </a:lnSpc>
-                        <a:buFont typeface="Arial" panose="020B0604020202020204" pitchFamily="34" charset="0"/>
-                        <a:buNone/>
-                      </a:pPr>
-                      <a:endParaRPr lang="en-US" sz="3200" kern="1200" dirty="0">
-                        <a:solidFill>
-                          <a:schemeClr val="dk1"/>
-                        </a:solidFill>
-                        <a:latin typeface="+mn-lt"/>
-                        <a:ea typeface="+mn-ea"/>
-                        <a:cs typeface="+mn-cs"/>
-                      </a:endParaRPr>
-                    </a:p>
-                    <a:p>
-                      <a:pPr marL="0" indent="0" algn="l" rtl="0">
-                        <a:lnSpc>
-                          <a:spcPct val="150000"/>
-                        </a:lnSpc>
-                        <a:buFont typeface="Arial" panose="020B0604020202020204" pitchFamily="34" charset="0"/>
-                        <a:buNone/>
-                      </a:pPr>
-                      <a:endParaRPr lang="en-US" sz="3200" kern="1200" dirty="0">
-                        <a:solidFill>
-                          <a:schemeClr val="dk1"/>
-                        </a:solidFill>
-                        <a:latin typeface="+mn-lt"/>
-                        <a:ea typeface="+mn-ea"/>
-                        <a:cs typeface="+mn-cs"/>
+                        <a:cs typeface="Calibri Light" panose="020F0302020204030204" pitchFamily="34" charset="0"/>
                       </a:endParaRPr>
                     </a:p>
                     <a:p>
@@ -5184,14 +5133,14 @@
           <p:nvPr>
             <p:extLst>
               <p:ext uri="{D42A27DB-BD31-4B8C-83A1-F6EECF244321}">
-                <p14:modId xmlns:p14="http://schemas.microsoft.com/office/powerpoint/2010/main" val="288412767"/>
+                <p14:modId xmlns:p14="http://schemas.microsoft.com/office/powerpoint/2010/main" val="3615367705"/>
               </p:ext>
             </p:extLst>
           </p:nvPr>
         </p:nvGraphicFramePr>
         <p:xfrm>
-          <a:off x="83963" y="12272578"/>
-          <a:ext cx="12623800" cy="12607451"/>
+          <a:off x="64869" y="12208964"/>
+          <a:ext cx="14392800" cy="12498587"/>
         </p:xfrm>
         <a:graphic>
           <a:graphicData uri="http://schemas.openxmlformats.org/drawingml/2006/table">
@@ -5200,7 +5149,7 @@
                 <a:tableStyleId>{F5AB1C69-6EDB-4FF4-983F-18BD219EF322}</a:tableStyleId>
               </a:tblPr>
               <a:tblGrid>
-                <a:gridCol w="12623800">
+                <a:gridCol w="14392800">
                   <a:extLst>
                     <a:ext uri="{9D8B030D-6E8A-4147-A177-3AD203B41FA5}">
                       <a16:colId xmlns:a16="http://schemas.microsoft.com/office/drawing/2014/main" val="3747045786"/>
@@ -5208,7 +5157,7 @@
                   </a:extLst>
                 </a:gridCol>
               </a:tblGrid>
-              <a:tr h="856259">
+              <a:tr h="0">
                 <a:tc>
                   <a:txBody>
                     <a:bodyPr/>
@@ -5300,9 +5249,9 @@
                           <a:solidFill>
                             <a:schemeClr val="dk1"/>
                           </a:solidFill>
-                          <a:latin typeface="+mj-lt"/>
+                          <a:latin typeface="Calibri Light" panose="020F0302020204030204" pitchFamily="34" charset="0"/>
                           <a:ea typeface="+mn-ea"/>
-                          <a:cs typeface="+mn-cs"/>
+                          <a:cs typeface="Calibri Light" panose="020F0302020204030204" pitchFamily="34" charset="0"/>
                         </a:rPr>
                         <a:t>Data was collected starting from November 2018. </a:t>
                       </a:r>
@@ -5320,9 +5269,9 @@
                           <a:solidFill>
                             <a:schemeClr val="dk1"/>
                           </a:solidFill>
-                          <a:latin typeface="+mj-lt"/>
+                          <a:latin typeface="Calibri Light" panose="020F0302020204030204" pitchFamily="34" charset="0"/>
                           <a:ea typeface="+mn-ea"/>
-                          <a:cs typeface="+mn-cs"/>
+                          <a:cs typeface="Calibri Light" panose="020F0302020204030204" pitchFamily="34" charset="0"/>
                         </a:rPr>
                         <a:t>Experiment participants: Hebrew speaking parents from all sectors, close to due date with normal birth weight and no defects. </a:t>
                       </a:r>
@@ -5340,9 +5289,9 @@
                           <a:solidFill>
                             <a:schemeClr val="dk1"/>
                           </a:solidFill>
-                          <a:latin typeface="+mj-lt"/>
+                          <a:latin typeface="Calibri Light" panose="020F0302020204030204" pitchFamily="34" charset="0"/>
                           <a:ea typeface="+mn-ea"/>
-                          <a:cs typeface="+mn-cs"/>
+                          <a:cs typeface="Calibri Light" panose="020F0302020204030204" pitchFamily="34" charset="0"/>
                         </a:rPr>
                         <a:t>At predetermined intervals, parents were sent questionnaires to c</a:t>
                       </a:r>
@@ -5360,9 +5309,9 @@
                           <a:solidFill>
                             <a:schemeClr val="dk1"/>
                           </a:solidFill>
-                          <a:latin typeface="+mj-lt"/>
+                          <a:latin typeface="Calibri Light" panose="020F0302020204030204" pitchFamily="34" charset="0"/>
                           <a:ea typeface="+mn-ea"/>
-                          <a:cs typeface="+mn-cs"/>
+                          <a:cs typeface="Calibri Light" panose="020F0302020204030204" pitchFamily="34" charset="0"/>
                         </a:rPr>
                         <a:t>Characteristics of the babies, their families, and their environment were collected.</a:t>
                       </a:r>
@@ -5371,9 +5320,9 @@
                           <a:solidFill>
                             <a:schemeClr val="dk1"/>
                           </a:solidFill>
-                          <a:latin typeface="+mj-lt"/>
+                          <a:latin typeface="Calibri Light" panose="020F0302020204030204" pitchFamily="34" charset="0"/>
                           <a:ea typeface="+mn-ea"/>
-                          <a:cs typeface="+mn-cs"/>
+                          <a:cs typeface="Calibri Light" panose="020F0302020204030204" pitchFamily="34" charset="0"/>
                         </a:rPr>
                       </a:br>
                       <a:r>
@@ -5381,9 +5330,9 @@
                           <a:solidFill>
                             <a:schemeClr val="dk1"/>
                           </a:solidFill>
-                          <a:latin typeface="+mj-lt"/>
+                          <a:latin typeface="Calibri Light" panose="020F0302020204030204" pitchFamily="34" charset="0"/>
                           <a:ea typeface="+mn-ea"/>
-                          <a:cs typeface="+mn-cs"/>
+                          <a:cs typeface="Calibri Light" panose="020F0302020204030204" pitchFamily="34" charset="0"/>
                         </a:rPr>
                         <a:t>Development of utopian diseases among babies was examined during experiment. </a:t>
                       </a:r>
@@ -5411,9 +5360,9 @@
                           <a:solidFill>
                             <a:schemeClr val="dk1"/>
                           </a:solidFill>
-                          <a:latin typeface="+mj-lt"/>
+                          <a:latin typeface="Calibri Light" panose="020F0302020204030204" pitchFamily="34" charset="0"/>
                           <a:ea typeface="+mn-ea"/>
-                          <a:cs typeface="+mn-cs"/>
+                          <a:cs typeface="Calibri Light" panose="020F0302020204030204" pitchFamily="34" charset="0"/>
                         </a:rPr>
                         <a:t>The babies were divided into 4 groups according to the date of birth and main landmarks during the pandemic</a:t>
                       </a:r>
@@ -5421,9 +5370,9 @@
                         <a:solidFill>
                           <a:schemeClr val="dk1"/>
                         </a:solidFill>
-                        <a:latin typeface="+mj-lt"/>
+                        <a:latin typeface="Calibri Light" panose="020F0302020204030204" pitchFamily="34" charset="0"/>
                         <a:ea typeface="+mn-ea"/>
-                        <a:cs typeface="+mn-cs"/>
+                        <a:cs typeface="Calibri Light" panose="020F0302020204030204" pitchFamily="34" charset="0"/>
                       </a:endParaRPr>
                     </a:p>
                     <a:p>
@@ -5551,14 +5500,14 @@
           <p:nvPr>
             <p:extLst>
               <p:ext uri="{D42A27DB-BD31-4B8C-83A1-F6EECF244321}">
-                <p14:modId xmlns:p14="http://schemas.microsoft.com/office/powerpoint/2010/main" val="3666064296"/>
+                <p14:modId xmlns:p14="http://schemas.microsoft.com/office/powerpoint/2010/main" val="294106235"/>
               </p:ext>
             </p:extLst>
           </p:nvPr>
         </p:nvGraphicFramePr>
         <p:xfrm>
-          <a:off x="41176" y="26754297"/>
-          <a:ext cx="11912800" cy="7813783"/>
+          <a:off x="37671" y="24933243"/>
+          <a:ext cx="14392800" cy="8078470"/>
         </p:xfrm>
         <a:graphic>
           <a:graphicData uri="http://schemas.openxmlformats.org/drawingml/2006/table">
@@ -5567,7 +5516,7 @@
                 <a:tableStyleId>{F5AB1C69-6EDB-4FF4-983F-18BD219EF322}</a:tableStyleId>
               </a:tblPr>
               <a:tblGrid>
-                <a:gridCol w="11912800">
+                <a:gridCol w="14392800">
                   <a:extLst>
                     <a:ext uri="{9D8B030D-6E8A-4147-A177-3AD203B41FA5}">
                       <a16:colId xmlns:a16="http://schemas.microsoft.com/office/drawing/2014/main" val="3747045786"/>
@@ -5575,7 +5524,7 @@
                   </a:extLst>
                 </a:gridCol>
               </a:tblGrid>
-              <a:tr h="649657">
+              <a:tr h="734639">
                 <a:tc>
                   <a:txBody>
                     <a:bodyPr/>
@@ -5589,12 +5538,12 @@
                         <a:buNone/>
                       </a:pPr>
                       <a:r>
-                        <a:rPr lang="en-US" sz="2800" dirty="0">
+                        <a:rPr lang="en-US" sz="3200" dirty="0">
                           <a:latin typeface="+mj-lt"/>
                         </a:rPr>
                         <a:t>Experimental Design</a:t>
                       </a:r>
-                      <a:endParaRPr lang="en-US" sz="2800" kern="1200" dirty="0">
+                      <a:endParaRPr lang="en-US" sz="3200" kern="1200" dirty="0">
                         <a:solidFill>
                           <a:schemeClr val="dk1"/>
                         </a:solidFill>
@@ -5663,7 +5612,7 @@
                         <a:buChar char="•"/>
                       </a:pPr>
                       <a:r>
-                        <a:rPr lang="en-US" sz="2800" b="1" kern="1200" dirty="0">
+                        <a:rPr lang="en-US" sz="3200" b="1" kern="1200" dirty="0">
                           <a:solidFill>
                             <a:schemeClr val="dk1"/>
                           </a:solidFill>
@@ -5674,7 +5623,7 @@
                         <a:t>Logistic Regression Model </a:t>
                       </a:r>
                       <a:r>
-                        <a:rPr lang="en-US" sz="2800" kern="1200" dirty="0">
+                        <a:rPr lang="en-US" sz="3200" kern="1200" dirty="0">
                           <a:solidFill>
                             <a:schemeClr val="dk1"/>
                           </a:solidFill>
@@ -5693,7 +5642,7 @@
                         <a:buFont typeface="Arial" panose="020B0604020202020204" pitchFamily="34" charset="0"/>
                         <a:buChar char="•"/>
                       </a:pPr>
-                      <a:endParaRPr lang="en-US" sz="2800" kern="1200" dirty="0">
+                      <a:endParaRPr lang="en-US" sz="3200" kern="1200" dirty="0">
                         <a:solidFill>
                           <a:schemeClr val="dk1"/>
                         </a:solidFill>
@@ -5711,7 +5660,7 @@
                         <a:buChar char="•"/>
                       </a:pPr>
                       <a:r>
-                        <a:rPr lang="en-US" sz="2800" b="1" kern="1200" dirty="0">
+                        <a:rPr lang="en-US" sz="3200" b="1" kern="1200" dirty="0">
                           <a:solidFill>
                             <a:schemeClr val="dk1"/>
                           </a:solidFill>
@@ -5722,7 +5671,7 @@
                         <a:t>Generalized Additive Model: </a:t>
                       </a:r>
                       <a:r>
-                        <a:rPr lang="en-US" sz="2800" b="0" kern="1200" dirty="0">
+                        <a:rPr lang="en-US" sz="3200" b="0" kern="1200" dirty="0">
                           <a:solidFill>
                             <a:schemeClr val="dk1"/>
                           </a:solidFill>
@@ -5733,7 +5682,7 @@
                         <a:t>GAM model </a:t>
                       </a:r>
                       <a:r>
-                        <a:rPr lang="en-US" sz="2800" kern="1200" dirty="0">
+                        <a:rPr lang="en-US" sz="3200" kern="1200" dirty="0">
                           <a:solidFill>
                             <a:schemeClr val="dk1"/>
                           </a:solidFill>
@@ -5818,14 +5767,14 @@
           <p:nvPr>
             <p:extLst>
               <p:ext uri="{D42A27DB-BD31-4B8C-83A1-F6EECF244321}">
-                <p14:modId xmlns:p14="http://schemas.microsoft.com/office/powerpoint/2010/main" val="1682231514"/>
+                <p14:modId xmlns:p14="http://schemas.microsoft.com/office/powerpoint/2010/main" val="2694900852"/>
               </p:ext>
             </p:extLst>
           </p:nvPr>
         </p:nvGraphicFramePr>
         <p:xfrm>
-          <a:off x="12062298" y="28661618"/>
-          <a:ext cx="17457265" cy="5862577"/>
+          <a:off x="14722110" y="29991147"/>
+          <a:ext cx="14759782" cy="4332754"/>
         </p:xfrm>
         <a:graphic>
           <a:graphicData uri="http://schemas.openxmlformats.org/drawingml/2006/table">
@@ -5834,7 +5783,7 @@
                 <a:tableStyleId>{F5AB1C69-6EDB-4FF4-983F-18BD219EF322}</a:tableStyleId>
               </a:tblPr>
               <a:tblGrid>
-                <a:gridCol w="17457265">
+                <a:gridCol w="14759782">
                   <a:extLst>
                     <a:ext uri="{9D8B030D-6E8A-4147-A177-3AD203B41FA5}">
                       <a16:colId xmlns:a16="http://schemas.microsoft.com/office/drawing/2014/main" val="3747045786"/>
@@ -5842,7 +5791,7 @@
                   </a:extLst>
                 </a:gridCol>
               </a:tblGrid>
-              <a:tr h="867345">
+              <a:tr h="734911">
                 <a:tc>
                   <a:txBody>
                     <a:bodyPr/>
@@ -5905,7 +5854,7 @@
                   </a:ext>
                 </a:extLst>
               </a:tr>
-              <a:tr h="4995232">
+              <a:tr h="3597843">
                 <a:tc>
                   <a:txBody>
                     <a:bodyPr/>
@@ -5986,50 +5935,6 @@
           </a:graphicData>
         </a:graphic>
       </p:graphicFrame>
-      <p:sp>
-        <p:nvSpPr>
-          <p:cNvPr id="11" name="TextBox 10">
-            <a:extLst>
-              <a:ext uri="{FF2B5EF4-FFF2-40B4-BE49-F238E27FC236}">
-                <a16:creationId xmlns:a16="http://schemas.microsoft.com/office/drawing/2014/main" id="{5B2E3B24-2FD4-D155-947E-C24B67FC83A3}"/>
-              </a:ext>
-            </a:extLst>
-          </p:cNvPr>
-          <p:cNvSpPr txBox="1"/>
-          <p:nvPr/>
-        </p:nvSpPr>
-        <p:spPr>
-          <a:xfrm>
-            <a:off x="23342600" y="12696791"/>
-            <a:ext cx="1625600" cy="707886"/>
-          </a:xfrm>
-          <a:prstGeom prst="rect">
-            <a:avLst/>
-          </a:prstGeom>
-          <a:noFill/>
-        </p:spPr>
-        <p:txBody>
-          <a:bodyPr wrap="square">
-            <a:spAutoFit/>
-          </a:bodyPr>
-          <a:lstStyle/>
-          <a:p>
-            <a:pPr algn="ctr"/>
-            <a:r>
-              <a:rPr lang="en-US" sz="2000" b="1" kern="1200" dirty="0">
-                <a:solidFill>
-                  <a:schemeClr val="dk1"/>
-                </a:solidFill>
-                <a:latin typeface="+mj-lt"/>
-                <a:ea typeface="+mn-ea"/>
-                <a:cs typeface="+mn-cs"/>
-              </a:rPr>
-              <a:t>See graph below</a:t>
-            </a:r>
-            <a:endParaRPr lang="en-US" sz="2000" b="1" dirty="0"/>
-          </a:p>
-        </p:txBody>
-      </p:sp>
       <p:graphicFrame>
         <p:nvGraphicFramePr>
           <p:cNvPr id="8" name="Table 7">
@@ -6045,13 +5950,13 @@
           <p:nvPr>
             <p:extLst>
               <p:ext uri="{D42A27DB-BD31-4B8C-83A1-F6EECF244321}">
-                <p14:modId xmlns:p14="http://schemas.microsoft.com/office/powerpoint/2010/main" val="892441648"/>
+                <p14:modId xmlns:p14="http://schemas.microsoft.com/office/powerpoint/2010/main" val="973883131"/>
               </p:ext>
             </p:extLst>
           </p:nvPr>
         </p:nvGraphicFramePr>
         <p:xfrm>
-          <a:off x="771799" y="22863412"/>
+          <a:off x="1637048" y="19802726"/>
           <a:ext cx="10451554" cy="3416083"/>
         </p:xfrm>
         <a:graphic>
@@ -6724,70 +6629,70 @@
           <p:nvPr>
             <p:extLst>
               <p:ext uri="{D42A27DB-BD31-4B8C-83A1-F6EECF244321}">
-                <p14:modId xmlns:p14="http://schemas.microsoft.com/office/powerpoint/2010/main" val="4097028160"/>
+                <p14:modId xmlns:p14="http://schemas.microsoft.com/office/powerpoint/2010/main" val="4031527223"/>
               </p:ext>
             </p:extLst>
           </p:nvPr>
         </p:nvGraphicFramePr>
         <p:xfrm>
-          <a:off x="13749746" y="6316995"/>
-          <a:ext cx="15422564" cy="12517653"/>
+          <a:off x="15057048" y="6408944"/>
+          <a:ext cx="14081275" cy="12160429"/>
         </p:xfrm>
         <a:graphic>
           <a:graphicData uri="http://schemas.openxmlformats.org/drawingml/2006/table">
             <a:tbl>
               <a:tblPr/>
               <a:tblGrid>
-                <a:gridCol w="4943115">
+                <a:gridCol w="5337545">
                   <a:extLst>
                     <a:ext uri="{9D8B030D-6E8A-4147-A177-3AD203B41FA5}">
                       <a16:colId xmlns:a16="http://schemas.microsoft.com/office/drawing/2014/main" val="1687023719"/>
                     </a:ext>
                   </a:extLst>
                 </a:gridCol>
-                <a:gridCol w="1865135">
+                <a:gridCol w="1637414">
                   <a:extLst>
                     <a:ext uri="{9D8B030D-6E8A-4147-A177-3AD203B41FA5}">
                       <a16:colId xmlns:a16="http://schemas.microsoft.com/office/drawing/2014/main" val="1042797128"/>
                     </a:ext>
                   </a:extLst>
                 </a:gridCol>
-                <a:gridCol w="1010615">
+                <a:gridCol w="1080000">
                   <a:extLst>
                     <a:ext uri="{9D8B030D-6E8A-4147-A177-3AD203B41FA5}">
                       <a16:colId xmlns:a16="http://schemas.microsoft.com/office/drawing/2014/main" val="2733175140"/>
                     </a:ext>
                   </a:extLst>
                 </a:gridCol>
-                <a:gridCol w="1053919">
+                <a:gridCol w="1080000">
                   <a:extLst>
                     <a:ext uri="{9D8B030D-6E8A-4147-A177-3AD203B41FA5}">
                       <a16:colId xmlns:a16="http://schemas.microsoft.com/office/drawing/2014/main" val="1020968963"/>
                     </a:ext>
                   </a:extLst>
                 </a:gridCol>
-                <a:gridCol w="1593974">
+                <a:gridCol w="1148316">
                   <a:extLst>
                     <a:ext uri="{9D8B030D-6E8A-4147-A177-3AD203B41FA5}">
                       <a16:colId xmlns:a16="http://schemas.microsoft.com/office/drawing/2014/main" val="3302576519"/>
                     </a:ext>
                   </a:extLst>
                 </a:gridCol>
-                <a:gridCol w="2295882">
+                <a:gridCol w="1638000">
                   <a:extLst>
                     <a:ext uri="{9D8B030D-6E8A-4147-A177-3AD203B41FA5}">
                       <a16:colId xmlns:a16="http://schemas.microsoft.com/office/drawing/2014/main" val="1835266576"/>
                     </a:ext>
                   </a:extLst>
                 </a:gridCol>
-                <a:gridCol w="1390310">
+                <a:gridCol w="1080000">
                   <a:extLst>
                     <a:ext uri="{9D8B030D-6E8A-4147-A177-3AD203B41FA5}">
                       <a16:colId xmlns:a16="http://schemas.microsoft.com/office/drawing/2014/main" val="1266378933"/>
                     </a:ext>
                   </a:extLst>
                 </a:gridCol>
-                <a:gridCol w="1269614">
+                <a:gridCol w="1080000">
                   <a:extLst>
                     <a:ext uri="{9D8B030D-6E8A-4147-A177-3AD203B41FA5}">
                       <a16:colId xmlns:a16="http://schemas.microsoft.com/office/drawing/2014/main" val="4255070870"/>
@@ -6864,7 +6769,7 @@
                     <a:p>
                       <a:pPr algn="ctr" fontAlgn="ctr"/>
                       <a:r>
-                        <a:rPr lang="en-US" sz="3200" b="1" i="0" u="none" strike="noStrike">
+                        <a:rPr lang="en-US" sz="3200" b="1" i="0" u="none" strike="noStrike" dirty="0">
                           <a:solidFill>
                             <a:srgbClr val="000000"/>
                           </a:solidFill>
@@ -6952,7 +6857,7 @@
                     <a:p>
                       <a:pPr algn="ctr" fontAlgn="ctr"/>
                       <a:r>
-                        <a:rPr lang="en-US" sz="3200" b="1" i="0" u="none" strike="noStrike">
+                        <a:rPr lang="en-US" sz="3200" b="1" i="0" u="none" strike="noStrike" dirty="0">
                           <a:solidFill>
                             <a:srgbClr val="000000"/>
                           </a:solidFill>
@@ -7096,15 +7001,15 @@
                     <a:p>
                       <a:pPr algn="ctr" fontAlgn="ctr"/>
                       <a:r>
-                        <a:rPr lang="en-US" sz="3200" b="0" i="0" u="none" strike="noStrike">
-                          <a:solidFill>
-                            <a:srgbClr val="000000"/>
-                          </a:solidFill>
-                          <a:effectLst/>
-                          <a:latin typeface="Calibri Light" panose="020F0302020204030204" pitchFamily="34" charset="0"/>
-                          <a:cs typeface="Calibri Light" panose="020F0302020204030204" pitchFamily="34" charset="0"/>
-                        </a:rPr>
-                        <a:t>Std</a:t>
+                        <a:rPr lang="en-US" sz="3200" b="0" i="0" u="none" strike="noStrike" dirty="0">
+                          <a:solidFill>
+                            <a:srgbClr val="000000"/>
+                          </a:solidFill>
+                          <a:effectLst/>
+                          <a:latin typeface="Calibri Light" panose="020F0302020204030204" pitchFamily="34" charset="0"/>
+                          <a:cs typeface="Calibri Light" panose="020F0302020204030204" pitchFamily="34" charset="0"/>
+                        </a:rPr>
+                        <a:t>Std. Error</a:t>
                       </a:r>
                     </a:p>
                   </a:txBody>
@@ -7472,7 +7377,7 @@
                     <a:p>
                       <a:pPr algn="ctr" fontAlgn="ctr"/>
                       <a:r>
-                        <a:rPr lang="he-IL" sz="3200" b="0" i="0" u="none" strike="noStrike">
+                        <a:rPr lang="he-IL" sz="3200" b="0" i="0" u="none" strike="noStrike" dirty="0">
                           <a:solidFill>
                             <a:srgbClr val="000000"/>
                           </a:solidFill>
@@ -7705,7 +7610,7 @@
                     <a:p>
                       <a:pPr algn="ctr" fontAlgn="ctr"/>
                       <a:r>
-                        <a:rPr lang="he-IL" sz="3200" b="0" i="0" u="none" strike="noStrike">
+                        <a:rPr lang="he-IL" sz="3200" b="0" i="0" u="none" strike="noStrike" dirty="0">
                           <a:solidFill>
                             <a:srgbClr val="000000"/>
                           </a:solidFill>
@@ -7748,7 +7653,7 @@
                     <a:p>
                       <a:pPr algn="ctr" fontAlgn="ctr"/>
                       <a:r>
-                        <a:rPr lang="he-IL" sz="3200" b="0" i="0" u="none" strike="noStrike">
+                        <a:rPr lang="he-IL" sz="3200" b="0" i="0" u="none" strike="noStrike" dirty="0">
                           <a:solidFill>
                             <a:srgbClr val="000000"/>
                           </a:solidFill>
@@ -8235,7 +8140,7 @@
                     <a:p>
                       <a:pPr algn="ctr" fontAlgn="ctr"/>
                       <a:r>
-                        <a:rPr lang="he-IL" sz="3200" b="0" i="0" u="none" strike="noStrike">
+                        <a:rPr lang="he-IL" sz="3200" b="0" i="0" u="none" strike="noStrike" dirty="0">
                           <a:solidFill>
                             <a:srgbClr val="000000"/>
                           </a:solidFill>
@@ -8315,7 +8220,7 @@
                     <a:p>
                       <a:pPr algn="ctr" fontAlgn="ctr"/>
                       <a:r>
-                        <a:rPr lang="he-IL" sz="3200" b="0" i="0" u="none" strike="noStrike">
+                        <a:rPr lang="he-IL" sz="3200" b="0" i="0" u="none" strike="noStrike" dirty="0">
                           <a:solidFill>
                             <a:srgbClr val="000000"/>
                           </a:solidFill>
@@ -8438,7 +8343,7 @@
                     <a:p>
                       <a:pPr algn="ctr" fontAlgn="ctr"/>
                       <a:r>
-                        <a:rPr lang="he-IL" sz="3200" b="0" i="0" u="none" strike="noStrike">
+                        <a:rPr lang="he-IL" sz="3200" b="0" i="0" u="none" strike="noStrike" dirty="0">
                           <a:solidFill>
                             <a:srgbClr val="000000"/>
                           </a:solidFill>
@@ -8899,7 +8804,7 @@
                   </a:ext>
                 </a:extLst>
               </a:tr>
-              <a:tr h="494110">
+              <a:tr h="522902">
                 <a:tc>
                   <a:txBody>
                     <a:bodyPr/>
@@ -8956,7 +8861,7 @@
                     <a:p>
                       <a:pPr algn="ctr" fontAlgn="ctr"/>
                       <a:r>
-                        <a:rPr lang="he-IL" sz="3200" b="0" i="0" u="none" strike="noStrike">
+                        <a:rPr lang="he-IL" sz="3200" b="0" i="0" u="none" strike="noStrike" dirty="0">
                           <a:solidFill>
                             <a:srgbClr val="000000"/>
                           </a:solidFill>
@@ -9116,7 +9021,7 @@
                     <a:p>
                       <a:pPr algn="ctr" fontAlgn="ctr"/>
                       <a:r>
-                        <a:rPr lang="he-IL" sz="3200" b="0" i="0" u="none" strike="noStrike">
+                        <a:rPr lang="he-IL" sz="3200" b="0" i="0" u="none" strike="noStrike" dirty="0">
                           <a:solidFill>
                             <a:srgbClr val="000000"/>
                           </a:solidFill>
@@ -9338,7 +9243,7 @@
                     <a:p>
                       <a:pPr algn="ctr" fontAlgn="ctr"/>
                       <a:r>
-                        <a:rPr lang="he-IL" sz="3200" b="0" i="0" u="none" strike="noStrike">
+                        <a:rPr lang="he-IL" sz="3200" b="0" i="0" u="none" strike="noStrike" dirty="0">
                           <a:solidFill>
                             <a:srgbClr val="000000"/>
                           </a:solidFill>
@@ -9498,7 +9403,7 @@
                     <a:p>
                       <a:pPr algn="ctr" fontAlgn="ctr"/>
                       <a:r>
-                        <a:rPr lang="he-IL" sz="3200" b="0" i="0" u="none" strike="noStrike">
+                        <a:rPr lang="he-IL" sz="3200" b="0" i="0" u="none" strike="noStrike" dirty="0">
                           <a:solidFill>
                             <a:srgbClr val="000000"/>
                           </a:solidFill>
@@ -9634,7 +9539,7 @@
                     <a:p>
                       <a:pPr algn="ctr" fontAlgn="ctr"/>
                       <a:r>
-                        <a:rPr lang="he-IL" sz="3200" b="0" i="0" u="none" strike="noStrike">
+                        <a:rPr lang="he-IL" sz="3200" b="0" i="0" u="none" strike="noStrike" dirty="0">
                           <a:solidFill>
                             <a:srgbClr val="000000"/>
                           </a:solidFill>
@@ -9677,7 +9582,7 @@
                     <a:p>
                       <a:pPr algn="ctr" fontAlgn="ctr"/>
                       <a:r>
-                        <a:rPr lang="he-IL" sz="3200" b="0" i="0" u="none" strike="noStrike">
+                        <a:rPr lang="he-IL" sz="3200" b="0" i="0" u="none" strike="noStrike" dirty="0">
                           <a:solidFill>
                             <a:srgbClr val="000000"/>
                           </a:solidFill>
@@ -9714,7 +9619,7 @@
                     <a:p>
                       <a:pPr algn="ctr" fontAlgn="ctr"/>
                       <a:r>
-                        <a:rPr lang="he-IL" sz="3200" b="0" i="0" u="none" strike="noStrike">
+                        <a:rPr lang="he-IL" sz="3200" b="0" i="0" u="none" strike="noStrike" dirty="0">
                           <a:solidFill>
                             <a:srgbClr val="000000"/>
                           </a:solidFill>
@@ -9794,7 +9699,7 @@
                     <a:p>
                       <a:pPr algn="ctr" fontAlgn="ctr"/>
                       <a:r>
-                        <a:rPr lang="he-IL" sz="3200" b="0" i="0" u="none" strike="noStrike">
+                        <a:rPr lang="he-IL" sz="3200" b="0" i="0" u="none" strike="noStrike" dirty="0">
                           <a:solidFill>
                             <a:srgbClr val="000000"/>
                           </a:solidFill>
@@ -9837,7 +9742,7 @@
                     <a:p>
                       <a:pPr algn="ctr" fontAlgn="ctr"/>
                       <a:r>
-                        <a:rPr lang="he-IL" sz="3200" b="0" i="0" u="none" strike="noStrike">
+                        <a:rPr lang="he-IL" sz="3200" b="0" i="0" u="none" strike="noStrike" dirty="0">
                           <a:solidFill>
                             <a:srgbClr val="000000"/>
                           </a:solidFill>
@@ -9874,7 +9779,7 @@
                     <a:p>
                       <a:pPr algn="ctr" fontAlgn="ctr"/>
                       <a:r>
-                        <a:rPr lang="he-IL" sz="3200" b="0" i="0" u="none" strike="noStrike">
+                        <a:rPr lang="he-IL" sz="3200" b="0" i="0" u="none" strike="noStrike" dirty="0">
                           <a:solidFill>
                             <a:srgbClr val="000000"/>
                           </a:solidFill>
@@ -9973,7 +9878,7 @@
                     <a:p>
                       <a:pPr algn="ctr" fontAlgn="ctr"/>
                       <a:r>
-                        <a:rPr lang="he-IL" sz="3200" b="0" i="0" u="none" strike="noStrike">
+                        <a:rPr lang="he-IL" sz="3200" b="0" i="0" u="none" strike="noStrike" dirty="0">
                           <a:solidFill>
                             <a:srgbClr val="000000"/>
                           </a:solidFill>
@@ -10016,7 +9921,7 @@
                     <a:p>
                       <a:pPr algn="ctr" fontAlgn="ctr"/>
                       <a:r>
-                        <a:rPr lang="he-IL" sz="3200" b="0" i="0" u="none" strike="noStrike">
+                        <a:rPr lang="he-IL" sz="3200" b="0" i="0" u="none" strike="noStrike" dirty="0">
                           <a:solidFill>
                             <a:srgbClr val="000000"/>
                           </a:solidFill>
@@ -10133,7 +10038,7 @@
                     <a:p>
                       <a:pPr algn="ctr" fontAlgn="ctr"/>
                       <a:r>
-                        <a:rPr lang="he-IL" sz="3200" b="0" i="0" u="none" strike="noStrike">
+                        <a:rPr lang="he-IL" sz="3200" b="0" i="0" u="none" strike="noStrike" dirty="0">
                           <a:solidFill>
                             <a:srgbClr val="000000"/>
                           </a:solidFill>
@@ -10176,7 +10081,7 @@
                     <a:p>
                       <a:pPr algn="ctr" fontAlgn="ctr"/>
                       <a:r>
-                        <a:rPr lang="he-IL" sz="3200" b="0" i="0" u="none" strike="noStrike">
+                        <a:rPr lang="he-IL" sz="3200" b="0" i="0" u="none" strike="noStrike" dirty="0">
                           <a:solidFill>
                             <a:srgbClr val="000000"/>
                           </a:solidFill>
@@ -10392,7 +10297,7 @@
                     <a:p>
                       <a:pPr algn="ctr" fontAlgn="ctr"/>
                       <a:r>
-                        <a:rPr lang="he-IL" sz="3200" b="0" i="0" u="none" strike="noStrike">
+                        <a:rPr lang="he-IL" sz="3200" b="0" i="0" u="none" strike="noStrike" dirty="0">
                           <a:solidFill>
                             <a:srgbClr val="000000"/>
                           </a:solidFill>
@@ -10515,7 +10420,7 @@
                     <a:p>
                       <a:pPr algn="ctr" fontAlgn="ctr"/>
                       <a:r>
-                        <a:rPr lang="he-IL" sz="3200" b="0" i="0" u="none" strike="noStrike">
+                        <a:rPr lang="he-IL" sz="3200" b="0" i="0" u="none" strike="noStrike" dirty="0">
                           <a:solidFill>
                             <a:srgbClr val="000000"/>
                           </a:solidFill>
@@ -10552,7 +10457,7 @@
                     <a:p>
                       <a:pPr algn="ctr" fontAlgn="ctr"/>
                       <a:r>
-                        <a:rPr lang="he-IL" sz="3200" b="0" i="0" u="none" strike="noStrike">
+                        <a:rPr lang="he-IL" sz="3200" b="0" i="0" u="none" strike="noStrike" dirty="0">
                           <a:solidFill>
                             <a:srgbClr val="000000"/>
                           </a:solidFill>
@@ -10719,7 +10624,7 @@
                     <a:p>
                       <a:pPr algn="ctr" fontAlgn="ctr"/>
                       <a:r>
-                        <a:rPr lang="he-IL" sz="3200" b="0" i="0" u="none" strike="noStrike">
+                        <a:rPr lang="he-IL" sz="3200" b="0" i="0" u="none" strike="noStrike" dirty="0">
                           <a:solidFill>
                             <a:srgbClr val="000000"/>
                           </a:solidFill>
@@ -10759,7 +10664,7 @@
                     <a:p>
                       <a:pPr algn="ctr" fontAlgn="ctr"/>
                       <a:r>
-                        <a:rPr lang="he-IL" sz="3200" b="0" i="0" u="none" strike="noStrike">
+                        <a:rPr lang="he-IL" sz="3200" b="0" i="0" u="none" strike="noStrike" dirty="0">
                           <a:solidFill>
                             <a:srgbClr val="000000"/>
                           </a:solidFill>
@@ -11033,7 +10938,7 @@
                     <a:p>
                       <a:pPr algn="ctr" fontAlgn="ctr"/>
                       <a:r>
-                        <a:rPr lang="he-IL" sz="3200" b="0" i="0" u="none" strike="noStrike">
+                        <a:rPr lang="he-IL" sz="3200" b="0" i="0" u="none" strike="noStrike" dirty="0">
                           <a:solidFill>
                             <a:srgbClr val="000000"/>
                           </a:solidFill>
@@ -11076,7 +10981,7 @@
                     <a:p>
                       <a:pPr algn="ctr" fontAlgn="ctr"/>
                       <a:r>
-                        <a:rPr lang="he-IL" sz="3200" b="0" i="0" u="none" strike="noStrike">
+                        <a:rPr lang="he-IL" sz="3200" b="0" i="0" u="none" strike="noStrike" dirty="0">
                           <a:solidFill>
                             <a:srgbClr val="000000"/>
                           </a:solidFill>
@@ -11113,7 +11018,7 @@
                     <a:p>
                       <a:pPr algn="ctr" fontAlgn="ctr"/>
                       <a:r>
-                        <a:rPr lang="he-IL" sz="3200" b="0" i="0" u="none" strike="noStrike">
+                        <a:rPr lang="he-IL" sz="3200" b="0" i="0" u="none" strike="noStrike" dirty="0">
                           <a:solidFill>
                             <a:srgbClr val="000000"/>
                           </a:solidFill>
@@ -11236,7 +11141,7 @@
                     <a:p>
                       <a:pPr algn="ctr" fontAlgn="ctr"/>
                       <a:r>
-                        <a:rPr lang="he-IL" sz="3200" b="0" i="0" u="none" strike="noStrike">
+                        <a:rPr lang="he-IL" sz="3200" b="0" i="0" u="none" strike="noStrike" dirty="0">
                           <a:solidFill>
                             <a:srgbClr val="000000"/>
                           </a:solidFill>
@@ -11273,7 +11178,7 @@
                     <a:p>
                       <a:pPr algn="ctr" fontAlgn="ctr"/>
                       <a:r>
-                        <a:rPr lang="he-IL" sz="3200" b="0" i="0" u="none" strike="noStrike">
+                        <a:rPr lang="he-IL" sz="3200" b="0" i="0" u="none" strike="noStrike" dirty="0">
                           <a:solidFill>
                             <a:srgbClr val="000000"/>
                           </a:solidFill>
@@ -11415,7 +11320,7 @@
                     <a:p>
                       <a:pPr algn="ctr" fontAlgn="ctr"/>
                       <a:r>
-                        <a:rPr lang="he-IL" sz="3200" b="0" i="0" u="none" strike="noStrike">
+                        <a:rPr lang="he-IL" sz="3200" b="0" i="0" u="none" strike="noStrike" dirty="0">
                           <a:solidFill>
                             <a:srgbClr val="000000"/>
                           </a:solidFill>
@@ -11575,7 +11480,7 @@
                     <a:p>
                       <a:pPr algn="ctr" fontAlgn="ctr"/>
                       <a:r>
-                        <a:rPr lang="he-IL" sz="3200" b="0" i="0" u="none" strike="noStrike">
+                        <a:rPr lang="he-IL" sz="3200" b="0" i="0" u="none" strike="noStrike" dirty="0">
                           <a:solidFill>
                             <a:srgbClr val="000000"/>
                           </a:solidFill>
@@ -11711,7 +11616,7 @@
                     <a:p>
                       <a:pPr algn="ctr" fontAlgn="ctr"/>
                       <a:r>
-                        <a:rPr lang="he-IL" sz="3200" b="0" i="0" u="none" strike="noStrike">
+                        <a:rPr lang="he-IL" sz="3200" b="0" i="0" u="none" strike="noStrike" dirty="0">
                           <a:solidFill>
                             <a:srgbClr val="000000"/>
                           </a:solidFill>
@@ -11754,7 +11659,7 @@
                     <a:p>
                       <a:pPr algn="ctr" fontAlgn="ctr"/>
                       <a:r>
-                        <a:rPr lang="he-IL" sz="3200" b="0" i="0" u="none" strike="noStrike">
+                        <a:rPr lang="he-IL" sz="3200" b="0" i="0" u="none" strike="noStrike" dirty="0">
                           <a:solidFill>
                             <a:srgbClr val="000000"/>
                           </a:solidFill>
@@ -11791,7 +11696,7 @@
                     <a:p>
                       <a:pPr algn="ctr" fontAlgn="ctr"/>
                       <a:r>
-                        <a:rPr lang="he-IL" sz="3200" b="0" i="0" u="none" strike="noStrike">
+                        <a:rPr lang="he-IL" sz="3200" b="0" i="0" u="none" strike="noStrike" dirty="0">
                           <a:solidFill>
                             <a:srgbClr val="000000"/>
                           </a:solidFill>
@@ -11951,7 +11856,7 @@
                     <a:p>
                       <a:pPr algn="ctr" fontAlgn="ctr"/>
                       <a:r>
-                        <a:rPr lang="he-IL" sz="3200" b="0" i="0" u="none" strike="noStrike">
+                        <a:rPr lang="he-IL" sz="3200" b="0" i="0" u="none" strike="noStrike" dirty="0">
                           <a:solidFill>
                             <a:srgbClr val="000000"/>
                           </a:solidFill>
@@ -12050,7 +11955,7 @@
                     <a:p>
                       <a:pPr algn="ctr" fontAlgn="ctr"/>
                       <a:r>
-                        <a:rPr lang="he-IL" sz="3200" b="0" i="0" u="none" strike="noStrike">
+                        <a:rPr lang="he-IL" sz="3200" b="0" i="0" u="none" strike="noStrike" dirty="0">
                           <a:solidFill>
                             <a:srgbClr val="000000"/>
                           </a:solidFill>
@@ -12093,7 +11998,7 @@
                     <a:p>
                       <a:pPr algn="ctr" fontAlgn="ctr"/>
                       <a:r>
-                        <a:rPr lang="he-IL" sz="3200" b="0" i="0" u="none" strike="noStrike">
+                        <a:rPr lang="he-IL" sz="3200" b="0" i="0" u="none" strike="noStrike" dirty="0">
                           <a:solidFill>
                             <a:srgbClr val="000000"/>
                           </a:solidFill>
@@ -12130,7 +12035,7 @@
                     <a:p>
                       <a:pPr algn="ctr" fontAlgn="ctr"/>
                       <a:r>
-                        <a:rPr lang="he-IL" sz="3200" b="0" i="0" u="none" strike="noStrike">
+                        <a:rPr lang="he-IL" sz="3200" b="0" i="0" u="none" strike="noStrike" dirty="0">
                           <a:solidFill>
                             <a:srgbClr val="000000"/>
                           </a:solidFill>
@@ -12210,7 +12115,7 @@
                     <a:p>
                       <a:pPr algn="ctr" fontAlgn="ctr"/>
                       <a:r>
-                        <a:rPr lang="he-IL" sz="3200" b="0" i="0" u="none" strike="noStrike">
+                        <a:rPr lang="he-IL" sz="3200" b="0" i="0" u="none" strike="noStrike" dirty="0">
                           <a:solidFill>
                             <a:srgbClr val="000000"/>
                           </a:solidFill>
@@ -12290,7 +12195,7 @@
                     <a:p>
                       <a:pPr algn="ctr" fontAlgn="ctr"/>
                       <a:r>
-                        <a:rPr lang="he-IL" sz="3200" b="0" i="0" u="none" strike="noStrike">
+                        <a:rPr lang="he-IL" sz="3200" b="0" i="0" u="none" strike="noStrike" dirty="0">
                           <a:solidFill>
                             <a:srgbClr val="000000"/>
                           </a:solidFill>
@@ -12403,7 +12308,7 @@
                     <a:p>
                       <a:pPr algn="ctr" fontAlgn="ctr"/>
                       <a:r>
-                        <a:rPr lang="he-IL" sz="3200" b="0" i="0" u="none" strike="noStrike">
+                        <a:rPr lang="he-IL" sz="3200" b="0" i="0" u="none" strike="noStrike" dirty="0">
                           <a:solidFill>
                             <a:srgbClr val="000000"/>
                           </a:solidFill>
@@ -12449,7 +12354,7 @@
                     <a:p>
                       <a:pPr algn="ctr" fontAlgn="ctr"/>
                       <a:r>
-                        <a:rPr lang="he-IL" sz="3200" b="0" i="0" u="none" strike="noStrike">
+                        <a:rPr lang="he-IL" sz="3200" b="0" i="0" u="none" strike="noStrike" dirty="0">
                           <a:solidFill>
                             <a:srgbClr val="000000"/>
                           </a:solidFill>
@@ -12489,7 +12394,7 @@
                     <a:p>
                       <a:pPr algn="ctr" fontAlgn="ctr"/>
                       <a:r>
-                        <a:rPr lang="he-IL" sz="3200" b="0" i="0" u="none" strike="noStrike">
+                        <a:rPr lang="he-IL" sz="3200" b="0" i="0" u="none" strike="noStrike" dirty="0">
                           <a:solidFill>
                             <a:srgbClr val="000000"/>
                           </a:solidFill>
@@ -12754,7 +12659,7 @@
                     <a:p>
                       <a:pPr algn="ctr" fontAlgn="ctr"/>
                       <a:r>
-                        <a:rPr lang="he-IL" sz="3200" b="0" i="0" u="none" strike="noStrike">
+                        <a:rPr lang="he-IL" sz="3200" b="0" i="0" u="none" strike="noStrike" dirty="0">
                           <a:solidFill>
                             <a:srgbClr val="000000"/>
                           </a:solidFill>
@@ -12800,7 +12705,7 @@
                     <a:p>
                       <a:pPr algn="ctr" fontAlgn="ctr"/>
                       <a:r>
-                        <a:rPr lang="he-IL" sz="3200" b="0" i="0" u="none" strike="noStrike">
+                        <a:rPr lang="he-IL" sz="3200" b="0" i="0" u="none" strike="noStrike" dirty="0">
                           <a:solidFill>
                             <a:srgbClr val="000000"/>
                           </a:solidFill>
@@ -12840,7 +12745,7 @@
                     <a:p>
                       <a:pPr algn="ctr" fontAlgn="ctr"/>
                       <a:r>
-                        <a:rPr lang="he-IL" sz="3200" b="0" i="0" u="none" strike="noStrike">
+                        <a:rPr lang="he-IL" sz="3200" b="0" i="0" u="none" strike="noStrike" dirty="0">
                           <a:solidFill>
                             <a:srgbClr val="000000"/>
                           </a:solidFill>
@@ -13267,6 +13172,41 @@
           </a:graphicData>
         </a:graphic>
       </p:graphicFrame>
+      <p:pic>
+        <p:nvPicPr>
+          <p:cNvPr id="3" name="Picture 2" descr="A picture containing text, line, screenshot, plot&#10;&#10;Description automatically generated">
+            <a:extLst>
+              <a:ext uri="{FF2B5EF4-FFF2-40B4-BE49-F238E27FC236}">
+                <a16:creationId xmlns:a16="http://schemas.microsoft.com/office/drawing/2014/main" id="{7DAC06D9-AB4C-46AB-6EF8-5DD1078F3A28}"/>
+              </a:ext>
+            </a:extLst>
+          </p:cNvPr>
+          <p:cNvPicPr>
+            <a:picLocks noChangeAspect="1"/>
+          </p:cNvPicPr>
+          <p:nvPr/>
+        </p:nvPicPr>
+        <p:blipFill rotWithShape="1">
+          <a:blip r:embed="rId4">
+            <a:extLst>
+              <a:ext uri="{28A0092B-C50C-407E-A947-70E740481C1C}">
+                <a14:useLocalDpi xmlns:a14="http://schemas.microsoft.com/office/drawing/2010/main" val="0"/>
+              </a:ext>
+            </a:extLst>
+          </a:blip>
+          <a:srcRect t="13089"/>
+          <a:stretch/>
+        </p:blipFill>
+        <p:spPr>
+          <a:xfrm>
+            <a:off x="15524786" y="20403720"/>
+            <a:ext cx="13145797" cy="8568758"/>
+          </a:xfrm>
+          <a:prstGeom prst="rect">
+            <a:avLst/>
+          </a:prstGeom>
+        </p:spPr>
+      </p:pic>
       <p:pic>
         <p:nvPicPr>
           <p:cNvPr id="4" name="Picture 3" descr="A picture containing text, screenshot, diagram, line&#10;&#10;Description automatically generated">
@@ -13294,7 +13234,7 @@
         </p:blipFill>
         <p:spPr>
           <a:xfrm>
-            <a:off x="23279522" y="23690480"/>
+            <a:off x="24348465" y="23615739"/>
             <a:ext cx="3495736" cy="3266447"/>
           </a:xfrm>
           <a:prstGeom prst="rect">
@@ -13302,6 +13242,51 @@
           </a:prstGeom>
         </p:spPr>
       </p:pic>
+      <p:sp>
+        <p:nvSpPr>
+          <p:cNvPr id="10" name="AutoShape 4">
+            <a:extLst>
+              <a:ext uri="{FF2B5EF4-FFF2-40B4-BE49-F238E27FC236}">
+                <a16:creationId xmlns:a16="http://schemas.microsoft.com/office/drawing/2014/main" id="{978712EB-DDC1-FAB1-F39A-A0141EED0C01}"/>
+              </a:ext>
+            </a:extLst>
+          </p:cNvPr>
+          <p:cNvSpPr>
+            <a:spLocks noChangeAspect="1" noChangeArrowheads="1"/>
+          </p:cNvSpPr>
+          <p:nvPr/>
+        </p:nvSpPr>
+        <p:spPr bwMode="auto">
+          <a:xfrm>
+            <a:off x="14606588" y="17127538"/>
+            <a:ext cx="304800" cy="304800"/>
+          </a:xfrm>
+          <a:prstGeom prst="rect">
+            <a:avLst/>
+          </a:prstGeom>
+          <a:noFill/>
+          <a:extLst>
+            <a:ext uri="{909E8E84-426E-40DD-AFC4-6F175D3DCCD1}">
+              <a14:hiddenFill xmlns:a14="http://schemas.microsoft.com/office/drawing/2010/main">
+                <a:solidFill>
+                  <a:srgbClr val="FFFFFF"/>
+                </a:solidFill>
+              </a14:hiddenFill>
+            </a:ext>
+          </a:extLst>
+        </p:spPr>
+        <p:txBody>
+          <a:bodyPr vert="horz" wrap="square" lIns="91440" tIns="45720" rIns="91440" bIns="45720" numCol="1" anchor="t" anchorCtr="0" compatLnSpc="1">
+            <a:prstTxWarp prst="textNoShape">
+              <a:avLst/>
+            </a:prstTxWarp>
+          </a:bodyPr>
+          <a:lstStyle/>
+          <a:p>
+            <a:endParaRPr lang="he-IL" dirty="0"/>
+          </a:p>
+        </p:txBody>
+      </p:sp>
     </p:spTree>
     <p:extLst>
       <p:ext uri="{BB962C8B-B14F-4D97-AF65-F5344CB8AC3E}">

--- a/poster.pptx
+++ b/poster.pptx
@@ -3721,6 +3721,161 @@
       </p:grpSpPr>
       <p:pic>
         <p:nvPicPr>
+          <p:cNvPr id="5" name="Picture 4" descr="A baby brushes his teeth&#10;&#10;Description automatically generated with low confidence">
+            <a:extLst>
+              <a:ext uri="{FF2B5EF4-FFF2-40B4-BE49-F238E27FC236}">
+                <a16:creationId xmlns:a16="http://schemas.microsoft.com/office/drawing/2014/main" id="{6205C5B1-8E54-1602-6EE4-B45FF97CCC94}"/>
+              </a:ext>
+            </a:extLst>
+          </p:cNvPr>
+          <p:cNvPicPr>
+            <a:picLocks noChangeAspect="1"/>
+          </p:cNvPicPr>
+          <p:nvPr/>
+        </p:nvPicPr>
+        <p:blipFill rotWithShape="1">
+          <a:blip r:embed="rId2">
+            <a:duotone>
+              <a:schemeClr val="accent1">
+                <a:shade val="45000"/>
+                <a:satMod val="135000"/>
+              </a:schemeClr>
+              <a:prstClr val="white"/>
+            </a:duotone>
+            <a:alphaModFix amt="35000"/>
+            <a:extLst>
+              <a:ext uri="{28A0092B-C50C-407E-A947-70E740481C1C}">
+                <a14:useLocalDpi xmlns:a14="http://schemas.microsoft.com/office/drawing/2010/main" val="0"/>
+              </a:ext>
+            </a:extLst>
+          </a:blip>
+          <a:srcRect r="33047" b="-1"/>
+          <a:stretch/>
+        </p:blipFill>
+        <p:spPr>
+          <a:xfrm flipH="1">
+            <a:off x="64869" y="25490430"/>
+            <a:ext cx="9422032" cy="8843211"/>
+          </a:xfrm>
+          <a:custGeom>
+            <a:avLst/>
+            <a:gdLst/>
+            <a:ahLst/>
+            <a:cxnLst/>
+            <a:rect l="l" t="t" r="r" b="b"/>
+            <a:pathLst>
+              <a:path w="6878775" h="6858000">
+                <a:moveTo>
+                  <a:pt x="1102973" y="0"/>
+                </a:moveTo>
+                <a:lnTo>
+                  <a:pt x="1160688" y="0"/>
+                </a:lnTo>
+                <a:lnTo>
+                  <a:pt x="983189" y="331786"/>
+                </a:lnTo>
+                <a:cubicBezTo>
+                  <a:pt x="914866" y="469145"/>
+                  <a:pt x="850355" y="608712"/>
+                  <a:pt x="789261" y="750263"/>
+                </a:cubicBezTo>
+                <a:cubicBezTo>
+                  <a:pt x="774307" y="784928"/>
+                  <a:pt x="759992" y="819849"/>
+                  <a:pt x="745295" y="854514"/>
+                </a:cubicBezTo>
+                <a:cubicBezTo>
+                  <a:pt x="756682" y="845393"/>
+                  <a:pt x="765489" y="833492"/>
+                  <a:pt x="770857" y="819975"/>
+                </a:cubicBezTo>
+                <a:cubicBezTo>
+                  <a:pt x="879943" y="589569"/>
+                  <a:pt x="999605" y="365513"/>
+                  <a:pt x="1131329" y="148742"/>
+                </a:cubicBezTo>
+                <a:lnTo>
+                  <a:pt x="1227589" y="0"/>
+                </a:lnTo>
+                <a:lnTo>
+                  <a:pt x="6878775" y="0"/>
+                </a:lnTo>
+                <a:lnTo>
+                  <a:pt x="6878775" y="6858000"/>
+                </a:lnTo>
+                <a:lnTo>
+                  <a:pt x="713521" y="6858000"/>
+                </a:lnTo>
+                <a:lnTo>
+                  <a:pt x="625642" y="6670527"/>
+                </a:lnTo>
+                <a:cubicBezTo>
+                  <a:pt x="507232" y="6398531"/>
+                  <a:pt x="403083" y="6118381"/>
+                  <a:pt x="312785" y="5830359"/>
+                </a:cubicBezTo>
+                <a:cubicBezTo>
+                  <a:pt x="278149" y="5719759"/>
+                  <a:pt x="248879" y="5607635"/>
+                  <a:pt x="212198" y="5480401"/>
+                </a:cubicBezTo>
+                <a:cubicBezTo>
+                  <a:pt x="212208" y="5491601"/>
+                  <a:pt x="212803" y="5502788"/>
+                  <a:pt x="213988" y="5513923"/>
+                </a:cubicBezTo>
+                <a:cubicBezTo>
+                  <a:pt x="264089" y="5723695"/>
+                  <a:pt x="307290" y="5935370"/>
+                  <a:pt x="365826" y="6142729"/>
+                </a:cubicBezTo>
+                <a:cubicBezTo>
+                  <a:pt x="433152" y="6380817"/>
+                  <a:pt x="510068" y="6614016"/>
+                  <a:pt x="597975" y="6841549"/>
+                </a:cubicBezTo>
+                <a:lnTo>
+                  <a:pt x="604824" y="6858000"/>
+                </a:lnTo>
+                <a:lnTo>
+                  <a:pt x="552056" y="6858000"/>
+                </a:lnTo>
+                <a:lnTo>
+                  <a:pt x="539576" y="6828295"/>
+                </a:lnTo>
+                <a:cubicBezTo>
+                  <a:pt x="380597" y="6414594"/>
+                  <a:pt x="260223" y="5988893"/>
+                  <a:pt x="171555" y="5552906"/>
+                </a:cubicBezTo>
+                <a:cubicBezTo>
+                  <a:pt x="91163" y="5157998"/>
+                  <a:pt x="43746" y="4758899"/>
+                  <a:pt x="12305" y="4357388"/>
+                </a:cubicBezTo>
+                <a:cubicBezTo>
+                  <a:pt x="-14281" y="4013908"/>
+                  <a:pt x="4507" y="3672965"/>
+                  <a:pt x="46684" y="3331516"/>
+                </a:cubicBezTo>
+                <a:cubicBezTo>
+                  <a:pt x="127203" y="2664286"/>
+                  <a:pt x="277819" y="2007265"/>
+                  <a:pt x="496065" y="1371196"/>
+                </a:cubicBezTo>
+                <a:cubicBezTo>
+                  <a:pt x="636273" y="966066"/>
+                  <a:pt x="800445" y="573253"/>
+                  <a:pt x="995723" y="196614"/>
+                </a:cubicBezTo>
+                <a:close/>
+              </a:path>
+            </a:pathLst>
+          </a:custGeom>
+        </p:spPr>
+      </p:pic>
+      <p:pic>
+        <p:nvPicPr>
           <p:cNvPr id="15" name="Picture 14" descr="A picture containing text, lighthouse, screenshot, design&#10;&#10;Description automatically generated">
             <a:extLst>
               <a:ext uri="{FF2B5EF4-FFF2-40B4-BE49-F238E27FC236}">
@@ -3734,7 +3889,7 @@
           <p:nvPr/>
         </p:nvPicPr>
         <p:blipFill>
-          <a:blip r:embed="rId2">
+          <a:blip r:embed="rId3">
             <a:duotone>
               <a:schemeClr val="accent1">
                 <a:shade val="45000"/>
@@ -3745,7 +3900,7 @@
             <a:extLst>
               <a:ext uri="{BEBA8EAE-BF5A-486C-A8C5-ECC9F3942E4B}">
                 <a14:imgProps xmlns:a14="http://schemas.microsoft.com/office/drawing/2010/main">
-                  <a14:imgLayer r:embed="rId3">
+                  <a14:imgLayer r:embed="rId4">
                     <a14:imgEffect>
                       <a14:brightnessContrast bright="-40000" contrast="40000"/>
                     </a14:imgEffect>
@@ -3972,7 +4127,7 @@
           <p:nvPr>
             <p:extLst>
               <p:ext uri="{D42A27DB-BD31-4B8C-83A1-F6EECF244321}">
-                <p14:modId xmlns:p14="http://schemas.microsoft.com/office/powerpoint/2010/main" val="2437632373"/>
+                <p14:modId xmlns:p14="http://schemas.microsoft.com/office/powerpoint/2010/main" val="2797166726"/>
               </p:ext>
             </p:extLst>
           </p:nvPr>
@@ -3996,7 +4151,7 @@
                   </a:extLst>
                 </a:gridCol>
               </a:tblGrid>
-              <a:tr h="0">
+              <a:tr h="720000">
                 <a:tc>
                   <a:txBody>
                     <a:bodyPr/>
@@ -4403,14 +4558,14 @@
           <p:nvPr>
             <p:extLst>
               <p:ext uri="{D42A27DB-BD31-4B8C-83A1-F6EECF244321}">
-                <p14:modId xmlns:p14="http://schemas.microsoft.com/office/powerpoint/2010/main" val="1637133371"/>
+                <p14:modId xmlns:p14="http://schemas.microsoft.com/office/powerpoint/2010/main" val="509987277"/>
               </p:ext>
             </p:extLst>
           </p:nvPr>
         </p:nvGraphicFramePr>
         <p:xfrm>
-          <a:off x="13881928" y="4877885"/>
-          <a:ext cx="15516000" cy="25572613"/>
+          <a:off x="13881928" y="4863701"/>
+          <a:ext cx="15516000" cy="25711851"/>
         </p:xfrm>
         <a:graphic>
           <a:graphicData uri="http://schemas.openxmlformats.org/drawingml/2006/table">
@@ -4427,7 +4582,7 @@
                   </a:extLst>
                 </a:gridCol>
               </a:tblGrid>
-              <a:tr h="685058">
+              <a:tr h="742705">
                 <a:tc>
                   <a:txBody>
                     <a:bodyPr/>
@@ -4490,7 +4645,7 @@
                   </a:ext>
                 </a:extLst>
               </a:tr>
-              <a:tr h="24351436">
+              <a:tr h="24969146">
                 <a:tc>
                   <a:txBody>
                     <a:bodyPr/>
@@ -4846,17 +5001,14 @@
                         <a:buFont typeface="Arial" panose="020B0604020202020204" pitchFamily="34" charset="0"/>
                         <a:buNone/>
                       </a:pPr>
-                      <a:r>
-                        <a:rPr lang="en-US" sz="3200" kern="1200" dirty="0">
-                          <a:solidFill>
-                            <a:schemeClr val="dk1"/>
-                          </a:solidFill>
-                          <a:latin typeface="Calibri Light" panose="020F0302020204030204" pitchFamily="34" charset="0"/>
-                          <a:ea typeface="+mn-ea"/>
-                          <a:cs typeface="Calibri Light" panose="020F0302020204030204" pitchFamily="34" charset="0"/>
-                        </a:rPr>
-                        <a:t> </a:t>
-                      </a:r>
+                      <a:endParaRPr lang="en-US" sz="3200" kern="1200" dirty="0">
+                        <a:solidFill>
+                          <a:schemeClr val="dk1"/>
+                        </a:solidFill>
+                        <a:latin typeface="Calibri Light" panose="020F0302020204030204" pitchFamily="34" charset="0"/>
+                        <a:ea typeface="+mn-ea"/>
+                        <a:cs typeface="Calibri Light" panose="020F0302020204030204" pitchFamily="34" charset="0"/>
+                      </a:endParaRPr>
                     </a:p>
                     <a:p>
                       <a:pPr marL="0" indent="0" algn="l" rtl="0">
@@ -5564,14 +5716,14 @@
           <p:nvPr>
             <p:extLst>
               <p:ext uri="{D42A27DB-BD31-4B8C-83A1-F6EECF244321}">
-                <p14:modId xmlns:p14="http://schemas.microsoft.com/office/powerpoint/2010/main" val="3923091895"/>
+                <p14:modId xmlns:p14="http://schemas.microsoft.com/office/powerpoint/2010/main" val="2525565368"/>
               </p:ext>
             </p:extLst>
           </p:nvPr>
         </p:nvGraphicFramePr>
         <p:xfrm>
-          <a:off x="64869" y="25381674"/>
-          <a:ext cx="13680000" cy="8078470"/>
+          <a:off x="64869" y="25381673"/>
+          <a:ext cx="13680000" cy="9060727"/>
         </p:xfrm>
         <a:graphic>
           <a:graphicData uri="http://schemas.openxmlformats.org/drawingml/2006/table">
@@ -5588,7 +5740,7 @@
                   </a:extLst>
                 </a:gridCol>
               </a:tblGrid>
-              <a:tr h="734639">
+              <a:tr h="764128">
                 <a:tc>
                   <a:txBody>
                     <a:bodyPr/>
@@ -5662,7 +5814,7 @@
                   </a:ext>
                 </a:extLst>
               </a:tr>
-              <a:tr h="7148430">
+              <a:tr h="8296599">
                 <a:tc>
                   <a:txBody>
                     <a:bodyPr/>
@@ -5754,7 +5906,7 @@
                           <a:ea typeface="+mn-ea"/>
                           <a:cs typeface="+mn-cs"/>
                         </a:rPr>
-                        <a:t>provides us with an alternative to dividing the birth date into groups, instead of the date of birth acting as a categorical variable we made it continuous (every day is a category). We used a non-linear combination of variables, which create a smooth function. By connecting these smooth functions, we examined how the probability of a baby getting an atopic disease changes:</a:t>
+                        <a:t>provides us with an alternative to dividing the birth date into groups, instead of the date of birth acting as a categorical variable we made it continuous (every day is a category). We used a non-linear combination of variables, which create a smooth function. By connecting these smooth functions, we examined how the probability of a baby getting an atopic disease changes.</a:t>
                       </a:r>
                     </a:p>
                   </a:txBody>
@@ -5831,14 +5983,14 @@
           <p:nvPr>
             <p:extLst>
               <p:ext uri="{D42A27DB-BD31-4B8C-83A1-F6EECF244321}">
-                <p14:modId xmlns:p14="http://schemas.microsoft.com/office/powerpoint/2010/main" val="2430150194"/>
+                <p14:modId xmlns:p14="http://schemas.microsoft.com/office/powerpoint/2010/main" val="2360971286"/>
               </p:ext>
             </p:extLst>
           </p:nvPr>
         </p:nvGraphicFramePr>
         <p:xfrm>
           <a:off x="13881928" y="30690375"/>
-          <a:ext cx="15516000" cy="3636000"/>
+          <a:ext cx="15516000" cy="3709197"/>
         </p:xfrm>
         <a:graphic>
           <a:graphicData uri="http://schemas.openxmlformats.org/drawingml/2006/table">
@@ -5855,7 +6007,7 @@
                   </a:extLst>
                 </a:gridCol>
               </a:tblGrid>
-              <a:tr h="833091">
+              <a:tr h="745200">
                 <a:tc>
                   <a:txBody>
                     <a:bodyPr/>
@@ -5918,7 +6070,7 @@
                   </a:ext>
                 </a:extLst>
               </a:tr>
-              <a:tr h="2802909">
+              <a:tr h="2963997">
                 <a:tc>
                   <a:txBody>
                     <a:bodyPr/>
@@ -5931,14 +6083,37 @@
                         <a:buFont typeface="Arial" panose="020B0604020202020204" pitchFamily="34" charset="0"/>
                         <a:buChar char="•"/>
                       </a:pPr>
-                      <a:endParaRPr lang="en-US" sz="3200" kern="1200" dirty="0">
-                        <a:solidFill>
-                          <a:schemeClr val="dk1"/>
-                        </a:solidFill>
-                        <a:latin typeface="+mn-lt"/>
-                        <a:ea typeface="+mn-ea"/>
-                        <a:cs typeface="+mn-cs"/>
-                      </a:endParaRPr>
+                      <a:r>
+                        <a:rPr lang="en-US" sz="3200" kern="1200" dirty="0">
+                          <a:solidFill>
+                            <a:schemeClr val="dk1"/>
+                          </a:solidFill>
+                          <a:latin typeface="+mj-lt"/>
+                          <a:ea typeface="+mn-ea"/>
+                          <a:cs typeface="+mn-cs"/>
+                        </a:rPr>
+                        <a:t>In the logistic model, birth date variables are significant. The smoothed estimator in Logistic GAM is also significant.</a:t>
+                      </a:r>
+                    </a:p>
+                    <a:p>
+                      <a:pPr marL="457200" indent="-457200" algn="l" rtl="0">
+                        <a:lnSpc>
+                          <a:spcPct val="150000"/>
+                        </a:lnSpc>
+                        <a:buFont typeface="Arial" panose="020B0604020202020204" pitchFamily="34" charset="0"/>
+                        <a:buChar char="•"/>
+                      </a:pPr>
+                      <a:r>
+                        <a:rPr lang="en-US" sz="3200" kern="1200" dirty="0">
+                          <a:solidFill>
+                            <a:schemeClr val="dk1"/>
+                          </a:solidFill>
+                          <a:latin typeface="+mj-lt"/>
+                          <a:ea typeface="+mn-ea"/>
+                          <a:cs typeface="+mn-cs"/>
+                        </a:rPr>
+                        <a:t>Chances of getting an Atopic disease in the 2nd year of their lives were increased for babies born during the actual period of Covid19.</a:t>
+                      </a:r>
                     </a:p>
                   </a:txBody>
                   <a:tcPr>
@@ -6014,7 +6189,7 @@
           <p:nvPr>
             <p:extLst>
               <p:ext uri="{D42A27DB-BD31-4B8C-83A1-F6EECF244321}">
-                <p14:modId xmlns:p14="http://schemas.microsoft.com/office/powerpoint/2010/main" val="2029092934"/>
+                <p14:modId xmlns:p14="http://schemas.microsoft.com/office/powerpoint/2010/main" val="1295807901"/>
               </p:ext>
             </p:extLst>
           </p:nvPr>
@@ -6027,6 +6202,13 @@
           <a:graphicData uri="http://schemas.openxmlformats.org/drawingml/2006/table">
             <a:tbl>
               <a:tblPr firstRow="1" firstCol="1" bandRow="1">
+                <a:effectLst>
+                  <a:outerShdw blurRad="50800" dist="38100" dir="2700000" algn="tl" rotWithShape="0">
+                    <a:prstClr val="black">
+                      <a:alpha val="40000"/>
+                    </a:prstClr>
+                  </a:outerShdw>
+                </a:effectLst>
                 <a:tableStyleId>{5FD0F851-EC5A-4D38-B0AD-8093EC10F338}</a:tableStyleId>
               </a:tblPr>
               <a:tblGrid>
@@ -6736,41 +6918,6 @@
       </p:sp>
       <p:pic>
         <p:nvPicPr>
-          <p:cNvPr id="13" name="Picture 12" descr="A picture containing text, plot, screenshot, line&#10;&#10;Description automatically generated">
-            <a:extLst>
-              <a:ext uri="{FF2B5EF4-FFF2-40B4-BE49-F238E27FC236}">
-                <a16:creationId xmlns:a16="http://schemas.microsoft.com/office/drawing/2014/main" id="{C8EE8666-BC9E-A923-67C1-39FB5F12136F}"/>
-              </a:ext>
-            </a:extLst>
-          </p:cNvPr>
-          <p:cNvPicPr>
-            <a:picLocks noChangeAspect="1"/>
-          </p:cNvPicPr>
-          <p:nvPr/>
-        </p:nvPicPr>
-        <p:blipFill rotWithShape="1">
-          <a:blip r:embed="rId4">
-            <a:extLst>
-              <a:ext uri="{28A0092B-C50C-407E-A947-70E740481C1C}">
-                <a14:useLocalDpi xmlns:a14="http://schemas.microsoft.com/office/drawing/2010/main" val="0"/>
-              </a:ext>
-            </a:extLst>
-          </a:blip>
-          <a:srcRect t="12495"/>
-          <a:stretch/>
-        </p:blipFill>
-        <p:spPr>
-          <a:xfrm>
-            <a:off x="14707826" y="20880254"/>
-            <a:ext cx="14211740" cy="9326995"/>
-          </a:xfrm>
-          <a:prstGeom prst="rect">
-            <a:avLst/>
-          </a:prstGeom>
-        </p:spPr>
-      </p:pic>
-      <p:pic>
-        <p:nvPicPr>
           <p:cNvPr id="11" name="Picture 10" descr="A picture containing text, diagram, plot, line&#10;&#10;Description automatically generated">
             <a:extLst>
               <a:ext uri="{FF2B5EF4-FFF2-40B4-BE49-F238E27FC236}">
@@ -6796,12 +6943,19 @@
         </p:blipFill>
         <p:spPr>
           <a:xfrm>
-            <a:off x="24548599" y="25643790"/>
-            <a:ext cx="3266173" cy="2575019"/>
+            <a:off x="26495526" y="26841510"/>
+            <a:ext cx="2811637" cy="2216667"/>
           </a:xfrm>
           <a:prstGeom prst="rect">
             <a:avLst/>
           </a:prstGeom>
+          <a:effectLst>
+            <a:outerShdw blurRad="50800" dist="38100" dir="2700000" algn="tl" rotWithShape="0">
+              <a:prstClr val="black">
+                <a:alpha val="40000"/>
+              </a:prstClr>
+            </a:outerShdw>
+          </a:effectLst>
         </p:spPr>
       </p:pic>
       <p:graphicFrame>
@@ -6819,7 +6973,7 @@
           <p:nvPr>
             <p:extLst>
               <p:ext uri="{D42A27DB-BD31-4B8C-83A1-F6EECF244321}">
-                <p14:modId xmlns:p14="http://schemas.microsoft.com/office/powerpoint/2010/main" val="2015549427"/>
+                <p14:modId xmlns:p14="http://schemas.microsoft.com/office/powerpoint/2010/main" val="2920580175"/>
               </p:ext>
             </p:extLst>
           </p:nvPr>
@@ -6831,7 +6985,15 @@
         <a:graphic>
           <a:graphicData uri="http://schemas.openxmlformats.org/drawingml/2006/table">
             <a:tbl>
-              <a:tblPr/>
+              <a:tblPr>
+                <a:effectLst>
+                  <a:outerShdw blurRad="50800" dist="38100" dir="2700000" algn="tl" rotWithShape="0">
+                    <a:prstClr val="black">
+                      <a:alpha val="40000"/>
+                    </a:prstClr>
+                  </a:outerShdw>
+                </a:effectLst>
+              </a:tblPr>
               <a:tblGrid>
                 <a:gridCol w="5989014">
                   <a:extLst>
@@ -8283,7 +8445,7 @@
                     <a:p>
                       <a:pPr algn="l" fontAlgn="b"/>
                       <a:r>
-                        <a:rPr lang="en-US" sz="3200" b="0" i="0" u="none" strike="noStrike">
+                        <a:rPr lang="en-US" sz="3200" b="0" i="0" u="none" strike="noStrike" dirty="0">
                           <a:solidFill>
                             <a:srgbClr val="000000"/>
                           </a:solidFill>
@@ -8977,15 +9139,37 @@
                     <a:p>
                       <a:pPr algn="l" fontAlgn="b"/>
                       <a:r>
-                        <a:rPr lang="en-US" sz="3200" b="0" i="0" u="none" strike="noStrike">
-                          <a:solidFill>
-                            <a:srgbClr val="000000"/>
-                          </a:solidFill>
-                          <a:effectLst/>
-                          <a:latin typeface="Calibri Light" panose="020F0302020204030204" pitchFamily="34" charset="0"/>
-                          <a:cs typeface="Calibri Light" panose="020F0302020204030204" pitchFamily="34" charset="0"/>
-                        </a:rPr>
-                        <a:t>Number of sibilings 1-2</a:t>
+                        <a:rPr lang="en-US" sz="3200" b="0" i="0" u="none" strike="noStrike" dirty="0">
+                          <a:solidFill>
+                            <a:srgbClr val="000000"/>
+                          </a:solidFill>
+                          <a:effectLst/>
+                          <a:latin typeface="Calibri Light" panose="020F0302020204030204" pitchFamily="34" charset="0"/>
+                          <a:cs typeface="Calibri Light" panose="020F0302020204030204" pitchFamily="34" charset="0"/>
+                        </a:rPr>
+                        <a:t>Number of </a:t>
+                      </a:r>
+                      <a:r>
+                        <a:rPr lang="en-US" sz="3200" b="0" i="0" u="none" strike="noStrike" dirty="0" err="1">
+                          <a:solidFill>
+                            <a:srgbClr val="000000"/>
+                          </a:solidFill>
+                          <a:effectLst/>
+                          <a:latin typeface="Calibri Light" panose="020F0302020204030204" pitchFamily="34" charset="0"/>
+                          <a:cs typeface="Calibri Light" panose="020F0302020204030204" pitchFamily="34" charset="0"/>
+                        </a:rPr>
+                        <a:t>sibilings</a:t>
+                      </a:r>
+                      <a:r>
+                        <a:rPr lang="en-US" sz="3200" b="0" i="0" u="none" strike="noStrike" dirty="0">
+                          <a:solidFill>
+                            <a:srgbClr val="000000"/>
+                          </a:solidFill>
+                          <a:effectLst/>
+                          <a:latin typeface="Calibri Light" panose="020F0302020204030204" pitchFamily="34" charset="0"/>
+                          <a:cs typeface="Calibri Light" panose="020F0302020204030204" pitchFamily="34" charset="0"/>
+                        </a:rPr>
+                        <a:t> 1-2</a:t>
                       </a:r>
                     </a:p>
                   </a:txBody>
@@ -13211,27 +13395,8 @@
                           <a:latin typeface="Calibri Light" panose="020F0302020204030204" pitchFamily="34" charset="0"/>
                           <a:cs typeface="Calibri Light" panose="020F0302020204030204" pitchFamily="34" charset="0"/>
                         </a:rPr>
-                        <a:t>Nursing at 1st year - Private </a:t>
-                      </a:r>
-                      <a:r>
-                        <a:rPr lang="en-US" sz="3200" b="0" i="0" u="none" strike="noStrike" dirty="0" err="1">
-                          <a:solidFill>
-                            <a:srgbClr val="000000"/>
-                          </a:solidFill>
-                          <a:effectLst/>
-                          <a:latin typeface="Calibri Light" panose="020F0302020204030204" pitchFamily="34" charset="0"/>
-                          <a:cs typeface="Calibri Light" panose="020F0302020204030204" pitchFamily="34" charset="0"/>
-                        </a:rPr>
-                        <a:t>nany</a:t>
-                      </a:r>
-                      <a:endParaRPr lang="en-US" sz="3200" b="0" i="0" u="none" strike="noStrike" dirty="0">
-                        <a:solidFill>
-                          <a:srgbClr val="000000"/>
-                        </a:solidFill>
-                        <a:effectLst/>
-                        <a:latin typeface="Calibri Light" panose="020F0302020204030204" pitchFamily="34" charset="0"/>
-                        <a:cs typeface="Calibri Light" panose="020F0302020204030204" pitchFamily="34" charset="0"/>
-                      </a:endParaRPr>
+                        <a:t>Nursing at 1st year - Private nanny</a:t>
+                      </a:r>
                     </a:p>
                   </a:txBody>
                   <a:tcPr marL="6350" marR="6350" marT="6350" marB="0" anchor="b">
@@ -13505,7 +13670,7 @@
                     <a:p>
                       <a:pPr lvl="0" algn="ctr" rtl="1" fontAlgn="ctr"/>
                       <a:r>
-                        <a:rPr lang="he-IL" sz="3200" b="0" i="0" u="none" strike="noStrike">
+                        <a:rPr lang="he-IL" sz="3200" b="0" i="0" u="none" strike="noStrike" dirty="0">
                           <a:solidFill>
                             <a:srgbClr val="000000"/>
                           </a:solidFill>
@@ -14725,7 +14890,7 @@
                     <a:p>
                       <a:pPr lvl="0" algn="ctr" rtl="1" fontAlgn="ctr"/>
                       <a:r>
-                        <a:rPr lang="he-IL" sz="3200" b="0" i="0" u="none" strike="noStrike">
+                        <a:rPr lang="he-IL" sz="3200" b="0" i="0" u="none" strike="noStrike" dirty="0">
                           <a:solidFill>
                             <a:srgbClr val="000000"/>
                           </a:solidFill>
@@ -15736,6 +15901,43 @@
           </a:graphicData>
         </a:graphic>
       </p:graphicFrame>
+      <p:pic>
+        <p:nvPicPr>
+          <p:cNvPr id="3" name="Picture 2">
+            <a:extLst>
+              <a:ext uri="{FF2B5EF4-FFF2-40B4-BE49-F238E27FC236}">
+                <a16:creationId xmlns:a16="http://schemas.microsoft.com/office/drawing/2014/main" id="{BFAE307B-C6C1-9787-C053-B0FDDC473C8E}"/>
+              </a:ext>
+            </a:extLst>
+          </p:cNvPr>
+          <p:cNvPicPr>
+            <a:picLocks noChangeAspect="1"/>
+          </p:cNvPicPr>
+          <p:nvPr/>
+        </p:nvPicPr>
+        <p:blipFill>
+          <a:blip r:embed="rId6"/>
+          <a:stretch>
+            <a:fillRect/>
+          </a:stretch>
+        </p:blipFill>
+        <p:spPr>
+          <a:xfrm>
+            <a:off x="14093042" y="21187765"/>
+            <a:ext cx="12350311" cy="9262733"/>
+          </a:xfrm>
+          <a:prstGeom prst="rect">
+            <a:avLst/>
+          </a:prstGeom>
+          <a:effectLst>
+            <a:outerShdw blurRad="50800" dist="38100" dir="2700000" algn="tl" rotWithShape="0">
+              <a:prstClr val="black">
+                <a:alpha val="40000"/>
+              </a:prstClr>
+            </a:outerShdw>
+          </a:effectLst>
+        </p:spPr>
+      </p:pic>
       <p:pic>
         <p:nvPicPr>
           <p:cNvPr id="24" name="Picture 23" descr="A picture containing text, diagram, plot, line&#10;&#10;Description automatically generated">
@@ -15763,12 +15965,13 @@
         </p:blipFill>
         <p:spPr>
           <a:xfrm>
-            <a:off x="21282426" y="25643790"/>
+            <a:off x="22861093" y="27304689"/>
             <a:ext cx="3266173" cy="1467293"/>
           </a:xfrm>
           <a:prstGeom prst="rect">
             <a:avLst/>
           </a:prstGeom>
+          <a:effectLst/>
         </p:spPr>
       </p:pic>
     </p:spTree>

--- a/poster.pptx
+++ b/poster.pptx
@@ -118,7 +118,7 @@
 <file path=ppt/revisionInfo.xml><?xml version="1.0" encoding="utf-8"?>
 <p1510:revInfo xmlns:a="http://schemas.openxmlformats.org/drawingml/2006/main" xmlns:r="http://schemas.openxmlformats.org/officeDocument/2006/relationships" xmlns:p1510="http://schemas.microsoft.com/office/powerpoint/2015/10/main">
   <p1510:revLst>
-    <p1510:client id="{97D10777-EDE1-4B59-B9E7-AD2396A8F3A8}" v="2" dt="2023-06-12T17:07:53.741"/>
+    <p1510:client id="{97D10777-EDE1-4B59-B9E7-AD2396A8F3A8}" v="16" dt="2023-06-15T14:47:05.462"/>
   </p1510:revLst>
 </p1510:revInfo>
 </file>
@@ -469,17 +469,81 @@
   </pc:docChgLst>
   <pc:docChgLst>
     <pc:chgData name="Shahar Shalom" userId="c1657878-da89-43af-9535-4a8d3e59b096" providerId="ADAL" clId="{97D10777-EDE1-4B59-B9E7-AD2396A8F3A8}"/>
-    <pc:docChg chg="modSld">
-      <pc:chgData name="Shahar Shalom" userId="c1657878-da89-43af-9535-4a8d3e59b096" providerId="ADAL" clId="{97D10777-EDE1-4B59-B9E7-AD2396A8F3A8}" dt="2023-06-12T17:08:41.395" v="25" actId="1076"/>
+    <pc:docChg chg="undo redo custSel modSld">
+      <pc:chgData name="Shahar Shalom" userId="c1657878-da89-43af-9535-4a8d3e59b096" providerId="ADAL" clId="{97D10777-EDE1-4B59-B9E7-AD2396A8F3A8}" dt="2023-06-15T14:47:06.865" v="232" actId="20577"/>
       <pc:docMkLst>
         <pc:docMk/>
       </pc:docMkLst>
       <pc:sldChg chg="addSp modSp mod">
-        <pc:chgData name="Shahar Shalom" userId="c1657878-da89-43af-9535-4a8d3e59b096" providerId="ADAL" clId="{97D10777-EDE1-4B59-B9E7-AD2396A8F3A8}" dt="2023-06-12T17:08:41.395" v="25" actId="1076"/>
+        <pc:chgData name="Shahar Shalom" userId="c1657878-da89-43af-9535-4a8d3e59b096" providerId="ADAL" clId="{97D10777-EDE1-4B59-B9E7-AD2396A8F3A8}" dt="2023-06-15T14:47:06.865" v="232" actId="20577"/>
         <pc:sldMkLst>
           <pc:docMk/>
           <pc:sldMk cId="3381761132" sldId="257"/>
         </pc:sldMkLst>
+        <pc:spChg chg="mod">
+          <ac:chgData name="Shahar Shalom" userId="c1657878-da89-43af-9535-4a8d3e59b096" providerId="ADAL" clId="{97D10777-EDE1-4B59-B9E7-AD2396A8F3A8}" dt="2023-06-15T14:37:43.141" v="50" actId="20577"/>
+          <ac:spMkLst>
+            <pc:docMk/>
+            <pc:sldMk cId="3381761132" sldId="257"/>
+            <ac:spMk id="16" creationId="{D98B7141-C41B-A5BE-701F-B9FA0C4CCF41}"/>
+          </ac:spMkLst>
+        </pc:spChg>
+        <pc:graphicFrameChg chg="modGraphic">
+          <ac:chgData name="Shahar Shalom" userId="c1657878-da89-43af-9535-4a8d3e59b096" providerId="ADAL" clId="{97D10777-EDE1-4B59-B9E7-AD2396A8F3A8}" dt="2023-06-15T14:38:59.381" v="60" actId="120"/>
+          <ac:graphicFrameMkLst>
+            <pc:docMk/>
+            <pc:sldMk cId="3381761132" sldId="257"/>
+            <ac:graphicFrameMk id="8" creationId="{0BB11988-6E58-9E26-CC0C-0E03931B6A94}"/>
+          </ac:graphicFrameMkLst>
+        </pc:graphicFrameChg>
+        <pc:graphicFrameChg chg="mod modGraphic">
+          <ac:chgData name="Shahar Shalom" userId="c1657878-da89-43af-9535-4a8d3e59b096" providerId="ADAL" clId="{97D10777-EDE1-4B59-B9E7-AD2396A8F3A8}" dt="2023-06-15T14:43:18.414" v="174" actId="14734"/>
+          <ac:graphicFrameMkLst>
+            <pc:docMk/>
+            <pc:sldMk cId="3381761132" sldId="257"/>
+            <ac:graphicFrameMk id="23" creationId="{F494A19B-6321-CA83-CE33-1DFEB5DF55EC}"/>
+          </ac:graphicFrameMkLst>
+        </pc:graphicFrameChg>
+        <pc:graphicFrameChg chg="mod">
+          <ac:chgData name="Shahar Shalom" userId="c1657878-da89-43af-9535-4a8d3e59b096" providerId="ADAL" clId="{97D10777-EDE1-4B59-B9E7-AD2396A8F3A8}" dt="2023-06-15T14:07:04.218" v="28"/>
+          <ac:graphicFrameMkLst>
+            <pc:docMk/>
+            <pc:sldMk cId="3381761132" sldId="257"/>
+            <ac:graphicFrameMk id="29" creationId="{632DFCB4-1B29-05AE-D500-EF466CED6387}"/>
+          </ac:graphicFrameMkLst>
+        </pc:graphicFrameChg>
+        <pc:graphicFrameChg chg="modGraphic">
+          <ac:chgData name="Shahar Shalom" userId="c1657878-da89-43af-9535-4a8d3e59b096" providerId="ADAL" clId="{97D10777-EDE1-4B59-B9E7-AD2396A8F3A8}" dt="2023-06-15T14:43:33.364" v="188" actId="20577"/>
+          <ac:graphicFrameMkLst>
+            <pc:docMk/>
+            <pc:sldMk cId="3381761132" sldId="257"/>
+            <ac:graphicFrameMk id="37" creationId="{5F827F28-C2F2-38B5-29FB-77D425C2B5E8}"/>
+          </ac:graphicFrameMkLst>
+        </pc:graphicFrameChg>
+        <pc:graphicFrameChg chg="modGraphic">
+          <ac:chgData name="Shahar Shalom" userId="c1657878-da89-43af-9535-4a8d3e59b096" providerId="ADAL" clId="{97D10777-EDE1-4B59-B9E7-AD2396A8F3A8}" dt="2023-06-15T14:38:15.440" v="58" actId="20577"/>
+          <ac:graphicFrameMkLst>
+            <pc:docMk/>
+            <pc:sldMk cId="3381761132" sldId="257"/>
+            <ac:graphicFrameMk id="38" creationId="{D427151E-66F0-FCB6-3D6D-D9E7DF69BFDA}"/>
+          </ac:graphicFrameMkLst>
+        </pc:graphicFrameChg>
+        <pc:graphicFrameChg chg="mod modGraphic">
+          <ac:chgData name="Shahar Shalom" userId="c1657878-da89-43af-9535-4a8d3e59b096" providerId="ADAL" clId="{97D10777-EDE1-4B59-B9E7-AD2396A8F3A8}" dt="2023-06-15T14:41:56.194" v="148" actId="20577"/>
+          <ac:graphicFrameMkLst>
+            <pc:docMk/>
+            <pc:sldMk cId="3381761132" sldId="257"/>
+            <ac:graphicFrameMk id="41" creationId="{87C34A28-1550-8A00-8213-E8C2029623E4}"/>
+          </ac:graphicFrameMkLst>
+        </pc:graphicFrameChg>
+        <pc:graphicFrameChg chg="mod modGraphic">
+          <ac:chgData name="Shahar Shalom" userId="c1657878-da89-43af-9535-4a8d3e59b096" providerId="ADAL" clId="{97D10777-EDE1-4B59-B9E7-AD2396A8F3A8}" dt="2023-06-15T14:47:06.865" v="232" actId="20577"/>
+          <ac:graphicFrameMkLst>
+            <pc:docMk/>
+            <pc:sldMk cId="3381761132" sldId="257"/>
+            <ac:graphicFrameMk id="42" creationId="{5F353C99-9559-5FFC-9840-C01B90960996}"/>
+          </ac:graphicFrameMkLst>
+        </pc:graphicFrameChg>
         <pc:picChg chg="add mod">
           <ac:chgData name="Shahar Shalom" userId="c1657878-da89-43af-9535-4a8d3e59b096" providerId="ADAL" clId="{97D10777-EDE1-4B59-B9E7-AD2396A8F3A8}" dt="2023-06-12T17:08:24.290" v="22" actId="1076"/>
           <ac:picMkLst>
@@ -488,12 +552,28 @@
             <ac:picMk id="3" creationId="{7DAC06D9-AB4C-46AB-6EF8-5DD1078F3A28}"/>
           </ac:picMkLst>
         </pc:picChg>
+        <pc:picChg chg="mod">
+          <ac:chgData name="Shahar Shalom" userId="c1657878-da89-43af-9535-4a8d3e59b096" providerId="ADAL" clId="{97D10777-EDE1-4B59-B9E7-AD2396A8F3A8}" dt="2023-06-15T14:43:45.593" v="191" actId="1037"/>
+          <ac:picMkLst>
+            <pc:docMk/>
+            <pc:sldMk cId="3381761132" sldId="257"/>
+            <ac:picMk id="3" creationId="{BFAE307B-C6C1-9787-C053-B0FDDC473C8E}"/>
+          </ac:picMkLst>
+        </pc:picChg>
         <pc:picChg chg="add mod modCrop">
           <ac:chgData name="Shahar Shalom" userId="c1657878-da89-43af-9535-4a8d3e59b096" providerId="ADAL" clId="{97D10777-EDE1-4B59-B9E7-AD2396A8F3A8}" dt="2023-06-12T17:08:41.395" v="25" actId="1076"/>
           <ac:picMkLst>
             <pc:docMk/>
             <pc:sldMk cId="3381761132" sldId="257"/>
             <ac:picMk id="4" creationId="{F6E72801-0D87-CFF1-70B7-91AE9A196B1C}"/>
+          </ac:picMkLst>
+        </pc:picChg>
+        <pc:picChg chg="mod">
+          <ac:chgData name="Shahar Shalom" userId="c1657878-da89-43af-9535-4a8d3e59b096" providerId="ADAL" clId="{97D10777-EDE1-4B59-B9E7-AD2396A8F3A8}" dt="2023-06-15T14:43:42.406" v="190" actId="1076"/>
+          <ac:picMkLst>
+            <pc:docMk/>
+            <pc:sldMk cId="3381761132" sldId="257"/>
+            <ac:picMk id="11" creationId="{E2CB5C31-E78C-E7AF-55A5-C8B06A231ACF}"/>
           </ac:picMkLst>
         </pc:picChg>
       </pc:sldChg>
@@ -4009,7 +4089,7 @@
                 <a:latin typeface="+mj-lt"/>
                 <a:cs typeface="Arial" panose="020B0604020202020204" pitchFamily="34" charset="0"/>
               </a:rPr>
-              <a:t>Examining the effect of hygiene theory on utopian diseases in newborns</a:t>
+              <a:t>Examining the effect of hygiene theory on atopic diseases in newborns</a:t>
             </a:r>
           </a:p>
           <a:p>
@@ -4558,7 +4638,7 @@
           <p:nvPr>
             <p:extLst>
               <p:ext uri="{D42A27DB-BD31-4B8C-83A1-F6EECF244321}">
-                <p14:modId xmlns:p14="http://schemas.microsoft.com/office/powerpoint/2010/main" val="509987277"/>
+                <p14:modId xmlns:p14="http://schemas.microsoft.com/office/powerpoint/2010/main" val="1527341011"/>
               </p:ext>
             </p:extLst>
           </p:nvPr>
@@ -4678,7 +4758,7 @@
                           <a:ea typeface="+mn-ea"/>
                           <a:cs typeface="Calibri Light" panose="020F0302020204030204" pitchFamily="34" charset="0"/>
                         </a:rPr>
-                        <a:t>Results of the Second-year - Logistic regression Vs. Logistic GAMs model :  </a:t>
+                        <a:t>Results of the Second-year - Logistic standard regression Vs. Logistic GAMs model :  </a:t>
                       </a:r>
                     </a:p>
                     <a:p>
@@ -5052,7 +5132,7 @@
                           <a:ea typeface="+mn-ea"/>
                           <a:cs typeface="Calibri Light" panose="020F0302020204030204" pitchFamily="34" charset="0"/>
                         </a:rPr>
-                        <a:t> Y) depending on the date of  birth:  </a:t>
+                        <a:t> Y) depending on birth date:  </a:t>
                       </a:r>
                     </a:p>
                     <a:p>
@@ -5350,7 +5430,7 @@
           <p:nvPr>
             <p:extLst>
               <p:ext uri="{D42A27DB-BD31-4B8C-83A1-F6EECF244321}">
-                <p14:modId xmlns:p14="http://schemas.microsoft.com/office/powerpoint/2010/main" val="1012385633"/>
+                <p14:modId xmlns:p14="http://schemas.microsoft.com/office/powerpoint/2010/main" val="736751895"/>
               </p:ext>
             </p:extLst>
           </p:nvPr>
@@ -5550,7 +5630,7 @@
                           <a:ea typeface="+mn-ea"/>
                           <a:cs typeface="Calibri Light" panose="020F0302020204030204" pitchFamily="34" charset="0"/>
                         </a:rPr>
-                        <a:t>Development of utopian diseases among babies was examined during experiment. </a:t>
+                        <a:t>Development of atopic diseases among babies was examined during experiment. </a:t>
                       </a:r>
                     </a:p>
                     <a:p>
@@ -5716,7 +5796,7 @@
           <p:nvPr>
             <p:extLst>
               <p:ext uri="{D42A27DB-BD31-4B8C-83A1-F6EECF244321}">
-                <p14:modId xmlns:p14="http://schemas.microsoft.com/office/powerpoint/2010/main" val="2525565368"/>
+                <p14:modId xmlns:p14="http://schemas.microsoft.com/office/powerpoint/2010/main" val="70153280"/>
               </p:ext>
             </p:extLst>
           </p:nvPr>
@@ -5836,7 +5916,7 @@
                           <a:ea typeface="+mn-ea"/>
                           <a:cs typeface="+mn-cs"/>
                         </a:rPr>
-                        <a:t>Logistic Regression Model </a:t>
+                        <a:t>Standard logistic regression Model </a:t>
                       </a:r>
                       <a:r>
                         <a:rPr lang="en-US" sz="3200" kern="1200" dirty="0">
@@ -5884,7 +5964,7 @@
                           <a:ea typeface="+mn-ea"/>
                           <a:cs typeface="+mn-cs"/>
                         </a:rPr>
-                        <a:t>Generalized Additive Model: </a:t>
+                        <a:t>Logistic regression using Generalized Additive Model: </a:t>
                       </a:r>
                       <a:r>
                         <a:rPr lang="en-US" sz="3200" b="0" kern="1200" dirty="0">
@@ -5895,7 +5975,7 @@
                           <a:ea typeface="+mn-ea"/>
                           <a:cs typeface="+mn-cs"/>
                         </a:rPr>
-                        <a:t>GAM model </a:t>
+                        <a:t>Logistic GAM’s model </a:t>
                       </a:r>
                       <a:r>
                         <a:rPr lang="en-US" sz="3200" kern="1200" dirty="0">
@@ -5906,7 +5986,7 @@
                           <a:ea typeface="+mn-ea"/>
                           <a:cs typeface="+mn-cs"/>
                         </a:rPr>
-                        <a:t>provides us with an alternative to dividing the birth date into groups, instead of the date of birth acting as a categorical variable we made it continuous (every day is a category). We used a non-linear combination of variables, which create a smooth function. By connecting these smooth functions, we examined how the probability of a baby getting an atopic disease changes.</a:t>
+                        <a:t>provides us with an alternative to dividing the birth date into groups, we made the birth date variable continuous instead of categorical (every day preform as a category). We used a non-linear combination of variables, which create a smooth function. By connecting these smooth functions, we examined how the probability of a baby getting an atopic disease changes.</a:t>
                       </a:r>
                     </a:p>
                   </a:txBody>
@@ -5983,7 +6063,7 @@
           <p:nvPr>
             <p:extLst>
               <p:ext uri="{D42A27DB-BD31-4B8C-83A1-F6EECF244321}">
-                <p14:modId xmlns:p14="http://schemas.microsoft.com/office/powerpoint/2010/main" val="2360971286"/>
+                <p14:modId xmlns:p14="http://schemas.microsoft.com/office/powerpoint/2010/main" val="1134647321"/>
               </p:ext>
             </p:extLst>
           </p:nvPr>
@@ -6092,7 +6172,7 @@
                           <a:ea typeface="+mn-ea"/>
                           <a:cs typeface="+mn-cs"/>
                         </a:rPr>
-                        <a:t>In the logistic model, birth date variables are significant. The smoothed estimator in Logistic GAM is also significant.</a:t>
+                        <a:t>In the logistic model, birth date variables are significant. The smoothed estimator in Logistic GAM’s model significant as well.</a:t>
                       </a:r>
                     </a:p>
                     <a:p>
@@ -6104,7 +6184,7 @@
                         <a:buChar char="•"/>
                       </a:pPr>
                       <a:r>
-                        <a:rPr lang="en-US" sz="3200" kern="1200" dirty="0">
+                        <a:rPr lang="en-US" sz="3200" kern="1200">
                           <a:solidFill>
                             <a:schemeClr val="dk1"/>
                           </a:solidFill>
@@ -6112,7 +6192,7 @@
                           <a:ea typeface="+mn-ea"/>
                           <a:cs typeface="+mn-cs"/>
                         </a:rPr>
-                        <a:t>Chances of getting an Atopic disease in the 2nd year of their lives were increased for babies born during the actual period of Covid19.</a:t>
+                        <a:t>For babies born during the Covid19 period, the risk of getting an atopic disease in the second year of life was increased.</a:t>
                       </a:r>
                     </a:p>
                   </a:txBody>
@@ -6189,7 +6269,7 @@
           <p:nvPr>
             <p:extLst>
               <p:ext uri="{D42A27DB-BD31-4B8C-83A1-F6EECF244321}">
-                <p14:modId xmlns:p14="http://schemas.microsoft.com/office/powerpoint/2010/main" val="1295807901"/>
+                <p14:modId xmlns:p14="http://schemas.microsoft.com/office/powerpoint/2010/main" val="2958983669"/>
               </p:ext>
             </p:extLst>
           </p:nvPr>
@@ -6943,7 +7023,7 @@
         </p:blipFill>
         <p:spPr>
           <a:xfrm>
-            <a:off x="26495526" y="26841510"/>
+            <a:off x="26513806" y="24710797"/>
             <a:ext cx="2811637" cy="2216667"/>
           </a:xfrm>
           <a:prstGeom prst="rect">
@@ -6973,7 +7053,7 @@
           <p:nvPr>
             <p:extLst>
               <p:ext uri="{D42A27DB-BD31-4B8C-83A1-F6EECF244321}">
-                <p14:modId xmlns:p14="http://schemas.microsoft.com/office/powerpoint/2010/main" val="2920580175"/>
+                <p14:modId xmlns:p14="http://schemas.microsoft.com/office/powerpoint/2010/main" val="3836769478"/>
               </p:ext>
             </p:extLst>
           </p:nvPr>
@@ -7009,42 +7089,42 @@
                     </a:ext>
                   </a:extLst>
                 </a:gridCol>
-                <a:gridCol w="823913">
+                <a:gridCol w="1077131">
                   <a:extLst>
                     <a:ext uri="{9D8B030D-6E8A-4147-A177-3AD203B41FA5}">
                       <a16:colId xmlns:a16="http://schemas.microsoft.com/office/drawing/2014/main" val="2357445991"/>
                     </a:ext>
                   </a:extLst>
                 </a:gridCol>
-                <a:gridCol w="1050597">
+                <a:gridCol w="990600">
                   <a:extLst>
                     <a:ext uri="{9D8B030D-6E8A-4147-A177-3AD203B41FA5}">
                       <a16:colId xmlns:a16="http://schemas.microsoft.com/office/drawing/2014/main" val="3528887882"/>
                     </a:ext>
                   </a:extLst>
                 </a:gridCol>
-                <a:gridCol w="1307548">
+                <a:gridCol w="1114327">
                   <a:extLst>
                     <a:ext uri="{9D8B030D-6E8A-4147-A177-3AD203B41FA5}">
                       <a16:colId xmlns:a16="http://schemas.microsoft.com/office/drawing/2014/main" val="3981029488"/>
                     </a:ext>
                   </a:extLst>
                 </a:gridCol>
-                <a:gridCol w="1773886">
+                <a:gridCol w="1438373">
                   <a:extLst>
                     <a:ext uri="{9D8B030D-6E8A-4147-A177-3AD203B41FA5}">
                       <a16:colId xmlns:a16="http://schemas.microsoft.com/office/drawing/2014/main" val="3595818456"/>
                     </a:ext>
                   </a:extLst>
                 </a:gridCol>
-                <a:gridCol w="823913">
+                <a:gridCol w="952500">
                   <a:extLst>
                     <a:ext uri="{9D8B030D-6E8A-4147-A177-3AD203B41FA5}">
                       <a16:colId xmlns:a16="http://schemas.microsoft.com/office/drawing/2014/main" val="1691224229"/>
                     </a:ext>
                   </a:extLst>
                 </a:gridCol>
-                <a:gridCol w="1109189">
+                <a:gridCol w="1316115">
                   <a:extLst>
                     <a:ext uri="{9D8B030D-6E8A-4147-A177-3AD203B41FA5}">
                       <a16:colId xmlns:a16="http://schemas.microsoft.com/office/drawing/2014/main" val="19783621"/>
@@ -7121,15 +7201,37 @@
                     <a:p>
                       <a:pPr algn="ctr" fontAlgn="ctr"/>
                       <a:r>
-                        <a:rPr lang="en-US" sz="3200" b="1" i="0" u="none" strike="noStrike">
-                          <a:solidFill>
-                            <a:srgbClr val="000000"/>
-                          </a:solidFill>
-                          <a:effectLst/>
-                          <a:latin typeface="Calibri Light" panose="020F0302020204030204" pitchFamily="34" charset="0"/>
-                          <a:cs typeface="Calibri Light" panose="020F0302020204030204" pitchFamily="34" charset="0"/>
-                        </a:rPr>
-                        <a:t>Logistic standart model</a:t>
+                        <a:rPr lang="en-US" sz="3200" b="1" i="0" u="none" strike="noStrike" dirty="0">
+                          <a:solidFill>
+                            <a:srgbClr val="000000"/>
+                          </a:solidFill>
+                          <a:effectLst/>
+                          <a:latin typeface="Calibri Light" panose="020F0302020204030204" pitchFamily="34" charset="0"/>
+                          <a:cs typeface="Calibri Light" panose="020F0302020204030204" pitchFamily="34" charset="0"/>
+                        </a:rPr>
+                        <a:t>Logistic </a:t>
+                      </a:r>
+                      <a:r>
+                        <a:rPr lang="en-US" sz="3200" b="1" i="0" u="none" strike="noStrike" dirty="0" err="1">
+                          <a:solidFill>
+                            <a:srgbClr val="000000"/>
+                          </a:solidFill>
+                          <a:effectLst/>
+                          <a:latin typeface="Calibri Light" panose="020F0302020204030204" pitchFamily="34" charset="0"/>
+                          <a:cs typeface="Calibri Light" panose="020F0302020204030204" pitchFamily="34" charset="0"/>
+                        </a:rPr>
+                        <a:t>standart</a:t>
+                      </a:r>
+                      <a:r>
+                        <a:rPr lang="en-US" sz="3200" b="1" i="0" u="none" strike="noStrike" dirty="0">
+                          <a:solidFill>
+                            <a:srgbClr val="000000"/>
+                          </a:solidFill>
+                          <a:effectLst/>
+                          <a:latin typeface="Calibri Light" panose="020F0302020204030204" pitchFamily="34" charset="0"/>
+                          <a:cs typeface="Calibri Light" panose="020F0302020204030204" pitchFamily="34" charset="0"/>
+                        </a:rPr>
+                        <a:t> model</a:t>
                       </a:r>
                     </a:p>
                   </a:txBody>
@@ -8180,7 +8282,7 @@
                     <a:p>
                       <a:pPr lvl="0" algn="ctr" rtl="1" fontAlgn="ctr"/>
                       <a:r>
-                        <a:rPr lang="he-IL" sz="3200" b="0" i="0" u="none" strike="noStrike">
+                        <a:rPr lang="he-IL" sz="3200" b="0" i="0" u="none" strike="noStrike" dirty="0">
                           <a:solidFill>
                             <a:srgbClr val="000000"/>
                           </a:solidFill>
@@ -8884,7 +8986,7 @@
                     <a:p>
                       <a:pPr lvl="0" algn="ctr" rtl="1" fontAlgn="ctr"/>
                       <a:r>
-                        <a:rPr lang="he-IL" sz="3200" b="0" i="0" u="none" strike="noStrike">
+                        <a:rPr lang="he-IL" sz="3200" b="0" i="0" u="none" strike="noStrike" dirty="0">
                           <a:solidFill>
                             <a:srgbClr val="000000"/>
                           </a:solidFill>
@@ -9147,29 +9249,7 @@
                           <a:latin typeface="Calibri Light" panose="020F0302020204030204" pitchFamily="34" charset="0"/>
                           <a:cs typeface="Calibri Light" panose="020F0302020204030204" pitchFamily="34" charset="0"/>
                         </a:rPr>
-                        <a:t>Number of </a:t>
-                      </a:r>
-                      <a:r>
-                        <a:rPr lang="en-US" sz="3200" b="0" i="0" u="none" strike="noStrike" dirty="0" err="1">
-                          <a:solidFill>
-                            <a:srgbClr val="000000"/>
-                          </a:solidFill>
-                          <a:effectLst/>
-                          <a:latin typeface="Calibri Light" panose="020F0302020204030204" pitchFamily="34" charset="0"/>
-                          <a:cs typeface="Calibri Light" panose="020F0302020204030204" pitchFamily="34" charset="0"/>
-                        </a:rPr>
-                        <a:t>sibilings</a:t>
-                      </a:r>
-                      <a:r>
-                        <a:rPr lang="en-US" sz="3200" b="0" i="0" u="none" strike="noStrike" dirty="0">
-                          <a:solidFill>
-                            <a:srgbClr val="000000"/>
-                          </a:solidFill>
-                          <a:effectLst/>
-                          <a:latin typeface="Calibri Light" panose="020F0302020204030204" pitchFamily="34" charset="0"/>
-                          <a:cs typeface="Calibri Light" panose="020F0302020204030204" pitchFamily="34" charset="0"/>
-                        </a:rPr>
-                        <a:t> 1-2</a:t>
+                        <a:t>Number of siblings 1-2</a:t>
                       </a:r>
                     </a:p>
                   </a:txBody>
@@ -9524,29 +9604,7 @@
                           <a:latin typeface="Calibri Light" panose="020F0302020204030204" pitchFamily="34" charset="0"/>
                           <a:cs typeface="Calibri Light" panose="020F0302020204030204" pitchFamily="34" charset="0"/>
                         </a:rPr>
-                        <a:t>Number of </a:t>
-                      </a:r>
-                      <a:r>
-                        <a:rPr lang="en-US" sz="3200" b="0" i="0" u="none" strike="noStrike" dirty="0" err="1">
-                          <a:solidFill>
-                            <a:srgbClr val="000000"/>
-                          </a:solidFill>
-                          <a:effectLst/>
-                          <a:latin typeface="Calibri Light" panose="020F0302020204030204" pitchFamily="34" charset="0"/>
-                          <a:cs typeface="Calibri Light" panose="020F0302020204030204" pitchFamily="34" charset="0"/>
-                        </a:rPr>
-                        <a:t>sibilings</a:t>
-                      </a:r>
-                      <a:r>
-                        <a:rPr lang="en-US" sz="3200" b="0" i="0" u="none" strike="noStrike" dirty="0">
-                          <a:solidFill>
-                            <a:srgbClr val="000000"/>
-                          </a:solidFill>
-                          <a:effectLst/>
-                          <a:latin typeface="Calibri Light" panose="020F0302020204030204" pitchFamily="34" charset="0"/>
-                          <a:cs typeface="Calibri Light" panose="020F0302020204030204" pitchFamily="34" charset="0"/>
-                        </a:rPr>
-                        <a:t> 3+</a:t>
+                        <a:t>Number of siblings 3+</a:t>
                       </a:r>
                     </a:p>
                   </a:txBody>
@@ -10934,7 +10992,7 @@
                     <a:p>
                       <a:pPr algn="l" fontAlgn="b"/>
                       <a:r>
-                        <a:rPr lang="en-US" sz="3200" b="0" i="0" u="none" strike="noStrike">
+                        <a:rPr lang="en-US" sz="3200" b="0" i="0" u="none" strike="noStrike" dirty="0">
                           <a:solidFill>
                             <a:srgbClr val="000000"/>
                           </a:solidFill>
@@ -11498,7 +11556,7 @@
                     <a:p>
                       <a:pPr lvl="0" algn="ctr" rtl="1" fontAlgn="ctr"/>
                       <a:r>
-                        <a:rPr lang="he-IL" sz="3200" b="0" i="0" u="none" strike="noStrike">
+                        <a:rPr lang="he-IL" sz="3200" b="0" i="0" u="none" strike="noStrike" dirty="0">
                           <a:solidFill>
                             <a:srgbClr val="000000"/>
                           </a:solidFill>
@@ -15923,7 +15981,7 @@
         </p:blipFill>
         <p:spPr>
           <a:xfrm>
-            <a:off x="14093042" y="21187765"/>
+            <a:off x="14073992" y="21187765"/>
             <a:ext cx="12350311" cy="9262733"/>
           </a:xfrm>
           <a:prstGeom prst="rect">

--- a/poster.pptx
+++ b/poster.pptx
@@ -470,12 +470,12 @@
   <pc:docChgLst>
     <pc:chgData name="Shahar Shalom" userId="c1657878-da89-43af-9535-4a8d3e59b096" providerId="ADAL" clId="{97D10777-EDE1-4B59-B9E7-AD2396A8F3A8}"/>
     <pc:docChg chg="undo redo custSel modSld">
-      <pc:chgData name="Shahar Shalom" userId="c1657878-da89-43af-9535-4a8d3e59b096" providerId="ADAL" clId="{97D10777-EDE1-4B59-B9E7-AD2396A8F3A8}" dt="2023-06-15T14:47:06.865" v="232" actId="20577"/>
+      <pc:chgData name="Shahar Shalom" userId="c1657878-da89-43af-9535-4a8d3e59b096" providerId="ADAL" clId="{97D10777-EDE1-4B59-B9E7-AD2396A8F3A8}" dt="2023-06-15T14:49:51.443" v="233" actId="313"/>
       <pc:docMkLst>
         <pc:docMk/>
       </pc:docMkLst>
       <pc:sldChg chg="addSp modSp mod">
-        <pc:chgData name="Shahar Shalom" userId="c1657878-da89-43af-9535-4a8d3e59b096" providerId="ADAL" clId="{97D10777-EDE1-4B59-B9E7-AD2396A8F3A8}" dt="2023-06-15T14:47:06.865" v="232" actId="20577"/>
+        <pc:chgData name="Shahar Shalom" userId="c1657878-da89-43af-9535-4a8d3e59b096" providerId="ADAL" clId="{97D10777-EDE1-4B59-B9E7-AD2396A8F3A8}" dt="2023-06-15T14:49:51.443" v="233" actId="313"/>
         <pc:sldMkLst>
           <pc:docMk/>
           <pc:sldMk cId="3381761132" sldId="257"/>
@@ -497,7 +497,7 @@
           </ac:graphicFrameMkLst>
         </pc:graphicFrameChg>
         <pc:graphicFrameChg chg="mod modGraphic">
-          <ac:chgData name="Shahar Shalom" userId="c1657878-da89-43af-9535-4a8d3e59b096" providerId="ADAL" clId="{97D10777-EDE1-4B59-B9E7-AD2396A8F3A8}" dt="2023-06-15T14:43:18.414" v="174" actId="14734"/>
+          <ac:chgData name="Shahar Shalom" userId="c1657878-da89-43af-9535-4a8d3e59b096" providerId="ADAL" clId="{97D10777-EDE1-4B59-B9E7-AD2396A8F3A8}" dt="2023-06-15T14:49:51.443" v="233" actId="313"/>
           <ac:graphicFrameMkLst>
             <pc:docMk/>
             <pc:sldMk cId="3381761132" sldId="257"/>
@@ -6184,7 +6184,7 @@
                         <a:buChar char="•"/>
                       </a:pPr>
                       <a:r>
-                        <a:rPr lang="en-US" sz="3200" kern="1200">
+                        <a:rPr lang="en-US" sz="3200" kern="1200" dirty="0">
                           <a:solidFill>
                             <a:schemeClr val="dk1"/>
                           </a:solidFill>
@@ -7053,7 +7053,7 @@
           <p:nvPr>
             <p:extLst>
               <p:ext uri="{D42A27DB-BD31-4B8C-83A1-F6EECF244321}">
-                <p14:modId xmlns:p14="http://schemas.microsoft.com/office/powerpoint/2010/main" val="3836769478"/>
+                <p14:modId xmlns:p14="http://schemas.microsoft.com/office/powerpoint/2010/main" val="2977195690"/>
               </p:ext>
             </p:extLst>
           </p:nvPr>
@@ -7201,6 +7201,17 @@
                     <a:p>
                       <a:pPr algn="ctr" fontAlgn="ctr"/>
                       <a:r>
+                        <a:rPr lang="en-US" sz="3200" b="1" i="0" u="none" strike="noStrike">
+                          <a:solidFill>
+                            <a:srgbClr val="000000"/>
+                          </a:solidFill>
+                          <a:effectLst/>
+                          <a:latin typeface="Calibri Light" panose="020F0302020204030204" pitchFamily="34" charset="0"/>
+                          <a:cs typeface="Calibri Light" panose="020F0302020204030204" pitchFamily="34" charset="0"/>
+                        </a:rPr>
+                        <a:t>Logistic standard </a:t>
+                      </a:r>
+                      <a:r>
                         <a:rPr lang="en-US" sz="3200" b="1" i="0" u="none" strike="noStrike" dirty="0">
                           <a:solidFill>
                             <a:srgbClr val="000000"/>
@@ -7209,29 +7220,7 @@
                           <a:latin typeface="Calibri Light" panose="020F0302020204030204" pitchFamily="34" charset="0"/>
                           <a:cs typeface="Calibri Light" panose="020F0302020204030204" pitchFamily="34" charset="0"/>
                         </a:rPr>
-                        <a:t>Logistic </a:t>
-                      </a:r>
-                      <a:r>
-                        <a:rPr lang="en-US" sz="3200" b="1" i="0" u="none" strike="noStrike" dirty="0" err="1">
-                          <a:solidFill>
-                            <a:srgbClr val="000000"/>
-                          </a:solidFill>
-                          <a:effectLst/>
-                          <a:latin typeface="Calibri Light" panose="020F0302020204030204" pitchFamily="34" charset="0"/>
-                          <a:cs typeface="Calibri Light" panose="020F0302020204030204" pitchFamily="34" charset="0"/>
-                        </a:rPr>
-                        <a:t>standart</a:t>
-                      </a:r>
-                      <a:r>
-                        <a:rPr lang="en-US" sz="3200" b="1" i="0" u="none" strike="noStrike" dirty="0">
-                          <a:solidFill>
-                            <a:srgbClr val="000000"/>
-                          </a:solidFill>
-                          <a:effectLst/>
-                          <a:latin typeface="Calibri Light" panose="020F0302020204030204" pitchFamily="34" charset="0"/>
-                          <a:cs typeface="Calibri Light" panose="020F0302020204030204" pitchFamily="34" charset="0"/>
-                        </a:rPr>
-                        <a:t> model</a:t>
+                        <a:t>model</a:t>
                       </a:r>
                     </a:p>
                   </a:txBody>
